--- a/Báo cáo/ThesisReport.pptx
+++ b/Báo cáo/ThesisReport.pptx
@@ -4,14 +4,40 @@
   <p:sldMasterIdLst>
     <p:sldMasterId id="2147483648" r:id="rId1"/>
   </p:sldMasterIdLst>
+  <p:notesMasterIdLst>
+    <p:notesMasterId r:id="rId32"/>
+  </p:notesMasterIdLst>
   <p:sldIdLst>
-    <p:sldId id="265" r:id="rId2"/>
-    <p:sldId id="257" r:id="rId3"/>
-    <p:sldId id="259" r:id="rId4"/>
-    <p:sldId id="263" r:id="rId5"/>
-    <p:sldId id="269" r:id="rId6"/>
-    <p:sldId id="267" r:id="rId7"/>
-    <p:sldId id="261" r:id="rId8"/>
+    <p:sldId id="271" r:id="rId2"/>
+    <p:sldId id="259" r:id="rId3"/>
+    <p:sldId id="280" r:id="rId4"/>
+    <p:sldId id="282" r:id="rId5"/>
+    <p:sldId id="287" r:id="rId6"/>
+    <p:sldId id="286" r:id="rId7"/>
+    <p:sldId id="281" r:id="rId8"/>
+    <p:sldId id="284" r:id="rId9"/>
+    <p:sldId id="300" r:id="rId10"/>
+    <p:sldId id="299" r:id="rId11"/>
+    <p:sldId id="292" r:id="rId12"/>
+    <p:sldId id="296" r:id="rId13"/>
+    <p:sldId id="293" r:id="rId14"/>
+    <p:sldId id="294" r:id="rId15"/>
+    <p:sldId id="295" r:id="rId16"/>
+    <p:sldId id="298" r:id="rId17"/>
+    <p:sldId id="297" r:id="rId18"/>
+    <p:sldId id="274" r:id="rId19"/>
+    <p:sldId id="275" r:id="rId20"/>
+    <p:sldId id="276" r:id="rId21"/>
+    <p:sldId id="277" r:id="rId22"/>
+    <p:sldId id="278" r:id="rId23"/>
+    <p:sldId id="285" r:id="rId24"/>
+    <p:sldId id="279" r:id="rId25"/>
+    <p:sldId id="273" r:id="rId26"/>
+    <p:sldId id="272" r:id="rId27"/>
+    <p:sldId id="270" r:id="rId28"/>
+    <p:sldId id="261" r:id="rId29"/>
+    <p:sldId id="283" r:id="rId30"/>
+    <p:sldId id="267" r:id="rId31"/>
   </p:sldIdLst>
   <p:sldSz cx="12192000" cy="6858000"/>
   <p:notesSz cx="6858000" cy="9144000"/>
@@ -116,6 +142,2177 @@
     </p:ext>
   </p:extLst>
 </p:presentation>
+</file>
+
+<file path=ppt/notesMasters/notesMaster1.xml><?xml version="1.0" encoding="utf-8"?>
+<p:notesMaster xmlns:a="http://schemas.openxmlformats.org/drawingml/2006/main" xmlns:r="http://schemas.openxmlformats.org/officeDocument/2006/relationships" xmlns:p="http://schemas.openxmlformats.org/presentationml/2006/main">
+  <p:cSld>
+    <p:bg>
+      <p:bgRef idx="1001">
+        <a:schemeClr val="bg1"/>
+      </p:bgRef>
+    </p:bg>
+    <p:spTree>
+      <p:nvGrpSpPr>
+        <p:cNvPr id="1" name=""/>
+        <p:cNvGrpSpPr/>
+        <p:nvPr/>
+      </p:nvGrpSpPr>
+      <p:grpSpPr>
+        <a:xfrm>
+          <a:off x="0" y="0"/>
+          <a:ext cx="0" cy="0"/>
+          <a:chOff x="0" y="0"/>
+          <a:chExt cx="0" cy="0"/>
+        </a:xfrm>
+      </p:grpSpPr>
+      <p:sp>
+        <p:nvSpPr>
+          <p:cNvPr id="2" name="Header Placeholder 1"/>
+          <p:cNvSpPr>
+            <a:spLocks noGrp="1"/>
+          </p:cNvSpPr>
+          <p:nvPr>
+            <p:ph type="hdr" sz="quarter"/>
+          </p:nvPr>
+        </p:nvSpPr>
+        <p:spPr>
+          <a:xfrm>
+            <a:off x="0" y="0"/>
+            <a:ext cx="2971800" cy="458788"/>
+          </a:xfrm>
+          <a:prstGeom prst="rect">
+            <a:avLst/>
+          </a:prstGeom>
+        </p:spPr>
+        <p:txBody>
+          <a:bodyPr vert="horz" lIns="91440" tIns="45720" rIns="91440" bIns="45720" rtlCol="0"/>
+          <a:lstStyle>
+            <a:lvl1pPr algn="l">
+              <a:defRPr sz="1200"/>
+            </a:lvl1pPr>
+          </a:lstStyle>
+          <a:p>
+            <a:endParaRPr lang="vi-VN"/>
+          </a:p>
+        </p:txBody>
+      </p:sp>
+      <p:sp>
+        <p:nvSpPr>
+          <p:cNvPr id="3" name="Date Placeholder 2"/>
+          <p:cNvSpPr>
+            <a:spLocks noGrp="1"/>
+          </p:cNvSpPr>
+          <p:nvPr>
+            <p:ph type="dt" idx="1"/>
+          </p:nvPr>
+        </p:nvSpPr>
+        <p:spPr>
+          <a:xfrm>
+            <a:off x="3884613" y="0"/>
+            <a:ext cx="2971800" cy="458788"/>
+          </a:xfrm>
+          <a:prstGeom prst="rect">
+            <a:avLst/>
+          </a:prstGeom>
+        </p:spPr>
+        <p:txBody>
+          <a:bodyPr vert="horz" lIns="91440" tIns="45720" rIns="91440" bIns="45720" rtlCol="0"/>
+          <a:lstStyle>
+            <a:lvl1pPr algn="r">
+              <a:defRPr sz="1200"/>
+            </a:lvl1pPr>
+          </a:lstStyle>
+          <a:p>
+            <a:fld id="{36BB93D1-677A-4727-ACB1-B4ED1776CBF7}" type="datetimeFigureOut">
+              <a:rPr lang="vi-VN" smtClean="0"/>
+              <a:t>10/12/2025</a:t>
+            </a:fld>
+            <a:endParaRPr lang="vi-VN"/>
+          </a:p>
+        </p:txBody>
+      </p:sp>
+      <p:sp>
+        <p:nvSpPr>
+          <p:cNvPr id="4" name="Slide Image Placeholder 3"/>
+          <p:cNvSpPr>
+            <a:spLocks noGrp="1" noRot="1" noChangeAspect="1"/>
+          </p:cNvSpPr>
+          <p:nvPr>
+            <p:ph type="sldImg" idx="2"/>
+          </p:nvPr>
+        </p:nvSpPr>
+        <p:spPr>
+          <a:xfrm>
+            <a:off x="685800" y="1143000"/>
+            <a:ext cx="5486400" cy="3086100"/>
+          </a:xfrm>
+          <a:prstGeom prst="rect">
+            <a:avLst/>
+          </a:prstGeom>
+          <a:noFill/>
+          <a:ln w="12700">
+            <a:solidFill>
+              <a:prstClr val="black"/>
+            </a:solidFill>
+          </a:ln>
+        </p:spPr>
+        <p:txBody>
+          <a:bodyPr vert="horz" lIns="91440" tIns="45720" rIns="91440" bIns="45720" rtlCol="0" anchor="ctr"/>
+          <a:lstStyle/>
+          <a:p>
+            <a:endParaRPr lang="vi-VN"/>
+          </a:p>
+        </p:txBody>
+      </p:sp>
+      <p:sp>
+        <p:nvSpPr>
+          <p:cNvPr id="5" name="Notes Placeholder 4"/>
+          <p:cNvSpPr>
+            <a:spLocks noGrp="1"/>
+          </p:cNvSpPr>
+          <p:nvPr>
+            <p:ph type="body" sz="quarter" idx="3"/>
+          </p:nvPr>
+        </p:nvSpPr>
+        <p:spPr>
+          <a:xfrm>
+            <a:off x="685800" y="4400550"/>
+            <a:ext cx="5486400" cy="3600450"/>
+          </a:xfrm>
+          <a:prstGeom prst="rect">
+            <a:avLst/>
+          </a:prstGeom>
+        </p:spPr>
+        <p:txBody>
+          <a:bodyPr vert="horz" lIns="91440" tIns="45720" rIns="91440" bIns="45720" rtlCol="0"/>
+          <a:lstStyle/>
+          <a:p>
+            <a:pPr lvl="0"/>
+            <a:r>
+              <a:rPr lang="en-US"/>
+              <a:t>Click to edit Master text styles</a:t>
+            </a:r>
+          </a:p>
+          <a:p>
+            <a:pPr lvl="1"/>
+            <a:r>
+              <a:rPr lang="en-US"/>
+              <a:t>Second level</a:t>
+            </a:r>
+          </a:p>
+          <a:p>
+            <a:pPr lvl="2"/>
+            <a:r>
+              <a:rPr lang="en-US"/>
+              <a:t>Third level</a:t>
+            </a:r>
+          </a:p>
+          <a:p>
+            <a:pPr lvl="3"/>
+            <a:r>
+              <a:rPr lang="en-US"/>
+              <a:t>Fourth level</a:t>
+            </a:r>
+          </a:p>
+          <a:p>
+            <a:pPr lvl="4"/>
+            <a:r>
+              <a:rPr lang="en-US"/>
+              <a:t>Fifth level</a:t>
+            </a:r>
+            <a:endParaRPr lang="vi-VN"/>
+          </a:p>
+        </p:txBody>
+      </p:sp>
+      <p:sp>
+        <p:nvSpPr>
+          <p:cNvPr id="6" name="Footer Placeholder 5"/>
+          <p:cNvSpPr>
+            <a:spLocks noGrp="1"/>
+          </p:cNvSpPr>
+          <p:nvPr>
+            <p:ph type="ftr" sz="quarter" idx="4"/>
+          </p:nvPr>
+        </p:nvSpPr>
+        <p:spPr>
+          <a:xfrm>
+            <a:off x="0" y="8685213"/>
+            <a:ext cx="2971800" cy="458787"/>
+          </a:xfrm>
+          <a:prstGeom prst="rect">
+            <a:avLst/>
+          </a:prstGeom>
+        </p:spPr>
+        <p:txBody>
+          <a:bodyPr vert="horz" lIns="91440" tIns="45720" rIns="91440" bIns="45720" rtlCol="0" anchor="b"/>
+          <a:lstStyle>
+            <a:lvl1pPr algn="l">
+              <a:defRPr sz="1200"/>
+            </a:lvl1pPr>
+          </a:lstStyle>
+          <a:p>
+            <a:endParaRPr lang="vi-VN"/>
+          </a:p>
+        </p:txBody>
+      </p:sp>
+      <p:sp>
+        <p:nvSpPr>
+          <p:cNvPr id="7" name="Slide Number Placeholder 6"/>
+          <p:cNvSpPr>
+            <a:spLocks noGrp="1"/>
+          </p:cNvSpPr>
+          <p:nvPr>
+            <p:ph type="sldNum" sz="quarter" idx="5"/>
+          </p:nvPr>
+        </p:nvSpPr>
+        <p:spPr>
+          <a:xfrm>
+            <a:off x="3884613" y="8685213"/>
+            <a:ext cx="2971800" cy="458787"/>
+          </a:xfrm>
+          <a:prstGeom prst="rect">
+            <a:avLst/>
+          </a:prstGeom>
+        </p:spPr>
+        <p:txBody>
+          <a:bodyPr vert="horz" lIns="91440" tIns="45720" rIns="91440" bIns="45720" rtlCol="0" anchor="b"/>
+          <a:lstStyle>
+            <a:lvl1pPr algn="r">
+              <a:defRPr sz="1200"/>
+            </a:lvl1pPr>
+          </a:lstStyle>
+          <a:p>
+            <a:fld id="{A67E2EB4-AAAC-4D92-8F4B-6C8B3AB9BD3F}" type="slidenum">
+              <a:rPr lang="vi-VN" smtClean="0"/>
+              <a:t>‹#›</a:t>
+            </a:fld>
+            <a:endParaRPr lang="vi-VN"/>
+          </a:p>
+        </p:txBody>
+      </p:sp>
+    </p:spTree>
+    <p:extLst>
+      <p:ext uri="{BB962C8B-B14F-4D97-AF65-F5344CB8AC3E}">
+        <p14:creationId xmlns:p14="http://schemas.microsoft.com/office/powerpoint/2010/main" val="1804596247"/>
+      </p:ext>
+    </p:extLst>
+  </p:cSld>
+  <p:clrMap bg1="lt1" tx1="dk1" bg2="lt2" tx2="dk2" accent1="accent1" accent2="accent2" accent3="accent3" accent4="accent4" accent5="accent5" accent6="accent6" hlink="hlink" folHlink="folHlink"/>
+  <p:notesStyle>
+    <a:lvl1pPr marL="0" algn="l" defTabSz="914400" rtl="0" eaLnBrk="1" latinLnBrk="0" hangingPunct="1">
+      <a:defRPr sz="1200" kern="1200">
+        <a:solidFill>
+          <a:schemeClr val="tx1"/>
+        </a:solidFill>
+        <a:latin typeface="+mn-lt"/>
+        <a:ea typeface="+mn-ea"/>
+        <a:cs typeface="+mn-cs"/>
+      </a:defRPr>
+    </a:lvl1pPr>
+    <a:lvl2pPr marL="457200" algn="l" defTabSz="914400" rtl="0" eaLnBrk="1" latinLnBrk="0" hangingPunct="1">
+      <a:defRPr sz="1200" kern="1200">
+        <a:solidFill>
+          <a:schemeClr val="tx1"/>
+        </a:solidFill>
+        <a:latin typeface="+mn-lt"/>
+        <a:ea typeface="+mn-ea"/>
+        <a:cs typeface="+mn-cs"/>
+      </a:defRPr>
+    </a:lvl2pPr>
+    <a:lvl3pPr marL="914400" algn="l" defTabSz="914400" rtl="0" eaLnBrk="1" latinLnBrk="0" hangingPunct="1">
+      <a:defRPr sz="1200" kern="1200">
+        <a:solidFill>
+          <a:schemeClr val="tx1"/>
+        </a:solidFill>
+        <a:latin typeface="+mn-lt"/>
+        <a:ea typeface="+mn-ea"/>
+        <a:cs typeface="+mn-cs"/>
+      </a:defRPr>
+    </a:lvl3pPr>
+    <a:lvl4pPr marL="1371600" algn="l" defTabSz="914400" rtl="0" eaLnBrk="1" latinLnBrk="0" hangingPunct="1">
+      <a:defRPr sz="1200" kern="1200">
+        <a:solidFill>
+          <a:schemeClr val="tx1"/>
+        </a:solidFill>
+        <a:latin typeface="+mn-lt"/>
+        <a:ea typeface="+mn-ea"/>
+        <a:cs typeface="+mn-cs"/>
+      </a:defRPr>
+    </a:lvl4pPr>
+    <a:lvl5pPr marL="1828800" algn="l" defTabSz="914400" rtl="0" eaLnBrk="1" latinLnBrk="0" hangingPunct="1">
+      <a:defRPr sz="1200" kern="1200">
+        <a:solidFill>
+          <a:schemeClr val="tx1"/>
+        </a:solidFill>
+        <a:latin typeface="+mn-lt"/>
+        <a:ea typeface="+mn-ea"/>
+        <a:cs typeface="+mn-cs"/>
+      </a:defRPr>
+    </a:lvl5pPr>
+    <a:lvl6pPr marL="2286000" algn="l" defTabSz="914400" rtl="0" eaLnBrk="1" latinLnBrk="0" hangingPunct="1">
+      <a:defRPr sz="1200" kern="1200">
+        <a:solidFill>
+          <a:schemeClr val="tx1"/>
+        </a:solidFill>
+        <a:latin typeface="+mn-lt"/>
+        <a:ea typeface="+mn-ea"/>
+        <a:cs typeface="+mn-cs"/>
+      </a:defRPr>
+    </a:lvl6pPr>
+    <a:lvl7pPr marL="2743200" algn="l" defTabSz="914400" rtl="0" eaLnBrk="1" latinLnBrk="0" hangingPunct="1">
+      <a:defRPr sz="1200" kern="1200">
+        <a:solidFill>
+          <a:schemeClr val="tx1"/>
+        </a:solidFill>
+        <a:latin typeface="+mn-lt"/>
+        <a:ea typeface="+mn-ea"/>
+        <a:cs typeface="+mn-cs"/>
+      </a:defRPr>
+    </a:lvl7pPr>
+    <a:lvl8pPr marL="3200400" algn="l" defTabSz="914400" rtl="0" eaLnBrk="1" latinLnBrk="0" hangingPunct="1">
+      <a:defRPr sz="1200" kern="1200">
+        <a:solidFill>
+          <a:schemeClr val="tx1"/>
+        </a:solidFill>
+        <a:latin typeface="+mn-lt"/>
+        <a:ea typeface="+mn-ea"/>
+        <a:cs typeface="+mn-cs"/>
+      </a:defRPr>
+    </a:lvl8pPr>
+    <a:lvl9pPr marL="3657600" algn="l" defTabSz="914400" rtl="0" eaLnBrk="1" latinLnBrk="0" hangingPunct="1">
+      <a:defRPr sz="1200" kern="1200">
+        <a:solidFill>
+          <a:schemeClr val="tx1"/>
+        </a:solidFill>
+        <a:latin typeface="+mn-lt"/>
+        <a:ea typeface="+mn-ea"/>
+        <a:cs typeface="+mn-cs"/>
+      </a:defRPr>
+    </a:lvl9pPr>
+  </p:notesStyle>
+</p:notesMaster>
+</file>
+
+<file path=ppt/notesSlides/notesSlide1.xml><?xml version="1.0" encoding="utf-8"?>
+<p:notes xmlns:a="http://schemas.openxmlformats.org/drawingml/2006/main" xmlns:r="http://schemas.openxmlformats.org/officeDocument/2006/relationships" xmlns:p="http://schemas.openxmlformats.org/presentationml/2006/main">
+  <p:cSld>
+    <p:spTree>
+      <p:nvGrpSpPr>
+        <p:cNvPr id="1" name=""/>
+        <p:cNvGrpSpPr/>
+        <p:nvPr/>
+      </p:nvGrpSpPr>
+      <p:grpSpPr>
+        <a:xfrm>
+          <a:off x="0" y="0"/>
+          <a:ext cx="0" cy="0"/>
+          <a:chOff x="0" y="0"/>
+          <a:chExt cx="0" cy="0"/>
+        </a:xfrm>
+      </p:grpSpPr>
+      <p:sp>
+        <p:nvSpPr>
+          <p:cNvPr id="2" name="Slide Image Placeholder 1"/>
+          <p:cNvSpPr>
+            <a:spLocks noGrp="1" noRot="1" noChangeAspect="1"/>
+          </p:cNvSpPr>
+          <p:nvPr>
+            <p:ph type="sldImg"/>
+          </p:nvPr>
+        </p:nvSpPr>
+        <p:spPr/>
+      </p:sp>
+      <p:sp>
+        <p:nvSpPr>
+          <p:cNvPr id="3" name="Notes Placeholder 2"/>
+          <p:cNvSpPr>
+            <a:spLocks noGrp="1"/>
+          </p:cNvSpPr>
+          <p:nvPr>
+            <p:ph type="body" idx="1"/>
+          </p:nvPr>
+        </p:nvSpPr>
+        <p:spPr/>
+        <p:txBody>
+          <a:bodyPr/>
+          <a:lstStyle/>
+          <a:p>
+            <a:endParaRPr lang="en-US" dirty="0"/>
+          </a:p>
+        </p:txBody>
+      </p:sp>
+      <p:sp>
+        <p:nvSpPr>
+          <p:cNvPr id="4" name="Slide Number Placeholder 3"/>
+          <p:cNvSpPr>
+            <a:spLocks noGrp="1"/>
+          </p:cNvSpPr>
+          <p:nvPr>
+            <p:ph type="sldNum" sz="quarter" idx="5"/>
+          </p:nvPr>
+        </p:nvSpPr>
+        <p:spPr/>
+        <p:txBody>
+          <a:bodyPr/>
+          <a:lstStyle/>
+          <a:p>
+            <a:fld id="{A67E2EB4-AAAC-4D92-8F4B-6C8B3AB9BD3F}" type="slidenum">
+              <a:rPr lang="vi-VN" smtClean="0"/>
+              <a:t>2</a:t>
+            </a:fld>
+            <a:endParaRPr lang="vi-VN"/>
+          </a:p>
+        </p:txBody>
+      </p:sp>
+    </p:spTree>
+    <p:extLst>
+      <p:ext uri="{BB962C8B-B14F-4D97-AF65-F5344CB8AC3E}">
+        <p14:creationId xmlns:p14="http://schemas.microsoft.com/office/powerpoint/2010/main" val="3958037636"/>
+      </p:ext>
+    </p:extLst>
+  </p:cSld>
+  <p:clrMapOvr>
+    <a:masterClrMapping/>
+  </p:clrMapOvr>
+</p:notes>
+</file>
+
+<file path=ppt/notesSlides/notesSlide10.xml><?xml version="1.0" encoding="utf-8"?>
+<p:notes xmlns:a="http://schemas.openxmlformats.org/drawingml/2006/main" xmlns:r="http://schemas.openxmlformats.org/officeDocument/2006/relationships" xmlns:p="http://schemas.openxmlformats.org/presentationml/2006/main">
+  <p:cSld>
+    <p:spTree>
+      <p:nvGrpSpPr>
+        <p:cNvPr id="1" name="">
+          <a:extLst>
+            <a:ext uri="{FF2B5EF4-FFF2-40B4-BE49-F238E27FC236}">
+              <a16:creationId xmlns:a16="http://schemas.microsoft.com/office/drawing/2014/main" id="{38D4E520-8007-473F-1EAD-F11A63BDDB6A}"/>
+            </a:ext>
+          </a:extLst>
+        </p:cNvPr>
+        <p:cNvGrpSpPr/>
+        <p:nvPr/>
+      </p:nvGrpSpPr>
+      <p:grpSpPr>
+        <a:xfrm>
+          <a:off x="0" y="0"/>
+          <a:ext cx="0" cy="0"/>
+          <a:chOff x="0" y="0"/>
+          <a:chExt cx="0" cy="0"/>
+        </a:xfrm>
+      </p:grpSpPr>
+      <p:sp>
+        <p:nvSpPr>
+          <p:cNvPr id="2" name="Slide Image Placeholder 1">
+            <a:extLst>
+              <a:ext uri="{FF2B5EF4-FFF2-40B4-BE49-F238E27FC236}">
+                <a16:creationId xmlns:a16="http://schemas.microsoft.com/office/drawing/2014/main" id="{85569434-C290-0358-EADD-2A95BF7707BA}"/>
+              </a:ext>
+            </a:extLst>
+          </p:cNvPr>
+          <p:cNvSpPr>
+            <a:spLocks noGrp="1" noRot="1" noChangeAspect="1"/>
+          </p:cNvSpPr>
+          <p:nvPr>
+            <p:ph type="sldImg"/>
+          </p:nvPr>
+        </p:nvSpPr>
+        <p:spPr/>
+      </p:sp>
+      <p:sp>
+        <p:nvSpPr>
+          <p:cNvPr id="3" name="Notes Placeholder 2">
+            <a:extLst>
+              <a:ext uri="{FF2B5EF4-FFF2-40B4-BE49-F238E27FC236}">
+                <a16:creationId xmlns:a16="http://schemas.microsoft.com/office/drawing/2014/main" id="{82B74D49-C1CE-653B-4198-1DE2391C5539}"/>
+              </a:ext>
+            </a:extLst>
+          </p:cNvPr>
+          <p:cNvSpPr>
+            <a:spLocks noGrp="1"/>
+          </p:cNvSpPr>
+          <p:nvPr>
+            <p:ph type="body" idx="1"/>
+          </p:nvPr>
+        </p:nvSpPr>
+        <p:spPr/>
+        <p:txBody>
+          <a:bodyPr/>
+          <a:lstStyle/>
+          <a:p>
+            <a:endParaRPr lang="en-US" dirty="0"/>
+          </a:p>
+        </p:txBody>
+      </p:sp>
+      <p:sp>
+        <p:nvSpPr>
+          <p:cNvPr id="4" name="Slide Number Placeholder 3">
+            <a:extLst>
+              <a:ext uri="{FF2B5EF4-FFF2-40B4-BE49-F238E27FC236}">
+                <a16:creationId xmlns:a16="http://schemas.microsoft.com/office/drawing/2014/main" id="{958A0187-9FF7-9E37-C7E5-DCF651889753}"/>
+              </a:ext>
+            </a:extLst>
+          </p:cNvPr>
+          <p:cNvSpPr>
+            <a:spLocks noGrp="1"/>
+          </p:cNvSpPr>
+          <p:nvPr>
+            <p:ph type="sldNum" sz="quarter" idx="5"/>
+          </p:nvPr>
+        </p:nvSpPr>
+        <p:spPr/>
+        <p:txBody>
+          <a:bodyPr/>
+          <a:lstStyle/>
+          <a:p>
+            <a:fld id="{A67E2EB4-AAAC-4D92-8F4B-6C8B3AB9BD3F}" type="slidenum">
+              <a:rPr lang="vi-VN" smtClean="0"/>
+              <a:t>13</a:t>
+            </a:fld>
+            <a:endParaRPr lang="vi-VN"/>
+          </a:p>
+        </p:txBody>
+      </p:sp>
+    </p:spTree>
+    <p:extLst>
+      <p:ext uri="{BB962C8B-B14F-4D97-AF65-F5344CB8AC3E}">
+        <p14:creationId xmlns:p14="http://schemas.microsoft.com/office/powerpoint/2010/main" val="3213775446"/>
+      </p:ext>
+    </p:extLst>
+  </p:cSld>
+  <p:clrMapOvr>
+    <a:masterClrMapping/>
+  </p:clrMapOvr>
+</p:notes>
+</file>
+
+<file path=ppt/notesSlides/notesSlide11.xml><?xml version="1.0" encoding="utf-8"?>
+<p:notes xmlns:a="http://schemas.openxmlformats.org/drawingml/2006/main" xmlns:r="http://schemas.openxmlformats.org/officeDocument/2006/relationships" xmlns:p="http://schemas.openxmlformats.org/presentationml/2006/main">
+  <p:cSld>
+    <p:spTree>
+      <p:nvGrpSpPr>
+        <p:cNvPr id="1" name="">
+          <a:extLst>
+            <a:ext uri="{FF2B5EF4-FFF2-40B4-BE49-F238E27FC236}">
+              <a16:creationId xmlns:a16="http://schemas.microsoft.com/office/drawing/2014/main" id="{2BFB3396-8EFB-AC40-C9B9-C8A02B1B09A3}"/>
+            </a:ext>
+          </a:extLst>
+        </p:cNvPr>
+        <p:cNvGrpSpPr/>
+        <p:nvPr/>
+      </p:nvGrpSpPr>
+      <p:grpSpPr>
+        <a:xfrm>
+          <a:off x="0" y="0"/>
+          <a:ext cx="0" cy="0"/>
+          <a:chOff x="0" y="0"/>
+          <a:chExt cx="0" cy="0"/>
+        </a:xfrm>
+      </p:grpSpPr>
+      <p:sp>
+        <p:nvSpPr>
+          <p:cNvPr id="2" name="Slide Image Placeholder 1">
+            <a:extLst>
+              <a:ext uri="{FF2B5EF4-FFF2-40B4-BE49-F238E27FC236}">
+                <a16:creationId xmlns:a16="http://schemas.microsoft.com/office/drawing/2014/main" id="{A5593095-1250-74A2-8FEA-D18CDF56EBCE}"/>
+              </a:ext>
+            </a:extLst>
+          </p:cNvPr>
+          <p:cNvSpPr>
+            <a:spLocks noGrp="1" noRot="1" noChangeAspect="1"/>
+          </p:cNvSpPr>
+          <p:nvPr>
+            <p:ph type="sldImg"/>
+          </p:nvPr>
+        </p:nvSpPr>
+        <p:spPr/>
+      </p:sp>
+      <p:sp>
+        <p:nvSpPr>
+          <p:cNvPr id="3" name="Notes Placeholder 2">
+            <a:extLst>
+              <a:ext uri="{FF2B5EF4-FFF2-40B4-BE49-F238E27FC236}">
+                <a16:creationId xmlns:a16="http://schemas.microsoft.com/office/drawing/2014/main" id="{689406BA-D775-5E24-CC87-01AEC7BE04DD}"/>
+              </a:ext>
+            </a:extLst>
+          </p:cNvPr>
+          <p:cNvSpPr>
+            <a:spLocks noGrp="1"/>
+          </p:cNvSpPr>
+          <p:nvPr>
+            <p:ph type="body" idx="1"/>
+          </p:nvPr>
+        </p:nvSpPr>
+        <p:spPr/>
+        <p:txBody>
+          <a:bodyPr/>
+          <a:lstStyle/>
+          <a:p>
+            <a:endParaRPr lang="en-US" dirty="0"/>
+          </a:p>
+        </p:txBody>
+      </p:sp>
+      <p:sp>
+        <p:nvSpPr>
+          <p:cNvPr id="4" name="Slide Number Placeholder 3">
+            <a:extLst>
+              <a:ext uri="{FF2B5EF4-FFF2-40B4-BE49-F238E27FC236}">
+                <a16:creationId xmlns:a16="http://schemas.microsoft.com/office/drawing/2014/main" id="{B82FC894-8887-E41F-68A1-6FB66A4DFD91}"/>
+              </a:ext>
+            </a:extLst>
+          </p:cNvPr>
+          <p:cNvSpPr>
+            <a:spLocks noGrp="1"/>
+          </p:cNvSpPr>
+          <p:nvPr>
+            <p:ph type="sldNum" sz="quarter" idx="5"/>
+          </p:nvPr>
+        </p:nvSpPr>
+        <p:spPr/>
+        <p:txBody>
+          <a:bodyPr/>
+          <a:lstStyle/>
+          <a:p>
+            <a:fld id="{A67E2EB4-AAAC-4D92-8F4B-6C8B3AB9BD3F}" type="slidenum">
+              <a:rPr lang="vi-VN" smtClean="0"/>
+              <a:t>14</a:t>
+            </a:fld>
+            <a:endParaRPr lang="vi-VN"/>
+          </a:p>
+        </p:txBody>
+      </p:sp>
+    </p:spTree>
+    <p:extLst>
+      <p:ext uri="{BB962C8B-B14F-4D97-AF65-F5344CB8AC3E}">
+        <p14:creationId xmlns:p14="http://schemas.microsoft.com/office/powerpoint/2010/main" val="2157941140"/>
+      </p:ext>
+    </p:extLst>
+  </p:cSld>
+  <p:clrMapOvr>
+    <a:masterClrMapping/>
+  </p:clrMapOvr>
+</p:notes>
+</file>
+
+<file path=ppt/notesSlides/notesSlide12.xml><?xml version="1.0" encoding="utf-8"?>
+<p:notes xmlns:a="http://schemas.openxmlformats.org/drawingml/2006/main" xmlns:r="http://schemas.openxmlformats.org/officeDocument/2006/relationships" xmlns:p="http://schemas.openxmlformats.org/presentationml/2006/main">
+  <p:cSld>
+    <p:spTree>
+      <p:nvGrpSpPr>
+        <p:cNvPr id="1" name="">
+          <a:extLst>
+            <a:ext uri="{FF2B5EF4-FFF2-40B4-BE49-F238E27FC236}">
+              <a16:creationId xmlns:a16="http://schemas.microsoft.com/office/drawing/2014/main" id="{6BD56FBD-0661-75B0-3AEB-4122824801EB}"/>
+            </a:ext>
+          </a:extLst>
+        </p:cNvPr>
+        <p:cNvGrpSpPr/>
+        <p:nvPr/>
+      </p:nvGrpSpPr>
+      <p:grpSpPr>
+        <a:xfrm>
+          <a:off x="0" y="0"/>
+          <a:ext cx="0" cy="0"/>
+          <a:chOff x="0" y="0"/>
+          <a:chExt cx="0" cy="0"/>
+        </a:xfrm>
+      </p:grpSpPr>
+      <p:sp>
+        <p:nvSpPr>
+          <p:cNvPr id="2" name="Slide Image Placeholder 1">
+            <a:extLst>
+              <a:ext uri="{FF2B5EF4-FFF2-40B4-BE49-F238E27FC236}">
+                <a16:creationId xmlns:a16="http://schemas.microsoft.com/office/drawing/2014/main" id="{FD4FB34C-BABD-A445-0976-9515A6FA9064}"/>
+              </a:ext>
+            </a:extLst>
+          </p:cNvPr>
+          <p:cNvSpPr>
+            <a:spLocks noGrp="1" noRot="1" noChangeAspect="1"/>
+          </p:cNvSpPr>
+          <p:nvPr>
+            <p:ph type="sldImg"/>
+          </p:nvPr>
+        </p:nvSpPr>
+        <p:spPr/>
+      </p:sp>
+      <p:sp>
+        <p:nvSpPr>
+          <p:cNvPr id="3" name="Notes Placeholder 2">
+            <a:extLst>
+              <a:ext uri="{FF2B5EF4-FFF2-40B4-BE49-F238E27FC236}">
+                <a16:creationId xmlns:a16="http://schemas.microsoft.com/office/drawing/2014/main" id="{DEF5B446-C20E-03E4-CE1F-853F60004FAA}"/>
+              </a:ext>
+            </a:extLst>
+          </p:cNvPr>
+          <p:cNvSpPr>
+            <a:spLocks noGrp="1"/>
+          </p:cNvSpPr>
+          <p:nvPr>
+            <p:ph type="body" idx="1"/>
+          </p:nvPr>
+        </p:nvSpPr>
+        <p:spPr/>
+        <p:txBody>
+          <a:bodyPr/>
+          <a:lstStyle/>
+          <a:p>
+            <a:endParaRPr lang="en-US" dirty="0"/>
+          </a:p>
+        </p:txBody>
+      </p:sp>
+      <p:sp>
+        <p:nvSpPr>
+          <p:cNvPr id="4" name="Slide Number Placeholder 3">
+            <a:extLst>
+              <a:ext uri="{FF2B5EF4-FFF2-40B4-BE49-F238E27FC236}">
+                <a16:creationId xmlns:a16="http://schemas.microsoft.com/office/drawing/2014/main" id="{543A8BA3-7BBB-7A0E-05DC-BC3E0D871120}"/>
+              </a:ext>
+            </a:extLst>
+          </p:cNvPr>
+          <p:cNvSpPr>
+            <a:spLocks noGrp="1"/>
+          </p:cNvSpPr>
+          <p:nvPr>
+            <p:ph type="sldNum" sz="quarter" idx="5"/>
+          </p:nvPr>
+        </p:nvSpPr>
+        <p:spPr/>
+        <p:txBody>
+          <a:bodyPr/>
+          <a:lstStyle/>
+          <a:p>
+            <a:fld id="{A67E2EB4-AAAC-4D92-8F4B-6C8B3AB9BD3F}" type="slidenum">
+              <a:rPr lang="vi-VN" smtClean="0"/>
+              <a:t>15</a:t>
+            </a:fld>
+            <a:endParaRPr lang="vi-VN"/>
+          </a:p>
+        </p:txBody>
+      </p:sp>
+    </p:spTree>
+    <p:extLst>
+      <p:ext uri="{BB962C8B-B14F-4D97-AF65-F5344CB8AC3E}">
+        <p14:creationId xmlns:p14="http://schemas.microsoft.com/office/powerpoint/2010/main" val="3033325010"/>
+      </p:ext>
+    </p:extLst>
+  </p:cSld>
+  <p:clrMapOvr>
+    <a:masterClrMapping/>
+  </p:clrMapOvr>
+</p:notes>
+</file>
+
+<file path=ppt/notesSlides/notesSlide13.xml><?xml version="1.0" encoding="utf-8"?>
+<p:notes xmlns:a="http://schemas.openxmlformats.org/drawingml/2006/main" xmlns:r="http://schemas.openxmlformats.org/officeDocument/2006/relationships" xmlns:p="http://schemas.openxmlformats.org/presentationml/2006/main">
+  <p:cSld>
+    <p:spTree>
+      <p:nvGrpSpPr>
+        <p:cNvPr id="1" name="">
+          <a:extLst>
+            <a:ext uri="{FF2B5EF4-FFF2-40B4-BE49-F238E27FC236}">
+              <a16:creationId xmlns:a16="http://schemas.microsoft.com/office/drawing/2014/main" id="{7A579DA3-338F-F953-3358-49FAD474A9E0}"/>
+            </a:ext>
+          </a:extLst>
+        </p:cNvPr>
+        <p:cNvGrpSpPr/>
+        <p:nvPr/>
+      </p:nvGrpSpPr>
+      <p:grpSpPr>
+        <a:xfrm>
+          <a:off x="0" y="0"/>
+          <a:ext cx="0" cy="0"/>
+          <a:chOff x="0" y="0"/>
+          <a:chExt cx="0" cy="0"/>
+        </a:xfrm>
+      </p:grpSpPr>
+      <p:sp>
+        <p:nvSpPr>
+          <p:cNvPr id="2" name="Slide Image Placeholder 1">
+            <a:extLst>
+              <a:ext uri="{FF2B5EF4-FFF2-40B4-BE49-F238E27FC236}">
+                <a16:creationId xmlns:a16="http://schemas.microsoft.com/office/drawing/2014/main" id="{E20F6E29-33D2-A133-68F9-BC4AAD2B3CA2}"/>
+              </a:ext>
+            </a:extLst>
+          </p:cNvPr>
+          <p:cNvSpPr>
+            <a:spLocks noGrp="1" noRot="1" noChangeAspect="1"/>
+          </p:cNvSpPr>
+          <p:nvPr>
+            <p:ph type="sldImg"/>
+          </p:nvPr>
+        </p:nvSpPr>
+        <p:spPr/>
+      </p:sp>
+      <p:sp>
+        <p:nvSpPr>
+          <p:cNvPr id="3" name="Notes Placeholder 2">
+            <a:extLst>
+              <a:ext uri="{FF2B5EF4-FFF2-40B4-BE49-F238E27FC236}">
+                <a16:creationId xmlns:a16="http://schemas.microsoft.com/office/drawing/2014/main" id="{7CFC116D-FEC2-2414-C630-193A317A0E01}"/>
+              </a:ext>
+            </a:extLst>
+          </p:cNvPr>
+          <p:cNvSpPr>
+            <a:spLocks noGrp="1"/>
+          </p:cNvSpPr>
+          <p:nvPr>
+            <p:ph type="body" idx="1"/>
+          </p:nvPr>
+        </p:nvSpPr>
+        <p:spPr/>
+        <p:txBody>
+          <a:bodyPr/>
+          <a:lstStyle/>
+          <a:p>
+            <a:endParaRPr lang="en-US" dirty="0"/>
+          </a:p>
+        </p:txBody>
+      </p:sp>
+      <p:sp>
+        <p:nvSpPr>
+          <p:cNvPr id="4" name="Slide Number Placeholder 3">
+            <a:extLst>
+              <a:ext uri="{FF2B5EF4-FFF2-40B4-BE49-F238E27FC236}">
+                <a16:creationId xmlns:a16="http://schemas.microsoft.com/office/drawing/2014/main" id="{70EE85BF-F63C-3CB4-D6A3-14CEA2DF68EE}"/>
+              </a:ext>
+            </a:extLst>
+          </p:cNvPr>
+          <p:cNvSpPr>
+            <a:spLocks noGrp="1"/>
+          </p:cNvSpPr>
+          <p:nvPr>
+            <p:ph type="sldNum" sz="quarter" idx="5"/>
+          </p:nvPr>
+        </p:nvSpPr>
+        <p:spPr/>
+        <p:txBody>
+          <a:bodyPr/>
+          <a:lstStyle/>
+          <a:p>
+            <a:fld id="{A67E2EB4-AAAC-4D92-8F4B-6C8B3AB9BD3F}" type="slidenum">
+              <a:rPr lang="vi-VN" smtClean="0"/>
+              <a:t>16</a:t>
+            </a:fld>
+            <a:endParaRPr lang="vi-VN"/>
+          </a:p>
+        </p:txBody>
+      </p:sp>
+    </p:spTree>
+    <p:extLst>
+      <p:ext uri="{BB962C8B-B14F-4D97-AF65-F5344CB8AC3E}">
+        <p14:creationId xmlns:p14="http://schemas.microsoft.com/office/powerpoint/2010/main" val="3125426396"/>
+      </p:ext>
+    </p:extLst>
+  </p:cSld>
+  <p:clrMapOvr>
+    <a:masterClrMapping/>
+  </p:clrMapOvr>
+</p:notes>
+</file>
+
+<file path=ppt/notesSlides/notesSlide14.xml><?xml version="1.0" encoding="utf-8"?>
+<p:notes xmlns:a="http://schemas.openxmlformats.org/drawingml/2006/main" xmlns:r="http://schemas.openxmlformats.org/officeDocument/2006/relationships" xmlns:p="http://schemas.openxmlformats.org/presentationml/2006/main">
+  <p:cSld>
+    <p:spTree>
+      <p:nvGrpSpPr>
+        <p:cNvPr id="1" name="">
+          <a:extLst>
+            <a:ext uri="{FF2B5EF4-FFF2-40B4-BE49-F238E27FC236}">
+              <a16:creationId xmlns:a16="http://schemas.microsoft.com/office/drawing/2014/main" id="{406F6867-6F68-B9EF-701E-FBD4BCA196CE}"/>
+            </a:ext>
+          </a:extLst>
+        </p:cNvPr>
+        <p:cNvGrpSpPr/>
+        <p:nvPr/>
+      </p:nvGrpSpPr>
+      <p:grpSpPr>
+        <a:xfrm>
+          <a:off x="0" y="0"/>
+          <a:ext cx="0" cy="0"/>
+          <a:chOff x="0" y="0"/>
+          <a:chExt cx="0" cy="0"/>
+        </a:xfrm>
+      </p:grpSpPr>
+      <p:sp>
+        <p:nvSpPr>
+          <p:cNvPr id="2" name="Slide Image Placeholder 1">
+            <a:extLst>
+              <a:ext uri="{FF2B5EF4-FFF2-40B4-BE49-F238E27FC236}">
+                <a16:creationId xmlns:a16="http://schemas.microsoft.com/office/drawing/2014/main" id="{C21EE5AF-4427-B6EB-2BA1-4B77AC871DBA}"/>
+              </a:ext>
+            </a:extLst>
+          </p:cNvPr>
+          <p:cNvSpPr>
+            <a:spLocks noGrp="1" noRot="1" noChangeAspect="1"/>
+          </p:cNvSpPr>
+          <p:nvPr>
+            <p:ph type="sldImg"/>
+          </p:nvPr>
+        </p:nvSpPr>
+        <p:spPr/>
+      </p:sp>
+      <p:sp>
+        <p:nvSpPr>
+          <p:cNvPr id="3" name="Notes Placeholder 2">
+            <a:extLst>
+              <a:ext uri="{FF2B5EF4-FFF2-40B4-BE49-F238E27FC236}">
+                <a16:creationId xmlns:a16="http://schemas.microsoft.com/office/drawing/2014/main" id="{30CAD67D-E363-F74B-B957-56B2F3304BA5}"/>
+              </a:ext>
+            </a:extLst>
+          </p:cNvPr>
+          <p:cNvSpPr>
+            <a:spLocks noGrp="1"/>
+          </p:cNvSpPr>
+          <p:nvPr>
+            <p:ph type="body" idx="1"/>
+          </p:nvPr>
+        </p:nvSpPr>
+        <p:spPr/>
+        <p:txBody>
+          <a:bodyPr/>
+          <a:lstStyle/>
+          <a:p>
+            <a:endParaRPr lang="en-US" dirty="0"/>
+          </a:p>
+        </p:txBody>
+      </p:sp>
+      <p:sp>
+        <p:nvSpPr>
+          <p:cNvPr id="4" name="Slide Number Placeholder 3">
+            <a:extLst>
+              <a:ext uri="{FF2B5EF4-FFF2-40B4-BE49-F238E27FC236}">
+                <a16:creationId xmlns:a16="http://schemas.microsoft.com/office/drawing/2014/main" id="{F5930A3C-4E71-CF74-7374-FD218724DECC}"/>
+              </a:ext>
+            </a:extLst>
+          </p:cNvPr>
+          <p:cNvSpPr>
+            <a:spLocks noGrp="1"/>
+          </p:cNvSpPr>
+          <p:nvPr>
+            <p:ph type="sldNum" sz="quarter" idx="5"/>
+          </p:nvPr>
+        </p:nvSpPr>
+        <p:spPr/>
+        <p:txBody>
+          <a:bodyPr/>
+          <a:lstStyle/>
+          <a:p>
+            <a:fld id="{A67E2EB4-AAAC-4D92-8F4B-6C8B3AB9BD3F}" type="slidenum">
+              <a:rPr lang="vi-VN" smtClean="0"/>
+              <a:t>17</a:t>
+            </a:fld>
+            <a:endParaRPr lang="vi-VN"/>
+          </a:p>
+        </p:txBody>
+      </p:sp>
+    </p:spTree>
+    <p:extLst>
+      <p:ext uri="{BB962C8B-B14F-4D97-AF65-F5344CB8AC3E}">
+        <p14:creationId xmlns:p14="http://schemas.microsoft.com/office/powerpoint/2010/main" val="2772146794"/>
+      </p:ext>
+    </p:extLst>
+  </p:cSld>
+  <p:clrMapOvr>
+    <a:masterClrMapping/>
+  </p:clrMapOvr>
+</p:notes>
+</file>
+
+<file path=ppt/notesSlides/notesSlide15.xml><?xml version="1.0" encoding="utf-8"?>
+<p:notes xmlns:a="http://schemas.openxmlformats.org/drawingml/2006/main" xmlns:r="http://schemas.openxmlformats.org/officeDocument/2006/relationships" xmlns:p="http://schemas.openxmlformats.org/presentationml/2006/main">
+  <p:cSld>
+    <p:spTree>
+      <p:nvGrpSpPr>
+        <p:cNvPr id="1" name=""/>
+        <p:cNvGrpSpPr/>
+        <p:nvPr/>
+      </p:nvGrpSpPr>
+      <p:grpSpPr>
+        <a:xfrm>
+          <a:off x="0" y="0"/>
+          <a:ext cx="0" cy="0"/>
+          <a:chOff x="0" y="0"/>
+          <a:chExt cx="0" cy="0"/>
+        </a:xfrm>
+      </p:grpSpPr>
+      <p:sp>
+        <p:nvSpPr>
+          <p:cNvPr id="2" name="Slide Image Placeholder 1"/>
+          <p:cNvSpPr>
+            <a:spLocks noGrp="1" noRot="1" noChangeAspect="1"/>
+          </p:cNvSpPr>
+          <p:nvPr>
+            <p:ph type="sldImg"/>
+          </p:nvPr>
+        </p:nvSpPr>
+        <p:spPr/>
+        <p:txBody>
+          <a:bodyPr/>
+          <a:lstStyle/>
+          <a:p>
+            <a:endParaRPr lang="en-US"/>
+          </a:p>
+        </p:txBody>
+      </p:sp>
+      <p:sp>
+        <p:nvSpPr>
+          <p:cNvPr id="3" name="Notes Placeholder 2"/>
+          <p:cNvSpPr>
+            <a:spLocks noGrp="1"/>
+          </p:cNvSpPr>
+          <p:nvPr>
+            <p:ph type="body" idx="1"/>
+          </p:nvPr>
+        </p:nvSpPr>
+        <p:spPr/>
+        <p:txBody>
+          <a:bodyPr/>
+          <a:lstStyle/>
+          <a:p>
+            <a:r>
+              <a:rPr lang="en-US" dirty="0" err="1"/>
+              <a:t>Achived</a:t>
+            </a:r>
+            <a:r>
+              <a:rPr lang="en-US" dirty="0"/>
+              <a:t> results:</a:t>
+            </a:r>
+            <a:br>
+              <a:rPr lang="en-US" dirty="0"/>
+            </a:br>
+            <a:r>
+              <a:rPr lang="en-US" dirty="0"/>
+              <a:t>2. local **result** storage</a:t>
+            </a:r>
+          </a:p>
+          <a:p>
+            <a:endParaRPr lang="en-US" dirty="0"/>
+          </a:p>
+          <a:p>
+            <a:r>
+              <a:rPr lang="en-US" dirty="0"/>
+              <a:t>Current limitations:</a:t>
+            </a:r>
+            <a:br>
+              <a:rPr lang="en-US" dirty="0"/>
+            </a:br>
+            <a:r>
+              <a:rPr lang="en-US" dirty="0"/>
+              <a:t>3. which are the search feature and forage map.</a:t>
+            </a:r>
+            <a:endParaRPr lang="vi-VN" dirty="0"/>
+          </a:p>
+        </p:txBody>
+      </p:sp>
+      <p:sp>
+        <p:nvSpPr>
+          <p:cNvPr id="4" name="Slide Number Placeholder 3"/>
+          <p:cNvSpPr>
+            <a:spLocks noGrp="1"/>
+          </p:cNvSpPr>
+          <p:nvPr>
+            <p:ph type="sldNum" sz="quarter" idx="5"/>
+          </p:nvPr>
+        </p:nvSpPr>
+        <p:spPr/>
+        <p:txBody>
+          <a:bodyPr/>
+          <a:lstStyle/>
+          <a:p>
+            <a:fld id="{A67E2EB4-AAAC-4D92-8F4B-6C8B3AB9BD3F}" type="slidenum">
+              <a:rPr lang="vi-VN" smtClean="0"/>
+              <a:t>26</a:t>
+            </a:fld>
+            <a:endParaRPr lang="vi-VN"/>
+          </a:p>
+        </p:txBody>
+      </p:sp>
+    </p:spTree>
+    <p:extLst>
+      <p:ext uri="{BB962C8B-B14F-4D97-AF65-F5344CB8AC3E}">
+        <p14:creationId xmlns:p14="http://schemas.microsoft.com/office/powerpoint/2010/main" val="2167281020"/>
+      </p:ext>
+    </p:extLst>
+  </p:cSld>
+  <p:clrMapOvr>
+    <a:masterClrMapping/>
+  </p:clrMapOvr>
+</p:notes>
+</file>
+
+<file path=ppt/notesSlides/notesSlide16.xml><?xml version="1.0" encoding="utf-8"?>
+<p:notes xmlns:a="http://schemas.openxmlformats.org/drawingml/2006/main" xmlns:r="http://schemas.openxmlformats.org/officeDocument/2006/relationships" xmlns:p="http://schemas.openxmlformats.org/presentationml/2006/main">
+  <p:cSld>
+    <p:spTree>
+      <p:nvGrpSpPr>
+        <p:cNvPr id="1" name=""/>
+        <p:cNvGrpSpPr/>
+        <p:nvPr/>
+      </p:nvGrpSpPr>
+      <p:grpSpPr>
+        <a:xfrm>
+          <a:off x="0" y="0"/>
+          <a:ext cx="0" cy="0"/>
+          <a:chOff x="0" y="0"/>
+          <a:chExt cx="0" cy="0"/>
+        </a:xfrm>
+      </p:grpSpPr>
+      <p:sp>
+        <p:nvSpPr>
+          <p:cNvPr id="2" name="Slide Image Placeholder 1"/>
+          <p:cNvSpPr>
+            <a:spLocks noGrp="1" noRot="1" noChangeAspect="1"/>
+          </p:cNvSpPr>
+          <p:nvPr>
+            <p:ph type="sldImg"/>
+          </p:nvPr>
+        </p:nvSpPr>
+        <p:spPr/>
+        <p:txBody>
+          <a:bodyPr/>
+          <a:lstStyle/>
+          <a:p>
+            <a:endParaRPr lang="en-US"/>
+          </a:p>
+        </p:txBody>
+      </p:sp>
+      <p:sp>
+        <p:nvSpPr>
+          <p:cNvPr id="3" name="Notes Placeholder 2"/>
+          <p:cNvSpPr>
+            <a:spLocks noGrp="1"/>
+          </p:cNvSpPr>
+          <p:nvPr>
+            <p:ph type="body" idx="1"/>
+          </p:nvPr>
+        </p:nvSpPr>
+        <p:spPr/>
+        <p:txBody>
+          <a:bodyPr/>
+          <a:lstStyle/>
+          <a:p>
+            <a:pPr marL="228600" indent="-228600">
+              <a:buAutoNum type="arabicPeriod"/>
+            </a:pPr>
+            <a:r>
+              <a:rPr lang="en-US" dirty="0"/>
+              <a:t>Either through a multi-task model or a separate specialized classifier</a:t>
+            </a:r>
+          </a:p>
+          <a:p>
+            <a:pPr marL="228600" indent="-228600">
+              <a:buAutoNum type="arabicPeriod"/>
+            </a:pPr>
+            <a:endParaRPr lang="en-US" dirty="0"/>
+          </a:p>
+        </p:txBody>
+      </p:sp>
+      <p:sp>
+        <p:nvSpPr>
+          <p:cNvPr id="4" name="Slide Number Placeholder 3"/>
+          <p:cNvSpPr>
+            <a:spLocks noGrp="1"/>
+          </p:cNvSpPr>
+          <p:nvPr>
+            <p:ph type="sldNum" sz="quarter" idx="5"/>
+          </p:nvPr>
+        </p:nvSpPr>
+        <p:spPr/>
+        <p:txBody>
+          <a:bodyPr/>
+          <a:lstStyle/>
+          <a:p>
+            <a:fld id="{A67E2EB4-AAAC-4D92-8F4B-6C8B3AB9BD3F}" type="slidenum">
+              <a:rPr lang="vi-VN" smtClean="0"/>
+              <a:t>27</a:t>
+            </a:fld>
+            <a:endParaRPr lang="vi-VN"/>
+          </a:p>
+        </p:txBody>
+      </p:sp>
+    </p:spTree>
+    <p:extLst>
+      <p:ext uri="{BB962C8B-B14F-4D97-AF65-F5344CB8AC3E}">
+        <p14:creationId xmlns:p14="http://schemas.microsoft.com/office/powerpoint/2010/main" val="2855441045"/>
+      </p:ext>
+    </p:extLst>
+  </p:cSld>
+  <p:clrMapOvr>
+    <a:masterClrMapping/>
+  </p:clrMapOvr>
+</p:notes>
+</file>
+
+<file path=ppt/notesSlides/notesSlide17.xml><?xml version="1.0" encoding="utf-8"?>
+<p:notes xmlns:a="http://schemas.openxmlformats.org/drawingml/2006/main" xmlns:r="http://schemas.openxmlformats.org/officeDocument/2006/relationships" xmlns:p="http://schemas.openxmlformats.org/presentationml/2006/main">
+  <p:cSld>
+    <p:spTree>
+      <p:nvGrpSpPr>
+        <p:cNvPr id="1" name="">
+          <a:extLst>
+            <a:ext uri="{FF2B5EF4-FFF2-40B4-BE49-F238E27FC236}">
+              <a16:creationId xmlns:a16="http://schemas.microsoft.com/office/drawing/2014/main" id="{445AAB08-621F-8577-F090-3BDB879159FC}"/>
+            </a:ext>
+          </a:extLst>
+        </p:cNvPr>
+        <p:cNvGrpSpPr/>
+        <p:nvPr/>
+      </p:nvGrpSpPr>
+      <p:grpSpPr>
+        <a:xfrm>
+          <a:off x="0" y="0"/>
+          <a:ext cx="0" cy="0"/>
+          <a:chOff x="0" y="0"/>
+          <a:chExt cx="0" cy="0"/>
+        </a:xfrm>
+      </p:grpSpPr>
+      <p:sp>
+        <p:nvSpPr>
+          <p:cNvPr id="2" name="Slide Image Placeholder 1">
+            <a:extLst>
+              <a:ext uri="{FF2B5EF4-FFF2-40B4-BE49-F238E27FC236}">
+                <a16:creationId xmlns:a16="http://schemas.microsoft.com/office/drawing/2014/main" id="{53051E21-D4E8-E118-5E5C-DE8E6BA70AE6}"/>
+              </a:ext>
+            </a:extLst>
+          </p:cNvPr>
+          <p:cNvSpPr>
+            <a:spLocks noGrp="1" noRot="1" noChangeAspect="1"/>
+          </p:cNvSpPr>
+          <p:nvPr>
+            <p:ph type="sldImg"/>
+          </p:nvPr>
+        </p:nvSpPr>
+        <p:spPr/>
+      </p:sp>
+      <p:sp>
+        <p:nvSpPr>
+          <p:cNvPr id="3" name="Notes Placeholder 2">
+            <a:extLst>
+              <a:ext uri="{FF2B5EF4-FFF2-40B4-BE49-F238E27FC236}">
+                <a16:creationId xmlns:a16="http://schemas.microsoft.com/office/drawing/2014/main" id="{CE4516DC-59A5-03E2-C0FF-CF883EC3FDA6}"/>
+              </a:ext>
+            </a:extLst>
+          </p:cNvPr>
+          <p:cNvSpPr>
+            <a:spLocks noGrp="1"/>
+          </p:cNvSpPr>
+          <p:nvPr>
+            <p:ph type="body" idx="1"/>
+          </p:nvPr>
+        </p:nvSpPr>
+        <p:spPr/>
+        <p:txBody>
+          <a:bodyPr/>
+          <a:lstStyle/>
+          <a:p>
+            <a:endParaRPr lang="en-US" dirty="0"/>
+          </a:p>
+        </p:txBody>
+      </p:sp>
+      <p:sp>
+        <p:nvSpPr>
+          <p:cNvPr id="4" name="Slide Number Placeholder 3">
+            <a:extLst>
+              <a:ext uri="{FF2B5EF4-FFF2-40B4-BE49-F238E27FC236}">
+                <a16:creationId xmlns:a16="http://schemas.microsoft.com/office/drawing/2014/main" id="{9E1375FE-AF65-AD32-7A9B-1FCC6C3DCE3A}"/>
+              </a:ext>
+            </a:extLst>
+          </p:cNvPr>
+          <p:cNvSpPr>
+            <a:spLocks noGrp="1"/>
+          </p:cNvSpPr>
+          <p:nvPr>
+            <p:ph type="sldNum" sz="quarter" idx="5"/>
+          </p:nvPr>
+        </p:nvSpPr>
+        <p:spPr/>
+        <p:txBody>
+          <a:bodyPr/>
+          <a:lstStyle/>
+          <a:p>
+            <a:fld id="{A67E2EB4-AAAC-4D92-8F4B-6C8B3AB9BD3F}" type="slidenum">
+              <a:rPr lang="vi-VN" smtClean="0"/>
+              <a:t>29</a:t>
+            </a:fld>
+            <a:endParaRPr lang="vi-VN"/>
+          </a:p>
+        </p:txBody>
+      </p:sp>
+    </p:spTree>
+    <p:extLst>
+      <p:ext uri="{BB962C8B-B14F-4D97-AF65-F5344CB8AC3E}">
+        <p14:creationId xmlns:p14="http://schemas.microsoft.com/office/powerpoint/2010/main" val="4128160173"/>
+      </p:ext>
+    </p:extLst>
+  </p:cSld>
+  <p:clrMapOvr>
+    <a:masterClrMapping/>
+  </p:clrMapOvr>
+</p:notes>
+</file>
+
+<file path=ppt/notesSlides/notesSlide2.xml><?xml version="1.0" encoding="utf-8"?>
+<p:notes xmlns:a="http://schemas.openxmlformats.org/drawingml/2006/main" xmlns:r="http://schemas.openxmlformats.org/officeDocument/2006/relationships" xmlns:p="http://schemas.openxmlformats.org/presentationml/2006/main">
+  <p:cSld>
+    <p:spTree>
+      <p:nvGrpSpPr>
+        <p:cNvPr id="1" name="">
+          <a:extLst>
+            <a:ext uri="{FF2B5EF4-FFF2-40B4-BE49-F238E27FC236}">
+              <a16:creationId xmlns:a16="http://schemas.microsoft.com/office/drawing/2014/main" id="{61A43415-7EBD-A612-8A1C-EB47D1833D13}"/>
+            </a:ext>
+          </a:extLst>
+        </p:cNvPr>
+        <p:cNvGrpSpPr/>
+        <p:nvPr/>
+      </p:nvGrpSpPr>
+      <p:grpSpPr>
+        <a:xfrm>
+          <a:off x="0" y="0"/>
+          <a:ext cx="0" cy="0"/>
+          <a:chOff x="0" y="0"/>
+          <a:chExt cx="0" cy="0"/>
+        </a:xfrm>
+      </p:grpSpPr>
+      <p:sp>
+        <p:nvSpPr>
+          <p:cNvPr id="2" name="Slide Image Placeholder 1">
+            <a:extLst>
+              <a:ext uri="{FF2B5EF4-FFF2-40B4-BE49-F238E27FC236}">
+                <a16:creationId xmlns:a16="http://schemas.microsoft.com/office/drawing/2014/main" id="{9902404F-B406-4B93-3B6C-E7E9346A7247}"/>
+              </a:ext>
+            </a:extLst>
+          </p:cNvPr>
+          <p:cNvSpPr>
+            <a:spLocks noGrp="1" noRot="1" noChangeAspect="1"/>
+          </p:cNvSpPr>
+          <p:nvPr>
+            <p:ph type="sldImg"/>
+          </p:nvPr>
+        </p:nvSpPr>
+        <p:spPr/>
+      </p:sp>
+      <p:sp>
+        <p:nvSpPr>
+          <p:cNvPr id="3" name="Notes Placeholder 2">
+            <a:extLst>
+              <a:ext uri="{FF2B5EF4-FFF2-40B4-BE49-F238E27FC236}">
+                <a16:creationId xmlns:a16="http://schemas.microsoft.com/office/drawing/2014/main" id="{73E2D42B-071C-F252-6B4F-4B1E242D6A44}"/>
+              </a:ext>
+            </a:extLst>
+          </p:cNvPr>
+          <p:cNvSpPr>
+            <a:spLocks noGrp="1"/>
+          </p:cNvSpPr>
+          <p:nvPr>
+            <p:ph type="body" idx="1"/>
+          </p:nvPr>
+        </p:nvSpPr>
+        <p:spPr/>
+        <p:txBody>
+          <a:bodyPr/>
+          <a:lstStyle/>
+          <a:p>
+            <a:endParaRPr lang="en-US" dirty="0"/>
+          </a:p>
+        </p:txBody>
+      </p:sp>
+      <p:sp>
+        <p:nvSpPr>
+          <p:cNvPr id="4" name="Slide Number Placeholder 3">
+            <a:extLst>
+              <a:ext uri="{FF2B5EF4-FFF2-40B4-BE49-F238E27FC236}">
+                <a16:creationId xmlns:a16="http://schemas.microsoft.com/office/drawing/2014/main" id="{6993B383-1197-5B90-5491-9869AD46B99B}"/>
+              </a:ext>
+            </a:extLst>
+          </p:cNvPr>
+          <p:cNvSpPr>
+            <a:spLocks noGrp="1"/>
+          </p:cNvSpPr>
+          <p:nvPr>
+            <p:ph type="sldNum" sz="quarter" idx="5"/>
+          </p:nvPr>
+        </p:nvSpPr>
+        <p:spPr/>
+        <p:txBody>
+          <a:bodyPr/>
+          <a:lstStyle/>
+          <a:p>
+            <a:fld id="{A67E2EB4-AAAC-4D92-8F4B-6C8B3AB9BD3F}" type="slidenum">
+              <a:rPr lang="vi-VN" smtClean="0"/>
+              <a:t>4</a:t>
+            </a:fld>
+            <a:endParaRPr lang="vi-VN"/>
+          </a:p>
+        </p:txBody>
+      </p:sp>
+    </p:spTree>
+    <p:extLst>
+      <p:ext uri="{BB962C8B-B14F-4D97-AF65-F5344CB8AC3E}">
+        <p14:creationId xmlns:p14="http://schemas.microsoft.com/office/powerpoint/2010/main" val="185016575"/>
+      </p:ext>
+    </p:extLst>
+  </p:cSld>
+  <p:clrMapOvr>
+    <a:masterClrMapping/>
+  </p:clrMapOvr>
+</p:notes>
+</file>
+
+<file path=ppt/notesSlides/notesSlide3.xml><?xml version="1.0" encoding="utf-8"?>
+<p:notes xmlns:a="http://schemas.openxmlformats.org/drawingml/2006/main" xmlns:r="http://schemas.openxmlformats.org/officeDocument/2006/relationships" xmlns:p="http://schemas.openxmlformats.org/presentationml/2006/main">
+  <p:cSld>
+    <p:spTree>
+      <p:nvGrpSpPr>
+        <p:cNvPr id="1" name="">
+          <a:extLst>
+            <a:ext uri="{FF2B5EF4-FFF2-40B4-BE49-F238E27FC236}">
+              <a16:creationId xmlns:a16="http://schemas.microsoft.com/office/drawing/2014/main" id="{EDEE6FE5-5835-F215-3BF1-F551AE286BCF}"/>
+            </a:ext>
+          </a:extLst>
+        </p:cNvPr>
+        <p:cNvGrpSpPr/>
+        <p:nvPr/>
+      </p:nvGrpSpPr>
+      <p:grpSpPr>
+        <a:xfrm>
+          <a:off x="0" y="0"/>
+          <a:ext cx="0" cy="0"/>
+          <a:chOff x="0" y="0"/>
+          <a:chExt cx="0" cy="0"/>
+        </a:xfrm>
+      </p:grpSpPr>
+      <p:sp>
+        <p:nvSpPr>
+          <p:cNvPr id="2" name="Slide Image Placeholder 1">
+            <a:extLst>
+              <a:ext uri="{FF2B5EF4-FFF2-40B4-BE49-F238E27FC236}">
+                <a16:creationId xmlns:a16="http://schemas.microsoft.com/office/drawing/2014/main" id="{A04CD891-1745-3D4E-32C0-5634413340E7}"/>
+              </a:ext>
+            </a:extLst>
+          </p:cNvPr>
+          <p:cNvSpPr>
+            <a:spLocks noGrp="1" noRot="1" noChangeAspect="1"/>
+          </p:cNvSpPr>
+          <p:nvPr>
+            <p:ph type="sldImg"/>
+          </p:nvPr>
+        </p:nvSpPr>
+        <p:spPr/>
+      </p:sp>
+      <p:sp>
+        <p:nvSpPr>
+          <p:cNvPr id="3" name="Notes Placeholder 2">
+            <a:extLst>
+              <a:ext uri="{FF2B5EF4-FFF2-40B4-BE49-F238E27FC236}">
+                <a16:creationId xmlns:a16="http://schemas.microsoft.com/office/drawing/2014/main" id="{30CE8D24-F21D-F0F1-B43F-809B30D628B2}"/>
+              </a:ext>
+            </a:extLst>
+          </p:cNvPr>
+          <p:cNvSpPr>
+            <a:spLocks noGrp="1"/>
+          </p:cNvSpPr>
+          <p:nvPr>
+            <p:ph type="body" idx="1"/>
+          </p:nvPr>
+        </p:nvSpPr>
+        <p:spPr/>
+        <p:txBody>
+          <a:bodyPr/>
+          <a:lstStyle/>
+          <a:p>
+            <a:endParaRPr lang="en-US" dirty="0"/>
+          </a:p>
+        </p:txBody>
+      </p:sp>
+      <p:sp>
+        <p:nvSpPr>
+          <p:cNvPr id="4" name="Slide Number Placeholder 3">
+            <a:extLst>
+              <a:ext uri="{FF2B5EF4-FFF2-40B4-BE49-F238E27FC236}">
+                <a16:creationId xmlns:a16="http://schemas.microsoft.com/office/drawing/2014/main" id="{1EC6F906-A6B3-D27E-DDF9-547245368502}"/>
+              </a:ext>
+            </a:extLst>
+          </p:cNvPr>
+          <p:cNvSpPr>
+            <a:spLocks noGrp="1"/>
+          </p:cNvSpPr>
+          <p:nvPr>
+            <p:ph type="sldNum" sz="quarter" idx="5"/>
+          </p:nvPr>
+        </p:nvSpPr>
+        <p:spPr/>
+        <p:txBody>
+          <a:bodyPr/>
+          <a:lstStyle/>
+          <a:p>
+            <a:fld id="{A67E2EB4-AAAC-4D92-8F4B-6C8B3AB9BD3F}" type="slidenum">
+              <a:rPr lang="vi-VN" smtClean="0"/>
+              <a:t>5</a:t>
+            </a:fld>
+            <a:endParaRPr lang="vi-VN"/>
+          </a:p>
+        </p:txBody>
+      </p:sp>
+    </p:spTree>
+    <p:extLst>
+      <p:ext uri="{BB962C8B-B14F-4D97-AF65-F5344CB8AC3E}">
+        <p14:creationId xmlns:p14="http://schemas.microsoft.com/office/powerpoint/2010/main" val="3196253710"/>
+      </p:ext>
+    </p:extLst>
+  </p:cSld>
+  <p:clrMapOvr>
+    <a:masterClrMapping/>
+  </p:clrMapOvr>
+</p:notes>
+</file>
+
+<file path=ppt/notesSlides/notesSlide4.xml><?xml version="1.0" encoding="utf-8"?>
+<p:notes xmlns:a="http://schemas.openxmlformats.org/drawingml/2006/main" xmlns:r="http://schemas.openxmlformats.org/officeDocument/2006/relationships" xmlns:p="http://schemas.openxmlformats.org/presentationml/2006/main">
+  <p:cSld>
+    <p:spTree>
+      <p:nvGrpSpPr>
+        <p:cNvPr id="1" name="">
+          <a:extLst>
+            <a:ext uri="{FF2B5EF4-FFF2-40B4-BE49-F238E27FC236}">
+              <a16:creationId xmlns:a16="http://schemas.microsoft.com/office/drawing/2014/main" id="{9B9FA186-4E97-B32C-CB95-367D51CE5FE2}"/>
+            </a:ext>
+          </a:extLst>
+        </p:cNvPr>
+        <p:cNvGrpSpPr/>
+        <p:nvPr/>
+      </p:nvGrpSpPr>
+      <p:grpSpPr>
+        <a:xfrm>
+          <a:off x="0" y="0"/>
+          <a:ext cx="0" cy="0"/>
+          <a:chOff x="0" y="0"/>
+          <a:chExt cx="0" cy="0"/>
+        </a:xfrm>
+      </p:grpSpPr>
+      <p:sp>
+        <p:nvSpPr>
+          <p:cNvPr id="2" name="Slide Image Placeholder 1">
+            <a:extLst>
+              <a:ext uri="{FF2B5EF4-FFF2-40B4-BE49-F238E27FC236}">
+                <a16:creationId xmlns:a16="http://schemas.microsoft.com/office/drawing/2014/main" id="{D39CBF99-0445-A8B4-CC30-A8EE736BD77D}"/>
+              </a:ext>
+            </a:extLst>
+          </p:cNvPr>
+          <p:cNvSpPr>
+            <a:spLocks noGrp="1" noRot="1" noChangeAspect="1"/>
+          </p:cNvSpPr>
+          <p:nvPr>
+            <p:ph type="sldImg"/>
+          </p:nvPr>
+        </p:nvSpPr>
+        <p:spPr/>
+      </p:sp>
+      <p:sp>
+        <p:nvSpPr>
+          <p:cNvPr id="3" name="Notes Placeholder 2">
+            <a:extLst>
+              <a:ext uri="{FF2B5EF4-FFF2-40B4-BE49-F238E27FC236}">
+                <a16:creationId xmlns:a16="http://schemas.microsoft.com/office/drawing/2014/main" id="{714681A7-6397-5802-6723-19A5ADF42182}"/>
+              </a:ext>
+            </a:extLst>
+          </p:cNvPr>
+          <p:cNvSpPr>
+            <a:spLocks noGrp="1"/>
+          </p:cNvSpPr>
+          <p:nvPr>
+            <p:ph type="body" idx="1"/>
+          </p:nvPr>
+        </p:nvSpPr>
+        <p:spPr/>
+        <p:txBody>
+          <a:bodyPr/>
+          <a:lstStyle/>
+          <a:p>
+            <a:endParaRPr lang="en-US" dirty="0"/>
+          </a:p>
+        </p:txBody>
+      </p:sp>
+      <p:sp>
+        <p:nvSpPr>
+          <p:cNvPr id="4" name="Slide Number Placeholder 3">
+            <a:extLst>
+              <a:ext uri="{FF2B5EF4-FFF2-40B4-BE49-F238E27FC236}">
+                <a16:creationId xmlns:a16="http://schemas.microsoft.com/office/drawing/2014/main" id="{D980C2D1-12FB-7C63-1363-91B8CFDB7958}"/>
+              </a:ext>
+            </a:extLst>
+          </p:cNvPr>
+          <p:cNvSpPr>
+            <a:spLocks noGrp="1"/>
+          </p:cNvSpPr>
+          <p:nvPr>
+            <p:ph type="sldNum" sz="quarter" idx="5"/>
+          </p:nvPr>
+        </p:nvSpPr>
+        <p:spPr/>
+        <p:txBody>
+          <a:bodyPr/>
+          <a:lstStyle/>
+          <a:p>
+            <a:fld id="{A67E2EB4-AAAC-4D92-8F4B-6C8B3AB9BD3F}" type="slidenum">
+              <a:rPr lang="vi-VN" smtClean="0"/>
+              <a:t>6</a:t>
+            </a:fld>
+            <a:endParaRPr lang="vi-VN"/>
+          </a:p>
+        </p:txBody>
+      </p:sp>
+    </p:spTree>
+    <p:extLst>
+      <p:ext uri="{BB962C8B-B14F-4D97-AF65-F5344CB8AC3E}">
+        <p14:creationId xmlns:p14="http://schemas.microsoft.com/office/powerpoint/2010/main" val="3383916044"/>
+      </p:ext>
+    </p:extLst>
+  </p:cSld>
+  <p:clrMapOvr>
+    <a:masterClrMapping/>
+  </p:clrMapOvr>
+</p:notes>
+</file>
+
+<file path=ppt/notesSlides/notesSlide5.xml><?xml version="1.0" encoding="utf-8"?>
+<p:notes xmlns:a="http://schemas.openxmlformats.org/drawingml/2006/main" xmlns:r="http://schemas.openxmlformats.org/officeDocument/2006/relationships" xmlns:p="http://schemas.openxmlformats.org/presentationml/2006/main">
+  <p:cSld>
+    <p:spTree>
+      <p:nvGrpSpPr>
+        <p:cNvPr id="1" name="">
+          <a:extLst>
+            <a:ext uri="{FF2B5EF4-FFF2-40B4-BE49-F238E27FC236}">
+              <a16:creationId xmlns:a16="http://schemas.microsoft.com/office/drawing/2014/main" id="{EAC72541-DEED-BCEE-CB89-BEF6788E653E}"/>
+            </a:ext>
+          </a:extLst>
+        </p:cNvPr>
+        <p:cNvGrpSpPr/>
+        <p:nvPr/>
+      </p:nvGrpSpPr>
+      <p:grpSpPr>
+        <a:xfrm>
+          <a:off x="0" y="0"/>
+          <a:ext cx="0" cy="0"/>
+          <a:chOff x="0" y="0"/>
+          <a:chExt cx="0" cy="0"/>
+        </a:xfrm>
+      </p:grpSpPr>
+      <p:sp>
+        <p:nvSpPr>
+          <p:cNvPr id="2" name="Slide Image Placeholder 1">
+            <a:extLst>
+              <a:ext uri="{FF2B5EF4-FFF2-40B4-BE49-F238E27FC236}">
+                <a16:creationId xmlns:a16="http://schemas.microsoft.com/office/drawing/2014/main" id="{62484DC5-FD32-89A5-736D-CE8B4597AE68}"/>
+              </a:ext>
+            </a:extLst>
+          </p:cNvPr>
+          <p:cNvSpPr>
+            <a:spLocks noGrp="1" noRot="1" noChangeAspect="1"/>
+          </p:cNvSpPr>
+          <p:nvPr>
+            <p:ph type="sldImg"/>
+          </p:nvPr>
+        </p:nvSpPr>
+        <p:spPr/>
+      </p:sp>
+      <p:sp>
+        <p:nvSpPr>
+          <p:cNvPr id="3" name="Notes Placeholder 2">
+            <a:extLst>
+              <a:ext uri="{FF2B5EF4-FFF2-40B4-BE49-F238E27FC236}">
+                <a16:creationId xmlns:a16="http://schemas.microsoft.com/office/drawing/2014/main" id="{6392E3A4-ACDE-BE64-9113-8D1F38A08C23}"/>
+              </a:ext>
+            </a:extLst>
+          </p:cNvPr>
+          <p:cNvSpPr>
+            <a:spLocks noGrp="1"/>
+          </p:cNvSpPr>
+          <p:nvPr>
+            <p:ph type="body" idx="1"/>
+          </p:nvPr>
+        </p:nvSpPr>
+        <p:spPr/>
+        <p:txBody>
+          <a:bodyPr/>
+          <a:lstStyle/>
+          <a:p>
+            <a:endParaRPr lang="en-US" dirty="0"/>
+          </a:p>
+        </p:txBody>
+      </p:sp>
+      <p:sp>
+        <p:nvSpPr>
+          <p:cNvPr id="4" name="Slide Number Placeholder 3">
+            <a:extLst>
+              <a:ext uri="{FF2B5EF4-FFF2-40B4-BE49-F238E27FC236}">
+                <a16:creationId xmlns:a16="http://schemas.microsoft.com/office/drawing/2014/main" id="{E8EC0437-1D13-CE63-FA6A-FBB3279272AB}"/>
+              </a:ext>
+            </a:extLst>
+          </p:cNvPr>
+          <p:cNvSpPr>
+            <a:spLocks noGrp="1"/>
+          </p:cNvSpPr>
+          <p:nvPr>
+            <p:ph type="sldNum" sz="quarter" idx="5"/>
+          </p:nvPr>
+        </p:nvSpPr>
+        <p:spPr/>
+        <p:txBody>
+          <a:bodyPr/>
+          <a:lstStyle/>
+          <a:p>
+            <a:fld id="{A67E2EB4-AAAC-4D92-8F4B-6C8B3AB9BD3F}" type="slidenum">
+              <a:rPr lang="vi-VN" smtClean="0"/>
+              <a:t>8</a:t>
+            </a:fld>
+            <a:endParaRPr lang="vi-VN"/>
+          </a:p>
+        </p:txBody>
+      </p:sp>
+    </p:spTree>
+    <p:extLst>
+      <p:ext uri="{BB962C8B-B14F-4D97-AF65-F5344CB8AC3E}">
+        <p14:creationId xmlns:p14="http://schemas.microsoft.com/office/powerpoint/2010/main" val="660696577"/>
+      </p:ext>
+    </p:extLst>
+  </p:cSld>
+  <p:clrMapOvr>
+    <a:masterClrMapping/>
+  </p:clrMapOvr>
+</p:notes>
+</file>
+
+<file path=ppt/notesSlides/notesSlide6.xml><?xml version="1.0" encoding="utf-8"?>
+<p:notes xmlns:a="http://schemas.openxmlformats.org/drawingml/2006/main" xmlns:r="http://schemas.openxmlformats.org/officeDocument/2006/relationships" xmlns:p="http://schemas.openxmlformats.org/presentationml/2006/main">
+  <p:cSld>
+    <p:spTree>
+      <p:nvGrpSpPr>
+        <p:cNvPr id="1" name="">
+          <a:extLst>
+            <a:ext uri="{FF2B5EF4-FFF2-40B4-BE49-F238E27FC236}">
+              <a16:creationId xmlns:a16="http://schemas.microsoft.com/office/drawing/2014/main" id="{CC251B75-5016-E0F5-3F50-727C5F95DFA0}"/>
+            </a:ext>
+          </a:extLst>
+        </p:cNvPr>
+        <p:cNvGrpSpPr/>
+        <p:nvPr/>
+      </p:nvGrpSpPr>
+      <p:grpSpPr>
+        <a:xfrm>
+          <a:off x="0" y="0"/>
+          <a:ext cx="0" cy="0"/>
+          <a:chOff x="0" y="0"/>
+          <a:chExt cx="0" cy="0"/>
+        </a:xfrm>
+      </p:grpSpPr>
+      <p:sp>
+        <p:nvSpPr>
+          <p:cNvPr id="2" name="Slide Image Placeholder 1">
+            <a:extLst>
+              <a:ext uri="{FF2B5EF4-FFF2-40B4-BE49-F238E27FC236}">
+                <a16:creationId xmlns:a16="http://schemas.microsoft.com/office/drawing/2014/main" id="{3BFED50A-F9FB-6B1A-38D7-09FACB191E10}"/>
+              </a:ext>
+            </a:extLst>
+          </p:cNvPr>
+          <p:cNvSpPr>
+            <a:spLocks noGrp="1" noRot="1" noChangeAspect="1"/>
+          </p:cNvSpPr>
+          <p:nvPr>
+            <p:ph type="sldImg"/>
+          </p:nvPr>
+        </p:nvSpPr>
+        <p:spPr/>
+      </p:sp>
+      <p:sp>
+        <p:nvSpPr>
+          <p:cNvPr id="3" name="Notes Placeholder 2">
+            <a:extLst>
+              <a:ext uri="{FF2B5EF4-FFF2-40B4-BE49-F238E27FC236}">
+                <a16:creationId xmlns:a16="http://schemas.microsoft.com/office/drawing/2014/main" id="{3C58EB54-B6CF-045A-B085-8BB7A769ABB3}"/>
+              </a:ext>
+            </a:extLst>
+          </p:cNvPr>
+          <p:cNvSpPr>
+            <a:spLocks noGrp="1"/>
+          </p:cNvSpPr>
+          <p:nvPr>
+            <p:ph type="body" idx="1"/>
+          </p:nvPr>
+        </p:nvSpPr>
+        <p:spPr/>
+        <p:txBody>
+          <a:bodyPr/>
+          <a:lstStyle/>
+          <a:p>
+            <a:endParaRPr lang="en-US" dirty="0"/>
+          </a:p>
+        </p:txBody>
+      </p:sp>
+      <p:sp>
+        <p:nvSpPr>
+          <p:cNvPr id="4" name="Slide Number Placeholder 3">
+            <a:extLst>
+              <a:ext uri="{FF2B5EF4-FFF2-40B4-BE49-F238E27FC236}">
+                <a16:creationId xmlns:a16="http://schemas.microsoft.com/office/drawing/2014/main" id="{AEFD3086-2EBA-D0F7-53FD-66A44F1E4A09}"/>
+              </a:ext>
+            </a:extLst>
+          </p:cNvPr>
+          <p:cNvSpPr>
+            <a:spLocks noGrp="1"/>
+          </p:cNvSpPr>
+          <p:nvPr>
+            <p:ph type="sldNum" sz="quarter" idx="5"/>
+          </p:nvPr>
+        </p:nvSpPr>
+        <p:spPr/>
+        <p:txBody>
+          <a:bodyPr/>
+          <a:lstStyle/>
+          <a:p>
+            <a:fld id="{A67E2EB4-AAAC-4D92-8F4B-6C8B3AB9BD3F}" type="slidenum">
+              <a:rPr lang="vi-VN" smtClean="0"/>
+              <a:t>9</a:t>
+            </a:fld>
+            <a:endParaRPr lang="vi-VN"/>
+          </a:p>
+        </p:txBody>
+      </p:sp>
+    </p:spTree>
+    <p:extLst>
+      <p:ext uri="{BB962C8B-B14F-4D97-AF65-F5344CB8AC3E}">
+        <p14:creationId xmlns:p14="http://schemas.microsoft.com/office/powerpoint/2010/main" val="3439148564"/>
+      </p:ext>
+    </p:extLst>
+  </p:cSld>
+  <p:clrMapOvr>
+    <a:masterClrMapping/>
+  </p:clrMapOvr>
+</p:notes>
+</file>
+
+<file path=ppt/notesSlides/notesSlide7.xml><?xml version="1.0" encoding="utf-8"?>
+<p:notes xmlns:a="http://schemas.openxmlformats.org/drawingml/2006/main" xmlns:r="http://schemas.openxmlformats.org/officeDocument/2006/relationships" xmlns:p="http://schemas.openxmlformats.org/presentationml/2006/main">
+  <p:cSld>
+    <p:spTree>
+      <p:nvGrpSpPr>
+        <p:cNvPr id="1" name="">
+          <a:extLst>
+            <a:ext uri="{FF2B5EF4-FFF2-40B4-BE49-F238E27FC236}">
+              <a16:creationId xmlns:a16="http://schemas.microsoft.com/office/drawing/2014/main" id="{651C9864-09C4-6054-51AE-EF6145664A7E}"/>
+            </a:ext>
+          </a:extLst>
+        </p:cNvPr>
+        <p:cNvGrpSpPr/>
+        <p:nvPr/>
+      </p:nvGrpSpPr>
+      <p:grpSpPr>
+        <a:xfrm>
+          <a:off x="0" y="0"/>
+          <a:ext cx="0" cy="0"/>
+          <a:chOff x="0" y="0"/>
+          <a:chExt cx="0" cy="0"/>
+        </a:xfrm>
+      </p:grpSpPr>
+      <p:sp>
+        <p:nvSpPr>
+          <p:cNvPr id="2" name="Slide Image Placeholder 1">
+            <a:extLst>
+              <a:ext uri="{FF2B5EF4-FFF2-40B4-BE49-F238E27FC236}">
+                <a16:creationId xmlns:a16="http://schemas.microsoft.com/office/drawing/2014/main" id="{46447CCC-3455-EB21-8BCD-2FE5D89A2B2E}"/>
+              </a:ext>
+            </a:extLst>
+          </p:cNvPr>
+          <p:cNvSpPr>
+            <a:spLocks noGrp="1" noRot="1" noChangeAspect="1"/>
+          </p:cNvSpPr>
+          <p:nvPr>
+            <p:ph type="sldImg"/>
+          </p:nvPr>
+        </p:nvSpPr>
+        <p:spPr/>
+      </p:sp>
+      <p:sp>
+        <p:nvSpPr>
+          <p:cNvPr id="3" name="Notes Placeholder 2">
+            <a:extLst>
+              <a:ext uri="{FF2B5EF4-FFF2-40B4-BE49-F238E27FC236}">
+                <a16:creationId xmlns:a16="http://schemas.microsoft.com/office/drawing/2014/main" id="{2FED74A4-0917-7F79-352A-367026DCD2FE}"/>
+              </a:ext>
+            </a:extLst>
+          </p:cNvPr>
+          <p:cNvSpPr>
+            <a:spLocks noGrp="1"/>
+          </p:cNvSpPr>
+          <p:nvPr>
+            <p:ph type="body" idx="1"/>
+          </p:nvPr>
+        </p:nvSpPr>
+        <p:spPr/>
+        <p:txBody>
+          <a:bodyPr/>
+          <a:lstStyle/>
+          <a:p>
+            <a:endParaRPr lang="en-US" dirty="0"/>
+          </a:p>
+        </p:txBody>
+      </p:sp>
+      <p:sp>
+        <p:nvSpPr>
+          <p:cNvPr id="4" name="Slide Number Placeholder 3">
+            <a:extLst>
+              <a:ext uri="{FF2B5EF4-FFF2-40B4-BE49-F238E27FC236}">
+                <a16:creationId xmlns:a16="http://schemas.microsoft.com/office/drawing/2014/main" id="{9D7E5CA7-A5B7-5F79-F8FD-B8F4C922A232}"/>
+              </a:ext>
+            </a:extLst>
+          </p:cNvPr>
+          <p:cNvSpPr>
+            <a:spLocks noGrp="1"/>
+          </p:cNvSpPr>
+          <p:nvPr>
+            <p:ph type="sldNum" sz="quarter" idx="5"/>
+          </p:nvPr>
+        </p:nvSpPr>
+        <p:spPr/>
+        <p:txBody>
+          <a:bodyPr/>
+          <a:lstStyle/>
+          <a:p>
+            <a:fld id="{A67E2EB4-AAAC-4D92-8F4B-6C8B3AB9BD3F}" type="slidenum">
+              <a:rPr lang="vi-VN" smtClean="0"/>
+              <a:t>10</a:t>
+            </a:fld>
+            <a:endParaRPr lang="vi-VN"/>
+          </a:p>
+        </p:txBody>
+      </p:sp>
+    </p:spTree>
+    <p:extLst>
+      <p:ext uri="{BB962C8B-B14F-4D97-AF65-F5344CB8AC3E}">
+        <p14:creationId xmlns:p14="http://schemas.microsoft.com/office/powerpoint/2010/main" val="1375273524"/>
+      </p:ext>
+    </p:extLst>
+  </p:cSld>
+  <p:clrMapOvr>
+    <a:masterClrMapping/>
+  </p:clrMapOvr>
+</p:notes>
+</file>
+
+<file path=ppt/notesSlides/notesSlide8.xml><?xml version="1.0" encoding="utf-8"?>
+<p:notes xmlns:a="http://schemas.openxmlformats.org/drawingml/2006/main" xmlns:r="http://schemas.openxmlformats.org/officeDocument/2006/relationships" xmlns:p="http://schemas.openxmlformats.org/presentationml/2006/main">
+  <p:cSld>
+    <p:spTree>
+      <p:nvGrpSpPr>
+        <p:cNvPr id="1" name="">
+          <a:extLst>
+            <a:ext uri="{FF2B5EF4-FFF2-40B4-BE49-F238E27FC236}">
+              <a16:creationId xmlns:a16="http://schemas.microsoft.com/office/drawing/2014/main" id="{A10E6DF9-98E7-F510-0D5F-BBCF612DF735}"/>
+            </a:ext>
+          </a:extLst>
+        </p:cNvPr>
+        <p:cNvGrpSpPr/>
+        <p:nvPr/>
+      </p:nvGrpSpPr>
+      <p:grpSpPr>
+        <a:xfrm>
+          <a:off x="0" y="0"/>
+          <a:ext cx="0" cy="0"/>
+          <a:chOff x="0" y="0"/>
+          <a:chExt cx="0" cy="0"/>
+        </a:xfrm>
+      </p:grpSpPr>
+      <p:sp>
+        <p:nvSpPr>
+          <p:cNvPr id="2" name="Slide Image Placeholder 1">
+            <a:extLst>
+              <a:ext uri="{FF2B5EF4-FFF2-40B4-BE49-F238E27FC236}">
+                <a16:creationId xmlns:a16="http://schemas.microsoft.com/office/drawing/2014/main" id="{46CCBDA3-4B0A-DA14-E409-F783E546D1CC}"/>
+              </a:ext>
+            </a:extLst>
+          </p:cNvPr>
+          <p:cNvSpPr>
+            <a:spLocks noGrp="1" noRot="1" noChangeAspect="1"/>
+          </p:cNvSpPr>
+          <p:nvPr>
+            <p:ph type="sldImg"/>
+          </p:nvPr>
+        </p:nvSpPr>
+        <p:spPr/>
+      </p:sp>
+      <p:sp>
+        <p:nvSpPr>
+          <p:cNvPr id="3" name="Notes Placeholder 2">
+            <a:extLst>
+              <a:ext uri="{FF2B5EF4-FFF2-40B4-BE49-F238E27FC236}">
+                <a16:creationId xmlns:a16="http://schemas.microsoft.com/office/drawing/2014/main" id="{302DC791-FCFA-4470-DBFE-5DEB6A7CD882}"/>
+              </a:ext>
+            </a:extLst>
+          </p:cNvPr>
+          <p:cNvSpPr>
+            <a:spLocks noGrp="1"/>
+          </p:cNvSpPr>
+          <p:nvPr>
+            <p:ph type="body" idx="1"/>
+          </p:nvPr>
+        </p:nvSpPr>
+        <p:spPr/>
+        <p:txBody>
+          <a:bodyPr/>
+          <a:lstStyle/>
+          <a:p>
+            <a:endParaRPr lang="en-US" dirty="0"/>
+          </a:p>
+        </p:txBody>
+      </p:sp>
+      <p:sp>
+        <p:nvSpPr>
+          <p:cNvPr id="4" name="Slide Number Placeholder 3">
+            <a:extLst>
+              <a:ext uri="{FF2B5EF4-FFF2-40B4-BE49-F238E27FC236}">
+                <a16:creationId xmlns:a16="http://schemas.microsoft.com/office/drawing/2014/main" id="{052EA1BE-1AAB-B530-E513-CED8E1AFF0F5}"/>
+              </a:ext>
+            </a:extLst>
+          </p:cNvPr>
+          <p:cNvSpPr>
+            <a:spLocks noGrp="1"/>
+          </p:cNvSpPr>
+          <p:nvPr>
+            <p:ph type="sldNum" sz="quarter" idx="5"/>
+          </p:nvPr>
+        </p:nvSpPr>
+        <p:spPr/>
+        <p:txBody>
+          <a:bodyPr/>
+          <a:lstStyle/>
+          <a:p>
+            <a:fld id="{A67E2EB4-AAAC-4D92-8F4B-6C8B3AB9BD3F}" type="slidenum">
+              <a:rPr lang="vi-VN" smtClean="0"/>
+              <a:t>11</a:t>
+            </a:fld>
+            <a:endParaRPr lang="vi-VN"/>
+          </a:p>
+        </p:txBody>
+      </p:sp>
+    </p:spTree>
+    <p:extLst>
+      <p:ext uri="{BB962C8B-B14F-4D97-AF65-F5344CB8AC3E}">
+        <p14:creationId xmlns:p14="http://schemas.microsoft.com/office/powerpoint/2010/main" val="3954574188"/>
+      </p:ext>
+    </p:extLst>
+  </p:cSld>
+  <p:clrMapOvr>
+    <a:masterClrMapping/>
+  </p:clrMapOvr>
+</p:notes>
+</file>
+
+<file path=ppt/notesSlides/notesSlide9.xml><?xml version="1.0" encoding="utf-8"?>
+<p:notes xmlns:a="http://schemas.openxmlformats.org/drawingml/2006/main" xmlns:r="http://schemas.openxmlformats.org/officeDocument/2006/relationships" xmlns:p="http://schemas.openxmlformats.org/presentationml/2006/main">
+  <p:cSld>
+    <p:spTree>
+      <p:nvGrpSpPr>
+        <p:cNvPr id="1" name="">
+          <a:extLst>
+            <a:ext uri="{FF2B5EF4-FFF2-40B4-BE49-F238E27FC236}">
+              <a16:creationId xmlns:a16="http://schemas.microsoft.com/office/drawing/2014/main" id="{2B871C3B-60FD-F78E-A32E-F4A18C59A47C}"/>
+            </a:ext>
+          </a:extLst>
+        </p:cNvPr>
+        <p:cNvGrpSpPr/>
+        <p:nvPr/>
+      </p:nvGrpSpPr>
+      <p:grpSpPr>
+        <a:xfrm>
+          <a:off x="0" y="0"/>
+          <a:ext cx="0" cy="0"/>
+          <a:chOff x="0" y="0"/>
+          <a:chExt cx="0" cy="0"/>
+        </a:xfrm>
+      </p:grpSpPr>
+      <p:sp>
+        <p:nvSpPr>
+          <p:cNvPr id="2" name="Slide Image Placeholder 1">
+            <a:extLst>
+              <a:ext uri="{FF2B5EF4-FFF2-40B4-BE49-F238E27FC236}">
+                <a16:creationId xmlns:a16="http://schemas.microsoft.com/office/drawing/2014/main" id="{CA15225B-C97F-EFC7-FF19-BD9B5A4EE201}"/>
+              </a:ext>
+            </a:extLst>
+          </p:cNvPr>
+          <p:cNvSpPr>
+            <a:spLocks noGrp="1" noRot="1" noChangeAspect="1"/>
+          </p:cNvSpPr>
+          <p:nvPr>
+            <p:ph type="sldImg"/>
+          </p:nvPr>
+        </p:nvSpPr>
+        <p:spPr/>
+      </p:sp>
+      <p:sp>
+        <p:nvSpPr>
+          <p:cNvPr id="3" name="Notes Placeholder 2">
+            <a:extLst>
+              <a:ext uri="{FF2B5EF4-FFF2-40B4-BE49-F238E27FC236}">
+                <a16:creationId xmlns:a16="http://schemas.microsoft.com/office/drawing/2014/main" id="{7300390B-EEB3-B425-B18C-53FA91AFAEAB}"/>
+              </a:ext>
+            </a:extLst>
+          </p:cNvPr>
+          <p:cNvSpPr>
+            <a:spLocks noGrp="1"/>
+          </p:cNvSpPr>
+          <p:nvPr>
+            <p:ph type="body" idx="1"/>
+          </p:nvPr>
+        </p:nvSpPr>
+        <p:spPr/>
+        <p:txBody>
+          <a:bodyPr/>
+          <a:lstStyle/>
+          <a:p>
+            <a:endParaRPr lang="en-US" dirty="0"/>
+          </a:p>
+        </p:txBody>
+      </p:sp>
+      <p:sp>
+        <p:nvSpPr>
+          <p:cNvPr id="4" name="Slide Number Placeholder 3">
+            <a:extLst>
+              <a:ext uri="{FF2B5EF4-FFF2-40B4-BE49-F238E27FC236}">
+                <a16:creationId xmlns:a16="http://schemas.microsoft.com/office/drawing/2014/main" id="{63E2C4C8-4964-A2CD-4890-EBE340A1E804}"/>
+              </a:ext>
+            </a:extLst>
+          </p:cNvPr>
+          <p:cNvSpPr>
+            <a:spLocks noGrp="1"/>
+          </p:cNvSpPr>
+          <p:nvPr>
+            <p:ph type="sldNum" sz="quarter" idx="5"/>
+          </p:nvPr>
+        </p:nvSpPr>
+        <p:spPr/>
+        <p:txBody>
+          <a:bodyPr/>
+          <a:lstStyle/>
+          <a:p>
+            <a:fld id="{A67E2EB4-AAAC-4D92-8F4B-6C8B3AB9BD3F}" type="slidenum">
+              <a:rPr lang="vi-VN" smtClean="0"/>
+              <a:t>12</a:t>
+            </a:fld>
+            <a:endParaRPr lang="vi-VN"/>
+          </a:p>
+        </p:txBody>
+      </p:sp>
+    </p:spTree>
+    <p:extLst>
+      <p:ext uri="{BB962C8B-B14F-4D97-AF65-F5344CB8AC3E}">
+        <p14:creationId xmlns:p14="http://schemas.microsoft.com/office/powerpoint/2010/main" val="123363835"/>
+      </p:ext>
+    </p:extLst>
+  </p:cSld>
+  <p:clrMapOvr>
+    <a:masterClrMapping/>
+  </p:clrMapOvr>
+</p:notes>
 </file>
 
 <file path=ppt/slideLayouts/slideLayout1.xml><?xml version="1.0" encoding="utf-8"?>
@@ -906,7 +3103,7 @@
             <a:fld id="{D86B3AB3-BDCC-41BF-8781-963E853753C3}" type="datetime1">
               <a:rPr lang="en-US" smtClean="0"/>
               <a:pPr/>
-              <a:t>08-Dec-25</a:t>
+              <a:t>10-Dec-25</a:t>
             </a:fld>
             <a:endParaRPr lang="en-US"/>
           </a:p>
@@ -2179,7 +4376,7 @@
             <a:fld id="{D86B3AB3-BDCC-41BF-8781-963E853753C3}" type="datetime1">
               <a:rPr lang="en-US" smtClean="0"/>
               <a:pPr/>
-              <a:t>08-Dec-25</a:t>
+              <a:t>10-Dec-25</a:t>
             </a:fld>
             <a:endParaRPr lang="en-US"/>
           </a:p>
@@ -3276,7 +5473,7 @@
             <a:fld id="{D86B3AB3-BDCC-41BF-8781-963E853753C3}" type="datetime1">
               <a:rPr lang="en-US" smtClean="0"/>
               <a:pPr/>
-              <a:t>08-Dec-25</a:t>
+              <a:t>10-Dec-25</a:t>
             </a:fld>
             <a:endParaRPr lang="en-US"/>
           </a:p>
@@ -4401,7 +6598,7 @@
             <a:fld id="{D86B3AB3-BDCC-41BF-8781-963E853753C3}" type="datetime1">
               <a:rPr lang="en-US" smtClean="0"/>
               <a:pPr/>
-              <a:t>08-Dec-25</a:t>
+              <a:t>10-Dec-25</a:t>
             </a:fld>
             <a:endParaRPr lang="en-US"/>
           </a:p>
@@ -5384,7 +7581,7 @@
             <a:fld id="{D86B3AB3-BDCC-41BF-8781-963E853753C3}" type="datetime1">
               <a:rPr lang="en-US" smtClean="0"/>
               <a:pPr/>
-              <a:t>08-Dec-25</a:t>
+              <a:t>10-Dec-25</a:t>
             </a:fld>
             <a:endParaRPr lang="en-US"/>
           </a:p>
@@ -6367,7 +8564,7 @@
             <a:fld id="{D86B3AB3-BDCC-41BF-8781-963E853753C3}" type="datetime1">
               <a:rPr lang="en-US" smtClean="0"/>
               <a:pPr/>
-              <a:t>08-Dec-25</a:t>
+              <a:t>10-Dec-25</a:t>
             </a:fld>
             <a:endParaRPr lang="en-US"/>
           </a:p>
@@ -7371,7 +9568,7 @@
             <a:fld id="{D86B3AB3-BDCC-41BF-8781-963E853753C3}" type="datetime1">
               <a:rPr lang="en-US" smtClean="0"/>
               <a:pPr/>
-              <a:t>08-Dec-25</a:t>
+              <a:t>10-Dec-25</a:t>
             </a:fld>
             <a:endParaRPr lang="en-US"/>
           </a:p>
@@ -8460,7 +10657,7 @@
             <a:fld id="{D86B3AB3-BDCC-41BF-8781-963E853753C3}" type="datetime1">
               <a:rPr lang="en-US" smtClean="0"/>
               <a:pPr/>
-              <a:t>08-Dec-25</a:t>
+              <a:t>10-Dec-25</a:t>
             </a:fld>
             <a:endParaRPr lang="en-US"/>
           </a:p>
@@ -9370,7 +11567,7 @@
             <a:fld id="{D86B3AB3-BDCC-41BF-8781-963E853753C3}" type="datetime1">
               <a:rPr lang="en-US" smtClean="0"/>
               <a:pPr/>
-              <a:t>08-Dec-25</a:t>
+              <a:t>10-Dec-25</a:t>
             </a:fld>
             <a:endParaRPr lang="en-US"/>
           </a:p>
@@ -10817,7 +13014,7 @@
             <a:fld id="{D86B3AB3-BDCC-41BF-8781-963E853753C3}" type="datetime1">
               <a:rPr lang="en-US" smtClean="0"/>
               <a:pPr/>
-              <a:t>08-Dec-25</a:t>
+              <a:t>10-Dec-25</a:t>
             </a:fld>
             <a:endParaRPr lang="en-US"/>
           </a:p>
@@ -12036,7 +14233,7 @@
             <a:fld id="{D86B3AB3-BDCC-41BF-8781-963E853753C3}" type="datetime1">
               <a:rPr lang="en-US" smtClean="0"/>
               <a:pPr/>
-              <a:t>08-Dec-25</a:t>
+              <a:t>10-Dec-25</a:t>
             </a:fld>
             <a:endParaRPr lang="en-US"/>
           </a:p>
@@ -12857,7 +15054,7 @@
             <a:fld id="{D86B3AB3-BDCC-41BF-8781-963E853753C3}" type="datetime1">
               <a:rPr lang="en-US" smtClean="0"/>
               <a:pPr/>
-              <a:t>08-Dec-25</a:t>
+              <a:t>10-Dec-25</a:t>
             </a:fld>
             <a:endParaRPr lang="en-US"/>
           </a:p>
@@ -14067,7 +16264,7 @@
             <a:fld id="{D86B3AB3-BDCC-41BF-8781-963E853753C3}" type="datetime1">
               <a:rPr lang="en-US" smtClean="0"/>
               <a:pPr/>
-              <a:t>08-Dec-25</a:t>
+              <a:t>10-Dec-25</a:t>
             </a:fld>
             <a:endParaRPr lang="en-US"/>
           </a:p>
@@ -14911,7 +17108,7 @@
             <a:fld id="{D86B3AB3-BDCC-41BF-8781-963E853753C3}" type="datetime1">
               <a:rPr lang="en-US" smtClean="0"/>
               <a:pPr/>
-              <a:t>08-Dec-25</a:t>
+              <a:t>10-Dec-25</a:t>
             </a:fld>
             <a:endParaRPr lang="en-US"/>
           </a:p>
@@ -15616,7 +17813,7 @@
             <a:fld id="{D86B3AB3-BDCC-41BF-8781-963E853753C3}" type="datetime1">
               <a:rPr lang="en-US" smtClean="0"/>
               <a:pPr/>
-              <a:t>08-Dec-25</a:t>
+              <a:t>10-Dec-25</a:t>
             </a:fld>
             <a:endParaRPr lang="en-US"/>
           </a:p>
@@ -16342,7 +18539,7 @@
             <a:fld id="{D86B3AB3-BDCC-41BF-8781-963E853753C3}" type="datetime1">
               <a:rPr lang="en-US" smtClean="0"/>
               <a:pPr/>
-              <a:t>08-Dec-25</a:t>
+              <a:t>10-Dec-25</a:t>
             </a:fld>
             <a:endParaRPr lang="en-US"/>
           </a:p>
@@ -17142,7 +19339,7 @@
             <a:fld id="{D86B3AB3-BDCC-41BF-8781-963E853753C3}" type="datetime1">
               <a:rPr lang="en-US" smtClean="0"/>
               <a:pPr/>
-              <a:t>08-Dec-25</a:t>
+              <a:t>10-Dec-25</a:t>
             </a:fld>
             <a:endParaRPr lang="en-US"/>
           </a:p>
@@ -17945,7 +20142,7 @@
             <a:fld id="{D86B3AB3-BDCC-41BF-8781-963E853753C3}" type="datetime1">
               <a:rPr lang="en-US" smtClean="0"/>
               <a:pPr/>
-              <a:t>08-Dec-25</a:t>
+              <a:t>10-Dec-25</a:t>
             </a:fld>
             <a:endParaRPr lang="en-US"/>
           </a:p>
@@ -20919,7 +23116,7 @@
             <a:fld id="{D86B3AB3-BDCC-41BF-8781-963E853753C3}" type="datetime1">
               <a:rPr lang="en-US" smtClean="0"/>
               <a:pPr/>
-              <a:t>08-Dec-25</a:t>
+              <a:t>10-Dec-25</a:t>
             </a:fld>
             <a:endParaRPr lang="en-US"/>
           </a:p>
@@ -24049,7 +26246,7 @@
             <a:fld id="{D86B3AB3-BDCC-41BF-8781-963E853753C3}" type="datetime1">
               <a:rPr lang="en-US" smtClean="0"/>
               <a:pPr/>
-              <a:t>08-Dec-25</a:t>
+              <a:t>10-Dec-25</a:t>
             </a:fld>
             <a:endParaRPr lang="en-US"/>
           </a:p>
@@ -25065,7 +27262,7 @@
             <a:fld id="{D86B3AB3-BDCC-41BF-8781-963E853753C3}" type="datetime1">
               <a:rPr lang="en-US" smtClean="0"/>
               <a:pPr/>
-              <a:t>08-Dec-25</a:t>
+              <a:t>10-Dec-25</a:t>
             </a:fld>
             <a:endParaRPr lang="en-US"/>
           </a:p>
@@ -27167,7 +29364,7 @@
             <a:fld id="{D86B3AB3-BDCC-41BF-8781-963E853753C3}" type="datetime1">
               <a:rPr lang="en-US" smtClean="0"/>
               <a:pPr/>
-              <a:t>08-Dec-25</a:t>
+              <a:t>10-Dec-25</a:t>
             </a:fld>
             <a:endParaRPr lang="en-US"/>
           </a:p>
@@ -29362,7 +31559,7 @@
             <a:fld id="{D86B3AB3-BDCC-41BF-8781-963E853753C3}" type="datetime1">
               <a:rPr lang="en-US" smtClean="0"/>
               <a:pPr/>
-              <a:t>08-Dec-25</a:t>
+              <a:t>10-Dec-25</a:t>
             </a:fld>
             <a:endParaRPr lang="en-US"/>
           </a:p>
@@ -30549,7 +32746,7 @@
             <a:fld id="{D86B3AB3-BDCC-41BF-8781-963E853753C3}" type="datetime1">
               <a:rPr lang="en-US" smtClean="0"/>
               <a:pPr/>
-              <a:t>08-Dec-25</a:t>
+              <a:t>10-Dec-25</a:t>
             </a:fld>
             <a:endParaRPr lang="en-US"/>
           </a:p>
@@ -31629,7 +33826,7 @@
             <a:fld id="{D86B3AB3-BDCC-41BF-8781-963E853753C3}" type="datetime1">
               <a:rPr lang="en-US" smtClean="0"/>
               <a:pPr/>
-              <a:t>08-Dec-25</a:t>
+              <a:t>10-Dec-25</a:t>
             </a:fld>
             <a:endParaRPr lang="en-US"/>
           </a:p>
@@ -32586,7 +34783,7 @@
             <a:fld id="{D86B3AB3-BDCC-41BF-8781-963E853753C3}" type="datetime1">
               <a:rPr lang="en-US" smtClean="0"/>
               <a:pPr/>
-              <a:t>08-Dec-25</a:t>
+              <a:t>10-Dec-25</a:t>
             </a:fld>
             <a:endParaRPr lang="en-US"/>
           </a:p>
@@ -33489,7 +35686,7 @@
             <a:fld id="{D86B3AB3-BDCC-41BF-8781-963E853753C3}" type="datetime1">
               <a:rPr lang="en-US" smtClean="0"/>
               <a:pPr/>
-              <a:t>08-Dec-25</a:t>
+              <a:t>10-Dec-25</a:t>
             </a:fld>
             <a:endParaRPr lang="en-US"/>
           </a:p>
@@ -34424,7 +36621,7 @@
             <a:fld id="{D86B3AB3-BDCC-41BF-8781-963E853753C3}" type="datetime1">
               <a:rPr lang="en-US" smtClean="0"/>
               <a:pPr/>
-              <a:t>08-Dec-25</a:t>
+              <a:t>10-Dec-25</a:t>
             </a:fld>
             <a:endParaRPr lang="en-US"/>
           </a:p>
@@ -35453,7 +37650,7 @@
             <a:fld id="{D86B3AB3-BDCC-41BF-8781-963E853753C3}" type="datetime1">
               <a:rPr lang="en-US" smtClean="0"/>
               <a:pPr/>
-              <a:t>08-Dec-25</a:t>
+              <a:t>10-Dec-25</a:t>
             </a:fld>
             <a:endParaRPr lang="en-US"/>
           </a:p>
@@ -35844,7 +38041,7 @@
             <a:fld id="{00D1CE85-AA59-46D7-98F4-301D80B40614}" type="datetimeFigureOut">
               <a:rPr lang="en-US" smtClean="0"/>
               <a:pPr/>
-              <a:t>08-Dec-25</a:t>
+              <a:t>10-Dec-25</a:t>
             </a:fld>
             <a:endParaRPr lang="en-US"/>
           </a:p>
@@ -36288,25 +38485,38 @@
         </p:nvSpPr>
         <p:spPr>
           <a:xfrm>
-            <a:off x="493141" y="3093418"/>
-            <a:ext cx="11205713" cy="550844"/>
+            <a:off x="493143" y="1371600"/>
+            <a:ext cx="11205713" cy="1517155"/>
           </a:xfrm>
         </p:spPr>
         <p:txBody>
           <a:bodyPr>
-            <a:noAutofit/>
+            <a:normAutofit/>
           </a:bodyPr>
           <a:lstStyle/>
           <a:p>
             <a:r>
-              <a:rPr lang="vi-VN" sz="3200" dirty="0">
-                <a:latin typeface="+mj-lt"/>
-              </a:rPr>
-              <a:t>GRADUATION THESIS</a:t>
+              <a:rPr lang="vi-VN" sz="2400" dirty="0"/>
+              <a:t>CAN THO UNIVERSITY</a:t>
             </a:r>
-            <a:endParaRPr lang="en-US" sz="1200" dirty="0">
-              <a:latin typeface="+mj-lt"/>
-            </a:endParaRPr>
+            <a:br>
+              <a:rPr lang="vi-VN" sz="2400" dirty="0"/>
+            </a:br>
+            <a:r>
+              <a:rPr lang="vi-VN" sz="2400" dirty="0"/>
+              <a:t>SCHOOL OF INFORMATION </a:t>
+            </a:r>
+            <a:r>
+              <a:rPr lang="en-US" sz="2400" dirty="0"/>
+              <a:t>&amp; COMMUNICATION TECHNOLOGY</a:t>
+            </a:r>
+            <a:br>
+              <a:rPr lang="en-US" sz="2400" dirty="0"/>
+            </a:br>
+            <a:r>
+              <a:rPr lang="en-US" sz="2400" dirty="0"/>
+              <a:t>INFORMATION TECHNOLOGY HIGH-QUALITY PROGRAM</a:t>
+            </a:r>
           </a:p>
         </p:txBody>
       </p:sp>
@@ -36328,28 +38538,35 @@
         </p:nvSpPr>
         <p:spPr>
           <a:xfrm>
-            <a:off x="493141" y="3754475"/>
-            <a:ext cx="11205713" cy="1036706"/>
+            <a:off x="493143" y="3063240"/>
+            <a:ext cx="11205713" cy="1794978"/>
           </a:xfrm>
         </p:spPr>
         <p:txBody>
-          <a:bodyPr/>
+          <a:bodyPr>
+            <a:normAutofit fontScale="92500" lnSpcReduction="10000"/>
+          </a:bodyPr>
           <a:lstStyle/>
           <a:p>
             <a:r>
-              <a:rPr lang="en-US" b="1" dirty="0">
-                <a:latin typeface="Times New Roman" panose="02020603050405020304" pitchFamily="18" charset="0"/>
-                <a:cs typeface="Times New Roman" panose="02020603050405020304" pitchFamily="18" charset="0"/>
-              </a:rPr>
-              <a:t>DEVELOPING A MUSHROOM IDENTIFICATION APPLICATION</a:t>
+              <a:rPr lang="en-US" b="1" dirty="0"/>
+              <a:t>GRADUATION THESIS</a:t>
             </a:r>
-            <a:endParaRPr lang="vi-VN" dirty="0">
-              <a:latin typeface="Times New Roman" panose="02020603050405020304" pitchFamily="18" charset="0"/>
-              <a:cs typeface="Times New Roman" panose="02020603050405020304" pitchFamily="18" charset="0"/>
-            </a:endParaRPr>
-          </a:p>
-          <a:p>
-            <a:endParaRPr lang="en-US" dirty="0"/>
+          </a:p>
+          <a:p>
+            <a:endParaRPr lang="en-US" sz="1000" b="1" dirty="0"/>
+          </a:p>
+          <a:p>
+            <a:r>
+              <a:rPr lang="en-US" b="1" dirty="0"/>
+              <a:t>DEVELOPING A MUSHROOM IDENTIFICATION </a:t>
+            </a:r>
+          </a:p>
+          <a:p>
+            <a:r>
+              <a:rPr lang="en-US" b="1" dirty="0"/>
+              <a:t>APPLICATION</a:t>
+            </a:r>
           </a:p>
         </p:txBody>
       </p:sp>
@@ -36371,8 +38588,8 @@
         </p:nvSpPr>
         <p:spPr>
           <a:xfrm>
-            <a:off x="493143" y="4984553"/>
-            <a:ext cx="11205713" cy="1178711"/>
+            <a:off x="493143" y="4978568"/>
+            <a:ext cx="11205713" cy="492125"/>
           </a:xfrm>
         </p:spPr>
         <p:txBody>
@@ -36380,114 +38597,22 @@
           <a:lstStyle/>
           <a:p>
             <a:r>
-              <a:rPr lang="en-US" sz="2400" b="1" dirty="0">
-                <a:latin typeface="Times New Roman" panose="02020603050405020304" pitchFamily="18" charset="0"/>
-                <a:cs typeface="Times New Roman" panose="02020603050405020304" pitchFamily="18" charset="0"/>
-              </a:rPr>
-              <a:t>Advisor: Dr. Bùi Võ Quốc Bảo</a:t>
+              <a:rPr lang="en-US" b="1" dirty="0"/>
+              <a:t>Advisor: </a:t>
             </a:r>
-          </a:p>
-          <a:p>
             <a:r>
-              <a:rPr lang="en-US" sz="2400" b="1" dirty="0">
-                <a:latin typeface="Times New Roman" panose="02020603050405020304" pitchFamily="18" charset="0"/>
-                <a:cs typeface="Times New Roman" panose="02020603050405020304" pitchFamily="18" charset="0"/>
-              </a:rPr>
-              <a:t>Student: Nguyễn Quang Vinh</a:t>
+              <a:rPr lang="en-US" dirty="0"/>
+              <a:t>Dr. Bùi Võ Quốc Bảo</a:t>
             </a:r>
           </a:p>
           <a:p>
             <a:r>
-              <a:rPr lang="en-US" sz="2400" b="1" dirty="0">
-                <a:latin typeface="Times New Roman" panose="02020603050405020304" pitchFamily="18" charset="0"/>
-                <a:cs typeface="Times New Roman" panose="02020603050405020304" pitchFamily="18" charset="0"/>
-              </a:rPr>
-              <a:t>Student ID: B2105727</a:t>
+              <a:rPr lang="en-US" b="1" dirty="0"/>
+              <a:t>Student: </a:t>
             </a:r>
-            <a:endParaRPr lang="vi-VN" sz="2400" dirty="0">
-              <a:latin typeface="Times New Roman" panose="02020603050405020304" pitchFamily="18" charset="0"/>
-              <a:cs typeface="Times New Roman" panose="02020603050405020304" pitchFamily="18" charset="0"/>
-            </a:endParaRPr>
-          </a:p>
-          <a:p>
-            <a:endParaRPr lang="vi-VN" dirty="0"/>
-          </a:p>
-          <a:p>
-            <a:endParaRPr lang="en-US" dirty="0"/>
-          </a:p>
-        </p:txBody>
-      </p:sp>
-      <p:sp>
-        <p:nvSpPr>
-          <p:cNvPr id="5" name="Title 1">
-            <a:extLst>
-              <a:ext uri="{FF2B5EF4-FFF2-40B4-BE49-F238E27FC236}">
-                <a16:creationId xmlns:a16="http://schemas.microsoft.com/office/drawing/2014/main" id="{23281370-D0F5-E071-D9FC-F5C803079515}"/>
-              </a:ext>
-            </a:extLst>
-          </p:cNvPr>
-          <p:cNvSpPr txBox="1">
-            <a:spLocks/>
-          </p:cNvSpPr>
-          <p:nvPr/>
-        </p:nvSpPr>
-        <p:spPr>
-          <a:xfrm>
-            <a:off x="493141" y="1804495"/>
-            <a:ext cx="11205713" cy="1178711"/>
-          </a:xfrm>
-          <a:prstGeom prst="rect">
-            <a:avLst/>
-          </a:prstGeom>
-        </p:spPr>
-        <p:txBody>
-          <a:bodyPr vert="horz" lIns="91440" tIns="45720" rIns="91440" bIns="45720" rtlCol="0" anchor="b" anchorCtr="0">
-            <a:noAutofit/>
-          </a:bodyPr>
-          <a:lstStyle>
-            <a:lvl1pPr algn="ctr" defTabSz="914400" rtl="0" eaLnBrk="1" latinLnBrk="0" hangingPunct="1">
-              <a:lnSpc>
-                <a:spcPct val="100000"/>
-              </a:lnSpc>
-              <a:spcBef>
-                <a:spcPct val="0"/>
-              </a:spcBef>
-              <a:buNone/>
-              <a:defRPr sz="4400" b="1" i="0" kern="1200">
-                <a:solidFill>
-                  <a:srgbClr val="0070C0"/>
-                </a:solidFill>
-                <a:latin typeface="K2D" panose="00000500000000000000" pitchFamily="2" charset="-34"/>
-                <a:ea typeface="+mj-ea"/>
-                <a:cs typeface="K2D" panose="00000500000000000000" pitchFamily="2" charset="-34"/>
-              </a:defRPr>
-            </a:lvl1pPr>
-          </a:lstStyle>
-          <a:p>
             <a:r>
-              <a:rPr lang="en-US" sz="2400" dirty="0">
-                <a:latin typeface="Times New Roman" panose="02020603050405020304" pitchFamily="18" charset="0"/>
-                <a:cs typeface="Times New Roman" panose="02020603050405020304" pitchFamily="18" charset="0"/>
-              </a:rPr>
-              <a:t>CAN THO UNIVERSITY </a:t>
-            </a:r>
-          </a:p>
-          <a:p>
-            <a:r>
-              <a:rPr lang="en-US" sz="2400" dirty="0">
-                <a:latin typeface="Times New Roman" panose="02020603050405020304" pitchFamily="18" charset="0"/>
-                <a:cs typeface="Times New Roman" panose="02020603050405020304" pitchFamily="18" charset="0"/>
-              </a:rPr>
-              <a:t>SCHOOL OF INFORMATION &amp; COMMUNICATION TECHNOLOGY </a:t>
-            </a:r>
-          </a:p>
-          <a:p>
-            <a:r>
-              <a:rPr lang="en-US" sz="2400" dirty="0">
-                <a:latin typeface="Times New Roman" panose="02020603050405020304" pitchFamily="18" charset="0"/>
-                <a:cs typeface="Times New Roman" panose="02020603050405020304" pitchFamily="18" charset="0"/>
-              </a:rPr>
-              <a:t>INFORMATION TECHNOLOGY HIGH-QUALITY PROGRAM </a:t>
+              <a:rPr lang="en-US" dirty="0"/>
+              <a:t>Nguyễn Quang Vinh (B2105727)</a:t>
             </a:r>
           </a:p>
         </p:txBody>
@@ -36495,7 +38620,7 @@
     </p:spTree>
     <p:extLst>
       <p:ext uri="{BB962C8B-B14F-4D97-AF65-F5344CB8AC3E}">
-        <p14:creationId xmlns:p14="http://schemas.microsoft.com/office/powerpoint/2010/main" val="731403071"/>
+        <p14:creationId xmlns:p14="http://schemas.microsoft.com/office/powerpoint/2010/main" val="2603090542"/>
       </p:ext>
     </p:extLst>
   </p:cSld>
@@ -36505,12 +38630,18 @@
 </p:sld>
 </file>
 
-<file path=ppt/slides/slide2.xml><?xml version="1.0" encoding="utf-8"?>
+<file path=ppt/slides/slide10.xml><?xml version="1.0" encoding="utf-8"?>
 <p:sld xmlns:a="http://schemas.openxmlformats.org/drawingml/2006/main" xmlns:r="http://schemas.openxmlformats.org/officeDocument/2006/relationships" xmlns:p="http://schemas.openxmlformats.org/presentationml/2006/main">
   <p:cSld>
     <p:spTree>
       <p:nvGrpSpPr>
-        <p:cNvPr id="1" name=""/>
+        <p:cNvPr id="1" name="">
+          <a:extLst>
+            <a:ext uri="{FF2B5EF4-FFF2-40B4-BE49-F238E27FC236}">
+              <a16:creationId xmlns:a16="http://schemas.microsoft.com/office/drawing/2014/main" id="{D6B3302F-2E3A-0B18-A55E-29D4E3309E6D}"/>
+            </a:ext>
+          </a:extLst>
+        </p:cNvPr>
         <p:cNvGrpSpPr/>
         <p:nvPr/>
       </p:nvGrpSpPr>
@@ -36527,7 +38658,1071 @@
           <p:cNvPr id="2" name="Title 1">
             <a:extLst>
               <a:ext uri="{FF2B5EF4-FFF2-40B4-BE49-F238E27FC236}">
-                <a16:creationId xmlns:a16="http://schemas.microsoft.com/office/drawing/2014/main" id="{192D5534-7827-4BC2-AA37-164B475ACC16}"/>
+                <a16:creationId xmlns:a16="http://schemas.microsoft.com/office/drawing/2014/main" id="{0DE05624-1CA7-765B-EB72-63043428EF7A}"/>
+              </a:ext>
+            </a:extLst>
+          </p:cNvPr>
+          <p:cNvSpPr>
+            <a:spLocks noGrp="1"/>
+          </p:cNvSpPr>
+          <p:nvPr>
+            <p:ph type="title"/>
+          </p:nvPr>
+        </p:nvSpPr>
+        <p:spPr/>
+        <p:txBody>
+          <a:bodyPr/>
+          <a:lstStyle/>
+          <a:p>
+            <a:r>
+              <a:rPr lang="en-US" dirty="0"/>
+              <a:t>Theoretical basis &amp; systems analysis</a:t>
+            </a:r>
+          </a:p>
+        </p:txBody>
+      </p:sp>
+      <p:sp>
+        <p:nvSpPr>
+          <p:cNvPr id="3" name="Content Placeholder 2">
+            <a:extLst>
+              <a:ext uri="{FF2B5EF4-FFF2-40B4-BE49-F238E27FC236}">
+                <a16:creationId xmlns:a16="http://schemas.microsoft.com/office/drawing/2014/main" id="{2670AC88-4913-68CD-4E45-70F0D66C536D}"/>
+              </a:ext>
+            </a:extLst>
+          </p:cNvPr>
+          <p:cNvSpPr>
+            <a:spLocks noGrp="1"/>
+          </p:cNvSpPr>
+          <p:nvPr>
+            <p:ph idx="1"/>
+          </p:nvPr>
+        </p:nvSpPr>
+        <p:spPr/>
+        <p:txBody>
+          <a:bodyPr>
+            <a:normAutofit/>
+          </a:bodyPr>
+          <a:lstStyle/>
+          <a:p>
+            <a:r>
+              <a:rPr lang="en-US" b="1" dirty="0"/>
+              <a:t>Vision Transformer (ViT) Model</a:t>
+            </a:r>
+            <a:endParaRPr lang="en-US" dirty="0"/>
+          </a:p>
+          <a:p>
+            <a:pPr marL="342900" indent="-342900">
+              <a:buFont typeface="Arial" panose="020B0604020202020204" pitchFamily="34" charset="0"/>
+              <a:buChar char="•"/>
+            </a:pPr>
+            <a:r>
+              <a:rPr lang="en-US" dirty="0"/>
+              <a:t>Image → split into patches → embedded as tokens.</a:t>
+            </a:r>
+          </a:p>
+          <a:p>
+            <a:pPr marL="342900" indent="-342900">
+              <a:buFont typeface="Arial" panose="020B0604020202020204" pitchFamily="34" charset="0"/>
+              <a:buChar char="•"/>
+            </a:pPr>
+            <a:r>
+              <a:rPr lang="en-US" dirty="0"/>
+              <a:t>Multi-Head Self-Attention captures global relationships.</a:t>
+            </a:r>
+          </a:p>
+          <a:p>
+            <a:pPr marL="342900" indent="-342900">
+              <a:buFont typeface="Arial" panose="020B0604020202020204" pitchFamily="34" charset="0"/>
+              <a:buChar char="•"/>
+            </a:pPr>
+            <a:r>
+              <a:rPr lang="en-US" dirty="0"/>
+              <a:t>CLS token produces final class prediction.</a:t>
+            </a:r>
+          </a:p>
+          <a:p>
+            <a:pPr marL="342900" indent="-342900">
+              <a:buFont typeface="Arial" panose="020B0604020202020204" pitchFamily="34" charset="0"/>
+              <a:buChar char="•"/>
+            </a:pPr>
+            <a:r>
+              <a:rPr lang="en-US" dirty="0"/>
+              <a:t>Higher accuracy than ResNet-50, EfficientNet and </a:t>
+            </a:r>
+            <a:r>
+              <a:rPr lang="en-US" dirty="0" err="1"/>
+              <a:t>MobileNet</a:t>
+            </a:r>
+            <a:r>
+              <a:rPr lang="en-US" dirty="0"/>
+              <a:t> on the custom dataset.</a:t>
+            </a:r>
+          </a:p>
+          <a:p>
+            <a:pPr marL="342900" indent="-342900">
+              <a:buFont typeface="Arial" panose="020B0604020202020204" pitchFamily="34" charset="0"/>
+              <a:buChar char="•"/>
+            </a:pPr>
+            <a:endParaRPr lang="en-US" dirty="0"/>
+          </a:p>
+        </p:txBody>
+      </p:sp>
+    </p:spTree>
+    <p:extLst>
+      <p:ext uri="{BB962C8B-B14F-4D97-AF65-F5344CB8AC3E}">
+        <p14:creationId xmlns:p14="http://schemas.microsoft.com/office/powerpoint/2010/main" val="1847825848"/>
+      </p:ext>
+    </p:extLst>
+  </p:cSld>
+  <p:clrMapOvr>
+    <a:masterClrMapping/>
+  </p:clrMapOvr>
+</p:sld>
+</file>
+
+<file path=ppt/slides/slide11.xml><?xml version="1.0" encoding="utf-8"?>
+<p:sld xmlns:a="http://schemas.openxmlformats.org/drawingml/2006/main" xmlns:r="http://schemas.openxmlformats.org/officeDocument/2006/relationships" xmlns:p="http://schemas.openxmlformats.org/presentationml/2006/main">
+  <p:cSld>
+    <p:spTree>
+      <p:nvGrpSpPr>
+        <p:cNvPr id="1" name="">
+          <a:extLst>
+            <a:ext uri="{FF2B5EF4-FFF2-40B4-BE49-F238E27FC236}">
+              <a16:creationId xmlns:a16="http://schemas.microsoft.com/office/drawing/2014/main" id="{4B1A65E1-EB57-33D4-5329-EF6A85BA3C27}"/>
+            </a:ext>
+          </a:extLst>
+        </p:cNvPr>
+        <p:cNvGrpSpPr/>
+        <p:nvPr/>
+      </p:nvGrpSpPr>
+      <p:grpSpPr>
+        <a:xfrm>
+          <a:off x="0" y="0"/>
+          <a:ext cx="0" cy="0"/>
+          <a:chOff x="0" y="0"/>
+          <a:chExt cx="0" cy="0"/>
+        </a:xfrm>
+      </p:grpSpPr>
+      <p:sp>
+        <p:nvSpPr>
+          <p:cNvPr id="2" name="Title 1">
+            <a:extLst>
+              <a:ext uri="{FF2B5EF4-FFF2-40B4-BE49-F238E27FC236}">
+                <a16:creationId xmlns:a16="http://schemas.microsoft.com/office/drawing/2014/main" id="{B14439BB-25A5-5039-2D7E-5600DB53CE27}"/>
+              </a:ext>
+            </a:extLst>
+          </p:cNvPr>
+          <p:cNvSpPr>
+            <a:spLocks noGrp="1"/>
+          </p:cNvSpPr>
+          <p:nvPr>
+            <p:ph type="title"/>
+          </p:nvPr>
+        </p:nvSpPr>
+        <p:spPr/>
+        <p:txBody>
+          <a:bodyPr/>
+          <a:lstStyle/>
+          <a:p>
+            <a:r>
+              <a:rPr lang="en-US" dirty="0"/>
+              <a:t>Theoretical basis &amp; systems analysis</a:t>
+            </a:r>
+          </a:p>
+        </p:txBody>
+      </p:sp>
+      <p:sp>
+        <p:nvSpPr>
+          <p:cNvPr id="3" name="Content Placeholder 2">
+            <a:extLst>
+              <a:ext uri="{FF2B5EF4-FFF2-40B4-BE49-F238E27FC236}">
+                <a16:creationId xmlns:a16="http://schemas.microsoft.com/office/drawing/2014/main" id="{81E832EA-0B63-F12C-823F-D322ADA0A5C3}"/>
+              </a:ext>
+            </a:extLst>
+          </p:cNvPr>
+          <p:cNvSpPr>
+            <a:spLocks noGrp="1"/>
+          </p:cNvSpPr>
+          <p:nvPr>
+            <p:ph idx="1"/>
+          </p:nvPr>
+        </p:nvSpPr>
+        <p:spPr/>
+        <p:txBody>
+          <a:bodyPr>
+            <a:normAutofit/>
+          </a:bodyPr>
+          <a:lstStyle/>
+          <a:p>
+            <a:r>
+              <a:rPr lang="en-US" b="1" dirty="0"/>
+              <a:t>Dataset &amp; Augmentation</a:t>
+            </a:r>
+          </a:p>
+          <a:p>
+            <a:pPr marL="342900" indent="-342900">
+              <a:buFont typeface="Arial" panose="020B0604020202020204" pitchFamily="34" charset="0"/>
+              <a:buChar char="•"/>
+            </a:pPr>
+            <a:r>
+              <a:rPr lang="en-US" b="1" dirty="0"/>
+              <a:t>Dataset</a:t>
+            </a:r>
+            <a:r>
+              <a:rPr lang="en-US" dirty="0"/>
+              <a:t>: 80 classes × 200 images each (16,000 total).</a:t>
+            </a:r>
+          </a:p>
+          <a:p>
+            <a:pPr marL="342900" indent="-342900">
+              <a:buFont typeface="Arial" panose="020B0604020202020204" pitchFamily="34" charset="0"/>
+              <a:buChar char="•"/>
+            </a:pPr>
+            <a:r>
+              <a:rPr lang="en-US" b="1" dirty="0"/>
+              <a:t>Sources</a:t>
+            </a:r>
+            <a:r>
+              <a:rPr lang="en-US" dirty="0"/>
+              <a:t>: iNaturalist, Kaggle, </a:t>
+            </a:r>
+            <a:r>
+              <a:rPr lang="en-US" dirty="0" err="1"/>
+              <a:t>WildFoodUK</a:t>
+            </a:r>
+            <a:r>
+              <a:rPr lang="en-US" dirty="0"/>
+              <a:t>, blogs.</a:t>
+            </a:r>
+          </a:p>
+          <a:p>
+            <a:pPr marL="342900" indent="-342900">
+              <a:buFont typeface="Arial" panose="020B0604020202020204" pitchFamily="34" charset="0"/>
+              <a:buChar char="•"/>
+            </a:pPr>
+            <a:r>
+              <a:rPr lang="en-US" b="1" dirty="0"/>
+              <a:t>Splits</a:t>
+            </a:r>
+            <a:r>
+              <a:rPr lang="en-US" dirty="0"/>
+              <a:t>: 80% training, 10% validation, 10% test.</a:t>
+            </a:r>
+          </a:p>
+          <a:p>
+            <a:pPr marL="342900" indent="-342900">
+              <a:buFont typeface="Arial" panose="020B0604020202020204" pitchFamily="34" charset="0"/>
+              <a:buChar char="•"/>
+            </a:pPr>
+            <a:r>
+              <a:rPr lang="en-US" b="1" dirty="0"/>
+              <a:t>Augmentation</a:t>
+            </a:r>
+            <a:r>
+              <a:rPr lang="en-US" dirty="0"/>
+              <a:t>: flips, rotate, brightness/contrast, hue/saturation, blur, noise, dropout.</a:t>
+            </a:r>
+          </a:p>
+          <a:p>
+            <a:endParaRPr lang="en-US" dirty="0"/>
+          </a:p>
+        </p:txBody>
+      </p:sp>
+    </p:spTree>
+    <p:extLst>
+      <p:ext uri="{BB962C8B-B14F-4D97-AF65-F5344CB8AC3E}">
+        <p14:creationId xmlns:p14="http://schemas.microsoft.com/office/powerpoint/2010/main" val="33064563"/>
+      </p:ext>
+    </p:extLst>
+  </p:cSld>
+  <p:clrMapOvr>
+    <a:masterClrMapping/>
+  </p:clrMapOvr>
+</p:sld>
+</file>
+
+<file path=ppt/slides/slide12.xml><?xml version="1.0" encoding="utf-8"?>
+<p:sld xmlns:a="http://schemas.openxmlformats.org/drawingml/2006/main" xmlns:r="http://schemas.openxmlformats.org/officeDocument/2006/relationships" xmlns:p="http://schemas.openxmlformats.org/presentationml/2006/main">
+  <p:cSld>
+    <p:spTree>
+      <p:nvGrpSpPr>
+        <p:cNvPr id="1" name="">
+          <a:extLst>
+            <a:ext uri="{FF2B5EF4-FFF2-40B4-BE49-F238E27FC236}">
+              <a16:creationId xmlns:a16="http://schemas.microsoft.com/office/drawing/2014/main" id="{48E657E2-2508-1741-5796-588B0498380D}"/>
+            </a:ext>
+          </a:extLst>
+        </p:cNvPr>
+        <p:cNvGrpSpPr/>
+        <p:nvPr/>
+      </p:nvGrpSpPr>
+      <p:grpSpPr>
+        <a:xfrm>
+          <a:off x="0" y="0"/>
+          <a:ext cx="0" cy="0"/>
+          <a:chOff x="0" y="0"/>
+          <a:chExt cx="0" cy="0"/>
+        </a:xfrm>
+      </p:grpSpPr>
+      <p:sp>
+        <p:nvSpPr>
+          <p:cNvPr id="2" name="Title 1">
+            <a:extLst>
+              <a:ext uri="{FF2B5EF4-FFF2-40B4-BE49-F238E27FC236}">
+                <a16:creationId xmlns:a16="http://schemas.microsoft.com/office/drawing/2014/main" id="{64A2833D-6189-C225-B32F-74230D48A4A2}"/>
+              </a:ext>
+            </a:extLst>
+          </p:cNvPr>
+          <p:cNvSpPr>
+            <a:spLocks noGrp="1"/>
+          </p:cNvSpPr>
+          <p:nvPr>
+            <p:ph type="title"/>
+          </p:nvPr>
+        </p:nvSpPr>
+        <p:spPr/>
+        <p:txBody>
+          <a:bodyPr/>
+          <a:lstStyle/>
+          <a:p>
+            <a:r>
+              <a:rPr lang="en-US" dirty="0"/>
+              <a:t>Theoretical basis &amp; systems analysis</a:t>
+            </a:r>
+          </a:p>
+        </p:txBody>
+      </p:sp>
+      <p:sp>
+        <p:nvSpPr>
+          <p:cNvPr id="3" name="Content Placeholder 2">
+            <a:extLst>
+              <a:ext uri="{FF2B5EF4-FFF2-40B4-BE49-F238E27FC236}">
+                <a16:creationId xmlns:a16="http://schemas.microsoft.com/office/drawing/2014/main" id="{86AE6973-111A-B8E5-81AA-5B869417BE49}"/>
+              </a:ext>
+            </a:extLst>
+          </p:cNvPr>
+          <p:cNvSpPr>
+            <a:spLocks noGrp="1"/>
+          </p:cNvSpPr>
+          <p:nvPr>
+            <p:ph idx="1"/>
+          </p:nvPr>
+        </p:nvSpPr>
+        <p:spPr/>
+        <p:txBody>
+          <a:bodyPr>
+            <a:normAutofit/>
+          </a:bodyPr>
+          <a:lstStyle/>
+          <a:p>
+            <a:r>
+              <a:rPr lang="en-US" dirty="0"/>
+              <a:t>SYSTEM ARCHITECTURE OVERVIEW</a:t>
+            </a:r>
+          </a:p>
+        </p:txBody>
+      </p:sp>
+      <p:pic>
+        <p:nvPicPr>
+          <p:cNvPr id="4" name="Picture 3">
+            <a:extLst>
+              <a:ext uri="{FF2B5EF4-FFF2-40B4-BE49-F238E27FC236}">
+                <a16:creationId xmlns:a16="http://schemas.microsoft.com/office/drawing/2014/main" id="{F114F15A-D21F-AE4D-8E26-02C6B74196EE}"/>
+              </a:ext>
+            </a:extLst>
+          </p:cNvPr>
+          <p:cNvPicPr>
+            <a:picLocks noChangeAspect="1"/>
+          </p:cNvPicPr>
+          <p:nvPr/>
+        </p:nvPicPr>
+        <p:blipFill>
+          <a:blip r:embed="rId3"/>
+          <a:stretch>
+            <a:fillRect/>
+          </a:stretch>
+        </p:blipFill>
+        <p:spPr>
+          <a:xfrm>
+            <a:off x="3788790" y="2066957"/>
+            <a:ext cx="7269164" cy="3868674"/>
+          </a:xfrm>
+          <a:prstGeom prst="rect">
+            <a:avLst/>
+          </a:prstGeom>
+        </p:spPr>
+      </p:pic>
+    </p:spTree>
+    <p:extLst>
+      <p:ext uri="{BB962C8B-B14F-4D97-AF65-F5344CB8AC3E}">
+        <p14:creationId xmlns:p14="http://schemas.microsoft.com/office/powerpoint/2010/main" val="739704160"/>
+      </p:ext>
+    </p:extLst>
+  </p:cSld>
+  <p:clrMapOvr>
+    <a:masterClrMapping/>
+  </p:clrMapOvr>
+</p:sld>
+</file>
+
+<file path=ppt/slides/slide13.xml><?xml version="1.0" encoding="utf-8"?>
+<p:sld xmlns:a="http://schemas.openxmlformats.org/drawingml/2006/main" xmlns:r="http://schemas.openxmlformats.org/officeDocument/2006/relationships" xmlns:p="http://schemas.openxmlformats.org/presentationml/2006/main">
+  <p:cSld>
+    <p:spTree>
+      <p:nvGrpSpPr>
+        <p:cNvPr id="1" name="">
+          <a:extLst>
+            <a:ext uri="{FF2B5EF4-FFF2-40B4-BE49-F238E27FC236}">
+              <a16:creationId xmlns:a16="http://schemas.microsoft.com/office/drawing/2014/main" id="{241675CB-3A0E-2913-E87E-30F8461774D9}"/>
+            </a:ext>
+          </a:extLst>
+        </p:cNvPr>
+        <p:cNvGrpSpPr/>
+        <p:nvPr/>
+      </p:nvGrpSpPr>
+      <p:grpSpPr>
+        <a:xfrm>
+          <a:off x="0" y="0"/>
+          <a:ext cx="0" cy="0"/>
+          <a:chOff x="0" y="0"/>
+          <a:chExt cx="0" cy="0"/>
+        </a:xfrm>
+      </p:grpSpPr>
+      <p:sp>
+        <p:nvSpPr>
+          <p:cNvPr id="2" name="Title 1">
+            <a:extLst>
+              <a:ext uri="{FF2B5EF4-FFF2-40B4-BE49-F238E27FC236}">
+                <a16:creationId xmlns:a16="http://schemas.microsoft.com/office/drawing/2014/main" id="{F61AC7CE-59C8-5F34-DDEB-9AAA03E3AAB4}"/>
+              </a:ext>
+            </a:extLst>
+          </p:cNvPr>
+          <p:cNvSpPr>
+            <a:spLocks noGrp="1"/>
+          </p:cNvSpPr>
+          <p:nvPr>
+            <p:ph type="title"/>
+          </p:nvPr>
+        </p:nvSpPr>
+        <p:spPr/>
+        <p:txBody>
+          <a:bodyPr/>
+          <a:lstStyle/>
+          <a:p>
+            <a:r>
+              <a:rPr lang="en-US" dirty="0"/>
+              <a:t>Theoretical basis &amp; systems analysis</a:t>
+            </a:r>
+          </a:p>
+        </p:txBody>
+      </p:sp>
+      <p:sp>
+        <p:nvSpPr>
+          <p:cNvPr id="3" name="Content Placeholder 2">
+            <a:extLst>
+              <a:ext uri="{FF2B5EF4-FFF2-40B4-BE49-F238E27FC236}">
+                <a16:creationId xmlns:a16="http://schemas.microsoft.com/office/drawing/2014/main" id="{4669F7C4-BB45-1027-A6CA-34F5CA1C9AB2}"/>
+              </a:ext>
+            </a:extLst>
+          </p:cNvPr>
+          <p:cNvSpPr>
+            <a:spLocks noGrp="1"/>
+          </p:cNvSpPr>
+          <p:nvPr>
+            <p:ph idx="1"/>
+          </p:nvPr>
+        </p:nvSpPr>
+        <p:spPr/>
+        <p:txBody>
+          <a:bodyPr>
+            <a:normAutofit/>
+          </a:bodyPr>
+          <a:lstStyle/>
+          <a:p>
+            <a:r>
+              <a:rPr lang="en-US" dirty="0"/>
+              <a:t>Use Case Overview</a:t>
+            </a:r>
+          </a:p>
+        </p:txBody>
+      </p:sp>
+      <p:pic>
+        <p:nvPicPr>
+          <p:cNvPr id="4" name="Picture 3">
+            <a:extLst>
+              <a:ext uri="{FF2B5EF4-FFF2-40B4-BE49-F238E27FC236}">
+                <a16:creationId xmlns:a16="http://schemas.microsoft.com/office/drawing/2014/main" id="{1F0B1829-292D-839A-9F32-1DD59350F4C2}"/>
+              </a:ext>
+            </a:extLst>
+          </p:cNvPr>
+          <p:cNvPicPr>
+            <a:picLocks noChangeAspect="1"/>
+          </p:cNvPicPr>
+          <p:nvPr/>
+        </p:nvPicPr>
+        <p:blipFill>
+          <a:blip r:embed="rId3"/>
+          <a:stretch>
+            <a:fillRect/>
+          </a:stretch>
+        </p:blipFill>
+        <p:spPr>
+          <a:xfrm>
+            <a:off x="3845623" y="1651304"/>
+            <a:ext cx="7647792" cy="4252545"/>
+          </a:xfrm>
+          <a:prstGeom prst="rect">
+            <a:avLst/>
+          </a:prstGeom>
+        </p:spPr>
+      </p:pic>
+    </p:spTree>
+    <p:extLst>
+      <p:ext uri="{BB962C8B-B14F-4D97-AF65-F5344CB8AC3E}">
+        <p14:creationId xmlns:p14="http://schemas.microsoft.com/office/powerpoint/2010/main" val="783078269"/>
+      </p:ext>
+    </p:extLst>
+  </p:cSld>
+  <p:clrMapOvr>
+    <a:masterClrMapping/>
+  </p:clrMapOvr>
+</p:sld>
+</file>
+
+<file path=ppt/slides/slide14.xml><?xml version="1.0" encoding="utf-8"?>
+<p:sld xmlns:a="http://schemas.openxmlformats.org/drawingml/2006/main" xmlns:r="http://schemas.openxmlformats.org/officeDocument/2006/relationships" xmlns:p="http://schemas.openxmlformats.org/presentationml/2006/main">
+  <p:cSld>
+    <p:spTree>
+      <p:nvGrpSpPr>
+        <p:cNvPr id="1" name="">
+          <a:extLst>
+            <a:ext uri="{FF2B5EF4-FFF2-40B4-BE49-F238E27FC236}">
+              <a16:creationId xmlns:a16="http://schemas.microsoft.com/office/drawing/2014/main" id="{D1582907-B227-2A14-138C-335CE049CF1D}"/>
+            </a:ext>
+          </a:extLst>
+        </p:cNvPr>
+        <p:cNvGrpSpPr/>
+        <p:nvPr/>
+      </p:nvGrpSpPr>
+      <p:grpSpPr>
+        <a:xfrm>
+          <a:off x="0" y="0"/>
+          <a:ext cx="0" cy="0"/>
+          <a:chOff x="0" y="0"/>
+          <a:chExt cx="0" cy="0"/>
+        </a:xfrm>
+      </p:grpSpPr>
+      <p:sp>
+        <p:nvSpPr>
+          <p:cNvPr id="2" name="Title 1">
+            <a:extLst>
+              <a:ext uri="{FF2B5EF4-FFF2-40B4-BE49-F238E27FC236}">
+                <a16:creationId xmlns:a16="http://schemas.microsoft.com/office/drawing/2014/main" id="{8A4D38D4-0114-CEE7-414C-D4D114386225}"/>
+              </a:ext>
+            </a:extLst>
+          </p:cNvPr>
+          <p:cNvSpPr>
+            <a:spLocks noGrp="1"/>
+          </p:cNvSpPr>
+          <p:nvPr>
+            <p:ph type="title"/>
+          </p:nvPr>
+        </p:nvSpPr>
+        <p:spPr/>
+        <p:txBody>
+          <a:bodyPr/>
+          <a:lstStyle/>
+          <a:p>
+            <a:r>
+              <a:rPr lang="en-US" dirty="0"/>
+              <a:t>Theoretical basis &amp; systems analysis</a:t>
+            </a:r>
+          </a:p>
+        </p:txBody>
+      </p:sp>
+      <p:sp>
+        <p:nvSpPr>
+          <p:cNvPr id="3" name="Content Placeholder 2">
+            <a:extLst>
+              <a:ext uri="{FF2B5EF4-FFF2-40B4-BE49-F238E27FC236}">
+                <a16:creationId xmlns:a16="http://schemas.microsoft.com/office/drawing/2014/main" id="{5A6CA2FB-9F6C-654D-BDAF-4C7F1ABC9149}"/>
+              </a:ext>
+            </a:extLst>
+          </p:cNvPr>
+          <p:cNvSpPr>
+            <a:spLocks noGrp="1"/>
+          </p:cNvSpPr>
+          <p:nvPr>
+            <p:ph idx="1"/>
+          </p:nvPr>
+        </p:nvSpPr>
+        <p:spPr/>
+        <p:txBody>
+          <a:bodyPr>
+            <a:normAutofit/>
+          </a:bodyPr>
+          <a:lstStyle/>
+          <a:p>
+            <a:r>
+              <a:rPr lang="en-US" dirty="0"/>
+              <a:t>Main System Workflows</a:t>
+            </a:r>
+          </a:p>
+        </p:txBody>
+      </p:sp>
+      <p:pic>
+        <p:nvPicPr>
+          <p:cNvPr id="4" name="Picture 3">
+            <a:extLst>
+              <a:ext uri="{FF2B5EF4-FFF2-40B4-BE49-F238E27FC236}">
+                <a16:creationId xmlns:a16="http://schemas.microsoft.com/office/drawing/2014/main" id="{C748E814-CCB2-0F07-8516-8835C5C8F060}"/>
+              </a:ext>
+            </a:extLst>
+          </p:cNvPr>
+          <p:cNvPicPr>
+            <a:picLocks noChangeAspect="1"/>
+          </p:cNvPicPr>
+          <p:nvPr/>
+        </p:nvPicPr>
+        <p:blipFill>
+          <a:blip r:embed="rId3"/>
+          <a:stretch>
+            <a:fillRect/>
+          </a:stretch>
+        </p:blipFill>
+        <p:spPr>
+          <a:xfrm>
+            <a:off x="7099236" y="681037"/>
+            <a:ext cx="3498215" cy="5227320"/>
+          </a:xfrm>
+          <a:prstGeom prst="rect">
+            <a:avLst/>
+          </a:prstGeom>
+        </p:spPr>
+      </p:pic>
+    </p:spTree>
+    <p:extLst>
+      <p:ext uri="{BB962C8B-B14F-4D97-AF65-F5344CB8AC3E}">
+        <p14:creationId xmlns:p14="http://schemas.microsoft.com/office/powerpoint/2010/main" val="3869106029"/>
+      </p:ext>
+    </p:extLst>
+  </p:cSld>
+  <p:clrMapOvr>
+    <a:masterClrMapping/>
+  </p:clrMapOvr>
+</p:sld>
+</file>
+
+<file path=ppt/slides/slide15.xml><?xml version="1.0" encoding="utf-8"?>
+<p:sld xmlns:a="http://schemas.openxmlformats.org/drawingml/2006/main" xmlns:r="http://schemas.openxmlformats.org/officeDocument/2006/relationships" xmlns:p="http://schemas.openxmlformats.org/presentationml/2006/main">
+  <p:cSld>
+    <p:spTree>
+      <p:nvGrpSpPr>
+        <p:cNvPr id="1" name="">
+          <a:extLst>
+            <a:ext uri="{FF2B5EF4-FFF2-40B4-BE49-F238E27FC236}">
+              <a16:creationId xmlns:a16="http://schemas.microsoft.com/office/drawing/2014/main" id="{979FB9EF-BBF2-8C9F-0D5E-BB4847D8A2C9}"/>
+            </a:ext>
+          </a:extLst>
+        </p:cNvPr>
+        <p:cNvGrpSpPr/>
+        <p:nvPr/>
+      </p:nvGrpSpPr>
+      <p:grpSpPr>
+        <a:xfrm>
+          <a:off x="0" y="0"/>
+          <a:ext cx="0" cy="0"/>
+          <a:chOff x="0" y="0"/>
+          <a:chExt cx="0" cy="0"/>
+        </a:xfrm>
+      </p:grpSpPr>
+      <p:sp>
+        <p:nvSpPr>
+          <p:cNvPr id="2" name="Title 1">
+            <a:extLst>
+              <a:ext uri="{FF2B5EF4-FFF2-40B4-BE49-F238E27FC236}">
+                <a16:creationId xmlns:a16="http://schemas.microsoft.com/office/drawing/2014/main" id="{D0A670AF-AD4D-B5DF-BDE6-606F46AD59E8}"/>
+              </a:ext>
+            </a:extLst>
+          </p:cNvPr>
+          <p:cNvSpPr>
+            <a:spLocks noGrp="1"/>
+          </p:cNvSpPr>
+          <p:nvPr>
+            <p:ph type="title"/>
+          </p:nvPr>
+        </p:nvSpPr>
+        <p:spPr/>
+        <p:txBody>
+          <a:bodyPr/>
+          <a:lstStyle/>
+          <a:p>
+            <a:r>
+              <a:rPr lang="en-US" dirty="0"/>
+              <a:t>Theoretical basis &amp; systems analysis</a:t>
+            </a:r>
+          </a:p>
+        </p:txBody>
+      </p:sp>
+      <p:sp>
+        <p:nvSpPr>
+          <p:cNvPr id="3" name="Content Placeholder 2">
+            <a:extLst>
+              <a:ext uri="{FF2B5EF4-FFF2-40B4-BE49-F238E27FC236}">
+                <a16:creationId xmlns:a16="http://schemas.microsoft.com/office/drawing/2014/main" id="{1765176D-C3F1-43AE-1A3A-ECE83AAE3725}"/>
+              </a:ext>
+            </a:extLst>
+          </p:cNvPr>
+          <p:cNvSpPr>
+            <a:spLocks noGrp="1"/>
+          </p:cNvSpPr>
+          <p:nvPr>
+            <p:ph idx="1"/>
+          </p:nvPr>
+        </p:nvSpPr>
+        <p:spPr/>
+        <p:txBody>
+          <a:bodyPr>
+            <a:normAutofit/>
+          </a:bodyPr>
+          <a:lstStyle/>
+          <a:p>
+            <a:r>
+              <a:rPr lang="en-US" dirty="0"/>
+              <a:t>Main System Workflows</a:t>
+            </a:r>
+          </a:p>
+          <a:p>
+            <a:endParaRPr lang="en-US" dirty="0"/>
+          </a:p>
+        </p:txBody>
+      </p:sp>
+      <p:pic>
+        <p:nvPicPr>
+          <p:cNvPr id="5" name="Picture 4">
+            <a:extLst>
+              <a:ext uri="{FF2B5EF4-FFF2-40B4-BE49-F238E27FC236}">
+                <a16:creationId xmlns:a16="http://schemas.microsoft.com/office/drawing/2014/main" id="{42C39D5D-4E22-734E-0986-117BBD116259}"/>
+              </a:ext>
+            </a:extLst>
+          </p:cNvPr>
+          <p:cNvPicPr>
+            <a:picLocks noChangeAspect="1"/>
+          </p:cNvPicPr>
+          <p:nvPr/>
+        </p:nvPicPr>
+        <p:blipFill>
+          <a:blip r:embed="rId3"/>
+          <a:stretch>
+            <a:fillRect/>
+          </a:stretch>
+        </p:blipFill>
+        <p:spPr>
+          <a:xfrm>
+            <a:off x="4556569" y="1241036"/>
+            <a:ext cx="6797231" cy="4587869"/>
+          </a:xfrm>
+          <a:prstGeom prst="rect">
+            <a:avLst/>
+          </a:prstGeom>
+        </p:spPr>
+      </p:pic>
+    </p:spTree>
+    <p:extLst>
+      <p:ext uri="{BB962C8B-B14F-4D97-AF65-F5344CB8AC3E}">
+        <p14:creationId xmlns:p14="http://schemas.microsoft.com/office/powerpoint/2010/main" val="2142085536"/>
+      </p:ext>
+    </p:extLst>
+  </p:cSld>
+  <p:clrMapOvr>
+    <a:masterClrMapping/>
+  </p:clrMapOvr>
+</p:sld>
+</file>
+
+<file path=ppt/slides/slide16.xml><?xml version="1.0" encoding="utf-8"?>
+<p:sld xmlns:a="http://schemas.openxmlformats.org/drawingml/2006/main" xmlns:r="http://schemas.openxmlformats.org/officeDocument/2006/relationships" xmlns:p="http://schemas.openxmlformats.org/presentationml/2006/main">
+  <p:cSld>
+    <p:spTree>
+      <p:nvGrpSpPr>
+        <p:cNvPr id="1" name="">
+          <a:extLst>
+            <a:ext uri="{FF2B5EF4-FFF2-40B4-BE49-F238E27FC236}">
+              <a16:creationId xmlns:a16="http://schemas.microsoft.com/office/drawing/2014/main" id="{1D3A32F1-EDE5-DF54-6A34-BDE1B4D61C11}"/>
+            </a:ext>
+          </a:extLst>
+        </p:cNvPr>
+        <p:cNvGrpSpPr/>
+        <p:nvPr/>
+      </p:nvGrpSpPr>
+      <p:grpSpPr>
+        <a:xfrm>
+          <a:off x="0" y="0"/>
+          <a:ext cx="0" cy="0"/>
+          <a:chOff x="0" y="0"/>
+          <a:chExt cx="0" cy="0"/>
+        </a:xfrm>
+      </p:grpSpPr>
+      <p:sp>
+        <p:nvSpPr>
+          <p:cNvPr id="2" name="Title 1">
+            <a:extLst>
+              <a:ext uri="{FF2B5EF4-FFF2-40B4-BE49-F238E27FC236}">
+                <a16:creationId xmlns:a16="http://schemas.microsoft.com/office/drawing/2014/main" id="{A027DC40-781E-C0F4-3098-175091509501}"/>
+              </a:ext>
+            </a:extLst>
+          </p:cNvPr>
+          <p:cNvSpPr>
+            <a:spLocks noGrp="1"/>
+          </p:cNvSpPr>
+          <p:nvPr>
+            <p:ph type="title"/>
+          </p:nvPr>
+        </p:nvSpPr>
+        <p:spPr/>
+        <p:txBody>
+          <a:bodyPr/>
+          <a:lstStyle/>
+          <a:p>
+            <a:r>
+              <a:rPr lang="en-US" dirty="0"/>
+              <a:t>Theoretical basis &amp; systems analysis</a:t>
+            </a:r>
+          </a:p>
+        </p:txBody>
+      </p:sp>
+      <p:sp>
+        <p:nvSpPr>
+          <p:cNvPr id="3" name="Content Placeholder 2">
+            <a:extLst>
+              <a:ext uri="{FF2B5EF4-FFF2-40B4-BE49-F238E27FC236}">
+                <a16:creationId xmlns:a16="http://schemas.microsoft.com/office/drawing/2014/main" id="{79D42FAB-97B1-E9A8-2CCC-04E3C363222C}"/>
+              </a:ext>
+            </a:extLst>
+          </p:cNvPr>
+          <p:cNvSpPr>
+            <a:spLocks noGrp="1"/>
+          </p:cNvSpPr>
+          <p:nvPr>
+            <p:ph idx="1"/>
+          </p:nvPr>
+        </p:nvSpPr>
+        <p:spPr/>
+        <p:txBody>
+          <a:bodyPr>
+            <a:normAutofit/>
+          </a:bodyPr>
+          <a:lstStyle/>
+          <a:p>
+            <a:r>
+              <a:rPr lang="en-US" dirty="0"/>
+              <a:t>Main System Workflows</a:t>
+            </a:r>
+          </a:p>
+          <a:p>
+            <a:endParaRPr lang="en-US" dirty="0"/>
+          </a:p>
+        </p:txBody>
+      </p:sp>
+      <p:pic>
+        <p:nvPicPr>
+          <p:cNvPr id="4" name="Picture 3">
+            <a:extLst>
+              <a:ext uri="{FF2B5EF4-FFF2-40B4-BE49-F238E27FC236}">
+                <a16:creationId xmlns:a16="http://schemas.microsoft.com/office/drawing/2014/main" id="{B8A5DF38-472E-38BD-025C-23B1AFBEBAD4}"/>
+              </a:ext>
+            </a:extLst>
+          </p:cNvPr>
+          <p:cNvPicPr>
+            <a:picLocks noChangeAspect="1"/>
+          </p:cNvPicPr>
+          <p:nvPr/>
+        </p:nvPicPr>
+        <p:blipFill>
+          <a:blip r:embed="rId3"/>
+          <a:stretch>
+            <a:fillRect/>
+          </a:stretch>
+        </p:blipFill>
+        <p:spPr>
+          <a:xfrm>
+            <a:off x="7545641" y="913448"/>
+            <a:ext cx="2239645" cy="5263515"/>
+          </a:xfrm>
+          <a:prstGeom prst="rect">
+            <a:avLst/>
+          </a:prstGeom>
+        </p:spPr>
+      </p:pic>
+    </p:spTree>
+    <p:extLst>
+      <p:ext uri="{BB962C8B-B14F-4D97-AF65-F5344CB8AC3E}">
+        <p14:creationId xmlns:p14="http://schemas.microsoft.com/office/powerpoint/2010/main" val="692968513"/>
+      </p:ext>
+    </p:extLst>
+  </p:cSld>
+  <p:clrMapOvr>
+    <a:masterClrMapping/>
+  </p:clrMapOvr>
+</p:sld>
+</file>
+
+<file path=ppt/slides/slide17.xml><?xml version="1.0" encoding="utf-8"?>
+<p:sld xmlns:a="http://schemas.openxmlformats.org/drawingml/2006/main" xmlns:r="http://schemas.openxmlformats.org/officeDocument/2006/relationships" xmlns:p="http://schemas.openxmlformats.org/presentationml/2006/main">
+  <p:cSld>
+    <p:spTree>
+      <p:nvGrpSpPr>
+        <p:cNvPr id="1" name="">
+          <a:extLst>
+            <a:ext uri="{FF2B5EF4-FFF2-40B4-BE49-F238E27FC236}">
+              <a16:creationId xmlns:a16="http://schemas.microsoft.com/office/drawing/2014/main" id="{157B0C2A-3594-D1A5-8216-5DD2C3E7148C}"/>
+            </a:ext>
+          </a:extLst>
+        </p:cNvPr>
+        <p:cNvGrpSpPr/>
+        <p:nvPr/>
+      </p:nvGrpSpPr>
+      <p:grpSpPr>
+        <a:xfrm>
+          <a:off x="0" y="0"/>
+          <a:ext cx="0" cy="0"/>
+          <a:chOff x="0" y="0"/>
+          <a:chExt cx="0" cy="0"/>
+        </a:xfrm>
+      </p:grpSpPr>
+      <p:sp>
+        <p:nvSpPr>
+          <p:cNvPr id="2" name="Title 1">
+            <a:extLst>
+              <a:ext uri="{FF2B5EF4-FFF2-40B4-BE49-F238E27FC236}">
+                <a16:creationId xmlns:a16="http://schemas.microsoft.com/office/drawing/2014/main" id="{2A7856B5-E8E9-ACC5-2A0C-B0FEC126E01A}"/>
+              </a:ext>
+            </a:extLst>
+          </p:cNvPr>
+          <p:cNvSpPr>
+            <a:spLocks noGrp="1"/>
+          </p:cNvSpPr>
+          <p:nvPr>
+            <p:ph type="title"/>
+          </p:nvPr>
+        </p:nvSpPr>
+        <p:spPr/>
+        <p:txBody>
+          <a:bodyPr/>
+          <a:lstStyle/>
+          <a:p>
+            <a:r>
+              <a:rPr lang="en-US" dirty="0"/>
+              <a:t>Theoretical basis &amp; systems analysis</a:t>
+            </a:r>
+          </a:p>
+        </p:txBody>
+      </p:sp>
+      <p:sp>
+        <p:nvSpPr>
+          <p:cNvPr id="3" name="Content Placeholder 2">
+            <a:extLst>
+              <a:ext uri="{FF2B5EF4-FFF2-40B4-BE49-F238E27FC236}">
+                <a16:creationId xmlns:a16="http://schemas.microsoft.com/office/drawing/2014/main" id="{67430E25-A3DF-08EE-0918-7F6A8461B2A1}"/>
+              </a:ext>
+            </a:extLst>
+          </p:cNvPr>
+          <p:cNvSpPr>
+            <a:spLocks noGrp="1"/>
+          </p:cNvSpPr>
+          <p:nvPr>
+            <p:ph idx="1"/>
+          </p:nvPr>
+        </p:nvSpPr>
+        <p:spPr/>
+        <p:txBody>
+          <a:bodyPr>
+            <a:normAutofit/>
+          </a:bodyPr>
+          <a:lstStyle/>
+          <a:p>
+            <a:r>
+              <a:rPr lang="en-US" dirty="0"/>
+              <a:t>Main System Workflows</a:t>
+            </a:r>
+          </a:p>
+          <a:p>
+            <a:endParaRPr lang="en-US" dirty="0"/>
+          </a:p>
+        </p:txBody>
+      </p:sp>
+      <p:pic>
+        <p:nvPicPr>
+          <p:cNvPr id="6" name="Picture 5">
+            <a:extLst>
+              <a:ext uri="{FF2B5EF4-FFF2-40B4-BE49-F238E27FC236}">
+                <a16:creationId xmlns:a16="http://schemas.microsoft.com/office/drawing/2014/main" id="{26CC5329-F03B-8F37-62CE-90F839477FB7}"/>
+              </a:ext>
+            </a:extLst>
+          </p:cNvPr>
+          <p:cNvPicPr>
+            <a:picLocks noChangeAspect="1"/>
+          </p:cNvPicPr>
+          <p:nvPr/>
+        </p:nvPicPr>
+        <p:blipFill>
+          <a:blip r:embed="rId3"/>
+          <a:stretch>
+            <a:fillRect/>
+          </a:stretch>
+        </p:blipFill>
+        <p:spPr>
+          <a:xfrm>
+            <a:off x="7269479" y="1106423"/>
+            <a:ext cx="2562027" cy="5222113"/>
+          </a:xfrm>
+          <a:prstGeom prst="rect">
+            <a:avLst/>
+          </a:prstGeom>
+        </p:spPr>
+      </p:pic>
+    </p:spTree>
+    <p:extLst>
+      <p:ext uri="{BB962C8B-B14F-4D97-AF65-F5344CB8AC3E}">
+        <p14:creationId xmlns:p14="http://schemas.microsoft.com/office/powerpoint/2010/main" val="1182740302"/>
+      </p:ext>
+    </p:extLst>
+  </p:cSld>
+  <p:clrMapOvr>
+    <a:masterClrMapping/>
+  </p:clrMapOvr>
+</p:sld>
+</file>
+
+<file path=ppt/slides/slide18.xml><?xml version="1.0" encoding="utf-8"?>
+<p:sld xmlns:a="http://schemas.openxmlformats.org/drawingml/2006/main" xmlns:r="http://schemas.openxmlformats.org/officeDocument/2006/relationships" xmlns:p="http://schemas.openxmlformats.org/presentationml/2006/main">
+  <p:cSld>
+    <p:spTree>
+      <p:nvGrpSpPr>
+        <p:cNvPr id="1" name="">
+          <a:extLst>
+            <a:ext uri="{FF2B5EF4-FFF2-40B4-BE49-F238E27FC236}">
+              <a16:creationId xmlns:a16="http://schemas.microsoft.com/office/drawing/2014/main" id="{7CFAB9B4-D5AC-586A-3338-5EB4D7A25AEA}"/>
+            </a:ext>
+          </a:extLst>
+        </p:cNvPr>
+        <p:cNvGrpSpPr/>
+        <p:nvPr/>
+      </p:nvGrpSpPr>
+      <p:grpSpPr>
+        <a:xfrm>
+          <a:off x="0" y="0"/>
+          <a:ext cx="0" cy="0"/>
+          <a:chOff x="0" y="0"/>
+          <a:chExt cx="0" cy="0"/>
+        </a:xfrm>
+      </p:grpSpPr>
+      <p:sp>
+        <p:nvSpPr>
+          <p:cNvPr id="2" name="Title 1">
+            <a:extLst>
+              <a:ext uri="{FF2B5EF4-FFF2-40B4-BE49-F238E27FC236}">
+                <a16:creationId xmlns:a16="http://schemas.microsoft.com/office/drawing/2014/main" id="{038FCEE4-2686-7CCC-6CF8-13233FBFB5E7}"/>
               </a:ext>
             </a:extLst>
           </p:cNvPr>
@@ -36543,39 +39738,17 @@
           <a:bodyPr/>
           <a:lstStyle/>
           <a:p>
-            <a:endParaRPr lang="en-US" dirty="0"/>
-          </a:p>
-        </p:txBody>
-      </p:sp>
-      <p:sp>
-        <p:nvSpPr>
-          <p:cNvPr id="3" name="Subtitle 2">
-            <a:extLst>
-              <a:ext uri="{FF2B5EF4-FFF2-40B4-BE49-F238E27FC236}">
-                <a16:creationId xmlns:a16="http://schemas.microsoft.com/office/drawing/2014/main" id="{DDACE8DF-BE37-4B49-9A1D-4D0FC8ACB34A}"/>
-              </a:ext>
-            </a:extLst>
-          </p:cNvPr>
-          <p:cNvSpPr>
-            <a:spLocks noGrp="1"/>
-          </p:cNvSpPr>
-          <p:nvPr>
-            <p:ph type="subTitle" idx="1"/>
-          </p:nvPr>
-        </p:nvSpPr>
-        <p:spPr/>
-        <p:txBody>
-          <a:bodyPr/>
-          <a:lstStyle/>
-          <a:p>
-            <a:endParaRPr lang="en-US" dirty="0"/>
+            <a:r>
+              <a:rPr lang="en-US" sz="6000" dirty="0"/>
+              <a:t>Part 3: Implementation</a:t>
+            </a:r>
           </a:p>
         </p:txBody>
       </p:sp>
     </p:spTree>
     <p:extLst>
       <p:ext uri="{BB962C8B-B14F-4D97-AF65-F5344CB8AC3E}">
-        <p14:creationId xmlns:p14="http://schemas.microsoft.com/office/powerpoint/2010/main" val="2203357190"/>
+        <p14:creationId xmlns:p14="http://schemas.microsoft.com/office/powerpoint/2010/main" val="4264355445"/>
       </p:ext>
     </p:extLst>
   </p:cSld>
@@ -36585,7 +39758,222 @@
 </p:sld>
 </file>
 
-<file path=ppt/slides/slide3.xml><?xml version="1.0" encoding="utf-8"?>
+<file path=ppt/slides/slide19.xml><?xml version="1.0" encoding="utf-8"?>
+<p:sld xmlns:a="http://schemas.openxmlformats.org/drawingml/2006/main" xmlns:r="http://schemas.openxmlformats.org/officeDocument/2006/relationships" xmlns:p="http://schemas.openxmlformats.org/presentationml/2006/main">
+  <p:cSld>
+    <p:spTree>
+      <p:nvGrpSpPr>
+        <p:cNvPr id="1" name="">
+          <a:extLst>
+            <a:ext uri="{FF2B5EF4-FFF2-40B4-BE49-F238E27FC236}">
+              <a16:creationId xmlns:a16="http://schemas.microsoft.com/office/drawing/2014/main" id="{DC0A3830-8E7C-D348-499E-411624CFAD31}"/>
+            </a:ext>
+          </a:extLst>
+        </p:cNvPr>
+        <p:cNvGrpSpPr/>
+        <p:nvPr/>
+      </p:nvGrpSpPr>
+      <p:grpSpPr>
+        <a:xfrm>
+          <a:off x="0" y="0"/>
+          <a:ext cx="0" cy="0"/>
+          <a:chOff x="0" y="0"/>
+          <a:chExt cx="0" cy="0"/>
+        </a:xfrm>
+      </p:grpSpPr>
+      <p:sp>
+        <p:nvSpPr>
+          <p:cNvPr id="2" name="Title 1">
+            <a:extLst>
+              <a:ext uri="{FF2B5EF4-FFF2-40B4-BE49-F238E27FC236}">
+                <a16:creationId xmlns:a16="http://schemas.microsoft.com/office/drawing/2014/main" id="{60B4D61C-15EB-BD3C-BA05-92C1D2606919}"/>
+              </a:ext>
+            </a:extLst>
+          </p:cNvPr>
+          <p:cNvSpPr>
+            <a:spLocks noGrp="1"/>
+          </p:cNvSpPr>
+          <p:nvPr>
+            <p:ph type="title"/>
+          </p:nvPr>
+        </p:nvSpPr>
+        <p:spPr/>
+        <p:txBody>
+          <a:bodyPr>
+            <a:normAutofit/>
+          </a:bodyPr>
+          <a:lstStyle/>
+          <a:p>
+            <a:r>
+              <a:rPr lang="en-US" sz="6000" dirty="0"/>
+              <a:t>3.1. UI Implementation</a:t>
+            </a:r>
+          </a:p>
+        </p:txBody>
+      </p:sp>
+      <p:pic>
+        <p:nvPicPr>
+          <p:cNvPr id="4" name="Picture 3">
+            <a:extLst>
+              <a:ext uri="{FF2B5EF4-FFF2-40B4-BE49-F238E27FC236}">
+                <a16:creationId xmlns:a16="http://schemas.microsoft.com/office/drawing/2014/main" id="{F50120BF-173F-825E-6E45-4F696F724B8A}"/>
+              </a:ext>
+            </a:extLst>
+          </p:cNvPr>
+          <p:cNvPicPr>
+            <a:picLocks noChangeAspect="1"/>
+          </p:cNvPicPr>
+          <p:nvPr/>
+        </p:nvPicPr>
+        <p:blipFill>
+          <a:blip r:embed="rId2" cstate="print">
+            <a:extLst>
+              <a:ext uri="{28A0092B-C50C-407E-A947-70E740481C1C}">
+                <a14:useLocalDpi xmlns:a14="http://schemas.microsoft.com/office/drawing/2010/main" val="0"/>
+              </a:ext>
+            </a:extLst>
+          </a:blip>
+          <a:stretch>
+            <a:fillRect/>
+          </a:stretch>
+        </p:blipFill>
+        <p:spPr>
+          <a:xfrm>
+            <a:off x="702119" y="1642071"/>
+            <a:ext cx="1698625" cy="3774440"/>
+          </a:xfrm>
+          <a:prstGeom prst="rect">
+            <a:avLst/>
+          </a:prstGeom>
+        </p:spPr>
+      </p:pic>
+      <p:pic>
+        <p:nvPicPr>
+          <p:cNvPr id="6" name="Picture 5">
+            <a:extLst>
+              <a:ext uri="{FF2B5EF4-FFF2-40B4-BE49-F238E27FC236}">
+                <a16:creationId xmlns:a16="http://schemas.microsoft.com/office/drawing/2014/main" id="{907E41AE-9803-33AE-A341-ED3CEEC1F68E}"/>
+              </a:ext>
+            </a:extLst>
+          </p:cNvPr>
+          <p:cNvPicPr>
+            <a:picLocks noChangeAspect="1"/>
+          </p:cNvPicPr>
+          <p:nvPr/>
+        </p:nvPicPr>
+        <p:blipFill>
+          <a:blip r:embed="rId3" cstate="print">
+            <a:extLst>
+              <a:ext uri="{28A0092B-C50C-407E-A947-70E740481C1C}">
+                <a14:useLocalDpi xmlns:a14="http://schemas.microsoft.com/office/drawing/2010/main" val="0"/>
+              </a:ext>
+            </a:extLst>
+          </a:blip>
+          <a:stretch>
+            <a:fillRect/>
+          </a:stretch>
+        </p:blipFill>
+        <p:spPr>
+          <a:xfrm>
+            <a:off x="3238627" y="1568704"/>
+            <a:ext cx="1929130" cy="4287520"/>
+          </a:xfrm>
+          <a:prstGeom prst="rect">
+            <a:avLst/>
+          </a:prstGeom>
+        </p:spPr>
+      </p:pic>
+      <p:pic>
+        <p:nvPicPr>
+          <p:cNvPr id="7" name="Picture 6">
+            <a:extLst>
+              <a:ext uri="{FF2B5EF4-FFF2-40B4-BE49-F238E27FC236}">
+                <a16:creationId xmlns:a16="http://schemas.microsoft.com/office/drawing/2014/main" id="{3C644662-7685-9226-8619-32505844E24F}"/>
+              </a:ext>
+            </a:extLst>
+          </p:cNvPr>
+          <p:cNvPicPr>
+            <a:picLocks noChangeAspect="1"/>
+          </p:cNvPicPr>
+          <p:nvPr/>
+        </p:nvPicPr>
+        <p:blipFill>
+          <a:blip r:embed="rId4" cstate="print">
+            <a:extLst>
+              <a:ext uri="{28A0092B-C50C-407E-A947-70E740481C1C}">
+                <a14:useLocalDpi xmlns:a14="http://schemas.microsoft.com/office/drawing/2010/main" val="0"/>
+              </a:ext>
+            </a:extLst>
+          </a:blip>
+          <a:stretch>
+            <a:fillRect/>
+          </a:stretch>
+        </p:blipFill>
+        <p:spPr>
+          <a:xfrm>
+            <a:off x="5664009" y="1642071"/>
+            <a:ext cx="1924685" cy="4276725"/>
+          </a:xfrm>
+          <a:prstGeom prst="rect">
+            <a:avLst/>
+          </a:prstGeom>
+        </p:spPr>
+      </p:pic>
+      <p:pic>
+        <p:nvPicPr>
+          <p:cNvPr id="8" name="Picture 7">
+            <a:extLst>
+              <a:ext uri="{FF2B5EF4-FFF2-40B4-BE49-F238E27FC236}">
+                <a16:creationId xmlns:a16="http://schemas.microsoft.com/office/drawing/2014/main" id="{A8AB2768-94AD-B7FA-F930-1A733E656DC1}"/>
+              </a:ext>
+            </a:extLst>
+          </p:cNvPr>
+          <p:cNvPicPr>
+            <a:picLocks noChangeAspect="1"/>
+          </p:cNvPicPr>
+          <p:nvPr/>
+        </p:nvPicPr>
+        <p:blipFill>
+          <a:blip r:embed="rId5" cstate="print">
+            <a:extLst>
+              <a:ext uri="{28A0092B-C50C-407E-A947-70E740481C1C}">
+                <a14:useLocalDpi xmlns:a14="http://schemas.microsoft.com/office/drawing/2010/main" val="0"/>
+              </a:ext>
+            </a:extLst>
+          </a:blip>
+          <a:srcRect/>
+          <a:stretch>
+            <a:fillRect/>
+          </a:stretch>
+        </p:blipFill>
+        <p:spPr bwMode="auto">
+          <a:xfrm>
+            <a:off x="8635492" y="1477568"/>
+            <a:ext cx="1925320" cy="4279265"/>
+          </a:xfrm>
+          <a:prstGeom prst="rect">
+            <a:avLst/>
+          </a:prstGeom>
+          <a:noFill/>
+          <a:ln>
+            <a:noFill/>
+          </a:ln>
+        </p:spPr>
+      </p:pic>
+    </p:spTree>
+    <p:extLst>
+      <p:ext uri="{BB962C8B-B14F-4D97-AF65-F5344CB8AC3E}">
+        <p14:creationId xmlns:p14="http://schemas.microsoft.com/office/powerpoint/2010/main" val="1206307982"/>
+      </p:ext>
+    </p:extLst>
+  </p:cSld>
+  <p:clrMapOvr>
+    <a:masterClrMapping/>
+  </p:clrMapOvr>
+</p:sld>
+</file>
+
+<file path=ppt/slides/slide2.xml><?xml version="1.0" encoding="utf-8"?>
 <p:sld xmlns:a="http://schemas.openxmlformats.org/drawingml/2006/main" xmlns:r="http://schemas.openxmlformats.org/officeDocument/2006/relationships" xmlns:p="http://schemas.openxmlformats.org/presentationml/2006/main">
   <p:cSld>
     <p:spTree>
@@ -36623,7 +40011,11 @@
           <a:bodyPr/>
           <a:lstStyle/>
           <a:p>
-            <a:endParaRPr lang="en-US"/>
+            <a:r>
+              <a:rPr lang="en-US" sz="6000" dirty="0"/>
+              <a:t>Content</a:t>
+            </a:r>
+            <a:endParaRPr lang="en-US" dirty="0"/>
           </a:p>
         </p:txBody>
       </p:sp>
@@ -36650,7 +40042,28 @@
           </a:bodyPr>
           <a:lstStyle/>
           <a:p>
-            <a:endParaRPr lang="en-US" dirty="0"/>
+            <a:r>
+              <a:rPr lang="en-US" dirty="0"/>
+              <a:t>Part 1: Introduction</a:t>
+            </a:r>
+          </a:p>
+          <a:p>
+            <a:r>
+              <a:rPr lang="en-US" dirty="0"/>
+              <a:t>Part 2: Theoretical basis &amp; systems analysis</a:t>
+            </a:r>
+          </a:p>
+          <a:p>
+            <a:r>
+              <a:rPr lang="en-US" dirty="0"/>
+              <a:t>Part 3: Implementation</a:t>
+            </a:r>
+          </a:p>
+          <a:p>
+            <a:r>
+              <a:rPr lang="en-US" dirty="0"/>
+              <a:t>Part 4: Conclusion</a:t>
+            </a:r>
           </a:p>
         </p:txBody>
       </p:sp>
@@ -36664,10 +40077,2077 @@
   <p:clrMapOvr>
     <a:masterClrMapping/>
   </p:clrMapOvr>
+  <p:timing>
+    <p:tnLst>
+      <p:par>
+        <p:cTn id="1" dur="indefinite" restart="never" nodeType="tmRoot">
+          <p:childTnLst>
+            <p:seq concurrent="1" nextAc="seek">
+              <p:cTn id="2" dur="indefinite" nodeType="mainSeq">
+                <p:childTnLst>
+                  <p:par>
+                    <p:cTn id="3" fill="hold">
+                      <p:stCondLst>
+                        <p:cond delay="indefinite"/>
+                      </p:stCondLst>
+                      <p:childTnLst>
+                        <p:par>
+                          <p:cTn id="4" fill="hold">
+                            <p:stCondLst>
+                              <p:cond delay="0"/>
+                            </p:stCondLst>
+                            <p:childTnLst>
+                              <p:par>
+                                <p:cTn id="5" presetID="10" presetClass="entr" presetSubtype="0" fill="hold" nodeType="clickEffect">
+                                  <p:stCondLst>
+                                    <p:cond delay="0"/>
+                                  </p:stCondLst>
+                                  <p:childTnLst>
+                                    <p:set>
+                                      <p:cBhvr>
+                                        <p:cTn id="6" dur="1" fill="hold">
+                                          <p:stCondLst>
+                                            <p:cond delay="0"/>
+                                          </p:stCondLst>
+                                        </p:cTn>
+                                        <p:tgtEl>
+                                          <p:spTgt spid="3">
+                                            <p:txEl>
+                                              <p:pRg st="0" end="0"/>
+                                            </p:txEl>
+                                          </p:spTgt>
+                                        </p:tgtEl>
+                                        <p:attrNameLst>
+                                          <p:attrName>style.visibility</p:attrName>
+                                        </p:attrNameLst>
+                                      </p:cBhvr>
+                                      <p:to>
+                                        <p:strVal val="visible"/>
+                                      </p:to>
+                                    </p:set>
+                                    <p:animEffect transition="in" filter="fade">
+                                      <p:cBhvr>
+                                        <p:cTn id="7" dur="250"/>
+                                        <p:tgtEl>
+                                          <p:spTgt spid="3">
+                                            <p:txEl>
+                                              <p:pRg st="0" end="0"/>
+                                            </p:txEl>
+                                          </p:spTgt>
+                                        </p:tgtEl>
+                                      </p:cBhvr>
+                                    </p:animEffect>
+                                  </p:childTnLst>
+                                </p:cTn>
+                              </p:par>
+                              <p:par>
+                                <p:cTn id="8" presetID="10" presetClass="entr" presetSubtype="0" fill="hold" nodeType="withEffect">
+                                  <p:stCondLst>
+                                    <p:cond delay="0"/>
+                                  </p:stCondLst>
+                                  <p:childTnLst>
+                                    <p:set>
+                                      <p:cBhvr>
+                                        <p:cTn id="9" dur="1" fill="hold">
+                                          <p:stCondLst>
+                                            <p:cond delay="0"/>
+                                          </p:stCondLst>
+                                        </p:cTn>
+                                        <p:tgtEl>
+                                          <p:spTgt spid="3">
+                                            <p:txEl>
+                                              <p:pRg st="1" end="1"/>
+                                            </p:txEl>
+                                          </p:spTgt>
+                                        </p:tgtEl>
+                                        <p:attrNameLst>
+                                          <p:attrName>style.visibility</p:attrName>
+                                        </p:attrNameLst>
+                                      </p:cBhvr>
+                                      <p:to>
+                                        <p:strVal val="visible"/>
+                                      </p:to>
+                                    </p:set>
+                                    <p:animEffect transition="in" filter="fade">
+                                      <p:cBhvr>
+                                        <p:cTn id="10" dur="250"/>
+                                        <p:tgtEl>
+                                          <p:spTgt spid="3">
+                                            <p:txEl>
+                                              <p:pRg st="1" end="1"/>
+                                            </p:txEl>
+                                          </p:spTgt>
+                                        </p:tgtEl>
+                                      </p:cBhvr>
+                                    </p:animEffect>
+                                  </p:childTnLst>
+                                </p:cTn>
+                              </p:par>
+                              <p:par>
+                                <p:cTn id="11" presetID="10" presetClass="entr" presetSubtype="0" fill="hold" nodeType="withEffect">
+                                  <p:stCondLst>
+                                    <p:cond delay="0"/>
+                                  </p:stCondLst>
+                                  <p:childTnLst>
+                                    <p:set>
+                                      <p:cBhvr>
+                                        <p:cTn id="12" dur="1" fill="hold">
+                                          <p:stCondLst>
+                                            <p:cond delay="0"/>
+                                          </p:stCondLst>
+                                        </p:cTn>
+                                        <p:tgtEl>
+                                          <p:spTgt spid="3">
+                                            <p:txEl>
+                                              <p:pRg st="2" end="2"/>
+                                            </p:txEl>
+                                          </p:spTgt>
+                                        </p:tgtEl>
+                                        <p:attrNameLst>
+                                          <p:attrName>style.visibility</p:attrName>
+                                        </p:attrNameLst>
+                                      </p:cBhvr>
+                                      <p:to>
+                                        <p:strVal val="visible"/>
+                                      </p:to>
+                                    </p:set>
+                                    <p:animEffect transition="in" filter="fade">
+                                      <p:cBhvr>
+                                        <p:cTn id="13" dur="250"/>
+                                        <p:tgtEl>
+                                          <p:spTgt spid="3">
+                                            <p:txEl>
+                                              <p:pRg st="2" end="2"/>
+                                            </p:txEl>
+                                          </p:spTgt>
+                                        </p:tgtEl>
+                                      </p:cBhvr>
+                                    </p:animEffect>
+                                  </p:childTnLst>
+                                </p:cTn>
+                              </p:par>
+                              <p:par>
+                                <p:cTn id="14" presetID="10" presetClass="entr" presetSubtype="0" fill="hold" nodeType="withEffect">
+                                  <p:stCondLst>
+                                    <p:cond delay="0"/>
+                                  </p:stCondLst>
+                                  <p:childTnLst>
+                                    <p:set>
+                                      <p:cBhvr>
+                                        <p:cTn id="15" dur="1" fill="hold">
+                                          <p:stCondLst>
+                                            <p:cond delay="0"/>
+                                          </p:stCondLst>
+                                        </p:cTn>
+                                        <p:tgtEl>
+                                          <p:spTgt spid="3">
+                                            <p:txEl>
+                                              <p:pRg st="3" end="3"/>
+                                            </p:txEl>
+                                          </p:spTgt>
+                                        </p:tgtEl>
+                                        <p:attrNameLst>
+                                          <p:attrName>style.visibility</p:attrName>
+                                        </p:attrNameLst>
+                                      </p:cBhvr>
+                                      <p:to>
+                                        <p:strVal val="visible"/>
+                                      </p:to>
+                                    </p:set>
+                                    <p:animEffect transition="in" filter="fade">
+                                      <p:cBhvr>
+                                        <p:cTn id="16" dur="250"/>
+                                        <p:tgtEl>
+                                          <p:spTgt spid="3">
+                                            <p:txEl>
+                                              <p:pRg st="3" end="3"/>
+                                            </p:txEl>
+                                          </p:spTgt>
+                                        </p:tgtEl>
+                                      </p:cBhvr>
+                                    </p:animEffect>
+                                  </p:childTnLst>
+                                </p:cTn>
+                              </p:par>
+                            </p:childTnLst>
+                          </p:cTn>
+                        </p:par>
+                      </p:childTnLst>
+                    </p:cTn>
+                  </p:par>
+                </p:childTnLst>
+              </p:cTn>
+              <p:prevCondLst>
+                <p:cond evt="onPrev" delay="0">
+                  <p:tgtEl>
+                    <p:sldTgt/>
+                  </p:tgtEl>
+                </p:cond>
+              </p:prevCondLst>
+              <p:nextCondLst>
+                <p:cond evt="onNext" delay="0">
+                  <p:tgtEl>
+                    <p:sldTgt/>
+                  </p:tgtEl>
+                </p:cond>
+              </p:nextCondLst>
+            </p:seq>
+          </p:childTnLst>
+        </p:cTn>
+      </p:par>
+    </p:tnLst>
+  </p:timing>
 </p:sld>
 </file>
 
-<file path=ppt/slides/slide4.xml><?xml version="1.0" encoding="utf-8"?>
+<file path=ppt/slides/slide20.xml><?xml version="1.0" encoding="utf-8"?>
+<p:sld xmlns:a="http://schemas.openxmlformats.org/drawingml/2006/main" xmlns:r="http://schemas.openxmlformats.org/officeDocument/2006/relationships" xmlns:p="http://schemas.openxmlformats.org/presentationml/2006/main">
+  <p:cSld>
+    <p:spTree>
+      <p:nvGrpSpPr>
+        <p:cNvPr id="1" name="">
+          <a:extLst>
+            <a:ext uri="{FF2B5EF4-FFF2-40B4-BE49-F238E27FC236}">
+              <a16:creationId xmlns:a16="http://schemas.microsoft.com/office/drawing/2014/main" id="{2020A95D-7449-8411-C9CD-C0A4DD7FE60E}"/>
+            </a:ext>
+          </a:extLst>
+        </p:cNvPr>
+        <p:cNvGrpSpPr/>
+        <p:nvPr/>
+      </p:nvGrpSpPr>
+      <p:grpSpPr>
+        <a:xfrm>
+          <a:off x="0" y="0"/>
+          <a:ext cx="0" cy="0"/>
+          <a:chOff x="0" y="0"/>
+          <a:chExt cx="0" cy="0"/>
+        </a:xfrm>
+      </p:grpSpPr>
+      <p:sp>
+        <p:nvSpPr>
+          <p:cNvPr id="2" name="Title 1">
+            <a:extLst>
+              <a:ext uri="{FF2B5EF4-FFF2-40B4-BE49-F238E27FC236}">
+                <a16:creationId xmlns:a16="http://schemas.microsoft.com/office/drawing/2014/main" id="{F5C3D1BA-C836-EE3B-694B-F0E37731DFC5}"/>
+              </a:ext>
+            </a:extLst>
+          </p:cNvPr>
+          <p:cNvSpPr>
+            <a:spLocks noGrp="1"/>
+          </p:cNvSpPr>
+          <p:nvPr>
+            <p:ph type="title"/>
+          </p:nvPr>
+        </p:nvSpPr>
+        <p:spPr/>
+        <p:txBody>
+          <a:bodyPr>
+            <a:normAutofit/>
+          </a:bodyPr>
+          <a:lstStyle/>
+          <a:p>
+            <a:r>
+              <a:rPr lang="en-US" sz="6000" dirty="0"/>
+              <a:t>3.1. UI Implementation</a:t>
+            </a:r>
+          </a:p>
+        </p:txBody>
+      </p:sp>
+      <p:pic>
+        <p:nvPicPr>
+          <p:cNvPr id="3" name="Picture 2">
+            <a:extLst>
+              <a:ext uri="{FF2B5EF4-FFF2-40B4-BE49-F238E27FC236}">
+                <a16:creationId xmlns:a16="http://schemas.microsoft.com/office/drawing/2014/main" id="{69156EE5-344F-DA7E-2183-7C4665FACC77}"/>
+              </a:ext>
+            </a:extLst>
+          </p:cNvPr>
+          <p:cNvPicPr>
+            <a:picLocks noChangeAspect="1"/>
+          </p:cNvPicPr>
+          <p:nvPr/>
+        </p:nvPicPr>
+        <p:blipFill>
+          <a:blip r:embed="rId2" cstate="print">
+            <a:extLst>
+              <a:ext uri="{28A0092B-C50C-407E-A947-70E740481C1C}">
+                <a14:useLocalDpi xmlns:a14="http://schemas.microsoft.com/office/drawing/2010/main" val="0"/>
+              </a:ext>
+            </a:extLst>
+          </a:blip>
+          <a:stretch>
+            <a:fillRect/>
+          </a:stretch>
+        </p:blipFill>
+        <p:spPr>
+          <a:xfrm>
+            <a:off x="1366329" y="1477568"/>
+            <a:ext cx="1924685" cy="4276725"/>
+          </a:xfrm>
+          <a:prstGeom prst="rect">
+            <a:avLst/>
+          </a:prstGeom>
+        </p:spPr>
+      </p:pic>
+      <p:pic>
+        <p:nvPicPr>
+          <p:cNvPr id="4" name="Picture 3">
+            <a:extLst>
+              <a:ext uri="{FF2B5EF4-FFF2-40B4-BE49-F238E27FC236}">
+                <a16:creationId xmlns:a16="http://schemas.microsoft.com/office/drawing/2014/main" id="{BD6636AF-ED39-0021-F43F-E655BC56F9E9}"/>
+              </a:ext>
+            </a:extLst>
+          </p:cNvPr>
+          <p:cNvPicPr>
+            <a:picLocks noChangeAspect="1"/>
+          </p:cNvPicPr>
+          <p:nvPr/>
+        </p:nvPicPr>
+        <p:blipFill>
+          <a:blip r:embed="rId3" cstate="print">
+            <a:extLst>
+              <a:ext uri="{28A0092B-C50C-407E-A947-70E740481C1C}">
+                <a14:useLocalDpi xmlns:a14="http://schemas.microsoft.com/office/drawing/2010/main" val="0"/>
+              </a:ext>
+            </a:extLst>
+          </a:blip>
+          <a:stretch>
+            <a:fillRect/>
+          </a:stretch>
+        </p:blipFill>
+        <p:spPr>
+          <a:xfrm>
+            <a:off x="3819143" y="1562100"/>
+            <a:ext cx="1927225" cy="4282440"/>
+          </a:xfrm>
+          <a:prstGeom prst="rect">
+            <a:avLst/>
+          </a:prstGeom>
+        </p:spPr>
+      </p:pic>
+      <p:pic>
+        <p:nvPicPr>
+          <p:cNvPr id="5" name="Picture 4">
+            <a:extLst>
+              <a:ext uri="{FF2B5EF4-FFF2-40B4-BE49-F238E27FC236}">
+                <a16:creationId xmlns:a16="http://schemas.microsoft.com/office/drawing/2014/main" id="{2721D39B-B647-DB8E-517D-9DB9AFA89654}"/>
+              </a:ext>
+            </a:extLst>
+          </p:cNvPr>
+          <p:cNvPicPr>
+            <a:picLocks noChangeAspect="1"/>
+          </p:cNvPicPr>
+          <p:nvPr/>
+        </p:nvPicPr>
+        <p:blipFill>
+          <a:blip r:embed="rId4" cstate="print">
+            <a:extLst>
+              <a:ext uri="{28A0092B-C50C-407E-A947-70E740481C1C}">
+                <a14:useLocalDpi xmlns:a14="http://schemas.microsoft.com/office/drawing/2010/main" val="0"/>
+              </a:ext>
+            </a:extLst>
+          </a:blip>
+          <a:srcRect/>
+          <a:stretch>
+            <a:fillRect/>
+          </a:stretch>
+        </p:blipFill>
+        <p:spPr bwMode="auto">
+          <a:xfrm>
+            <a:off x="6649974" y="1423593"/>
+            <a:ext cx="1927860" cy="4284980"/>
+          </a:xfrm>
+          <a:prstGeom prst="rect">
+            <a:avLst/>
+          </a:prstGeom>
+          <a:noFill/>
+          <a:ln>
+            <a:noFill/>
+          </a:ln>
+        </p:spPr>
+      </p:pic>
+    </p:spTree>
+    <p:extLst>
+      <p:ext uri="{BB962C8B-B14F-4D97-AF65-F5344CB8AC3E}">
+        <p14:creationId xmlns:p14="http://schemas.microsoft.com/office/powerpoint/2010/main" val="761172681"/>
+      </p:ext>
+    </p:extLst>
+  </p:cSld>
+  <p:clrMapOvr>
+    <a:masterClrMapping/>
+  </p:clrMapOvr>
+</p:sld>
+</file>
+
+<file path=ppt/slides/slide21.xml><?xml version="1.0" encoding="utf-8"?>
+<p:sld xmlns:a="http://schemas.openxmlformats.org/drawingml/2006/main" xmlns:r="http://schemas.openxmlformats.org/officeDocument/2006/relationships" xmlns:p="http://schemas.openxmlformats.org/presentationml/2006/main">
+  <p:cSld>
+    <p:spTree>
+      <p:nvGrpSpPr>
+        <p:cNvPr id="1" name="">
+          <a:extLst>
+            <a:ext uri="{FF2B5EF4-FFF2-40B4-BE49-F238E27FC236}">
+              <a16:creationId xmlns:a16="http://schemas.microsoft.com/office/drawing/2014/main" id="{DA2C9BD9-267C-DA7E-5C53-3523265BBE27}"/>
+            </a:ext>
+          </a:extLst>
+        </p:cNvPr>
+        <p:cNvGrpSpPr/>
+        <p:nvPr/>
+      </p:nvGrpSpPr>
+      <p:grpSpPr>
+        <a:xfrm>
+          <a:off x="0" y="0"/>
+          <a:ext cx="0" cy="0"/>
+          <a:chOff x="0" y="0"/>
+          <a:chExt cx="0" cy="0"/>
+        </a:xfrm>
+      </p:grpSpPr>
+      <p:sp>
+        <p:nvSpPr>
+          <p:cNvPr id="2" name="Title 1">
+            <a:extLst>
+              <a:ext uri="{FF2B5EF4-FFF2-40B4-BE49-F238E27FC236}">
+                <a16:creationId xmlns:a16="http://schemas.microsoft.com/office/drawing/2014/main" id="{BAA24890-0ED0-4E85-0564-8F1949F12DFD}"/>
+              </a:ext>
+            </a:extLst>
+          </p:cNvPr>
+          <p:cNvSpPr>
+            <a:spLocks noGrp="1"/>
+          </p:cNvSpPr>
+          <p:nvPr>
+            <p:ph type="title"/>
+          </p:nvPr>
+        </p:nvSpPr>
+        <p:spPr/>
+        <p:txBody>
+          <a:bodyPr>
+            <a:normAutofit/>
+          </a:bodyPr>
+          <a:lstStyle/>
+          <a:p>
+            <a:r>
+              <a:rPr lang="en-US" sz="6000" dirty="0"/>
+              <a:t>3.1. UI Implementation</a:t>
+            </a:r>
+          </a:p>
+        </p:txBody>
+      </p:sp>
+      <p:pic>
+        <p:nvPicPr>
+          <p:cNvPr id="3" name="Picture 2">
+            <a:extLst>
+              <a:ext uri="{FF2B5EF4-FFF2-40B4-BE49-F238E27FC236}">
+                <a16:creationId xmlns:a16="http://schemas.microsoft.com/office/drawing/2014/main" id="{ED72F6ED-AB44-DFBD-137A-EB5E210FD53A}"/>
+              </a:ext>
+            </a:extLst>
+          </p:cNvPr>
+          <p:cNvPicPr>
+            <a:picLocks noChangeAspect="1"/>
+          </p:cNvPicPr>
+          <p:nvPr/>
+        </p:nvPicPr>
+        <p:blipFill>
+          <a:blip r:embed="rId2" cstate="print">
+            <a:extLst>
+              <a:ext uri="{28A0092B-C50C-407E-A947-70E740481C1C}">
+                <a14:useLocalDpi xmlns:a14="http://schemas.microsoft.com/office/drawing/2010/main" val="0"/>
+              </a:ext>
+            </a:extLst>
+          </a:blip>
+          <a:stretch>
+            <a:fillRect/>
+          </a:stretch>
+        </p:blipFill>
+        <p:spPr>
+          <a:xfrm>
+            <a:off x="1285621" y="1434725"/>
+            <a:ext cx="1921510" cy="4269740"/>
+          </a:xfrm>
+          <a:prstGeom prst="rect">
+            <a:avLst/>
+          </a:prstGeom>
+        </p:spPr>
+      </p:pic>
+      <p:pic>
+        <p:nvPicPr>
+          <p:cNvPr id="4" name="Picture 3">
+            <a:extLst>
+              <a:ext uri="{FF2B5EF4-FFF2-40B4-BE49-F238E27FC236}">
+                <a16:creationId xmlns:a16="http://schemas.microsoft.com/office/drawing/2014/main" id="{A457E811-D613-8CFD-7625-88733628BE0D}"/>
+              </a:ext>
+            </a:extLst>
+          </p:cNvPr>
+          <p:cNvPicPr>
+            <a:picLocks noChangeAspect="1"/>
+          </p:cNvPicPr>
+          <p:nvPr/>
+        </p:nvPicPr>
+        <p:blipFill>
+          <a:blip r:embed="rId3" cstate="print">
+            <a:extLst>
+              <a:ext uri="{28A0092B-C50C-407E-A947-70E740481C1C}">
+                <a14:useLocalDpi xmlns:a14="http://schemas.microsoft.com/office/drawing/2010/main" val="0"/>
+              </a:ext>
+            </a:extLst>
+          </a:blip>
+          <a:srcRect/>
+          <a:stretch>
+            <a:fillRect/>
+          </a:stretch>
+        </p:blipFill>
+        <p:spPr bwMode="auto">
+          <a:xfrm>
+            <a:off x="8397113" y="1379817"/>
+            <a:ext cx="1926590" cy="4281805"/>
+          </a:xfrm>
+          <a:prstGeom prst="rect">
+            <a:avLst/>
+          </a:prstGeom>
+          <a:noFill/>
+          <a:ln>
+            <a:noFill/>
+          </a:ln>
+        </p:spPr>
+      </p:pic>
+      <p:pic>
+        <p:nvPicPr>
+          <p:cNvPr id="5" name="Picture 4">
+            <a:extLst>
+              <a:ext uri="{FF2B5EF4-FFF2-40B4-BE49-F238E27FC236}">
+                <a16:creationId xmlns:a16="http://schemas.microsoft.com/office/drawing/2014/main" id="{7E814C70-0F71-7DB0-85CD-CDC78A47B0BB}"/>
+              </a:ext>
+            </a:extLst>
+          </p:cNvPr>
+          <p:cNvPicPr>
+            <a:picLocks noChangeAspect="1"/>
+          </p:cNvPicPr>
+          <p:nvPr/>
+        </p:nvPicPr>
+        <p:blipFill>
+          <a:blip r:embed="rId4" cstate="print">
+            <a:extLst>
+              <a:ext uri="{28A0092B-C50C-407E-A947-70E740481C1C}">
+                <a14:useLocalDpi xmlns:a14="http://schemas.microsoft.com/office/drawing/2010/main" val="0"/>
+              </a:ext>
+            </a:extLst>
+          </a:blip>
+          <a:srcRect/>
+          <a:stretch>
+            <a:fillRect/>
+          </a:stretch>
+        </p:blipFill>
+        <p:spPr bwMode="auto">
+          <a:xfrm>
+            <a:off x="4942903" y="1454877"/>
+            <a:ext cx="1922145" cy="4272280"/>
+          </a:xfrm>
+          <a:prstGeom prst="rect">
+            <a:avLst/>
+          </a:prstGeom>
+          <a:noFill/>
+          <a:ln>
+            <a:noFill/>
+          </a:ln>
+        </p:spPr>
+      </p:pic>
+    </p:spTree>
+    <p:extLst>
+      <p:ext uri="{BB962C8B-B14F-4D97-AF65-F5344CB8AC3E}">
+        <p14:creationId xmlns:p14="http://schemas.microsoft.com/office/powerpoint/2010/main" val="271574081"/>
+      </p:ext>
+    </p:extLst>
+  </p:cSld>
+  <p:clrMapOvr>
+    <a:masterClrMapping/>
+  </p:clrMapOvr>
+</p:sld>
+</file>
+
+<file path=ppt/slides/slide22.xml><?xml version="1.0" encoding="utf-8"?>
+<p:sld xmlns:a="http://schemas.openxmlformats.org/drawingml/2006/main" xmlns:r="http://schemas.openxmlformats.org/officeDocument/2006/relationships" xmlns:p="http://schemas.openxmlformats.org/presentationml/2006/main">
+  <p:cSld>
+    <p:spTree>
+      <p:nvGrpSpPr>
+        <p:cNvPr id="1" name="">
+          <a:extLst>
+            <a:ext uri="{FF2B5EF4-FFF2-40B4-BE49-F238E27FC236}">
+              <a16:creationId xmlns:a16="http://schemas.microsoft.com/office/drawing/2014/main" id="{0D9C7BBF-041F-B164-21EC-805ED609C8E5}"/>
+            </a:ext>
+          </a:extLst>
+        </p:cNvPr>
+        <p:cNvGrpSpPr/>
+        <p:nvPr/>
+      </p:nvGrpSpPr>
+      <p:grpSpPr>
+        <a:xfrm>
+          <a:off x="0" y="0"/>
+          <a:ext cx="0" cy="0"/>
+          <a:chOff x="0" y="0"/>
+          <a:chExt cx="0" cy="0"/>
+        </a:xfrm>
+      </p:grpSpPr>
+      <p:sp>
+        <p:nvSpPr>
+          <p:cNvPr id="2" name="Title 1">
+            <a:extLst>
+              <a:ext uri="{FF2B5EF4-FFF2-40B4-BE49-F238E27FC236}">
+                <a16:creationId xmlns:a16="http://schemas.microsoft.com/office/drawing/2014/main" id="{5EA222E7-0D11-564D-7DD9-D6EECB72408C}"/>
+              </a:ext>
+            </a:extLst>
+          </p:cNvPr>
+          <p:cNvSpPr>
+            <a:spLocks noGrp="1"/>
+          </p:cNvSpPr>
+          <p:nvPr>
+            <p:ph type="title"/>
+          </p:nvPr>
+        </p:nvSpPr>
+        <p:spPr/>
+        <p:txBody>
+          <a:bodyPr>
+            <a:normAutofit/>
+          </a:bodyPr>
+          <a:lstStyle/>
+          <a:p>
+            <a:r>
+              <a:rPr lang="en-US" sz="6000" dirty="0"/>
+              <a:t>3.1. UI Implementation</a:t>
+            </a:r>
+          </a:p>
+        </p:txBody>
+      </p:sp>
+      <p:pic>
+        <p:nvPicPr>
+          <p:cNvPr id="3" name="Picture 2">
+            <a:extLst>
+              <a:ext uri="{FF2B5EF4-FFF2-40B4-BE49-F238E27FC236}">
+                <a16:creationId xmlns:a16="http://schemas.microsoft.com/office/drawing/2014/main" id="{C2D39AFB-7EDE-0146-243A-2D294F6AE14A}"/>
+              </a:ext>
+            </a:extLst>
+          </p:cNvPr>
+          <p:cNvPicPr>
+            <a:picLocks noChangeAspect="1"/>
+          </p:cNvPicPr>
+          <p:nvPr/>
+        </p:nvPicPr>
+        <p:blipFill>
+          <a:blip r:embed="rId2" cstate="print">
+            <a:extLst>
+              <a:ext uri="{28A0092B-C50C-407E-A947-70E740481C1C}">
+                <a14:useLocalDpi xmlns:a14="http://schemas.microsoft.com/office/drawing/2010/main" val="0"/>
+              </a:ext>
+            </a:extLst>
+          </a:blip>
+          <a:stretch>
+            <a:fillRect/>
+          </a:stretch>
+        </p:blipFill>
+        <p:spPr>
+          <a:xfrm>
+            <a:off x="943165" y="1604645"/>
+            <a:ext cx="1929765" cy="4288790"/>
+          </a:xfrm>
+          <a:prstGeom prst="rect">
+            <a:avLst/>
+          </a:prstGeom>
+        </p:spPr>
+      </p:pic>
+      <p:pic>
+        <p:nvPicPr>
+          <p:cNvPr id="4" name="Picture 3">
+            <a:extLst>
+              <a:ext uri="{FF2B5EF4-FFF2-40B4-BE49-F238E27FC236}">
+                <a16:creationId xmlns:a16="http://schemas.microsoft.com/office/drawing/2014/main" id="{ED70F0FA-726B-4039-6481-3BEDCF5DA1B5}"/>
+              </a:ext>
+            </a:extLst>
+          </p:cNvPr>
+          <p:cNvPicPr>
+            <a:picLocks noChangeAspect="1"/>
+          </p:cNvPicPr>
+          <p:nvPr/>
+        </p:nvPicPr>
+        <p:blipFill>
+          <a:blip r:embed="rId3" cstate="print">
+            <a:extLst>
+              <a:ext uri="{28A0092B-C50C-407E-A947-70E740481C1C}">
+                <a14:useLocalDpi xmlns:a14="http://schemas.microsoft.com/office/drawing/2010/main" val="0"/>
+              </a:ext>
+            </a:extLst>
+          </a:blip>
+          <a:srcRect/>
+          <a:stretch>
+            <a:fillRect/>
+          </a:stretch>
+        </p:blipFill>
+        <p:spPr bwMode="auto">
+          <a:xfrm>
+            <a:off x="3951224" y="1659509"/>
+            <a:ext cx="1930400" cy="4289425"/>
+          </a:xfrm>
+          <a:prstGeom prst="rect">
+            <a:avLst/>
+          </a:prstGeom>
+          <a:noFill/>
+          <a:ln>
+            <a:noFill/>
+          </a:ln>
+        </p:spPr>
+      </p:pic>
+      <p:pic>
+        <p:nvPicPr>
+          <p:cNvPr id="5" name="Picture 4">
+            <a:extLst>
+              <a:ext uri="{FF2B5EF4-FFF2-40B4-BE49-F238E27FC236}">
+                <a16:creationId xmlns:a16="http://schemas.microsoft.com/office/drawing/2014/main" id="{DAAEB19F-79AD-4399-80F1-933EC6DEA694}"/>
+              </a:ext>
+            </a:extLst>
+          </p:cNvPr>
+          <p:cNvPicPr>
+            <a:picLocks noChangeAspect="1"/>
+          </p:cNvPicPr>
+          <p:nvPr/>
+        </p:nvPicPr>
+        <p:blipFill>
+          <a:blip r:embed="rId4" cstate="print">
+            <a:extLst>
+              <a:ext uri="{28A0092B-C50C-407E-A947-70E740481C1C}">
+                <a14:useLocalDpi xmlns:a14="http://schemas.microsoft.com/office/drawing/2010/main" val="0"/>
+              </a:ext>
+            </a:extLst>
+          </a:blip>
+          <a:srcRect/>
+          <a:stretch>
+            <a:fillRect/>
+          </a:stretch>
+        </p:blipFill>
+        <p:spPr bwMode="auto">
+          <a:xfrm>
+            <a:off x="7391908" y="1477568"/>
+            <a:ext cx="1925320" cy="4279265"/>
+          </a:xfrm>
+          <a:prstGeom prst="rect">
+            <a:avLst/>
+          </a:prstGeom>
+          <a:noFill/>
+          <a:ln>
+            <a:noFill/>
+          </a:ln>
+        </p:spPr>
+      </p:pic>
+    </p:spTree>
+    <p:extLst>
+      <p:ext uri="{BB962C8B-B14F-4D97-AF65-F5344CB8AC3E}">
+        <p14:creationId xmlns:p14="http://schemas.microsoft.com/office/powerpoint/2010/main" val="3294740728"/>
+      </p:ext>
+    </p:extLst>
+  </p:cSld>
+  <p:clrMapOvr>
+    <a:masterClrMapping/>
+  </p:clrMapOvr>
+</p:sld>
+</file>
+
+<file path=ppt/slides/slide23.xml><?xml version="1.0" encoding="utf-8"?>
+<p:sld xmlns:a="http://schemas.openxmlformats.org/drawingml/2006/main" xmlns:r="http://schemas.openxmlformats.org/officeDocument/2006/relationships" xmlns:p="http://schemas.openxmlformats.org/presentationml/2006/main">
+  <p:cSld>
+    <p:spTree>
+      <p:nvGrpSpPr>
+        <p:cNvPr id="1" name="">
+          <a:extLst>
+            <a:ext uri="{FF2B5EF4-FFF2-40B4-BE49-F238E27FC236}">
+              <a16:creationId xmlns:a16="http://schemas.microsoft.com/office/drawing/2014/main" id="{890D2A91-B7C9-FBDD-F4F6-02EB0DD808C7}"/>
+            </a:ext>
+          </a:extLst>
+        </p:cNvPr>
+        <p:cNvGrpSpPr/>
+        <p:nvPr/>
+      </p:nvGrpSpPr>
+      <p:grpSpPr>
+        <a:xfrm>
+          <a:off x="0" y="0"/>
+          <a:ext cx="0" cy="0"/>
+          <a:chOff x="0" y="0"/>
+          <a:chExt cx="0" cy="0"/>
+        </a:xfrm>
+      </p:grpSpPr>
+      <p:sp>
+        <p:nvSpPr>
+          <p:cNvPr id="2" name="Title 1">
+            <a:extLst>
+              <a:ext uri="{FF2B5EF4-FFF2-40B4-BE49-F238E27FC236}">
+                <a16:creationId xmlns:a16="http://schemas.microsoft.com/office/drawing/2014/main" id="{5A1004B7-7ABA-5B69-3D45-A6FD163A7C33}"/>
+              </a:ext>
+            </a:extLst>
+          </p:cNvPr>
+          <p:cNvSpPr>
+            <a:spLocks noGrp="1"/>
+          </p:cNvSpPr>
+          <p:nvPr>
+            <p:ph type="title"/>
+          </p:nvPr>
+        </p:nvSpPr>
+        <p:spPr/>
+        <p:txBody>
+          <a:bodyPr>
+            <a:normAutofit/>
+          </a:bodyPr>
+          <a:lstStyle/>
+          <a:p>
+            <a:r>
+              <a:rPr lang="en-US" sz="6000" dirty="0"/>
+              <a:t>3.2. AI Model Implementation</a:t>
+            </a:r>
+          </a:p>
+        </p:txBody>
+      </p:sp>
+      <p:graphicFrame>
+        <p:nvGraphicFramePr>
+          <p:cNvPr id="3" name="Table 2">
+            <a:extLst>
+              <a:ext uri="{FF2B5EF4-FFF2-40B4-BE49-F238E27FC236}">
+                <a16:creationId xmlns:a16="http://schemas.microsoft.com/office/drawing/2014/main" id="{25696010-87F6-3F27-61B8-028FFCB6B134}"/>
+              </a:ext>
+            </a:extLst>
+          </p:cNvPr>
+          <p:cNvGraphicFramePr>
+            <a:graphicFrameLocks noGrp="1"/>
+          </p:cNvGraphicFramePr>
+          <p:nvPr/>
+        </p:nvGraphicFramePr>
+        <p:xfrm>
+          <a:off x="1073594" y="1496282"/>
+          <a:ext cx="4064635" cy="914400"/>
+        </p:xfrm>
+        <a:graphic>
+          <a:graphicData uri="http://schemas.openxmlformats.org/drawingml/2006/table">
+            <a:tbl>
+              <a:tblPr firstRow="1" firstCol="1" bandRow="1">
+                <a:tableStyleId>{5C22544A-7EE6-4342-B048-85BDC9FD1C3A}</a:tableStyleId>
+              </a:tblPr>
+              <a:tblGrid>
+                <a:gridCol w="1069340">
+                  <a:extLst>
+                    <a:ext uri="{9D8B030D-6E8A-4147-A177-3AD203B41FA5}">
+                      <a16:colId xmlns:a16="http://schemas.microsoft.com/office/drawing/2014/main" val="4076723973"/>
+                    </a:ext>
+                  </a:extLst>
+                </a:gridCol>
+                <a:gridCol w="779145">
+                  <a:extLst>
+                    <a:ext uri="{9D8B030D-6E8A-4147-A177-3AD203B41FA5}">
+                      <a16:colId xmlns:a16="http://schemas.microsoft.com/office/drawing/2014/main" val="3089822522"/>
+                    </a:ext>
+                  </a:extLst>
+                </a:gridCol>
+                <a:gridCol w="745490">
+                  <a:extLst>
+                    <a:ext uri="{9D8B030D-6E8A-4147-A177-3AD203B41FA5}">
+                      <a16:colId xmlns:a16="http://schemas.microsoft.com/office/drawing/2014/main" val="79730080"/>
+                    </a:ext>
+                  </a:extLst>
+                </a:gridCol>
+                <a:gridCol w="737870">
+                  <a:extLst>
+                    <a:ext uri="{9D8B030D-6E8A-4147-A177-3AD203B41FA5}">
+                      <a16:colId xmlns:a16="http://schemas.microsoft.com/office/drawing/2014/main" val="3724914705"/>
+                    </a:ext>
+                  </a:extLst>
+                </a:gridCol>
+                <a:gridCol w="732790">
+                  <a:extLst>
+                    <a:ext uri="{9D8B030D-6E8A-4147-A177-3AD203B41FA5}">
+                      <a16:colId xmlns:a16="http://schemas.microsoft.com/office/drawing/2014/main" val="2157743554"/>
+                    </a:ext>
+                  </a:extLst>
+                </a:gridCol>
+              </a:tblGrid>
+              <a:tr h="0">
+                <a:tc>
+                  <a:txBody>
+                    <a:bodyPr/>
+                    <a:lstStyle/>
+                    <a:p>
+                      <a:pPr marL="0" marR="0">
+                        <a:buNone/>
+                      </a:pPr>
+                      <a:r>
+                        <a:rPr lang="en-US" sz="1200">
+                          <a:effectLst/>
+                        </a:rPr>
+                        <a:t>Model</a:t>
+                      </a:r>
+                      <a:endParaRPr lang="en-US" sz="1200">
+                        <a:effectLst/>
+                        <a:latin typeface="Times New Roman" panose="02020603050405020304" pitchFamily="18" charset="0"/>
+                        <a:ea typeface="Times New Roman" panose="02020603050405020304" pitchFamily="18" charset="0"/>
+                      </a:endParaRPr>
+                    </a:p>
+                  </a:txBody>
+                  <a:tcPr marL="68580" marR="68580" marT="0" marB="0"/>
+                </a:tc>
+                <a:tc>
+                  <a:txBody>
+                    <a:bodyPr/>
+                    <a:lstStyle/>
+                    <a:p>
+                      <a:pPr marL="0" marR="0">
+                        <a:buNone/>
+                      </a:pPr>
+                      <a:r>
+                        <a:rPr lang="en-US" sz="1200">
+                          <a:effectLst/>
+                        </a:rPr>
+                        <a:t>Precision</a:t>
+                      </a:r>
+                      <a:endParaRPr lang="en-US" sz="1200">
+                        <a:effectLst/>
+                        <a:latin typeface="Times New Roman" panose="02020603050405020304" pitchFamily="18" charset="0"/>
+                        <a:ea typeface="Times New Roman" panose="02020603050405020304" pitchFamily="18" charset="0"/>
+                      </a:endParaRPr>
+                    </a:p>
+                  </a:txBody>
+                  <a:tcPr marL="68580" marR="68580" marT="0" marB="0"/>
+                </a:tc>
+                <a:tc>
+                  <a:txBody>
+                    <a:bodyPr/>
+                    <a:lstStyle/>
+                    <a:p>
+                      <a:pPr marL="0" marR="0">
+                        <a:buNone/>
+                      </a:pPr>
+                      <a:r>
+                        <a:rPr lang="en-US" sz="1200">
+                          <a:effectLst/>
+                        </a:rPr>
+                        <a:t>Recall</a:t>
+                      </a:r>
+                      <a:endParaRPr lang="en-US" sz="1200">
+                        <a:effectLst/>
+                        <a:latin typeface="Times New Roman" panose="02020603050405020304" pitchFamily="18" charset="0"/>
+                        <a:ea typeface="Times New Roman" panose="02020603050405020304" pitchFamily="18" charset="0"/>
+                      </a:endParaRPr>
+                    </a:p>
+                  </a:txBody>
+                  <a:tcPr marL="68580" marR="68580" marT="0" marB="0"/>
+                </a:tc>
+                <a:tc>
+                  <a:txBody>
+                    <a:bodyPr/>
+                    <a:lstStyle/>
+                    <a:p>
+                      <a:pPr marL="0" marR="0">
+                        <a:buNone/>
+                      </a:pPr>
+                      <a:r>
+                        <a:rPr lang="en-US" sz="1200">
+                          <a:effectLst/>
+                        </a:rPr>
+                        <a:t>F1 Score</a:t>
+                      </a:r>
+                      <a:endParaRPr lang="en-US" sz="1200">
+                        <a:effectLst/>
+                        <a:latin typeface="Times New Roman" panose="02020603050405020304" pitchFamily="18" charset="0"/>
+                        <a:ea typeface="Times New Roman" panose="02020603050405020304" pitchFamily="18" charset="0"/>
+                      </a:endParaRPr>
+                    </a:p>
+                  </a:txBody>
+                  <a:tcPr marL="68580" marR="68580" marT="0" marB="0"/>
+                </a:tc>
+                <a:tc>
+                  <a:txBody>
+                    <a:bodyPr/>
+                    <a:lstStyle/>
+                    <a:p>
+                      <a:pPr marL="0" marR="0">
+                        <a:buNone/>
+                      </a:pPr>
+                      <a:r>
+                        <a:rPr lang="en-US" sz="1200">
+                          <a:effectLst/>
+                        </a:rPr>
+                        <a:t>AUC</a:t>
+                      </a:r>
+                      <a:endParaRPr lang="en-US" sz="1200">
+                        <a:effectLst/>
+                        <a:latin typeface="Times New Roman" panose="02020603050405020304" pitchFamily="18" charset="0"/>
+                        <a:ea typeface="Times New Roman" panose="02020603050405020304" pitchFamily="18" charset="0"/>
+                      </a:endParaRPr>
+                    </a:p>
+                  </a:txBody>
+                  <a:tcPr marL="68580" marR="68580" marT="0" marB="0"/>
+                </a:tc>
+                <a:extLst>
+                  <a:ext uri="{0D108BD9-81ED-4DB2-BD59-A6C34878D82A}">
+                    <a16:rowId xmlns:a16="http://schemas.microsoft.com/office/drawing/2014/main" val="1831290136"/>
+                  </a:ext>
+                </a:extLst>
+              </a:tr>
+              <a:tr h="0">
+                <a:tc>
+                  <a:txBody>
+                    <a:bodyPr/>
+                    <a:lstStyle/>
+                    <a:p>
+                      <a:pPr marL="0" marR="0">
+                        <a:buNone/>
+                      </a:pPr>
+                      <a:r>
+                        <a:rPr lang="en-US" sz="1200">
+                          <a:effectLst/>
+                        </a:rPr>
+                        <a:t>ViT</a:t>
+                      </a:r>
+                      <a:endParaRPr lang="en-US" sz="1200">
+                        <a:effectLst/>
+                        <a:latin typeface="Times New Roman" panose="02020603050405020304" pitchFamily="18" charset="0"/>
+                        <a:ea typeface="Times New Roman" panose="02020603050405020304" pitchFamily="18" charset="0"/>
+                      </a:endParaRPr>
+                    </a:p>
+                  </a:txBody>
+                  <a:tcPr marL="68580" marR="68580" marT="0" marB="0"/>
+                </a:tc>
+                <a:tc>
+                  <a:txBody>
+                    <a:bodyPr/>
+                    <a:lstStyle/>
+                    <a:p>
+                      <a:pPr marL="0" marR="0">
+                        <a:buNone/>
+                      </a:pPr>
+                      <a:r>
+                        <a:rPr lang="en-US" sz="1200">
+                          <a:effectLst/>
+                        </a:rPr>
+                        <a:t>0.89</a:t>
+                      </a:r>
+                      <a:endParaRPr lang="en-US" sz="1200">
+                        <a:effectLst/>
+                        <a:latin typeface="Times New Roman" panose="02020603050405020304" pitchFamily="18" charset="0"/>
+                        <a:ea typeface="Times New Roman" panose="02020603050405020304" pitchFamily="18" charset="0"/>
+                      </a:endParaRPr>
+                    </a:p>
+                  </a:txBody>
+                  <a:tcPr marL="68580" marR="68580" marT="0" marB="0"/>
+                </a:tc>
+                <a:tc>
+                  <a:txBody>
+                    <a:bodyPr/>
+                    <a:lstStyle/>
+                    <a:p>
+                      <a:pPr marL="0" marR="0">
+                        <a:buNone/>
+                      </a:pPr>
+                      <a:r>
+                        <a:rPr lang="en-US" sz="1200">
+                          <a:effectLst/>
+                        </a:rPr>
+                        <a:t>0.88</a:t>
+                      </a:r>
+                      <a:endParaRPr lang="en-US" sz="1200">
+                        <a:effectLst/>
+                        <a:latin typeface="Times New Roman" panose="02020603050405020304" pitchFamily="18" charset="0"/>
+                        <a:ea typeface="Times New Roman" panose="02020603050405020304" pitchFamily="18" charset="0"/>
+                      </a:endParaRPr>
+                    </a:p>
+                  </a:txBody>
+                  <a:tcPr marL="68580" marR="68580" marT="0" marB="0"/>
+                </a:tc>
+                <a:tc>
+                  <a:txBody>
+                    <a:bodyPr/>
+                    <a:lstStyle/>
+                    <a:p>
+                      <a:pPr marL="0" marR="0">
+                        <a:buNone/>
+                      </a:pPr>
+                      <a:r>
+                        <a:rPr lang="en-US" sz="1200">
+                          <a:effectLst/>
+                        </a:rPr>
+                        <a:t>0.88</a:t>
+                      </a:r>
+                      <a:endParaRPr lang="en-US" sz="1200">
+                        <a:effectLst/>
+                        <a:latin typeface="Times New Roman" panose="02020603050405020304" pitchFamily="18" charset="0"/>
+                        <a:ea typeface="Times New Roman" panose="02020603050405020304" pitchFamily="18" charset="0"/>
+                      </a:endParaRPr>
+                    </a:p>
+                  </a:txBody>
+                  <a:tcPr marL="68580" marR="68580" marT="0" marB="0"/>
+                </a:tc>
+                <a:tc>
+                  <a:txBody>
+                    <a:bodyPr/>
+                    <a:lstStyle/>
+                    <a:p>
+                      <a:pPr marL="0" marR="0">
+                        <a:buNone/>
+                      </a:pPr>
+                      <a:r>
+                        <a:rPr lang="en-US" sz="1200">
+                          <a:effectLst/>
+                        </a:rPr>
+                        <a:t>0.998</a:t>
+                      </a:r>
+                      <a:endParaRPr lang="en-US" sz="1200">
+                        <a:effectLst/>
+                        <a:latin typeface="Times New Roman" panose="02020603050405020304" pitchFamily="18" charset="0"/>
+                        <a:ea typeface="Times New Roman" panose="02020603050405020304" pitchFamily="18" charset="0"/>
+                      </a:endParaRPr>
+                    </a:p>
+                  </a:txBody>
+                  <a:tcPr marL="68580" marR="68580" marT="0" marB="0"/>
+                </a:tc>
+                <a:extLst>
+                  <a:ext uri="{0D108BD9-81ED-4DB2-BD59-A6C34878D82A}">
+                    <a16:rowId xmlns:a16="http://schemas.microsoft.com/office/drawing/2014/main" val="2053368255"/>
+                  </a:ext>
+                </a:extLst>
+              </a:tr>
+              <a:tr h="0">
+                <a:tc>
+                  <a:txBody>
+                    <a:bodyPr/>
+                    <a:lstStyle/>
+                    <a:p>
+                      <a:pPr marL="0" marR="0">
+                        <a:buNone/>
+                      </a:pPr>
+                      <a:r>
+                        <a:rPr lang="en-US" sz="1200">
+                          <a:effectLst/>
+                        </a:rPr>
+                        <a:t>ResNet-50</a:t>
+                      </a:r>
+                      <a:endParaRPr lang="en-US" sz="1200">
+                        <a:effectLst/>
+                        <a:latin typeface="Times New Roman" panose="02020603050405020304" pitchFamily="18" charset="0"/>
+                        <a:ea typeface="Times New Roman" panose="02020603050405020304" pitchFamily="18" charset="0"/>
+                      </a:endParaRPr>
+                    </a:p>
+                  </a:txBody>
+                  <a:tcPr marL="68580" marR="68580" marT="0" marB="0"/>
+                </a:tc>
+                <a:tc>
+                  <a:txBody>
+                    <a:bodyPr/>
+                    <a:lstStyle/>
+                    <a:p>
+                      <a:pPr marL="0" marR="0">
+                        <a:buNone/>
+                      </a:pPr>
+                      <a:r>
+                        <a:rPr lang="en-US" sz="1200">
+                          <a:effectLst/>
+                        </a:rPr>
+                        <a:t>0.85</a:t>
+                      </a:r>
+                      <a:endParaRPr lang="en-US" sz="1200">
+                        <a:effectLst/>
+                        <a:latin typeface="Times New Roman" panose="02020603050405020304" pitchFamily="18" charset="0"/>
+                        <a:ea typeface="Times New Roman" panose="02020603050405020304" pitchFamily="18" charset="0"/>
+                      </a:endParaRPr>
+                    </a:p>
+                  </a:txBody>
+                  <a:tcPr marL="68580" marR="68580" marT="0" marB="0"/>
+                </a:tc>
+                <a:tc>
+                  <a:txBody>
+                    <a:bodyPr/>
+                    <a:lstStyle/>
+                    <a:p>
+                      <a:pPr marL="0" marR="0">
+                        <a:buNone/>
+                      </a:pPr>
+                      <a:r>
+                        <a:rPr lang="en-US" sz="1200">
+                          <a:effectLst/>
+                        </a:rPr>
+                        <a:t>0.84</a:t>
+                      </a:r>
+                      <a:endParaRPr lang="en-US" sz="1200">
+                        <a:effectLst/>
+                        <a:latin typeface="Times New Roman" panose="02020603050405020304" pitchFamily="18" charset="0"/>
+                        <a:ea typeface="Times New Roman" panose="02020603050405020304" pitchFamily="18" charset="0"/>
+                      </a:endParaRPr>
+                    </a:p>
+                  </a:txBody>
+                  <a:tcPr marL="68580" marR="68580" marT="0" marB="0"/>
+                </a:tc>
+                <a:tc>
+                  <a:txBody>
+                    <a:bodyPr/>
+                    <a:lstStyle/>
+                    <a:p>
+                      <a:pPr marL="0" marR="0">
+                        <a:buNone/>
+                      </a:pPr>
+                      <a:r>
+                        <a:rPr lang="en-US" sz="1200">
+                          <a:effectLst/>
+                        </a:rPr>
+                        <a:t>0.84</a:t>
+                      </a:r>
+                      <a:endParaRPr lang="en-US" sz="1200">
+                        <a:effectLst/>
+                        <a:latin typeface="Times New Roman" panose="02020603050405020304" pitchFamily="18" charset="0"/>
+                        <a:ea typeface="Times New Roman" panose="02020603050405020304" pitchFamily="18" charset="0"/>
+                      </a:endParaRPr>
+                    </a:p>
+                  </a:txBody>
+                  <a:tcPr marL="68580" marR="68580" marT="0" marB="0"/>
+                </a:tc>
+                <a:tc>
+                  <a:txBody>
+                    <a:bodyPr/>
+                    <a:lstStyle/>
+                    <a:p>
+                      <a:pPr marL="0" marR="0">
+                        <a:buNone/>
+                      </a:pPr>
+                      <a:r>
+                        <a:rPr lang="en-US" sz="1200">
+                          <a:effectLst/>
+                        </a:rPr>
+                        <a:t>0.997</a:t>
+                      </a:r>
+                      <a:endParaRPr lang="en-US" sz="1200">
+                        <a:effectLst/>
+                        <a:latin typeface="Times New Roman" panose="02020603050405020304" pitchFamily="18" charset="0"/>
+                        <a:ea typeface="Times New Roman" panose="02020603050405020304" pitchFamily="18" charset="0"/>
+                      </a:endParaRPr>
+                    </a:p>
+                  </a:txBody>
+                  <a:tcPr marL="68580" marR="68580" marT="0" marB="0"/>
+                </a:tc>
+                <a:extLst>
+                  <a:ext uri="{0D108BD9-81ED-4DB2-BD59-A6C34878D82A}">
+                    <a16:rowId xmlns:a16="http://schemas.microsoft.com/office/drawing/2014/main" val="4149266387"/>
+                  </a:ext>
+                </a:extLst>
+              </a:tr>
+              <a:tr h="0">
+                <a:tc>
+                  <a:txBody>
+                    <a:bodyPr/>
+                    <a:lstStyle/>
+                    <a:p>
+                      <a:pPr marL="0" marR="0">
+                        <a:buNone/>
+                      </a:pPr>
+                      <a:r>
+                        <a:rPr lang="en-US" sz="1200">
+                          <a:effectLst/>
+                        </a:rPr>
+                        <a:t>EfficientNetB4</a:t>
+                      </a:r>
+                      <a:endParaRPr lang="en-US" sz="1200">
+                        <a:effectLst/>
+                        <a:latin typeface="Times New Roman" panose="02020603050405020304" pitchFamily="18" charset="0"/>
+                        <a:ea typeface="Times New Roman" panose="02020603050405020304" pitchFamily="18" charset="0"/>
+                      </a:endParaRPr>
+                    </a:p>
+                  </a:txBody>
+                  <a:tcPr marL="68580" marR="68580" marT="0" marB="0"/>
+                </a:tc>
+                <a:tc>
+                  <a:txBody>
+                    <a:bodyPr/>
+                    <a:lstStyle/>
+                    <a:p>
+                      <a:pPr marL="0" marR="0">
+                        <a:buNone/>
+                      </a:pPr>
+                      <a:r>
+                        <a:rPr lang="en-US" sz="1200">
+                          <a:effectLst/>
+                        </a:rPr>
+                        <a:t>0.84</a:t>
+                      </a:r>
+                      <a:endParaRPr lang="en-US" sz="1200">
+                        <a:effectLst/>
+                        <a:latin typeface="Times New Roman" panose="02020603050405020304" pitchFamily="18" charset="0"/>
+                        <a:ea typeface="Times New Roman" panose="02020603050405020304" pitchFamily="18" charset="0"/>
+                      </a:endParaRPr>
+                    </a:p>
+                  </a:txBody>
+                  <a:tcPr marL="68580" marR="68580" marT="0" marB="0"/>
+                </a:tc>
+                <a:tc>
+                  <a:txBody>
+                    <a:bodyPr/>
+                    <a:lstStyle/>
+                    <a:p>
+                      <a:pPr marL="0" marR="0">
+                        <a:buNone/>
+                      </a:pPr>
+                      <a:r>
+                        <a:rPr lang="en-US" sz="1200">
+                          <a:effectLst/>
+                        </a:rPr>
+                        <a:t>0.83</a:t>
+                      </a:r>
+                      <a:endParaRPr lang="en-US" sz="1200">
+                        <a:effectLst/>
+                        <a:latin typeface="Times New Roman" panose="02020603050405020304" pitchFamily="18" charset="0"/>
+                        <a:ea typeface="Times New Roman" panose="02020603050405020304" pitchFamily="18" charset="0"/>
+                      </a:endParaRPr>
+                    </a:p>
+                  </a:txBody>
+                  <a:tcPr marL="68580" marR="68580" marT="0" marB="0"/>
+                </a:tc>
+                <a:tc>
+                  <a:txBody>
+                    <a:bodyPr/>
+                    <a:lstStyle/>
+                    <a:p>
+                      <a:pPr marL="0" marR="0">
+                        <a:buNone/>
+                      </a:pPr>
+                      <a:r>
+                        <a:rPr lang="en-US" sz="1200">
+                          <a:effectLst/>
+                        </a:rPr>
+                        <a:t>0.83</a:t>
+                      </a:r>
+                      <a:endParaRPr lang="en-US" sz="1200">
+                        <a:effectLst/>
+                        <a:latin typeface="Times New Roman" panose="02020603050405020304" pitchFamily="18" charset="0"/>
+                        <a:ea typeface="Times New Roman" panose="02020603050405020304" pitchFamily="18" charset="0"/>
+                      </a:endParaRPr>
+                    </a:p>
+                  </a:txBody>
+                  <a:tcPr marL="68580" marR="68580" marT="0" marB="0"/>
+                </a:tc>
+                <a:tc>
+                  <a:txBody>
+                    <a:bodyPr/>
+                    <a:lstStyle/>
+                    <a:p>
+                      <a:pPr marL="0" marR="0">
+                        <a:buNone/>
+                      </a:pPr>
+                      <a:r>
+                        <a:rPr lang="en-US" sz="1200">
+                          <a:effectLst/>
+                        </a:rPr>
+                        <a:t>0.996</a:t>
+                      </a:r>
+                      <a:endParaRPr lang="en-US" sz="1200">
+                        <a:effectLst/>
+                        <a:latin typeface="Times New Roman" panose="02020603050405020304" pitchFamily="18" charset="0"/>
+                        <a:ea typeface="Times New Roman" panose="02020603050405020304" pitchFamily="18" charset="0"/>
+                      </a:endParaRPr>
+                    </a:p>
+                  </a:txBody>
+                  <a:tcPr marL="68580" marR="68580" marT="0" marB="0"/>
+                </a:tc>
+                <a:extLst>
+                  <a:ext uri="{0D108BD9-81ED-4DB2-BD59-A6C34878D82A}">
+                    <a16:rowId xmlns:a16="http://schemas.microsoft.com/office/drawing/2014/main" val="1648081925"/>
+                  </a:ext>
+                </a:extLst>
+              </a:tr>
+              <a:tr h="0">
+                <a:tc>
+                  <a:txBody>
+                    <a:bodyPr/>
+                    <a:lstStyle/>
+                    <a:p>
+                      <a:pPr marL="0" marR="0">
+                        <a:buNone/>
+                      </a:pPr>
+                      <a:r>
+                        <a:rPr lang="en-US" sz="1200">
+                          <a:effectLst/>
+                        </a:rPr>
+                        <a:t>MobileNetV3</a:t>
+                      </a:r>
+                      <a:endParaRPr lang="en-US" sz="1200">
+                        <a:effectLst/>
+                        <a:latin typeface="Times New Roman" panose="02020603050405020304" pitchFamily="18" charset="0"/>
+                        <a:ea typeface="Times New Roman" panose="02020603050405020304" pitchFamily="18" charset="0"/>
+                      </a:endParaRPr>
+                    </a:p>
+                  </a:txBody>
+                  <a:tcPr marL="68580" marR="68580" marT="0" marB="0"/>
+                </a:tc>
+                <a:tc>
+                  <a:txBody>
+                    <a:bodyPr/>
+                    <a:lstStyle/>
+                    <a:p>
+                      <a:pPr marL="0" marR="0">
+                        <a:buNone/>
+                      </a:pPr>
+                      <a:r>
+                        <a:rPr lang="en-US" sz="1200">
+                          <a:effectLst/>
+                        </a:rPr>
+                        <a:t>0.83</a:t>
+                      </a:r>
+                      <a:endParaRPr lang="en-US" sz="1200">
+                        <a:effectLst/>
+                        <a:latin typeface="Times New Roman" panose="02020603050405020304" pitchFamily="18" charset="0"/>
+                        <a:ea typeface="Times New Roman" panose="02020603050405020304" pitchFamily="18" charset="0"/>
+                      </a:endParaRPr>
+                    </a:p>
+                  </a:txBody>
+                  <a:tcPr marL="68580" marR="68580" marT="0" marB="0"/>
+                </a:tc>
+                <a:tc>
+                  <a:txBody>
+                    <a:bodyPr/>
+                    <a:lstStyle/>
+                    <a:p>
+                      <a:pPr marL="0" marR="0">
+                        <a:buNone/>
+                      </a:pPr>
+                      <a:r>
+                        <a:rPr lang="en-US" sz="1200">
+                          <a:effectLst/>
+                        </a:rPr>
+                        <a:t>0.82</a:t>
+                      </a:r>
+                      <a:endParaRPr lang="en-US" sz="1200">
+                        <a:effectLst/>
+                        <a:latin typeface="Times New Roman" panose="02020603050405020304" pitchFamily="18" charset="0"/>
+                        <a:ea typeface="Times New Roman" panose="02020603050405020304" pitchFamily="18" charset="0"/>
+                      </a:endParaRPr>
+                    </a:p>
+                  </a:txBody>
+                  <a:tcPr marL="68580" marR="68580" marT="0" marB="0"/>
+                </a:tc>
+                <a:tc>
+                  <a:txBody>
+                    <a:bodyPr/>
+                    <a:lstStyle/>
+                    <a:p>
+                      <a:pPr marL="0" marR="0">
+                        <a:buNone/>
+                      </a:pPr>
+                      <a:r>
+                        <a:rPr lang="en-US" sz="1200">
+                          <a:effectLst/>
+                        </a:rPr>
+                        <a:t>0.82</a:t>
+                      </a:r>
+                      <a:endParaRPr lang="en-US" sz="1200">
+                        <a:effectLst/>
+                        <a:latin typeface="Times New Roman" panose="02020603050405020304" pitchFamily="18" charset="0"/>
+                        <a:ea typeface="Times New Roman" panose="02020603050405020304" pitchFamily="18" charset="0"/>
+                      </a:endParaRPr>
+                    </a:p>
+                  </a:txBody>
+                  <a:tcPr marL="68580" marR="68580" marT="0" marB="0"/>
+                </a:tc>
+                <a:tc>
+                  <a:txBody>
+                    <a:bodyPr/>
+                    <a:lstStyle/>
+                    <a:p>
+                      <a:pPr marL="0" marR="0">
+                        <a:buNone/>
+                      </a:pPr>
+                      <a:r>
+                        <a:rPr lang="en-US" sz="1200" dirty="0">
+                          <a:effectLst/>
+                        </a:rPr>
+                        <a:t>0.995</a:t>
+                      </a:r>
+                      <a:endParaRPr lang="en-US" sz="1200" dirty="0">
+                        <a:effectLst/>
+                        <a:latin typeface="Times New Roman" panose="02020603050405020304" pitchFamily="18" charset="0"/>
+                        <a:ea typeface="Times New Roman" panose="02020603050405020304" pitchFamily="18" charset="0"/>
+                      </a:endParaRPr>
+                    </a:p>
+                  </a:txBody>
+                  <a:tcPr marL="68580" marR="68580" marT="0" marB="0"/>
+                </a:tc>
+                <a:extLst>
+                  <a:ext uri="{0D108BD9-81ED-4DB2-BD59-A6C34878D82A}">
+                    <a16:rowId xmlns:a16="http://schemas.microsoft.com/office/drawing/2014/main" val="1083954571"/>
+                  </a:ext>
+                </a:extLst>
+              </a:tr>
+            </a:tbl>
+          </a:graphicData>
+        </a:graphic>
+      </p:graphicFrame>
+      <p:pic>
+        <p:nvPicPr>
+          <p:cNvPr id="4" name="Picture 3">
+            <a:extLst>
+              <a:ext uri="{FF2B5EF4-FFF2-40B4-BE49-F238E27FC236}">
+                <a16:creationId xmlns:a16="http://schemas.microsoft.com/office/drawing/2014/main" id="{FDB71698-2F97-9ADC-8FA2-A833C9E8D7C2}"/>
+              </a:ext>
+            </a:extLst>
+          </p:cNvPr>
+          <p:cNvPicPr>
+            <a:picLocks noChangeAspect="1"/>
+          </p:cNvPicPr>
+          <p:nvPr/>
+        </p:nvPicPr>
+        <p:blipFill>
+          <a:blip r:embed="rId2"/>
+          <a:stretch>
+            <a:fillRect/>
+          </a:stretch>
+        </p:blipFill>
+        <p:spPr>
+          <a:xfrm>
+            <a:off x="6096000" y="1496282"/>
+            <a:ext cx="4652645" cy="3620135"/>
+          </a:xfrm>
+          <a:prstGeom prst="rect">
+            <a:avLst/>
+          </a:prstGeom>
+        </p:spPr>
+      </p:pic>
+    </p:spTree>
+    <p:extLst>
+      <p:ext uri="{BB962C8B-B14F-4D97-AF65-F5344CB8AC3E}">
+        <p14:creationId xmlns:p14="http://schemas.microsoft.com/office/powerpoint/2010/main" val="2857064925"/>
+      </p:ext>
+    </p:extLst>
+  </p:cSld>
+  <p:clrMapOvr>
+    <a:masterClrMapping/>
+  </p:clrMapOvr>
+</p:sld>
+</file>
+
+<file path=ppt/slides/slide24.xml><?xml version="1.0" encoding="utf-8"?>
+<p:sld xmlns:a="http://schemas.openxmlformats.org/drawingml/2006/main" xmlns:r="http://schemas.openxmlformats.org/officeDocument/2006/relationships" xmlns:p="http://schemas.openxmlformats.org/presentationml/2006/main">
+  <p:cSld>
+    <p:spTree>
+      <p:nvGrpSpPr>
+        <p:cNvPr id="1" name="">
+          <a:extLst>
+            <a:ext uri="{FF2B5EF4-FFF2-40B4-BE49-F238E27FC236}">
+              <a16:creationId xmlns:a16="http://schemas.microsoft.com/office/drawing/2014/main" id="{E0C9BC7D-BE0F-1758-A158-4EB0898F9232}"/>
+            </a:ext>
+          </a:extLst>
+        </p:cNvPr>
+        <p:cNvGrpSpPr/>
+        <p:nvPr/>
+      </p:nvGrpSpPr>
+      <p:grpSpPr>
+        <a:xfrm>
+          <a:off x="0" y="0"/>
+          <a:ext cx="0" cy="0"/>
+          <a:chOff x="0" y="0"/>
+          <a:chExt cx="0" cy="0"/>
+        </a:xfrm>
+      </p:grpSpPr>
+      <p:sp>
+        <p:nvSpPr>
+          <p:cNvPr id="2" name="Title 1">
+            <a:extLst>
+              <a:ext uri="{FF2B5EF4-FFF2-40B4-BE49-F238E27FC236}">
+                <a16:creationId xmlns:a16="http://schemas.microsoft.com/office/drawing/2014/main" id="{795F2EBE-CECA-E5D4-562B-5D855B0FD627}"/>
+              </a:ext>
+            </a:extLst>
+          </p:cNvPr>
+          <p:cNvSpPr>
+            <a:spLocks noGrp="1"/>
+          </p:cNvSpPr>
+          <p:nvPr>
+            <p:ph type="title"/>
+          </p:nvPr>
+        </p:nvSpPr>
+        <p:spPr/>
+        <p:txBody>
+          <a:bodyPr>
+            <a:normAutofit/>
+          </a:bodyPr>
+          <a:lstStyle/>
+          <a:p>
+            <a:r>
+              <a:rPr lang="en-US" sz="6000" dirty="0"/>
+              <a:t>3.2. AI Model Implementation</a:t>
+            </a:r>
+          </a:p>
+        </p:txBody>
+      </p:sp>
+      <p:pic>
+        <p:nvPicPr>
+          <p:cNvPr id="5" name="Picture 4">
+            <a:extLst>
+              <a:ext uri="{FF2B5EF4-FFF2-40B4-BE49-F238E27FC236}">
+                <a16:creationId xmlns:a16="http://schemas.microsoft.com/office/drawing/2014/main" id="{B8F0451C-8AF5-3A88-62C8-35FF905F7A8E}"/>
+              </a:ext>
+            </a:extLst>
+          </p:cNvPr>
+          <p:cNvPicPr>
+            <a:picLocks noChangeAspect="1"/>
+          </p:cNvPicPr>
+          <p:nvPr/>
+        </p:nvPicPr>
+        <p:blipFill>
+          <a:blip r:embed="rId2"/>
+          <a:stretch>
+            <a:fillRect/>
+          </a:stretch>
+        </p:blipFill>
+        <p:spPr>
+          <a:xfrm>
+            <a:off x="5773039" y="2001774"/>
+            <a:ext cx="4679950" cy="3604260"/>
+          </a:xfrm>
+          <a:prstGeom prst="rect">
+            <a:avLst/>
+          </a:prstGeom>
+        </p:spPr>
+      </p:pic>
+      <p:pic>
+        <p:nvPicPr>
+          <p:cNvPr id="6" name="Picture 5">
+            <a:extLst>
+              <a:ext uri="{FF2B5EF4-FFF2-40B4-BE49-F238E27FC236}">
+                <a16:creationId xmlns:a16="http://schemas.microsoft.com/office/drawing/2014/main" id="{E3D31D36-05C3-2ABC-4436-43DF3075B1FC}"/>
+              </a:ext>
+            </a:extLst>
+          </p:cNvPr>
+          <p:cNvPicPr>
+            <a:picLocks noChangeAspect="1"/>
+          </p:cNvPicPr>
+          <p:nvPr/>
+        </p:nvPicPr>
+        <p:blipFill>
+          <a:blip r:embed="rId3"/>
+          <a:stretch>
+            <a:fillRect/>
+          </a:stretch>
+        </p:blipFill>
+        <p:spPr>
+          <a:xfrm>
+            <a:off x="912876" y="2100396"/>
+            <a:ext cx="4064635" cy="3047925"/>
+          </a:xfrm>
+          <a:prstGeom prst="rect">
+            <a:avLst/>
+          </a:prstGeom>
+        </p:spPr>
+      </p:pic>
+    </p:spTree>
+    <p:extLst>
+      <p:ext uri="{BB962C8B-B14F-4D97-AF65-F5344CB8AC3E}">
+        <p14:creationId xmlns:p14="http://schemas.microsoft.com/office/powerpoint/2010/main" val="3649824172"/>
+      </p:ext>
+    </p:extLst>
+  </p:cSld>
+  <p:clrMapOvr>
+    <a:masterClrMapping/>
+  </p:clrMapOvr>
+</p:sld>
+</file>
+
+<file path=ppt/slides/slide25.xml><?xml version="1.0" encoding="utf-8"?>
+<p:sld xmlns:a="http://schemas.openxmlformats.org/drawingml/2006/main" xmlns:r="http://schemas.openxmlformats.org/officeDocument/2006/relationships" xmlns:p="http://schemas.openxmlformats.org/presentationml/2006/main">
+  <p:cSld>
+    <p:spTree>
+      <p:nvGrpSpPr>
+        <p:cNvPr id="1" name="">
+          <a:extLst>
+            <a:ext uri="{FF2B5EF4-FFF2-40B4-BE49-F238E27FC236}">
+              <a16:creationId xmlns:a16="http://schemas.microsoft.com/office/drawing/2014/main" id="{9F512FB0-38EA-B7AE-6833-E20CBB77A49C}"/>
+            </a:ext>
+          </a:extLst>
+        </p:cNvPr>
+        <p:cNvGrpSpPr/>
+        <p:nvPr/>
+      </p:nvGrpSpPr>
+      <p:grpSpPr>
+        <a:xfrm>
+          <a:off x="0" y="0"/>
+          <a:ext cx="0" cy="0"/>
+          <a:chOff x="0" y="0"/>
+          <a:chExt cx="0" cy="0"/>
+        </a:xfrm>
+      </p:grpSpPr>
+      <p:sp>
+        <p:nvSpPr>
+          <p:cNvPr id="2" name="Title 1">
+            <a:extLst>
+              <a:ext uri="{FF2B5EF4-FFF2-40B4-BE49-F238E27FC236}">
+                <a16:creationId xmlns:a16="http://schemas.microsoft.com/office/drawing/2014/main" id="{E5716FC7-E2DE-3426-A10C-73C2DDF0975B}"/>
+              </a:ext>
+            </a:extLst>
+          </p:cNvPr>
+          <p:cNvSpPr>
+            <a:spLocks noGrp="1"/>
+          </p:cNvSpPr>
+          <p:nvPr>
+            <p:ph type="ctrTitle"/>
+          </p:nvPr>
+        </p:nvSpPr>
+        <p:spPr/>
+        <p:txBody>
+          <a:bodyPr/>
+          <a:lstStyle/>
+          <a:p>
+            <a:r>
+              <a:rPr lang="en-US" sz="6000" dirty="0"/>
+              <a:t>Part 4: Conclusion</a:t>
+            </a:r>
+          </a:p>
+        </p:txBody>
+      </p:sp>
+    </p:spTree>
+    <p:extLst>
+      <p:ext uri="{BB962C8B-B14F-4D97-AF65-F5344CB8AC3E}">
+        <p14:creationId xmlns:p14="http://schemas.microsoft.com/office/powerpoint/2010/main" val="2957257807"/>
+      </p:ext>
+    </p:extLst>
+  </p:cSld>
+  <p:clrMapOvr>
+    <a:masterClrMapping/>
+  </p:clrMapOvr>
+</p:sld>
+</file>
+
+<file path=ppt/slides/slide26.xml><?xml version="1.0" encoding="utf-8"?>
+<p:sld xmlns:a="http://schemas.openxmlformats.org/drawingml/2006/main" xmlns:r="http://schemas.openxmlformats.org/officeDocument/2006/relationships" xmlns:p="http://schemas.openxmlformats.org/presentationml/2006/main">
+  <p:cSld>
+    <p:spTree>
+      <p:nvGrpSpPr>
+        <p:cNvPr id="1" name="">
+          <a:extLst>
+            <a:ext uri="{FF2B5EF4-FFF2-40B4-BE49-F238E27FC236}">
+              <a16:creationId xmlns:a16="http://schemas.microsoft.com/office/drawing/2014/main" id="{04628F7E-9D6F-2120-E78A-477783B51609}"/>
+            </a:ext>
+          </a:extLst>
+        </p:cNvPr>
+        <p:cNvGrpSpPr/>
+        <p:nvPr/>
+      </p:nvGrpSpPr>
+      <p:grpSpPr>
+        <a:xfrm>
+          <a:off x="0" y="0"/>
+          <a:ext cx="0" cy="0"/>
+          <a:chOff x="0" y="0"/>
+          <a:chExt cx="0" cy="0"/>
+        </a:xfrm>
+      </p:grpSpPr>
+      <p:sp>
+        <p:nvSpPr>
+          <p:cNvPr id="2" name="Title 1">
+            <a:extLst>
+              <a:ext uri="{FF2B5EF4-FFF2-40B4-BE49-F238E27FC236}">
+                <a16:creationId xmlns:a16="http://schemas.microsoft.com/office/drawing/2014/main" id="{CE9E1780-2A4A-44E1-B4F7-2BDAA9B6085C}"/>
+              </a:ext>
+            </a:extLst>
+          </p:cNvPr>
+          <p:cNvSpPr>
+            <a:spLocks noGrp="1"/>
+          </p:cNvSpPr>
+          <p:nvPr>
+            <p:ph type="title"/>
+          </p:nvPr>
+        </p:nvSpPr>
+        <p:spPr/>
+        <p:txBody>
+          <a:bodyPr>
+            <a:normAutofit/>
+          </a:bodyPr>
+          <a:lstStyle/>
+          <a:p>
+            <a:r>
+              <a:rPr lang="en-US" sz="6000" noProof="0" dirty="0"/>
+              <a:t>Conclusion</a:t>
+            </a:r>
+          </a:p>
+        </p:txBody>
+      </p:sp>
+      <p:sp>
+        <p:nvSpPr>
+          <p:cNvPr id="3" name="Content Placeholder 2">
+            <a:extLst>
+              <a:ext uri="{FF2B5EF4-FFF2-40B4-BE49-F238E27FC236}">
+                <a16:creationId xmlns:a16="http://schemas.microsoft.com/office/drawing/2014/main" id="{A8CD77B8-8BAF-9CFD-1DC5-392E71D52171}"/>
+              </a:ext>
+            </a:extLst>
+          </p:cNvPr>
+          <p:cNvSpPr>
+            <a:spLocks noGrp="1"/>
+          </p:cNvSpPr>
+          <p:nvPr>
+            <p:ph idx="1"/>
+          </p:nvPr>
+        </p:nvSpPr>
+        <p:spPr/>
+        <p:txBody>
+          <a:bodyPr>
+            <a:normAutofit fontScale="92500"/>
+          </a:bodyPr>
+          <a:lstStyle/>
+          <a:p>
+            <a:r>
+              <a:rPr lang="en-US" b="1" noProof="0" dirty="0"/>
+              <a:t>ACHIVED RESULTS: </a:t>
+            </a:r>
+          </a:p>
+          <a:p>
+            <a:pPr marL="342900" indent="-342900">
+              <a:buFont typeface="Arial" panose="020B0604020202020204" pitchFamily="34" charset="0"/>
+              <a:buChar char="•"/>
+            </a:pPr>
+            <a:r>
+              <a:rPr lang="en-US" noProof="0" dirty="0"/>
+              <a:t>Developed a </a:t>
+            </a:r>
+            <a:r>
+              <a:rPr lang="en-US" dirty="0"/>
+              <a:t>beginner-friendly Android app for mushroom identification</a:t>
+            </a:r>
+          </a:p>
+          <a:p>
+            <a:pPr marL="342900" indent="-342900">
+              <a:buFont typeface="Arial" panose="020B0604020202020204" pitchFamily="34" charset="0"/>
+              <a:buChar char="•"/>
+            </a:pPr>
+            <a:r>
+              <a:rPr lang="en-US" noProof="0" dirty="0"/>
+              <a:t>Real-Time image </a:t>
+            </a:r>
+            <a:r>
+              <a:rPr lang="en-US" dirty="0"/>
+              <a:t>recognition using a server-side ViT model with local storage</a:t>
+            </a:r>
+          </a:p>
+          <a:p>
+            <a:pPr marL="342900" indent="-342900">
+              <a:buFont typeface="Arial" panose="020B0604020202020204" pitchFamily="34" charset="0"/>
+              <a:buChar char="•"/>
+            </a:pPr>
+            <a:r>
+              <a:rPr lang="en-US" noProof="0" dirty="0"/>
+              <a:t>Keyword search powered by a bundled JSON dataset</a:t>
+            </a:r>
+          </a:p>
+          <a:p>
+            <a:pPr marL="342900" indent="-342900">
+              <a:buFont typeface="Arial" panose="020B0604020202020204" pitchFamily="34" charset="0"/>
+              <a:buChar char="•"/>
+            </a:pPr>
+            <a:r>
+              <a:rPr lang="en-US" dirty="0"/>
+              <a:t>Interactable map integrated with iNaturalist API.</a:t>
+            </a:r>
+            <a:endParaRPr lang="en-US" noProof="0" dirty="0"/>
+          </a:p>
+          <a:p>
+            <a:r>
+              <a:rPr lang="en-US" b="1" noProof="0" dirty="0"/>
+              <a:t>CURRENT LIMITATIONS:</a:t>
+            </a:r>
+          </a:p>
+          <a:p>
+            <a:pPr marL="342900" indent="-342900">
+              <a:buFont typeface="Arial" panose="020B0604020202020204" pitchFamily="34" charset="0"/>
+              <a:buChar char="•"/>
+            </a:pPr>
+            <a:r>
+              <a:rPr lang="en-US" noProof="0" dirty="0"/>
+              <a:t>Limited and undiversified training data</a:t>
+            </a:r>
+            <a:r>
+              <a:rPr lang="en-US" dirty="0"/>
+              <a:t>, </a:t>
+            </a:r>
+            <a:r>
+              <a:rPr lang="en-US" noProof="0" dirty="0"/>
+              <a:t>overfitting not fully mitigated.</a:t>
+            </a:r>
+          </a:p>
+          <a:p>
+            <a:pPr marL="342900" indent="-342900">
+              <a:buFont typeface="Arial" panose="020B0604020202020204" pitchFamily="34" charset="0"/>
+              <a:buChar char="•"/>
+            </a:pPr>
+            <a:r>
+              <a:rPr lang="en-US" noProof="0" dirty="0"/>
+              <a:t>The current ViT model has yet achieved desired accuracy on all classes</a:t>
+            </a:r>
+          </a:p>
+          <a:p>
+            <a:pPr marL="342900" indent="-342900">
+              <a:buFont typeface="Arial" panose="020B0604020202020204" pitchFamily="34" charset="0"/>
+              <a:buChar char="•"/>
+            </a:pPr>
+            <a:r>
+              <a:rPr lang="en-US" noProof="0" dirty="0"/>
+              <a:t>Some features remain incomplete or underdeveloped</a:t>
+            </a:r>
+            <a:endParaRPr lang="en-US" b="1" noProof="0" dirty="0"/>
+          </a:p>
+          <a:p>
+            <a:endParaRPr lang="en-US" b="1" noProof="0" dirty="0"/>
+          </a:p>
+        </p:txBody>
+      </p:sp>
+    </p:spTree>
+    <p:extLst>
+      <p:ext uri="{BB962C8B-B14F-4D97-AF65-F5344CB8AC3E}">
+        <p14:creationId xmlns:p14="http://schemas.microsoft.com/office/powerpoint/2010/main" val="4141350988"/>
+      </p:ext>
+    </p:extLst>
+  </p:cSld>
+  <p:clrMapOvr>
+    <a:masterClrMapping/>
+  </p:clrMapOvr>
+</p:sld>
+</file>
+
+<file path=ppt/slides/slide27.xml><?xml version="1.0" encoding="utf-8"?>
+<p:sld xmlns:a="http://schemas.openxmlformats.org/drawingml/2006/main" xmlns:r="http://schemas.openxmlformats.org/officeDocument/2006/relationships" xmlns:p="http://schemas.openxmlformats.org/presentationml/2006/main">
+  <p:cSld>
+    <p:spTree>
+      <p:nvGrpSpPr>
+        <p:cNvPr id="1" name="">
+          <a:extLst>
+            <a:ext uri="{FF2B5EF4-FFF2-40B4-BE49-F238E27FC236}">
+              <a16:creationId xmlns:a16="http://schemas.microsoft.com/office/drawing/2014/main" id="{3A1B4DBD-D3A4-447B-30DD-2B40A65AFA5D}"/>
+            </a:ext>
+          </a:extLst>
+        </p:cNvPr>
+        <p:cNvGrpSpPr/>
+        <p:nvPr/>
+      </p:nvGrpSpPr>
+      <p:grpSpPr>
+        <a:xfrm>
+          <a:off x="0" y="0"/>
+          <a:ext cx="0" cy="0"/>
+          <a:chOff x="0" y="0"/>
+          <a:chExt cx="0" cy="0"/>
+        </a:xfrm>
+      </p:grpSpPr>
+      <p:sp>
+        <p:nvSpPr>
+          <p:cNvPr id="2" name="Title 1">
+            <a:extLst>
+              <a:ext uri="{FF2B5EF4-FFF2-40B4-BE49-F238E27FC236}">
+                <a16:creationId xmlns:a16="http://schemas.microsoft.com/office/drawing/2014/main" id="{C04B1CDB-ABEF-CC2D-41A1-248B0337AAAA}"/>
+              </a:ext>
+            </a:extLst>
+          </p:cNvPr>
+          <p:cNvSpPr>
+            <a:spLocks noGrp="1"/>
+          </p:cNvSpPr>
+          <p:nvPr>
+            <p:ph type="title"/>
+          </p:nvPr>
+        </p:nvSpPr>
+        <p:spPr/>
+        <p:txBody>
+          <a:bodyPr>
+            <a:normAutofit/>
+          </a:bodyPr>
+          <a:lstStyle/>
+          <a:p>
+            <a:r>
+              <a:rPr lang="en-US" sz="6000" dirty="0"/>
+              <a:t>Conclusion	</a:t>
+            </a:r>
+          </a:p>
+        </p:txBody>
+      </p:sp>
+      <p:sp>
+        <p:nvSpPr>
+          <p:cNvPr id="3" name="Content Placeholder 2">
+            <a:extLst>
+              <a:ext uri="{FF2B5EF4-FFF2-40B4-BE49-F238E27FC236}">
+                <a16:creationId xmlns:a16="http://schemas.microsoft.com/office/drawing/2014/main" id="{B90E5643-BF72-C87F-968B-05148AC424AF}"/>
+              </a:ext>
+            </a:extLst>
+          </p:cNvPr>
+          <p:cNvSpPr>
+            <a:spLocks noGrp="1"/>
+          </p:cNvSpPr>
+          <p:nvPr>
+            <p:ph idx="1"/>
+          </p:nvPr>
+        </p:nvSpPr>
+        <p:spPr/>
+        <p:txBody>
+          <a:bodyPr>
+            <a:normAutofit/>
+          </a:bodyPr>
+          <a:lstStyle/>
+          <a:p>
+            <a:r>
+              <a:rPr lang="en-US" b="1" dirty="0"/>
+              <a:t>DEVELOPMENT DIRECTION:</a:t>
+            </a:r>
+          </a:p>
+          <a:p>
+            <a:pPr marL="342900" indent="-342900">
+              <a:buFont typeface="Arial" panose="020B0604020202020204" pitchFamily="34" charset="0"/>
+              <a:buChar char="•"/>
+            </a:pPr>
+            <a:r>
+              <a:rPr lang="en-US" sz="2200" noProof="0" dirty="0"/>
+              <a:t>Expand recognition to more wild edibles using multi-task or speciated models.</a:t>
+            </a:r>
+          </a:p>
+          <a:p>
+            <a:pPr marL="342900" indent="-342900">
+              <a:buFont typeface="Arial" panose="020B0604020202020204" pitchFamily="34" charset="0"/>
+              <a:buChar char="•"/>
+            </a:pPr>
+            <a:r>
+              <a:rPr lang="en-US" sz="2200" dirty="0"/>
+              <a:t>Use larger ViT variants for higher reliability.</a:t>
+            </a:r>
+          </a:p>
+          <a:p>
+            <a:pPr marL="342900" indent="-342900">
+              <a:buFont typeface="Arial" panose="020B0604020202020204" pitchFamily="34" charset="0"/>
+              <a:buChar char="•"/>
+            </a:pPr>
+            <a:r>
+              <a:rPr lang="en-US" sz="2200" dirty="0"/>
+              <a:t>Increase and improve the dataset and augmentation to reduce overfitting.</a:t>
+            </a:r>
+          </a:p>
+          <a:p>
+            <a:pPr marL="342900" indent="-342900">
+              <a:buFont typeface="Arial" panose="020B0604020202020204" pitchFamily="34" charset="0"/>
+              <a:buChar char="•"/>
+            </a:pPr>
+            <a:r>
+              <a:rPr lang="en-US" sz="2200" dirty="0"/>
+              <a:t>Upgrade keyword search to a natural-language chatbot with a small LLM.</a:t>
+            </a:r>
+          </a:p>
+          <a:p>
+            <a:pPr marL="342900" indent="-342900">
+              <a:buFont typeface="Arial" panose="020B0604020202020204" pitchFamily="34" charset="0"/>
+              <a:buChar char="•"/>
+            </a:pPr>
+            <a:r>
+              <a:rPr lang="en-US" sz="2200" dirty="0"/>
+              <a:t>Add iNaturalist user-contributed observations to enrich the forage map.</a:t>
+            </a:r>
+          </a:p>
+        </p:txBody>
+      </p:sp>
+    </p:spTree>
+    <p:extLst>
+      <p:ext uri="{BB962C8B-B14F-4D97-AF65-F5344CB8AC3E}">
+        <p14:creationId xmlns:p14="http://schemas.microsoft.com/office/powerpoint/2010/main" val="2685069269"/>
+      </p:ext>
+    </p:extLst>
+  </p:cSld>
+  <p:clrMapOvr>
+    <a:masterClrMapping/>
+  </p:clrMapOvr>
+</p:sld>
+</file>
+
+<file path=ppt/slides/slide28.xml><?xml version="1.0" encoding="utf-8"?>
 <p:sld xmlns:a="http://schemas.openxmlformats.org/drawingml/2006/main" xmlns:r="http://schemas.openxmlformats.org/officeDocument/2006/relationships" xmlns:p="http://schemas.openxmlformats.org/presentationml/2006/main">
   <p:cSld>
     <p:spTree>
@@ -36689,7 +42169,7 @@
           <p:cNvPr id="2" name="Title 1">
             <a:extLst>
               <a:ext uri="{FF2B5EF4-FFF2-40B4-BE49-F238E27FC236}">
-                <a16:creationId xmlns:a16="http://schemas.microsoft.com/office/drawing/2014/main" id="{F13F27A9-2D24-7DD4-711A-8CB14A03C54A}"/>
+                <a16:creationId xmlns:a16="http://schemas.microsoft.com/office/drawing/2014/main" id="{6727981F-8DDB-4942-9095-1A301A93096A}"/>
               </a:ext>
             </a:extLst>
           </p:cNvPr>
@@ -36705,7 +42185,11 @@
           <a:bodyPr/>
           <a:lstStyle/>
           <a:p>
-            <a:endParaRPr lang="en-US"/>
+            <a:r>
+              <a:rPr lang="vi-VN" dirty="0"/>
+              <a:t>THANK YOU VERY MUCH</a:t>
+            </a:r>
+            <a:endParaRPr lang="en-US" dirty="0"/>
           </a:p>
         </p:txBody>
       </p:sp>
@@ -36714,7 +42198,7 @@
           <p:cNvPr id="3" name="Subtitle 2">
             <a:extLst>
               <a:ext uri="{FF2B5EF4-FFF2-40B4-BE49-F238E27FC236}">
-                <a16:creationId xmlns:a16="http://schemas.microsoft.com/office/drawing/2014/main" id="{37C92DC9-95C6-3F7E-358C-74EA3AFBDE35}"/>
+                <a16:creationId xmlns:a16="http://schemas.microsoft.com/office/drawing/2014/main" id="{E3DE8CBC-CC0F-41DD-9762-03FD26D3B012}"/>
               </a:ext>
             </a:extLst>
           </p:cNvPr>
@@ -36730,89 +42214,18 @@
           <a:bodyPr/>
           <a:lstStyle/>
           <a:p>
-            <a:endParaRPr lang="en-US"/>
-          </a:p>
-        </p:txBody>
-      </p:sp>
-      <p:sp>
-        <p:nvSpPr>
-          <p:cNvPr id="4" name="Picture Placeholder 3">
-            <a:extLst>
-              <a:ext uri="{FF2B5EF4-FFF2-40B4-BE49-F238E27FC236}">
-                <a16:creationId xmlns:a16="http://schemas.microsoft.com/office/drawing/2014/main" id="{6F88E9EB-6098-7FA2-3FE3-73843C616046}"/>
-              </a:ext>
-            </a:extLst>
-          </p:cNvPr>
-          <p:cNvSpPr>
-            <a:spLocks noGrp="1"/>
-          </p:cNvSpPr>
-          <p:nvPr>
-            <p:ph type="pic" sz="quarter" idx="12"/>
-          </p:nvPr>
-        </p:nvSpPr>
-        <p:spPr/>
-        <p:txBody>
-          <a:bodyPr/>
-          <a:lstStyle/>
-          <a:p>
-            <a:endParaRPr lang="en-US"/>
-          </a:p>
-        </p:txBody>
-      </p:sp>
-      <p:sp>
-        <p:nvSpPr>
-          <p:cNvPr id="5" name="Picture Placeholder 4">
-            <a:extLst>
-              <a:ext uri="{FF2B5EF4-FFF2-40B4-BE49-F238E27FC236}">
-                <a16:creationId xmlns:a16="http://schemas.microsoft.com/office/drawing/2014/main" id="{07D34A94-EE84-38E4-F7AF-2FE7FC5F9506}"/>
-              </a:ext>
-            </a:extLst>
-          </p:cNvPr>
-          <p:cNvSpPr>
-            <a:spLocks noGrp="1"/>
-          </p:cNvSpPr>
-          <p:nvPr>
-            <p:ph type="pic" sz="quarter" idx="13"/>
-          </p:nvPr>
-        </p:nvSpPr>
-        <p:spPr/>
-        <p:txBody>
-          <a:bodyPr/>
-          <a:lstStyle/>
-          <a:p>
-            <a:endParaRPr lang="en-US"/>
-          </a:p>
-        </p:txBody>
-      </p:sp>
-      <p:sp>
-        <p:nvSpPr>
-          <p:cNvPr id="6" name="Picture Placeholder 5">
-            <a:extLst>
-              <a:ext uri="{FF2B5EF4-FFF2-40B4-BE49-F238E27FC236}">
-                <a16:creationId xmlns:a16="http://schemas.microsoft.com/office/drawing/2014/main" id="{71C5B678-ACF6-FE90-8CFB-3B621A94E63F}"/>
-              </a:ext>
-            </a:extLst>
-          </p:cNvPr>
-          <p:cNvSpPr>
-            <a:spLocks noGrp="1"/>
-          </p:cNvSpPr>
-          <p:nvPr>
-            <p:ph type="pic" sz="quarter" idx="14"/>
-          </p:nvPr>
-        </p:nvSpPr>
-        <p:spPr/>
-        <p:txBody>
-          <a:bodyPr/>
-          <a:lstStyle/>
-          <a:p>
-            <a:endParaRPr lang="en-US"/>
+            <a:r>
+              <a:rPr lang="vi-VN" dirty="0"/>
+              <a:t>Can Tho University</a:t>
+            </a:r>
+            <a:endParaRPr lang="en-US" dirty="0"/>
           </a:p>
         </p:txBody>
       </p:sp>
     </p:spTree>
     <p:extLst>
       <p:ext uri="{BB962C8B-B14F-4D97-AF65-F5344CB8AC3E}">
-        <p14:creationId xmlns:p14="http://schemas.microsoft.com/office/powerpoint/2010/main" val="902549347"/>
+        <p14:creationId xmlns:p14="http://schemas.microsoft.com/office/powerpoint/2010/main" val="131648227"/>
       </p:ext>
     </p:extLst>
   </p:cSld>
@@ -36822,12 +42235,18 @@
 </p:sld>
 </file>
 
-<file path=ppt/slides/slide5.xml><?xml version="1.0" encoding="utf-8"?>
+<file path=ppt/slides/slide29.xml><?xml version="1.0" encoding="utf-8"?>
 <p:sld xmlns:a="http://schemas.openxmlformats.org/drawingml/2006/main" xmlns:r="http://schemas.openxmlformats.org/officeDocument/2006/relationships" xmlns:p="http://schemas.openxmlformats.org/presentationml/2006/main">
   <p:cSld>
     <p:spTree>
       <p:nvGrpSpPr>
-        <p:cNvPr id="1" name=""/>
+        <p:cNvPr id="1" name="">
+          <a:extLst>
+            <a:ext uri="{FF2B5EF4-FFF2-40B4-BE49-F238E27FC236}">
+              <a16:creationId xmlns:a16="http://schemas.microsoft.com/office/drawing/2014/main" id="{CA10988A-D0E1-75AB-220F-9387E0741A09}"/>
+            </a:ext>
+          </a:extLst>
+        </p:cNvPr>
         <p:cNvGrpSpPr/>
         <p:nvPr/>
       </p:nvGrpSpPr>
@@ -36841,10 +42260,10 @@
       </p:grpSpPr>
       <p:sp>
         <p:nvSpPr>
-          <p:cNvPr id="2" name="Picture Placeholder 1">
+          <p:cNvPr id="2" name="Title 1">
             <a:extLst>
               <a:ext uri="{FF2B5EF4-FFF2-40B4-BE49-F238E27FC236}">
-                <a16:creationId xmlns:a16="http://schemas.microsoft.com/office/drawing/2014/main" id="{7CB2B2D0-1A3D-0A19-ACDA-80946FFFD0A0}"/>
+                <a16:creationId xmlns:a16="http://schemas.microsoft.com/office/drawing/2014/main" id="{56CB7F25-6628-CF27-C5CA-22FEF4B89EBC}"/>
               </a:ext>
             </a:extLst>
           </p:cNvPr>
@@ -36852,7 +42271,7 @@
             <a:spLocks noGrp="1"/>
           </p:cNvSpPr>
           <p:nvPr>
-            <p:ph type="pic" sz="quarter" idx="13"/>
+            <p:ph type="title"/>
           </p:nvPr>
         </p:nvSpPr>
         <p:spPr/>
@@ -36860,16 +42279,16 @@
           <a:bodyPr/>
           <a:lstStyle/>
           <a:p>
-            <a:endParaRPr lang="en-US"/>
+            <a:endParaRPr lang="en-US" dirty="0"/>
           </a:p>
         </p:txBody>
       </p:sp>
       <p:sp>
         <p:nvSpPr>
-          <p:cNvPr id="3" name="Picture Placeholder 2">
+          <p:cNvPr id="3" name="Content Placeholder 2">
             <a:extLst>
               <a:ext uri="{FF2B5EF4-FFF2-40B4-BE49-F238E27FC236}">
-                <a16:creationId xmlns:a16="http://schemas.microsoft.com/office/drawing/2014/main" id="{933AFB83-9D50-997B-AF31-5F8F137E6309}"/>
+                <a16:creationId xmlns:a16="http://schemas.microsoft.com/office/drawing/2014/main" id="{82630AE2-833A-8EEB-48FC-93F020F714C3}"/>
               </a:ext>
             </a:extLst>
           </p:cNvPr>
@@ -36877,101 +42296,24 @@
             <a:spLocks noGrp="1"/>
           </p:cNvSpPr>
           <p:nvPr>
-            <p:ph type="pic" sz="quarter" idx="12"/>
+            <p:ph idx="1"/>
           </p:nvPr>
         </p:nvSpPr>
         <p:spPr/>
         <p:txBody>
-          <a:bodyPr/>
+          <a:bodyPr>
+            <a:normAutofit/>
+          </a:bodyPr>
           <a:lstStyle/>
           <a:p>
-            <a:pPr algn="ctr"/>
-            <a:endParaRPr lang="en-US"/>
-          </a:p>
-        </p:txBody>
-      </p:sp>
-      <p:sp>
-        <p:nvSpPr>
-          <p:cNvPr id="4" name="Picture Placeholder 3">
-            <a:extLst>
-              <a:ext uri="{FF2B5EF4-FFF2-40B4-BE49-F238E27FC236}">
-                <a16:creationId xmlns:a16="http://schemas.microsoft.com/office/drawing/2014/main" id="{ED877F63-C278-FE3B-B6EC-0C51F56E8DDB}"/>
-              </a:ext>
-            </a:extLst>
-          </p:cNvPr>
-          <p:cNvSpPr>
-            <a:spLocks noGrp="1"/>
-          </p:cNvSpPr>
-          <p:nvPr>
-            <p:ph type="pic" sz="quarter" idx="15"/>
-          </p:nvPr>
-        </p:nvSpPr>
-        <p:spPr/>
-        <p:txBody>
-          <a:bodyPr/>
-          <a:lstStyle/>
-          <a:p>
-            <a:pPr algn="ctr"/>
-            <a:endParaRPr lang="en-US"/>
-          </a:p>
-        </p:txBody>
-      </p:sp>
-      <p:sp>
-        <p:nvSpPr>
-          <p:cNvPr id="5" name="Picture Placeholder 4">
-            <a:extLst>
-              <a:ext uri="{FF2B5EF4-FFF2-40B4-BE49-F238E27FC236}">
-                <a16:creationId xmlns:a16="http://schemas.microsoft.com/office/drawing/2014/main" id="{4E53B1E6-8A43-B479-A6FD-F32C20979FCE}"/>
-              </a:ext>
-            </a:extLst>
-          </p:cNvPr>
-          <p:cNvSpPr>
-            <a:spLocks noGrp="1"/>
-          </p:cNvSpPr>
-          <p:nvPr>
-            <p:ph type="pic" sz="quarter" idx="14"/>
-          </p:nvPr>
-        </p:nvSpPr>
-        <p:spPr/>
-        <p:txBody>
-          <a:bodyPr/>
-          <a:lstStyle/>
-          <a:p>
-            <a:pPr algn="ctr"/>
-            <a:endParaRPr lang="en-US"/>
-          </a:p>
-        </p:txBody>
-      </p:sp>
-      <p:sp>
-        <p:nvSpPr>
-          <p:cNvPr id="6" name="Picture Placeholder 5">
-            <a:extLst>
-              <a:ext uri="{FF2B5EF4-FFF2-40B4-BE49-F238E27FC236}">
-                <a16:creationId xmlns:a16="http://schemas.microsoft.com/office/drawing/2014/main" id="{82E860E9-45EE-8256-9B0F-C88A1665CDC1}"/>
-              </a:ext>
-            </a:extLst>
-          </p:cNvPr>
-          <p:cNvSpPr>
-            <a:spLocks noGrp="1"/>
-          </p:cNvSpPr>
-          <p:nvPr>
-            <p:ph type="pic" sz="quarter" idx="16"/>
-          </p:nvPr>
-        </p:nvSpPr>
-        <p:spPr/>
-        <p:txBody>
-          <a:bodyPr/>
-          <a:lstStyle/>
-          <a:p>
-            <a:pPr algn="ctr"/>
-            <a:endParaRPr lang="en-US"/>
+            <a:endParaRPr lang="en-US" dirty="0"/>
           </a:p>
         </p:txBody>
       </p:sp>
     </p:spTree>
     <p:extLst>
       <p:ext uri="{BB962C8B-B14F-4D97-AF65-F5344CB8AC3E}">
-        <p14:creationId xmlns:p14="http://schemas.microsoft.com/office/powerpoint/2010/main" val="3934037774"/>
+        <p14:creationId xmlns:p14="http://schemas.microsoft.com/office/powerpoint/2010/main" val="2331155445"/>
       </p:ext>
     </p:extLst>
   </p:cSld>
@@ -36981,7 +42323,71 @@
 </p:sld>
 </file>
 
-<file path=ppt/slides/slide6.xml><?xml version="1.0" encoding="utf-8"?>
+<file path=ppt/slides/slide3.xml><?xml version="1.0" encoding="utf-8"?>
+<p:sld xmlns:a="http://schemas.openxmlformats.org/drawingml/2006/main" xmlns:r="http://schemas.openxmlformats.org/officeDocument/2006/relationships" xmlns:p="http://schemas.openxmlformats.org/presentationml/2006/main">
+  <p:cSld>
+    <p:spTree>
+      <p:nvGrpSpPr>
+        <p:cNvPr id="1" name="">
+          <a:extLst>
+            <a:ext uri="{FF2B5EF4-FFF2-40B4-BE49-F238E27FC236}">
+              <a16:creationId xmlns:a16="http://schemas.microsoft.com/office/drawing/2014/main" id="{14F5A774-A6E2-A310-DB6A-36A07427AFC8}"/>
+            </a:ext>
+          </a:extLst>
+        </p:cNvPr>
+        <p:cNvGrpSpPr/>
+        <p:nvPr/>
+      </p:nvGrpSpPr>
+      <p:grpSpPr>
+        <a:xfrm>
+          <a:off x="0" y="0"/>
+          <a:ext cx="0" cy="0"/>
+          <a:chOff x="0" y="0"/>
+          <a:chExt cx="0" cy="0"/>
+        </a:xfrm>
+      </p:grpSpPr>
+      <p:sp>
+        <p:nvSpPr>
+          <p:cNvPr id="2" name="Title 1">
+            <a:extLst>
+              <a:ext uri="{FF2B5EF4-FFF2-40B4-BE49-F238E27FC236}">
+                <a16:creationId xmlns:a16="http://schemas.microsoft.com/office/drawing/2014/main" id="{62F4211D-7A43-8E5D-ED9E-DFC6F208879B}"/>
+              </a:ext>
+            </a:extLst>
+          </p:cNvPr>
+          <p:cNvSpPr>
+            <a:spLocks noGrp="1"/>
+          </p:cNvSpPr>
+          <p:nvPr>
+            <p:ph type="ctrTitle"/>
+          </p:nvPr>
+        </p:nvSpPr>
+        <p:spPr/>
+        <p:txBody>
+          <a:bodyPr/>
+          <a:lstStyle/>
+          <a:p>
+            <a:r>
+              <a:rPr lang="en-US" sz="6000" dirty="0"/>
+              <a:t>Part 1: Introduction</a:t>
+            </a:r>
+          </a:p>
+        </p:txBody>
+      </p:sp>
+    </p:spTree>
+    <p:extLst>
+      <p:ext uri="{BB962C8B-B14F-4D97-AF65-F5344CB8AC3E}">
+        <p14:creationId xmlns:p14="http://schemas.microsoft.com/office/powerpoint/2010/main" val="4232657731"/>
+      </p:ext>
+    </p:extLst>
+  </p:cSld>
+  <p:clrMapOvr>
+    <a:masterClrMapping/>
+  </p:clrMapOvr>
+</p:sld>
+</file>
+
+<file path=ppt/slides/slide30.xml><?xml version="1.0" encoding="utf-8"?>
 <p:sld xmlns:a="http://schemas.openxmlformats.org/drawingml/2006/main" xmlns:r="http://schemas.openxmlformats.org/officeDocument/2006/relationships" xmlns:p="http://schemas.openxmlformats.org/presentationml/2006/main">
   <p:cSld>
     <p:spTree>
@@ -37113,12 +42519,18 @@
 </p:sld>
 </file>
 
-<file path=ppt/slides/slide7.xml><?xml version="1.0" encoding="utf-8"?>
+<file path=ppt/slides/slide4.xml><?xml version="1.0" encoding="utf-8"?>
 <p:sld xmlns:a="http://schemas.openxmlformats.org/drawingml/2006/main" xmlns:r="http://schemas.openxmlformats.org/officeDocument/2006/relationships" xmlns:p="http://schemas.openxmlformats.org/presentationml/2006/main">
   <p:cSld>
     <p:spTree>
       <p:nvGrpSpPr>
-        <p:cNvPr id="1" name=""/>
+        <p:cNvPr id="1" name="">
+          <a:extLst>
+            <a:ext uri="{FF2B5EF4-FFF2-40B4-BE49-F238E27FC236}">
+              <a16:creationId xmlns:a16="http://schemas.microsoft.com/office/drawing/2014/main" id="{45A31E76-A685-C036-83C7-E30507C6D475}"/>
+            </a:ext>
+          </a:extLst>
+        </p:cNvPr>
         <p:cNvGrpSpPr/>
         <p:nvPr/>
       </p:nvGrpSpPr>
@@ -37135,7 +42547,410 @@
           <p:cNvPr id="2" name="Title 1">
             <a:extLst>
               <a:ext uri="{FF2B5EF4-FFF2-40B4-BE49-F238E27FC236}">
-                <a16:creationId xmlns:a16="http://schemas.microsoft.com/office/drawing/2014/main" id="{6727981F-8DDB-4942-9095-1A301A93096A}"/>
+                <a16:creationId xmlns:a16="http://schemas.microsoft.com/office/drawing/2014/main" id="{B0725A5E-8538-00C1-E08F-02503B94ACBF}"/>
+              </a:ext>
+            </a:extLst>
+          </p:cNvPr>
+          <p:cNvSpPr>
+            <a:spLocks noGrp="1"/>
+          </p:cNvSpPr>
+          <p:nvPr>
+            <p:ph type="title"/>
+          </p:nvPr>
+        </p:nvSpPr>
+        <p:spPr/>
+        <p:txBody>
+          <a:bodyPr/>
+          <a:lstStyle/>
+          <a:p>
+            <a:r>
+              <a:rPr lang="en-US" dirty="0"/>
+              <a:t>Introduction</a:t>
+            </a:r>
+          </a:p>
+        </p:txBody>
+      </p:sp>
+      <p:sp>
+        <p:nvSpPr>
+          <p:cNvPr id="3" name="Content Placeholder 2">
+            <a:extLst>
+              <a:ext uri="{FF2B5EF4-FFF2-40B4-BE49-F238E27FC236}">
+                <a16:creationId xmlns:a16="http://schemas.microsoft.com/office/drawing/2014/main" id="{C5EC4CF9-1556-4BBE-F9DB-55C79B1AAC10}"/>
+              </a:ext>
+            </a:extLst>
+          </p:cNvPr>
+          <p:cNvSpPr>
+            <a:spLocks noGrp="1"/>
+          </p:cNvSpPr>
+          <p:nvPr>
+            <p:ph idx="1"/>
+          </p:nvPr>
+        </p:nvSpPr>
+        <p:spPr/>
+        <p:txBody>
+          <a:bodyPr>
+            <a:normAutofit/>
+          </a:bodyPr>
+          <a:lstStyle/>
+          <a:p>
+            <a:r>
+              <a:rPr lang="en-US" b="1" dirty="0"/>
+              <a:t>Problem Description</a:t>
+            </a:r>
+          </a:p>
+          <a:p>
+            <a:r>
+              <a:rPr lang="en-US" dirty="0"/>
+              <a:t>Mushroom identification is difficult for beginners due to subtle visual similarities.</a:t>
+            </a:r>
+          </a:p>
+          <a:p>
+            <a:r>
+              <a:rPr lang="en-US" dirty="0"/>
+              <a:t>Misidentification can cause serious health risks and poisoning.</a:t>
+            </a:r>
+          </a:p>
+          <a:p>
+            <a:r>
+              <a:rPr lang="en-US" dirty="0"/>
+              <a:t>Traditional methods require prior knowledge and are prone to errors.</a:t>
+            </a:r>
+          </a:p>
+          <a:p>
+            <a:r>
+              <a:rPr lang="en-US" dirty="0"/>
+              <a:t>Growing interest in outdoor activities increases demand for accessible identification tools.</a:t>
+            </a:r>
+          </a:p>
+          <a:p>
+            <a:r>
+              <a:rPr lang="en-US" dirty="0"/>
+              <a:t>Image-based tools alone are not enough; users also need search and location-based context.</a:t>
+            </a:r>
+          </a:p>
+          <a:p>
+            <a:endParaRPr lang="en-US" dirty="0"/>
+          </a:p>
+        </p:txBody>
+      </p:sp>
+    </p:spTree>
+    <p:extLst>
+      <p:ext uri="{BB962C8B-B14F-4D97-AF65-F5344CB8AC3E}">
+        <p14:creationId xmlns:p14="http://schemas.microsoft.com/office/powerpoint/2010/main" val="3978142621"/>
+      </p:ext>
+    </p:extLst>
+  </p:cSld>
+  <p:clrMapOvr>
+    <a:masterClrMapping/>
+  </p:clrMapOvr>
+</p:sld>
+</file>
+
+<file path=ppt/slides/slide5.xml><?xml version="1.0" encoding="utf-8"?>
+<p:sld xmlns:a="http://schemas.openxmlformats.org/drawingml/2006/main" xmlns:r="http://schemas.openxmlformats.org/officeDocument/2006/relationships" xmlns:p="http://schemas.openxmlformats.org/presentationml/2006/main">
+  <p:cSld>
+    <p:spTree>
+      <p:nvGrpSpPr>
+        <p:cNvPr id="1" name="">
+          <a:extLst>
+            <a:ext uri="{FF2B5EF4-FFF2-40B4-BE49-F238E27FC236}">
+              <a16:creationId xmlns:a16="http://schemas.microsoft.com/office/drawing/2014/main" id="{4CCE3A85-4129-057B-6B13-47EE75A96AEF}"/>
+            </a:ext>
+          </a:extLst>
+        </p:cNvPr>
+        <p:cNvGrpSpPr/>
+        <p:nvPr/>
+      </p:nvGrpSpPr>
+      <p:grpSpPr>
+        <a:xfrm>
+          <a:off x="0" y="0"/>
+          <a:ext cx="0" cy="0"/>
+          <a:chOff x="0" y="0"/>
+          <a:chExt cx="0" cy="0"/>
+        </a:xfrm>
+      </p:grpSpPr>
+      <p:sp>
+        <p:nvSpPr>
+          <p:cNvPr id="2" name="Title 1">
+            <a:extLst>
+              <a:ext uri="{FF2B5EF4-FFF2-40B4-BE49-F238E27FC236}">
+                <a16:creationId xmlns:a16="http://schemas.microsoft.com/office/drawing/2014/main" id="{3199298B-1C92-C439-0605-1BC1CD608EA3}"/>
+              </a:ext>
+            </a:extLst>
+          </p:cNvPr>
+          <p:cNvSpPr>
+            <a:spLocks noGrp="1"/>
+          </p:cNvSpPr>
+          <p:nvPr>
+            <p:ph type="title"/>
+          </p:nvPr>
+        </p:nvSpPr>
+        <p:spPr/>
+        <p:txBody>
+          <a:bodyPr/>
+          <a:lstStyle/>
+          <a:p>
+            <a:r>
+              <a:rPr lang="en-US" dirty="0"/>
+              <a:t>Introduction</a:t>
+            </a:r>
+          </a:p>
+        </p:txBody>
+      </p:sp>
+      <p:sp>
+        <p:nvSpPr>
+          <p:cNvPr id="3" name="Content Placeholder 2">
+            <a:extLst>
+              <a:ext uri="{FF2B5EF4-FFF2-40B4-BE49-F238E27FC236}">
+                <a16:creationId xmlns:a16="http://schemas.microsoft.com/office/drawing/2014/main" id="{7755C8D7-2DA7-F4F6-1272-895F061CE1B3}"/>
+              </a:ext>
+            </a:extLst>
+          </p:cNvPr>
+          <p:cNvSpPr>
+            <a:spLocks noGrp="1"/>
+          </p:cNvSpPr>
+          <p:nvPr>
+            <p:ph idx="1"/>
+          </p:nvPr>
+        </p:nvSpPr>
+        <p:spPr/>
+        <p:txBody>
+          <a:bodyPr>
+            <a:normAutofit/>
+          </a:bodyPr>
+          <a:lstStyle/>
+          <a:p>
+            <a:r>
+              <a:rPr lang="en-US" b="1" dirty="0"/>
+              <a:t>Purpose of the Study</a:t>
+            </a:r>
+          </a:p>
+          <a:p>
+            <a:r>
+              <a:rPr lang="en-US" dirty="0"/>
+              <a:t>Develop </a:t>
+            </a:r>
+            <a:r>
+              <a:rPr lang="en-US" i="1" dirty="0"/>
+              <a:t>FungiScan</a:t>
+            </a:r>
+            <a:r>
+              <a:rPr lang="en-US" dirty="0"/>
+              <a:t>, a beginner-friendly Android app for safe mushroom identification.</a:t>
+            </a:r>
+          </a:p>
+          <a:p>
+            <a:r>
+              <a:rPr lang="en-US" dirty="0"/>
+              <a:t>Provide real-time image recognition using a server-side ViT model.</a:t>
+            </a:r>
+          </a:p>
+          <a:p>
+            <a:r>
+              <a:rPr lang="en-US" dirty="0"/>
+              <a:t>Include a keyword-searchable mushroom database for offline exploration.</a:t>
+            </a:r>
+          </a:p>
+          <a:p>
+            <a:r>
+              <a:rPr lang="en-US" dirty="0"/>
+              <a:t>Integrate an interactive forage map using iNaturalist community observations.</a:t>
+            </a:r>
+          </a:p>
+          <a:p>
+            <a:r>
+              <a:rPr lang="en-US" dirty="0"/>
+              <a:t>Support safe foraging practices and self-learning.</a:t>
+            </a:r>
+          </a:p>
+          <a:p>
+            <a:endParaRPr lang="en-US" dirty="0"/>
+          </a:p>
+        </p:txBody>
+      </p:sp>
+    </p:spTree>
+    <p:extLst>
+      <p:ext uri="{BB962C8B-B14F-4D97-AF65-F5344CB8AC3E}">
+        <p14:creationId xmlns:p14="http://schemas.microsoft.com/office/powerpoint/2010/main" val="1427130040"/>
+      </p:ext>
+    </p:extLst>
+  </p:cSld>
+  <p:clrMapOvr>
+    <a:masterClrMapping/>
+  </p:clrMapOvr>
+</p:sld>
+</file>
+
+<file path=ppt/slides/slide6.xml><?xml version="1.0" encoding="utf-8"?>
+<p:sld xmlns:a="http://schemas.openxmlformats.org/drawingml/2006/main" xmlns:r="http://schemas.openxmlformats.org/officeDocument/2006/relationships" xmlns:p="http://schemas.openxmlformats.org/presentationml/2006/main">
+  <p:cSld>
+    <p:spTree>
+      <p:nvGrpSpPr>
+        <p:cNvPr id="1" name="">
+          <a:extLst>
+            <a:ext uri="{FF2B5EF4-FFF2-40B4-BE49-F238E27FC236}">
+              <a16:creationId xmlns:a16="http://schemas.microsoft.com/office/drawing/2014/main" id="{6AA84C74-72E0-042F-9D28-B555A48E075D}"/>
+            </a:ext>
+          </a:extLst>
+        </p:cNvPr>
+        <p:cNvGrpSpPr/>
+        <p:nvPr/>
+      </p:nvGrpSpPr>
+      <p:grpSpPr>
+        <a:xfrm>
+          <a:off x="0" y="0"/>
+          <a:ext cx="0" cy="0"/>
+          <a:chOff x="0" y="0"/>
+          <a:chExt cx="0" cy="0"/>
+        </a:xfrm>
+      </p:grpSpPr>
+      <p:sp>
+        <p:nvSpPr>
+          <p:cNvPr id="2" name="Title 1">
+            <a:extLst>
+              <a:ext uri="{FF2B5EF4-FFF2-40B4-BE49-F238E27FC236}">
+                <a16:creationId xmlns:a16="http://schemas.microsoft.com/office/drawing/2014/main" id="{2DDE264F-2157-DA18-EBAB-BC2F5F3DF0D2}"/>
+              </a:ext>
+            </a:extLst>
+          </p:cNvPr>
+          <p:cNvSpPr>
+            <a:spLocks noGrp="1"/>
+          </p:cNvSpPr>
+          <p:nvPr>
+            <p:ph type="title"/>
+          </p:nvPr>
+        </p:nvSpPr>
+        <p:spPr/>
+        <p:txBody>
+          <a:bodyPr/>
+          <a:lstStyle/>
+          <a:p>
+            <a:r>
+              <a:rPr lang="en-US" dirty="0"/>
+              <a:t>Introduction</a:t>
+            </a:r>
+          </a:p>
+        </p:txBody>
+      </p:sp>
+      <p:sp>
+        <p:nvSpPr>
+          <p:cNvPr id="3" name="Content Placeholder 2">
+            <a:extLst>
+              <a:ext uri="{FF2B5EF4-FFF2-40B4-BE49-F238E27FC236}">
+                <a16:creationId xmlns:a16="http://schemas.microsoft.com/office/drawing/2014/main" id="{99ADA986-CA72-2A75-3895-0456EC246B97}"/>
+              </a:ext>
+            </a:extLst>
+          </p:cNvPr>
+          <p:cNvSpPr>
+            <a:spLocks noGrp="1"/>
+          </p:cNvSpPr>
+          <p:nvPr>
+            <p:ph idx="1"/>
+          </p:nvPr>
+        </p:nvSpPr>
+        <p:spPr/>
+        <p:txBody>
+          <a:bodyPr>
+            <a:normAutofit/>
+          </a:bodyPr>
+          <a:lstStyle/>
+          <a:p>
+            <a:r>
+              <a:rPr lang="en-US" b="1" dirty="0"/>
+              <a:t>Objectives &amp; Scope Objectives</a:t>
+            </a:r>
+            <a:endParaRPr lang="en-US" dirty="0"/>
+          </a:p>
+          <a:p>
+            <a:r>
+              <a:rPr lang="en-US" dirty="0"/>
+              <a:t>Build an app that delivers reliable AI-based identification.</a:t>
+            </a:r>
+          </a:p>
+          <a:p>
+            <a:r>
+              <a:rPr lang="en-US" dirty="0"/>
+              <a:t>Design a fast client–server architecture with intuitive UI/UX.</a:t>
+            </a:r>
+          </a:p>
+          <a:p>
+            <a:r>
+              <a:rPr lang="en-US" dirty="0"/>
+              <a:t>Combine image inference, search, history, and map features.</a:t>
+            </a:r>
+          </a:p>
+          <a:p>
+            <a:r>
+              <a:rPr lang="en-US" b="1" dirty="0"/>
+              <a:t>Scope</a:t>
+            </a:r>
+            <a:endParaRPr lang="en-US" dirty="0"/>
+          </a:p>
+          <a:p>
+            <a:r>
+              <a:rPr lang="en-US" dirty="0"/>
+              <a:t>Android app using Flutter; server inference via PyTorch + Lightning.ai.</a:t>
+            </a:r>
+          </a:p>
+          <a:p>
+            <a:r>
+              <a:rPr lang="en-US" dirty="0"/>
+              <a:t>Local SQLite storage and a bundled JSON dataset.</a:t>
+            </a:r>
+          </a:p>
+          <a:p>
+            <a:r>
+              <a:rPr lang="en-US" dirty="0"/>
+              <a:t>Integration of iNaturalist API.</a:t>
+            </a:r>
+          </a:p>
+          <a:p>
+            <a:endParaRPr lang="en-US" dirty="0"/>
+          </a:p>
+        </p:txBody>
+      </p:sp>
+    </p:spTree>
+    <p:extLst>
+      <p:ext uri="{BB962C8B-B14F-4D97-AF65-F5344CB8AC3E}">
+        <p14:creationId xmlns:p14="http://schemas.microsoft.com/office/powerpoint/2010/main" val="1838206736"/>
+      </p:ext>
+    </p:extLst>
+  </p:cSld>
+  <p:clrMapOvr>
+    <a:masterClrMapping/>
+  </p:clrMapOvr>
+</p:sld>
+</file>
+
+<file path=ppt/slides/slide7.xml><?xml version="1.0" encoding="utf-8"?>
+<p:sld xmlns:a="http://schemas.openxmlformats.org/drawingml/2006/main" xmlns:r="http://schemas.openxmlformats.org/officeDocument/2006/relationships" xmlns:p="http://schemas.openxmlformats.org/presentationml/2006/main">
+  <p:cSld>
+    <p:spTree>
+      <p:nvGrpSpPr>
+        <p:cNvPr id="1" name="">
+          <a:extLst>
+            <a:ext uri="{FF2B5EF4-FFF2-40B4-BE49-F238E27FC236}">
+              <a16:creationId xmlns:a16="http://schemas.microsoft.com/office/drawing/2014/main" id="{BC2FE205-4FC7-55D3-AC2F-4CB0AEFD1D9C}"/>
+            </a:ext>
+          </a:extLst>
+        </p:cNvPr>
+        <p:cNvGrpSpPr/>
+        <p:nvPr/>
+      </p:nvGrpSpPr>
+      <p:grpSpPr>
+        <a:xfrm>
+          <a:off x="0" y="0"/>
+          <a:ext cx="0" cy="0"/>
+          <a:chOff x="0" y="0"/>
+          <a:chExt cx="0" cy="0"/>
+        </a:xfrm>
+      </p:grpSpPr>
+      <p:sp>
+        <p:nvSpPr>
+          <p:cNvPr id="2" name="Title 1">
+            <a:extLst>
+              <a:ext uri="{FF2B5EF4-FFF2-40B4-BE49-F238E27FC236}">
+                <a16:creationId xmlns:a16="http://schemas.microsoft.com/office/drawing/2014/main" id="{306A1A1C-6A60-40F5-E8B7-912C303244A6}"/>
               </a:ext>
             </a:extLst>
           </p:cNvPr>
@@ -37146,25 +42961,65 @@
             <p:ph type="ctrTitle"/>
           </p:nvPr>
         </p:nvSpPr>
-        <p:spPr/>
+        <p:spPr>
+          <a:xfrm>
+            <a:off x="1443567" y="2601119"/>
+            <a:ext cx="10029565" cy="1655762"/>
+          </a:xfrm>
+        </p:spPr>
         <p:txBody>
           <a:bodyPr/>
           <a:lstStyle/>
           <a:p>
             <a:r>
-              <a:rPr lang="vi-VN" dirty="0"/>
-              <a:t>THANK YOU VERY MUCH</a:t>
+              <a:rPr lang="en-US" sz="6000" dirty="0"/>
+              <a:t>Part 2: Theoretical basis &amp; systems analysis</a:t>
             </a:r>
-            <a:endParaRPr lang="en-US" dirty="0"/>
           </a:p>
         </p:txBody>
       </p:sp>
+    </p:spTree>
+    <p:extLst>
+      <p:ext uri="{BB962C8B-B14F-4D97-AF65-F5344CB8AC3E}">
+        <p14:creationId xmlns:p14="http://schemas.microsoft.com/office/powerpoint/2010/main" val="3008911616"/>
+      </p:ext>
+    </p:extLst>
+  </p:cSld>
+  <p:clrMapOvr>
+    <a:masterClrMapping/>
+  </p:clrMapOvr>
+</p:sld>
+</file>
+
+<file path=ppt/slides/slide8.xml><?xml version="1.0" encoding="utf-8"?>
+<p:sld xmlns:a="http://schemas.openxmlformats.org/drawingml/2006/main" xmlns:r="http://schemas.openxmlformats.org/officeDocument/2006/relationships" xmlns:p="http://schemas.openxmlformats.org/presentationml/2006/main">
+  <p:cSld>
+    <p:spTree>
+      <p:nvGrpSpPr>
+        <p:cNvPr id="1" name="">
+          <a:extLst>
+            <a:ext uri="{FF2B5EF4-FFF2-40B4-BE49-F238E27FC236}">
+              <a16:creationId xmlns:a16="http://schemas.microsoft.com/office/drawing/2014/main" id="{831A4504-EDCB-A1C7-48D8-FF95A3C738D3}"/>
+            </a:ext>
+          </a:extLst>
+        </p:cNvPr>
+        <p:cNvGrpSpPr/>
+        <p:nvPr/>
+      </p:nvGrpSpPr>
+      <p:grpSpPr>
+        <a:xfrm>
+          <a:off x="0" y="0"/>
+          <a:ext cx="0" cy="0"/>
+          <a:chOff x="0" y="0"/>
+          <a:chExt cx="0" cy="0"/>
+        </a:xfrm>
+      </p:grpSpPr>
       <p:sp>
         <p:nvSpPr>
-          <p:cNvPr id="3" name="Subtitle 2">
+          <p:cNvPr id="2" name="Title 1">
             <a:extLst>
               <a:ext uri="{FF2B5EF4-FFF2-40B4-BE49-F238E27FC236}">
-                <a16:creationId xmlns:a16="http://schemas.microsoft.com/office/drawing/2014/main" id="{E3DE8CBC-CC0F-41DD-9762-03FD26D3B012}"/>
+                <a16:creationId xmlns:a16="http://schemas.microsoft.com/office/drawing/2014/main" id="{9F35B619-5827-08B3-7CAF-0AC026DAB9F4}"/>
               </a:ext>
             </a:extLst>
           </p:cNvPr>
@@ -37172,7 +43027,7 @@
             <a:spLocks noGrp="1"/>
           </p:cNvSpPr>
           <p:nvPr>
-            <p:ph type="subTitle" idx="1"/>
+            <p:ph type="title"/>
           </p:nvPr>
         </p:nvSpPr>
         <p:spPr/>
@@ -37181,9 +43036,115 @@
           <a:lstStyle/>
           <a:p>
             <a:r>
-              <a:rPr lang="vi-VN" dirty="0"/>
-              <a:t>Can Tho University</a:t>
+              <a:rPr lang="en-US" dirty="0"/>
+              <a:t>Theoretical basis &amp; systems analysis</a:t>
             </a:r>
+          </a:p>
+        </p:txBody>
+      </p:sp>
+      <p:sp>
+        <p:nvSpPr>
+          <p:cNvPr id="3" name="Content Placeholder 2">
+            <a:extLst>
+              <a:ext uri="{FF2B5EF4-FFF2-40B4-BE49-F238E27FC236}">
+                <a16:creationId xmlns:a16="http://schemas.microsoft.com/office/drawing/2014/main" id="{AADBED76-3C30-8E02-5102-27B08E313E37}"/>
+              </a:ext>
+            </a:extLst>
+          </p:cNvPr>
+          <p:cNvSpPr>
+            <a:spLocks noGrp="1"/>
+          </p:cNvSpPr>
+          <p:nvPr>
+            <p:ph idx="1"/>
+          </p:nvPr>
+        </p:nvSpPr>
+        <p:spPr/>
+        <p:txBody>
+          <a:bodyPr>
+            <a:normAutofit fontScale="92500"/>
+          </a:bodyPr>
+          <a:lstStyle/>
+          <a:p>
+            <a:r>
+              <a:rPr lang="en-US" b="1" dirty="0"/>
+              <a:t>Key Technologies Used</a:t>
+            </a:r>
+          </a:p>
+          <a:p>
+            <a:pPr marL="342900" indent="-342900">
+              <a:buFont typeface="Arial" panose="020B0604020202020204" pitchFamily="34" charset="0"/>
+              <a:buChar char="•"/>
+            </a:pPr>
+            <a:r>
+              <a:rPr lang="en-US" b="1" dirty="0"/>
+              <a:t>Flutter/Dart</a:t>
+            </a:r>
+            <a:r>
+              <a:rPr lang="en-US" dirty="0"/>
+              <a:t>: Cross-platform UI framework for fast Android development.</a:t>
+            </a:r>
+          </a:p>
+          <a:p>
+            <a:pPr marL="342900" indent="-342900">
+              <a:buFont typeface="Arial" panose="020B0604020202020204" pitchFamily="34" charset="0"/>
+              <a:buChar char="•"/>
+            </a:pPr>
+            <a:r>
+              <a:rPr lang="en-US" b="1" dirty="0"/>
+              <a:t>SQLite + JSON</a:t>
+            </a:r>
+            <a:r>
+              <a:rPr lang="en-US" dirty="0"/>
+              <a:t>: Local data storage and offline mushroom information.</a:t>
+            </a:r>
+          </a:p>
+          <a:p>
+            <a:pPr marL="342900" indent="-342900">
+              <a:buFont typeface="Arial" panose="020B0604020202020204" pitchFamily="34" charset="0"/>
+              <a:buChar char="•"/>
+            </a:pPr>
+            <a:r>
+              <a:rPr lang="en-US" b="1" dirty="0"/>
+              <a:t>OpenStreetMap + iNaturalist API</a:t>
+            </a:r>
+            <a:r>
+              <a:rPr lang="en-US" dirty="0"/>
+              <a:t>: Interactive map and community observations.</a:t>
+            </a:r>
+            <a:endParaRPr lang="en-US" b="1" dirty="0"/>
+          </a:p>
+          <a:p>
+            <a:pPr marL="342900" indent="-342900">
+              <a:buFont typeface="Arial" panose="020B0604020202020204" pitchFamily="34" charset="0"/>
+              <a:buChar char="•"/>
+            </a:pPr>
+            <a:r>
+              <a:rPr lang="en-US" b="1" dirty="0"/>
+              <a:t>PyTorch + Transformers</a:t>
+            </a:r>
+            <a:r>
+              <a:rPr lang="en-US" dirty="0"/>
+              <a:t>: Training, deploying, and serving the ViT model.</a:t>
+            </a:r>
+          </a:p>
+          <a:p>
+            <a:pPr marL="342900" indent="-342900">
+              <a:buFont typeface="Arial" panose="020B0604020202020204" pitchFamily="34" charset="0"/>
+              <a:buChar char="•"/>
+            </a:pPr>
+            <a:r>
+              <a:rPr lang="en-US" b="1" dirty="0"/>
+              <a:t>FastAPI + LitServe (Lightning.ai)</a:t>
+            </a:r>
+            <a:r>
+              <a:rPr lang="en-US" dirty="0"/>
+              <a:t>: High-performance API layer for inference.</a:t>
+            </a:r>
+          </a:p>
+          <a:p>
+            <a:br>
+              <a:rPr lang="en-US" dirty="0"/>
+            </a:br>
             <a:endParaRPr lang="en-US" dirty="0"/>
           </a:p>
         </p:txBody>
@@ -37191,7 +43152,151 @@
     </p:spTree>
     <p:extLst>
       <p:ext uri="{BB962C8B-B14F-4D97-AF65-F5344CB8AC3E}">
-        <p14:creationId xmlns:p14="http://schemas.microsoft.com/office/powerpoint/2010/main" val="131648227"/>
+        <p14:creationId xmlns:p14="http://schemas.microsoft.com/office/powerpoint/2010/main" val="609608948"/>
+      </p:ext>
+    </p:extLst>
+  </p:cSld>
+  <p:clrMapOvr>
+    <a:masterClrMapping/>
+  </p:clrMapOvr>
+</p:sld>
+</file>
+
+<file path=ppt/slides/slide9.xml><?xml version="1.0" encoding="utf-8"?>
+<p:sld xmlns:a="http://schemas.openxmlformats.org/drawingml/2006/main" xmlns:r="http://schemas.openxmlformats.org/officeDocument/2006/relationships" xmlns:p="http://schemas.openxmlformats.org/presentationml/2006/main">
+  <p:cSld>
+    <p:spTree>
+      <p:nvGrpSpPr>
+        <p:cNvPr id="1" name="">
+          <a:extLst>
+            <a:ext uri="{FF2B5EF4-FFF2-40B4-BE49-F238E27FC236}">
+              <a16:creationId xmlns:a16="http://schemas.microsoft.com/office/drawing/2014/main" id="{0620BF8C-2B1D-347D-08A0-5065EC1622FD}"/>
+            </a:ext>
+          </a:extLst>
+        </p:cNvPr>
+        <p:cNvGrpSpPr/>
+        <p:nvPr/>
+      </p:nvGrpSpPr>
+      <p:grpSpPr>
+        <a:xfrm>
+          <a:off x="0" y="0"/>
+          <a:ext cx="0" cy="0"/>
+          <a:chOff x="0" y="0"/>
+          <a:chExt cx="0" cy="0"/>
+        </a:xfrm>
+      </p:grpSpPr>
+      <p:sp>
+        <p:nvSpPr>
+          <p:cNvPr id="2" name="Title 1">
+            <a:extLst>
+              <a:ext uri="{FF2B5EF4-FFF2-40B4-BE49-F238E27FC236}">
+                <a16:creationId xmlns:a16="http://schemas.microsoft.com/office/drawing/2014/main" id="{0C001596-C9BF-FDEE-FF39-A9F8DD96F9A7}"/>
+              </a:ext>
+            </a:extLst>
+          </p:cNvPr>
+          <p:cNvSpPr>
+            <a:spLocks noGrp="1"/>
+          </p:cNvSpPr>
+          <p:nvPr>
+            <p:ph type="title"/>
+          </p:nvPr>
+        </p:nvSpPr>
+        <p:spPr/>
+        <p:txBody>
+          <a:bodyPr/>
+          <a:lstStyle/>
+          <a:p>
+            <a:r>
+              <a:rPr lang="en-US" dirty="0"/>
+              <a:t>Theoretical basis &amp; systems analysis</a:t>
+            </a:r>
+          </a:p>
+        </p:txBody>
+      </p:sp>
+      <p:sp>
+        <p:nvSpPr>
+          <p:cNvPr id="3" name="Content Placeholder 2">
+            <a:extLst>
+              <a:ext uri="{FF2B5EF4-FFF2-40B4-BE49-F238E27FC236}">
+                <a16:creationId xmlns:a16="http://schemas.microsoft.com/office/drawing/2014/main" id="{079AD8B6-ECCA-266A-0B15-B3B8B2A60770}"/>
+              </a:ext>
+            </a:extLst>
+          </p:cNvPr>
+          <p:cNvSpPr>
+            <a:spLocks noGrp="1"/>
+          </p:cNvSpPr>
+          <p:nvPr>
+            <p:ph idx="1"/>
+          </p:nvPr>
+        </p:nvSpPr>
+        <p:spPr/>
+        <p:txBody>
+          <a:bodyPr>
+            <a:normAutofit lnSpcReduction="10000"/>
+          </a:bodyPr>
+          <a:lstStyle/>
+          <a:p>
+            <a:r>
+              <a:rPr lang="en-US" b="1" dirty="0"/>
+              <a:t>SLIDE 2 — Deep Learning Overview</a:t>
+            </a:r>
+          </a:p>
+          <a:p>
+            <a:r>
+              <a:rPr lang="en-US" b="1" dirty="0"/>
+              <a:t>Deep Learning</a:t>
+            </a:r>
+            <a:r>
+              <a:rPr lang="en-US" dirty="0"/>
+              <a:t>: Multi-layer neural networks for automatic feature extraction.</a:t>
+            </a:r>
+          </a:p>
+          <a:p>
+            <a:r>
+              <a:rPr lang="en-US" b="1" dirty="0"/>
+              <a:t>CNN vs ViT</a:t>
+            </a:r>
+            <a:r>
+              <a:rPr lang="en-US" dirty="0"/>
+              <a:t>:</a:t>
+            </a:r>
+          </a:p>
+          <a:p>
+            <a:pPr lvl="1"/>
+            <a:r>
+              <a:rPr lang="en-US" dirty="0"/>
+              <a:t>CNN: local feature extraction, strong on structured patterns.</a:t>
+            </a:r>
+          </a:p>
+          <a:p>
+            <a:pPr lvl="1"/>
+            <a:r>
+              <a:rPr lang="en-US" dirty="0"/>
+              <a:t>ViT: patch-based attention, better at global context and fine-grained differences.</a:t>
+            </a:r>
+          </a:p>
+          <a:p>
+            <a:r>
+              <a:rPr lang="en-US" b="1" dirty="0"/>
+              <a:t>Why ViT for mushrooms</a:t>
+            </a:r>
+            <a:r>
+              <a:rPr lang="en-US" dirty="0"/>
+              <a:t>: Handles subtle visual details and complex textures.</a:t>
+            </a:r>
+          </a:p>
+          <a:p>
+            <a:br>
+              <a:rPr lang="en-US" dirty="0"/>
+            </a:br>
+            <a:endParaRPr lang="en-US" dirty="0"/>
+          </a:p>
+        </p:txBody>
+      </p:sp>
+    </p:spTree>
+    <p:extLst>
+      <p:ext uri="{BB962C8B-B14F-4D97-AF65-F5344CB8AC3E}">
+        <p14:creationId xmlns:p14="http://schemas.microsoft.com/office/powerpoint/2010/main" val="1814031870"/>
       </p:ext>
     </p:extLst>
   </p:cSld>
@@ -37460,4 +43565,319 @@
     </a:ext>
   </a:extLst>
 </a:theme>
+</file>
+
+<file path=ppt/theme/theme2.xml><?xml version="1.0" encoding="utf-8"?>
+<a:theme xmlns:a="http://schemas.openxmlformats.org/drawingml/2006/main" name="Office Theme">
+  <a:themeElements>
+    <a:clrScheme name="Office">
+      <a:dk1>
+        <a:sysClr val="windowText" lastClr="000000"/>
+      </a:dk1>
+      <a:lt1>
+        <a:sysClr val="window" lastClr="FFFFFF"/>
+      </a:lt1>
+      <a:dk2>
+        <a:srgbClr val="0E2841"/>
+      </a:dk2>
+      <a:lt2>
+        <a:srgbClr val="E8E8E8"/>
+      </a:lt2>
+      <a:accent1>
+        <a:srgbClr val="156082"/>
+      </a:accent1>
+      <a:accent2>
+        <a:srgbClr val="E97132"/>
+      </a:accent2>
+      <a:accent3>
+        <a:srgbClr val="196B24"/>
+      </a:accent3>
+      <a:accent4>
+        <a:srgbClr val="0F9ED5"/>
+      </a:accent4>
+      <a:accent5>
+        <a:srgbClr val="A02B93"/>
+      </a:accent5>
+      <a:accent6>
+        <a:srgbClr val="4EA72E"/>
+      </a:accent6>
+      <a:hlink>
+        <a:srgbClr val="467886"/>
+      </a:hlink>
+      <a:folHlink>
+        <a:srgbClr val="96607D"/>
+      </a:folHlink>
+    </a:clrScheme>
+    <a:fontScheme name="Office">
+      <a:majorFont>
+        <a:latin typeface="Aptos Display" panose="02110004020202020204"/>
+        <a:ea typeface=""/>
+        <a:cs typeface=""/>
+        <a:font script="Jpan" typeface="游ゴシック Light"/>
+        <a:font script="Hang" typeface="맑은 고딕"/>
+        <a:font script="Hans" typeface="等线 Light"/>
+        <a:font script="Hant" typeface="新細明體"/>
+        <a:font script="Arab" typeface="Times New Roman"/>
+        <a:font script="Hebr" typeface="Times New Roman"/>
+        <a:font script="Thai" typeface="Angsana New"/>
+        <a:font script="Ethi" typeface="Nyala"/>
+        <a:font script="Beng" typeface="Vrinda"/>
+        <a:font script="Gujr" typeface="Shruti"/>
+        <a:font script="Khmr" typeface="MoolBoran"/>
+        <a:font script="Knda" typeface="Tunga"/>
+        <a:font script="Guru" typeface="Raavi"/>
+        <a:font script="Cans" typeface="Euphemia"/>
+        <a:font script="Cher" typeface="Plantagenet Cherokee"/>
+        <a:font script="Yiii" typeface="Microsoft Yi Baiti"/>
+        <a:font script="Tibt" typeface="Microsoft Himalaya"/>
+        <a:font script="Thaa" typeface="MV Boli"/>
+        <a:font script="Deva" typeface="Mangal"/>
+        <a:font script="Telu" typeface="Gautami"/>
+        <a:font script="Taml" typeface="Latha"/>
+        <a:font script="Syrc" typeface="Estrangelo Edessa"/>
+        <a:font script="Orya" typeface="Kalinga"/>
+        <a:font script="Mlym" typeface="Kartika"/>
+        <a:font script="Laoo" typeface="DokChampa"/>
+        <a:font script="Sinh" typeface="Iskoola Pota"/>
+        <a:font script="Mong" typeface="Mongolian Baiti"/>
+        <a:font script="Viet" typeface="Times New Roman"/>
+        <a:font script="Uigh" typeface="Microsoft Uighur"/>
+        <a:font script="Geor" typeface="Sylfaen"/>
+        <a:font script="Armn" typeface="Arial"/>
+        <a:font script="Bugi" typeface="Leelawadee UI"/>
+        <a:font script="Bopo" typeface="Microsoft JhengHei"/>
+        <a:font script="Java" typeface="Javanese Text"/>
+        <a:font script="Lisu" typeface="Segoe UI"/>
+        <a:font script="Mymr" typeface="Myanmar Text"/>
+        <a:font script="Nkoo" typeface="Ebrima"/>
+        <a:font script="Olck" typeface="Nirmala UI"/>
+        <a:font script="Osma" typeface="Ebrima"/>
+        <a:font script="Phag" typeface="Phagspa"/>
+        <a:font script="Syrn" typeface="Estrangelo Edessa"/>
+        <a:font script="Syrj" typeface="Estrangelo Edessa"/>
+        <a:font script="Syre" typeface="Estrangelo Edessa"/>
+        <a:font script="Sora" typeface="Nirmala UI"/>
+        <a:font script="Tale" typeface="Microsoft Tai Le"/>
+        <a:font script="Talu" typeface="Microsoft New Tai Lue"/>
+        <a:font script="Tfng" typeface="Ebrima"/>
+      </a:majorFont>
+      <a:minorFont>
+        <a:latin typeface="Aptos" panose="02110004020202020204"/>
+        <a:ea typeface=""/>
+        <a:cs typeface=""/>
+        <a:font script="Jpan" typeface="游ゴシック"/>
+        <a:font script="Hang" typeface="맑은 고딕"/>
+        <a:font script="Hans" typeface="等线"/>
+        <a:font script="Hant" typeface="新細明體"/>
+        <a:font script="Arab" typeface="Arial"/>
+        <a:font script="Hebr" typeface="Arial"/>
+        <a:font script="Thai" typeface="Cordia New"/>
+        <a:font script="Ethi" typeface="Nyala"/>
+        <a:font script="Beng" typeface="Vrinda"/>
+        <a:font script="Gujr" typeface="Shruti"/>
+        <a:font script="Khmr" typeface="DaunPenh"/>
+        <a:font script="Knda" typeface="Tunga"/>
+        <a:font script="Guru" typeface="Raavi"/>
+        <a:font script="Cans" typeface="Euphemia"/>
+        <a:font script="Cher" typeface="Plantagenet Cherokee"/>
+        <a:font script="Yiii" typeface="Microsoft Yi Baiti"/>
+        <a:font script="Tibt" typeface="Microsoft Himalaya"/>
+        <a:font script="Thaa" typeface="MV Boli"/>
+        <a:font script="Deva" typeface="Mangal"/>
+        <a:font script="Telu" typeface="Gautami"/>
+        <a:font script="Taml" typeface="Latha"/>
+        <a:font script="Syrc" typeface="Estrangelo Edessa"/>
+        <a:font script="Orya" typeface="Kalinga"/>
+        <a:font script="Mlym" typeface="Kartika"/>
+        <a:font script="Laoo" typeface="DokChampa"/>
+        <a:font script="Sinh" typeface="Iskoola Pota"/>
+        <a:font script="Mong" typeface="Mongolian Baiti"/>
+        <a:font script="Viet" typeface="Arial"/>
+        <a:font script="Uigh" typeface="Microsoft Uighur"/>
+        <a:font script="Geor" typeface="Sylfaen"/>
+        <a:font script="Armn" typeface="Arial"/>
+        <a:font script="Bugi" typeface="Leelawadee UI"/>
+        <a:font script="Bopo" typeface="Microsoft JhengHei"/>
+        <a:font script="Java" typeface="Javanese Text"/>
+        <a:font script="Lisu" typeface="Segoe UI"/>
+        <a:font script="Mymr" typeface="Myanmar Text"/>
+        <a:font script="Nkoo" typeface="Ebrima"/>
+        <a:font script="Olck" typeface="Nirmala UI"/>
+        <a:font script="Osma" typeface="Ebrima"/>
+        <a:font script="Phag" typeface="Phagspa"/>
+        <a:font script="Syrn" typeface="Estrangelo Edessa"/>
+        <a:font script="Syrj" typeface="Estrangelo Edessa"/>
+        <a:font script="Syre" typeface="Estrangelo Edessa"/>
+        <a:font script="Sora" typeface="Nirmala UI"/>
+        <a:font script="Tale" typeface="Microsoft Tai Le"/>
+        <a:font script="Talu" typeface="Microsoft New Tai Lue"/>
+        <a:font script="Tfng" typeface="Ebrima"/>
+      </a:minorFont>
+    </a:fontScheme>
+    <a:fmtScheme name="Office">
+      <a:fillStyleLst>
+        <a:solidFill>
+          <a:schemeClr val="phClr"/>
+        </a:solidFill>
+        <a:gradFill rotWithShape="1">
+          <a:gsLst>
+            <a:gs pos="0">
+              <a:schemeClr val="phClr">
+                <a:lumMod val="110000"/>
+                <a:satMod val="105000"/>
+                <a:tint val="67000"/>
+              </a:schemeClr>
+            </a:gs>
+            <a:gs pos="50000">
+              <a:schemeClr val="phClr">
+                <a:lumMod val="105000"/>
+                <a:satMod val="103000"/>
+                <a:tint val="73000"/>
+              </a:schemeClr>
+            </a:gs>
+            <a:gs pos="100000">
+              <a:schemeClr val="phClr">
+                <a:lumMod val="105000"/>
+                <a:satMod val="109000"/>
+                <a:tint val="81000"/>
+              </a:schemeClr>
+            </a:gs>
+          </a:gsLst>
+          <a:lin ang="5400000" scaled="0"/>
+        </a:gradFill>
+        <a:gradFill rotWithShape="1">
+          <a:gsLst>
+            <a:gs pos="0">
+              <a:schemeClr val="phClr">
+                <a:satMod val="103000"/>
+                <a:lumMod val="102000"/>
+                <a:tint val="94000"/>
+              </a:schemeClr>
+            </a:gs>
+            <a:gs pos="50000">
+              <a:schemeClr val="phClr">
+                <a:satMod val="110000"/>
+                <a:lumMod val="100000"/>
+                <a:shade val="100000"/>
+              </a:schemeClr>
+            </a:gs>
+            <a:gs pos="100000">
+              <a:schemeClr val="phClr">
+                <a:lumMod val="99000"/>
+                <a:satMod val="120000"/>
+                <a:shade val="78000"/>
+              </a:schemeClr>
+            </a:gs>
+          </a:gsLst>
+          <a:lin ang="5400000" scaled="0"/>
+        </a:gradFill>
+      </a:fillStyleLst>
+      <a:lnStyleLst>
+        <a:ln w="12700" cap="flat" cmpd="sng" algn="ctr">
+          <a:solidFill>
+            <a:schemeClr val="phClr"/>
+          </a:solidFill>
+          <a:prstDash val="solid"/>
+          <a:miter lim="800000"/>
+        </a:ln>
+        <a:ln w="19050" cap="flat" cmpd="sng" algn="ctr">
+          <a:solidFill>
+            <a:schemeClr val="phClr"/>
+          </a:solidFill>
+          <a:prstDash val="solid"/>
+          <a:miter lim="800000"/>
+        </a:ln>
+        <a:ln w="25400" cap="flat" cmpd="sng" algn="ctr">
+          <a:solidFill>
+            <a:schemeClr val="phClr"/>
+          </a:solidFill>
+          <a:prstDash val="solid"/>
+          <a:miter lim="800000"/>
+        </a:ln>
+      </a:lnStyleLst>
+      <a:effectStyleLst>
+        <a:effectStyle>
+          <a:effectLst/>
+        </a:effectStyle>
+        <a:effectStyle>
+          <a:effectLst/>
+        </a:effectStyle>
+        <a:effectStyle>
+          <a:effectLst>
+            <a:outerShdw blurRad="57150" dist="19050" dir="5400000" algn="ctr" rotWithShape="0">
+              <a:srgbClr val="000000">
+                <a:alpha val="63000"/>
+              </a:srgbClr>
+            </a:outerShdw>
+          </a:effectLst>
+        </a:effectStyle>
+      </a:effectStyleLst>
+      <a:bgFillStyleLst>
+        <a:solidFill>
+          <a:schemeClr val="phClr"/>
+        </a:solidFill>
+        <a:solidFill>
+          <a:schemeClr val="phClr">
+            <a:tint val="95000"/>
+            <a:satMod val="170000"/>
+          </a:schemeClr>
+        </a:solidFill>
+        <a:gradFill rotWithShape="1">
+          <a:gsLst>
+            <a:gs pos="0">
+              <a:schemeClr val="phClr">
+                <a:tint val="93000"/>
+                <a:satMod val="150000"/>
+                <a:shade val="98000"/>
+                <a:lumMod val="102000"/>
+              </a:schemeClr>
+            </a:gs>
+            <a:gs pos="50000">
+              <a:schemeClr val="phClr">
+                <a:tint val="98000"/>
+                <a:satMod val="130000"/>
+                <a:shade val="90000"/>
+                <a:lumMod val="103000"/>
+              </a:schemeClr>
+            </a:gs>
+            <a:gs pos="100000">
+              <a:schemeClr val="phClr">
+                <a:shade val="63000"/>
+                <a:satMod val="120000"/>
+              </a:schemeClr>
+            </a:gs>
+          </a:gsLst>
+          <a:lin ang="5400000" scaled="0"/>
+        </a:gradFill>
+      </a:bgFillStyleLst>
+    </a:fmtScheme>
+  </a:themeElements>
+  <a:objectDefaults>
+    <a:lnDef>
+      <a:spPr/>
+      <a:bodyPr/>
+      <a:lstStyle/>
+      <a:style>
+        <a:lnRef idx="2">
+          <a:schemeClr val="accent1"/>
+        </a:lnRef>
+        <a:fillRef idx="0">
+          <a:schemeClr val="accent1"/>
+        </a:fillRef>
+        <a:effectRef idx="1">
+          <a:schemeClr val="accent1"/>
+        </a:effectRef>
+        <a:fontRef idx="minor">
+          <a:schemeClr val="tx1"/>
+        </a:fontRef>
+      </a:style>
+    </a:lnDef>
+  </a:objectDefaults>
+  <a:extraClrSchemeLst/>
+  <a:extLst>
+    <a:ext uri="{05A4C25C-085E-4340-85A3-A5531E510DB2}">
+      <thm15:themeFamily xmlns:thm15="http://schemas.microsoft.com/office/thememl/2012/main" name="Office Theme" id="{2E142A2C-CD16-42D6-873A-C26D2A0506FA}" vid="{1BDDFF52-6CD6-40A5-AB3C-68EB2F1E4D0A}"/>
+    </a:ext>
+  </a:extLst>
+</a:theme>
 </file>
--- a/Báo cáo/ThesisReport.pptx
+++ b/Báo cáo/ThesisReport.pptx
@@ -5,7 +5,7 @@
     <p:sldMasterId id="2147483648" r:id="rId1"/>
   </p:sldMasterIdLst>
   <p:notesMasterIdLst>
-    <p:notesMasterId r:id="rId32"/>
+    <p:notesMasterId r:id="rId33"/>
   </p:notesMasterIdLst>
   <p:sldIdLst>
     <p:sldId id="271" r:id="rId2"/>
@@ -16,8 +16,8 @@
     <p:sldId id="286" r:id="rId7"/>
     <p:sldId id="281" r:id="rId8"/>
     <p:sldId id="284" r:id="rId9"/>
-    <p:sldId id="300" r:id="rId10"/>
-    <p:sldId id="299" r:id="rId11"/>
+    <p:sldId id="299" r:id="rId10"/>
+    <p:sldId id="300" r:id="rId11"/>
     <p:sldId id="292" r:id="rId12"/>
     <p:sldId id="296" r:id="rId13"/>
     <p:sldId id="293" r:id="rId14"/>
@@ -32,12 +32,13 @@
     <p:sldId id="278" r:id="rId23"/>
     <p:sldId id="285" r:id="rId24"/>
     <p:sldId id="279" r:id="rId25"/>
-    <p:sldId id="273" r:id="rId26"/>
-    <p:sldId id="272" r:id="rId27"/>
-    <p:sldId id="270" r:id="rId28"/>
-    <p:sldId id="261" r:id="rId29"/>
-    <p:sldId id="283" r:id="rId30"/>
-    <p:sldId id="267" r:id="rId31"/>
+    <p:sldId id="301" r:id="rId26"/>
+    <p:sldId id="273" r:id="rId27"/>
+    <p:sldId id="272" r:id="rId28"/>
+    <p:sldId id="270" r:id="rId29"/>
+    <p:sldId id="261" r:id="rId30"/>
+    <p:sldId id="283" r:id="rId31"/>
+    <p:sldId id="267" r:id="rId32"/>
   </p:sldIdLst>
   <p:sldSz cx="12192000" cy="6858000"/>
   <p:notesSz cx="6858000" cy="9144000"/>
@@ -226,7 +227,7 @@
           <a:p>
             <a:fld id="{36BB93D1-677A-4727-ACB1-B4ED1776CBF7}" type="datetimeFigureOut">
               <a:rPr lang="vi-VN" smtClean="0"/>
-              <a:t>10/12/2025</a:t>
+              <a:t>11/12/2025</a:t>
             </a:fld>
             <a:endParaRPr lang="vi-VN"/>
           </a:p>
@@ -522,6 +523,13 @@
           </p:nvPr>
         </p:nvSpPr>
         <p:spPr/>
+        <p:txBody>
+          <a:bodyPr/>
+          <a:lstStyle/>
+          <a:p>
+            <a:endParaRPr lang="en-US"/>
+          </a:p>
+        </p:txBody>
       </p:sp>
       <p:sp>
         <p:nvSpPr>
@@ -618,6 +626,13 @@
           </p:nvPr>
         </p:nvSpPr>
         <p:spPr/>
+        <p:txBody>
+          <a:bodyPr/>
+          <a:lstStyle/>
+          <a:p>
+            <a:endParaRPr lang="en-US"/>
+          </a:p>
+        </p:txBody>
       </p:sp>
       <p:sp>
         <p:nvSpPr>
@@ -726,6 +741,13 @@
           </p:nvPr>
         </p:nvSpPr>
         <p:spPr/>
+        <p:txBody>
+          <a:bodyPr/>
+          <a:lstStyle/>
+          <a:p>
+            <a:endParaRPr lang="en-US"/>
+          </a:p>
+        </p:txBody>
       </p:sp>
       <p:sp>
         <p:nvSpPr>
@@ -834,6 +856,13 @@
           </p:nvPr>
         </p:nvSpPr>
         <p:spPr/>
+        <p:txBody>
+          <a:bodyPr/>
+          <a:lstStyle/>
+          <a:p>
+            <a:endParaRPr lang="en-US"/>
+          </a:p>
+        </p:txBody>
       </p:sp>
       <p:sp>
         <p:nvSpPr>
@@ -942,6 +971,13 @@
           </p:nvPr>
         </p:nvSpPr>
         <p:spPr/>
+        <p:txBody>
+          <a:bodyPr/>
+          <a:lstStyle/>
+          <a:p>
+            <a:endParaRPr lang="en-US"/>
+          </a:p>
+        </p:txBody>
       </p:sp>
       <p:sp>
         <p:nvSpPr>
@@ -1050,6 +1086,13 @@
           </p:nvPr>
         </p:nvSpPr>
         <p:spPr/>
+        <p:txBody>
+          <a:bodyPr/>
+          <a:lstStyle/>
+          <a:p>
+            <a:endParaRPr lang="en-US"/>
+          </a:p>
+        </p:txBody>
       </p:sp>
       <p:sp>
         <p:nvSpPr>
@@ -1221,7 +1264,7 @@
           <a:p>
             <a:fld id="{A67E2EB4-AAAC-4D92-8F4B-6C8B3AB9BD3F}" type="slidenum">
               <a:rPr lang="vi-VN" smtClean="0"/>
-              <a:t>26</a:t>
+              <a:t>27</a:t>
             </a:fld>
             <a:endParaRPr lang="vi-VN"/>
           </a:p>
@@ -1324,7 +1367,7 @@
           <a:p>
             <a:fld id="{A67E2EB4-AAAC-4D92-8F4B-6C8B3AB9BD3F}" type="slidenum">
               <a:rPr lang="vi-VN" smtClean="0"/>
-              <a:t>27</a:t>
+              <a:t>28</a:t>
             </a:fld>
             <a:endParaRPr lang="vi-VN"/>
           </a:p>
@@ -1383,6 +1426,13 @@
           </p:nvPr>
         </p:nvSpPr>
         <p:spPr/>
+        <p:txBody>
+          <a:bodyPr/>
+          <a:lstStyle/>
+          <a:p>
+            <a:endParaRPr lang="en-US"/>
+          </a:p>
+        </p:txBody>
       </p:sp>
       <p:sp>
         <p:nvSpPr>
@@ -1432,7 +1482,7 @@
           <a:p>
             <a:fld id="{A67E2EB4-AAAC-4D92-8F4B-6C8B3AB9BD3F}" type="slidenum">
               <a:rPr lang="vi-VN" smtClean="0"/>
-              <a:t>29</a:t>
+              <a:t>30</a:t>
             </a:fld>
             <a:endParaRPr lang="vi-VN"/>
           </a:p>
@@ -1491,6 +1541,13 @@
           </p:nvPr>
         </p:nvSpPr>
         <p:spPr/>
+        <p:txBody>
+          <a:bodyPr/>
+          <a:lstStyle/>
+          <a:p>
+            <a:endParaRPr lang="en-US"/>
+          </a:p>
+        </p:txBody>
       </p:sp>
       <p:sp>
         <p:nvSpPr>
@@ -1599,6 +1656,13 @@
           </p:nvPr>
         </p:nvSpPr>
         <p:spPr/>
+        <p:txBody>
+          <a:bodyPr/>
+          <a:lstStyle/>
+          <a:p>
+            <a:endParaRPr lang="en-US"/>
+          </a:p>
+        </p:txBody>
       </p:sp>
       <p:sp>
         <p:nvSpPr>
@@ -1707,6 +1771,13 @@
           </p:nvPr>
         </p:nvSpPr>
         <p:spPr/>
+        <p:txBody>
+          <a:bodyPr/>
+          <a:lstStyle/>
+          <a:p>
+            <a:endParaRPr lang="en-US"/>
+          </a:p>
+        </p:txBody>
       </p:sp>
       <p:sp>
         <p:nvSpPr>
@@ -1815,6 +1886,13 @@
           </p:nvPr>
         </p:nvSpPr>
         <p:spPr/>
+        <p:txBody>
+          <a:bodyPr/>
+          <a:lstStyle/>
+          <a:p>
+            <a:endParaRPr lang="en-US"/>
+          </a:p>
+        </p:txBody>
       </p:sp>
       <p:sp>
         <p:nvSpPr>
@@ -1884,6 +1962,121 @@
 </file>
 
 <file path=ppt/notesSlides/notesSlide6.xml><?xml version="1.0" encoding="utf-8"?>
+<p:notes xmlns:a="http://schemas.openxmlformats.org/drawingml/2006/main" xmlns:r="http://schemas.openxmlformats.org/officeDocument/2006/relationships" xmlns:p="http://schemas.openxmlformats.org/presentationml/2006/main">
+  <p:cSld>
+    <p:spTree>
+      <p:nvGrpSpPr>
+        <p:cNvPr id="1" name="">
+          <a:extLst>
+            <a:ext uri="{FF2B5EF4-FFF2-40B4-BE49-F238E27FC236}">
+              <a16:creationId xmlns:a16="http://schemas.microsoft.com/office/drawing/2014/main" id="{651C9864-09C4-6054-51AE-EF6145664A7E}"/>
+            </a:ext>
+          </a:extLst>
+        </p:cNvPr>
+        <p:cNvGrpSpPr/>
+        <p:nvPr/>
+      </p:nvGrpSpPr>
+      <p:grpSpPr>
+        <a:xfrm>
+          <a:off x="0" y="0"/>
+          <a:ext cx="0" cy="0"/>
+          <a:chOff x="0" y="0"/>
+          <a:chExt cx="0" cy="0"/>
+        </a:xfrm>
+      </p:grpSpPr>
+      <p:sp>
+        <p:nvSpPr>
+          <p:cNvPr id="2" name="Slide Image Placeholder 1">
+            <a:extLst>
+              <a:ext uri="{FF2B5EF4-FFF2-40B4-BE49-F238E27FC236}">
+                <a16:creationId xmlns:a16="http://schemas.microsoft.com/office/drawing/2014/main" id="{46447CCC-3455-EB21-8BCD-2FE5D89A2B2E}"/>
+              </a:ext>
+            </a:extLst>
+          </p:cNvPr>
+          <p:cNvSpPr>
+            <a:spLocks noGrp="1" noRot="1" noChangeAspect="1"/>
+          </p:cNvSpPr>
+          <p:nvPr>
+            <p:ph type="sldImg"/>
+          </p:nvPr>
+        </p:nvSpPr>
+        <p:spPr/>
+        <p:txBody>
+          <a:bodyPr/>
+          <a:lstStyle/>
+          <a:p>
+            <a:endParaRPr lang="en-US"/>
+          </a:p>
+        </p:txBody>
+      </p:sp>
+      <p:sp>
+        <p:nvSpPr>
+          <p:cNvPr id="3" name="Notes Placeholder 2">
+            <a:extLst>
+              <a:ext uri="{FF2B5EF4-FFF2-40B4-BE49-F238E27FC236}">
+                <a16:creationId xmlns:a16="http://schemas.microsoft.com/office/drawing/2014/main" id="{2FED74A4-0917-7F79-352A-367026DCD2FE}"/>
+              </a:ext>
+            </a:extLst>
+          </p:cNvPr>
+          <p:cNvSpPr>
+            <a:spLocks noGrp="1"/>
+          </p:cNvSpPr>
+          <p:nvPr>
+            <p:ph type="body" idx="1"/>
+          </p:nvPr>
+        </p:nvSpPr>
+        <p:spPr/>
+        <p:txBody>
+          <a:bodyPr/>
+          <a:lstStyle/>
+          <a:p>
+            <a:endParaRPr lang="en-US" dirty="0"/>
+          </a:p>
+        </p:txBody>
+      </p:sp>
+      <p:sp>
+        <p:nvSpPr>
+          <p:cNvPr id="4" name="Slide Number Placeholder 3">
+            <a:extLst>
+              <a:ext uri="{FF2B5EF4-FFF2-40B4-BE49-F238E27FC236}">
+                <a16:creationId xmlns:a16="http://schemas.microsoft.com/office/drawing/2014/main" id="{9D7E5CA7-A5B7-5F79-F8FD-B8F4C922A232}"/>
+              </a:ext>
+            </a:extLst>
+          </p:cNvPr>
+          <p:cNvSpPr>
+            <a:spLocks noGrp="1"/>
+          </p:cNvSpPr>
+          <p:nvPr>
+            <p:ph type="sldNum" sz="quarter" idx="5"/>
+          </p:nvPr>
+        </p:nvSpPr>
+        <p:spPr/>
+        <p:txBody>
+          <a:bodyPr/>
+          <a:lstStyle/>
+          <a:p>
+            <a:fld id="{A67E2EB4-AAAC-4D92-8F4B-6C8B3AB9BD3F}" type="slidenum">
+              <a:rPr lang="vi-VN" smtClean="0"/>
+              <a:t>9</a:t>
+            </a:fld>
+            <a:endParaRPr lang="vi-VN"/>
+          </a:p>
+        </p:txBody>
+      </p:sp>
+    </p:spTree>
+    <p:extLst>
+      <p:ext uri="{BB962C8B-B14F-4D97-AF65-F5344CB8AC3E}">
+        <p14:creationId xmlns:p14="http://schemas.microsoft.com/office/powerpoint/2010/main" val="1375273524"/>
+      </p:ext>
+    </p:extLst>
+  </p:cSld>
+  <p:clrMapOvr>
+    <a:masterClrMapping/>
+  </p:clrMapOvr>
+</p:notes>
+</file>
+
+<file path=ppt/notesSlides/notesSlide7.xml><?xml version="1.0" encoding="utf-8"?>
 <p:notes xmlns:a="http://schemas.openxmlformats.org/drawingml/2006/main" xmlns:r="http://schemas.openxmlformats.org/officeDocument/2006/relationships" xmlns:p="http://schemas.openxmlformats.org/presentationml/2006/main">
   <p:cSld>
     <p:spTree>
@@ -1923,6 +2116,13 @@
           </p:nvPr>
         </p:nvSpPr>
         <p:spPr/>
+        <p:txBody>
+          <a:bodyPr/>
+          <a:lstStyle/>
+          <a:p>
+            <a:endParaRPr lang="en-US"/>
+          </a:p>
+        </p:txBody>
       </p:sp>
       <p:sp>
         <p:nvSpPr>
@@ -1972,7 +2172,7 @@
           <a:p>
             <a:fld id="{A67E2EB4-AAAC-4D92-8F4B-6C8B3AB9BD3F}" type="slidenum">
               <a:rPr lang="vi-VN" smtClean="0"/>
-              <a:t>9</a:t>
+              <a:t>10</a:t>
             </a:fld>
             <a:endParaRPr lang="vi-VN"/>
           </a:p>
@@ -1982,114 +2182,6 @@
     <p:extLst>
       <p:ext uri="{BB962C8B-B14F-4D97-AF65-F5344CB8AC3E}">
         <p14:creationId xmlns:p14="http://schemas.microsoft.com/office/powerpoint/2010/main" val="3439148564"/>
-      </p:ext>
-    </p:extLst>
-  </p:cSld>
-  <p:clrMapOvr>
-    <a:masterClrMapping/>
-  </p:clrMapOvr>
-</p:notes>
-</file>
-
-<file path=ppt/notesSlides/notesSlide7.xml><?xml version="1.0" encoding="utf-8"?>
-<p:notes xmlns:a="http://schemas.openxmlformats.org/drawingml/2006/main" xmlns:r="http://schemas.openxmlformats.org/officeDocument/2006/relationships" xmlns:p="http://schemas.openxmlformats.org/presentationml/2006/main">
-  <p:cSld>
-    <p:spTree>
-      <p:nvGrpSpPr>
-        <p:cNvPr id="1" name="">
-          <a:extLst>
-            <a:ext uri="{FF2B5EF4-FFF2-40B4-BE49-F238E27FC236}">
-              <a16:creationId xmlns:a16="http://schemas.microsoft.com/office/drawing/2014/main" id="{651C9864-09C4-6054-51AE-EF6145664A7E}"/>
-            </a:ext>
-          </a:extLst>
-        </p:cNvPr>
-        <p:cNvGrpSpPr/>
-        <p:nvPr/>
-      </p:nvGrpSpPr>
-      <p:grpSpPr>
-        <a:xfrm>
-          <a:off x="0" y="0"/>
-          <a:ext cx="0" cy="0"/>
-          <a:chOff x="0" y="0"/>
-          <a:chExt cx="0" cy="0"/>
-        </a:xfrm>
-      </p:grpSpPr>
-      <p:sp>
-        <p:nvSpPr>
-          <p:cNvPr id="2" name="Slide Image Placeholder 1">
-            <a:extLst>
-              <a:ext uri="{FF2B5EF4-FFF2-40B4-BE49-F238E27FC236}">
-                <a16:creationId xmlns:a16="http://schemas.microsoft.com/office/drawing/2014/main" id="{46447CCC-3455-EB21-8BCD-2FE5D89A2B2E}"/>
-              </a:ext>
-            </a:extLst>
-          </p:cNvPr>
-          <p:cNvSpPr>
-            <a:spLocks noGrp="1" noRot="1" noChangeAspect="1"/>
-          </p:cNvSpPr>
-          <p:nvPr>
-            <p:ph type="sldImg"/>
-          </p:nvPr>
-        </p:nvSpPr>
-        <p:spPr/>
-      </p:sp>
-      <p:sp>
-        <p:nvSpPr>
-          <p:cNvPr id="3" name="Notes Placeholder 2">
-            <a:extLst>
-              <a:ext uri="{FF2B5EF4-FFF2-40B4-BE49-F238E27FC236}">
-                <a16:creationId xmlns:a16="http://schemas.microsoft.com/office/drawing/2014/main" id="{2FED74A4-0917-7F79-352A-367026DCD2FE}"/>
-              </a:ext>
-            </a:extLst>
-          </p:cNvPr>
-          <p:cNvSpPr>
-            <a:spLocks noGrp="1"/>
-          </p:cNvSpPr>
-          <p:nvPr>
-            <p:ph type="body" idx="1"/>
-          </p:nvPr>
-        </p:nvSpPr>
-        <p:spPr/>
-        <p:txBody>
-          <a:bodyPr/>
-          <a:lstStyle/>
-          <a:p>
-            <a:endParaRPr lang="en-US" dirty="0"/>
-          </a:p>
-        </p:txBody>
-      </p:sp>
-      <p:sp>
-        <p:nvSpPr>
-          <p:cNvPr id="4" name="Slide Number Placeholder 3">
-            <a:extLst>
-              <a:ext uri="{FF2B5EF4-FFF2-40B4-BE49-F238E27FC236}">
-                <a16:creationId xmlns:a16="http://schemas.microsoft.com/office/drawing/2014/main" id="{9D7E5CA7-A5B7-5F79-F8FD-B8F4C922A232}"/>
-              </a:ext>
-            </a:extLst>
-          </p:cNvPr>
-          <p:cNvSpPr>
-            <a:spLocks noGrp="1"/>
-          </p:cNvSpPr>
-          <p:nvPr>
-            <p:ph type="sldNum" sz="quarter" idx="5"/>
-          </p:nvPr>
-        </p:nvSpPr>
-        <p:spPr/>
-        <p:txBody>
-          <a:bodyPr/>
-          <a:lstStyle/>
-          <a:p>
-            <a:fld id="{A67E2EB4-AAAC-4D92-8F4B-6C8B3AB9BD3F}" type="slidenum">
-              <a:rPr lang="vi-VN" smtClean="0"/>
-              <a:t>10</a:t>
-            </a:fld>
-            <a:endParaRPr lang="vi-VN"/>
-          </a:p>
-        </p:txBody>
-      </p:sp>
-    </p:spTree>
-    <p:extLst>
-      <p:ext uri="{BB962C8B-B14F-4D97-AF65-F5344CB8AC3E}">
-        <p14:creationId xmlns:p14="http://schemas.microsoft.com/office/powerpoint/2010/main" val="1375273524"/>
       </p:ext>
     </p:extLst>
   </p:cSld>
@@ -2139,6 +2231,13 @@
           </p:nvPr>
         </p:nvSpPr>
         <p:spPr/>
+        <p:txBody>
+          <a:bodyPr/>
+          <a:lstStyle/>
+          <a:p>
+            <a:endParaRPr lang="en-US"/>
+          </a:p>
+        </p:txBody>
       </p:sp>
       <p:sp>
         <p:nvSpPr>
@@ -2247,6 +2346,13 @@
           </p:nvPr>
         </p:nvSpPr>
         <p:spPr/>
+        <p:txBody>
+          <a:bodyPr/>
+          <a:lstStyle/>
+          <a:p>
+            <a:endParaRPr lang="en-US"/>
+          </a:p>
+        </p:txBody>
       </p:sp>
       <p:sp>
         <p:nvSpPr>
@@ -3103,7 +3209,7 @@
             <a:fld id="{D86B3AB3-BDCC-41BF-8781-963E853753C3}" type="datetime1">
               <a:rPr lang="en-US" smtClean="0"/>
               <a:pPr/>
-              <a:t>10-Dec-25</a:t>
+              <a:t>11-Dec-25</a:t>
             </a:fld>
             <a:endParaRPr lang="en-US"/>
           </a:p>
@@ -4376,7 +4482,7 @@
             <a:fld id="{D86B3AB3-BDCC-41BF-8781-963E853753C3}" type="datetime1">
               <a:rPr lang="en-US" smtClean="0"/>
               <a:pPr/>
-              <a:t>10-Dec-25</a:t>
+              <a:t>11-Dec-25</a:t>
             </a:fld>
             <a:endParaRPr lang="en-US"/>
           </a:p>
@@ -5473,7 +5579,7 @@
             <a:fld id="{D86B3AB3-BDCC-41BF-8781-963E853753C3}" type="datetime1">
               <a:rPr lang="en-US" smtClean="0"/>
               <a:pPr/>
-              <a:t>10-Dec-25</a:t>
+              <a:t>11-Dec-25</a:t>
             </a:fld>
             <a:endParaRPr lang="en-US"/>
           </a:p>
@@ -6598,7 +6704,7 @@
             <a:fld id="{D86B3AB3-BDCC-41BF-8781-963E853753C3}" type="datetime1">
               <a:rPr lang="en-US" smtClean="0"/>
               <a:pPr/>
-              <a:t>10-Dec-25</a:t>
+              <a:t>11-Dec-25</a:t>
             </a:fld>
             <a:endParaRPr lang="en-US"/>
           </a:p>
@@ -7581,7 +7687,7 @@
             <a:fld id="{D86B3AB3-BDCC-41BF-8781-963E853753C3}" type="datetime1">
               <a:rPr lang="en-US" smtClean="0"/>
               <a:pPr/>
-              <a:t>10-Dec-25</a:t>
+              <a:t>11-Dec-25</a:t>
             </a:fld>
             <a:endParaRPr lang="en-US"/>
           </a:p>
@@ -8564,7 +8670,7 @@
             <a:fld id="{D86B3AB3-BDCC-41BF-8781-963E853753C3}" type="datetime1">
               <a:rPr lang="en-US" smtClean="0"/>
               <a:pPr/>
-              <a:t>10-Dec-25</a:t>
+              <a:t>11-Dec-25</a:t>
             </a:fld>
             <a:endParaRPr lang="en-US"/>
           </a:p>
@@ -9568,7 +9674,7 @@
             <a:fld id="{D86B3AB3-BDCC-41BF-8781-963E853753C3}" type="datetime1">
               <a:rPr lang="en-US" smtClean="0"/>
               <a:pPr/>
-              <a:t>10-Dec-25</a:t>
+              <a:t>11-Dec-25</a:t>
             </a:fld>
             <a:endParaRPr lang="en-US"/>
           </a:p>
@@ -10657,7 +10763,7 @@
             <a:fld id="{D86B3AB3-BDCC-41BF-8781-963E853753C3}" type="datetime1">
               <a:rPr lang="en-US" smtClean="0"/>
               <a:pPr/>
-              <a:t>10-Dec-25</a:t>
+              <a:t>11-Dec-25</a:t>
             </a:fld>
             <a:endParaRPr lang="en-US"/>
           </a:p>
@@ -11567,7 +11673,7 @@
             <a:fld id="{D86B3AB3-BDCC-41BF-8781-963E853753C3}" type="datetime1">
               <a:rPr lang="en-US" smtClean="0"/>
               <a:pPr/>
-              <a:t>10-Dec-25</a:t>
+              <a:t>11-Dec-25</a:t>
             </a:fld>
             <a:endParaRPr lang="en-US"/>
           </a:p>
@@ -13014,7 +13120,7 @@
             <a:fld id="{D86B3AB3-BDCC-41BF-8781-963E853753C3}" type="datetime1">
               <a:rPr lang="en-US" smtClean="0"/>
               <a:pPr/>
-              <a:t>10-Dec-25</a:t>
+              <a:t>11-Dec-25</a:t>
             </a:fld>
             <a:endParaRPr lang="en-US"/>
           </a:p>
@@ -14233,7 +14339,7 @@
             <a:fld id="{D86B3AB3-BDCC-41BF-8781-963E853753C3}" type="datetime1">
               <a:rPr lang="en-US" smtClean="0"/>
               <a:pPr/>
-              <a:t>10-Dec-25</a:t>
+              <a:t>11-Dec-25</a:t>
             </a:fld>
             <a:endParaRPr lang="en-US"/>
           </a:p>
@@ -15054,7 +15160,7 @@
             <a:fld id="{D86B3AB3-BDCC-41BF-8781-963E853753C3}" type="datetime1">
               <a:rPr lang="en-US" smtClean="0"/>
               <a:pPr/>
-              <a:t>10-Dec-25</a:t>
+              <a:t>11-Dec-25</a:t>
             </a:fld>
             <a:endParaRPr lang="en-US"/>
           </a:p>
@@ -16264,7 +16370,7 @@
             <a:fld id="{D86B3AB3-BDCC-41BF-8781-963E853753C3}" type="datetime1">
               <a:rPr lang="en-US" smtClean="0"/>
               <a:pPr/>
-              <a:t>10-Dec-25</a:t>
+              <a:t>11-Dec-25</a:t>
             </a:fld>
             <a:endParaRPr lang="en-US"/>
           </a:p>
@@ -17108,7 +17214,7 @@
             <a:fld id="{D86B3AB3-BDCC-41BF-8781-963E853753C3}" type="datetime1">
               <a:rPr lang="en-US" smtClean="0"/>
               <a:pPr/>
-              <a:t>10-Dec-25</a:t>
+              <a:t>11-Dec-25</a:t>
             </a:fld>
             <a:endParaRPr lang="en-US"/>
           </a:p>
@@ -17813,7 +17919,7 @@
             <a:fld id="{D86B3AB3-BDCC-41BF-8781-963E853753C3}" type="datetime1">
               <a:rPr lang="en-US" smtClean="0"/>
               <a:pPr/>
-              <a:t>10-Dec-25</a:t>
+              <a:t>11-Dec-25</a:t>
             </a:fld>
             <a:endParaRPr lang="en-US"/>
           </a:p>
@@ -18539,7 +18645,7 @@
             <a:fld id="{D86B3AB3-BDCC-41BF-8781-963E853753C3}" type="datetime1">
               <a:rPr lang="en-US" smtClean="0"/>
               <a:pPr/>
-              <a:t>10-Dec-25</a:t>
+              <a:t>11-Dec-25</a:t>
             </a:fld>
             <a:endParaRPr lang="en-US"/>
           </a:p>
@@ -19339,7 +19445,7 @@
             <a:fld id="{D86B3AB3-BDCC-41BF-8781-963E853753C3}" type="datetime1">
               <a:rPr lang="en-US" smtClean="0"/>
               <a:pPr/>
-              <a:t>10-Dec-25</a:t>
+              <a:t>11-Dec-25</a:t>
             </a:fld>
             <a:endParaRPr lang="en-US"/>
           </a:p>
@@ -20142,7 +20248,7 @@
             <a:fld id="{D86B3AB3-BDCC-41BF-8781-963E853753C3}" type="datetime1">
               <a:rPr lang="en-US" smtClean="0"/>
               <a:pPr/>
-              <a:t>10-Dec-25</a:t>
+              <a:t>11-Dec-25</a:t>
             </a:fld>
             <a:endParaRPr lang="en-US"/>
           </a:p>
@@ -23116,7 +23222,7 @@
             <a:fld id="{D86B3AB3-BDCC-41BF-8781-963E853753C3}" type="datetime1">
               <a:rPr lang="en-US" smtClean="0"/>
               <a:pPr/>
-              <a:t>10-Dec-25</a:t>
+              <a:t>11-Dec-25</a:t>
             </a:fld>
             <a:endParaRPr lang="en-US"/>
           </a:p>
@@ -26246,7 +26352,7 @@
             <a:fld id="{D86B3AB3-BDCC-41BF-8781-963E853753C3}" type="datetime1">
               <a:rPr lang="en-US" smtClean="0"/>
               <a:pPr/>
-              <a:t>10-Dec-25</a:t>
+              <a:t>11-Dec-25</a:t>
             </a:fld>
             <a:endParaRPr lang="en-US"/>
           </a:p>
@@ -27262,7 +27368,7 @@
             <a:fld id="{D86B3AB3-BDCC-41BF-8781-963E853753C3}" type="datetime1">
               <a:rPr lang="en-US" smtClean="0"/>
               <a:pPr/>
-              <a:t>10-Dec-25</a:t>
+              <a:t>11-Dec-25</a:t>
             </a:fld>
             <a:endParaRPr lang="en-US"/>
           </a:p>
@@ -29364,7 +29470,7 @@
             <a:fld id="{D86B3AB3-BDCC-41BF-8781-963E853753C3}" type="datetime1">
               <a:rPr lang="en-US" smtClean="0"/>
               <a:pPr/>
-              <a:t>10-Dec-25</a:t>
+              <a:t>11-Dec-25</a:t>
             </a:fld>
             <a:endParaRPr lang="en-US"/>
           </a:p>
@@ -31559,7 +31665,7 @@
             <a:fld id="{D86B3AB3-BDCC-41BF-8781-963E853753C3}" type="datetime1">
               <a:rPr lang="en-US" smtClean="0"/>
               <a:pPr/>
-              <a:t>10-Dec-25</a:t>
+              <a:t>11-Dec-25</a:t>
             </a:fld>
             <a:endParaRPr lang="en-US"/>
           </a:p>
@@ -32746,7 +32852,7 @@
             <a:fld id="{D86B3AB3-BDCC-41BF-8781-963E853753C3}" type="datetime1">
               <a:rPr lang="en-US" smtClean="0"/>
               <a:pPr/>
-              <a:t>10-Dec-25</a:t>
+              <a:t>11-Dec-25</a:t>
             </a:fld>
             <a:endParaRPr lang="en-US"/>
           </a:p>
@@ -33826,7 +33932,7 @@
             <a:fld id="{D86B3AB3-BDCC-41BF-8781-963E853753C3}" type="datetime1">
               <a:rPr lang="en-US" smtClean="0"/>
               <a:pPr/>
-              <a:t>10-Dec-25</a:t>
+              <a:t>11-Dec-25</a:t>
             </a:fld>
             <a:endParaRPr lang="en-US"/>
           </a:p>
@@ -34783,7 +34889,7 @@
             <a:fld id="{D86B3AB3-BDCC-41BF-8781-963E853753C3}" type="datetime1">
               <a:rPr lang="en-US" smtClean="0"/>
               <a:pPr/>
-              <a:t>10-Dec-25</a:t>
+              <a:t>11-Dec-25</a:t>
             </a:fld>
             <a:endParaRPr lang="en-US"/>
           </a:p>
@@ -35686,7 +35792,7 @@
             <a:fld id="{D86B3AB3-BDCC-41BF-8781-963E853753C3}" type="datetime1">
               <a:rPr lang="en-US" smtClean="0"/>
               <a:pPr/>
-              <a:t>10-Dec-25</a:t>
+              <a:t>11-Dec-25</a:t>
             </a:fld>
             <a:endParaRPr lang="en-US"/>
           </a:p>
@@ -36621,7 +36727,7 @@
             <a:fld id="{D86B3AB3-BDCC-41BF-8781-963E853753C3}" type="datetime1">
               <a:rPr lang="en-US" smtClean="0"/>
               <a:pPr/>
-              <a:t>10-Dec-25</a:t>
+              <a:t>11-Dec-25</a:t>
             </a:fld>
             <a:endParaRPr lang="en-US"/>
           </a:p>
@@ -37650,7 +37756,7 @@
             <a:fld id="{D86B3AB3-BDCC-41BF-8781-963E853753C3}" type="datetime1">
               <a:rPr lang="en-US" smtClean="0"/>
               <a:pPr/>
-              <a:t>10-Dec-25</a:t>
+              <a:t>11-Dec-25</a:t>
             </a:fld>
             <a:endParaRPr lang="en-US"/>
           </a:p>
@@ -38041,7 +38147,7 @@
             <a:fld id="{00D1CE85-AA59-46D7-98F4-301D80B40614}" type="datetimeFigureOut">
               <a:rPr lang="en-US" smtClean="0"/>
               <a:pPr/>
-              <a:t>10-Dec-25</a:t>
+              <a:t>11-Dec-25</a:t>
             </a:fld>
             <a:endParaRPr lang="en-US"/>
           </a:p>
@@ -38638,7 +38744,7 @@
         <p:cNvPr id="1" name="">
           <a:extLst>
             <a:ext uri="{FF2B5EF4-FFF2-40B4-BE49-F238E27FC236}">
-              <a16:creationId xmlns:a16="http://schemas.microsoft.com/office/drawing/2014/main" id="{D6B3302F-2E3A-0B18-A55E-29D4E3309E6D}"/>
+              <a16:creationId xmlns:a16="http://schemas.microsoft.com/office/drawing/2014/main" id="{0620BF8C-2B1D-347D-08A0-5065EC1622FD}"/>
             </a:ext>
           </a:extLst>
         </p:cNvPr>
@@ -38658,7 +38764,7 @@
           <p:cNvPr id="2" name="Title 1">
             <a:extLst>
               <a:ext uri="{FF2B5EF4-FFF2-40B4-BE49-F238E27FC236}">
-                <a16:creationId xmlns:a16="http://schemas.microsoft.com/office/drawing/2014/main" id="{0DE05624-1CA7-765B-EB72-63043428EF7A}"/>
+                <a16:creationId xmlns:a16="http://schemas.microsoft.com/office/drawing/2014/main" id="{0C001596-C9BF-FDEE-FF39-A9F8DD96F9A7}"/>
               </a:ext>
             </a:extLst>
           </p:cNvPr>
@@ -38686,7 +38792,7 @@
           <p:cNvPr id="3" name="Content Placeholder 2">
             <a:extLst>
               <a:ext uri="{FF2B5EF4-FFF2-40B4-BE49-F238E27FC236}">
-                <a16:creationId xmlns:a16="http://schemas.microsoft.com/office/drawing/2014/main" id="{2670AC88-4913-68CD-4E45-70F0D66C536D}"/>
+                <a16:creationId xmlns:a16="http://schemas.microsoft.com/office/drawing/2014/main" id="{079AD8B6-ECCA-266A-0B15-B3B8B2A60770}"/>
               </a:ext>
             </a:extLst>
           </p:cNvPr>
@@ -38700,69 +38806,63 @@
         <p:spPr/>
         <p:txBody>
           <a:bodyPr>
-            <a:normAutofit/>
+            <a:normAutofit lnSpcReduction="10000"/>
           </a:bodyPr>
           <a:lstStyle/>
           <a:p>
             <a:r>
               <a:rPr lang="en-US" b="1" dirty="0"/>
-              <a:t>Vision Transformer (ViT) Model</a:t>
+              <a:t>SLIDE 2 — Deep Learning Overview</a:t>
             </a:r>
-            <a:endParaRPr lang="en-US" dirty="0"/>
-          </a:p>
-          <a:p>
-            <a:pPr marL="342900" indent="-342900">
-              <a:buFont typeface="Arial" panose="020B0604020202020204" pitchFamily="34" charset="0"/>
-              <a:buChar char="•"/>
-            </a:pPr>
+          </a:p>
+          <a:p>
             <a:r>
-              <a:rPr lang="en-US" dirty="0"/>
-              <a:t>Image → split into patches → embedded as tokens.</a:t>
-            </a:r>
-          </a:p>
-          <a:p>
-            <a:pPr marL="342900" indent="-342900">
-              <a:buFont typeface="Arial" panose="020B0604020202020204" pitchFamily="34" charset="0"/>
-              <a:buChar char="•"/>
-            </a:pPr>
-            <a:r>
-              <a:rPr lang="en-US" dirty="0"/>
-              <a:t>Multi-Head Self-Attention captures global relationships.</a:t>
-            </a:r>
-          </a:p>
-          <a:p>
-            <a:pPr marL="342900" indent="-342900">
-              <a:buFont typeface="Arial" panose="020B0604020202020204" pitchFamily="34" charset="0"/>
-              <a:buChar char="•"/>
-            </a:pPr>
-            <a:r>
-              <a:rPr lang="en-US" dirty="0"/>
-              <a:t>CLS token produces final class prediction.</a:t>
-            </a:r>
-          </a:p>
-          <a:p>
-            <a:pPr marL="342900" indent="-342900">
-              <a:buFont typeface="Arial" panose="020B0604020202020204" pitchFamily="34" charset="0"/>
-              <a:buChar char="•"/>
-            </a:pPr>
-            <a:r>
-              <a:rPr lang="en-US" dirty="0"/>
-              <a:t>Higher accuracy than ResNet-50, EfficientNet and </a:t>
-            </a:r>
-            <a:r>
-              <a:rPr lang="en-US" dirty="0" err="1"/>
-              <a:t>MobileNet</a:t>
+              <a:rPr lang="en-US" b="1" dirty="0"/>
+              <a:t>Deep Learning</a:t>
             </a:r>
             <a:r>
               <a:rPr lang="en-US" dirty="0"/>
-              <a:t> on the custom dataset.</a:t>
+              <a:t>: Multi-layer neural networks for automatic feature extraction.</a:t>
             </a:r>
           </a:p>
           <a:p>
-            <a:pPr marL="342900" indent="-342900">
-              <a:buFont typeface="Arial" panose="020B0604020202020204" pitchFamily="34" charset="0"/>
-              <a:buChar char="•"/>
-            </a:pPr>
+            <a:r>
+              <a:rPr lang="en-US" b="1" dirty="0"/>
+              <a:t>CNN vs ViT</a:t>
+            </a:r>
+            <a:r>
+              <a:rPr lang="en-US" dirty="0"/>
+              <a:t>:</a:t>
+            </a:r>
+          </a:p>
+          <a:p>
+            <a:pPr lvl="1"/>
+            <a:r>
+              <a:rPr lang="en-US" dirty="0"/>
+              <a:t>CNN: local feature extraction, strong on structured patterns.</a:t>
+            </a:r>
+          </a:p>
+          <a:p>
+            <a:pPr lvl="1"/>
+            <a:r>
+              <a:rPr lang="en-US" dirty="0"/>
+              <a:t>ViT: patch-based attention, better at global context and fine-grained differences.</a:t>
+            </a:r>
+          </a:p>
+          <a:p>
+            <a:r>
+              <a:rPr lang="en-US" b="1" dirty="0"/>
+              <a:t>Why ViT for mushrooms</a:t>
+            </a:r>
+            <a:r>
+              <a:rPr lang="en-US" dirty="0"/>
+              <a:t>: Handles subtle visual details and complex textures.</a:t>
+            </a:r>
+          </a:p>
+          <a:p>
+            <a:br>
+              <a:rPr lang="en-US" dirty="0"/>
+            </a:br>
             <a:endParaRPr lang="en-US" dirty="0"/>
           </a:p>
         </p:txBody>
@@ -38770,7 +38870,7 @@
     </p:spTree>
     <p:extLst>
       <p:ext uri="{BB962C8B-B14F-4D97-AF65-F5344CB8AC3E}">
-        <p14:creationId xmlns:p14="http://schemas.microsoft.com/office/powerpoint/2010/main" val="1847825848"/>
+        <p14:creationId xmlns:p14="http://schemas.microsoft.com/office/powerpoint/2010/main" val="1814031870"/>
       </p:ext>
     </p:extLst>
   </p:cSld>
@@ -38821,12 +38921,14 @@
         </p:nvSpPr>
         <p:spPr/>
         <p:txBody>
-          <a:bodyPr/>
+          <a:bodyPr>
+            <a:normAutofit/>
+          </a:bodyPr>
           <a:lstStyle/>
           <a:p>
             <a:r>
-              <a:rPr lang="en-US" dirty="0"/>
-              <a:t>Theoretical basis &amp; systems analysis</a:t>
+              <a:rPr lang="en-US" sz="6000" dirty="0"/>
+              <a:t>2.3. Dataset &amp; Augmentation</a:t>
             </a:r>
           </a:p>
         </p:txBody>
@@ -38854,12 +38956,6 @@
           </a:bodyPr>
           <a:lstStyle/>
           <a:p>
-            <a:r>
-              <a:rPr lang="en-US" b="1" dirty="0"/>
-              <a:t>Dataset &amp; Augmentation</a:t>
-            </a:r>
-          </a:p>
-          <a:p>
             <a:pPr marL="342900" indent="-342900">
               <a:buFont typeface="Arial" panose="020B0604020202020204" pitchFamily="34" charset="0"/>
               <a:buChar char="•"/>
@@ -38884,15 +38980,7 @@
             </a:r>
             <a:r>
               <a:rPr lang="en-US" dirty="0"/>
-              <a:t>: iNaturalist, Kaggle, </a:t>
-            </a:r>
-            <a:r>
-              <a:rPr lang="en-US" dirty="0" err="1"/>
-              <a:t>WildFoodUK</a:t>
-            </a:r>
-            <a:r>
-              <a:rPr lang="en-US" dirty="0"/>
-              <a:t>, blogs.</a:t>
+              <a:t>: iNaturalist, Kaggle, WildFoodUK, blogs.</a:t>
             </a:r>
           </a:p>
           <a:p>
@@ -38982,42 +39070,14 @@
         </p:nvSpPr>
         <p:spPr/>
         <p:txBody>
-          <a:bodyPr/>
-          <a:lstStyle/>
-          <a:p>
-            <a:r>
-              <a:rPr lang="en-US" dirty="0"/>
-              <a:t>Theoretical basis &amp; systems analysis</a:t>
-            </a:r>
-          </a:p>
-        </p:txBody>
-      </p:sp>
-      <p:sp>
-        <p:nvSpPr>
-          <p:cNvPr id="3" name="Content Placeholder 2">
-            <a:extLst>
-              <a:ext uri="{FF2B5EF4-FFF2-40B4-BE49-F238E27FC236}">
-                <a16:creationId xmlns:a16="http://schemas.microsoft.com/office/drawing/2014/main" id="{86AE6973-111A-B8E5-81AA-5B869417BE49}"/>
-              </a:ext>
-            </a:extLst>
-          </p:cNvPr>
-          <p:cNvSpPr>
-            <a:spLocks noGrp="1"/>
-          </p:cNvSpPr>
-          <p:nvPr>
-            <p:ph idx="1"/>
-          </p:nvPr>
-        </p:nvSpPr>
-        <p:spPr/>
-        <p:txBody>
           <a:bodyPr>
             <a:normAutofit/>
           </a:bodyPr>
           <a:lstStyle/>
           <a:p>
             <a:r>
-              <a:rPr lang="en-US" dirty="0"/>
-              <a:t>SYSTEM ARCHITECTURE OVERVIEW</a:t>
+              <a:rPr lang="en-US" sz="6000" dirty="0"/>
+              <a:t>2.4. System Architecture Overview</a:t>
             </a:r>
           </a:p>
         </p:txBody>
@@ -39044,8 +39104,8 @@
         </p:blipFill>
         <p:spPr>
           <a:xfrm>
-            <a:off x="3788790" y="2066957"/>
-            <a:ext cx="7269164" cy="3868674"/>
+            <a:off x="1978215" y="1733600"/>
+            <a:ext cx="8235570" cy="4382999"/>
           </a:xfrm>
           <a:prstGeom prst="rect">
             <a:avLst/>
@@ -39106,49 +39166,21 @@
         </p:nvSpPr>
         <p:spPr/>
         <p:txBody>
-          <a:bodyPr/>
-          <a:lstStyle/>
-          <a:p>
-            <a:r>
-              <a:rPr lang="en-US" dirty="0"/>
-              <a:t>Theoretical basis &amp; systems analysis</a:t>
-            </a:r>
-          </a:p>
-        </p:txBody>
-      </p:sp>
-      <p:sp>
-        <p:nvSpPr>
-          <p:cNvPr id="3" name="Content Placeholder 2">
-            <a:extLst>
-              <a:ext uri="{FF2B5EF4-FFF2-40B4-BE49-F238E27FC236}">
-                <a16:creationId xmlns:a16="http://schemas.microsoft.com/office/drawing/2014/main" id="{4669F7C4-BB45-1027-A6CA-34F5CA1C9AB2}"/>
-              </a:ext>
-            </a:extLst>
-          </p:cNvPr>
-          <p:cNvSpPr>
-            <a:spLocks noGrp="1"/>
-          </p:cNvSpPr>
-          <p:nvPr>
-            <p:ph idx="1"/>
-          </p:nvPr>
-        </p:nvSpPr>
-        <p:spPr/>
-        <p:txBody>
           <a:bodyPr>
             <a:normAutofit/>
           </a:bodyPr>
           <a:lstStyle/>
           <a:p>
             <a:r>
-              <a:rPr lang="en-US" dirty="0"/>
-              <a:t>Use Case Overview</a:t>
+              <a:rPr lang="en-US" sz="6000" dirty="0"/>
+              <a:t>2.5. Use Case Overview</a:t>
             </a:r>
           </a:p>
         </p:txBody>
       </p:sp>
       <p:pic>
         <p:nvPicPr>
-          <p:cNvPr id="4" name="Picture 3">
+          <p:cNvPr id="5" name="Picture 4">
             <a:extLst>
               <a:ext uri="{FF2B5EF4-FFF2-40B4-BE49-F238E27FC236}">
                 <a16:creationId xmlns:a16="http://schemas.microsoft.com/office/drawing/2014/main" id="{1F0B1829-292D-839A-9F32-1DD59350F4C2}"/>
@@ -39168,8 +39200,8 @@
         </p:blipFill>
         <p:spPr>
           <a:xfrm>
-            <a:off x="3845623" y="1651304"/>
-            <a:ext cx="7647792" cy="4252545"/>
+            <a:off x="1978214" y="1537222"/>
+            <a:ext cx="8235569" cy="4579378"/>
           </a:xfrm>
           <a:prstGeom prst="rect">
             <a:avLst/>
@@ -39230,42 +39262,14 @@
         </p:nvSpPr>
         <p:spPr/>
         <p:txBody>
-          <a:bodyPr/>
-          <a:lstStyle/>
-          <a:p>
-            <a:r>
-              <a:rPr lang="en-US" dirty="0"/>
-              <a:t>Theoretical basis &amp; systems analysis</a:t>
-            </a:r>
-          </a:p>
-        </p:txBody>
-      </p:sp>
-      <p:sp>
-        <p:nvSpPr>
-          <p:cNvPr id="3" name="Content Placeholder 2">
-            <a:extLst>
-              <a:ext uri="{FF2B5EF4-FFF2-40B4-BE49-F238E27FC236}">
-                <a16:creationId xmlns:a16="http://schemas.microsoft.com/office/drawing/2014/main" id="{5A6CA2FB-9F6C-654D-BDAF-4C7F1ABC9149}"/>
-              </a:ext>
-            </a:extLst>
-          </p:cNvPr>
-          <p:cNvSpPr>
-            <a:spLocks noGrp="1"/>
-          </p:cNvSpPr>
-          <p:nvPr>
-            <p:ph idx="1"/>
-          </p:nvPr>
-        </p:nvSpPr>
-        <p:spPr/>
-        <p:txBody>
           <a:bodyPr>
             <a:normAutofit/>
           </a:bodyPr>
           <a:lstStyle/>
           <a:p>
             <a:r>
-              <a:rPr lang="en-US" dirty="0"/>
-              <a:t>Main System Workflows</a:t>
+              <a:rPr lang="en-US" sz="6000" dirty="0"/>
+              <a:t>2.6. Main System Workflows</a:t>
             </a:r>
           </a:p>
         </p:txBody>
@@ -39292,8 +39296,8 @@
         </p:blipFill>
         <p:spPr>
           <a:xfrm>
-            <a:off x="7099236" y="681037"/>
-            <a:ext cx="3498215" cy="5227320"/>
+            <a:off x="4095210" y="1477568"/>
+            <a:ext cx="3690684" cy="4663440"/>
           </a:xfrm>
           <a:prstGeom prst="rect">
             <a:avLst/>
@@ -39354,46 +39358,15 @@
         </p:nvSpPr>
         <p:spPr/>
         <p:txBody>
-          <a:bodyPr/>
-          <a:lstStyle/>
-          <a:p>
-            <a:r>
-              <a:rPr lang="en-US" dirty="0"/>
-              <a:t>Theoretical basis &amp; systems analysis</a:t>
-            </a:r>
-          </a:p>
-        </p:txBody>
-      </p:sp>
-      <p:sp>
-        <p:nvSpPr>
-          <p:cNvPr id="3" name="Content Placeholder 2">
-            <a:extLst>
-              <a:ext uri="{FF2B5EF4-FFF2-40B4-BE49-F238E27FC236}">
-                <a16:creationId xmlns:a16="http://schemas.microsoft.com/office/drawing/2014/main" id="{1765176D-C3F1-43AE-1A3A-ECE83AAE3725}"/>
-              </a:ext>
-            </a:extLst>
-          </p:cNvPr>
-          <p:cNvSpPr>
-            <a:spLocks noGrp="1"/>
-          </p:cNvSpPr>
-          <p:nvPr>
-            <p:ph idx="1"/>
-          </p:nvPr>
-        </p:nvSpPr>
-        <p:spPr/>
-        <p:txBody>
           <a:bodyPr>
             <a:normAutofit/>
           </a:bodyPr>
           <a:lstStyle/>
           <a:p>
             <a:r>
-              <a:rPr lang="en-US" dirty="0"/>
-              <a:t>Main System Workflows</a:t>
+              <a:rPr lang="en-US" sz="6000" dirty="0"/>
+              <a:t>2.6. Main System Workflows</a:t>
             </a:r>
-          </a:p>
-          <a:p>
-            <a:endParaRPr lang="en-US" dirty="0"/>
           </a:p>
         </p:txBody>
       </p:sp>
@@ -39419,8 +39392,8 @@
         </p:blipFill>
         <p:spPr>
           <a:xfrm>
-            <a:off x="4556569" y="1241036"/>
-            <a:ext cx="6797231" cy="4587869"/>
+            <a:off x="2407729" y="1387340"/>
+            <a:ext cx="7056311" cy="4762738"/>
           </a:xfrm>
           <a:prstGeom prst="rect">
             <a:avLst/>
@@ -39481,46 +39454,15 @@
         </p:nvSpPr>
         <p:spPr/>
         <p:txBody>
-          <a:bodyPr/>
-          <a:lstStyle/>
-          <a:p>
-            <a:r>
-              <a:rPr lang="en-US" dirty="0"/>
-              <a:t>Theoretical basis &amp; systems analysis</a:t>
-            </a:r>
-          </a:p>
-        </p:txBody>
-      </p:sp>
-      <p:sp>
-        <p:nvSpPr>
-          <p:cNvPr id="3" name="Content Placeholder 2">
-            <a:extLst>
-              <a:ext uri="{FF2B5EF4-FFF2-40B4-BE49-F238E27FC236}">
-                <a16:creationId xmlns:a16="http://schemas.microsoft.com/office/drawing/2014/main" id="{79D42FAB-97B1-E9A8-2CCC-04E3C363222C}"/>
-              </a:ext>
-            </a:extLst>
-          </p:cNvPr>
-          <p:cNvSpPr>
-            <a:spLocks noGrp="1"/>
-          </p:cNvSpPr>
-          <p:nvPr>
-            <p:ph idx="1"/>
-          </p:nvPr>
-        </p:nvSpPr>
-        <p:spPr/>
-        <p:txBody>
           <a:bodyPr>
             <a:normAutofit/>
           </a:bodyPr>
           <a:lstStyle/>
           <a:p>
             <a:r>
-              <a:rPr lang="en-US" dirty="0"/>
-              <a:t>Main System Workflows</a:t>
+              <a:rPr lang="en-US" sz="6000" dirty="0"/>
+              <a:t>2.6. Main System Workflows</a:t>
             </a:r>
-          </a:p>
-          <a:p>
-            <a:endParaRPr lang="en-US" dirty="0"/>
           </a:p>
         </p:txBody>
       </p:sp>
@@ -39546,8 +39488,8 @@
         </p:blipFill>
         <p:spPr>
           <a:xfrm>
-            <a:off x="7545641" y="913448"/>
-            <a:ext cx="2239645" cy="5263515"/>
+            <a:off x="4844192" y="1325880"/>
+            <a:ext cx="2503615" cy="4896803"/>
           </a:xfrm>
           <a:prstGeom prst="rect">
             <a:avLst/>
@@ -39608,46 +39550,15 @@
         </p:nvSpPr>
         <p:spPr/>
         <p:txBody>
-          <a:bodyPr/>
-          <a:lstStyle/>
-          <a:p>
-            <a:r>
-              <a:rPr lang="en-US" dirty="0"/>
-              <a:t>Theoretical basis &amp; systems analysis</a:t>
-            </a:r>
-          </a:p>
-        </p:txBody>
-      </p:sp>
-      <p:sp>
-        <p:nvSpPr>
-          <p:cNvPr id="3" name="Content Placeholder 2">
-            <a:extLst>
-              <a:ext uri="{FF2B5EF4-FFF2-40B4-BE49-F238E27FC236}">
-                <a16:creationId xmlns:a16="http://schemas.microsoft.com/office/drawing/2014/main" id="{67430E25-A3DF-08EE-0918-7F6A8461B2A1}"/>
-              </a:ext>
-            </a:extLst>
-          </p:cNvPr>
-          <p:cNvSpPr>
-            <a:spLocks noGrp="1"/>
-          </p:cNvSpPr>
-          <p:nvPr>
-            <p:ph idx="1"/>
-          </p:nvPr>
-        </p:nvSpPr>
-        <p:spPr/>
-        <p:txBody>
           <a:bodyPr>
             <a:normAutofit/>
           </a:bodyPr>
           <a:lstStyle/>
           <a:p>
             <a:r>
-              <a:rPr lang="en-US" dirty="0"/>
-              <a:t>Main System Workflows</a:t>
+              <a:rPr lang="en-US" sz="6000" dirty="0"/>
+              <a:t>2.6. Main System Workflows</a:t>
             </a:r>
-          </a:p>
-          <a:p>
-            <a:endParaRPr lang="en-US" dirty="0"/>
           </a:p>
         </p:txBody>
       </p:sp>
@@ -39673,8 +39584,8 @@
         </p:blipFill>
         <p:spPr>
           <a:xfrm>
-            <a:off x="7269479" y="1106423"/>
-            <a:ext cx="2562027" cy="5222113"/>
+            <a:off x="4786883" y="1477568"/>
+            <a:ext cx="2618233" cy="4887544"/>
           </a:xfrm>
           <a:prstGeom prst="rect">
             <a:avLst/>
@@ -39813,10 +39724,10 @@
       </p:sp>
       <p:pic>
         <p:nvPicPr>
-          <p:cNvPr id="4" name="Picture 3">
+          <p:cNvPr id="5" name="Picture 4">
             <a:extLst>
               <a:ext uri="{FF2B5EF4-FFF2-40B4-BE49-F238E27FC236}">
-                <a16:creationId xmlns:a16="http://schemas.microsoft.com/office/drawing/2014/main" id="{F50120BF-173F-825E-6E45-4F696F724B8A}"/>
+                <a16:creationId xmlns:a16="http://schemas.microsoft.com/office/drawing/2014/main" id="{F39B73E7-E328-EC9A-AFA5-63970123C6A6}"/>
               </a:ext>
             </a:extLst>
           </p:cNvPr>
@@ -39826,21 +39737,15 @@
           <p:nvPr/>
         </p:nvPicPr>
         <p:blipFill>
-          <a:blip r:embed="rId2" cstate="print">
-            <a:extLst>
-              <a:ext uri="{28A0092B-C50C-407E-A947-70E740481C1C}">
-                <a14:useLocalDpi xmlns:a14="http://schemas.microsoft.com/office/drawing/2010/main" val="0"/>
-              </a:ext>
-            </a:extLst>
-          </a:blip>
+          <a:blip r:embed="rId2"/>
           <a:stretch>
             <a:fillRect/>
           </a:stretch>
         </p:blipFill>
         <p:spPr>
           <a:xfrm>
-            <a:off x="702119" y="1642071"/>
-            <a:ext cx="1698625" cy="3774440"/>
+            <a:off x="512691" y="1253905"/>
+            <a:ext cx="2438740" cy="5010849"/>
           </a:xfrm>
           <a:prstGeom prst="rect">
             <a:avLst/>
@@ -39849,10 +39754,10 @@
       </p:pic>
       <p:pic>
         <p:nvPicPr>
-          <p:cNvPr id="6" name="Picture 5">
+          <p:cNvPr id="10" name="Picture 9">
             <a:extLst>
               <a:ext uri="{FF2B5EF4-FFF2-40B4-BE49-F238E27FC236}">
-                <a16:creationId xmlns:a16="http://schemas.microsoft.com/office/drawing/2014/main" id="{907E41AE-9803-33AE-A341-ED3CEEC1F68E}"/>
+                <a16:creationId xmlns:a16="http://schemas.microsoft.com/office/drawing/2014/main" id="{013E5F31-9636-5700-8C62-BB8C34DA4FAB}"/>
               </a:ext>
             </a:extLst>
           </p:cNvPr>
@@ -39862,21 +39767,15 @@
           <p:nvPr/>
         </p:nvPicPr>
         <p:blipFill>
-          <a:blip r:embed="rId3" cstate="print">
-            <a:extLst>
-              <a:ext uri="{28A0092B-C50C-407E-A947-70E740481C1C}">
-                <a14:useLocalDpi xmlns:a14="http://schemas.microsoft.com/office/drawing/2010/main" val="0"/>
-              </a:ext>
-            </a:extLst>
-          </a:blip>
+          <a:blip r:embed="rId3"/>
           <a:stretch>
             <a:fillRect/>
           </a:stretch>
         </p:blipFill>
         <p:spPr>
           <a:xfrm>
-            <a:off x="3238627" y="1568704"/>
-            <a:ext cx="1929130" cy="4287520"/>
+            <a:off x="3368380" y="1206274"/>
+            <a:ext cx="2514879" cy="5068007"/>
           </a:xfrm>
           <a:prstGeom prst="rect">
             <a:avLst/>
@@ -39885,10 +39784,10 @@
       </p:pic>
       <p:pic>
         <p:nvPicPr>
-          <p:cNvPr id="7" name="Picture 6">
+          <p:cNvPr id="12" name="Picture 11">
             <a:extLst>
               <a:ext uri="{FF2B5EF4-FFF2-40B4-BE49-F238E27FC236}">
-                <a16:creationId xmlns:a16="http://schemas.microsoft.com/office/drawing/2014/main" id="{3C644662-7685-9226-8619-32505844E24F}"/>
+                <a16:creationId xmlns:a16="http://schemas.microsoft.com/office/drawing/2014/main" id="{E44DAB63-94CC-519F-80FE-82A4CD5C9493}"/>
               </a:ext>
             </a:extLst>
           </p:cNvPr>
@@ -39898,21 +39797,15 @@
           <p:nvPr/>
         </p:nvPicPr>
         <p:blipFill>
-          <a:blip r:embed="rId4" cstate="print">
-            <a:extLst>
-              <a:ext uri="{28A0092B-C50C-407E-A947-70E740481C1C}">
-                <a14:useLocalDpi xmlns:a14="http://schemas.microsoft.com/office/drawing/2010/main" val="0"/>
-              </a:ext>
-            </a:extLst>
-          </a:blip>
+          <a:blip r:embed="rId4"/>
           <a:stretch>
             <a:fillRect/>
           </a:stretch>
         </p:blipFill>
         <p:spPr>
           <a:xfrm>
-            <a:off x="5664009" y="1642071"/>
-            <a:ext cx="1924685" cy="4276725"/>
+            <a:off x="6300208" y="1196748"/>
+            <a:ext cx="2481699" cy="5068007"/>
           </a:xfrm>
           <a:prstGeom prst="rect">
             <a:avLst/>
@@ -39921,10 +39814,10 @@
       </p:pic>
       <p:pic>
         <p:nvPicPr>
-          <p:cNvPr id="8" name="Picture 7">
+          <p:cNvPr id="14" name="Picture 13">
             <a:extLst>
               <a:ext uri="{FF2B5EF4-FFF2-40B4-BE49-F238E27FC236}">
-                <a16:creationId xmlns:a16="http://schemas.microsoft.com/office/drawing/2014/main" id="{A8AB2768-94AD-B7FA-F930-1A733E656DC1}"/>
+                <a16:creationId xmlns:a16="http://schemas.microsoft.com/office/drawing/2014/main" id="{99B822AB-8CAE-4A39-3E4F-539A52FE8B99}"/>
               </a:ext>
             </a:extLst>
           </p:cNvPr>
@@ -39934,30 +39827,19 @@
           <p:nvPr/>
         </p:nvPicPr>
         <p:blipFill>
-          <a:blip r:embed="rId5" cstate="print">
-            <a:extLst>
-              <a:ext uri="{28A0092B-C50C-407E-A947-70E740481C1C}">
-                <a14:useLocalDpi xmlns:a14="http://schemas.microsoft.com/office/drawing/2010/main" val="0"/>
-              </a:ext>
-            </a:extLst>
-          </a:blip>
-          <a:srcRect/>
+          <a:blip r:embed="rId5"/>
           <a:stretch>
             <a:fillRect/>
           </a:stretch>
         </p:blipFill>
-        <p:spPr bwMode="auto">
+        <p:spPr>
           <a:xfrm>
-            <a:off x="8635492" y="1477568"/>
-            <a:ext cx="1925320" cy="4279265"/>
+            <a:off x="9198856" y="1196747"/>
+            <a:ext cx="2495898" cy="5068007"/>
           </a:xfrm>
           <a:prstGeom prst="rect">
             <a:avLst/>
           </a:prstGeom>
-          <a:noFill/>
-          <a:ln>
-            <a:noFill/>
-          </a:ln>
         </p:spPr>
       </p:pic>
     </p:spTree>
@@ -40355,10 +40237,10 @@
       </p:sp>
       <p:pic>
         <p:nvPicPr>
-          <p:cNvPr id="3" name="Picture 2">
+          <p:cNvPr id="9" name="Picture 8">
             <a:extLst>
               <a:ext uri="{FF2B5EF4-FFF2-40B4-BE49-F238E27FC236}">
-                <a16:creationId xmlns:a16="http://schemas.microsoft.com/office/drawing/2014/main" id="{69156EE5-344F-DA7E-2183-7C4665FACC77}"/>
+                <a16:creationId xmlns:a16="http://schemas.microsoft.com/office/drawing/2014/main" id="{085E7065-CC08-1CD3-4AC6-05F0E499BA2E}"/>
               </a:ext>
             </a:extLst>
           </p:cNvPr>
@@ -40368,21 +40250,15 @@
           <p:nvPr/>
         </p:nvPicPr>
         <p:blipFill>
-          <a:blip r:embed="rId2" cstate="print">
-            <a:extLst>
-              <a:ext uri="{28A0092B-C50C-407E-A947-70E740481C1C}">
-                <a14:useLocalDpi xmlns:a14="http://schemas.microsoft.com/office/drawing/2010/main" val="0"/>
-              </a:ext>
-            </a:extLst>
-          </a:blip>
+          <a:blip r:embed="rId2"/>
           <a:stretch>
             <a:fillRect/>
           </a:stretch>
         </p:blipFill>
         <p:spPr>
           <a:xfrm>
-            <a:off x="1366329" y="1477568"/>
-            <a:ext cx="1924685" cy="4276725"/>
+            <a:off x="4876630" y="1292011"/>
+            <a:ext cx="2438740" cy="4982270"/>
           </a:xfrm>
           <a:prstGeom prst="rect">
             <a:avLst/>
@@ -40391,10 +40267,10 @@
       </p:pic>
       <p:pic>
         <p:nvPicPr>
-          <p:cNvPr id="4" name="Picture 3">
+          <p:cNvPr id="11" name="Picture 10">
             <a:extLst>
               <a:ext uri="{FF2B5EF4-FFF2-40B4-BE49-F238E27FC236}">
-                <a16:creationId xmlns:a16="http://schemas.microsoft.com/office/drawing/2014/main" id="{BD6636AF-ED39-0021-F43F-E655BC56F9E9}"/>
+                <a16:creationId xmlns:a16="http://schemas.microsoft.com/office/drawing/2014/main" id="{64E8DD7B-56C7-5953-4602-EC7D1E94C173}"/>
               </a:ext>
             </a:extLst>
           </p:cNvPr>
@@ -40404,21 +40280,15 @@
           <p:nvPr/>
         </p:nvPicPr>
         <p:blipFill>
-          <a:blip r:embed="rId3" cstate="print">
-            <a:extLst>
-              <a:ext uri="{28A0092B-C50C-407E-A947-70E740481C1C}">
-                <a14:useLocalDpi xmlns:a14="http://schemas.microsoft.com/office/drawing/2010/main" val="0"/>
-              </a:ext>
-            </a:extLst>
-          </a:blip>
+          <a:blip r:embed="rId3"/>
           <a:stretch>
             <a:fillRect/>
           </a:stretch>
         </p:blipFill>
         <p:spPr>
           <a:xfrm>
-            <a:off x="3819143" y="1562100"/>
-            <a:ext cx="1927225" cy="4282440"/>
+            <a:off x="7735425" y="1258668"/>
+            <a:ext cx="2524477" cy="5020376"/>
           </a:xfrm>
           <a:prstGeom prst="rect">
             <a:avLst/>
@@ -40427,10 +40297,10 @@
       </p:pic>
       <p:pic>
         <p:nvPicPr>
-          <p:cNvPr id="5" name="Picture 4">
+          <p:cNvPr id="16" name="Picture 15">
             <a:extLst>
               <a:ext uri="{FF2B5EF4-FFF2-40B4-BE49-F238E27FC236}">
-                <a16:creationId xmlns:a16="http://schemas.microsoft.com/office/drawing/2014/main" id="{2721D39B-B647-DB8E-517D-9DB9AFA89654}"/>
+                <a16:creationId xmlns:a16="http://schemas.microsoft.com/office/drawing/2014/main" id="{EE1B147A-0C79-C5D3-6F1E-B3C48885F7D8}"/>
               </a:ext>
             </a:extLst>
           </p:cNvPr>
@@ -40440,30 +40310,19 @@
           <p:nvPr/>
         </p:nvPicPr>
         <p:blipFill>
-          <a:blip r:embed="rId4" cstate="print">
-            <a:extLst>
-              <a:ext uri="{28A0092B-C50C-407E-A947-70E740481C1C}">
-                <a14:useLocalDpi xmlns:a14="http://schemas.microsoft.com/office/drawing/2010/main" val="0"/>
-              </a:ext>
-            </a:extLst>
-          </a:blip>
-          <a:srcRect/>
+          <a:blip r:embed="rId4"/>
           <a:stretch>
             <a:fillRect/>
           </a:stretch>
         </p:blipFill>
-        <p:spPr bwMode="auto">
+        <p:spPr>
           <a:xfrm>
-            <a:off x="6649974" y="1423593"/>
-            <a:ext cx="1927860" cy="4284980"/>
+            <a:off x="1961059" y="1263432"/>
+            <a:ext cx="2486372" cy="5010849"/>
           </a:xfrm>
           <a:prstGeom prst="rect">
             <a:avLst/>
           </a:prstGeom>
-          <a:noFill/>
-          <a:ln>
-            <a:noFill/>
-          </a:ln>
         </p:spPr>
       </p:pic>
     </p:spTree>
@@ -40534,10 +40393,10 @@
       </p:sp>
       <p:pic>
         <p:nvPicPr>
-          <p:cNvPr id="3" name="Picture 2">
+          <p:cNvPr id="11" name="Picture 10">
             <a:extLst>
               <a:ext uri="{FF2B5EF4-FFF2-40B4-BE49-F238E27FC236}">
-                <a16:creationId xmlns:a16="http://schemas.microsoft.com/office/drawing/2014/main" id="{ED72F6ED-AB44-DFBD-137A-EB5E210FD53A}"/>
+                <a16:creationId xmlns:a16="http://schemas.microsoft.com/office/drawing/2014/main" id="{F39772C4-FC63-794A-F104-90FF2F66BD60}"/>
               </a:ext>
             </a:extLst>
           </p:cNvPr>
@@ -40547,21 +40406,15 @@
           <p:nvPr/>
         </p:nvPicPr>
         <p:blipFill>
-          <a:blip r:embed="rId2" cstate="print">
-            <a:extLst>
-              <a:ext uri="{28A0092B-C50C-407E-A947-70E740481C1C}">
-                <a14:useLocalDpi xmlns:a14="http://schemas.microsoft.com/office/drawing/2010/main" val="0"/>
-              </a:ext>
-            </a:extLst>
-          </a:blip>
+          <a:blip r:embed="rId2"/>
           <a:stretch>
             <a:fillRect/>
           </a:stretch>
         </p:blipFill>
         <p:spPr>
           <a:xfrm>
-            <a:off x="1285621" y="1434725"/>
-            <a:ext cx="1921510" cy="4269740"/>
+            <a:off x="7758859" y="1259432"/>
+            <a:ext cx="2429214" cy="5020376"/>
           </a:xfrm>
           <a:prstGeom prst="rect">
             <a:avLst/>
@@ -40570,10 +40423,10 @@
       </p:pic>
       <p:pic>
         <p:nvPicPr>
-          <p:cNvPr id="4" name="Picture 3">
+          <p:cNvPr id="12" name="Picture 11">
             <a:extLst>
               <a:ext uri="{FF2B5EF4-FFF2-40B4-BE49-F238E27FC236}">
-                <a16:creationId xmlns:a16="http://schemas.microsoft.com/office/drawing/2014/main" id="{A457E811-D613-8CFD-7625-88733628BE0D}"/>
+                <a16:creationId xmlns:a16="http://schemas.microsoft.com/office/drawing/2014/main" id="{68FDF0AC-D880-3F08-9DAE-B9E97A785186}"/>
               </a:ext>
             </a:extLst>
           </p:cNvPr>
@@ -40583,38 +40436,27 @@
           <p:nvPr/>
         </p:nvPicPr>
         <p:blipFill>
-          <a:blip r:embed="rId3" cstate="print">
-            <a:extLst>
-              <a:ext uri="{28A0092B-C50C-407E-A947-70E740481C1C}">
-                <a14:useLocalDpi xmlns:a14="http://schemas.microsoft.com/office/drawing/2010/main" val="0"/>
-              </a:ext>
-            </a:extLst>
-          </a:blip>
-          <a:srcRect/>
+          <a:blip r:embed="rId3"/>
           <a:stretch>
             <a:fillRect/>
           </a:stretch>
         </p:blipFill>
-        <p:spPr bwMode="auto">
+        <p:spPr>
           <a:xfrm>
-            <a:off x="8397113" y="1379817"/>
-            <a:ext cx="1926590" cy="4281805"/>
+            <a:off x="1975348" y="1225326"/>
+            <a:ext cx="2457793" cy="5048955"/>
           </a:xfrm>
           <a:prstGeom prst="rect">
             <a:avLst/>
           </a:prstGeom>
-          <a:noFill/>
-          <a:ln>
-            <a:noFill/>
-          </a:ln>
         </p:spPr>
       </p:pic>
       <p:pic>
         <p:nvPicPr>
-          <p:cNvPr id="5" name="Picture 4">
+          <p:cNvPr id="13" name="Picture 12">
             <a:extLst>
               <a:ext uri="{FF2B5EF4-FFF2-40B4-BE49-F238E27FC236}">
-                <a16:creationId xmlns:a16="http://schemas.microsoft.com/office/drawing/2014/main" id="{7E814C70-0F71-7DB0-85CD-CDC78A47B0BB}"/>
+                <a16:creationId xmlns:a16="http://schemas.microsoft.com/office/drawing/2014/main" id="{A171769A-554D-0FD2-F5C2-BA4CBA2EE537}"/>
               </a:ext>
             </a:extLst>
           </p:cNvPr>
@@ -40624,30 +40466,19 @@
           <p:nvPr/>
         </p:nvPicPr>
         <p:blipFill>
-          <a:blip r:embed="rId4" cstate="print">
-            <a:extLst>
-              <a:ext uri="{28A0092B-C50C-407E-A947-70E740481C1C}">
-                <a14:useLocalDpi xmlns:a14="http://schemas.microsoft.com/office/drawing/2010/main" val="0"/>
-              </a:ext>
-            </a:extLst>
-          </a:blip>
-          <a:srcRect/>
+          <a:blip r:embed="rId4"/>
           <a:stretch>
             <a:fillRect/>
           </a:stretch>
         </p:blipFill>
-        <p:spPr bwMode="auto">
+        <p:spPr>
           <a:xfrm>
-            <a:off x="4942903" y="1454877"/>
-            <a:ext cx="1922145" cy="4272280"/>
+            <a:off x="4848242" y="1258668"/>
+            <a:ext cx="2486372" cy="5039428"/>
           </a:xfrm>
           <a:prstGeom prst="rect">
             <a:avLst/>
           </a:prstGeom>
-          <a:noFill/>
-          <a:ln>
-            <a:noFill/>
-          </a:ln>
         </p:spPr>
       </p:pic>
     </p:spTree>
@@ -40718,10 +40549,10 @@
       </p:sp>
       <p:pic>
         <p:nvPicPr>
-          <p:cNvPr id="3" name="Picture 2">
+          <p:cNvPr id="15" name="Picture 14">
             <a:extLst>
               <a:ext uri="{FF2B5EF4-FFF2-40B4-BE49-F238E27FC236}">
-                <a16:creationId xmlns:a16="http://schemas.microsoft.com/office/drawing/2014/main" id="{C2D39AFB-7EDE-0146-243A-2D294F6AE14A}"/>
+                <a16:creationId xmlns:a16="http://schemas.microsoft.com/office/drawing/2014/main" id="{B3F73263-F735-26F2-EAE5-569160DBAEB8}"/>
               </a:ext>
             </a:extLst>
           </p:cNvPr>
@@ -40731,21 +40562,15 @@
           <p:nvPr/>
         </p:nvPicPr>
         <p:blipFill>
-          <a:blip r:embed="rId2" cstate="print">
-            <a:extLst>
-              <a:ext uri="{28A0092B-C50C-407E-A947-70E740481C1C}">
-                <a14:useLocalDpi xmlns:a14="http://schemas.microsoft.com/office/drawing/2010/main" val="0"/>
-              </a:ext>
-            </a:extLst>
-          </a:blip>
+          <a:blip r:embed="rId2"/>
           <a:stretch>
             <a:fillRect/>
           </a:stretch>
         </p:blipFill>
         <p:spPr>
           <a:xfrm>
-            <a:off x="943165" y="1604645"/>
-            <a:ext cx="1929765" cy="4288790"/>
+            <a:off x="1965822" y="1244378"/>
+            <a:ext cx="2467319" cy="5010849"/>
           </a:xfrm>
           <a:prstGeom prst="rect">
             <a:avLst/>
@@ -40754,10 +40579,10 @@
       </p:pic>
       <p:pic>
         <p:nvPicPr>
-          <p:cNvPr id="4" name="Picture 3">
+          <p:cNvPr id="19" name="Picture 18">
             <a:extLst>
               <a:ext uri="{FF2B5EF4-FFF2-40B4-BE49-F238E27FC236}">
-                <a16:creationId xmlns:a16="http://schemas.microsoft.com/office/drawing/2014/main" id="{ED70F0FA-726B-4039-6481-3BEDCF5DA1B5}"/>
+                <a16:creationId xmlns:a16="http://schemas.microsoft.com/office/drawing/2014/main" id="{5656FAC5-4E35-E7EF-7F38-C3D57A6555E9}"/>
               </a:ext>
             </a:extLst>
           </p:cNvPr>
@@ -40767,38 +40592,27 @@
           <p:nvPr/>
         </p:nvPicPr>
         <p:blipFill>
-          <a:blip r:embed="rId3" cstate="print">
-            <a:extLst>
-              <a:ext uri="{28A0092B-C50C-407E-A947-70E740481C1C}">
-                <a14:useLocalDpi xmlns:a14="http://schemas.microsoft.com/office/drawing/2010/main" val="0"/>
-              </a:ext>
-            </a:extLst>
-          </a:blip>
-          <a:srcRect/>
+          <a:blip r:embed="rId3"/>
           <a:stretch>
             <a:fillRect/>
           </a:stretch>
         </p:blipFill>
-        <p:spPr bwMode="auto">
+        <p:spPr>
           <a:xfrm>
-            <a:off x="3951224" y="1659509"/>
-            <a:ext cx="1930400" cy="4289425"/>
+            <a:off x="4848242" y="1268194"/>
+            <a:ext cx="2514951" cy="5039428"/>
           </a:xfrm>
           <a:prstGeom prst="rect">
             <a:avLst/>
           </a:prstGeom>
-          <a:noFill/>
-          <a:ln>
-            <a:noFill/>
-          </a:ln>
         </p:spPr>
       </p:pic>
       <p:pic>
         <p:nvPicPr>
-          <p:cNvPr id="5" name="Picture 4">
+          <p:cNvPr id="7" name="Picture 6">
             <a:extLst>
               <a:ext uri="{FF2B5EF4-FFF2-40B4-BE49-F238E27FC236}">
-                <a16:creationId xmlns:a16="http://schemas.microsoft.com/office/drawing/2014/main" id="{DAAEB19F-79AD-4399-80F1-933EC6DEA694}"/>
+                <a16:creationId xmlns:a16="http://schemas.microsoft.com/office/drawing/2014/main" id="{023F5F15-323A-9242-BF3A-0424041F7CF9}"/>
               </a:ext>
             </a:extLst>
           </p:cNvPr>
@@ -40808,30 +40622,19 @@
           <p:nvPr/>
         </p:nvPicPr>
         <p:blipFill>
-          <a:blip r:embed="rId4" cstate="print">
-            <a:extLst>
-              <a:ext uri="{28A0092B-C50C-407E-A947-70E740481C1C}">
-                <a14:useLocalDpi xmlns:a14="http://schemas.microsoft.com/office/drawing/2010/main" val="0"/>
-              </a:ext>
-            </a:extLst>
-          </a:blip>
-          <a:srcRect/>
+          <a:blip r:embed="rId4"/>
           <a:stretch>
             <a:fillRect/>
           </a:stretch>
         </p:blipFill>
-        <p:spPr bwMode="auto">
+        <p:spPr>
           <a:xfrm>
-            <a:off x="7391908" y="1477568"/>
-            <a:ext cx="1925320" cy="4279265"/>
+            <a:off x="7778294" y="1234851"/>
+            <a:ext cx="2505425" cy="5020376"/>
           </a:xfrm>
           <a:prstGeom prst="rect">
             <a:avLst/>
           </a:prstGeom>
-          <a:noFill/>
-          <a:ln>
-            <a:noFill/>
-          </a:ln>
         </p:spPr>
       </p:pic>
     </p:spTree>
@@ -40912,11 +40715,17 @@
           <p:cNvGraphicFramePr>
             <a:graphicFrameLocks noGrp="1"/>
           </p:cNvGraphicFramePr>
-          <p:nvPr/>
+          <p:nvPr>
+            <p:extLst>
+              <p:ext uri="{D42A27DB-BD31-4B8C-83A1-F6EECF244321}">
+                <p14:modId xmlns:p14="http://schemas.microsoft.com/office/powerpoint/2010/main" val="3909021375"/>
+              </p:ext>
+            </p:extLst>
+          </p:nvPr>
         </p:nvGraphicFramePr>
         <p:xfrm>
-          <a:off x="1073594" y="1496282"/>
-          <a:ext cx="4064635" cy="914400"/>
+          <a:off x="2948114" y="2622660"/>
+          <a:ext cx="5537518" cy="1612680"/>
         </p:xfrm>
         <a:graphic>
           <a:graphicData uri="http://schemas.openxmlformats.org/drawingml/2006/table">
@@ -40925,35 +40734,35 @@
                 <a:tableStyleId>{5C22544A-7EE6-4342-B048-85BDC9FD1C3A}</a:tableStyleId>
               </a:tblPr>
               <a:tblGrid>
-                <a:gridCol w="1069340">
+                <a:gridCol w="1889062">
                   <a:extLst>
                     <a:ext uri="{9D8B030D-6E8A-4147-A177-3AD203B41FA5}">
                       <a16:colId xmlns:a16="http://schemas.microsoft.com/office/drawing/2014/main" val="4076723973"/>
                     </a:ext>
                   </a:extLst>
                 </a:gridCol>
-                <a:gridCol w="779145">
+                <a:gridCol w="1051560">
                   <a:extLst>
                     <a:ext uri="{9D8B030D-6E8A-4147-A177-3AD203B41FA5}">
                       <a16:colId xmlns:a16="http://schemas.microsoft.com/office/drawing/2014/main" val="3089822522"/>
                     </a:ext>
                   </a:extLst>
                 </a:gridCol>
-                <a:gridCol w="745490">
+                <a:gridCol w="804672">
                   <a:extLst>
                     <a:ext uri="{9D8B030D-6E8A-4147-A177-3AD203B41FA5}">
                       <a16:colId xmlns:a16="http://schemas.microsoft.com/office/drawing/2014/main" val="79730080"/>
                     </a:ext>
                   </a:extLst>
                 </a:gridCol>
-                <a:gridCol w="737870">
+                <a:gridCol w="1042416">
                   <a:extLst>
                     <a:ext uri="{9D8B030D-6E8A-4147-A177-3AD203B41FA5}">
                       <a16:colId xmlns:a16="http://schemas.microsoft.com/office/drawing/2014/main" val="3724914705"/>
                     </a:ext>
                   </a:extLst>
                 </a:gridCol>
-                <a:gridCol w="732790">
+                <a:gridCol w="749808">
                   <a:extLst>
                     <a:ext uri="{9D8B030D-6E8A-4147-A177-3AD203B41FA5}">
                       <a16:colId xmlns:a16="http://schemas.microsoft.com/office/drawing/2014/main" val="2157743554"/>
@@ -40961,121 +40770,121 @@
                   </a:extLst>
                 </a:gridCol>
               </a:tblGrid>
-              <a:tr h="0">
+              <a:tr h="322536">
                 <a:tc>
                   <a:txBody>
                     <a:bodyPr/>
                     <a:lstStyle/>
                     <a:p>
-                      <a:pPr marL="0" marR="0">
+                      <a:pPr marL="0" marR="0" algn="ctr">
                         <a:buNone/>
                       </a:pPr>
                       <a:r>
-                        <a:rPr lang="en-US" sz="1200">
+                        <a:rPr lang="en-US" sz="1600" dirty="0">
                           <a:effectLst/>
                         </a:rPr>
                         <a:t>Model</a:t>
                       </a:r>
-                      <a:endParaRPr lang="en-US" sz="1200">
+                      <a:endParaRPr lang="en-US" sz="1600" dirty="0">
                         <a:effectLst/>
                         <a:latin typeface="Times New Roman" panose="02020603050405020304" pitchFamily="18" charset="0"/>
                         <a:ea typeface="Times New Roman" panose="02020603050405020304" pitchFamily="18" charset="0"/>
                       </a:endParaRPr>
                     </a:p>
                   </a:txBody>
-                  <a:tcPr marL="68580" marR="68580" marT="0" marB="0"/>
+                  <a:tcPr marL="68580" marR="68580" marT="0" marB="0" anchor="ctr"/>
                 </a:tc>
                 <a:tc>
                   <a:txBody>
                     <a:bodyPr/>
                     <a:lstStyle/>
                     <a:p>
-                      <a:pPr marL="0" marR="0">
+                      <a:pPr marL="0" marR="0" algn="ctr">
                         <a:buNone/>
                       </a:pPr>
                       <a:r>
-                        <a:rPr lang="en-US" sz="1200">
+                        <a:rPr lang="en-US" sz="1600">
                           <a:effectLst/>
                         </a:rPr>
                         <a:t>Precision</a:t>
                       </a:r>
-                      <a:endParaRPr lang="en-US" sz="1200">
+                      <a:endParaRPr lang="en-US" sz="1600">
                         <a:effectLst/>
                         <a:latin typeface="Times New Roman" panose="02020603050405020304" pitchFamily="18" charset="0"/>
                         <a:ea typeface="Times New Roman" panose="02020603050405020304" pitchFamily="18" charset="0"/>
                       </a:endParaRPr>
                     </a:p>
                   </a:txBody>
-                  <a:tcPr marL="68580" marR="68580" marT="0" marB="0"/>
+                  <a:tcPr marL="68580" marR="68580" marT="0" marB="0" anchor="ctr"/>
                 </a:tc>
                 <a:tc>
                   <a:txBody>
                     <a:bodyPr/>
                     <a:lstStyle/>
                     <a:p>
-                      <a:pPr marL="0" marR="0">
+                      <a:pPr marL="0" marR="0" algn="ctr">
                         <a:buNone/>
                       </a:pPr>
                       <a:r>
-                        <a:rPr lang="en-US" sz="1200">
+                        <a:rPr lang="en-US" sz="1600">
                           <a:effectLst/>
                         </a:rPr>
                         <a:t>Recall</a:t>
                       </a:r>
-                      <a:endParaRPr lang="en-US" sz="1200">
+                      <a:endParaRPr lang="en-US" sz="1600">
                         <a:effectLst/>
                         <a:latin typeface="Times New Roman" panose="02020603050405020304" pitchFamily="18" charset="0"/>
                         <a:ea typeface="Times New Roman" panose="02020603050405020304" pitchFamily="18" charset="0"/>
                       </a:endParaRPr>
                     </a:p>
                   </a:txBody>
-                  <a:tcPr marL="68580" marR="68580" marT="0" marB="0"/>
+                  <a:tcPr marL="68580" marR="68580" marT="0" marB="0" anchor="ctr"/>
                 </a:tc>
                 <a:tc>
                   <a:txBody>
                     <a:bodyPr/>
                     <a:lstStyle/>
                     <a:p>
-                      <a:pPr marL="0" marR="0">
+                      <a:pPr marL="0" marR="0" algn="ctr">
                         <a:buNone/>
                       </a:pPr>
                       <a:r>
-                        <a:rPr lang="en-US" sz="1200">
+                        <a:rPr lang="en-US" sz="1600" dirty="0">
                           <a:effectLst/>
                         </a:rPr>
                         <a:t>F1 Score</a:t>
                       </a:r>
-                      <a:endParaRPr lang="en-US" sz="1200">
+                      <a:endParaRPr lang="en-US" sz="1600" dirty="0">
                         <a:effectLst/>
                         <a:latin typeface="Times New Roman" panose="02020603050405020304" pitchFamily="18" charset="0"/>
                         <a:ea typeface="Times New Roman" panose="02020603050405020304" pitchFamily="18" charset="0"/>
                       </a:endParaRPr>
                     </a:p>
                   </a:txBody>
-                  <a:tcPr marL="68580" marR="68580" marT="0" marB="0"/>
+                  <a:tcPr marL="68580" marR="68580" marT="0" marB="0" anchor="ctr"/>
                 </a:tc>
                 <a:tc>
                   <a:txBody>
                     <a:bodyPr/>
                     <a:lstStyle/>
                     <a:p>
-                      <a:pPr marL="0" marR="0">
+                      <a:pPr marL="0" marR="0" algn="ctr">
                         <a:buNone/>
                       </a:pPr>
                       <a:r>
-                        <a:rPr lang="en-US" sz="1200">
+                        <a:rPr lang="en-US" sz="1600">
                           <a:effectLst/>
                         </a:rPr>
                         <a:t>AUC</a:t>
                       </a:r>
-                      <a:endParaRPr lang="en-US" sz="1200">
+                      <a:endParaRPr lang="en-US" sz="1600">
                         <a:effectLst/>
                         <a:latin typeface="Times New Roman" panose="02020603050405020304" pitchFamily="18" charset="0"/>
                         <a:ea typeface="Times New Roman" panose="02020603050405020304" pitchFamily="18" charset="0"/>
                       </a:endParaRPr>
                     </a:p>
                   </a:txBody>
-                  <a:tcPr marL="68580" marR="68580" marT="0" marB="0"/>
+                  <a:tcPr marL="68580" marR="68580" marT="0" marB="0" anchor="ctr"/>
                 </a:tc>
                 <a:extLst>
                   <a:ext uri="{0D108BD9-81ED-4DB2-BD59-A6C34878D82A}">
@@ -41083,121 +40892,121 @@
                   </a:ext>
                 </a:extLst>
               </a:tr>
-              <a:tr h="0">
+              <a:tr h="322536">
                 <a:tc>
                   <a:txBody>
                     <a:bodyPr/>
                     <a:lstStyle/>
                     <a:p>
-                      <a:pPr marL="0" marR="0">
+                      <a:pPr marL="0" marR="0" algn="l">
                         <a:buNone/>
                       </a:pPr>
                       <a:r>
-                        <a:rPr lang="en-US" sz="1200">
+                        <a:rPr lang="en-US" sz="1600" dirty="0">
                           <a:effectLst/>
                         </a:rPr>
                         <a:t>ViT</a:t>
                       </a:r>
-                      <a:endParaRPr lang="en-US" sz="1200">
+                      <a:endParaRPr lang="en-US" sz="1600" dirty="0">
                         <a:effectLst/>
                         <a:latin typeface="Times New Roman" panose="02020603050405020304" pitchFamily="18" charset="0"/>
                         <a:ea typeface="Times New Roman" panose="02020603050405020304" pitchFamily="18" charset="0"/>
                       </a:endParaRPr>
                     </a:p>
                   </a:txBody>
-                  <a:tcPr marL="68580" marR="68580" marT="0" marB="0"/>
+                  <a:tcPr marL="68580" marR="68580" marT="0" marB="0" anchor="ctr"/>
                 </a:tc>
                 <a:tc>
                   <a:txBody>
                     <a:bodyPr/>
                     <a:lstStyle/>
                     <a:p>
-                      <a:pPr marL="0" marR="0">
+                      <a:pPr marL="0" marR="0" algn="ctr">
                         <a:buNone/>
                       </a:pPr>
                       <a:r>
-                        <a:rPr lang="en-US" sz="1200">
+                        <a:rPr lang="en-US" sz="1600">
                           <a:effectLst/>
                         </a:rPr>
                         <a:t>0.89</a:t>
                       </a:r>
-                      <a:endParaRPr lang="en-US" sz="1200">
+                      <a:endParaRPr lang="en-US" sz="1600">
                         <a:effectLst/>
                         <a:latin typeface="Times New Roman" panose="02020603050405020304" pitchFamily="18" charset="0"/>
                         <a:ea typeface="Times New Roman" panose="02020603050405020304" pitchFamily="18" charset="0"/>
                       </a:endParaRPr>
                     </a:p>
                   </a:txBody>
-                  <a:tcPr marL="68580" marR="68580" marT="0" marB="0"/>
+                  <a:tcPr marL="68580" marR="68580" marT="0" marB="0" anchor="ctr"/>
                 </a:tc>
                 <a:tc>
                   <a:txBody>
                     <a:bodyPr/>
                     <a:lstStyle/>
                     <a:p>
-                      <a:pPr marL="0" marR="0">
+                      <a:pPr marL="0" marR="0" algn="ctr">
                         <a:buNone/>
                       </a:pPr>
                       <a:r>
-                        <a:rPr lang="en-US" sz="1200">
+                        <a:rPr lang="en-US" sz="1600">
                           <a:effectLst/>
                         </a:rPr>
                         <a:t>0.88</a:t>
                       </a:r>
-                      <a:endParaRPr lang="en-US" sz="1200">
+                      <a:endParaRPr lang="en-US" sz="1600">
                         <a:effectLst/>
                         <a:latin typeface="Times New Roman" panose="02020603050405020304" pitchFamily="18" charset="0"/>
                         <a:ea typeface="Times New Roman" panose="02020603050405020304" pitchFamily="18" charset="0"/>
                       </a:endParaRPr>
                     </a:p>
                   </a:txBody>
-                  <a:tcPr marL="68580" marR="68580" marT="0" marB="0"/>
+                  <a:tcPr marL="68580" marR="68580" marT="0" marB="0" anchor="ctr"/>
                 </a:tc>
                 <a:tc>
                   <a:txBody>
                     <a:bodyPr/>
                     <a:lstStyle/>
                     <a:p>
-                      <a:pPr marL="0" marR="0">
+                      <a:pPr marL="0" marR="0" algn="ctr">
                         <a:buNone/>
                       </a:pPr>
                       <a:r>
-                        <a:rPr lang="en-US" sz="1200">
+                        <a:rPr lang="en-US" sz="1600">
                           <a:effectLst/>
                         </a:rPr>
                         <a:t>0.88</a:t>
                       </a:r>
-                      <a:endParaRPr lang="en-US" sz="1200">
+                      <a:endParaRPr lang="en-US" sz="1600">
                         <a:effectLst/>
                         <a:latin typeface="Times New Roman" panose="02020603050405020304" pitchFamily="18" charset="0"/>
                         <a:ea typeface="Times New Roman" panose="02020603050405020304" pitchFamily="18" charset="0"/>
                       </a:endParaRPr>
                     </a:p>
                   </a:txBody>
-                  <a:tcPr marL="68580" marR="68580" marT="0" marB="0"/>
+                  <a:tcPr marL="68580" marR="68580" marT="0" marB="0" anchor="ctr"/>
                 </a:tc>
                 <a:tc>
                   <a:txBody>
                     <a:bodyPr/>
                     <a:lstStyle/>
                     <a:p>
-                      <a:pPr marL="0" marR="0">
+                      <a:pPr marL="0" marR="0" algn="ctr">
                         <a:buNone/>
                       </a:pPr>
                       <a:r>
-                        <a:rPr lang="en-US" sz="1200">
+                        <a:rPr lang="en-US" sz="1600">
                           <a:effectLst/>
                         </a:rPr>
                         <a:t>0.998</a:t>
                       </a:r>
-                      <a:endParaRPr lang="en-US" sz="1200">
+                      <a:endParaRPr lang="en-US" sz="1600">
                         <a:effectLst/>
                         <a:latin typeface="Times New Roman" panose="02020603050405020304" pitchFamily="18" charset="0"/>
                         <a:ea typeface="Times New Roman" panose="02020603050405020304" pitchFamily="18" charset="0"/>
                       </a:endParaRPr>
                     </a:p>
                   </a:txBody>
-                  <a:tcPr marL="68580" marR="68580" marT="0" marB="0"/>
+                  <a:tcPr marL="68580" marR="68580" marT="0" marB="0" anchor="ctr"/>
                 </a:tc>
                 <a:extLst>
                   <a:ext uri="{0D108BD9-81ED-4DB2-BD59-A6C34878D82A}">
@@ -41205,121 +41014,121 @@
                   </a:ext>
                 </a:extLst>
               </a:tr>
-              <a:tr h="0">
+              <a:tr h="322536">
                 <a:tc>
                   <a:txBody>
                     <a:bodyPr/>
                     <a:lstStyle/>
                     <a:p>
-                      <a:pPr marL="0" marR="0">
+                      <a:pPr marL="0" marR="0" algn="l">
                         <a:buNone/>
                       </a:pPr>
                       <a:r>
-                        <a:rPr lang="en-US" sz="1200">
+                        <a:rPr lang="en-US" sz="1600" dirty="0">
                           <a:effectLst/>
                         </a:rPr>
                         <a:t>ResNet-50</a:t>
                       </a:r>
-                      <a:endParaRPr lang="en-US" sz="1200">
+                      <a:endParaRPr lang="en-US" sz="1600" dirty="0">
                         <a:effectLst/>
                         <a:latin typeface="Times New Roman" panose="02020603050405020304" pitchFamily="18" charset="0"/>
                         <a:ea typeface="Times New Roman" panose="02020603050405020304" pitchFamily="18" charset="0"/>
                       </a:endParaRPr>
                     </a:p>
                   </a:txBody>
-                  <a:tcPr marL="68580" marR="68580" marT="0" marB="0"/>
+                  <a:tcPr marL="68580" marR="68580" marT="0" marB="0" anchor="ctr"/>
                 </a:tc>
                 <a:tc>
                   <a:txBody>
                     <a:bodyPr/>
                     <a:lstStyle/>
                     <a:p>
-                      <a:pPr marL="0" marR="0">
+                      <a:pPr marL="0" marR="0" algn="ctr">
                         <a:buNone/>
                       </a:pPr>
                       <a:r>
-                        <a:rPr lang="en-US" sz="1200">
+                        <a:rPr lang="en-US" sz="1600" dirty="0">
                           <a:effectLst/>
                         </a:rPr>
                         <a:t>0.85</a:t>
                       </a:r>
-                      <a:endParaRPr lang="en-US" sz="1200">
+                      <a:endParaRPr lang="en-US" sz="1600" dirty="0">
                         <a:effectLst/>
                         <a:latin typeface="Times New Roman" panose="02020603050405020304" pitchFamily="18" charset="0"/>
                         <a:ea typeface="Times New Roman" panose="02020603050405020304" pitchFamily="18" charset="0"/>
                       </a:endParaRPr>
                     </a:p>
                   </a:txBody>
-                  <a:tcPr marL="68580" marR="68580" marT="0" marB="0"/>
+                  <a:tcPr marL="68580" marR="68580" marT="0" marB="0" anchor="ctr"/>
                 </a:tc>
                 <a:tc>
                   <a:txBody>
                     <a:bodyPr/>
                     <a:lstStyle/>
                     <a:p>
-                      <a:pPr marL="0" marR="0">
+                      <a:pPr marL="0" marR="0" algn="ctr">
                         <a:buNone/>
                       </a:pPr>
                       <a:r>
-                        <a:rPr lang="en-US" sz="1200">
+                        <a:rPr lang="en-US" sz="1600">
                           <a:effectLst/>
                         </a:rPr>
                         <a:t>0.84</a:t>
                       </a:r>
-                      <a:endParaRPr lang="en-US" sz="1200">
+                      <a:endParaRPr lang="en-US" sz="1600">
                         <a:effectLst/>
                         <a:latin typeface="Times New Roman" panose="02020603050405020304" pitchFamily="18" charset="0"/>
                         <a:ea typeface="Times New Roman" panose="02020603050405020304" pitchFamily="18" charset="0"/>
                       </a:endParaRPr>
                     </a:p>
                   </a:txBody>
-                  <a:tcPr marL="68580" marR="68580" marT="0" marB="0"/>
+                  <a:tcPr marL="68580" marR="68580" marT="0" marB="0" anchor="ctr"/>
                 </a:tc>
                 <a:tc>
                   <a:txBody>
                     <a:bodyPr/>
                     <a:lstStyle/>
                     <a:p>
-                      <a:pPr marL="0" marR="0">
+                      <a:pPr marL="0" marR="0" algn="ctr">
                         <a:buNone/>
                       </a:pPr>
                       <a:r>
-                        <a:rPr lang="en-US" sz="1200">
+                        <a:rPr lang="en-US" sz="1600">
                           <a:effectLst/>
                         </a:rPr>
                         <a:t>0.84</a:t>
                       </a:r>
-                      <a:endParaRPr lang="en-US" sz="1200">
+                      <a:endParaRPr lang="en-US" sz="1600">
                         <a:effectLst/>
                         <a:latin typeface="Times New Roman" panose="02020603050405020304" pitchFamily="18" charset="0"/>
                         <a:ea typeface="Times New Roman" panose="02020603050405020304" pitchFamily="18" charset="0"/>
                       </a:endParaRPr>
                     </a:p>
                   </a:txBody>
-                  <a:tcPr marL="68580" marR="68580" marT="0" marB="0"/>
+                  <a:tcPr marL="68580" marR="68580" marT="0" marB="0" anchor="ctr"/>
                 </a:tc>
                 <a:tc>
                   <a:txBody>
                     <a:bodyPr/>
                     <a:lstStyle/>
                     <a:p>
-                      <a:pPr marL="0" marR="0">
+                      <a:pPr marL="0" marR="0" algn="ctr">
                         <a:buNone/>
                       </a:pPr>
                       <a:r>
-                        <a:rPr lang="en-US" sz="1200">
+                        <a:rPr lang="en-US" sz="1600" dirty="0">
                           <a:effectLst/>
                         </a:rPr>
                         <a:t>0.997</a:t>
                       </a:r>
-                      <a:endParaRPr lang="en-US" sz="1200">
+                      <a:endParaRPr lang="en-US" sz="1600" dirty="0">
                         <a:effectLst/>
                         <a:latin typeface="Times New Roman" panose="02020603050405020304" pitchFamily="18" charset="0"/>
                         <a:ea typeface="Times New Roman" panose="02020603050405020304" pitchFamily="18" charset="0"/>
                       </a:endParaRPr>
                     </a:p>
                   </a:txBody>
-                  <a:tcPr marL="68580" marR="68580" marT="0" marB="0"/>
+                  <a:tcPr marL="68580" marR="68580" marT="0" marB="0" anchor="ctr"/>
                 </a:tc>
                 <a:extLst>
                   <a:ext uri="{0D108BD9-81ED-4DB2-BD59-A6C34878D82A}">
@@ -41327,121 +41136,121 @@
                   </a:ext>
                 </a:extLst>
               </a:tr>
-              <a:tr h="0">
+              <a:tr h="322536">
                 <a:tc>
                   <a:txBody>
                     <a:bodyPr/>
                     <a:lstStyle/>
                     <a:p>
-                      <a:pPr marL="0" marR="0">
+                      <a:pPr marL="0" marR="0" algn="l">
                         <a:buNone/>
                       </a:pPr>
                       <a:r>
-                        <a:rPr lang="en-US" sz="1200">
+                        <a:rPr lang="en-US" sz="1600" dirty="0">
                           <a:effectLst/>
                         </a:rPr>
                         <a:t>EfficientNetB4</a:t>
                       </a:r>
-                      <a:endParaRPr lang="en-US" sz="1200">
+                      <a:endParaRPr lang="en-US" sz="1600" dirty="0">
                         <a:effectLst/>
                         <a:latin typeface="Times New Roman" panose="02020603050405020304" pitchFamily="18" charset="0"/>
                         <a:ea typeface="Times New Roman" panose="02020603050405020304" pitchFamily="18" charset="0"/>
                       </a:endParaRPr>
                     </a:p>
                   </a:txBody>
-                  <a:tcPr marL="68580" marR="68580" marT="0" marB="0"/>
+                  <a:tcPr marL="68580" marR="68580" marT="0" marB="0" anchor="ctr"/>
                 </a:tc>
                 <a:tc>
                   <a:txBody>
                     <a:bodyPr/>
                     <a:lstStyle/>
                     <a:p>
-                      <a:pPr marL="0" marR="0">
+                      <a:pPr marL="0" marR="0" algn="ctr">
                         <a:buNone/>
                       </a:pPr>
                       <a:r>
-                        <a:rPr lang="en-US" sz="1200">
+                        <a:rPr lang="en-US" sz="1600">
                           <a:effectLst/>
                         </a:rPr>
                         <a:t>0.84</a:t>
                       </a:r>
-                      <a:endParaRPr lang="en-US" sz="1200">
+                      <a:endParaRPr lang="en-US" sz="1600">
                         <a:effectLst/>
                         <a:latin typeface="Times New Roman" panose="02020603050405020304" pitchFamily="18" charset="0"/>
                         <a:ea typeface="Times New Roman" panose="02020603050405020304" pitchFamily="18" charset="0"/>
                       </a:endParaRPr>
                     </a:p>
                   </a:txBody>
-                  <a:tcPr marL="68580" marR="68580" marT="0" marB="0"/>
+                  <a:tcPr marL="68580" marR="68580" marT="0" marB="0" anchor="ctr"/>
                 </a:tc>
                 <a:tc>
                   <a:txBody>
                     <a:bodyPr/>
                     <a:lstStyle/>
                     <a:p>
-                      <a:pPr marL="0" marR="0">
+                      <a:pPr marL="0" marR="0" algn="ctr">
                         <a:buNone/>
                       </a:pPr>
                       <a:r>
-                        <a:rPr lang="en-US" sz="1200">
+                        <a:rPr lang="en-US" sz="1600">
                           <a:effectLst/>
                         </a:rPr>
                         <a:t>0.83</a:t>
                       </a:r>
-                      <a:endParaRPr lang="en-US" sz="1200">
+                      <a:endParaRPr lang="en-US" sz="1600">
                         <a:effectLst/>
                         <a:latin typeface="Times New Roman" panose="02020603050405020304" pitchFamily="18" charset="0"/>
                         <a:ea typeface="Times New Roman" panose="02020603050405020304" pitchFamily="18" charset="0"/>
                       </a:endParaRPr>
                     </a:p>
                   </a:txBody>
-                  <a:tcPr marL="68580" marR="68580" marT="0" marB="0"/>
+                  <a:tcPr marL="68580" marR="68580" marT="0" marB="0" anchor="ctr"/>
                 </a:tc>
                 <a:tc>
                   <a:txBody>
                     <a:bodyPr/>
                     <a:lstStyle/>
                     <a:p>
-                      <a:pPr marL="0" marR="0">
+                      <a:pPr marL="0" marR="0" algn="ctr">
                         <a:buNone/>
                       </a:pPr>
                       <a:r>
-                        <a:rPr lang="en-US" sz="1200">
+                        <a:rPr lang="en-US" sz="1600">
                           <a:effectLst/>
                         </a:rPr>
                         <a:t>0.83</a:t>
                       </a:r>
-                      <a:endParaRPr lang="en-US" sz="1200">
+                      <a:endParaRPr lang="en-US" sz="1600">
                         <a:effectLst/>
                         <a:latin typeface="Times New Roman" panose="02020603050405020304" pitchFamily="18" charset="0"/>
                         <a:ea typeface="Times New Roman" panose="02020603050405020304" pitchFamily="18" charset="0"/>
                       </a:endParaRPr>
                     </a:p>
                   </a:txBody>
-                  <a:tcPr marL="68580" marR="68580" marT="0" marB="0"/>
+                  <a:tcPr marL="68580" marR="68580" marT="0" marB="0" anchor="ctr"/>
                 </a:tc>
                 <a:tc>
                   <a:txBody>
                     <a:bodyPr/>
                     <a:lstStyle/>
                     <a:p>
-                      <a:pPr marL="0" marR="0">
+                      <a:pPr marL="0" marR="0" algn="ctr">
                         <a:buNone/>
                       </a:pPr>
                       <a:r>
-                        <a:rPr lang="en-US" sz="1200">
+                        <a:rPr lang="en-US" sz="1600" dirty="0">
                           <a:effectLst/>
                         </a:rPr>
                         <a:t>0.996</a:t>
                       </a:r>
-                      <a:endParaRPr lang="en-US" sz="1200">
+                      <a:endParaRPr lang="en-US" sz="1600" dirty="0">
                         <a:effectLst/>
                         <a:latin typeface="Times New Roman" panose="02020603050405020304" pitchFamily="18" charset="0"/>
                         <a:ea typeface="Times New Roman" panose="02020603050405020304" pitchFamily="18" charset="0"/>
                       </a:endParaRPr>
                     </a:p>
                   </a:txBody>
-                  <a:tcPr marL="68580" marR="68580" marT="0" marB="0"/>
+                  <a:tcPr marL="68580" marR="68580" marT="0" marB="0" anchor="ctr"/>
                 </a:tc>
                 <a:extLst>
                   <a:ext uri="{0D108BD9-81ED-4DB2-BD59-A6C34878D82A}">
@@ -41449,121 +41258,121 @@
                   </a:ext>
                 </a:extLst>
               </a:tr>
-              <a:tr h="0">
+              <a:tr h="322536">
                 <a:tc>
                   <a:txBody>
                     <a:bodyPr/>
                     <a:lstStyle/>
                     <a:p>
-                      <a:pPr marL="0" marR="0">
+                      <a:pPr marL="0" marR="0" algn="l">
                         <a:buNone/>
                       </a:pPr>
                       <a:r>
-                        <a:rPr lang="en-US" sz="1200">
+                        <a:rPr lang="en-US" sz="1600" dirty="0">
                           <a:effectLst/>
                         </a:rPr>
                         <a:t>MobileNetV3</a:t>
                       </a:r>
-                      <a:endParaRPr lang="en-US" sz="1200">
+                      <a:endParaRPr lang="en-US" sz="1600" dirty="0">
                         <a:effectLst/>
                         <a:latin typeface="Times New Roman" panose="02020603050405020304" pitchFamily="18" charset="0"/>
                         <a:ea typeface="Times New Roman" panose="02020603050405020304" pitchFamily="18" charset="0"/>
                       </a:endParaRPr>
                     </a:p>
                   </a:txBody>
-                  <a:tcPr marL="68580" marR="68580" marT="0" marB="0"/>
+                  <a:tcPr marL="68580" marR="68580" marT="0" marB="0" anchor="ctr"/>
                 </a:tc>
                 <a:tc>
                   <a:txBody>
                     <a:bodyPr/>
                     <a:lstStyle/>
                     <a:p>
-                      <a:pPr marL="0" marR="0">
+                      <a:pPr marL="0" marR="0" algn="ctr">
                         <a:buNone/>
                       </a:pPr>
                       <a:r>
-                        <a:rPr lang="en-US" sz="1200">
+                        <a:rPr lang="en-US" sz="1600" dirty="0">
                           <a:effectLst/>
                         </a:rPr>
                         <a:t>0.83</a:t>
                       </a:r>
-                      <a:endParaRPr lang="en-US" sz="1200">
+                      <a:endParaRPr lang="en-US" sz="1600" dirty="0">
                         <a:effectLst/>
                         <a:latin typeface="Times New Roman" panose="02020603050405020304" pitchFamily="18" charset="0"/>
                         <a:ea typeface="Times New Roman" panose="02020603050405020304" pitchFamily="18" charset="0"/>
                       </a:endParaRPr>
                     </a:p>
                   </a:txBody>
-                  <a:tcPr marL="68580" marR="68580" marT="0" marB="0"/>
+                  <a:tcPr marL="68580" marR="68580" marT="0" marB="0" anchor="ctr"/>
                 </a:tc>
                 <a:tc>
                   <a:txBody>
                     <a:bodyPr/>
                     <a:lstStyle/>
                     <a:p>
-                      <a:pPr marL="0" marR="0">
+                      <a:pPr marL="0" marR="0" algn="ctr">
                         <a:buNone/>
                       </a:pPr>
                       <a:r>
-                        <a:rPr lang="en-US" sz="1200">
+                        <a:rPr lang="en-US" sz="1600" dirty="0">
                           <a:effectLst/>
                         </a:rPr>
                         <a:t>0.82</a:t>
                       </a:r>
-                      <a:endParaRPr lang="en-US" sz="1200">
+                      <a:endParaRPr lang="en-US" sz="1600" dirty="0">
                         <a:effectLst/>
                         <a:latin typeface="Times New Roman" panose="02020603050405020304" pitchFamily="18" charset="0"/>
                         <a:ea typeface="Times New Roman" panose="02020603050405020304" pitchFamily="18" charset="0"/>
                       </a:endParaRPr>
                     </a:p>
                   </a:txBody>
-                  <a:tcPr marL="68580" marR="68580" marT="0" marB="0"/>
+                  <a:tcPr marL="68580" marR="68580" marT="0" marB="0" anchor="ctr"/>
                 </a:tc>
                 <a:tc>
                   <a:txBody>
                     <a:bodyPr/>
                     <a:lstStyle/>
                     <a:p>
-                      <a:pPr marL="0" marR="0">
+                      <a:pPr marL="0" marR="0" algn="ctr">
                         <a:buNone/>
                       </a:pPr>
                       <a:r>
-                        <a:rPr lang="en-US" sz="1200">
+                        <a:rPr lang="en-US" sz="1600" dirty="0">
                           <a:effectLst/>
                         </a:rPr>
                         <a:t>0.82</a:t>
                       </a:r>
-                      <a:endParaRPr lang="en-US" sz="1200">
+                      <a:endParaRPr lang="en-US" sz="1600" dirty="0">
                         <a:effectLst/>
                         <a:latin typeface="Times New Roman" panose="02020603050405020304" pitchFamily="18" charset="0"/>
                         <a:ea typeface="Times New Roman" panose="02020603050405020304" pitchFamily="18" charset="0"/>
                       </a:endParaRPr>
                     </a:p>
                   </a:txBody>
-                  <a:tcPr marL="68580" marR="68580" marT="0" marB="0"/>
+                  <a:tcPr marL="68580" marR="68580" marT="0" marB="0" anchor="ctr"/>
                 </a:tc>
                 <a:tc>
                   <a:txBody>
                     <a:bodyPr/>
                     <a:lstStyle/>
                     <a:p>
-                      <a:pPr marL="0" marR="0">
+                      <a:pPr marL="0" marR="0" algn="ctr">
                         <a:buNone/>
                       </a:pPr>
                       <a:r>
-                        <a:rPr lang="en-US" sz="1200" dirty="0">
+                        <a:rPr lang="en-US" sz="1600" dirty="0">
                           <a:effectLst/>
                         </a:rPr>
                         <a:t>0.995</a:t>
                       </a:r>
-                      <a:endParaRPr lang="en-US" sz="1200" dirty="0">
+                      <a:endParaRPr lang="en-US" sz="1600" dirty="0">
                         <a:effectLst/>
                         <a:latin typeface="Times New Roman" panose="02020603050405020304" pitchFamily="18" charset="0"/>
                         <a:ea typeface="Times New Roman" panose="02020603050405020304" pitchFamily="18" charset="0"/>
                       </a:endParaRPr>
                     </a:p>
                   </a:txBody>
-                  <a:tcPr marL="68580" marR="68580" marT="0" marB="0"/>
+                  <a:tcPr marL="68580" marR="68580" marT="0" marB="0" anchor="ctr"/>
                 </a:tc>
                 <a:extLst>
                   <a:ext uri="{0D108BD9-81ED-4DB2-BD59-A6C34878D82A}">
@@ -41575,36 +41384,6 @@
           </a:graphicData>
         </a:graphic>
       </p:graphicFrame>
-      <p:pic>
-        <p:nvPicPr>
-          <p:cNvPr id="4" name="Picture 3">
-            <a:extLst>
-              <a:ext uri="{FF2B5EF4-FFF2-40B4-BE49-F238E27FC236}">
-                <a16:creationId xmlns:a16="http://schemas.microsoft.com/office/drawing/2014/main" id="{FDB71698-2F97-9ADC-8FA2-A833C9E8D7C2}"/>
-              </a:ext>
-            </a:extLst>
-          </p:cNvPr>
-          <p:cNvPicPr>
-            <a:picLocks noChangeAspect="1"/>
-          </p:cNvPicPr>
-          <p:nvPr/>
-        </p:nvPicPr>
-        <p:blipFill>
-          <a:blip r:embed="rId2"/>
-          <a:stretch>
-            <a:fillRect/>
-          </a:stretch>
-        </p:blipFill>
-        <p:spPr>
-          <a:xfrm>
-            <a:off x="6096000" y="1496282"/>
-            <a:ext cx="4652645" cy="3620135"/>
-          </a:xfrm>
-          <a:prstGeom prst="rect">
-            <a:avLst/>
-          </a:prstGeom>
-        </p:spPr>
-      </p:pic>
     </p:spTree>
     <p:extLst>
       <p:ext uri="{BB962C8B-B14F-4D97-AF65-F5344CB8AC3E}">
@@ -41693,8 +41472,8 @@
         </p:blipFill>
         <p:spPr>
           <a:xfrm>
-            <a:off x="5773039" y="2001774"/>
-            <a:ext cx="4679950" cy="3604260"/>
+            <a:off x="6341313" y="1618932"/>
+            <a:ext cx="5249723" cy="4043070"/>
           </a:xfrm>
           <a:prstGeom prst="rect">
             <a:avLst/>
@@ -41703,10 +41482,10 @@
       </p:pic>
       <p:pic>
         <p:nvPicPr>
-          <p:cNvPr id="6" name="Picture 5">
+          <p:cNvPr id="3" name="Picture 2">
             <a:extLst>
               <a:ext uri="{FF2B5EF4-FFF2-40B4-BE49-F238E27FC236}">
-                <a16:creationId xmlns:a16="http://schemas.microsoft.com/office/drawing/2014/main" id="{E3D31D36-05C3-2ABC-4436-43DF3075B1FC}"/>
+                <a16:creationId xmlns:a16="http://schemas.microsoft.com/office/drawing/2014/main" id="{FDB71698-2F97-9ADC-8FA2-A833C9E8D7C2}"/>
               </a:ext>
             </a:extLst>
           </p:cNvPr>
@@ -41723,8 +41502,8 @@
         </p:blipFill>
         <p:spPr>
           <a:xfrm>
-            <a:off x="912876" y="2100396"/>
-            <a:ext cx="4064635" cy="3047925"/>
+            <a:off x="600964" y="1618932"/>
+            <a:ext cx="5196206" cy="4043070"/>
           </a:xfrm>
           <a:prstGeom prst="rect">
             <a:avLst/>
@@ -41745,6 +41524,102 @@
 </file>
 
 <file path=ppt/slides/slide25.xml><?xml version="1.0" encoding="utf-8"?>
+<p:sld xmlns:a="http://schemas.openxmlformats.org/drawingml/2006/main" xmlns:r="http://schemas.openxmlformats.org/officeDocument/2006/relationships" xmlns:p="http://schemas.openxmlformats.org/presentationml/2006/main">
+  <p:cSld>
+    <p:spTree>
+      <p:nvGrpSpPr>
+        <p:cNvPr id="1" name="">
+          <a:extLst>
+            <a:ext uri="{FF2B5EF4-FFF2-40B4-BE49-F238E27FC236}">
+              <a16:creationId xmlns:a16="http://schemas.microsoft.com/office/drawing/2014/main" id="{819593C3-B0A6-8CAD-CDF0-1B72227242AA}"/>
+            </a:ext>
+          </a:extLst>
+        </p:cNvPr>
+        <p:cNvGrpSpPr/>
+        <p:nvPr/>
+      </p:nvGrpSpPr>
+      <p:grpSpPr>
+        <a:xfrm>
+          <a:off x="0" y="0"/>
+          <a:ext cx="0" cy="0"/>
+          <a:chOff x="0" y="0"/>
+          <a:chExt cx="0" cy="0"/>
+        </a:xfrm>
+      </p:grpSpPr>
+      <p:sp>
+        <p:nvSpPr>
+          <p:cNvPr id="2" name="Title 1">
+            <a:extLst>
+              <a:ext uri="{FF2B5EF4-FFF2-40B4-BE49-F238E27FC236}">
+                <a16:creationId xmlns:a16="http://schemas.microsoft.com/office/drawing/2014/main" id="{721FFEAF-7CF2-C4FF-8113-EEFCF525266C}"/>
+              </a:ext>
+            </a:extLst>
+          </p:cNvPr>
+          <p:cNvSpPr>
+            <a:spLocks noGrp="1"/>
+          </p:cNvSpPr>
+          <p:nvPr>
+            <p:ph type="title"/>
+          </p:nvPr>
+        </p:nvSpPr>
+        <p:spPr/>
+        <p:txBody>
+          <a:bodyPr>
+            <a:normAutofit/>
+          </a:bodyPr>
+          <a:lstStyle/>
+          <a:p>
+            <a:r>
+              <a:rPr lang="en-US" sz="6000" dirty="0"/>
+              <a:t>3.2. AI Model Implementation</a:t>
+            </a:r>
+          </a:p>
+        </p:txBody>
+      </p:sp>
+      <p:pic>
+        <p:nvPicPr>
+          <p:cNvPr id="6" name="Picture 5">
+            <a:extLst>
+              <a:ext uri="{FF2B5EF4-FFF2-40B4-BE49-F238E27FC236}">
+                <a16:creationId xmlns:a16="http://schemas.microsoft.com/office/drawing/2014/main" id="{6A6287B1-B112-7A50-0521-992762F7EC61}"/>
+              </a:ext>
+            </a:extLst>
+          </p:cNvPr>
+          <p:cNvPicPr>
+            <a:picLocks noChangeAspect="1"/>
+          </p:cNvPicPr>
+          <p:nvPr/>
+        </p:nvPicPr>
+        <p:blipFill>
+          <a:blip r:embed="rId2"/>
+          <a:stretch>
+            <a:fillRect/>
+          </a:stretch>
+        </p:blipFill>
+        <p:spPr>
+          <a:xfrm>
+            <a:off x="3091434" y="1477568"/>
+            <a:ext cx="6009132" cy="4506034"/>
+          </a:xfrm>
+          <a:prstGeom prst="rect">
+            <a:avLst/>
+          </a:prstGeom>
+        </p:spPr>
+      </p:pic>
+    </p:spTree>
+    <p:extLst>
+      <p:ext uri="{BB962C8B-B14F-4D97-AF65-F5344CB8AC3E}">
+        <p14:creationId xmlns:p14="http://schemas.microsoft.com/office/powerpoint/2010/main" val="3988449871"/>
+      </p:ext>
+    </p:extLst>
+  </p:cSld>
+  <p:clrMapOvr>
+    <a:masterClrMapping/>
+  </p:clrMapOvr>
+</p:sld>
+</file>
+
+<file path=ppt/slides/slide26.xml><?xml version="1.0" encoding="utf-8"?>
 <p:sld xmlns:a="http://schemas.openxmlformats.org/drawingml/2006/main" xmlns:r="http://schemas.openxmlformats.org/officeDocument/2006/relationships" xmlns:p="http://schemas.openxmlformats.org/presentationml/2006/main">
   <p:cSld>
     <p:spTree>
@@ -41808,7 +41683,7 @@
 </p:sld>
 </file>
 
-<file path=ppt/slides/slide26.xml><?xml version="1.0" encoding="utf-8"?>
+<file path=ppt/slides/slide27.xml><?xml version="1.0" encoding="utf-8"?>
 <p:sld xmlns:a="http://schemas.openxmlformats.org/drawingml/2006/main" xmlns:r="http://schemas.openxmlformats.org/officeDocument/2006/relationships" xmlns:p="http://schemas.openxmlformats.org/presentationml/2006/main">
   <p:cSld>
     <p:spTree>
@@ -41856,7 +41731,7 @@
           <a:p>
             <a:r>
               <a:rPr lang="en-US" sz="6000" noProof="0" dirty="0"/>
-              <a:t>Conclusion</a:t>
+              <a:t>4.1. Achieved Results &amp; Limitations </a:t>
             </a:r>
           </a:p>
         </p:txBody>
@@ -42001,7 +41876,7 @@
 </p:sld>
 </file>
 
-<file path=ppt/slides/slide27.xml><?xml version="1.0" encoding="utf-8"?>
+<file path=ppt/slides/slide28.xml><?xml version="1.0" encoding="utf-8"?>
 <p:sld xmlns:a="http://schemas.openxmlformats.org/drawingml/2006/main" xmlns:r="http://schemas.openxmlformats.org/officeDocument/2006/relationships" xmlns:p="http://schemas.openxmlformats.org/presentationml/2006/main">
   <p:cSld>
     <p:spTree>
@@ -42049,7 +41924,7 @@
           <a:p>
             <a:r>
               <a:rPr lang="en-US" sz="6000" dirty="0"/>
-              <a:t>Conclusion	</a:t>
+              <a:t>4.2. Development Direction	</a:t>
             </a:r>
           </a:p>
         </p:txBody>
@@ -42147,7 +42022,7 @@
 </p:sld>
 </file>
 
-<file path=ppt/slides/slide28.xml><?xml version="1.0" encoding="utf-8"?>
+<file path=ppt/slides/slide29.xml><?xml version="1.0" encoding="utf-8"?>
 <p:sld xmlns:a="http://schemas.openxmlformats.org/drawingml/2006/main" xmlns:r="http://schemas.openxmlformats.org/officeDocument/2006/relationships" xmlns:p="http://schemas.openxmlformats.org/presentationml/2006/main">
   <p:cSld>
     <p:spTree>
@@ -42226,94 +42101,6 @@
     <p:extLst>
       <p:ext uri="{BB962C8B-B14F-4D97-AF65-F5344CB8AC3E}">
         <p14:creationId xmlns:p14="http://schemas.microsoft.com/office/powerpoint/2010/main" val="131648227"/>
-      </p:ext>
-    </p:extLst>
-  </p:cSld>
-  <p:clrMapOvr>
-    <a:masterClrMapping/>
-  </p:clrMapOvr>
-</p:sld>
-</file>
-
-<file path=ppt/slides/slide29.xml><?xml version="1.0" encoding="utf-8"?>
-<p:sld xmlns:a="http://schemas.openxmlformats.org/drawingml/2006/main" xmlns:r="http://schemas.openxmlformats.org/officeDocument/2006/relationships" xmlns:p="http://schemas.openxmlformats.org/presentationml/2006/main">
-  <p:cSld>
-    <p:spTree>
-      <p:nvGrpSpPr>
-        <p:cNvPr id="1" name="">
-          <a:extLst>
-            <a:ext uri="{FF2B5EF4-FFF2-40B4-BE49-F238E27FC236}">
-              <a16:creationId xmlns:a16="http://schemas.microsoft.com/office/drawing/2014/main" id="{CA10988A-D0E1-75AB-220F-9387E0741A09}"/>
-            </a:ext>
-          </a:extLst>
-        </p:cNvPr>
-        <p:cNvGrpSpPr/>
-        <p:nvPr/>
-      </p:nvGrpSpPr>
-      <p:grpSpPr>
-        <a:xfrm>
-          <a:off x="0" y="0"/>
-          <a:ext cx="0" cy="0"/>
-          <a:chOff x="0" y="0"/>
-          <a:chExt cx="0" cy="0"/>
-        </a:xfrm>
-      </p:grpSpPr>
-      <p:sp>
-        <p:nvSpPr>
-          <p:cNvPr id="2" name="Title 1">
-            <a:extLst>
-              <a:ext uri="{FF2B5EF4-FFF2-40B4-BE49-F238E27FC236}">
-                <a16:creationId xmlns:a16="http://schemas.microsoft.com/office/drawing/2014/main" id="{56CB7F25-6628-CF27-C5CA-22FEF4B89EBC}"/>
-              </a:ext>
-            </a:extLst>
-          </p:cNvPr>
-          <p:cNvSpPr>
-            <a:spLocks noGrp="1"/>
-          </p:cNvSpPr>
-          <p:nvPr>
-            <p:ph type="title"/>
-          </p:nvPr>
-        </p:nvSpPr>
-        <p:spPr/>
-        <p:txBody>
-          <a:bodyPr/>
-          <a:lstStyle/>
-          <a:p>
-            <a:endParaRPr lang="en-US" dirty="0"/>
-          </a:p>
-        </p:txBody>
-      </p:sp>
-      <p:sp>
-        <p:nvSpPr>
-          <p:cNvPr id="3" name="Content Placeholder 2">
-            <a:extLst>
-              <a:ext uri="{FF2B5EF4-FFF2-40B4-BE49-F238E27FC236}">
-                <a16:creationId xmlns:a16="http://schemas.microsoft.com/office/drawing/2014/main" id="{82630AE2-833A-8EEB-48FC-93F020F714C3}"/>
-              </a:ext>
-            </a:extLst>
-          </p:cNvPr>
-          <p:cNvSpPr>
-            <a:spLocks noGrp="1"/>
-          </p:cNvSpPr>
-          <p:nvPr>
-            <p:ph idx="1"/>
-          </p:nvPr>
-        </p:nvSpPr>
-        <p:spPr/>
-        <p:txBody>
-          <a:bodyPr>
-            <a:normAutofit/>
-          </a:bodyPr>
-          <a:lstStyle/>
-          <a:p>
-            <a:endParaRPr lang="en-US" dirty="0"/>
-          </a:p>
-        </p:txBody>
-      </p:sp>
-    </p:spTree>
-    <p:extLst>
-      <p:ext uri="{BB962C8B-B14F-4D97-AF65-F5344CB8AC3E}">
-        <p14:creationId xmlns:p14="http://schemas.microsoft.com/office/powerpoint/2010/main" val="2331155445"/>
       </p:ext>
     </p:extLst>
   </p:cSld>
@@ -42392,7 +42179,13 @@
   <p:cSld>
     <p:spTree>
       <p:nvGrpSpPr>
-        <p:cNvPr id="1" name=""/>
+        <p:cNvPr id="1" name="">
+          <a:extLst>
+            <a:ext uri="{FF2B5EF4-FFF2-40B4-BE49-F238E27FC236}">
+              <a16:creationId xmlns:a16="http://schemas.microsoft.com/office/drawing/2014/main" id="{CA10988A-D0E1-75AB-220F-9387E0741A09}"/>
+            </a:ext>
+          </a:extLst>
+        </p:cNvPr>
         <p:cNvGrpSpPr/>
         <p:nvPr/>
       </p:nvGrpSpPr>
@@ -42406,10 +42199,10 @@
       </p:grpSpPr>
       <p:sp>
         <p:nvSpPr>
-          <p:cNvPr id="80" name="Picture Placeholder 79">
+          <p:cNvPr id="2" name="Title 1">
             <a:extLst>
               <a:ext uri="{FF2B5EF4-FFF2-40B4-BE49-F238E27FC236}">
-                <a16:creationId xmlns:a16="http://schemas.microsoft.com/office/drawing/2014/main" id="{F093B2DB-8BE8-A46A-4714-37C5898CB6F1}"/>
+                <a16:creationId xmlns:a16="http://schemas.microsoft.com/office/drawing/2014/main" id="{56CB7F25-6628-CF27-C5CA-22FEF4B89EBC}"/>
               </a:ext>
             </a:extLst>
           </p:cNvPr>
@@ -42417,7 +42210,7 @@
             <a:spLocks noGrp="1"/>
           </p:cNvSpPr>
           <p:nvPr>
-            <p:ph type="pic" sz="quarter" idx="15"/>
+            <p:ph type="title"/>
           </p:nvPr>
         </p:nvSpPr>
         <p:spPr/>
@@ -42425,10 +42218,67 @@
           <a:bodyPr/>
           <a:lstStyle/>
           <a:p>
-            <a:endParaRPr lang="en-US"/>
+            <a:endParaRPr lang="en-US" dirty="0"/>
           </a:p>
         </p:txBody>
       </p:sp>
+      <p:sp>
+        <p:nvSpPr>
+          <p:cNvPr id="3" name="Content Placeholder 2">
+            <a:extLst>
+              <a:ext uri="{FF2B5EF4-FFF2-40B4-BE49-F238E27FC236}">
+                <a16:creationId xmlns:a16="http://schemas.microsoft.com/office/drawing/2014/main" id="{82630AE2-833A-8EEB-48FC-93F020F714C3}"/>
+              </a:ext>
+            </a:extLst>
+          </p:cNvPr>
+          <p:cNvSpPr>
+            <a:spLocks noGrp="1"/>
+          </p:cNvSpPr>
+          <p:nvPr>
+            <p:ph idx="1"/>
+          </p:nvPr>
+        </p:nvSpPr>
+        <p:spPr/>
+        <p:txBody>
+          <a:bodyPr>
+            <a:normAutofit/>
+          </a:bodyPr>
+          <a:lstStyle/>
+          <a:p>
+            <a:endParaRPr lang="en-US" dirty="0"/>
+          </a:p>
+        </p:txBody>
+      </p:sp>
+    </p:spTree>
+    <p:extLst>
+      <p:ext uri="{BB962C8B-B14F-4D97-AF65-F5344CB8AC3E}">
+        <p14:creationId xmlns:p14="http://schemas.microsoft.com/office/powerpoint/2010/main" val="2331155445"/>
+      </p:ext>
+    </p:extLst>
+  </p:cSld>
+  <p:clrMapOvr>
+    <a:masterClrMapping/>
+  </p:clrMapOvr>
+</p:sld>
+</file>
+
+<file path=ppt/slides/slide31.xml><?xml version="1.0" encoding="utf-8"?>
+<p:sld xmlns:a="http://schemas.openxmlformats.org/drawingml/2006/main" xmlns:r="http://schemas.openxmlformats.org/officeDocument/2006/relationships" xmlns:p="http://schemas.openxmlformats.org/presentationml/2006/main">
+  <p:cSld>
+    <p:spTree>
+      <p:nvGrpSpPr>
+        <p:cNvPr id="1" name=""/>
+        <p:cNvGrpSpPr/>
+        <p:nvPr/>
+      </p:nvGrpSpPr>
+      <p:grpSpPr>
+        <a:xfrm>
+          <a:off x="0" y="0"/>
+          <a:ext cx="0" cy="0"/>
+          <a:chOff x="0" y="0"/>
+          <a:chExt cx="0" cy="0"/>
+        </a:xfrm>
+      </p:grpSpPr>
       <p:sp>
         <p:nvSpPr>
           <p:cNvPr id="78" name="Title 77">
@@ -42481,10 +42331,10 @@
       </p:sp>
       <p:sp>
         <p:nvSpPr>
-          <p:cNvPr id="81" name="Picture Placeholder 80">
+          <p:cNvPr id="59" name="Picture Placeholder 58">
             <a:extLst>
               <a:ext uri="{FF2B5EF4-FFF2-40B4-BE49-F238E27FC236}">
-                <a16:creationId xmlns:a16="http://schemas.microsoft.com/office/drawing/2014/main" id="{712CDDDF-DB29-99C8-A185-54F6B0FCAF48}"/>
+                <a16:creationId xmlns:a16="http://schemas.microsoft.com/office/drawing/2014/main" id="{C711BF57-35D0-306D-9C25-BF112354CB4E}"/>
               </a:ext>
             </a:extLst>
           </p:cNvPr>
@@ -42492,14 +42342,12 @@
             <a:spLocks noGrp="1"/>
           </p:cNvSpPr>
           <p:nvPr>
-            <p:ph type="pic" sz="quarter" idx="16"/>
+            <p:ph type="pic" sz="quarter" idx="15"/>
           </p:nvPr>
         </p:nvSpPr>
         <p:spPr/>
         <p:txBody>
-          <a:bodyPr>
-            <a:normAutofit fontScale="25000" lnSpcReduction="20000"/>
-          </a:bodyPr>
+          <a:bodyPr/>
           <a:lstStyle/>
           <a:p>
             <a:endParaRPr lang="en-US"/>
@@ -42560,12 +42408,14 @@
         </p:nvSpPr>
         <p:spPr/>
         <p:txBody>
-          <a:bodyPr/>
+          <a:bodyPr>
+            <a:normAutofit/>
+          </a:bodyPr>
           <a:lstStyle/>
           <a:p>
             <a:r>
-              <a:rPr lang="en-US" dirty="0"/>
-              <a:t>Introduction</a:t>
+              <a:rPr lang="en-US" sz="6000" dirty="0"/>
+              <a:t>1.1. Problem Description</a:t>
             </a:r>
           </a:p>
         </p:txBody>
@@ -42593,43 +42443,54 @@
           </a:bodyPr>
           <a:lstStyle/>
           <a:p>
-            <a:r>
-              <a:rPr lang="en-US" b="1" dirty="0"/>
-              <a:t>Problem Description</a:t>
-            </a:r>
-          </a:p>
-          <a:p>
+            <a:pPr marL="342900" indent="-342900">
+              <a:buFont typeface="Arial" panose="020B0604020202020204" pitchFamily="34" charset="0"/>
+              <a:buChar char="•"/>
+            </a:pPr>
             <a:r>
               <a:rPr lang="en-US" dirty="0"/>
-              <a:t>Mushroom identification is difficult for beginners due to subtle visual similarities.</a:t>
+              <a:t>Mushroom identification is difficult for beginners due to subtle similarities.</a:t>
             </a:r>
           </a:p>
           <a:p>
-            <a:r>
-              <a:rPr lang="en-US" dirty="0"/>
-              <a:t>Misidentification can cause serious health risks and poisoning.</a:t>
-            </a:r>
-          </a:p>
-          <a:p>
+            <a:pPr marL="342900" indent="-342900">
+              <a:buFont typeface="Arial" panose="020B0604020202020204" pitchFamily="34" charset="0"/>
+              <a:buChar char="•"/>
+            </a:pPr>
             <a:r>
               <a:rPr lang="en-US" dirty="0"/>
               <a:t>Traditional methods require prior knowledge and are prone to errors.</a:t>
             </a:r>
           </a:p>
           <a:p>
+            <a:pPr marL="342900" indent="-342900">
+              <a:buFont typeface="Arial" panose="020B0604020202020204" pitchFamily="34" charset="0"/>
+              <a:buChar char="•"/>
+            </a:pPr>
             <a:r>
               <a:rPr lang="en-US" dirty="0"/>
-              <a:t>Growing interest in outdoor activities increases demand for accessible identification tools.</a:t>
+              <a:t>Misidentification can cause serious health risks.</a:t>
             </a:r>
           </a:p>
           <a:p>
+            <a:pPr marL="342900" indent="-342900">
+              <a:buFont typeface="Arial" panose="020B0604020202020204" pitchFamily="34" charset="0"/>
+              <a:buChar char="•"/>
+            </a:pPr>
             <a:r>
               <a:rPr lang="en-US" dirty="0"/>
-              <a:t>Image-based tools alone are not enough; users also need search and location-based context.</a:t>
+              <a:t>Growing interest in foraging has increased demand for reliable, accessible tools</a:t>
             </a:r>
           </a:p>
           <a:p>
-            <a:endParaRPr lang="en-US" dirty="0"/>
+            <a:pPr marL="342900" indent="-342900">
+              <a:buFont typeface="Arial" panose="020B0604020202020204" pitchFamily="34" charset="0"/>
+              <a:buChar char="•"/>
+            </a:pPr>
+            <a:r>
+              <a:rPr lang="en-US" dirty="0"/>
+              <a:t>Existing digital solutions are often limited by high cost or restrictive freemium models.</a:t>
+            </a:r>
           </a:p>
         </p:txBody>
       </p:sp>
@@ -42687,12 +42548,14 @@
         </p:nvSpPr>
         <p:spPr/>
         <p:txBody>
-          <a:bodyPr/>
+          <a:bodyPr>
+            <a:normAutofit/>
+          </a:bodyPr>
           <a:lstStyle/>
           <a:p>
             <a:r>
-              <a:rPr lang="en-US" dirty="0"/>
-              <a:t>Introduction</a:t>
+              <a:rPr lang="en-US" sz="6000" dirty="0"/>
+              <a:t>1.2. Purpose of the Study</a:t>
             </a:r>
           </a:p>
         </p:txBody>
@@ -42720,47 +42583,43 @@
           </a:bodyPr>
           <a:lstStyle/>
           <a:p>
-            <a:r>
-              <a:rPr lang="en-US" b="1" dirty="0"/>
-              <a:t>Purpose of the Study</a:t>
-            </a:r>
-          </a:p>
-          <a:p>
+            <a:pPr marL="342900" indent="-342900">
+              <a:buFont typeface="Arial" panose="020B0604020202020204" pitchFamily="34" charset="0"/>
+              <a:buChar char="•"/>
+            </a:pPr>
             <a:r>
               <a:rPr lang="en-US" dirty="0"/>
-              <a:t>Develop </a:t>
+              <a:t>Develop a beginner friendly Android app for safe mushroom identification that support safe foraging practices and self-learning.</a:t>
             </a:r>
-            <a:r>
-              <a:rPr lang="en-US" i="1" dirty="0"/>
-              <a:t>FungiScan</a:t>
-            </a:r>
+          </a:p>
+          <a:p>
+            <a:pPr marL="342900" indent="-342900">
+              <a:buFont typeface="Arial" panose="020B0604020202020204" pitchFamily="34" charset="0"/>
+              <a:buChar char="•"/>
+            </a:pPr>
             <a:r>
               <a:rPr lang="en-US" dirty="0"/>
-              <a:t>, a beginner-friendly Android app for safe mushroom identification.</a:t>
+              <a:t>Provide real time image recognition using a server-side model with local result storage.</a:t>
             </a:r>
           </a:p>
           <a:p>
+            <a:pPr marL="342900" indent="-342900">
+              <a:buFont typeface="Arial" panose="020B0604020202020204" pitchFamily="34" charset="0"/>
+              <a:buChar char="•"/>
+            </a:pPr>
             <a:r>
               <a:rPr lang="en-US" dirty="0"/>
-              <a:t>Provide real-time image recognition using a server-side ViT model.</a:t>
+              <a:t>Include a keyword-searchable mushroom database.</a:t>
             </a:r>
           </a:p>
           <a:p>
-            <a:r>
-              <a:rPr lang="en-US" dirty="0"/>
-              <a:t>Include a keyword-searchable mushroom database for offline exploration.</a:t>
-            </a:r>
-          </a:p>
-          <a:p>
+            <a:pPr marL="342900" indent="-342900">
+              <a:buFont typeface="Arial" panose="020B0604020202020204" pitchFamily="34" charset="0"/>
+              <a:buChar char="•"/>
+            </a:pPr>
             <a:r>
               <a:rPr lang="en-US" dirty="0"/>
               <a:t>Integrate an interactive forage map using iNaturalist community observations.</a:t>
-            </a:r>
-          </a:p>
-          <a:p>
-            <a:r>
-              <a:rPr lang="en-US" dirty="0"/>
-              <a:t>Support safe foraging practices and self-learning.</a:t>
             </a:r>
           </a:p>
           <a:p>
@@ -42822,12 +42681,14 @@
         </p:nvSpPr>
         <p:spPr/>
         <p:txBody>
-          <a:bodyPr/>
+          <a:bodyPr>
+            <a:normAutofit/>
+          </a:bodyPr>
           <a:lstStyle/>
           <a:p>
             <a:r>
-              <a:rPr lang="en-US" dirty="0"/>
-              <a:t>Introduction</a:t>
+              <a:rPr lang="en-US" sz="6000" dirty="0"/>
+              <a:t>1.3. Objectives &amp; Scope</a:t>
             </a:r>
           </a:p>
         </p:txBody>
@@ -42857,23 +42718,34 @@
           <a:p>
             <a:r>
               <a:rPr lang="en-US" b="1" dirty="0"/>
-              <a:t>Objectives &amp; Scope Objectives</a:t>
+              <a:t>Objectives:</a:t>
             </a:r>
-            <a:endParaRPr lang="en-US" dirty="0"/>
-          </a:p>
-          <a:p>
+          </a:p>
+          <a:p>
+            <a:pPr marL="342900" indent="-342900">
+              <a:buFont typeface="Arial" panose="020B0604020202020204" pitchFamily="34" charset="0"/>
+              <a:buChar char="•"/>
+            </a:pPr>
             <a:r>
               <a:rPr lang="en-US" dirty="0"/>
               <a:t>Build an app that delivers reliable AI-based identification.</a:t>
             </a:r>
           </a:p>
           <a:p>
+            <a:pPr marL="342900" indent="-342900">
+              <a:buFont typeface="Arial" panose="020B0604020202020204" pitchFamily="34" charset="0"/>
+              <a:buChar char="•"/>
+            </a:pPr>
             <a:r>
               <a:rPr lang="en-US" dirty="0"/>
-              <a:t>Design a fast client–server architecture with intuitive UI/UX.</a:t>
+              <a:t>Design a fast client server architecture with intuitive UI/UX.</a:t>
             </a:r>
           </a:p>
           <a:p>
+            <a:pPr marL="342900" indent="-342900">
+              <a:buFont typeface="Arial" panose="020B0604020202020204" pitchFamily="34" charset="0"/>
+              <a:buChar char="•"/>
+            </a:pPr>
             <a:r>
               <a:rPr lang="en-US" dirty="0"/>
               <a:t>Combine image inference, search, history, and map features.</a:t>
@@ -42882,23 +42754,35 @@
           <a:p>
             <a:r>
               <a:rPr lang="en-US" b="1" dirty="0"/>
-              <a:t>Scope</a:t>
+              <a:t>Scope:</a:t>
             </a:r>
             <a:endParaRPr lang="en-US" dirty="0"/>
           </a:p>
           <a:p>
+            <a:pPr marL="342900" indent="-342900">
+              <a:buFont typeface="Arial" panose="020B0604020202020204" pitchFamily="34" charset="0"/>
+              <a:buChar char="•"/>
+            </a:pPr>
             <a:r>
               <a:rPr lang="en-US" dirty="0"/>
-              <a:t>Android app using Flutter; server inference via PyTorch + Lightning.ai.</a:t>
+              <a:t>Android app using Flutter, server inference via PyTorch + Lightning.ai.</a:t>
             </a:r>
           </a:p>
           <a:p>
+            <a:pPr marL="342900" indent="-342900">
+              <a:buFont typeface="Arial" panose="020B0604020202020204" pitchFamily="34" charset="0"/>
+              <a:buChar char="•"/>
+            </a:pPr>
             <a:r>
               <a:rPr lang="en-US" dirty="0"/>
               <a:t>Local SQLite storage and a bundled JSON dataset.</a:t>
             </a:r>
           </a:p>
           <a:p>
+            <a:pPr marL="342900" indent="-342900">
+              <a:buFont typeface="Arial" panose="020B0604020202020204" pitchFamily="34" charset="0"/>
+              <a:buChar char="•"/>
+            </a:pPr>
             <a:r>
               <a:rPr lang="en-US" dirty="0"/>
               <a:t>Integration of iNaturalist API.</a:t>
@@ -43032,12 +42916,14 @@
         </p:nvSpPr>
         <p:spPr/>
         <p:txBody>
-          <a:bodyPr/>
+          <a:bodyPr>
+            <a:normAutofit/>
+          </a:bodyPr>
           <a:lstStyle/>
           <a:p>
             <a:r>
-              <a:rPr lang="en-US" dirty="0"/>
-              <a:t>Theoretical basis &amp; systems analysis</a:t>
+              <a:rPr lang="en-US" sz="6000" dirty="0"/>
+              <a:t>2.1. Key Technologies </a:t>
             </a:r>
           </a:p>
         </p:txBody>
@@ -43061,15 +42947,9 @@
         <p:spPr/>
         <p:txBody>
           <a:bodyPr>
-            <a:normAutofit fontScale="92500"/>
+            <a:normAutofit lnSpcReduction="10000"/>
           </a:bodyPr>
           <a:lstStyle/>
-          <a:p>
-            <a:r>
-              <a:rPr lang="en-US" b="1" dirty="0"/>
-              <a:t>Key Technologies Used</a:t>
-            </a:r>
-          </a:p>
           <a:p>
             <a:pPr marL="342900" indent="-342900">
               <a:buFont typeface="Arial" panose="020B0604020202020204" pitchFamily="34" charset="0"/>
@@ -43170,7 +43050,7 @@
         <p:cNvPr id="1" name="">
           <a:extLst>
             <a:ext uri="{FF2B5EF4-FFF2-40B4-BE49-F238E27FC236}">
-              <a16:creationId xmlns:a16="http://schemas.microsoft.com/office/drawing/2014/main" id="{0620BF8C-2B1D-347D-08A0-5065EC1622FD}"/>
+              <a16:creationId xmlns:a16="http://schemas.microsoft.com/office/drawing/2014/main" id="{D6B3302F-2E3A-0B18-A55E-29D4E3309E6D}"/>
             </a:ext>
           </a:extLst>
         </p:cNvPr>
@@ -43190,7 +43070,7 @@
           <p:cNvPr id="2" name="Title 1">
             <a:extLst>
               <a:ext uri="{FF2B5EF4-FFF2-40B4-BE49-F238E27FC236}">
-                <a16:creationId xmlns:a16="http://schemas.microsoft.com/office/drawing/2014/main" id="{0C001596-C9BF-FDEE-FF39-A9F8DD96F9A7}"/>
+                <a16:creationId xmlns:a16="http://schemas.microsoft.com/office/drawing/2014/main" id="{0DE05624-1CA7-765B-EB72-63043428EF7A}"/>
               </a:ext>
             </a:extLst>
           </p:cNvPr>
@@ -43203,12 +43083,14 @@
         </p:nvSpPr>
         <p:spPr/>
         <p:txBody>
-          <a:bodyPr/>
+          <a:bodyPr>
+            <a:normAutofit/>
+          </a:bodyPr>
           <a:lstStyle/>
           <a:p>
             <a:r>
-              <a:rPr lang="en-US" dirty="0"/>
-              <a:t>Theoretical basis &amp; systems analysis</a:t>
+              <a:rPr lang="en-US" sz="6000" dirty="0"/>
+              <a:t>2.2. Vision Transformer Model</a:t>
             </a:r>
           </a:p>
         </p:txBody>
@@ -43218,7 +43100,7 @@
           <p:cNvPr id="3" name="Content Placeholder 2">
             <a:extLst>
               <a:ext uri="{FF2B5EF4-FFF2-40B4-BE49-F238E27FC236}">
-                <a16:creationId xmlns:a16="http://schemas.microsoft.com/office/drawing/2014/main" id="{079AD8B6-ECCA-266A-0B15-B3B8B2A60770}"/>
+                <a16:creationId xmlns:a16="http://schemas.microsoft.com/office/drawing/2014/main" id="{2670AC88-4913-68CD-4E45-70F0D66C536D}"/>
               </a:ext>
             </a:extLst>
           </p:cNvPr>
@@ -43232,63 +43114,69 @@
         <p:spPr/>
         <p:txBody>
           <a:bodyPr>
-            <a:normAutofit lnSpcReduction="10000"/>
+            <a:normAutofit/>
           </a:bodyPr>
           <a:lstStyle/>
           <a:p>
             <a:r>
               <a:rPr lang="en-US" b="1" dirty="0"/>
-              <a:t>SLIDE 2 — Deep Learning Overview</a:t>
+              <a:t>Vision Transformer (ViT) Model (which model, add it here</a:t>
             </a:r>
-          </a:p>
-          <a:p>
+            <a:r>
+              <a:rPr lang="en-US" b="1"/>
+              <a:t>, pre-trained </a:t>
+            </a:r>
             <a:r>
               <a:rPr lang="en-US" b="1" dirty="0"/>
-              <a:t>Deep Learning</a:t>
+              <a:t>on?)</a:t>
             </a:r>
+            <a:endParaRPr lang="en-US" dirty="0"/>
+          </a:p>
+          <a:p>
+            <a:pPr marL="342900" indent="-342900">
+              <a:buFont typeface="Arial" panose="020B0604020202020204" pitchFamily="34" charset="0"/>
+              <a:buChar char="•"/>
+            </a:pPr>
             <a:r>
               <a:rPr lang="en-US" dirty="0"/>
-              <a:t>: Multi-layer neural networks for automatic feature extraction.</a:t>
+              <a:t>Image → split into patches → embedded as tokens.</a:t>
             </a:r>
           </a:p>
           <a:p>
-            <a:r>
-              <a:rPr lang="en-US" b="1" dirty="0"/>
-              <a:t>CNN vs ViT</a:t>
-            </a:r>
+            <a:pPr marL="342900" indent="-342900">
+              <a:buFont typeface="Arial" panose="020B0604020202020204" pitchFamily="34" charset="0"/>
+              <a:buChar char="•"/>
+            </a:pPr>
             <a:r>
               <a:rPr lang="en-US" dirty="0"/>
-              <a:t>:</a:t>
+              <a:t>Multi-Head Self-Attention captures global relationships.</a:t>
             </a:r>
           </a:p>
           <a:p>
-            <a:pPr lvl="1"/>
+            <a:pPr marL="342900" indent="-342900">
+              <a:buFont typeface="Arial" panose="020B0604020202020204" pitchFamily="34" charset="0"/>
+              <a:buChar char="•"/>
+            </a:pPr>
             <a:r>
               <a:rPr lang="en-US" dirty="0"/>
-              <a:t>CNN: local feature extraction, strong on structured patterns.</a:t>
+              <a:t>CLS token produces final class prediction.</a:t>
             </a:r>
           </a:p>
           <a:p>
-            <a:pPr lvl="1"/>
+            <a:pPr marL="342900" indent="-342900">
+              <a:buFont typeface="Arial" panose="020B0604020202020204" pitchFamily="34" charset="0"/>
+              <a:buChar char="•"/>
+            </a:pPr>
             <a:r>
               <a:rPr lang="en-US" dirty="0"/>
-              <a:t>ViT: patch-based attention, better at global context and fine-grained differences.</a:t>
+              <a:t>Higher accuracy than ResNet-50, EfficientNet and MobileNet on the custom dataset.</a:t>
             </a:r>
           </a:p>
           <a:p>
-            <a:r>
-              <a:rPr lang="en-US" b="1" dirty="0"/>
-              <a:t>Why ViT for mushrooms</a:t>
-            </a:r>
-            <a:r>
-              <a:rPr lang="en-US" dirty="0"/>
-              <a:t>: Handles subtle visual details and complex textures.</a:t>
-            </a:r>
-          </a:p>
-          <a:p>
-            <a:br>
-              <a:rPr lang="en-US" dirty="0"/>
-            </a:br>
+            <a:pPr marL="342900" indent="-342900">
+              <a:buFont typeface="Arial" panose="020B0604020202020204" pitchFamily="34" charset="0"/>
+              <a:buChar char="•"/>
+            </a:pPr>
             <a:endParaRPr lang="en-US" dirty="0"/>
           </a:p>
         </p:txBody>
@@ -43296,7 +43184,7 @@
     </p:spTree>
     <p:extLst>
       <p:ext uri="{BB962C8B-B14F-4D97-AF65-F5344CB8AC3E}">
-        <p14:creationId xmlns:p14="http://schemas.microsoft.com/office/powerpoint/2010/main" val="1814031870"/>
+        <p14:creationId xmlns:p14="http://schemas.microsoft.com/office/powerpoint/2010/main" val="1847825848"/>
       </p:ext>
     </p:extLst>
   </p:cSld>

--- a/Báo cáo/ThesisReport.pptx
+++ b/Báo cáo/ThesisReport.pptx
@@ -5,7 +5,7 @@
     <p:sldMasterId id="2147483648" r:id="rId1"/>
   </p:sldMasterIdLst>
   <p:notesMasterIdLst>
-    <p:notesMasterId r:id="rId33"/>
+    <p:notesMasterId r:id="rId30"/>
   </p:notesMasterIdLst>
   <p:sldIdLst>
     <p:sldId id="271" r:id="rId2"/>
@@ -17,28 +17,25 @@
     <p:sldId id="281" r:id="rId8"/>
     <p:sldId id="284" r:id="rId9"/>
     <p:sldId id="299" r:id="rId10"/>
-    <p:sldId id="300" r:id="rId11"/>
-    <p:sldId id="292" r:id="rId12"/>
-    <p:sldId id="296" r:id="rId13"/>
-    <p:sldId id="293" r:id="rId14"/>
-    <p:sldId id="294" r:id="rId15"/>
-    <p:sldId id="295" r:id="rId16"/>
-    <p:sldId id="298" r:id="rId17"/>
-    <p:sldId id="297" r:id="rId18"/>
-    <p:sldId id="274" r:id="rId19"/>
-    <p:sldId id="275" r:id="rId20"/>
-    <p:sldId id="276" r:id="rId21"/>
-    <p:sldId id="277" r:id="rId22"/>
-    <p:sldId id="278" r:id="rId23"/>
-    <p:sldId id="285" r:id="rId24"/>
-    <p:sldId id="279" r:id="rId25"/>
-    <p:sldId id="301" r:id="rId26"/>
-    <p:sldId id="273" r:id="rId27"/>
-    <p:sldId id="272" r:id="rId28"/>
-    <p:sldId id="270" r:id="rId29"/>
-    <p:sldId id="261" r:id="rId30"/>
-    <p:sldId id="283" r:id="rId31"/>
-    <p:sldId id="267" r:id="rId32"/>
+    <p:sldId id="292" r:id="rId11"/>
+    <p:sldId id="296" r:id="rId12"/>
+    <p:sldId id="293" r:id="rId13"/>
+    <p:sldId id="294" r:id="rId14"/>
+    <p:sldId id="295" r:id="rId15"/>
+    <p:sldId id="298" r:id="rId16"/>
+    <p:sldId id="297" r:id="rId17"/>
+    <p:sldId id="274" r:id="rId18"/>
+    <p:sldId id="275" r:id="rId19"/>
+    <p:sldId id="276" r:id="rId20"/>
+    <p:sldId id="277" r:id="rId21"/>
+    <p:sldId id="278" r:id="rId22"/>
+    <p:sldId id="285" r:id="rId23"/>
+    <p:sldId id="279" r:id="rId24"/>
+    <p:sldId id="301" r:id="rId25"/>
+    <p:sldId id="273" r:id="rId26"/>
+    <p:sldId id="272" r:id="rId27"/>
+    <p:sldId id="270" r:id="rId28"/>
+    <p:sldId id="261" r:id="rId29"/>
   </p:sldIdLst>
   <p:sldSz cx="12192000" cy="6858000"/>
   <p:notesSz cx="6858000" cy="9144000"/>
@@ -594,121 +591,6 @@
         <p:cNvPr id="1" name="">
           <a:extLst>
             <a:ext uri="{FF2B5EF4-FFF2-40B4-BE49-F238E27FC236}">
-              <a16:creationId xmlns:a16="http://schemas.microsoft.com/office/drawing/2014/main" id="{38D4E520-8007-473F-1EAD-F11A63BDDB6A}"/>
-            </a:ext>
-          </a:extLst>
-        </p:cNvPr>
-        <p:cNvGrpSpPr/>
-        <p:nvPr/>
-      </p:nvGrpSpPr>
-      <p:grpSpPr>
-        <a:xfrm>
-          <a:off x="0" y="0"/>
-          <a:ext cx="0" cy="0"/>
-          <a:chOff x="0" y="0"/>
-          <a:chExt cx="0" cy="0"/>
-        </a:xfrm>
-      </p:grpSpPr>
-      <p:sp>
-        <p:nvSpPr>
-          <p:cNvPr id="2" name="Slide Image Placeholder 1">
-            <a:extLst>
-              <a:ext uri="{FF2B5EF4-FFF2-40B4-BE49-F238E27FC236}">
-                <a16:creationId xmlns:a16="http://schemas.microsoft.com/office/drawing/2014/main" id="{85569434-C290-0358-EADD-2A95BF7707BA}"/>
-              </a:ext>
-            </a:extLst>
-          </p:cNvPr>
-          <p:cNvSpPr>
-            <a:spLocks noGrp="1" noRot="1" noChangeAspect="1"/>
-          </p:cNvSpPr>
-          <p:nvPr>
-            <p:ph type="sldImg"/>
-          </p:nvPr>
-        </p:nvSpPr>
-        <p:spPr/>
-        <p:txBody>
-          <a:bodyPr/>
-          <a:lstStyle/>
-          <a:p>
-            <a:endParaRPr lang="en-US"/>
-          </a:p>
-        </p:txBody>
-      </p:sp>
-      <p:sp>
-        <p:nvSpPr>
-          <p:cNvPr id="3" name="Notes Placeholder 2">
-            <a:extLst>
-              <a:ext uri="{FF2B5EF4-FFF2-40B4-BE49-F238E27FC236}">
-                <a16:creationId xmlns:a16="http://schemas.microsoft.com/office/drawing/2014/main" id="{82B74D49-C1CE-653B-4198-1DE2391C5539}"/>
-              </a:ext>
-            </a:extLst>
-          </p:cNvPr>
-          <p:cNvSpPr>
-            <a:spLocks noGrp="1"/>
-          </p:cNvSpPr>
-          <p:nvPr>
-            <p:ph type="body" idx="1"/>
-          </p:nvPr>
-        </p:nvSpPr>
-        <p:spPr/>
-        <p:txBody>
-          <a:bodyPr/>
-          <a:lstStyle/>
-          <a:p>
-            <a:endParaRPr lang="en-US" dirty="0"/>
-          </a:p>
-        </p:txBody>
-      </p:sp>
-      <p:sp>
-        <p:nvSpPr>
-          <p:cNvPr id="4" name="Slide Number Placeholder 3">
-            <a:extLst>
-              <a:ext uri="{FF2B5EF4-FFF2-40B4-BE49-F238E27FC236}">
-                <a16:creationId xmlns:a16="http://schemas.microsoft.com/office/drawing/2014/main" id="{958A0187-9FF7-9E37-C7E5-DCF651889753}"/>
-              </a:ext>
-            </a:extLst>
-          </p:cNvPr>
-          <p:cNvSpPr>
-            <a:spLocks noGrp="1"/>
-          </p:cNvSpPr>
-          <p:nvPr>
-            <p:ph type="sldNum" sz="quarter" idx="5"/>
-          </p:nvPr>
-        </p:nvSpPr>
-        <p:spPr/>
-        <p:txBody>
-          <a:bodyPr/>
-          <a:lstStyle/>
-          <a:p>
-            <a:fld id="{A67E2EB4-AAAC-4D92-8F4B-6C8B3AB9BD3F}" type="slidenum">
-              <a:rPr lang="vi-VN" smtClean="0"/>
-              <a:t>13</a:t>
-            </a:fld>
-            <a:endParaRPr lang="vi-VN"/>
-          </a:p>
-        </p:txBody>
-      </p:sp>
-    </p:spTree>
-    <p:extLst>
-      <p:ext uri="{BB962C8B-B14F-4D97-AF65-F5344CB8AC3E}">
-        <p14:creationId xmlns:p14="http://schemas.microsoft.com/office/powerpoint/2010/main" val="3213775446"/>
-      </p:ext>
-    </p:extLst>
-  </p:cSld>
-  <p:clrMapOvr>
-    <a:masterClrMapping/>
-  </p:clrMapOvr>
-</p:notes>
-</file>
-
-<file path=ppt/notesSlides/notesSlide11.xml><?xml version="1.0" encoding="utf-8"?>
-<p:notes xmlns:a="http://schemas.openxmlformats.org/drawingml/2006/main" xmlns:r="http://schemas.openxmlformats.org/officeDocument/2006/relationships" xmlns:p="http://schemas.openxmlformats.org/presentationml/2006/main">
-  <p:cSld>
-    <p:spTree>
-      <p:nvGrpSpPr>
-        <p:cNvPr id="1" name="">
-          <a:extLst>
-            <a:ext uri="{FF2B5EF4-FFF2-40B4-BE49-F238E27FC236}">
               <a16:creationId xmlns:a16="http://schemas.microsoft.com/office/drawing/2014/main" id="{2BFB3396-8EFB-AC40-C9B9-C8A02B1B09A3}"/>
             </a:ext>
           </a:extLst>
@@ -797,7 +679,7 @@
           <a:p>
             <a:fld id="{A67E2EB4-AAAC-4D92-8F4B-6C8B3AB9BD3F}" type="slidenum">
               <a:rPr lang="vi-VN" smtClean="0"/>
-              <a:t>14</a:t>
+              <a:t>13</a:t>
             </a:fld>
             <a:endParaRPr lang="vi-VN"/>
           </a:p>
@@ -816,7 +698,7 @@
 </p:notes>
 </file>
 
-<file path=ppt/notesSlides/notesSlide12.xml><?xml version="1.0" encoding="utf-8"?>
+<file path=ppt/notesSlides/notesSlide11.xml><?xml version="1.0" encoding="utf-8"?>
 <p:notes xmlns:a="http://schemas.openxmlformats.org/drawingml/2006/main" xmlns:r="http://schemas.openxmlformats.org/officeDocument/2006/relationships" xmlns:p="http://schemas.openxmlformats.org/presentationml/2006/main">
   <p:cSld>
     <p:spTree>
@@ -912,7 +794,7 @@
           <a:p>
             <a:fld id="{A67E2EB4-AAAC-4D92-8F4B-6C8B3AB9BD3F}" type="slidenum">
               <a:rPr lang="vi-VN" smtClean="0"/>
-              <a:t>15</a:t>
+              <a:t>14</a:t>
             </a:fld>
             <a:endParaRPr lang="vi-VN"/>
           </a:p>
@@ -931,7 +813,7 @@
 </p:notes>
 </file>
 
-<file path=ppt/notesSlides/notesSlide13.xml><?xml version="1.0" encoding="utf-8"?>
+<file path=ppt/notesSlides/notesSlide12.xml><?xml version="1.0" encoding="utf-8"?>
 <p:notes xmlns:a="http://schemas.openxmlformats.org/drawingml/2006/main" xmlns:r="http://schemas.openxmlformats.org/officeDocument/2006/relationships" xmlns:p="http://schemas.openxmlformats.org/presentationml/2006/main">
   <p:cSld>
     <p:spTree>
@@ -1027,7 +909,7 @@
           <a:p>
             <a:fld id="{A67E2EB4-AAAC-4D92-8F4B-6C8B3AB9BD3F}" type="slidenum">
               <a:rPr lang="vi-VN" smtClean="0"/>
-              <a:t>16</a:t>
+              <a:t>15</a:t>
             </a:fld>
             <a:endParaRPr lang="vi-VN"/>
           </a:p>
@@ -1046,7 +928,7 @@
 </p:notes>
 </file>
 
-<file path=ppt/notesSlides/notesSlide14.xml><?xml version="1.0" encoding="utf-8"?>
+<file path=ppt/notesSlides/notesSlide13.xml><?xml version="1.0" encoding="utf-8"?>
 <p:notes xmlns:a="http://schemas.openxmlformats.org/drawingml/2006/main" xmlns:r="http://schemas.openxmlformats.org/officeDocument/2006/relationships" xmlns:p="http://schemas.openxmlformats.org/presentationml/2006/main">
   <p:cSld>
     <p:spTree>
@@ -1142,7 +1024,7 @@
           <a:p>
             <a:fld id="{A67E2EB4-AAAC-4D92-8F4B-6C8B3AB9BD3F}" type="slidenum">
               <a:rPr lang="vi-VN" smtClean="0"/>
-              <a:t>17</a:t>
+              <a:t>16</a:t>
             </a:fld>
             <a:endParaRPr lang="vi-VN"/>
           </a:p>
@@ -1152,6 +1034,128 @@
     <p:extLst>
       <p:ext uri="{BB962C8B-B14F-4D97-AF65-F5344CB8AC3E}">
         <p14:creationId xmlns:p14="http://schemas.microsoft.com/office/powerpoint/2010/main" val="2772146794"/>
+      </p:ext>
+    </p:extLst>
+  </p:cSld>
+  <p:clrMapOvr>
+    <a:masterClrMapping/>
+  </p:clrMapOvr>
+</p:notes>
+</file>
+
+<file path=ppt/notesSlides/notesSlide14.xml><?xml version="1.0" encoding="utf-8"?>
+<p:notes xmlns:a="http://schemas.openxmlformats.org/drawingml/2006/main" xmlns:r="http://schemas.openxmlformats.org/officeDocument/2006/relationships" xmlns:p="http://schemas.openxmlformats.org/presentationml/2006/main">
+  <p:cSld>
+    <p:spTree>
+      <p:nvGrpSpPr>
+        <p:cNvPr id="1" name=""/>
+        <p:cNvGrpSpPr/>
+        <p:nvPr/>
+      </p:nvGrpSpPr>
+      <p:grpSpPr>
+        <a:xfrm>
+          <a:off x="0" y="0"/>
+          <a:ext cx="0" cy="0"/>
+          <a:chOff x="0" y="0"/>
+          <a:chExt cx="0" cy="0"/>
+        </a:xfrm>
+      </p:grpSpPr>
+      <p:sp>
+        <p:nvSpPr>
+          <p:cNvPr id="2" name="Slide Image Placeholder 1"/>
+          <p:cNvSpPr>
+            <a:spLocks noGrp="1" noRot="1" noChangeAspect="1"/>
+          </p:cNvSpPr>
+          <p:nvPr>
+            <p:ph type="sldImg"/>
+          </p:nvPr>
+        </p:nvSpPr>
+        <p:spPr/>
+        <p:txBody>
+          <a:bodyPr/>
+          <a:lstStyle/>
+          <a:p>
+            <a:endParaRPr lang="en-US"/>
+          </a:p>
+        </p:txBody>
+      </p:sp>
+      <p:sp>
+        <p:nvSpPr>
+          <p:cNvPr id="3" name="Notes Placeholder 2"/>
+          <p:cNvSpPr>
+            <a:spLocks noGrp="1"/>
+          </p:cNvSpPr>
+          <p:nvPr>
+            <p:ph type="body" idx="1"/>
+          </p:nvPr>
+        </p:nvSpPr>
+        <p:spPr/>
+        <p:txBody>
+          <a:bodyPr/>
+          <a:lstStyle/>
+          <a:p>
+            <a:r>
+              <a:rPr lang="en-US" dirty="0" err="1"/>
+              <a:t>Achived</a:t>
+            </a:r>
+            <a:r>
+              <a:rPr lang="en-US" dirty="0"/>
+              <a:t> results:</a:t>
+            </a:r>
+            <a:br>
+              <a:rPr lang="en-US" dirty="0"/>
+            </a:br>
+            <a:r>
+              <a:rPr lang="en-US" dirty="0"/>
+              <a:t>2. local **result** storage</a:t>
+            </a:r>
+          </a:p>
+          <a:p>
+            <a:endParaRPr lang="en-US" dirty="0"/>
+          </a:p>
+          <a:p>
+            <a:r>
+              <a:rPr lang="en-US" dirty="0"/>
+              <a:t>Current limitations:</a:t>
+            </a:r>
+            <a:br>
+              <a:rPr lang="en-US" dirty="0"/>
+            </a:br>
+            <a:r>
+              <a:rPr lang="en-US" dirty="0"/>
+              <a:t>3. which are the search feature and forage map.</a:t>
+            </a:r>
+            <a:endParaRPr lang="vi-VN" dirty="0"/>
+          </a:p>
+        </p:txBody>
+      </p:sp>
+      <p:sp>
+        <p:nvSpPr>
+          <p:cNvPr id="4" name="Slide Number Placeholder 3"/>
+          <p:cNvSpPr>
+            <a:spLocks noGrp="1"/>
+          </p:cNvSpPr>
+          <p:nvPr>
+            <p:ph type="sldNum" sz="quarter" idx="5"/>
+          </p:nvPr>
+        </p:nvSpPr>
+        <p:spPr/>
+        <p:txBody>
+          <a:bodyPr/>
+          <a:lstStyle/>
+          <a:p>
+            <a:fld id="{A67E2EB4-AAAC-4D92-8F4B-6C8B3AB9BD3F}" type="slidenum">
+              <a:rPr lang="vi-VN" smtClean="0"/>
+              <a:t>26</a:t>
+            </a:fld>
+            <a:endParaRPr lang="vi-VN"/>
+          </a:p>
+        </p:txBody>
+      </p:sp>
+    </p:spTree>
+    <p:extLst>
+      <p:ext uri="{BB962C8B-B14F-4D97-AF65-F5344CB8AC3E}">
+        <p14:creationId xmlns:p14="http://schemas.microsoft.com/office/powerpoint/2010/main" val="2167281020"/>
       </p:ext>
     </p:extLst>
   </p:cSld>
@@ -1212,38 +1216,19 @@
           <a:bodyPr/>
           <a:lstStyle/>
           <a:p>
-            <a:r>
-              <a:rPr lang="en-US" dirty="0" err="1"/>
-              <a:t>Achived</a:t>
-            </a:r>
+            <a:pPr marL="228600" indent="-228600">
+              <a:buAutoNum type="arabicPeriod"/>
+            </a:pPr>
             <a:r>
               <a:rPr lang="en-US" dirty="0"/>
-              <a:t> results:</a:t>
+              <a:t>Either through a multi-task model or a separate specialized classifier</a:t>
             </a:r>
-            <a:br>
-              <a:rPr lang="en-US" dirty="0"/>
-            </a:br>
-            <a:r>
-              <a:rPr lang="en-US" dirty="0"/>
-              <a:t>2. local **result** storage</a:t>
-            </a:r>
-          </a:p>
-          <a:p>
+          </a:p>
+          <a:p>
+            <a:pPr marL="228600" indent="-228600">
+              <a:buAutoNum type="arabicPeriod"/>
+            </a:pPr>
             <a:endParaRPr lang="en-US" dirty="0"/>
-          </a:p>
-          <a:p>
-            <a:r>
-              <a:rPr lang="en-US" dirty="0"/>
-              <a:t>Current limitations:</a:t>
-            </a:r>
-            <a:br>
-              <a:rPr lang="en-US" dirty="0"/>
-            </a:br>
-            <a:r>
-              <a:rPr lang="en-US" dirty="0"/>
-              <a:t>3. which are the search feature and forage map.</a:t>
-            </a:r>
-            <a:endParaRPr lang="vi-VN" dirty="0"/>
           </a:p>
         </p:txBody>
       </p:sp>
@@ -1273,225 +1258,7 @@
     </p:spTree>
     <p:extLst>
       <p:ext uri="{BB962C8B-B14F-4D97-AF65-F5344CB8AC3E}">
-        <p14:creationId xmlns:p14="http://schemas.microsoft.com/office/powerpoint/2010/main" val="2167281020"/>
-      </p:ext>
-    </p:extLst>
-  </p:cSld>
-  <p:clrMapOvr>
-    <a:masterClrMapping/>
-  </p:clrMapOvr>
-</p:notes>
-</file>
-
-<file path=ppt/notesSlides/notesSlide16.xml><?xml version="1.0" encoding="utf-8"?>
-<p:notes xmlns:a="http://schemas.openxmlformats.org/drawingml/2006/main" xmlns:r="http://schemas.openxmlformats.org/officeDocument/2006/relationships" xmlns:p="http://schemas.openxmlformats.org/presentationml/2006/main">
-  <p:cSld>
-    <p:spTree>
-      <p:nvGrpSpPr>
-        <p:cNvPr id="1" name=""/>
-        <p:cNvGrpSpPr/>
-        <p:nvPr/>
-      </p:nvGrpSpPr>
-      <p:grpSpPr>
-        <a:xfrm>
-          <a:off x="0" y="0"/>
-          <a:ext cx="0" cy="0"/>
-          <a:chOff x="0" y="0"/>
-          <a:chExt cx="0" cy="0"/>
-        </a:xfrm>
-      </p:grpSpPr>
-      <p:sp>
-        <p:nvSpPr>
-          <p:cNvPr id="2" name="Slide Image Placeholder 1"/>
-          <p:cNvSpPr>
-            <a:spLocks noGrp="1" noRot="1" noChangeAspect="1"/>
-          </p:cNvSpPr>
-          <p:nvPr>
-            <p:ph type="sldImg"/>
-          </p:nvPr>
-        </p:nvSpPr>
-        <p:spPr/>
-        <p:txBody>
-          <a:bodyPr/>
-          <a:lstStyle/>
-          <a:p>
-            <a:endParaRPr lang="en-US"/>
-          </a:p>
-        </p:txBody>
-      </p:sp>
-      <p:sp>
-        <p:nvSpPr>
-          <p:cNvPr id="3" name="Notes Placeholder 2"/>
-          <p:cNvSpPr>
-            <a:spLocks noGrp="1"/>
-          </p:cNvSpPr>
-          <p:nvPr>
-            <p:ph type="body" idx="1"/>
-          </p:nvPr>
-        </p:nvSpPr>
-        <p:spPr/>
-        <p:txBody>
-          <a:bodyPr/>
-          <a:lstStyle/>
-          <a:p>
-            <a:pPr marL="228600" indent="-228600">
-              <a:buAutoNum type="arabicPeriod"/>
-            </a:pPr>
-            <a:r>
-              <a:rPr lang="en-US" dirty="0"/>
-              <a:t>Either through a multi-task model or a separate specialized classifier</a:t>
-            </a:r>
-          </a:p>
-          <a:p>
-            <a:pPr marL="228600" indent="-228600">
-              <a:buAutoNum type="arabicPeriod"/>
-            </a:pPr>
-            <a:endParaRPr lang="en-US" dirty="0"/>
-          </a:p>
-        </p:txBody>
-      </p:sp>
-      <p:sp>
-        <p:nvSpPr>
-          <p:cNvPr id="4" name="Slide Number Placeholder 3"/>
-          <p:cNvSpPr>
-            <a:spLocks noGrp="1"/>
-          </p:cNvSpPr>
-          <p:nvPr>
-            <p:ph type="sldNum" sz="quarter" idx="5"/>
-          </p:nvPr>
-        </p:nvSpPr>
-        <p:spPr/>
-        <p:txBody>
-          <a:bodyPr/>
-          <a:lstStyle/>
-          <a:p>
-            <a:fld id="{A67E2EB4-AAAC-4D92-8F4B-6C8B3AB9BD3F}" type="slidenum">
-              <a:rPr lang="vi-VN" smtClean="0"/>
-              <a:t>28</a:t>
-            </a:fld>
-            <a:endParaRPr lang="vi-VN"/>
-          </a:p>
-        </p:txBody>
-      </p:sp>
-    </p:spTree>
-    <p:extLst>
-      <p:ext uri="{BB962C8B-B14F-4D97-AF65-F5344CB8AC3E}">
         <p14:creationId xmlns:p14="http://schemas.microsoft.com/office/powerpoint/2010/main" val="2855441045"/>
-      </p:ext>
-    </p:extLst>
-  </p:cSld>
-  <p:clrMapOvr>
-    <a:masterClrMapping/>
-  </p:clrMapOvr>
-</p:notes>
-</file>
-
-<file path=ppt/notesSlides/notesSlide17.xml><?xml version="1.0" encoding="utf-8"?>
-<p:notes xmlns:a="http://schemas.openxmlformats.org/drawingml/2006/main" xmlns:r="http://schemas.openxmlformats.org/officeDocument/2006/relationships" xmlns:p="http://schemas.openxmlformats.org/presentationml/2006/main">
-  <p:cSld>
-    <p:spTree>
-      <p:nvGrpSpPr>
-        <p:cNvPr id="1" name="">
-          <a:extLst>
-            <a:ext uri="{FF2B5EF4-FFF2-40B4-BE49-F238E27FC236}">
-              <a16:creationId xmlns:a16="http://schemas.microsoft.com/office/drawing/2014/main" id="{445AAB08-621F-8577-F090-3BDB879159FC}"/>
-            </a:ext>
-          </a:extLst>
-        </p:cNvPr>
-        <p:cNvGrpSpPr/>
-        <p:nvPr/>
-      </p:nvGrpSpPr>
-      <p:grpSpPr>
-        <a:xfrm>
-          <a:off x="0" y="0"/>
-          <a:ext cx="0" cy="0"/>
-          <a:chOff x="0" y="0"/>
-          <a:chExt cx="0" cy="0"/>
-        </a:xfrm>
-      </p:grpSpPr>
-      <p:sp>
-        <p:nvSpPr>
-          <p:cNvPr id="2" name="Slide Image Placeholder 1">
-            <a:extLst>
-              <a:ext uri="{FF2B5EF4-FFF2-40B4-BE49-F238E27FC236}">
-                <a16:creationId xmlns:a16="http://schemas.microsoft.com/office/drawing/2014/main" id="{53051E21-D4E8-E118-5E5C-DE8E6BA70AE6}"/>
-              </a:ext>
-            </a:extLst>
-          </p:cNvPr>
-          <p:cNvSpPr>
-            <a:spLocks noGrp="1" noRot="1" noChangeAspect="1"/>
-          </p:cNvSpPr>
-          <p:nvPr>
-            <p:ph type="sldImg"/>
-          </p:nvPr>
-        </p:nvSpPr>
-        <p:spPr/>
-        <p:txBody>
-          <a:bodyPr/>
-          <a:lstStyle/>
-          <a:p>
-            <a:endParaRPr lang="en-US"/>
-          </a:p>
-        </p:txBody>
-      </p:sp>
-      <p:sp>
-        <p:nvSpPr>
-          <p:cNvPr id="3" name="Notes Placeholder 2">
-            <a:extLst>
-              <a:ext uri="{FF2B5EF4-FFF2-40B4-BE49-F238E27FC236}">
-                <a16:creationId xmlns:a16="http://schemas.microsoft.com/office/drawing/2014/main" id="{CE4516DC-59A5-03E2-C0FF-CF883EC3FDA6}"/>
-              </a:ext>
-            </a:extLst>
-          </p:cNvPr>
-          <p:cNvSpPr>
-            <a:spLocks noGrp="1"/>
-          </p:cNvSpPr>
-          <p:nvPr>
-            <p:ph type="body" idx="1"/>
-          </p:nvPr>
-        </p:nvSpPr>
-        <p:spPr/>
-        <p:txBody>
-          <a:bodyPr/>
-          <a:lstStyle/>
-          <a:p>
-            <a:endParaRPr lang="en-US" dirty="0"/>
-          </a:p>
-        </p:txBody>
-      </p:sp>
-      <p:sp>
-        <p:nvSpPr>
-          <p:cNvPr id="4" name="Slide Number Placeholder 3">
-            <a:extLst>
-              <a:ext uri="{FF2B5EF4-FFF2-40B4-BE49-F238E27FC236}">
-                <a16:creationId xmlns:a16="http://schemas.microsoft.com/office/drawing/2014/main" id="{9E1375FE-AF65-AD32-7A9B-1FCC6C3DCE3A}"/>
-              </a:ext>
-            </a:extLst>
-          </p:cNvPr>
-          <p:cNvSpPr>
-            <a:spLocks noGrp="1"/>
-          </p:cNvSpPr>
-          <p:nvPr>
-            <p:ph type="sldNum" sz="quarter" idx="5"/>
-          </p:nvPr>
-        </p:nvSpPr>
-        <p:spPr/>
-        <p:txBody>
-          <a:bodyPr/>
-          <a:lstStyle/>
-          <a:p>
-            <a:fld id="{A67E2EB4-AAAC-4D92-8F4B-6C8B3AB9BD3F}" type="slidenum">
-              <a:rPr lang="vi-VN" smtClean="0"/>
-              <a:t>30</a:t>
-            </a:fld>
-            <a:endParaRPr lang="vi-VN"/>
-          </a:p>
-        </p:txBody>
-      </p:sp>
-    </p:spTree>
-    <p:extLst>
-      <p:ext uri="{BB962C8B-B14F-4D97-AF65-F5344CB8AC3E}">
-        <p14:creationId xmlns:p14="http://schemas.microsoft.com/office/powerpoint/2010/main" val="4128160173"/>
       </p:ext>
     </p:extLst>
   </p:cSld>
@@ -2084,121 +1851,6 @@
         <p:cNvPr id="1" name="">
           <a:extLst>
             <a:ext uri="{FF2B5EF4-FFF2-40B4-BE49-F238E27FC236}">
-              <a16:creationId xmlns:a16="http://schemas.microsoft.com/office/drawing/2014/main" id="{CC251B75-5016-E0F5-3F50-727C5F95DFA0}"/>
-            </a:ext>
-          </a:extLst>
-        </p:cNvPr>
-        <p:cNvGrpSpPr/>
-        <p:nvPr/>
-      </p:nvGrpSpPr>
-      <p:grpSpPr>
-        <a:xfrm>
-          <a:off x="0" y="0"/>
-          <a:ext cx="0" cy="0"/>
-          <a:chOff x="0" y="0"/>
-          <a:chExt cx="0" cy="0"/>
-        </a:xfrm>
-      </p:grpSpPr>
-      <p:sp>
-        <p:nvSpPr>
-          <p:cNvPr id="2" name="Slide Image Placeholder 1">
-            <a:extLst>
-              <a:ext uri="{FF2B5EF4-FFF2-40B4-BE49-F238E27FC236}">
-                <a16:creationId xmlns:a16="http://schemas.microsoft.com/office/drawing/2014/main" id="{3BFED50A-F9FB-6B1A-38D7-09FACB191E10}"/>
-              </a:ext>
-            </a:extLst>
-          </p:cNvPr>
-          <p:cNvSpPr>
-            <a:spLocks noGrp="1" noRot="1" noChangeAspect="1"/>
-          </p:cNvSpPr>
-          <p:nvPr>
-            <p:ph type="sldImg"/>
-          </p:nvPr>
-        </p:nvSpPr>
-        <p:spPr/>
-        <p:txBody>
-          <a:bodyPr/>
-          <a:lstStyle/>
-          <a:p>
-            <a:endParaRPr lang="en-US"/>
-          </a:p>
-        </p:txBody>
-      </p:sp>
-      <p:sp>
-        <p:nvSpPr>
-          <p:cNvPr id="3" name="Notes Placeholder 2">
-            <a:extLst>
-              <a:ext uri="{FF2B5EF4-FFF2-40B4-BE49-F238E27FC236}">
-                <a16:creationId xmlns:a16="http://schemas.microsoft.com/office/drawing/2014/main" id="{3C58EB54-B6CF-045A-B085-8BB7A769ABB3}"/>
-              </a:ext>
-            </a:extLst>
-          </p:cNvPr>
-          <p:cNvSpPr>
-            <a:spLocks noGrp="1"/>
-          </p:cNvSpPr>
-          <p:nvPr>
-            <p:ph type="body" idx="1"/>
-          </p:nvPr>
-        </p:nvSpPr>
-        <p:spPr/>
-        <p:txBody>
-          <a:bodyPr/>
-          <a:lstStyle/>
-          <a:p>
-            <a:endParaRPr lang="en-US" dirty="0"/>
-          </a:p>
-        </p:txBody>
-      </p:sp>
-      <p:sp>
-        <p:nvSpPr>
-          <p:cNvPr id="4" name="Slide Number Placeholder 3">
-            <a:extLst>
-              <a:ext uri="{FF2B5EF4-FFF2-40B4-BE49-F238E27FC236}">
-                <a16:creationId xmlns:a16="http://schemas.microsoft.com/office/drawing/2014/main" id="{AEFD3086-2EBA-D0F7-53FD-66A44F1E4A09}"/>
-              </a:ext>
-            </a:extLst>
-          </p:cNvPr>
-          <p:cNvSpPr>
-            <a:spLocks noGrp="1"/>
-          </p:cNvSpPr>
-          <p:nvPr>
-            <p:ph type="sldNum" sz="quarter" idx="5"/>
-          </p:nvPr>
-        </p:nvSpPr>
-        <p:spPr/>
-        <p:txBody>
-          <a:bodyPr/>
-          <a:lstStyle/>
-          <a:p>
-            <a:fld id="{A67E2EB4-AAAC-4D92-8F4B-6C8B3AB9BD3F}" type="slidenum">
-              <a:rPr lang="vi-VN" smtClean="0"/>
-              <a:t>10</a:t>
-            </a:fld>
-            <a:endParaRPr lang="vi-VN"/>
-          </a:p>
-        </p:txBody>
-      </p:sp>
-    </p:spTree>
-    <p:extLst>
-      <p:ext uri="{BB962C8B-B14F-4D97-AF65-F5344CB8AC3E}">
-        <p14:creationId xmlns:p14="http://schemas.microsoft.com/office/powerpoint/2010/main" val="3439148564"/>
-      </p:ext>
-    </p:extLst>
-  </p:cSld>
-  <p:clrMapOvr>
-    <a:masterClrMapping/>
-  </p:clrMapOvr>
-</p:notes>
-</file>
-
-<file path=ppt/notesSlides/notesSlide8.xml><?xml version="1.0" encoding="utf-8"?>
-<p:notes xmlns:a="http://schemas.openxmlformats.org/drawingml/2006/main" xmlns:r="http://schemas.openxmlformats.org/officeDocument/2006/relationships" xmlns:p="http://schemas.openxmlformats.org/presentationml/2006/main">
-  <p:cSld>
-    <p:spTree>
-      <p:nvGrpSpPr>
-        <p:cNvPr id="1" name="">
-          <a:extLst>
-            <a:ext uri="{FF2B5EF4-FFF2-40B4-BE49-F238E27FC236}">
               <a16:creationId xmlns:a16="http://schemas.microsoft.com/office/drawing/2014/main" id="{A10E6DF9-98E7-F510-0D5F-BBCF612DF735}"/>
             </a:ext>
           </a:extLst>
@@ -2287,7 +1939,7 @@
           <a:p>
             <a:fld id="{A67E2EB4-AAAC-4D92-8F4B-6C8B3AB9BD3F}" type="slidenum">
               <a:rPr lang="vi-VN" smtClean="0"/>
-              <a:t>11</a:t>
+              <a:t>10</a:t>
             </a:fld>
             <a:endParaRPr lang="vi-VN"/>
           </a:p>
@@ -2306,7 +1958,7 @@
 </p:notes>
 </file>
 
-<file path=ppt/notesSlides/notesSlide9.xml><?xml version="1.0" encoding="utf-8"?>
+<file path=ppt/notesSlides/notesSlide8.xml><?xml version="1.0" encoding="utf-8"?>
 <p:notes xmlns:a="http://schemas.openxmlformats.org/drawingml/2006/main" xmlns:r="http://schemas.openxmlformats.org/officeDocument/2006/relationships" xmlns:p="http://schemas.openxmlformats.org/presentationml/2006/main">
   <p:cSld>
     <p:spTree>
@@ -2402,7 +2054,7 @@
           <a:p>
             <a:fld id="{A67E2EB4-AAAC-4D92-8F4B-6C8B3AB9BD3F}" type="slidenum">
               <a:rPr lang="vi-VN" smtClean="0"/>
-              <a:t>12</a:t>
+              <a:t>11</a:t>
             </a:fld>
             <a:endParaRPr lang="vi-VN"/>
           </a:p>
@@ -2412,6 +2064,121 @@
     <p:extLst>
       <p:ext uri="{BB962C8B-B14F-4D97-AF65-F5344CB8AC3E}">
         <p14:creationId xmlns:p14="http://schemas.microsoft.com/office/powerpoint/2010/main" val="123363835"/>
+      </p:ext>
+    </p:extLst>
+  </p:cSld>
+  <p:clrMapOvr>
+    <a:masterClrMapping/>
+  </p:clrMapOvr>
+</p:notes>
+</file>
+
+<file path=ppt/notesSlides/notesSlide9.xml><?xml version="1.0" encoding="utf-8"?>
+<p:notes xmlns:a="http://schemas.openxmlformats.org/drawingml/2006/main" xmlns:r="http://schemas.openxmlformats.org/officeDocument/2006/relationships" xmlns:p="http://schemas.openxmlformats.org/presentationml/2006/main">
+  <p:cSld>
+    <p:spTree>
+      <p:nvGrpSpPr>
+        <p:cNvPr id="1" name="">
+          <a:extLst>
+            <a:ext uri="{FF2B5EF4-FFF2-40B4-BE49-F238E27FC236}">
+              <a16:creationId xmlns:a16="http://schemas.microsoft.com/office/drawing/2014/main" id="{38D4E520-8007-473F-1EAD-F11A63BDDB6A}"/>
+            </a:ext>
+          </a:extLst>
+        </p:cNvPr>
+        <p:cNvGrpSpPr/>
+        <p:nvPr/>
+      </p:nvGrpSpPr>
+      <p:grpSpPr>
+        <a:xfrm>
+          <a:off x="0" y="0"/>
+          <a:ext cx="0" cy="0"/>
+          <a:chOff x="0" y="0"/>
+          <a:chExt cx="0" cy="0"/>
+        </a:xfrm>
+      </p:grpSpPr>
+      <p:sp>
+        <p:nvSpPr>
+          <p:cNvPr id="2" name="Slide Image Placeholder 1">
+            <a:extLst>
+              <a:ext uri="{FF2B5EF4-FFF2-40B4-BE49-F238E27FC236}">
+                <a16:creationId xmlns:a16="http://schemas.microsoft.com/office/drawing/2014/main" id="{85569434-C290-0358-EADD-2A95BF7707BA}"/>
+              </a:ext>
+            </a:extLst>
+          </p:cNvPr>
+          <p:cNvSpPr>
+            <a:spLocks noGrp="1" noRot="1" noChangeAspect="1"/>
+          </p:cNvSpPr>
+          <p:nvPr>
+            <p:ph type="sldImg"/>
+          </p:nvPr>
+        </p:nvSpPr>
+        <p:spPr/>
+        <p:txBody>
+          <a:bodyPr/>
+          <a:lstStyle/>
+          <a:p>
+            <a:endParaRPr lang="en-US"/>
+          </a:p>
+        </p:txBody>
+      </p:sp>
+      <p:sp>
+        <p:nvSpPr>
+          <p:cNvPr id="3" name="Notes Placeholder 2">
+            <a:extLst>
+              <a:ext uri="{FF2B5EF4-FFF2-40B4-BE49-F238E27FC236}">
+                <a16:creationId xmlns:a16="http://schemas.microsoft.com/office/drawing/2014/main" id="{82B74D49-C1CE-653B-4198-1DE2391C5539}"/>
+              </a:ext>
+            </a:extLst>
+          </p:cNvPr>
+          <p:cNvSpPr>
+            <a:spLocks noGrp="1"/>
+          </p:cNvSpPr>
+          <p:nvPr>
+            <p:ph type="body" idx="1"/>
+          </p:nvPr>
+        </p:nvSpPr>
+        <p:spPr/>
+        <p:txBody>
+          <a:bodyPr/>
+          <a:lstStyle/>
+          <a:p>
+            <a:endParaRPr lang="en-US" dirty="0"/>
+          </a:p>
+        </p:txBody>
+      </p:sp>
+      <p:sp>
+        <p:nvSpPr>
+          <p:cNvPr id="4" name="Slide Number Placeholder 3">
+            <a:extLst>
+              <a:ext uri="{FF2B5EF4-FFF2-40B4-BE49-F238E27FC236}">
+                <a16:creationId xmlns:a16="http://schemas.microsoft.com/office/drawing/2014/main" id="{958A0187-9FF7-9E37-C7E5-DCF651889753}"/>
+              </a:ext>
+            </a:extLst>
+          </p:cNvPr>
+          <p:cNvSpPr>
+            <a:spLocks noGrp="1"/>
+          </p:cNvSpPr>
+          <p:nvPr>
+            <p:ph type="sldNum" sz="quarter" idx="5"/>
+          </p:nvPr>
+        </p:nvSpPr>
+        <p:spPr/>
+        <p:txBody>
+          <a:bodyPr/>
+          <a:lstStyle/>
+          <a:p>
+            <a:fld id="{A67E2EB4-AAAC-4D92-8F4B-6C8B3AB9BD3F}" type="slidenum">
+              <a:rPr lang="vi-VN" smtClean="0"/>
+              <a:t>12</a:t>
+            </a:fld>
+            <a:endParaRPr lang="vi-VN"/>
+          </a:p>
+        </p:txBody>
+      </p:sp>
+    </p:spTree>
+    <p:extLst>
+      <p:ext uri="{BB962C8B-B14F-4D97-AF65-F5344CB8AC3E}">
+        <p14:creationId xmlns:p14="http://schemas.microsoft.com/office/powerpoint/2010/main" val="3213775446"/>
       </p:ext>
     </p:extLst>
   </p:cSld>
@@ -38744,150 +38511,6 @@
         <p:cNvPr id="1" name="">
           <a:extLst>
             <a:ext uri="{FF2B5EF4-FFF2-40B4-BE49-F238E27FC236}">
-              <a16:creationId xmlns:a16="http://schemas.microsoft.com/office/drawing/2014/main" id="{0620BF8C-2B1D-347D-08A0-5065EC1622FD}"/>
-            </a:ext>
-          </a:extLst>
-        </p:cNvPr>
-        <p:cNvGrpSpPr/>
-        <p:nvPr/>
-      </p:nvGrpSpPr>
-      <p:grpSpPr>
-        <a:xfrm>
-          <a:off x="0" y="0"/>
-          <a:ext cx="0" cy="0"/>
-          <a:chOff x="0" y="0"/>
-          <a:chExt cx="0" cy="0"/>
-        </a:xfrm>
-      </p:grpSpPr>
-      <p:sp>
-        <p:nvSpPr>
-          <p:cNvPr id="2" name="Title 1">
-            <a:extLst>
-              <a:ext uri="{FF2B5EF4-FFF2-40B4-BE49-F238E27FC236}">
-                <a16:creationId xmlns:a16="http://schemas.microsoft.com/office/drawing/2014/main" id="{0C001596-C9BF-FDEE-FF39-A9F8DD96F9A7}"/>
-              </a:ext>
-            </a:extLst>
-          </p:cNvPr>
-          <p:cNvSpPr>
-            <a:spLocks noGrp="1"/>
-          </p:cNvSpPr>
-          <p:nvPr>
-            <p:ph type="title"/>
-          </p:nvPr>
-        </p:nvSpPr>
-        <p:spPr/>
-        <p:txBody>
-          <a:bodyPr/>
-          <a:lstStyle/>
-          <a:p>
-            <a:r>
-              <a:rPr lang="en-US" dirty="0"/>
-              <a:t>Theoretical basis &amp; systems analysis</a:t>
-            </a:r>
-          </a:p>
-        </p:txBody>
-      </p:sp>
-      <p:sp>
-        <p:nvSpPr>
-          <p:cNvPr id="3" name="Content Placeholder 2">
-            <a:extLst>
-              <a:ext uri="{FF2B5EF4-FFF2-40B4-BE49-F238E27FC236}">
-                <a16:creationId xmlns:a16="http://schemas.microsoft.com/office/drawing/2014/main" id="{079AD8B6-ECCA-266A-0B15-B3B8B2A60770}"/>
-              </a:ext>
-            </a:extLst>
-          </p:cNvPr>
-          <p:cNvSpPr>
-            <a:spLocks noGrp="1"/>
-          </p:cNvSpPr>
-          <p:nvPr>
-            <p:ph idx="1"/>
-          </p:nvPr>
-        </p:nvSpPr>
-        <p:spPr/>
-        <p:txBody>
-          <a:bodyPr>
-            <a:normAutofit lnSpcReduction="10000"/>
-          </a:bodyPr>
-          <a:lstStyle/>
-          <a:p>
-            <a:r>
-              <a:rPr lang="en-US" b="1" dirty="0"/>
-              <a:t>SLIDE 2 — Deep Learning Overview</a:t>
-            </a:r>
-          </a:p>
-          <a:p>
-            <a:r>
-              <a:rPr lang="en-US" b="1" dirty="0"/>
-              <a:t>Deep Learning</a:t>
-            </a:r>
-            <a:r>
-              <a:rPr lang="en-US" dirty="0"/>
-              <a:t>: Multi-layer neural networks for automatic feature extraction.</a:t>
-            </a:r>
-          </a:p>
-          <a:p>
-            <a:r>
-              <a:rPr lang="en-US" b="1" dirty="0"/>
-              <a:t>CNN vs ViT</a:t>
-            </a:r>
-            <a:r>
-              <a:rPr lang="en-US" dirty="0"/>
-              <a:t>:</a:t>
-            </a:r>
-          </a:p>
-          <a:p>
-            <a:pPr lvl="1"/>
-            <a:r>
-              <a:rPr lang="en-US" dirty="0"/>
-              <a:t>CNN: local feature extraction, strong on structured patterns.</a:t>
-            </a:r>
-          </a:p>
-          <a:p>
-            <a:pPr lvl="1"/>
-            <a:r>
-              <a:rPr lang="en-US" dirty="0"/>
-              <a:t>ViT: patch-based attention, better at global context and fine-grained differences.</a:t>
-            </a:r>
-          </a:p>
-          <a:p>
-            <a:r>
-              <a:rPr lang="en-US" b="1" dirty="0"/>
-              <a:t>Why ViT for mushrooms</a:t>
-            </a:r>
-            <a:r>
-              <a:rPr lang="en-US" dirty="0"/>
-              <a:t>: Handles subtle visual details and complex textures.</a:t>
-            </a:r>
-          </a:p>
-          <a:p>
-            <a:br>
-              <a:rPr lang="en-US" dirty="0"/>
-            </a:br>
-            <a:endParaRPr lang="en-US" dirty="0"/>
-          </a:p>
-        </p:txBody>
-      </p:sp>
-    </p:spTree>
-    <p:extLst>
-      <p:ext uri="{BB962C8B-B14F-4D97-AF65-F5344CB8AC3E}">
-        <p14:creationId xmlns:p14="http://schemas.microsoft.com/office/powerpoint/2010/main" val="1814031870"/>
-      </p:ext>
-    </p:extLst>
-  </p:cSld>
-  <p:clrMapOvr>
-    <a:masterClrMapping/>
-  </p:clrMapOvr>
-</p:sld>
-</file>
-
-<file path=ppt/slides/slide11.xml><?xml version="1.0" encoding="utf-8"?>
-<p:sld xmlns:a="http://schemas.openxmlformats.org/drawingml/2006/main" xmlns:r="http://schemas.openxmlformats.org/officeDocument/2006/relationships" xmlns:p="http://schemas.openxmlformats.org/presentationml/2006/main">
-  <p:cSld>
-    <p:spTree>
-      <p:nvGrpSpPr>
-        <p:cNvPr id="1" name="">
-          <a:extLst>
-            <a:ext uri="{FF2B5EF4-FFF2-40B4-BE49-F238E27FC236}">
               <a16:creationId xmlns:a16="http://schemas.microsoft.com/office/drawing/2014/main" id="{4B1A65E1-EB57-33D4-5329-EF6A85BA3C27}"/>
             </a:ext>
           </a:extLst>
@@ -39029,7 +38652,7 @@
 </p:sld>
 </file>
 
-<file path=ppt/slides/slide12.xml><?xml version="1.0" encoding="utf-8"?>
+<file path=ppt/slides/slide11.xml><?xml version="1.0" encoding="utf-8"?>
 <p:sld xmlns:a="http://schemas.openxmlformats.org/drawingml/2006/main" xmlns:r="http://schemas.openxmlformats.org/officeDocument/2006/relationships" xmlns:p="http://schemas.openxmlformats.org/presentationml/2006/main">
   <p:cSld>
     <p:spTree>
@@ -39125,7 +38748,7 @@
 </p:sld>
 </file>
 
-<file path=ppt/slides/slide13.xml><?xml version="1.0" encoding="utf-8"?>
+<file path=ppt/slides/slide12.xml><?xml version="1.0" encoding="utf-8"?>
 <p:sld xmlns:a="http://schemas.openxmlformats.org/drawingml/2006/main" xmlns:r="http://schemas.openxmlformats.org/officeDocument/2006/relationships" xmlns:p="http://schemas.openxmlformats.org/presentationml/2006/main">
   <p:cSld>
     <p:spTree>
@@ -39221,7 +38844,7 @@
 </p:sld>
 </file>
 
-<file path=ppt/slides/slide14.xml><?xml version="1.0" encoding="utf-8"?>
+<file path=ppt/slides/slide13.xml><?xml version="1.0" encoding="utf-8"?>
 <p:sld xmlns:a="http://schemas.openxmlformats.org/drawingml/2006/main" xmlns:r="http://schemas.openxmlformats.org/officeDocument/2006/relationships" xmlns:p="http://schemas.openxmlformats.org/presentationml/2006/main">
   <p:cSld>
     <p:spTree>
@@ -39317,7 +38940,7 @@
 </p:sld>
 </file>
 
-<file path=ppt/slides/slide15.xml><?xml version="1.0" encoding="utf-8"?>
+<file path=ppt/slides/slide14.xml><?xml version="1.0" encoding="utf-8"?>
 <p:sld xmlns:a="http://schemas.openxmlformats.org/drawingml/2006/main" xmlns:r="http://schemas.openxmlformats.org/officeDocument/2006/relationships" xmlns:p="http://schemas.openxmlformats.org/presentationml/2006/main">
   <p:cSld>
     <p:spTree>
@@ -39413,7 +39036,7 @@
 </p:sld>
 </file>
 
-<file path=ppt/slides/slide16.xml><?xml version="1.0" encoding="utf-8"?>
+<file path=ppt/slides/slide15.xml><?xml version="1.0" encoding="utf-8"?>
 <p:sld xmlns:a="http://schemas.openxmlformats.org/drawingml/2006/main" xmlns:r="http://schemas.openxmlformats.org/officeDocument/2006/relationships" xmlns:p="http://schemas.openxmlformats.org/presentationml/2006/main">
   <p:cSld>
     <p:spTree>
@@ -39509,7 +39132,7 @@
 </p:sld>
 </file>
 
-<file path=ppt/slides/slide17.xml><?xml version="1.0" encoding="utf-8"?>
+<file path=ppt/slides/slide16.xml><?xml version="1.0" encoding="utf-8"?>
 <p:sld xmlns:a="http://schemas.openxmlformats.org/drawingml/2006/main" xmlns:r="http://schemas.openxmlformats.org/officeDocument/2006/relationships" xmlns:p="http://schemas.openxmlformats.org/presentationml/2006/main">
   <p:cSld>
     <p:spTree>
@@ -39605,7 +39228,7 @@
 </p:sld>
 </file>
 
-<file path=ppt/slides/slide18.xml><?xml version="1.0" encoding="utf-8"?>
+<file path=ppt/slides/slide17.xml><?xml version="1.0" encoding="utf-8"?>
 <p:sld xmlns:a="http://schemas.openxmlformats.org/drawingml/2006/main" xmlns:r="http://schemas.openxmlformats.org/officeDocument/2006/relationships" xmlns:p="http://schemas.openxmlformats.org/presentationml/2006/main">
   <p:cSld>
     <p:spTree>
@@ -39669,7 +39292,7 @@
 </p:sld>
 </file>
 
-<file path=ppt/slides/slide19.xml><?xml version="1.0" encoding="utf-8"?>
+<file path=ppt/slides/slide18.xml><?xml version="1.0" encoding="utf-8"?>
 <p:sld xmlns:a="http://schemas.openxmlformats.org/drawingml/2006/main" xmlns:r="http://schemas.openxmlformats.org/officeDocument/2006/relationships" xmlns:p="http://schemas.openxmlformats.org/presentationml/2006/main">
   <p:cSld>
     <p:spTree>
@@ -39846,6 +39469,162 @@
     <p:extLst>
       <p:ext uri="{BB962C8B-B14F-4D97-AF65-F5344CB8AC3E}">
         <p14:creationId xmlns:p14="http://schemas.microsoft.com/office/powerpoint/2010/main" val="1206307982"/>
+      </p:ext>
+    </p:extLst>
+  </p:cSld>
+  <p:clrMapOvr>
+    <a:masterClrMapping/>
+  </p:clrMapOvr>
+</p:sld>
+</file>
+
+<file path=ppt/slides/slide19.xml><?xml version="1.0" encoding="utf-8"?>
+<p:sld xmlns:a="http://schemas.openxmlformats.org/drawingml/2006/main" xmlns:r="http://schemas.openxmlformats.org/officeDocument/2006/relationships" xmlns:p="http://schemas.openxmlformats.org/presentationml/2006/main">
+  <p:cSld>
+    <p:spTree>
+      <p:nvGrpSpPr>
+        <p:cNvPr id="1" name="">
+          <a:extLst>
+            <a:ext uri="{FF2B5EF4-FFF2-40B4-BE49-F238E27FC236}">
+              <a16:creationId xmlns:a16="http://schemas.microsoft.com/office/drawing/2014/main" id="{2020A95D-7449-8411-C9CD-C0A4DD7FE60E}"/>
+            </a:ext>
+          </a:extLst>
+        </p:cNvPr>
+        <p:cNvGrpSpPr/>
+        <p:nvPr/>
+      </p:nvGrpSpPr>
+      <p:grpSpPr>
+        <a:xfrm>
+          <a:off x="0" y="0"/>
+          <a:ext cx="0" cy="0"/>
+          <a:chOff x="0" y="0"/>
+          <a:chExt cx="0" cy="0"/>
+        </a:xfrm>
+      </p:grpSpPr>
+      <p:sp>
+        <p:nvSpPr>
+          <p:cNvPr id="2" name="Title 1">
+            <a:extLst>
+              <a:ext uri="{FF2B5EF4-FFF2-40B4-BE49-F238E27FC236}">
+                <a16:creationId xmlns:a16="http://schemas.microsoft.com/office/drawing/2014/main" id="{F5C3D1BA-C836-EE3B-694B-F0E37731DFC5}"/>
+              </a:ext>
+            </a:extLst>
+          </p:cNvPr>
+          <p:cNvSpPr>
+            <a:spLocks noGrp="1"/>
+          </p:cNvSpPr>
+          <p:nvPr>
+            <p:ph type="title"/>
+          </p:nvPr>
+        </p:nvSpPr>
+        <p:spPr/>
+        <p:txBody>
+          <a:bodyPr>
+            <a:normAutofit/>
+          </a:bodyPr>
+          <a:lstStyle/>
+          <a:p>
+            <a:r>
+              <a:rPr lang="en-US" sz="6000" dirty="0"/>
+              <a:t>3.1. UI Implementation</a:t>
+            </a:r>
+          </a:p>
+        </p:txBody>
+      </p:sp>
+      <p:pic>
+        <p:nvPicPr>
+          <p:cNvPr id="9" name="Picture 8">
+            <a:extLst>
+              <a:ext uri="{FF2B5EF4-FFF2-40B4-BE49-F238E27FC236}">
+                <a16:creationId xmlns:a16="http://schemas.microsoft.com/office/drawing/2014/main" id="{085E7065-CC08-1CD3-4AC6-05F0E499BA2E}"/>
+              </a:ext>
+            </a:extLst>
+          </p:cNvPr>
+          <p:cNvPicPr>
+            <a:picLocks noChangeAspect="1"/>
+          </p:cNvPicPr>
+          <p:nvPr/>
+        </p:nvPicPr>
+        <p:blipFill>
+          <a:blip r:embed="rId2"/>
+          <a:stretch>
+            <a:fillRect/>
+          </a:stretch>
+        </p:blipFill>
+        <p:spPr>
+          <a:xfrm>
+            <a:off x="4876630" y="1292011"/>
+            <a:ext cx="2438740" cy="4982270"/>
+          </a:xfrm>
+          <a:prstGeom prst="rect">
+            <a:avLst/>
+          </a:prstGeom>
+        </p:spPr>
+      </p:pic>
+      <p:pic>
+        <p:nvPicPr>
+          <p:cNvPr id="11" name="Picture 10">
+            <a:extLst>
+              <a:ext uri="{FF2B5EF4-FFF2-40B4-BE49-F238E27FC236}">
+                <a16:creationId xmlns:a16="http://schemas.microsoft.com/office/drawing/2014/main" id="{64E8DD7B-56C7-5953-4602-EC7D1E94C173}"/>
+              </a:ext>
+            </a:extLst>
+          </p:cNvPr>
+          <p:cNvPicPr>
+            <a:picLocks noChangeAspect="1"/>
+          </p:cNvPicPr>
+          <p:nvPr/>
+        </p:nvPicPr>
+        <p:blipFill>
+          <a:blip r:embed="rId3"/>
+          <a:stretch>
+            <a:fillRect/>
+          </a:stretch>
+        </p:blipFill>
+        <p:spPr>
+          <a:xfrm>
+            <a:off x="7735425" y="1258668"/>
+            <a:ext cx="2524477" cy="5020376"/>
+          </a:xfrm>
+          <a:prstGeom prst="rect">
+            <a:avLst/>
+          </a:prstGeom>
+        </p:spPr>
+      </p:pic>
+      <p:pic>
+        <p:nvPicPr>
+          <p:cNvPr id="16" name="Picture 15">
+            <a:extLst>
+              <a:ext uri="{FF2B5EF4-FFF2-40B4-BE49-F238E27FC236}">
+                <a16:creationId xmlns:a16="http://schemas.microsoft.com/office/drawing/2014/main" id="{EE1B147A-0C79-C5D3-6F1E-B3C48885F7D8}"/>
+              </a:ext>
+            </a:extLst>
+          </p:cNvPr>
+          <p:cNvPicPr>
+            <a:picLocks noChangeAspect="1"/>
+          </p:cNvPicPr>
+          <p:nvPr/>
+        </p:nvPicPr>
+        <p:blipFill>
+          <a:blip r:embed="rId4"/>
+          <a:stretch>
+            <a:fillRect/>
+          </a:stretch>
+        </p:blipFill>
+        <p:spPr>
+          <a:xfrm>
+            <a:off x="1961059" y="1263432"/>
+            <a:ext cx="2486372" cy="5010849"/>
+          </a:xfrm>
+          <a:prstGeom prst="rect">
+            <a:avLst/>
+          </a:prstGeom>
+        </p:spPr>
+      </p:pic>
+    </p:spTree>
+    <p:extLst>
+      <p:ext uri="{BB962C8B-B14F-4D97-AF65-F5344CB8AC3E}">
+        <p14:creationId xmlns:p14="http://schemas.microsoft.com/office/powerpoint/2010/main" val="761172681"/>
       </p:ext>
     </p:extLst>
   </p:cSld>
@@ -40190,162 +39969,6 @@
         <p:cNvPr id="1" name="">
           <a:extLst>
             <a:ext uri="{FF2B5EF4-FFF2-40B4-BE49-F238E27FC236}">
-              <a16:creationId xmlns:a16="http://schemas.microsoft.com/office/drawing/2014/main" id="{2020A95D-7449-8411-C9CD-C0A4DD7FE60E}"/>
-            </a:ext>
-          </a:extLst>
-        </p:cNvPr>
-        <p:cNvGrpSpPr/>
-        <p:nvPr/>
-      </p:nvGrpSpPr>
-      <p:grpSpPr>
-        <a:xfrm>
-          <a:off x="0" y="0"/>
-          <a:ext cx="0" cy="0"/>
-          <a:chOff x="0" y="0"/>
-          <a:chExt cx="0" cy="0"/>
-        </a:xfrm>
-      </p:grpSpPr>
-      <p:sp>
-        <p:nvSpPr>
-          <p:cNvPr id="2" name="Title 1">
-            <a:extLst>
-              <a:ext uri="{FF2B5EF4-FFF2-40B4-BE49-F238E27FC236}">
-                <a16:creationId xmlns:a16="http://schemas.microsoft.com/office/drawing/2014/main" id="{F5C3D1BA-C836-EE3B-694B-F0E37731DFC5}"/>
-              </a:ext>
-            </a:extLst>
-          </p:cNvPr>
-          <p:cNvSpPr>
-            <a:spLocks noGrp="1"/>
-          </p:cNvSpPr>
-          <p:nvPr>
-            <p:ph type="title"/>
-          </p:nvPr>
-        </p:nvSpPr>
-        <p:spPr/>
-        <p:txBody>
-          <a:bodyPr>
-            <a:normAutofit/>
-          </a:bodyPr>
-          <a:lstStyle/>
-          <a:p>
-            <a:r>
-              <a:rPr lang="en-US" sz="6000" dirty="0"/>
-              <a:t>3.1. UI Implementation</a:t>
-            </a:r>
-          </a:p>
-        </p:txBody>
-      </p:sp>
-      <p:pic>
-        <p:nvPicPr>
-          <p:cNvPr id="9" name="Picture 8">
-            <a:extLst>
-              <a:ext uri="{FF2B5EF4-FFF2-40B4-BE49-F238E27FC236}">
-                <a16:creationId xmlns:a16="http://schemas.microsoft.com/office/drawing/2014/main" id="{085E7065-CC08-1CD3-4AC6-05F0E499BA2E}"/>
-              </a:ext>
-            </a:extLst>
-          </p:cNvPr>
-          <p:cNvPicPr>
-            <a:picLocks noChangeAspect="1"/>
-          </p:cNvPicPr>
-          <p:nvPr/>
-        </p:nvPicPr>
-        <p:blipFill>
-          <a:blip r:embed="rId2"/>
-          <a:stretch>
-            <a:fillRect/>
-          </a:stretch>
-        </p:blipFill>
-        <p:spPr>
-          <a:xfrm>
-            <a:off x="4876630" y="1292011"/>
-            <a:ext cx="2438740" cy="4982270"/>
-          </a:xfrm>
-          <a:prstGeom prst="rect">
-            <a:avLst/>
-          </a:prstGeom>
-        </p:spPr>
-      </p:pic>
-      <p:pic>
-        <p:nvPicPr>
-          <p:cNvPr id="11" name="Picture 10">
-            <a:extLst>
-              <a:ext uri="{FF2B5EF4-FFF2-40B4-BE49-F238E27FC236}">
-                <a16:creationId xmlns:a16="http://schemas.microsoft.com/office/drawing/2014/main" id="{64E8DD7B-56C7-5953-4602-EC7D1E94C173}"/>
-              </a:ext>
-            </a:extLst>
-          </p:cNvPr>
-          <p:cNvPicPr>
-            <a:picLocks noChangeAspect="1"/>
-          </p:cNvPicPr>
-          <p:nvPr/>
-        </p:nvPicPr>
-        <p:blipFill>
-          <a:blip r:embed="rId3"/>
-          <a:stretch>
-            <a:fillRect/>
-          </a:stretch>
-        </p:blipFill>
-        <p:spPr>
-          <a:xfrm>
-            <a:off x="7735425" y="1258668"/>
-            <a:ext cx="2524477" cy="5020376"/>
-          </a:xfrm>
-          <a:prstGeom prst="rect">
-            <a:avLst/>
-          </a:prstGeom>
-        </p:spPr>
-      </p:pic>
-      <p:pic>
-        <p:nvPicPr>
-          <p:cNvPr id="16" name="Picture 15">
-            <a:extLst>
-              <a:ext uri="{FF2B5EF4-FFF2-40B4-BE49-F238E27FC236}">
-                <a16:creationId xmlns:a16="http://schemas.microsoft.com/office/drawing/2014/main" id="{EE1B147A-0C79-C5D3-6F1E-B3C48885F7D8}"/>
-              </a:ext>
-            </a:extLst>
-          </p:cNvPr>
-          <p:cNvPicPr>
-            <a:picLocks noChangeAspect="1"/>
-          </p:cNvPicPr>
-          <p:nvPr/>
-        </p:nvPicPr>
-        <p:blipFill>
-          <a:blip r:embed="rId4"/>
-          <a:stretch>
-            <a:fillRect/>
-          </a:stretch>
-        </p:blipFill>
-        <p:spPr>
-          <a:xfrm>
-            <a:off x="1961059" y="1263432"/>
-            <a:ext cx="2486372" cy="5010849"/>
-          </a:xfrm>
-          <a:prstGeom prst="rect">
-            <a:avLst/>
-          </a:prstGeom>
-        </p:spPr>
-      </p:pic>
-    </p:spTree>
-    <p:extLst>
-      <p:ext uri="{BB962C8B-B14F-4D97-AF65-F5344CB8AC3E}">
-        <p14:creationId xmlns:p14="http://schemas.microsoft.com/office/powerpoint/2010/main" val="761172681"/>
-      </p:ext>
-    </p:extLst>
-  </p:cSld>
-  <p:clrMapOvr>
-    <a:masterClrMapping/>
-  </p:clrMapOvr>
-</p:sld>
-</file>
-
-<file path=ppt/slides/slide21.xml><?xml version="1.0" encoding="utf-8"?>
-<p:sld xmlns:a="http://schemas.openxmlformats.org/drawingml/2006/main" xmlns:r="http://schemas.openxmlformats.org/officeDocument/2006/relationships" xmlns:p="http://schemas.openxmlformats.org/presentationml/2006/main">
-  <p:cSld>
-    <p:spTree>
-      <p:nvGrpSpPr>
-        <p:cNvPr id="1" name="">
-          <a:extLst>
-            <a:ext uri="{FF2B5EF4-FFF2-40B4-BE49-F238E27FC236}">
               <a16:creationId xmlns:a16="http://schemas.microsoft.com/office/drawing/2014/main" id="{DA2C9BD9-267C-DA7E-5C53-3523265BBE27}"/>
             </a:ext>
           </a:extLst>
@@ -40494,7 +40117,7 @@
 </p:sld>
 </file>
 
-<file path=ppt/slides/slide22.xml><?xml version="1.0" encoding="utf-8"?>
+<file path=ppt/slides/slide21.xml><?xml version="1.0" encoding="utf-8"?>
 <p:sld xmlns:a="http://schemas.openxmlformats.org/drawingml/2006/main" xmlns:r="http://schemas.openxmlformats.org/officeDocument/2006/relationships" xmlns:p="http://schemas.openxmlformats.org/presentationml/2006/main">
   <p:cSld>
     <p:spTree>
@@ -40650,7 +40273,7 @@
 </p:sld>
 </file>
 
-<file path=ppt/slides/slide23.xml><?xml version="1.0" encoding="utf-8"?>
+<file path=ppt/slides/slide22.xml><?xml version="1.0" encoding="utf-8"?>
 <p:sld xmlns:a="http://schemas.openxmlformats.org/drawingml/2006/main" xmlns:r="http://schemas.openxmlformats.org/officeDocument/2006/relationships" xmlns:p="http://schemas.openxmlformats.org/presentationml/2006/main">
   <p:cSld>
     <p:spTree>
@@ -41397,7 +41020,7 @@
 </p:sld>
 </file>
 
-<file path=ppt/slides/slide24.xml><?xml version="1.0" encoding="utf-8"?>
+<file path=ppt/slides/slide23.xml><?xml version="1.0" encoding="utf-8"?>
 <p:sld xmlns:a="http://schemas.openxmlformats.org/drawingml/2006/main" xmlns:r="http://schemas.openxmlformats.org/officeDocument/2006/relationships" xmlns:p="http://schemas.openxmlformats.org/presentationml/2006/main">
   <p:cSld>
     <p:spTree>
@@ -41523,7 +41146,7 @@
 </p:sld>
 </file>
 
-<file path=ppt/slides/slide25.xml><?xml version="1.0" encoding="utf-8"?>
+<file path=ppt/slides/slide24.xml><?xml version="1.0" encoding="utf-8"?>
 <p:sld xmlns:a="http://schemas.openxmlformats.org/drawingml/2006/main" xmlns:r="http://schemas.openxmlformats.org/officeDocument/2006/relationships" xmlns:p="http://schemas.openxmlformats.org/presentationml/2006/main">
   <p:cSld>
     <p:spTree>
@@ -41619,7 +41242,7 @@
 </p:sld>
 </file>
 
-<file path=ppt/slides/slide26.xml><?xml version="1.0" encoding="utf-8"?>
+<file path=ppt/slides/slide25.xml><?xml version="1.0" encoding="utf-8"?>
 <p:sld xmlns:a="http://schemas.openxmlformats.org/drawingml/2006/main" xmlns:r="http://schemas.openxmlformats.org/officeDocument/2006/relationships" xmlns:p="http://schemas.openxmlformats.org/presentationml/2006/main">
   <p:cSld>
     <p:spTree>
@@ -41683,7 +41306,7 @@
 </p:sld>
 </file>
 
-<file path=ppt/slides/slide27.xml><?xml version="1.0" encoding="utf-8"?>
+<file path=ppt/slides/slide26.xml><?xml version="1.0" encoding="utf-8"?>
 <p:sld xmlns:a="http://schemas.openxmlformats.org/drawingml/2006/main" xmlns:r="http://schemas.openxmlformats.org/officeDocument/2006/relationships" xmlns:p="http://schemas.openxmlformats.org/presentationml/2006/main">
   <p:cSld>
     <p:spTree>
@@ -41876,7 +41499,7 @@
 </p:sld>
 </file>
 
-<file path=ppt/slides/slide28.xml><?xml version="1.0" encoding="utf-8"?>
+<file path=ppt/slides/slide27.xml><?xml version="1.0" encoding="utf-8"?>
 <p:sld xmlns:a="http://schemas.openxmlformats.org/drawingml/2006/main" xmlns:r="http://schemas.openxmlformats.org/officeDocument/2006/relationships" xmlns:p="http://schemas.openxmlformats.org/presentationml/2006/main">
   <p:cSld>
     <p:spTree>
@@ -42022,7 +41645,7 @@
 </p:sld>
 </file>
 
-<file path=ppt/slides/slide29.xml><?xml version="1.0" encoding="utf-8"?>
+<file path=ppt/slides/slide28.xml><?xml version="1.0" encoding="utf-8"?>
 <p:sld xmlns:a="http://schemas.openxmlformats.org/drawingml/2006/main" xmlns:r="http://schemas.openxmlformats.org/officeDocument/2006/relationships" xmlns:p="http://schemas.openxmlformats.org/presentationml/2006/main">
   <p:cSld>
     <p:spTree>
@@ -42165,199 +41788,6 @@
     <p:extLst>
       <p:ext uri="{BB962C8B-B14F-4D97-AF65-F5344CB8AC3E}">
         <p14:creationId xmlns:p14="http://schemas.microsoft.com/office/powerpoint/2010/main" val="4232657731"/>
-      </p:ext>
-    </p:extLst>
-  </p:cSld>
-  <p:clrMapOvr>
-    <a:masterClrMapping/>
-  </p:clrMapOvr>
-</p:sld>
-</file>
-
-<file path=ppt/slides/slide30.xml><?xml version="1.0" encoding="utf-8"?>
-<p:sld xmlns:a="http://schemas.openxmlformats.org/drawingml/2006/main" xmlns:r="http://schemas.openxmlformats.org/officeDocument/2006/relationships" xmlns:p="http://schemas.openxmlformats.org/presentationml/2006/main">
-  <p:cSld>
-    <p:spTree>
-      <p:nvGrpSpPr>
-        <p:cNvPr id="1" name="">
-          <a:extLst>
-            <a:ext uri="{FF2B5EF4-FFF2-40B4-BE49-F238E27FC236}">
-              <a16:creationId xmlns:a16="http://schemas.microsoft.com/office/drawing/2014/main" id="{CA10988A-D0E1-75AB-220F-9387E0741A09}"/>
-            </a:ext>
-          </a:extLst>
-        </p:cNvPr>
-        <p:cNvGrpSpPr/>
-        <p:nvPr/>
-      </p:nvGrpSpPr>
-      <p:grpSpPr>
-        <a:xfrm>
-          <a:off x="0" y="0"/>
-          <a:ext cx="0" cy="0"/>
-          <a:chOff x="0" y="0"/>
-          <a:chExt cx="0" cy="0"/>
-        </a:xfrm>
-      </p:grpSpPr>
-      <p:sp>
-        <p:nvSpPr>
-          <p:cNvPr id="2" name="Title 1">
-            <a:extLst>
-              <a:ext uri="{FF2B5EF4-FFF2-40B4-BE49-F238E27FC236}">
-                <a16:creationId xmlns:a16="http://schemas.microsoft.com/office/drawing/2014/main" id="{56CB7F25-6628-CF27-C5CA-22FEF4B89EBC}"/>
-              </a:ext>
-            </a:extLst>
-          </p:cNvPr>
-          <p:cNvSpPr>
-            <a:spLocks noGrp="1"/>
-          </p:cNvSpPr>
-          <p:nvPr>
-            <p:ph type="title"/>
-          </p:nvPr>
-        </p:nvSpPr>
-        <p:spPr/>
-        <p:txBody>
-          <a:bodyPr/>
-          <a:lstStyle/>
-          <a:p>
-            <a:endParaRPr lang="en-US" dirty="0"/>
-          </a:p>
-        </p:txBody>
-      </p:sp>
-      <p:sp>
-        <p:nvSpPr>
-          <p:cNvPr id="3" name="Content Placeholder 2">
-            <a:extLst>
-              <a:ext uri="{FF2B5EF4-FFF2-40B4-BE49-F238E27FC236}">
-                <a16:creationId xmlns:a16="http://schemas.microsoft.com/office/drawing/2014/main" id="{82630AE2-833A-8EEB-48FC-93F020F714C3}"/>
-              </a:ext>
-            </a:extLst>
-          </p:cNvPr>
-          <p:cNvSpPr>
-            <a:spLocks noGrp="1"/>
-          </p:cNvSpPr>
-          <p:nvPr>
-            <p:ph idx="1"/>
-          </p:nvPr>
-        </p:nvSpPr>
-        <p:spPr/>
-        <p:txBody>
-          <a:bodyPr>
-            <a:normAutofit/>
-          </a:bodyPr>
-          <a:lstStyle/>
-          <a:p>
-            <a:endParaRPr lang="en-US" dirty="0"/>
-          </a:p>
-        </p:txBody>
-      </p:sp>
-    </p:spTree>
-    <p:extLst>
-      <p:ext uri="{BB962C8B-B14F-4D97-AF65-F5344CB8AC3E}">
-        <p14:creationId xmlns:p14="http://schemas.microsoft.com/office/powerpoint/2010/main" val="2331155445"/>
-      </p:ext>
-    </p:extLst>
-  </p:cSld>
-  <p:clrMapOvr>
-    <a:masterClrMapping/>
-  </p:clrMapOvr>
-</p:sld>
-</file>
-
-<file path=ppt/slides/slide31.xml><?xml version="1.0" encoding="utf-8"?>
-<p:sld xmlns:a="http://schemas.openxmlformats.org/drawingml/2006/main" xmlns:r="http://schemas.openxmlformats.org/officeDocument/2006/relationships" xmlns:p="http://schemas.openxmlformats.org/presentationml/2006/main">
-  <p:cSld>
-    <p:spTree>
-      <p:nvGrpSpPr>
-        <p:cNvPr id="1" name=""/>
-        <p:cNvGrpSpPr/>
-        <p:nvPr/>
-      </p:nvGrpSpPr>
-      <p:grpSpPr>
-        <a:xfrm>
-          <a:off x="0" y="0"/>
-          <a:ext cx="0" cy="0"/>
-          <a:chOff x="0" y="0"/>
-          <a:chExt cx="0" cy="0"/>
-        </a:xfrm>
-      </p:grpSpPr>
-      <p:sp>
-        <p:nvSpPr>
-          <p:cNvPr id="78" name="Title 77">
-            <a:extLst>
-              <a:ext uri="{FF2B5EF4-FFF2-40B4-BE49-F238E27FC236}">
-                <a16:creationId xmlns:a16="http://schemas.microsoft.com/office/drawing/2014/main" id="{501A25FC-5A3B-300D-8001-38AC2982CF30}"/>
-              </a:ext>
-            </a:extLst>
-          </p:cNvPr>
-          <p:cNvSpPr>
-            <a:spLocks noGrp="1"/>
-          </p:cNvSpPr>
-          <p:nvPr>
-            <p:ph type="ctrTitle"/>
-          </p:nvPr>
-        </p:nvSpPr>
-        <p:spPr/>
-        <p:txBody>
-          <a:bodyPr/>
-          <a:lstStyle/>
-          <a:p>
-            <a:endParaRPr lang="en-US"/>
-          </a:p>
-        </p:txBody>
-      </p:sp>
-      <p:sp>
-        <p:nvSpPr>
-          <p:cNvPr id="79" name="Subtitle 78">
-            <a:extLst>
-              <a:ext uri="{FF2B5EF4-FFF2-40B4-BE49-F238E27FC236}">
-                <a16:creationId xmlns:a16="http://schemas.microsoft.com/office/drawing/2014/main" id="{25975101-BA6B-3E8F-BACA-58D4B16FBF2C}"/>
-              </a:ext>
-            </a:extLst>
-          </p:cNvPr>
-          <p:cNvSpPr>
-            <a:spLocks noGrp="1"/>
-          </p:cNvSpPr>
-          <p:nvPr>
-            <p:ph type="subTitle" idx="1"/>
-          </p:nvPr>
-        </p:nvSpPr>
-        <p:spPr/>
-        <p:txBody>
-          <a:bodyPr/>
-          <a:lstStyle/>
-          <a:p>
-            <a:endParaRPr lang="en-US"/>
-          </a:p>
-        </p:txBody>
-      </p:sp>
-      <p:sp>
-        <p:nvSpPr>
-          <p:cNvPr id="59" name="Picture Placeholder 58">
-            <a:extLst>
-              <a:ext uri="{FF2B5EF4-FFF2-40B4-BE49-F238E27FC236}">
-                <a16:creationId xmlns:a16="http://schemas.microsoft.com/office/drawing/2014/main" id="{C711BF57-35D0-306D-9C25-BF112354CB4E}"/>
-              </a:ext>
-            </a:extLst>
-          </p:cNvPr>
-          <p:cNvSpPr>
-            <a:spLocks noGrp="1"/>
-          </p:cNvSpPr>
-          <p:nvPr>
-            <p:ph type="pic" sz="quarter" idx="15"/>
-          </p:nvPr>
-        </p:nvSpPr>
-        <p:spPr/>
-        <p:txBody>
-          <a:bodyPr/>
-          <a:lstStyle/>
-          <a:p>
-            <a:endParaRPr lang="en-US"/>
-          </a:p>
-        </p:txBody>
-      </p:sp>
-    </p:spTree>
-    <p:extLst>
-      <p:ext uri="{BB962C8B-B14F-4D97-AF65-F5344CB8AC3E}">
-        <p14:creationId xmlns:p14="http://schemas.microsoft.com/office/powerpoint/2010/main" val="3562301540"/>
       </p:ext>
     </p:extLst>
   </p:cSld>
@@ -43118,58 +42548,37 @@
           </a:bodyPr>
           <a:lstStyle/>
           <a:p>
-            <a:r>
-              <a:rPr lang="en-US" b="1" dirty="0"/>
-              <a:t>Vision Transformer (ViT) Model (which model, add it here</a:t>
-            </a:r>
-            <a:r>
-              <a:rPr lang="en-US" b="1"/>
-              <a:t>, pre-trained </a:t>
-            </a:r>
-            <a:r>
-              <a:rPr lang="en-US" b="1" dirty="0"/>
-              <a:t>on?)</a:t>
-            </a:r>
-            <a:endParaRPr lang="en-US" dirty="0"/>
-          </a:p>
-          <a:p>
             <a:pPr marL="342900" indent="-342900">
               <a:buFont typeface="Arial" panose="020B0604020202020204" pitchFamily="34" charset="0"/>
               <a:buChar char="•"/>
             </a:pPr>
             <a:r>
+              <a:rPr lang="en-US" b="1" dirty="0"/>
+              <a:t>Google/vit-base-patch16-224-in21k </a:t>
+            </a:r>
+            <a:r>
               <a:rPr lang="en-US" dirty="0"/>
-              <a:t>Image → split into patches → embedded as tokens.</a:t>
+              <a:t>(Pre-trained on ImageNet-21k)</a:t>
             </a:r>
           </a:p>
           <a:p>
-            <a:pPr marL="342900" indent="-342900">
-              <a:buFont typeface="Arial" panose="020B0604020202020204" pitchFamily="34" charset="0"/>
-              <a:buChar char="•"/>
+            <a:pPr marL="800100" lvl="1" indent="-342900">
+              <a:buFont typeface="Courier New" panose="02070309020205020404" pitchFamily="49" charset="0"/>
+              <a:buChar char="o"/>
             </a:pPr>
             <a:r>
               <a:rPr lang="en-US" dirty="0"/>
-              <a:t>Multi-Head Self-Attention captures global relationships.</a:t>
+              <a:t>Higher accuracy than ResNet-50, EfficientNet, and MobileNet on our mushroom dataset</a:t>
             </a:r>
           </a:p>
           <a:p>
-            <a:pPr marL="342900" indent="-342900">
-              <a:buFont typeface="Arial" panose="020B0604020202020204" pitchFamily="34" charset="0"/>
-              <a:buChar char="•"/>
+            <a:pPr marL="800100" lvl="1" indent="-342900">
+              <a:buFont typeface="Courier New" panose="02070309020205020404" pitchFamily="49" charset="0"/>
+              <a:buChar char="o"/>
             </a:pPr>
             <a:r>
               <a:rPr lang="en-US" dirty="0"/>
-              <a:t>CLS token produces final class prediction.</a:t>
-            </a:r>
-          </a:p>
-          <a:p>
-            <a:pPr marL="342900" indent="-342900">
-              <a:buFont typeface="Arial" panose="020B0604020202020204" pitchFamily="34" charset="0"/>
-              <a:buChar char="•"/>
-            </a:pPr>
-            <a:r>
-              <a:rPr lang="en-US" dirty="0"/>
-              <a:t>Higher accuracy than ResNet-50, EfficientNet and MobileNet on the custom dataset.</a:t>
+              <a:t>Perfect for subtle details and complex textures</a:t>
             </a:r>
           </a:p>
           <a:p>

--- a/Báo cáo/ThesisReport.pptx
+++ b/Báo cáo/ThesisReport.pptx
@@ -5,7 +5,7 @@
     <p:sldMasterId id="2147483648" r:id="rId1"/>
   </p:sldMasterIdLst>
   <p:notesMasterIdLst>
-    <p:notesMasterId r:id="rId30"/>
+    <p:notesMasterId r:id="rId31"/>
   </p:notesMasterIdLst>
   <p:sldIdLst>
     <p:sldId id="271" r:id="rId2"/>
@@ -29,13 +29,14 @@
     <p:sldId id="276" r:id="rId20"/>
     <p:sldId id="277" r:id="rId21"/>
     <p:sldId id="278" r:id="rId22"/>
-    <p:sldId id="285" r:id="rId23"/>
-    <p:sldId id="279" r:id="rId24"/>
-    <p:sldId id="301" r:id="rId25"/>
-    <p:sldId id="273" r:id="rId26"/>
-    <p:sldId id="272" r:id="rId27"/>
-    <p:sldId id="270" r:id="rId28"/>
-    <p:sldId id="261" r:id="rId29"/>
+    <p:sldId id="303" r:id="rId23"/>
+    <p:sldId id="285" r:id="rId24"/>
+    <p:sldId id="279" r:id="rId25"/>
+    <p:sldId id="301" r:id="rId26"/>
+    <p:sldId id="273" r:id="rId27"/>
+    <p:sldId id="272" r:id="rId28"/>
+    <p:sldId id="270" r:id="rId29"/>
+    <p:sldId id="261" r:id="rId30"/>
   </p:sldIdLst>
   <p:sldSz cx="12192000" cy="6858000"/>
   <p:notesSz cx="6858000" cy="9144000"/>
@@ -224,7 +225,7 @@
           <a:p>
             <a:fld id="{36BB93D1-677A-4727-ACB1-B4ED1776CBF7}" type="datetimeFigureOut">
               <a:rPr lang="vi-VN" smtClean="0"/>
-              <a:t>11/12/2025</a:t>
+              <a:t>15/12/2025</a:t>
             </a:fld>
             <a:endParaRPr lang="vi-VN"/>
           </a:p>
@@ -1146,7 +1147,7 @@
           <a:p>
             <a:fld id="{A67E2EB4-AAAC-4D92-8F4B-6C8B3AB9BD3F}" type="slidenum">
               <a:rPr lang="vi-VN" smtClean="0"/>
-              <a:t>26</a:t>
+              <a:t>27</a:t>
             </a:fld>
             <a:endParaRPr lang="vi-VN"/>
           </a:p>
@@ -1249,7 +1250,7 @@
           <a:p>
             <a:fld id="{A67E2EB4-AAAC-4D92-8F4B-6C8B3AB9BD3F}" type="slidenum">
               <a:rPr lang="vi-VN" smtClean="0"/>
-              <a:t>27</a:t>
+              <a:t>28</a:t>
             </a:fld>
             <a:endParaRPr lang="vi-VN"/>
           </a:p>
@@ -2976,7 +2977,7 @@
             <a:fld id="{D86B3AB3-BDCC-41BF-8781-963E853753C3}" type="datetime1">
               <a:rPr lang="en-US" smtClean="0"/>
               <a:pPr/>
-              <a:t>11-Dec-25</a:t>
+              <a:t>15-Dec-25</a:t>
             </a:fld>
             <a:endParaRPr lang="en-US"/>
           </a:p>
@@ -4249,7 +4250,7 @@
             <a:fld id="{D86B3AB3-BDCC-41BF-8781-963E853753C3}" type="datetime1">
               <a:rPr lang="en-US" smtClean="0"/>
               <a:pPr/>
-              <a:t>11-Dec-25</a:t>
+              <a:t>15-Dec-25</a:t>
             </a:fld>
             <a:endParaRPr lang="en-US"/>
           </a:p>
@@ -5346,7 +5347,7 @@
             <a:fld id="{D86B3AB3-BDCC-41BF-8781-963E853753C3}" type="datetime1">
               <a:rPr lang="en-US" smtClean="0"/>
               <a:pPr/>
-              <a:t>11-Dec-25</a:t>
+              <a:t>15-Dec-25</a:t>
             </a:fld>
             <a:endParaRPr lang="en-US"/>
           </a:p>
@@ -6471,7 +6472,7 @@
             <a:fld id="{D86B3AB3-BDCC-41BF-8781-963E853753C3}" type="datetime1">
               <a:rPr lang="en-US" smtClean="0"/>
               <a:pPr/>
-              <a:t>11-Dec-25</a:t>
+              <a:t>15-Dec-25</a:t>
             </a:fld>
             <a:endParaRPr lang="en-US"/>
           </a:p>
@@ -7454,7 +7455,7 @@
             <a:fld id="{D86B3AB3-BDCC-41BF-8781-963E853753C3}" type="datetime1">
               <a:rPr lang="en-US" smtClean="0"/>
               <a:pPr/>
-              <a:t>11-Dec-25</a:t>
+              <a:t>15-Dec-25</a:t>
             </a:fld>
             <a:endParaRPr lang="en-US"/>
           </a:p>
@@ -8437,7 +8438,7 @@
             <a:fld id="{D86B3AB3-BDCC-41BF-8781-963E853753C3}" type="datetime1">
               <a:rPr lang="en-US" smtClean="0"/>
               <a:pPr/>
-              <a:t>11-Dec-25</a:t>
+              <a:t>15-Dec-25</a:t>
             </a:fld>
             <a:endParaRPr lang="en-US"/>
           </a:p>
@@ -9441,7 +9442,7 @@
             <a:fld id="{D86B3AB3-BDCC-41BF-8781-963E853753C3}" type="datetime1">
               <a:rPr lang="en-US" smtClean="0"/>
               <a:pPr/>
-              <a:t>11-Dec-25</a:t>
+              <a:t>15-Dec-25</a:t>
             </a:fld>
             <a:endParaRPr lang="en-US"/>
           </a:p>
@@ -10530,7 +10531,7 @@
             <a:fld id="{D86B3AB3-BDCC-41BF-8781-963E853753C3}" type="datetime1">
               <a:rPr lang="en-US" smtClean="0"/>
               <a:pPr/>
-              <a:t>11-Dec-25</a:t>
+              <a:t>15-Dec-25</a:t>
             </a:fld>
             <a:endParaRPr lang="en-US"/>
           </a:p>
@@ -11440,7 +11441,7 @@
             <a:fld id="{D86B3AB3-BDCC-41BF-8781-963E853753C3}" type="datetime1">
               <a:rPr lang="en-US" smtClean="0"/>
               <a:pPr/>
-              <a:t>11-Dec-25</a:t>
+              <a:t>15-Dec-25</a:t>
             </a:fld>
             <a:endParaRPr lang="en-US"/>
           </a:p>
@@ -12887,7 +12888,7 @@
             <a:fld id="{D86B3AB3-BDCC-41BF-8781-963E853753C3}" type="datetime1">
               <a:rPr lang="en-US" smtClean="0"/>
               <a:pPr/>
-              <a:t>11-Dec-25</a:t>
+              <a:t>15-Dec-25</a:t>
             </a:fld>
             <a:endParaRPr lang="en-US"/>
           </a:p>
@@ -14106,7 +14107,7 @@
             <a:fld id="{D86B3AB3-BDCC-41BF-8781-963E853753C3}" type="datetime1">
               <a:rPr lang="en-US" smtClean="0"/>
               <a:pPr/>
-              <a:t>11-Dec-25</a:t>
+              <a:t>15-Dec-25</a:t>
             </a:fld>
             <a:endParaRPr lang="en-US"/>
           </a:p>
@@ -14927,7 +14928,7 @@
             <a:fld id="{D86B3AB3-BDCC-41BF-8781-963E853753C3}" type="datetime1">
               <a:rPr lang="en-US" smtClean="0"/>
               <a:pPr/>
-              <a:t>11-Dec-25</a:t>
+              <a:t>15-Dec-25</a:t>
             </a:fld>
             <a:endParaRPr lang="en-US"/>
           </a:p>
@@ -16137,7 +16138,7 @@
             <a:fld id="{D86B3AB3-BDCC-41BF-8781-963E853753C3}" type="datetime1">
               <a:rPr lang="en-US" smtClean="0"/>
               <a:pPr/>
-              <a:t>11-Dec-25</a:t>
+              <a:t>15-Dec-25</a:t>
             </a:fld>
             <a:endParaRPr lang="en-US"/>
           </a:p>
@@ -16981,7 +16982,7 @@
             <a:fld id="{D86B3AB3-BDCC-41BF-8781-963E853753C3}" type="datetime1">
               <a:rPr lang="en-US" smtClean="0"/>
               <a:pPr/>
-              <a:t>11-Dec-25</a:t>
+              <a:t>15-Dec-25</a:t>
             </a:fld>
             <a:endParaRPr lang="en-US"/>
           </a:p>
@@ -17686,7 +17687,7 @@
             <a:fld id="{D86B3AB3-BDCC-41BF-8781-963E853753C3}" type="datetime1">
               <a:rPr lang="en-US" smtClean="0"/>
               <a:pPr/>
-              <a:t>11-Dec-25</a:t>
+              <a:t>15-Dec-25</a:t>
             </a:fld>
             <a:endParaRPr lang="en-US"/>
           </a:p>
@@ -18412,7 +18413,7 @@
             <a:fld id="{D86B3AB3-BDCC-41BF-8781-963E853753C3}" type="datetime1">
               <a:rPr lang="en-US" smtClean="0"/>
               <a:pPr/>
-              <a:t>11-Dec-25</a:t>
+              <a:t>15-Dec-25</a:t>
             </a:fld>
             <a:endParaRPr lang="en-US"/>
           </a:p>
@@ -19212,7 +19213,7 @@
             <a:fld id="{D86B3AB3-BDCC-41BF-8781-963E853753C3}" type="datetime1">
               <a:rPr lang="en-US" smtClean="0"/>
               <a:pPr/>
-              <a:t>11-Dec-25</a:t>
+              <a:t>15-Dec-25</a:t>
             </a:fld>
             <a:endParaRPr lang="en-US"/>
           </a:p>
@@ -20015,7 +20016,7 @@
             <a:fld id="{D86B3AB3-BDCC-41BF-8781-963E853753C3}" type="datetime1">
               <a:rPr lang="en-US" smtClean="0"/>
               <a:pPr/>
-              <a:t>11-Dec-25</a:t>
+              <a:t>15-Dec-25</a:t>
             </a:fld>
             <a:endParaRPr lang="en-US"/>
           </a:p>
@@ -22989,7 +22990,7 @@
             <a:fld id="{D86B3AB3-BDCC-41BF-8781-963E853753C3}" type="datetime1">
               <a:rPr lang="en-US" smtClean="0"/>
               <a:pPr/>
-              <a:t>11-Dec-25</a:t>
+              <a:t>15-Dec-25</a:t>
             </a:fld>
             <a:endParaRPr lang="en-US"/>
           </a:p>
@@ -26119,7 +26120,7 @@
             <a:fld id="{D86B3AB3-BDCC-41BF-8781-963E853753C3}" type="datetime1">
               <a:rPr lang="en-US" smtClean="0"/>
               <a:pPr/>
-              <a:t>11-Dec-25</a:t>
+              <a:t>15-Dec-25</a:t>
             </a:fld>
             <a:endParaRPr lang="en-US"/>
           </a:p>
@@ -27135,7 +27136,7 @@
             <a:fld id="{D86B3AB3-BDCC-41BF-8781-963E853753C3}" type="datetime1">
               <a:rPr lang="en-US" smtClean="0"/>
               <a:pPr/>
-              <a:t>11-Dec-25</a:t>
+              <a:t>15-Dec-25</a:t>
             </a:fld>
             <a:endParaRPr lang="en-US"/>
           </a:p>
@@ -29237,7 +29238,7 @@
             <a:fld id="{D86B3AB3-BDCC-41BF-8781-963E853753C3}" type="datetime1">
               <a:rPr lang="en-US" smtClean="0"/>
               <a:pPr/>
-              <a:t>11-Dec-25</a:t>
+              <a:t>15-Dec-25</a:t>
             </a:fld>
             <a:endParaRPr lang="en-US"/>
           </a:p>
@@ -31432,7 +31433,7 @@
             <a:fld id="{D86B3AB3-BDCC-41BF-8781-963E853753C3}" type="datetime1">
               <a:rPr lang="en-US" smtClean="0"/>
               <a:pPr/>
-              <a:t>11-Dec-25</a:t>
+              <a:t>15-Dec-25</a:t>
             </a:fld>
             <a:endParaRPr lang="en-US"/>
           </a:p>
@@ -32619,7 +32620,7 @@
             <a:fld id="{D86B3AB3-BDCC-41BF-8781-963E853753C3}" type="datetime1">
               <a:rPr lang="en-US" smtClean="0"/>
               <a:pPr/>
-              <a:t>11-Dec-25</a:t>
+              <a:t>15-Dec-25</a:t>
             </a:fld>
             <a:endParaRPr lang="en-US"/>
           </a:p>
@@ -33699,7 +33700,7 @@
             <a:fld id="{D86B3AB3-BDCC-41BF-8781-963E853753C3}" type="datetime1">
               <a:rPr lang="en-US" smtClean="0"/>
               <a:pPr/>
-              <a:t>11-Dec-25</a:t>
+              <a:t>15-Dec-25</a:t>
             </a:fld>
             <a:endParaRPr lang="en-US"/>
           </a:p>
@@ -34656,7 +34657,7 @@
             <a:fld id="{D86B3AB3-BDCC-41BF-8781-963E853753C3}" type="datetime1">
               <a:rPr lang="en-US" smtClean="0"/>
               <a:pPr/>
-              <a:t>11-Dec-25</a:t>
+              <a:t>15-Dec-25</a:t>
             </a:fld>
             <a:endParaRPr lang="en-US"/>
           </a:p>
@@ -35559,7 +35560,7 @@
             <a:fld id="{D86B3AB3-BDCC-41BF-8781-963E853753C3}" type="datetime1">
               <a:rPr lang="en-US" smtClean="0"/>
               <a:pPr/>
-              <a:t>11-Dec-25</a:t>
+              <a:t>15-Dec-25</a:t>
             </a:fld>
             <a:endParaRPr lang="en-US"/>
           </a:p>
@@ -36494,7 +36495,7 @@
             <a:fld id="{D86B3AB3-BDCC-41BF-8781-963E853753C3}" type="datetime1">
               <a:rPr lang="en-US" smtClean="0"/>
               <a:pPr/>
-              <a:t>11-Dec-25</a:t>
+              <a:t>15-Dec-25</a:t>
             </a:fld>
             <a:endParaRPr lang="en-US"/>
           </a:p>
@@ -37523,7 +37524,7 @@
             <a:fld id="{D86B3AB3-BDCC-41BF-8781-963E853753C3}" type="datetime1">
               <a:rPr lang="en-US" smtClean="0"/>
               <a:pPr/>
-              <a:t>11-Dec-25</a:t>
+              <a:t>15-Dec-25</a:t>
             </a:fld>
             <a:endParaRPr lang="en-US"/>
           </a:p>
@@ -37914,7 +37915,7 @@
             <a:fld id="{00D1CE85-AA59-46D7-98F4-301D80B40614}" type="datetimeFigureOut">
               <a:rPr lang="en-US" smtClean="0"/>
               <a:pPr/>
-              <a:t>11-Dec-25</a:t>
+              <a:t>15-Dec-25</a:t>
             </a:fld>
             <a:endParaRPr lang="en-US"/>
           </a:p>
@@ -38462,7 +38463,7 @@
         <p:spPr>
           <a:xfrm>
             <a:off x="493143" y="4978568"/>
-            <a:ext cx="11205713" cy="492125"/>
+            <a:ext cx="11205713" cy="791296"/>
           </a:xfrm>
         </p:spPr>
         <p:txBody>
@@ -38707,10 +38708,10 @@
       </p:sp>
       <p:pic>
         <p:nvPicPr>
-          <p:cNvPr id="4" name="Picture 3">
+          <p:cNvPr id="5" name="Picture 4">
             <a:extLst>
               <a:ext uri="{FF2B5EF4-FFF2-40B4-BE49-F238E27FC236}">
-                <a16:creationId xmlns:a16="http://schemas.microsoft.com/office/drawing/2014/main" id="{F114F15A-D21F-AE4D-8E26-02C6B74196EE}"/>
+                <a16:creationId xmlns:a16="http://schemas.microsoft.com/office/drawing/2014/main" id="{D9C2FD50-629A-D1D1-585A-C5E7813EC6D2}"/>
               </a:ext>
             </a:extLst>
           </p:cNvPr>
@@ -38728,7 +38729,7 @@
         <p:spPr>
           <a:xfrm>
             <a:off x="1978215" y="1733600"/>
-            <a:ext cx="8235570" cy="4382999"/>
+            <a:ext cx="8347076" cy="4382999"/>
           </a:xfrm>
           <a:prstGeom prst="rect">
             <a:avLst/>
@@ -40281,6 +40282,111 @@
         <p:cNvPr id="1" name="">
           <a:extLst>
             <a:ext uri="{FF2B5EF4-FFF2-40B4-BE49-F238E27FC236}">
+              <a16:creationId xmlns:a16="http://schemas.microsoft.com/office/drawing/2014/main" id="{7F075359-346D-3DD0-1733-095C883815AB}"/>
+            </a:ext>
+          </a:extLst>
+        </p:cNvPr>
+        <p:cNvGrpSpPr/>
+        <p:nvPr/>
+      </p:nvGrpSpPr>
+      <p:grpSpPr>
+        <a:xfrm>
+          <a:off x="0" y="0"/>
+          <a:ext cx="0" cy="0"/>
+          <a:chOff x="0" y="0"/>
+          <a:chExt cx="0" cy="0"/>
+        </a:xfrm>
+      </p:grpSpPr>
+      <p:sp>
+        <p:nvSpPr>
+          <p:cNvPr id="2" name="Title 1">
+            <a:extLst>
+              <a:ext uri="{FF2B5EF4-FFF2-40B4-BE49-F238E27FC236}">
+                <a16:creationId xmlns:a16="http://schemas.microsoft.com/office/drawing/2014/main" id="{31663877-45FE-0949-5D12-36B2B3D8268C}"/>
+              </a:ext>
+            </a:extLst>
+          </p:cNvPr>
+          <p:cNvSpPr>
+            <a:spLocks noGrp="1"/>
+          </p:cNvSpPr>
+          <p:nvPr>
+            <p:ph type="title"/>
+          </p:nvPr>
+        </p:nvSpPr>
+        <p:spPr/>
+        <p:txBody>
+          <a:bodyPr>
+            <a:normAutofit/>
+          </a:bodyPr>
+          <a:lstStyle/>
+          <a:p>
+            <a:r>
+              <a:rPr lang="en-US" sz="6000" dirty="0"/>
+              <a:t>3.2. AI Model Implementation</a:t>
+            </a:r>
+          </a:p>
+        </p:txBody>
+      </p:sp>
+      <p:sp>
+        <p:nvSpPr>
+          <p:cNvPr id="8" name="Content Placeholder 2">
+            <a:extLst>
+              <a:ext uri="{FF2B5EF4-FFF2-40B4-BE49-F238E27FC236}">
+                <a16:creationId xmlns:a16="http://schemas.microsoft.com/office/drawing/2014/main" id="{64E3210F-AB6D-5806-58C3-EE7522CBE85F}"/>
+              </a:ext>
+            </a:extLst>
+          </p:cNvPr>
+          <p:cNvSpPr>
+            <a:spLocks noGrp="1"/>
+          </p:cNvSpPr>
+          <p:nvPr>
+            <p:ph idx="1"/>
+          </p:nvPr>
+        </p:nvSpPr>
+        <p:spPr>
+          <a:xfrm>
+            <a:off x="838200" y="1825625"/>
+            <a:ext cx="10515600" cy="4351338"/>
+          </a:xfrm>
+        </p:spPr>
+        <p:txBody>
+          <a:bodyPr>
+            <a:normAutofit/>
+          </a:bodyPr>
+          <a:lstStyle/>
+          <a:p>
+            <a:pPr marL="342900" indent="-342900">
+              <a:buFont typeface="Arial" panose="020B0604020202020204" pitchFamily="34" charset="0"/>
+              <a:buChar char="•"/>
+            </a:pPr>
+            <a:r>
+              <a:rPr lang="en-US" b="1" dirty="0"/>
+              <a:t>FUCK I FORGOT TO ADD THE METRIC I FORGOT TO ADD THE METRIC TO MEASURE THIS FUCKING GARBAGE</a:t>
+            </a:r>
+          </a:p>
+        </p:txBody>
+      </p:sp>
+    </p:spTree>
+    <p:extLst>
+      <p:ext uri="{BB962C8B-B14F-4D97-AF65-F5344CB8AC3E}">
+        <p14:creationId xmlns:p14="http://schemas.microsoft.com/office/powerpoint/2010/main" val="2889026395"/>
+      </p:ext>
+    </p:extLst>
+  </p:cSld>
+  <p:clrMapOvr>
+    <a:masterClrMapping/>
+  </p:clrMapOvr>
+</p:sld>
+</file>
+
+<file path=ppt/slides/slide23.xml><?xml version="1.0" encoding="utf-8"?>
+<p:sld xmlns:a="http://schemas.openxmlformats.org/drawingml/2006/main" xmlns:r="http://schemas.openxmlformats.org/officeDocument/2006/relationships" xmlns:p="http://schemas.openxmlformats.org/presentationml/2006/main">
+  <p:cSld>
+    <p:spTree>
+      <p:nvGrpSpPr>
+        <p:cNvPr id="1" name="">
+          <a:extLst>
+            <a:ext uri="{FF2B5EF4-FFF2-40B4-BE49-F238E27FC236}">
               <a16:creationId xmlns:a16="http://schemas.microsoft.com/office/drawing/2014/main" id="{890D2A91-B7C9-FBDD-F4F6-02EB0DD808C7}"/>
             </a:ext>
           </a:extLst>
@@ -40328,10 +40434,10 @@
       </p:sp>
       <p:graphicFrame>
         <p:nvGraphicFramePr>
-          <p:cNvPr id="3" name="Table 2">
+          <p:cNvPr id="4" name="Table 3">
             <a:extLst>
               <a:ext uri="{FF2B5EF4-FFF2-40B4-BE49-F238E27FC236}">
-                <a16:creationId xmlns:a16="http://schemas.microsoft.com/office/drawing/2014/main" id="{25696010-87F6-3F27-61B8-028FFCB6B134}"/>
+                <a16:creationId xmlns:a16="http://schemas.microsoft.com/office/drawing/2014/main" id="{B1F4BF7F-9435-56A2-2A81-A5122675DEE5}"/>
               </a:ext>
             </a:extLst>
           </p:cNvPr>
@@ -40341,14 +40447,14 @@
           <p:nvPr>
             <p:extLst>
               <p:ext uri="{D42A27DB-BD31-4B8C-83A1-F6EECF244321}">
-                <p14:modId xmlns:p14="http://schemas.microsoft.com/office/powerpoint/2010/main" val="3909021375"/>
+                <p14:modId xmlns:p14="http://schemas.microsoft.com/office/powerpoint/2010/main" val="753420185"/>
               </p:ext>
             </p:extLst>
           </p:nvPr>
         </p:nvGraphicFramePr>
         <p:xfrm>
-          <a:off x="2948114" y="2622660"/>
-          <a:ext cx="5537518" cy="1612680"/>
+          <a:off x="2189205" y="2391736"/>
+          <a:ext cx="7813590" cy="2074528"/>
         </p:xfrm>
         <a:graphic>
           <a:graphicData uri="http://schemas.openxmlformats.org/drawingml/2006/table">
@@ -40357,43 +40463,43 @@
                 <a:tableStyleId>{5C22544A-7EE6-4342-B048-85BDC9FD1C3A}</a:tableStyleId>
               </a:tblPr>
               <a:tblGrid>
-                <a:gridCol w="1889062">
+                <a:gridCol w="1562362">
                   <a:extLst>
                     <a:ext uri="{9D8B030D-6E8A-4147-A177-3AD203B41FA5}">
-                      <a16:colId xmlns:a16="http://schemas.microsoft.com/office/drawing/2014/main" val="4076723973"/>
+                      <a16:colId xmlns:a16="http://schemas.microsoft.com/office/drawing/2014/main" val="4012711610"/>
                     </a:ext>
                   </a:extLst>
                 </a:gridCol>
-                <a:gridCol w="1051560">
+                <a:gridCol w="1562362">
                   <a:extLst>
                     <a:ext uri="{9D8B030D-6E8A-4147-A177-3AD203B41FA5}">
-                      <a16:colId xmlns:a16="http://schemas.microsoft.com/office/drawing/2014/main" val="3089822522"/>
+                      <a16:colId xmlns:a16="http://schemas.microsoft.com/office/drawing/2014/main" val="3860952815"/>
                     </a:ext>
                   </a:extLst>
                 </a:gridCol>
-                <a:gridCol w="804672">
+                <a:gridCol w="1562362">
                   <a:extLst>
                     <a:ext uri="{9D8B030D-6E8A-4147-A177-3AD203B41FA5}">
-                      <a16:colId xmlns:a16="http://schemas.microsoft.com/office/drawing/2014/main" val="79730080"/>
+                      <a16:colId xmlns:a16="http://schemas.microsoft.com/office/drawing/2014/main" val="425341877"/>
                     </a:ext>
                   </a:extLst>
                 </a:gridCol>
-                <a:gridCol w="1042416">
+                <a:gridCol w="1563252">
                   <a:extLst>
                     <a:ext uri="{9D8B030D-6E8A-4147-A177-3AD203B41FA5}">
-                      <a16:colId xmlns:a16="http://schemas.microsoft.com/office/drawing/2014/main" val="3724914705"/>
+                      <a16:colId xmlns:a16="http://schemas.microsoft.com/office/drawing/2014/main" val="2034881795"/>
                     </a:ext>
                   </a:extLst>
                 </a:gridCol>
-                <a:gridCol w="749808">
+                <a:gridCol w="1563252">
                   <a:extLst>
                     <a:ext uri="{9D8B030D-6E8A-4147-A177-3AD203B41FA5}">
-                      <a16:colId xmlns:a16="http://schemas.microsoft.com/office/drawing/2014/main" val="2157743554"/>
+                      <a16:colId xmlns:a16="http://schemas.microsoft.com/office/drawing/2014/main" val="1021626201"/>
                     </a:ext>
                   </a:extLst>
                 </a:gridCol>
               </a:tblGrid>
-              <a:tr h="322536">
+              <a:tr h="527196">
                 <a:tc>
                   <a:txBody>
                     <a:bodyPr/>
@@ -40403,12 +40509,12 @@
                         <a:buNone/>
                       </a:pPr>
                       <a:r>
-                        <a:rPr lang="en-US" sz="1600" dirty="0">
+                        <a:rPr lang="en-US" sz="1800" dirty="0">
                           <a:effectLst/>
                         </a:rPr>
                         <a:t>Model</a:t>
                       </a:r>
-                      <a:endParaRPr lang="en-US" sz="1600" dirty="0">
+                      <a:endParaRPr lang="en-US" sz="1800" dirty="0">
                         <a:effectLst/>
                         <a:latin typeface="Times New Roman" panose="02020603050405020304" pitchFamily="18" charset="0"/>
                         <a:ea typeface="Times New Roman" panose="02020603050405020304" pitchFamily="18" charset="0"/>
@@ -40426,12 +40532,12 @@
                         <a:buNone/>
                       </a:pPr>
                       <a:r>
-                        <a:rPr lang="en-US" sz="1600">
+                        <a:rPr lang="en-US" sz="1800">
                           <a:effectLst/>
                         </a:rPr>
-                        <a:t>Precision</a:t>
+                        <a:t>Macro-Averaged Precision</a:t>
                       </a:r>
-                      <a:endParaRPr lang="en-US" sz="1600">
+                      <a:endParaRPr lang="en-US" sz="1800">
                         <a:effectLst/>
                         <a:latin typeface="Times New Roman" panose="02020603050405020304" pitchFamily="18" charset="0"/>
                         <a:ea typeface="Times New Roman" panose="02020603050405020304" pitchFamily="18" charset="0"/>
@@ -40449,12 +40555,12 @@
                         <a:buNone/>
                       </a:pPr>
                       <a:r>
-                        <a:rPr lang="en-US" sz="1600">
+                        <a:rPr lang="en-US" sz="1800" dirty="0">
                           <a:effectLst/>
                         </a:rPr>
-                        <a:t>Recall</a:t>
+                        <a:t>Macro-Averaged Recall</a:t>
                       </a:r>
-                      <a:endParaRPr lang="en-US" sz="1600">
+                      <a:endParaRPr lang="en-US" sz="1800" dirty="0">
                         <a:effectLst/>
                         <a:latin typeface="Times New Roman" panose="02020603050405020304" pitchFamily="18" charset="0"/>
                         <a:ea typeface="Times New Roman" panose="02020603050405020304" pitchFamily="18" charset="0"/>
@@ -40472,12 +40578,12 @@
                         <a:buNone/>
                       </a:pPr>
                       <a:r>
-                        <a:rPr lang="en-US" sz="1600" dirty="0">
+                        <a:rPr lang="en-US" sz="1800">
                           <a:effectLst/>
                         </a:rPr>
-                        <a:t>F1 Score</a:t>
+                        <a:t>Macro-Averaged F1 Score</a:t>
                       </a:r>
-                      <a:endParaRPr lang="en-US" sz="1600" dirty="0">
+                      <a:endParaRPr lang="en-US" sz="1800">
                         <a:effectLst/>
                         <a:latin typeface="Times New Roman" panose="02020603050405020304" pitchFamily="18" charset="0"/>
                         <a:ea typeface="Times New Roman" panose="02020603050405020304" pitchFamily="18" charset="0"/>
@@ -40495,12 +40601,12 @@
                         <a:buNone/>
                       </a:pPr>
                       <a:r>
-                        <a:rPr lang="en-US" sz="1600">
+                        <a:rPr lang="en-US" sz="1800">
                           <a:effectLst/>
                         </a:rPr>
-                        <a:t>AUC</a:t>
+                        <a:t>Macro-Averaged AUC</a:t>
                       </a:r>
-                      <a:endParaRPr lang="en-US" sz="1600">
+                      <a:endParaRPr lang="en-US" sz="1800">
                         <a:effectLst/>
                         <a:latin typeface="Times New Roman" panose="02020603050405020304" pitchFamily="18" charset="0"/>
                         <a:ea typeface="Times New Roman" panose="02020603050405020304" pitchFamily="18" charset="0"/>
@@ -40511,26 +40617,26 @@
                 </a:tc>
                 <a:extLst>
                   <a:ext uri="{0D108BD9-81ED-4DB2-BD59-A6C34878D82A}">
-                    <a16:rowId xmlns:a16="http://schemas.microsoft.com/office/drawing/2014/main" val="1831290136"/>
+                    <a16:rowId xmlns:a16="http://schemas.microsoft.com/office/drawing/2014/main" val="563809424"/>
                   </a:ext>
                 </a:extLst>
               </a:tr>
-              <a:tr h="322536">
+              <a:tr h="175732">
                 <a:tc>
                   <a:txBody>
                     <a:bodyPr/>
                     <a:lstStyle/>
                     <a:p>
-                      <a:pPr marL="0" marR="0" algn="l">
+                      <a:pPr marL="0" marR="0">
                         <a:buNone/>
                       </a:pPr>
                       <a:r>
-                        <a:rPr lang="en-US" sz="1600" dirty="0">
+                        <a:rPr lang="en-US" sz="1800">
                           <a:effectLst/>
                         </a:rPr>
                         <a:t>ViT</a:t>
                       </a:r>
-                      <a:endParaRPr lang="en-US" sz="1600" dirty="0">
+                      <a:endParaRPr lang="en-US" sz="1800">
                         <a:effectLst/>
                         <a:latin typeface="Times New Roman" panose="02020603050405020304" pitchFamily="18" charset="0"/>
                         <a:ea typeface="Times New Roman" panose="02020603050405020304" pitchFamily="18" charset="0"/>
@@ -40548,12 +40654,12 @@
                         <a:buNone/>
                       </a:pPr>
                       <a:r>
-                        <a:rPr lang="en-US" sz="1600">
+                        <a:rPr lang="en-US" sz="1800" dirty="0">
                           <a:effectLst/>
                         </a:rPr>
                         <a:t>0.89</a:t>
                       </a:r>
-                      <a:endParaRPr lang="en-US" sz="1600">
+                      <a:endParaRPr lang="en-US" sz="1800" dirty="0">
                         <a:effectLst/>
                         <a:latin typeface="Times New Roman" panose="02020603050405020304" pitchFamily="18" charset="0"/>
                         <a:ea typeface="Times New Roman" panose="02020603050405020304" pitchFamily="18" charset="0"/>
@@ -40571,12 +40677,12 @@
                         <a:buNone/>
                       </a:pPr>
                       <a:r>
-                        <a:rPr lang="en-US" sz="1600">
+                        <a:rPr lang="en-US" sz="1800">
                           <a:effectLst/>
                         </a:rPr>
                         <a:t>0.88</a:t>
                       </a:r>
-                      <a:endParaRPr lang="en-US" sz="1600">
+                      <a:endParaRPr lang="en-US" sz="1800">
                         <a:effectLst/>
                         <a:latin typeface="Times New Roman" panose="02020603050405020304" pitchFamily="18" charset="0"/>
                         <a:ea typeface="Times New Roman" panose="02020603050405020304" pitchFamily="18" charset="0"/>
@@ -40594,12 +40700,12 @@
                         <a:buNone/>
                       </a:pPr>
                       <a:r>
-                        <a:rPr lang="en-US" sz="1600">
+                        <a:rPr lang="en-US" sz="1800">
                           <a:effectLst/>
                         </a:rPr>
                         <a:t>0.88</a:t>
                       </a:r>
-                      <a:endParaRPr lang="en-US" sz="1600">
+                      <a:endParaRPr lang="en-US" sz="1800">
                         <a:effectLst/>
                         <a:latin typeface="Times New Roman" panose="02020603050405020304" pitchFamily="18" charset="0"/>
                         <a:ea typeface="Times New Roman" panose="02020603050405020304" pitchFamily="18" charset="0"/>
@@ -40617,12 +40723,12 @@
                         <a:buNone/>
                       </a:pPr>
                       <a:r>
-                        <a:rPr lang="en-US" sz="1600">
+                        <a:rPr lang="en-US" sz="1800">
                           <a:effectLst/>
                         </a:rPr>
                         <a:t>0.998</a:t>
                       </a:r>
-                      <a:endParaRPr lang="en-US" sz="1600">
+                      <a:endParaRPr lang="en-US" sz="1800">
                         <a:effectLst/>
                         <a:latin typeface="Times New Roman" panose="02020603050405020304" pitchFamily="18" charset="0"/>
                         <a:ea typeface="Times New Roman" panose="02020603050405020304" pitchFamily="18" charset="0"/>
@@ -40633,26 +40739,26 @@
                 </a:tc>
                 <a:extLst>
                   <a:ext uri="{0D108BD9-81ED-4DB2-BD59-A6C34878D82A}">
-                    <a16:rowId xmlns:a16="http://schemas.microsoft.com/office/drawing/2014/main" val="2053368255"/>
+                    <a16:rowId xmlns:a16="http://schemas.microsoft.com/office/drawing/2014/main" val="1200034942"/>
                   </a:ext>
                 </a:extLst>
               </a:tr>
-              <a:tr h="322536">
+              <a:tr h="175732">
                 <a:tc>
                   <a:txBody>
                     <a:bodyPr/>
                     <a:lstStyle/>
                     <a:p>
-                      <a:pPr marL="0" marR="0" algn="l">
+                      <a:pPr marL="0" marR="0">
                         <a:buNone/>
                       </a:pPr>
                       <a:r>
-                        <a:rPr lang="en-US" sz="1600" dirty="0">
+                        <a:rPr lang="en-US" sz="1800">
                           <a:effectLst/>
                         </a:rPr>
                         <a:t>ResNet-50</a:t>
                       </a:r>
-                      <a:endParaRPr lang="en-US" sz="1600" dirty="0">
+                      <a:endParaRPr lang="en-US" sz="1800">
                         <a:effectLst/>
                         <a:latin typeface="Times New Roman" panose="02020603050405020304" pitchFamily="18" charset="0"/>
                         <a:ea typeface="Times New Roman" panose="02020603050405020304" pitchFamily="18" charset="0"/>
@@ -40670,12 +40776,12 @@
                         <a:buNone/>
                       </a:pPr>
                       <a:r>
-                        <a:rPr lang="en-US" sz="1600" dirty="0">
+                        <a:rPr lang="en-US" sz="1800">
                           <a:effectLst/>
                         </a:rPr>
                         <a:t>0.85</a:t>
                       </a:r>
-                      <a:endParaRPr lang="en-US" sz="1600" dirty="0">
+                      <a:endParaRPr lang="en-US" sz="1800">
                         <a:effectLst/>
                         <a:latin typeface="Times New Roman" panose="02020603050405020304" pitchFamily="18" charset="0"/>
                         <a:ea typeface="Times New Roman" panose="02020603050405020304" pitchFamily="18" charset="0"/>
@@ -40693,12 +40799,12 @@
                         <a:buNone/>
                       </a:pPr>
                       <a:r>
-                        <a:rPr lang="en-US" sz="1600">
+                        <a:rPr lang="en-US" sz="1800">
                           <a:effectLst/>
                         </a:rPr>
                         <a:t>0.84</a:t>
                       </a:r>
-                      <a:endParaRPr lang="en-US" sz="1600">
+                      <a:endParaRPr lang="en-US" sz="1800">
                         <a:effectLst/>
                         <a:latin typeface="Times New Roman" panose="02020603050405020304" pitchFamily="18" charset="0"/>
                         <a:ea typeface="Times New Roman" panose="02020603050405020304" pitchFamily="18" charset="0"/>
@@ -40716,12 +40822,12 @@
                         <a:buNone/>
                       </a:pPr>
                       <a:r>
-                        <a:rPr lang="en-US" sz="1600">
+                        <a:rPr lang="en-US" sz="1800" dirty="0">
                           <a:effectLst/>
                         </a:rPr>
                         <a:t>0.84</a:t>
                       </a:r>
-                      <a:endParaRPr lang="en-US" sz="1600">
+                      <a:endParaRPr lang="en-US" sz="1800" dirty="0">
                         <a:effectLst/>
                         <a:latin typeface="Times New Roman" panose="02020603050405020304" pitchFamily="18" charset="0"/>
                         <a:ea typeface="Times New Roman" panose="02020603050405020304" pitchFamily="18" charset="0"/>
@@ -40739,12 +40845,12 @@
                         <a:buNone/>
                       </a:pPr>
                       <a:r>
-                        <a:rPr lang="en-US" sz="1600" dirty="0">
+                        <a:rPr lang="en-US" sz="1800">
                           <a:effectLst/>
                         </a:rPr>
                         <a:t>0.997</a:t>
                       </a:r>
-                      <a:endParaRPr lang="en-US" sz="1600" dirty="0">
+                      <a:endParaRPr lang="en-US" sz="1800">
                         <a:effectLst/>
                         <a:latin typeface="Times New Roman" panose="02020603050405020304" pitchFamily="18" charset="0"/>
                         <a:ea typeface="Times New Roman" panose="02020603050405020304" pitchFamily="18" charset="0"/>
@@ -40755,26 +40861,26 @@
                 </a:tc>
                 <a:extLst>
                   <a:ext uri="{0D108BD9-81ED-4DB2-BD59-A6C34878D82A}">
-                    <a16:rowId xmlns:a16="http://schemas.microsoft.com/office/drawing/2014/main" val="4149266387"/>
+                    <a16:rowId xmlns:a16="http://schemas.microsoft.com/office/drawing/2014/main" val="2800633010"/>
                   </a:ext>
                 </a:extLst>
               </a:tr>
-              <a:tr h="322536">
+              <a:tr h="351464">
                 <a:tc>
                   <a:txBody>
                     <a:bodyPr/>
                     <a:lstStyle/>
                     <a:p>
-                      <a:pPr marL="0" marR="0" algn="l">
+                      <a:pPr marL="0" marR="0">
                         <a:buNone/>
                       </a:pPr>
                       <a:r>
-                        <a:rPr lang="en-US" sz="1600" dirty="0">
+                        <a:rPr lang="en-US" sz="1800">
                           <a:effectLst/>
                         </a:rPr>
                         <a:t>EfficientNetB4</a:t>
                       </a:r>
-                      <a:endParaRPr lang="en-US" sz="1600" dirty="0">
+                      <a:endParaRPr lang="en-US" sz="1800">
                         <a:effectLst/>
                         <a:latin typeface="Times New Roman" panose="02020603050405020304" pitchFamily="18" charset="0"/>
                         <a:ea typeface="Times New Roman" panose="02020603050405020304" pitchFamily="18" charset="0"/>
@@ -40792,12 +40898,12 @@
                         <a:buNone/>
                       </a:pPr>
                       <a:r>
-                        <a:rPr lang="en-US" sz="1600">
+                        <a:rPr lang="en-US" sz="1800">
                           <a:effectLst/>
                         </a:rPr>
                         <a:t>0.84</a:t>
                       </a:r>
-                      <a:endParaRPr lang="en-US" sz="1600">
+                      <a:endParaRPr lang="en-US" sz="1800">
                         <a:effectLst/>
                         <a:latin typeface="Times New Roman" panose="02020603050405020304" pitchFamily="18" charset="0"/>
                         <a:ea typeface="Times New Roman" panose="02020603050405020304" pitchFamily="18" charset="0"/>
@@ -40815,12 +40921,12 @@
                         <a:buNone/>
                       </a:pPr>
                       <a:r>
-                        <a:rPr lang="en-US" sz="1600">
+                        <a:rPr lang="en-US" sz="1800">
                           <a:effectLst/>
                         </a:rPr>
                         <a:t>0.83</a:t>
                       </a:r>
-                      <a:endParaRPr lang="en-US" sz="1600">
+                      <a:endParaRPr lang="en-US" sz="1800">
                         <a:effectLst/>
                         <a:latin typeface="Times New Roman" panose="02020603050405020304" pitchFamily="18" charset="0"/>
                         <a:ea typeface="Times New Roman" panose="02020603050405020304" pitchFamily="18" charset="0"/>
@@ -40838,12 +40944,12 @@
                         <a:buNone/>
                       </a:pPr>
                       <a:r>
-                        <a:rPr lang="en-US" sz="1600">
+                        <a:rPr lang="en-US" sz="1800" dirty="0">
                           <a:effectLst/>
                         </a:rPr>
                         <a:t>0.83</a:t>
                       </a:r>
-                      <a:endParaRPr lang="en-US" sz="1600">
+                      <a:endParaRPr lang="en-US" sz="1800" dirty="0">
                         <a:effectLst/>
                         <a:latin typeface="Times New Roman" panose="02020603050405020304" pitchFamily="18" charset="0"/>
                         <a:ea typeface="Times New Roman" panose="02020603050405020304" pitchFamily="18" charset="0"/>
@@ -40861,12 +40967,12 @@
                         <a:buNone/>
                       </a:pPr>
                       <a:r>
-                        <a:rPr lang="en-US" sz="1600" dirty="0">
+                        <a:rPr lang="en-US" sz="1800" dirty="0">
                           <a:effectLst/>
                         </a:rPr>
                         <a:t>0.996</a:t>
                       </a:r>
-                      <a:endParaRPr lang="en-US" sz="1600" dirty="0">
+                      <a:endParaRPr lang="en-US" sz="1800" dirty="0">
                         <a:effectLst/>
                         <a:latin typeface="Times New Roman" panose="02020603050405020304" pitchFamily="18" charset="0"/>
                         <a:ea typeface="Times New Roman" panose="02020603050405020304" pitchFamily="18" charset="0"/>
@@ -40877,26 +40983,26 @@
                 </a:tc>
                 <a:extLst>
                   <a:ext uri="{0D108BD9-81ED-4DB2-BD59-A6C34878D82A}">
-                    <a16:rowId xmlns:a16="http://schemas.microsoft.com/office/drawing/2014/main" val="1648081925"/>
+                    <a16:rowId xmlns:a16="http://schemas.microsoft.com/office/drawing/2014/main" val="4185396875"/>
                   </a:ext>
                 </a:extLst>
               </a:tr>
-              <a:tr h="322536">
+              <a:tr h="351464">
                 <a:tc>
                   <a:txBody>
                     <a:bodyPr/>
                     <a:lstStyle/>
                     <a:p>
-                      <a:pPr marL="0" marR="0" algn="l">
+                      <a:pPr marL="0" marR="0">
                         <a:buNone/>
                       </a:pPr>
                       <a:r>
-                        <a:rPr lang="en-US" sz="1600" dirty="0">
+                        <a:rPr lang="en-US" sz="1800">
                           <a:effectLst/>
                         </a:rPr>
                         <a:t>MobileNetV3</a:t>
                       </a:r>
-                      <a:endParaRPr lang="en-US" sz="1600" dirty="0">
+                      <a:endParaRPr lang="en-US" sz="1800">
                         <a:effectLst/>
                         <a:latin typeface="Times New Roman" panose="02020603050405020304" pitchFamily="18" charset="0"/>
                         <a:ea typeface="Times New Roman" panose="02020603050405020304" pitchFamily="18" charset="0"/>
@@ -40914,12 +41020,12 @@
                         <a:buNone/>
                       </a:pPr>
                       <a:r>
-                        <a:rPr lang="en-US" sz="1600" dirty="0">
+                        <a:rPr lang="en-US" sz="1800">
                           <a:effectLst/>
                         </a:rPr>
                         <a:t>0.83</a:t>
                       </a:r>
-                      <a:endParaRPr lang="en-US" sz="1600" dirty="0">
+                      <a:endParaRPr lang="en-US" sz="1800">
                         <a:effectLst/>
                         <a:latin typeface="Times New Roman" panose="02020603050405020304" pitchFamily="18" charset="0"/>
                         <a:ea typeface="Times New Roman" panose="02020603050405020304" pitchFamily="18" charset="0"/>
@@ -40937,12 +41043,12 @@
                         <a:buNone/>
                       </a:pPr>
                       <a:r>
-                        <a:rPr lang="en-US" sz="1600" dirty="0">
+                        <a:rPr lang="en-US" sz="1800" dirty="0">
                           <a:effectLst/>
                         </a:rPr>
                         <a:t>0.82</a:t>
                       </a:r>
-                      <a:endParaRPr lang="en-US" sz="1600" dirty="0">
+                      <a:endParaRPr lang="en-US" sz="1800" dirty="0">
                         <a:effectLst/>
                         <a:latin typeface="Times New Roman" panose="02020603050405020304" pitchFamily="18" charset="0"/>
                         <a:ea typeface="Times New Roman" panose="02020603050405020304" pitchFamily="18" charset="0"/>
@@ -40960,12 +41066,12 @@
                         <a:buNone/>
                       </a:pPr>
                       <a:r>
-                        <a:rPr lang="en-US" sz="1600" dirty="0">
+                        <a:rPr lang="en-US" sz="1800">
                           <a:effectLst/>
                         </a:rPr>
                         <a:t>0.82</a:t>
                       </a:r>
-                      <a:endParaRPr lang="en-US" sz="1600" dirty="0">
+                      <a:endParaRPr lang="en-US" sz="1800">
                         <a:effectLst/>
                         <a:latin typeface="Times New Roman" panose="02020603050405020304" pitchFamily="18" charset="0"/>
                         <a:ea typeface="Times New Roman" panose="02020603050405020304" pitchFamily="18" charset="0"/>
@@ -40983,12 +41089,12 @@
                         <a:buNone/>
                       </a:pPr>
                       <a:r>
-                        <a:rPr lang="en-US" sz="1600" dirty="0">
+                        <a:rPr lang="en-US" sz="1800" dirty="0">
                           <a:effectLst/>
                         </a:rPr>
                         <a:t>0.995</a:t>
                       </a:r>
-                      <a:endParaRPr lang="en-US" sz="1600" dirty="0">
+                      <a:endParaRPr lang="en-US" sz="1800" dirty="0">
                         <a:effectLst/>
                         <a:latin typeface="Times New Roman" panose="02020603050405020304" pitchFamily="18" charset="0"/>
                         <a:ea typeface="Times New Roman" panose="02020603050405020304" pitchFamily="18" charset="0"/>
@@ -40999,7 +41105,7 @@
                 </a:tc>
                 <a:extLst>
                   <a:ext uri="{0D108BD9-81ED-4DB2-BD59-A6C34878D82A}">
-                    <a16:rowId xmlns:a16="http://schemas.microsoft.com/office/drawing/2014/main" val="1083954571"/>
+                    <a16:rowId xmlns:a16="http://schemas.microsoft.com/office/drawing/2014/main" val="4042403742"/>
                   </a:ext>
                 </a:extLst>
               </a:tr>
@@ -41020,7 +41126,7 @@
 </p:sld>
 </file>
 
-<file path=ppt/slides/slide23.xml><?xml version="1.0" encoding="utf-8"?>
+<file path=ppt/slides/slide24.xml><?xml version="1.0" encoding="utf-8"?>
 <p:sld xmlns:a="http://schemas.openxmlformats.org/drawingml/2006/main" xmlns:r="http://schemas.openxmlformats.org/officeDocument/2006/relationships" xmlns:p="http://schemas.openxmlformats.org/presentationml/2006/main">
   <p:cSld>
     <p:spTree>
@@ -41146,7 +41252,7 @@
 </p:sld>
 </file>
 
-<file path=ppt/slides/slide24.xml><?xml version="1.0" encoding="utf-8"?>
+<file path=ppt/slides/slide25.xml><?xml version="1.0" encoding="utf-8"?>
 <p:sld xmlns:a="http://schemas.openxmlformats.org/drawingml/2006/main" xmlns:r="http://schemas.openxmlformats.org/officeDocument/2006/relationships" xmlns:p="http://schemas.openxmlformats.org/presentationml/2006/main">
   <p:cSld>
     <p:spTree>
@@ -41221,8 +41327,8 @@
         </p:blipFill>
         <p:spPr>
           <a:xfrm>
-            <a:off x="3091434" y="1477568"/>
-            <a:ext cx="6009132" cy="4506034"/>
+            <a:off x="2962568" y="1477568"/>
+            <a:ext cx="6266863" cy="4699297"/>
           </a:xfrm>
           <a:prstGeom prst="rect">
             <a:avLst/>
@@ -41242,7 +41348,7 @@
 </p:sld>
 </file>
 
-<file path=ppt/slides/slide25.xml><?xml version="1.0" encoding="utf-8"?>
+<file path=ppt/slides/slide26.xml><?xml version="1.0" encoding="utf-8"?>
 <p:sld xmlns:a="http://schemas.openxmlformats.org/drawingml/2006/main" xmlns:r="http://schemas.openxmlformats.org/officeDocument/2006/relationships" xmlns:p="http://schemas.openxmlformats.org/presentationml/2006/main">
   <p:cSld>
     <p:spTree>
@@ -41306,7 +41412,7 @@
 </p:sld>
 </file>
 
-<file path=ppt/slides/slide26.xml><?xml version="1.0" encoding="utf-8"?>
+<file path=ppt/slides/slide27.xml><?xml version="1.0" encoding="utf-8"?>
 <p:sld xmlns:a="http://schemas.openxmlformats.org/drawingml/2006/main" xmlns:r="http://schemas.openxmlformats.org/officeDocument/2006/relationships" xmlns:p="http://schemas.openxmlformats.org/presentationml/2006/main">
   <p:cSld>
     <p:spTree>
@@ -41499,7 +41605,7 @@
 </p:sld>
 </file>
 
-<file path=ppt/slides/slide27.xml><?xml version="1.0" encoding="utf-8"?>
+<file path=ppt/slides/slide28.xml><?xml version="1.0" encoding="utf-8"?>
 <p:sld xmlns:a="http://schemas.openxmlformats.org/drawingml/2006/main" xmlns:r="http://schemas.openxmlformats.org/officeDocument/2006/relationships" xmlns:p="http://schemas.openxmlformats.org/presentationml/2006/main">
   <p:cSld>
     <p:spTree>
@@ -41645,7 +41751,7 @@
 </p:sld>
 </file>
 
-<file path=ppt/slides/slide28.xml><?xml version="1.0" encoding="utf-8"?>
+<file path=ppt/slides/slide29.xml><?xml version="1.0" encoding="utf-8"?>
 <p:sld xmlns:a="http://schemas.openxmlformats.org/drawingml/2006/main" xmlns:r="http://schemas.openxmlformats.org/officeDocument/2006/relationships" xmlns:p="http://schemas.openxmlformats.org/presentationml/2006/main">
   <p:cSld>
     <p:spTree>

--- a/Báo cáo/ThesisReport.pptx
+++ b/Báo cáo/ThesisReport.pptx
@@ -5,7 +5,7 @@
     <p:sldMasterId id="2147483648" r:id="rId1"/>
   </p:sldMasterIdLst>
   <p:notesMasterIdLst>
-    <p:notesMasterId r:id="rId31"/>
+    <p:notesMasterId r:id="rId33"/>
   </p:notesMasterIdLst>
   <p:sldIdLst>
     <p:sldId id="271" r:id="rId2"/>
@@ -25,18 +25,20 @@
     <p:sldId id="298" r:id="rId16"/>
     <p:sldId id="297" r:id="rId17"/>
     <p:sldId id="274" r:id="rId18"/>
-    <p:sldId id="275" r:id="rId19"/>
-    <p:sldId id="276" r:id="rId20"/>
-    <p:sldId id="277" r:id="rId21"/>
-    <p:sldId id="278" r:id="rId22"/>
-    <p:sldId id="303" r:id="rId23"/>
-    <p:sldId id="285" r:id="rId24"/>
-    <p:sldId id="279" r:id="rId25"/>
-    <p:sldId id="301" r:id="rId26"/>
-    <p:sldId id="273" r:id="rId27"/>
-    <p:sldId id="272" r:id="rId28"/>
-    <p:sldId id="270" r:id="rId29"/>
-    <p:sldId id="261" r:id="rId30"/>
+    <p:sldId id="303" r:id="rId19"/>
+    <p:sldId id="304" r:id="rId20"/>
+    <p:sldId id="305" r:id="rId21"/>
+    <p:sldId id="285" r:id="rId22"/>
+    <p:sldId id="279" r:id="rId23"/>
+    <p:sldId id="301" r:id="rId24"/>
+    <p:sldId id="275" r:id="rId25"/>
+    <p:sldId id="276" r:id="rId26"/>
+    <p:sldId id="277" r:id="rId27"/>
+    <p:sldId id="278" r:id="rId28"/>
+    <p:sldId id="273" r:id="rId29"/>
+    <p:sldId id="272" r:id="rId30"/>
+    <p:sldId id="270" r:id="rId31"/>
+    <p:sldId id="261" r:id="rId32"/>
   </p:sldIdLst>
   <p:sldSz cx="12192000" cy="6858000"/>
   <p:notesSz cx="6858000" cy="9144000"/>
@@ -521,13 +523,6 @@
           </p:nvPr>
         </p:nvSpPr>
         <p:spPr/>
-        <p:txBody>
-          <a:bodyPr/>
-          <a:lstStyle/>
-          <a:p>
-            <a:endParaRPr lang="en-US"/>
-          </a:p>
-        </p:txBody>
       </p:sp>
       <p:sp>
         <p:nvSpPr>
@@ -544,6 +539,29 @@
           <a:bodyPr/>
           <a:lstStyle/>
           <a:p>
+            <a:pPr marL="0" marR="0" lvl="0" indent="0" algn="l" defTabSz="914400" rtl="0" eaLnBrk="1" fontAlgn="auto" latinLnBrk="0" hangingPunct="1">
+              <a:lnSpc>
+                <a:spcPct val="100000"/>
+              </a:lnSpc>
+              <a:spcBef>
+                <a:spcPts val="0"/>
+              </a:spcBef>
+              <a:spcAft>
+                <a:spcPts val="0"/>
+              </a:spcAft>
+              <a:buClrTx/>
+              <a:buSzTx/>
+              <a:buFontTx/>
+              <a:buNone/>
+              <a:tabLst/>
+              <a:defRPr/>
+            </a:pPr>
+            <a:r>
+              <a:rPr lang="en-US" dirty="0">
+                <a:effectLst/>
+              </a:rPr>
+              <a:t>Hello, I am Quang Vinh, thanks for coming to my thesis defense presentation titled: “Developing a Mushroom Identification Application. Advised by Dr. BVQB</a:t>
+            </a:r>
             <a:endParaRPr lang="en-US" dirty="0"/>
           </a:p>
         </p:txBody>
@@ -565,7 +583,7 @@
           <a:p>
             <a:fld id="{A67E2EB4-AAAC-4D92-8F4B-6C8B3AB9BD3F}" type="slidenum">
               <a:rPr lang="vi-VN" smtClean="0"/>
-              <a:t>2</a:t>
+              <a:t>1</a:t>
             </a:fld>
             <a:endParaRPr lang="vi-VN"/>
           </a:p>
@@ -574,7 +592,7 @@
     </p:spTree>
     <p:extLst>
       <p:ext uri="{BB962C8B-B14F-4D97-AF65-F5344CB8AC3E}">
-        <p14:creationId xmlns:p14="http://schemas.microsoft.com/office/powerpoint/2010/main" val="3958037636"/>
+        <p14:creationId xmlns:p14="http://schemas.microsoft.com/office/powerpoint/2010/main" val="2105550314"/>
       </p:ext>
     </p:extLst>
   </p:cSld>
@@ -585,6 +603,124 @@
 </file>
 
 <file path=ppt/notesSlides/notesSlide10.xml><?xml version="1.0" encoding="utf-8"?>
+<p:notes xmlns:a="http://schemas.openxmlformats.org/drawingml/2006/main" xmlns:r="http://schemas.openxmlformats.org/officeDocument/2006/relationships" xmlns:p="http://schemas.openxmlformats.org/presentationml/2006/main">
+  <p:cSld>
+    <p:spTree>
+      <p:nvGrpSpPr>
+        <p:cNvPr id="1" name="">
+          <a:extLst>
+            <a:ext uri="{FF2B5EF4-FFF2-40B4-BE49-F238E27FC236}">
+              <a16:creationId xmlns:a16="http://schemas.microsoft.com/office/drawing/2014/main" id="{38D4E520-8007-473F-1EAD-F11A63BDDB6A}"/>
+            </a:ext>
+          </a:extLst>
+        </p:cNvPr>
+        <p:cNvGrpSpPr/>
+        <p:nvPr/>
+      </p:nvGrpSpPr>
+      <p:grpSpPr>
+        <a:xfrm>
+          <a:off x="0" y="0"/>
+          <a:ext cx="0" cy="0"/>
+          <a:chOff x="0" y="0"/>
+          <a:chExt cx="0" cy="0"/>
+        </a:xfrm>
+      </p:grpSpPr>
+      <p:sp>
+        <p:nvSpPr>
+          <p:cNvPr id="2" name="Slide Image Placeholder 1">
+            <a:extLst>
+              <a:ext uri="{FF2B5EF4-FFF2-40B4-BE49-F238E27FC236}">
+                <a16:creationId xmlns:a16="http://schemas.microsoft.com/office/drawing/2014/main" id="{85569434-C290-0358-EADD-2A95BF7707BA}"/>
+              </a:ext>
+            </a:extLst>
+          </p:cNvPr>
+          <p:cNvSpPr>
+            <a:spLocks noGrp="1" noRot="1" noChangeAspect="1"/>
+          </p:cNvSpPr>
+          <p:nvPr>
+            <p:ph type="sldImg"/>
+          </p:nvPr>
+        </p:nvSpPr>
+        <p:spPr/>
+        <p:txBody>
+          <a:bodyPr/>
+          <a:lstStyle/>
+          <a:p>
+            <a:endParaRPr lang="en-US"/>
+          </a:p>
+        </p:txBody>
+      </p:sp>
+      <p:sp>
+        <p:nvSpPr>
+          <p:cNvPr id="3" name="Notes Placeholder 2">
+            <a:extLst>
+              <a:ext uri="{FF2B5EF4-FFF2-40B4-BE49-F238E27FC236}">
+                <a16:creationId xmlns:a16="http://schemas.microsoft.com/office/drawing/2014/main" id="{82B74D49-C1CE-653B-4198-1DE2391C5539}"/>
+              </a:ext>
+            </a:extLst>
+          </p:cNvPr>
+          <p:cNvSpPr>
+            <a:spLocks noGrp="1"/>
+          </p:cNvSpPr>
+          <p:nvPr>
+            <p:ph type="body" idx="1"/>
+          </p:nvPr>
+        </p:nvSpPr>
+        <p:spPr/>
+        <p:txBody>
+          <a:bodyPr/>
+          <a:lstStyle/>
+          <a:p>
+            <a:r>
+              <a:rPr lang="en-US" dirty="0"/>
+              <a:t>Use case</a:t>
+            </a:r>
+          </a:p>
+        </p:txBody>
+      </p:sp>
+      <p:sp>
+        <p:nvSpPr>
+          <p:cNvPr id="4" name="Slide Number Placeholder 3">
+            <a:extLst>
+              <a:ext uri="{FF2B5EF4-FFF2-40B4-BE49-F238E27FC236}">
+                <a16:creationId xmlns:a16="http://schemas.microsoft.com/office/drawing/2014/main" id="{958A0187-9FF7-9E37-C7E5-DCF651889753}"/>
+              </a:ext>
+            </a:extLst>
+          </p:cNvPr>
+          <p:cNvSpPr>
+            <a:spLocks noGrp="1"/>
+          </p:cNvSpPr>
+          <p:nvPr>
+            <p:ph type="sldNum" sz="quarter" idx="5"/>
+          </p:nvPr>
+        </p:nvSpPr>
+        <p:spPr/>
+        <p:txBody>
+          <a:bodyPr/>
+          <a:lstStyle/>
+          <a:p>
+            <a:fld id="{A67E2EB4-AAAC-4D92-8F4B-6C8B3AB9BD3F}" type="slidenum">
+              <a:rPr lang="vi-VN" smtClean="0"/>
+              <a:t>12</a:t>
+            </a:fld>
+            <a:endParaRPr lang="vi-VN"/>
+          </a:p>
+        </p:txBody>
+      </p:sp>
+    </p:spTree>
+    <p:extLst>
+      <p:ext uri="{BB962C8B-B14F-4D97-AF65-F5344CB8AC3E}">
+        <p14:creationId xmlns:p14="http://schemas.microsoft.com/office/powerpoint/2010/main" val="3213775446"/>
+      </p:ext>
+    </p:extLst>
+  </p:cSld>
+  <p:clrMapOvr>
+    <a:masterClrMapping/>
+  </p:clrMapOvr>
+</p:notes>
+</file>
+
+<file path=ppt/notesSlides/notesSlide11.xml><?xml version="1.0" encoding="utf-8"?>
 <p:notes xmlns:a="http://schemas.openxmlformats.org/drawingml/2006/main" xmlns:r="http://schemas.openxmlformats.org/officeDocument/2006/relationships" xmlns:p="http://schemas.openxmlformats.org/presentationml/2006/main">
   <p:cSld>
     <p:spTree>
@@ -653,7 +789,10 @@
           <a:bodyPr/>
           <a:lstStyle/>
           <a:p>
-            <a:endParaRPr lang="en-US" dirty="0"/>
+            <a:r>
+              <a:rPr lang="en-US" dirty="0"/>
+              <a:t>Image identification feature workflow</a:t>
+            </a:r>
           </a:p>
         </p:txBody>
       </p:sp>
@@ -699,7 +838,7 @@
 </p:notes>
 </file>
 
-<file path=ppt/notesSlides/notesSlide11.xml><?xml version="1.0" encoding="utf-8"?>
+<file path=ppt/notesSlides/notesSlide12.xml><?xml version="1.0" encoding="utf-8"?>
 <p:notes xmlns:a="http://schemas.openxmlformats.org/drawingml/2006/main" xmlns:r="http://schemas.openxmlformats.org/officeDocument/2006/relationships" xmlns:p="http://schemas.openxmlformats.org/presentationml/2006/main">
   <p:cSld>
     <p:spTree>
@@ -768,7 +907,10 @@
           <a:bodyPr/>
           <a:lstStyle/>
           <a:p>
-            <a:endParaRPr lang="en-US" dirty="0"/>
+            <a:r>
+              <a:rPr lang="en-US" dirty="0"/>
+              <a:t>History feature workflow</a:t>
+            </a:r>
           </a:p>
         </p:txBody>
       </p:sp>
@@ -814,7 +956,7 @@
 </p:notes>
 </file>
 
-<file path=ppt/notesSlides/notesSlide12.xml><?xml version="1.0" encoding="utf-8"?>
+<file path=ppt/notesSlides/notesSlide13.xml><?xml version="1.0" encoding="utf-8"?>
 <p:notes xmlns:a="http://schemas.openxmlformats.org/drawingml/2006/main" xmlns:r="http://schemas.openxmlformats.org/officeDocument/2006/relationships" xmlns:p="http://schemas.openxmlformats.org/presentationml/2006/main">
   <p:cSld>
     <p:spTree>
@@ -883,6 +1025,29 @@
           <a:bodyPr/>
           <a:lstStyle/>
           <a:p>
+            <a:pPr marL="0" marR="0" lvl="0" indent="0" algn="l" defTabSz="914400" rtl="0" eaLnBrk="1" fontAlgn="auto" latinLnBrk="0" hangingPunct="1">
+              <a:lnSpc>
+                <a:spcPct val="100000"/>
+              </a:lnSpc>
+              <a:spcBef>
+                <a:spcPts val="0"/>
+              </a:spcBef>
+              <a:spcAft>
+                <a:spcPts val="0"/>
+              </a:spcAft>
+              <a:buClrTx/>
+              <a:buSzTx/>
+              <a:buFontTx/>
+              <a:buNone/>
+              <a:tabLst/>
+              <a:defRPr/>
+            </a:pPr>
+            <a:r>
+              <a:rPr lang="en-US" dirty="0"/>
+              <a:t>Search feature workflow</a:t>
+            </a:r>
+          </a:p>
+          <a:p>
             <a:endParaRPr lang="en-US" dirty="0"/>
           </a:p>
         </p:txBody>
@@ -929,7 +1094,7 @@
 </p:notes>
 </file>
 
-<file path=ppt/notesSlides/notesSlide13.xml><?xml version="1.0" encoding="utf-8"?>
+<file path=ppt/notesSlides/notesSlide14.xml><?xml version="1.0" encoding="utf-8"?>
 <p:notes xmlns:a="http://schemas.openxmlformats.org/drawingml/2006/main" xmlns:r="http://schemas.openxmlformats.org/officeDocument/2006/relationships" xmlns:p="http://schemas.openxmlformats.org/presentationml/2006/main">
   <p:cSld>
     <p:spTree>
@@ -998,7 +1163,10 @@
           <a:bodyPr/>
           <a:lstStyle/>
           <a:p>
-            <a:endParaRPr lang="en-US" dirty="0"/>
+            <a:r>
+              <a:rPr lang="en-US" dirty="0"/>
+              <a:t>Forage map feature workflow</a:t>
+            </a:r>
           </a:p>
         </p:txBody>
       </p:sp>
@@ -1035,128 +1203,6 @@
     <p:extLst>
       <p:ext uri="{BB962C8B-B14F-4D97-AF65-F5344CB8AC3E}">
         <p14:creationId xmlns:p14="http://schemas.microsoft.com/office/powerpoint/2010/main" val="2772146794"/>
-      </p:ext>
-    </p:extLst>
-  </p:cSld>
-  <p:clrMapOvr>
-    <a:masterClrMapping/>
-  </p:clrMapOvr>
-</p:notes>
-</file>
-
-<file path=ppt/notesSlides/notesSlide14.xml><?xml version="1.0" encoding="utf-8"?>
-<p:notes xmlns:a="http://schemas.openxmlformats.org/drawingml/2006/main" xmlns:r="http://schemas.openxmlformats.org/officeDocument/2006/relationships" xmlns:p="http://schemas.openxmlformats.org/presentationml/2006/main">
-  <p:cSld>
-    <p:spTree>
-      <p:nvGrpSpPr>
-        <p:cNvPr id="1" name=""/>
-        <p:cNvGrpSpPr/>
-        <p:nvPr/>
-      </p:nvGrpSpPr>
-      <p:grpSpPr>
-        <a:xfrm>
-          <a:off x="0" y="0"/>
-          <a:ext cx="0" cy="0"/>
-          <a:chOff x="0" y="0"/>
-          <a:chExt cx="0" cy="0"/>
-        </a:xfrm>
-      </p:grpSpPr>
-      <p:sp>
-        <p:nvSpPr>
-          <p:cNvPr id="2" name="Slide Image Placeholder 1"/>
-          <p:cNvSpPr>
-            <a:spLocks noGrp="1" noRot="1" noChangeAspect="1"/>
-          </p:cNvSpPr>
-          <p:nvPr>
-            <p:ph type="sldImg"/>
-          </p:nvPr>
-        </p:nvSpPr>
-        <p:spPr/>
-        <p:txBody>
-          <a:bodyPr/>
-          <a:lstStyle/>
-          <a:p>
-            <a:endParaRPr lang="en-US"/>
-          </a:p>
-        </p:txBody>
-      </p:sp>
-      <p:sp>
-        <p:nvSpPr>
-          <p:cNvPr id="3" name="Notes Placeholder 2"/>
-          <p:cNvSpPr>
-            <a:spLocks noGrp="1"/>
-          </p:cNvSpPr>
-          <p:nvPr>
-            <p:ph type="body" idx="1"/>
-          </p:nvPr>
-        </p:nvSpPr>
-        <p:spPr/>
-        <p:txBody>
-          <a:bodyPr/>
-          <a:lstStyle/>
-          <a:p>
-            <a:r>
-              <a:rPr lang="en-US" dirty="0" err="1"/>
-              <a:t>Achived</a:t>
-            </a:r>
-            <a:r>
-              <a:rPr lang="en-US" dirty="0"/>
-              <a:t> results:</a:t>
-            </a:r>
-            <a:br>
-              <a:rPr lang="en-US" dirty="0"/>
-            </a:br>
-            <a:r>
-              <a:rPr lang="en-US" dirty="0"/>
-              <a:t>2. local **result** storage</a:t>
-            </a:r>
-          </a:p>
-          <a:p>
-            <a:endParaRPr lang="en-US" dirty="0"/>
-          </a:p>
-          <a:p>
-            <a:r>
-              <a:rPr lang="en-US" dirty="0"/>
-              <a:t>Current limitations:</a:t>
-            </a:r>
-            <a:br>
-              <a:rPr lang="en-US" dirty="0"/>
-            </a:br>
-            <a:r>
-              <a:rPr lang="en-US" dirty="0"/>
-              <a:t>3. which are the search feature and forage map.</a:t>
-            </a:r>
-            <a:endParaRPr lang="vi-VN" dirty="0"/>
-          </a:p>
-        </p:txBody>
-      </p:sp>
-      <p:sp>
-        <p:nvSpPr>
-          <p:cNvPr id="4" name="Slide Number Placeholder 3"/>
-          <p:cNvSpPr>
-            <a:spLocks noGrp="1"/>
-          </p:cNvSpPr>
-          <p:nvPr>
-            <p:ph type="sldNum" sz="quarter" idx="5"/>
-          </p:nvPr>
-        </p:nvSpPr>
-        <p:spPr/>
-        <p:txBody>
-          <a:bodyPr/>
-          <a:lstStyle/>
-          <a:p>
-            <a:fld id="{A67E2EB4-AAAC-4D92-8F4B-6C8B3AB9BD3F}" type="slidenum">
-              <a:rPr lang="vi-VN" smtClean="0"/>
-              <a:t>27</a:t>
-            </a:fld>
-            <a:endParaRPr lang="vi-VN"/>
-          </a:p>
-        </p:txBody>
-      </p:sp>
-    </p:spTree>
-    <p:extLst>
-      <p:ext uri="{BB962C8B-B14F-4D97-AF65-F5344CB8AC3E}">
-        <p14:creationId xmlns:p14="http://schemas.microsoft.com/office/powerpoint/2010/main" val="2167281020"/>
       </p:ext>
     </p:extLst>
   </p:cSld>
@@ -1194,6 +1240,469 @@
           </p:nvPr>
         </p:nvSpPr>
         <p:spPr/>
+      </p:sp>
+      <p:sp>
+        <p:nvSpPr>
+          <p:cNvPr id="3" name="Notes Placeholder 2"/>
+          <p:cNvSpPr>
+            <a:spLocks noGrp="1"/>
+          </p:cNvSpPr>
+          <p:nvPr>
+            <p:ph type="body" idx="1"/>
+          </p:nvPr>
+        </p:nvSpPr>
+        <p:spPr/>
+        <p:txBody>
+          <a:bodyPr/>
+          <a:lstStyle/>
+          <a:p>
+            <a:r>
+              <a:rPr lang="en-US" dirty="0"/>
+              <a:t>Compute the precision, recall and F1 score for each of 80 classes</a:t>
+            </a:r>
+          </a:p>
+        </p:txBody>
+      </p:sp>
+      <p:sp>
+        <p:nvSpPr>
+          <p:cNvPr id="4" name="Slide Number Placeholder 3"/>
+          <p:cNvSpPr>
+            <a:spLocks noGrp="1"/>
+          </p:cNvSpPr>
+          <p:nvPr>
+            <p:ph type="sldNum" sz="quarter" idx="5"/>
+          </p:nvPr>
+        </p:nvSpPr>
+        <p:spPr/>
+        <p:txBody>
+          <a:bodyPr/>
+          <a:lstStyle/>
+          <a:p>
+            <a:fld id="{A67E2EB4-AAAC-4D92-8F4B-6C8B3AB9BD3F}" type="slidenum">
+              <a:rPr lang="vi-VN" smtClean="0"/>
+              <a:t>18</a:t>
+            </a:fld>
+            <a:endParaRPr lang="vi-VN"/>
+          </a:p>
+        </p:txBody>
+      </p:sp>
+    </p:spTree>
+    <p:extLst>
+      <p:ext uri="{BB962C8B-B14F-4D97-AF65-F5344CB8AC3E}">
+        <p14:creationId xmlns:p14="http://schemas.microsoft.com/office/powerpoint/2010/main" val="788247010"/>
+      </p:ext>
+    </p:extLst>
+  </p:cSld>
+  <p:clrMapOvr>
+    <a:masterClrMapping/>
+  </p:clrMapOvr>
+</p:notes>
+</file>
+
+<file path=ppt/notesSlides/notesSlide16.xml><?xml version="1.0" encoding="utf-8"?>
+<p:notes xmlns:a="http://schemas.openxmlformats.org/drawingml/2006/main" xmlns:r="http://schemas.openxmlformats.org/officeDocument/2006/relationships" xmlns:p="http://schemas.openxmlformats.org/presentationml/2006/main">
+  <p:cSld>
+    <p:spTree>
+      <p:nvGrpSpPr>
+        <p:cNvPr id="1" name=""/>
+        <p:cNvGrpSpPr/>
+        <p:nvPr/>
+      </p:nvGrpSpPr>
+      <p:grpSpPr>
+        <a:xfrm>
+          <a:off x="0" y="0"/>
+          <a:ext cx="0" cy="0"/>
+          <a:chOff x="0" y="0"/>
+          <a:chExt cx="0" cy="0"/>
+        </a:xfrm>
+      </p:grpSpPr>
+      <p:sp>
+        <p:nvSpPr>
+          <p:cNvPr id="2" name="Slide Image Placeholder 1"/>
+          <p:cNvSpPr>
+            <a:spLocks noGrp="1" noRot="1" noChangeAspect="1"/>
+          </p:cNvSpPr>
+          <p:nvPr>
+            <p:ph type="sldImg"/>
+          </p:nvPr>
+        </p:nvSpPr>
+        <p:spPr/>
+      </p:sp>
+      <p:sp>
+        <p:nvSpPr>
+          <p:cNvPr id="3" name="Notes Placeholder 2"/>
+          <p:cNvSpPr>
+            <a:spLocks noGrp="1"/>
+          </p:cNvSpPr>
+          <p:nvPr>
+            <p:ph type="body" idx="1"/>
+          </p:nvPr>
+        </p:nvSpPr>
+        <p:spPr/>
+        <p:txBody>
+          <a:bodyPr/>
+          <a:lstStyle/>
+          <a:p>
+            <a:r>
+              <a:rPr lang="en-US" dirty="0"/>
+              <a:t>Then from those result calculate the average of those metrics</a:t>
+            </a:r>
+          </a:p>
+        </p:txBody>
+      </p:sp>
+      <p:sp>
+        <p:nvSpPr>
+          <p:cNvPr id="4" name="Slide Number Placeholder 3"/>
+          <p:cNvSpPr>
+            <a:spLocks noGrp="1"/>
+          </p:cNvSpPr>
+          <p:nvPr>
+            <p:ph type="sldNum" sz="quarter" idx="5"/>
+          </p:nvPr>
+        </p:nvSpPr>
+        <p:spPr/>
+        <p:txBody>
+          <a:bodyPr/>
+          <a:lstStyle/>
+          <a:p>
+            <a:fld id="{A67E2EB4-AAAC-4D92-8F4B-6C8B3AB9BD3F}" type="slidenum">
+              <a:rPr lang="vi-VN" smtClean="0"/>
+              <a:t>19</a:t>
+            </a:fld>
+            <a:endParaRPr lang="vi-VN"/>
+          </a:p>
+        </p:txBody>
+      </p:sp>
+    </p:spTree>
+    <p:extLst>
+      <p:ext uri="{BB962C8B-B14F-4D97-AF65-F5344CB8AC3E}">
+        <p14:creationId xmlns:p14="http://schemas.microsoft.com/office/powerpoint/2010/main" val="3834063656"/>
+      </p:ext>
+    </p:extLst>
+  </p:cSld>
+  <p:clrMapOvr>
+    <a:masterClrMapping/>
+  </p:clrMapOvr>
+</p:notes>
+</file>
+
+<file path=ppt/notesSlides/notesSlide17.xml><?xml version="1.0" encoding="utf-8"?>
+<p:notes xmlns:a="http://schemas.openxmlformats.org/drawingml/2006/main" xmlns:r="http://schemas.openxmlformats.org/officeDocument/2006/relationships" xmlns:p="http://schemas.openxmlformats.org/presentationml/2006/main">
+  <p:cSld>
+    <p:spTree>
+      <p:nvGrpSpPr>
+        <p:cNvPr id="1" name=""/>
+        <p:cNvGrpSpPr/>
+        <p:nvPr/>
+      </p:nvGrpSpPr>
+      <p:grpSpPr>
+        <a:xfrm>
+          <a:off x="0" y="0"/>
+          <a:ext cx="0" cy="0"/>
+          <a:chOff x="0" y="0"/>
+          <a:chExt cx="0" cy="0"/>
+        </a:xfrm>
+      </p:grpSpPr>
+      <p:sp>
+        <p:nvSpPr>
+          <p:cNvPr id="2" name="Slide Image Placeholder 1"/>
+          <p:cNvSpPr>
+            <a:spLocks noGrp="1" noRot="1" noChangeAspect="1"/>
+          </p:cNvSpPr>
+          <p:nvPr>
+            <p:ph type="sldImg"/>
+          </p:nvPr>
+        </p:nvSpPr>
+        <p:spPr/>
+      </p:sp>
+      <p:sp>
+        <p:nvSpPr>
+          <p:cNvPr id="3" name="Notes Placeholder 2"/>
+          <p:cNvSpPr>
+            <a:spLocks noGrp="1"/>
+          </p:cNvSpPr>
+          <p:nvPr>
+            <p:ph type="body" idx="1"/>
+          </p:nvPr>
+        </p:nvSpPr>
+        <p:spPr/>
+        <p:txBody>
+          <a:bodyPr/>
+          <a:lstStyle/>
+          <a:p>
+            <a:r>
+              <a:rPr lang="en-US" dirty="0"/>
+              <a:t>So did the AUC </a:t>
+            </a:r>
+          </a:p>
+        </p:txBody>
+      </p:sp>
+      <p:sp>
+        <p:nvSpPr>
+          <p:cNvPr id="4" name="Slide Number Placeholder 3"/>
+          <p:cNvSpPr>
+            <a:spLocks noGrp="1"/>
+          </p:cNvSpPr>
+          <p:nvPr>
+            <p:ph type="sldNum" sz="quarter" idx="5"/>
+          </p:nvPr>
+        </p:nvSpPr>
+        <p:spPr/>
+        <p:txBody>
+          <a:bodyPr/>
+          <a:lstStyle/>
+          <a:p>
+            <a:fld id="{A67E2EB4-AAAC-4D92-8F4B-6C8B3AB9BD3F}" type="slidenum">
+              <a:rPr lang="vi-VN" smtClean="0"/>
+              <a:t>20</a:t>
+            </a:fld>
+            <a:endParaRPr lang="vi-VN"/>
+          </a:p>
+        </p:txBody>
+      </p:sp>
+    </p:spTree>
+    <p:extLst>
+      <p:ext uri="{BB962C8B-B14F-4D97-AF65-F5344CB8AC3E}">
+        <p14:creationId xmlns:p14="http://schemas.microsoft.com/office/powerpoint/2010/main" val="2308930790"/>
+      </p:ext>
+    </p:extLst>
+  </p:cSld>
+  <p:clrMapOvr>
+    <a:masterClrMapping/>
+  </p:clrMapOvr>
+</p:notes>
+</file>
+
+<file path=ppt/notesSlides/notesSlide18.xml><?xml version="1.0" encoding="utf-8"?>
+<p:notes xmlns:a="http://schemas.openxmlformats.org/drawingml/2006/main" xmlns:r="http://schemas.openxmlformats.org/officeDocument/2006/relationships" xmlns:p="http://schemas.openxmlformats.org/presentationml/2006/main">
+  <p:cSld>
+    <p:spTree>
+      <p:nvGrpSpPr>
+        <p:cNvPr id="1" name=""/>
+        <p:cNvGrpSpPr/>
+        <p:nvPr/>
+      </p:nvGrpSpPr>
+      <p:grpSpPr>
+        <a:xfrm>
+          <a:off x="0" y="0"/>
+          <a:ext cx="0" cy="0"/>
+          <a:chOff x="0" y="0"/>
+          <a:chExt cx="0" cy="0"/>
+        </a:xfrm>
+      </p:grpSpPr>
+      <p:sp>
+        <p:nvSpPr>
+          <p:cNvPr id="2" name="Slide Image Placeholder 1"/>
+          <p:cNvSpPr>
+            <a:spLocks noGrp="1" noRot="1" noChangeAspect="1"/>
+          </p:cNvSpPr>
+          <p:nvPr>
+            <p:ph type="sldImg"/>
+          </p:nvPr>
+        </p:nvSpPr>
+        <p:spPr/>
+      </p:sp>
+      <p:sp>
+        <p:nvSpPr>
+          <p:cNvPr id="3" name="Notes Placeholder 2"/>
+          <p:cNvSpPr>
+            <a:spLocks noGrp="1"/>
+          </p:cNvSpPr>
+          <p:nvPr>
+            <p:ph type="body" idx="1"/>
+          </p:nvPr>
+        </p:nvSpPr>
+        <p:spPr/>
+        <p:txBody>
+          <a:bodyPr/>
+          <a:lstStyle/>
+          <a:p>
+            <a:r>
+              <a:rPr lang="en-US" dirty="0"/>
+              <a:t>Result of the implementation the Vision transformer model achieved consistently higher scores than all baseline model</a:t>
+            </a:r>
+          </a:p>
+        </p:txBody>
+      </p:sp>
+      <p:sp>
+        <p:nvSpPr>
+          <p:cNvPr id="4" name="Slide Number Placeholder 3"/>
+          <p:cNvSpPr>
+            <a:spLocks noGrp="1"/>
+          </p:cNvSpPr>
+          <p:nvPr>
+            <p:ph type="sldNum" sz="quarter" idx="5"/>
+          </p:nvPr>
+        </p:nvSpPr>
+        <p:spPr/>
+        <p:txBody>
+          <a:bodyPr/>
+          <a:lstStyle/>
+          <a:p>
+            <a:fld id="{A67E2EB4-AAAC-4D92-8F4B-6C8B3AB9BD3F}" type="slidenum">
+              <a:rPr lang="vi-VN" smtClean="0"/>
+              <a:t>21</a:t>
+            </a:fld>
+            <a:endParaRPr lang="vi-VN"/>
+          </a:p>
+        </p:txBody>
+      </p:sp>
+    </p:spTree>
+    <p:extLst>
+      <p:ext uri="{BB962C8B-B14F-4D97-AF65-F5344CB8AC3E}">
+        <p14:creationId xmlns:p14="http://schemas.microsoft.com/office/powerpoint/2010/main" val="1293125216"/>
+      </p:ext>
+    </p:extLst>
+  </p:cSld>
+  <p:clrMapOvr>
+    <a:masterClrMapping/>
+  </p:clrMapOvr>
+</p:notes>
+</file>
+
+<file path=ppt/notesSlides/notesSlide19.xml><?xml version="1.0" encoding="utf-8"?>
+<p:notes xmlns:a="http://schemas.openxmlformats.org/drawingml/2006/main" xmlns:r="http://schemas.openxmlformats.org/officeDocument/2006/relationships" xmlns:p="http://schemas.openxmlformats.org/presentationml/2006/main">
+  <p:cSld>
+    <p:spTree>
+      <p:nvGrpSpPr>
+        <p:cNvPr id="1" name=""/>
+        <p:cNvGrpSpPr/>
+        <p:nvPr/>
+      </p:nvGrpSpPr>
+      <p:grpSpPr>
+        <a:xfrm>
+          <a:off x="0" y="0"/>
+          <a:ext cx="0" cy="0"/>
+          <a:chOff x="0" y="0"/>
+          <a:chExt cx="0" cy="0"/>
+        </a:xfrm>
+      </p:grpSpPr>
+      <p:sp>
+        <p:nvSpPr>
+          <p:cNvPr id="2" name="Slide Image Placeholder 1"/>
+          <p:cNvSpPr>
+            <a:spLocks noGrp="1" noRot="1" noChangeAspect="1"/>
+          </p:cNvSpPr>
+          <p:nvPr>
+            <p:ph type="sldImg"/>
+          </p:nvPr>
+        </p:nvSpPr>
+        <p:spPr/>
+      </p:sp>
+      <p:sp>
+        <p:nvSpPr>
+          <p:cNvPr id="3" name="Notes Placeholder 2"/>
+          <p:cNvSpPr>
+            <a:spLocks noGrp="1"/>
+          </p:cNvSpPr>
+          <p:nvPr>
+            <p:ph type="body" idx="1"/>
+          </p:nvPr>
+        </p:nvSpPr>
+        <p:spPr/>
+        <p:txBody>
+          <a:bodyPr/>
+          <a:lstStyle/>
+          <a:p>
+            <a:pPr marL="0" marR="0" lvl="0" indent="0" algn="l" defTabSz="914400" rtl="0" eaLnBrk="1" fontAlgn="auto" latinLnBrk="0" hangingPunct="1">
+              <a:lnSpc>
+                <a:spcPct val="100000"/>
+              </a:lnSpc>
+              <a:spcBef>
+                <a:spcPts val="0"/>
+              </a:spcBef>
+              <a:spcAft>
+                <a:spcPts val="0"/>
+              </a:spcAft>
+              <a:buClrTx/>
+              <a:buSzTx/>
+              <a:buFontTx/>
+              <a:buNone/>
+              <a:tabLst/>
+              <a:defRPr/>
+            </a:pPr>
+            <a:r>
+              <a:rPr lang="en-US" sz="1200" i="1" kern="1200" dirty="0">
+                <a:solidFill>
+                  <a:schemeClr val="tx1"/>
+                </a:solidFill>
+                <a:effectLst/>
+                <a:latin typeface="+mn-lt"/>
+                <a:ea typeface="+mn-ea"/>
+                <a:cs typeface="+mn-cs"/>
+              </a:rPr>
+              <a:t>Marco-Averaged F1 Score Curves of ViT (top-left), ResNet-50 (top-right), EfficientNetB4 (bottom-left) and MobileNetV3 (bottom-right)</a:t>
+            </a:r>
+          </a:p>
+          <a:p>
+            <a:endParaRPr lang="en-US" dirty="0"/>
+          </a:p>
+        </p:txBody>
+      </p:sp>
+      <p:sp>
+        <p:nvSpPr>
+          <p:cNvPr id="4" name="Slide Number Placeholder 3"/>
+          <p:cNvSpPr>
+            <a:spLocks noGrp="1"/>
+          </p:cNvSpPr>
+          <p:nvPr>
+            <p:ph type="sldNum" sz="quarter" idx="5"/>
+          </p:nvPr>
+        </p:nvSpPr>
+        <p:spPr/>
+        <p:txBody>
+          <a:bodyPr/>
+          <a:lstStyle/>
+          <a:p>
+            <a:fld id="{A67E2EB4-AAAC-4D92-8F4B-6C8B3AB9BD3F}" type="slidenum">
+              <a:rPr lang="vi-VN" smtClean="0"/>
+              <a:t>22</a:t>
+            </a:fld>
+            <a:endParaRPr lang="vi-VN"/>
+          </a:p>
+        </p:txBody>
+      </p:sp>
+    </p:spTree>
+    <p:extLst>
+      <p:ext uri="{BB962C8B-B14F-4D97-AF65-F5344CB8AC3E}">
+        <p14:creationId xmlns:p14="http://schemas.microsoft.com/office/powerpoint/2010/main" val="837232069"/>
+      </p:ext>
+    </p:extLst>
+  </p:cSld>
+  <p:clrMapOvr>
+    <a:masterClrMapping/>
+  </p:clrMapOvr>
+</p:notes>
+</file>
+
+<file path=ppt/notesSlides/notesSlide2.xml><?xml version="1.0" encoding="utf-8"?>
+<p:notes xmlns:a="http://schemas.openxmlformats.org/drawingml/2006/main" xmlns:r="http://schemas.openxmlformats.org/officeDocument/2006/relationships" xmlns:p="http://schemas.openxmlformats.org/presentationml/2006/main">
+  <p:cSld>
+    <p:spTree>
+      <p:nvGrpSpPr>
+        <p:cNvPr id="1" name=""/>
+        <p:cNvGrpSpPr/>
+        <p:nvPr/>
+      </p:nvGrpSpPr>
+      <p:grpSpPr>
+        <a:xfrm>
+          <a:off x="0" y="0"/>
+          <a:ext cx="0" cy="0"/>
+          <a:chOff x="0" y="0"/>
+          <a:chExt cx="0" cy="0"/>
+        </a:xfrm>
+      </p:grpSpPr>
+      <p:sp>
+        <p:nvSpPr>
+          <p:cNvPr id="2" name="Slide Image Placeholder 1"/>
+          <p:cNvSpPr>
+            <a:spLocks noGrp="1" noRot="1" noChangeAspect="1"/>
+          </p:cNvSpPr>
+          <p:nvPr>
+            <p:ph type="sldImg"/>
+          </p:nvPr>
+        </p:nvSpPr>
+        <p:spPr/>
         <p:txBody>
           <a:bodyPr/>
           <a:lstStyle/>
@@ -1217,18 +1726,38 @@
           <a:bodyPr/>
           <a:lstStyle/>
           <a:p>
-            <a:pPr marL="228600" indent="-228600">
-              <a:buAutoNum type="arabicPeriod"/>
-            </a:pPr>
+            <a:r>
+              <a:rPr lang="en-US" dirty="0">
+                <a:effectLst/>
+              </a:rPr>
+              <a:t>The presentation is organized into four parts:</a:t>
+            </a:r>
+          </a:p>
+          <a:p>
             <a:r>
               <a:rPr lang="en-US" dirty="0"/>
-              <a:t>Either through a multi-task model or a separate specialized classifier</a:t>
+              <a:t>1. Introduction,</a:t>
             </a:r>
           </a:p>
           <a:p>
-            <a:pPr marL="228600" indent="-228600">
-              <a:buAutoNum type="arabicPeriod"/>
-            </a:pPr>
+            <a:r>
+              <a:rPr lang="en-US" dirty="0"/>
+              <a:t>2. Theoretical basis and systems analysis,</a:t>
+            </a:r>
+          </a:p>
+          <a:p>
+            <a:r>
+              <a:rPr lang="en-US" dirty="0"/>
+              <a:t>3. Implementation, </a:t>
+            </a:r>
+          </a:p>
+          <a:p>
+            <a:r>
+              <a:rPr lang="en-US" dirty="0"/>
+              <a:t>4. Conclusion.</a:t>
+            </a:r>
+          </a:p>
+          <a:p>
             <a:endParaRPr lang="en-US" dirty="0"/>
           </a:p>
         </p:txBody>
@@ -1250,7 +1779,955 @@
           <a:p>
             <a:fld id="{A67E2EB4-AAAC-4D92-8F4B-6C8B3AB9BD3F}" type="slidenum">
               <a:rPr lang="vi-VN" smtClean="0"/>
-              <a:t>28</a:t>
+              <a:t>2</a:t>
+            </a:fld>
+            <a:endParaRPr lang="vi-VN"/>
+          </a:p>
+        </p:txBody>
+      </p:sp>
+    </p:spTree>
+    <p:extLst>
+      <p:ext uri="{BB962C8B-B14F-4D97-AF65-F5344CB8AC3E}">
+        <p14:creationId xmlns:p14="http://schemas.microsoft.com/office/powerpoint/2010/main" val="3958037636"/>
+      </p:ext>
+    </p:extLst>
+  </p:cSld>
+  <p:clrMapOvr>
+    <a:masterClrMapping/>
+  </p:clrMapOvr>
+</p:notes>
+</file>
+
+<file path=ppt/notesSlides/notesSlide20.xml><?xml version="1.0" encoding="utf-8"?>
+<p:notes xmlns:a="http://schemas.openxmlformats.org/drawingml/2006/main" xmlns:r="http://schemas.openxmlformats.org/officeDocument/2006/relationships" xmlns:p="http://schemas.openxmlformats.org/presentationml/2006/main">
+  <p:cSld>
+    <p:spTree>
+      <p:nvGrpSpPr>
+        <p:cNvPr id="1" name=""/>
+        <p:cNvGrpSpPr/>
+        <p:nvPr/>
+      </p:nvGrpSpPr>
+      <p:grpSpPr>
+        <a:xfrm>
+          <a:off x="0" y="0"/>
+          <a:ext cx="0" cy="0"/>
+          <a:chOff x="0" y="0"/>
+          <a:chExt cx="0" cy="0"/>
+        </a:xfrm>
+      </p:grpSpPr>
+      <p:sp>
+        <p:nvSpPr>
+          <p:cNvPr id="2" name="Slide Image Placeholder 1"/>
+          <p:cNvSpPr>
+            <a:spLocks noGrp="1" noRot="1" noChangeAspect="1"/>
+          </p:cNvSpPr>
+          <p:nvPr>
+            <p:ph type="sldImg"/>
+          </p:nvPr>
+        </p:nvSpPr>
+        <p:spPr/>
+      </p:sp>
+      <p:sp>
+        <p:nvSpPr>
+          <p:cNvPr id="3" name="Notes Placeholder 2"/>
+          <p:cNvSpPr>
+            <a:spLocks noGrp="1"/>
+          </p:cNvSpPr>
+          <p:nvPr>
+            <p:ph type="body" idx="1"/>
+          </p:nvPr>
+        </p:nvSpPr>
+        <p:spPr/>
+        <p:txBody>
+          <a:bodyPr/>
+          <a:lstStyle/>
+          <a:p>
+            <a:pPr marL="0" marR="0" lvl="0" indent="0" algn="l" defTabSz="914400" rtl="0" eaLnBrk="1" fontAlgn="auto" latinLnBrk="0" hangingPunct="1">
+              <a:lnSpc>
+                <a:spcPct val="100000"/>
+              </a:lnSpc>
+              <a:spcBef>
+                <a:spcPts val="0"/>
+              </a:spcBef>
+              <a:spcAft>
+                <a:spcPts val="0"/>
+              </a:spcAft>
+              <a:buClrTx/>
+              <a:buSzTx/>
+              <a:buFontTx/>
+              <a:buNone/>
+              <a:tabLst/>
+              <a:defRPr/>
+            </a:pPr>
+            <a:r>
+              <a:rPr lang="en-US" sz="1200" i="1" kern="1200" dirty="0">
+                <a:solidFill>
+                  <a:schemeClr val="tx1"/>
+                </a:solidFill>
+                <a:effectLst/>
+                <a:latin typeface="+mn-lt"/>
+                <a:ea typeface="+mn-ea"/>
+                <a:cs typeface="+mn-cs"/>
+              </a:rPr>
+              <a:t>Marco-Averaged ROC Curves of ViT (top-left), ResNet-50 (top-right), EfficientNetB4 (bottom-left) and MobileNetV3 (bottom-right)</a:t>
+            </a:r>
+          </a:p>
+          <a:p>
+            <a:endParaRPr lang="en-US" dirty="0"/>
+          </a:p>
+        </p:txBody>
+      </p:sp>
+      <p:sp>
+        <p:nvSpPr>
+          <p:cNvPr id="4" name="Slide Number Placeholder 3"/>
+          <p:cNvSpPr>
+            <a:spLocks noGrp="1"/>
+          </p:cNvSpPr>
+          <p:nvPr>
+            <p:ph type="sldNum" sz="quarter" idx="5"/>
+          </p:nvPr>
+        </p:nvSpPr>
+        <p:spPr/>
+        <p:txBody>
+          <a:bodyPr/>
+          <a:lstStyle/>
+          <a:p>
+            <a:fld id="{A67E2EB4-AAAC-4D92-8F4B-6C8B3AB9BD3F}" type="slidenum">
+              <a:rPr lang="vi-VN" smtClean="0"/>
+              <a:t>23</a:t>
+            </a:fld>
+            <a:endParaRPr lang="vi-VN"/>
+          </a:p>
+        </p:txBody>
+      </p:sp>
+    </p:spTree>
+    <p:extLst>
+      <p:ext uri="{BB962C8B-B14F-4D97-AF65-F5344CB8AC3E}">
+        <p14:creationId xmlns:p14="http://schemas.microsoft.com/office/powerpoint/2010/main" val="1378547325"/>
+      </p:ext>
+    </p:extLst>
+  </p:cSld>
+  <p:clrMapOvr>
+    <a:masterClrMapping/>
+  </p:clrMapOvr>
+</p:notes>
+</file>
+
+<file path=ppt/notesSlides/notesSlide21.xml><?xml version="1.0" encoding="utf-8"?>
+<p:notes xmlns:a="http://schemas.openxmlformats.org/drawingml/2006/main" xmlns:r="http://schemas.openxmlformats.org/officeDocument/2006/relationships" xmlns:p="http://schemas.openxmlformats.org/presentationml/2006/main">
+  <p:cSld>
+    <p:spTree>
+      <p:nvGrpSpPr>
+        <p:cNvPr id="1" name=""/>
+        <p:cNvGrpSpPr/>
+        <p:nvPr/>
+      </p:nvGrpSpPr>
+      <p:grpSpPr>
+        <a:xfrm>
+          <a:off x="0" y="0"/>
+          <a:ext cx="0" cy="0"/>
+          <a:chOff x="0" y="0"/>
+          <a:chExt cx="0" cy="0"/>
+        </a:xfrm>
+      </p:grpSpPr>
+      <p:sp>
+        <p:nvSpPr>
+          <p:cNvPr id="2" name="Slide Image Placeholder 1"/>
+          <p:cNvSpPr>
+            <a:spLocks noGrp="1" noRot="1" noChangeAspect="1"/>
+          </p:cNvSpPr>
+          <p:nvPr>
+            <p:ph type="sldImg"/>
+          </p:nvPr>
+        </p:nvSpPr>
+        <p:spPr/>
+      </p:sp>
+      <p:sp>
+        <p:nvSpPr>
+          <p:cNvPr id="3" name="Notes Placeholder 2"/>
+          <p:cNvSpPr>
+            <a:spLocks noGrp="1"/>
+          </p:cNvSpPr>
+          <p:nvPr>
+            <p:ph type="body" idx="1"/>
+          </p:nvPr>
+        </p:nvSpPr>
+        <p:spPr/>
+        <p:txBody>
+          <a:bodyPr/>
+          <a:lstStyle/>
+          <a:p>
+            <a:r>
+              <a:rPr lang="en-US" dirty="0"/>
+              <a:t>The following are the UI implementation for the Mushroom identification feature</a:t>
+            </a:r>
+          </a:p>
+        </p:txBody>
+      </p:sp>
+      <p:sp>
+        <p:nvSpPr>
+          <p:cNvPr id="4" name="Slide Number Placeholder 3"/>
+          <p:cNvSpPr>
+            <a:spLocks noGrp="1"/>
+          </p:cNvSpPr>
+          <p:nvPr>
+            <p:ph type="sldNum" sz="quarter" idx="5"/>
+          </p:nvPr>
+        </p:nvSpPr>
+        <p:spPr/>
+        <p:txBody>
+          <a:bodyPr/>
+          <a:lstStyle/>
+          <a:p>
+            <a:fld id="{A67E2EB4-AAAC-4D92-8F4B-6C8B3AB9BD3F}" type="slidenum">
+              <a:rPr lang="vi-VN" smtClean="0"/>
+              <a:t>24</a:t>
+            </a:fld>
+            <a:endParaRPr lang="vi-VN"/>
+          </a:p>
+        </p:txBody>
+      </p:sp>
+    </p:spTree>
+    <p:extLst>
+      <p:ext uri="{BB962C8B-B14F-4D97-AF65-F5344CB8AC3E}">
+        <p14:creationId xmlns:p14="http://schemas.microsoft.com/office/powerpoint/2010/main" val="663648047"/>
+      </p:ext>
+    </p:extLst>
+  </p:cSld>
+  <p:clrMapOvr>
+    <a:masterClrMapping/>
+  </p:clrMapOvr>
+</p:notes>
+</file>
+
+<file path=ppt/notesSlides/notesSlide22.xml><?xml version="1.0" encoding="utf-8"?>
+<p:notes xmlns:a="http://schemas.openxmlformats.org/drawingml/2006/main" xmlns:r="http://schemas.openxmlformats.org/officeDocument/2006/relationships" xmlns:p="http://schemas.openxmlformats.org/presentationml/2006/main">
+  <p:cSld>
+    <p:spTree>
+      <p:nvGrpSpPr>
+        <p:cNvPr id="1" name=""/>
+        <p:cNvGrpSpPr/>
+        <p:nvPr/>
+      </p:nvGrpSpPr>
+      <p:grpSpPr>
+        <a:xfrm>
+          <a:off x="0" y="0"/>
+          <a:ext cx="0" cy="0"/>
+          <a:chOff x="0" y="0"/>
+          <a:chExt cx="0" cy="0"/>
+        </a:xfrm>
+      </p:grpSpPr>
+      <p:sp>
+        <p:nvSpPr>
+          <p:cNvPr id="2" name="Slide Image Placeholder 1"/>
+          <p:cNvSpPr>
+            <a:spLocks noGrp="1" noRot="1" noChangeAspect="1"/>
+          </p:cNvSpPr>
+          <p:nvPr>
+            <p:ph type="sldImg"/>
+          </p:nvPr>
+        </p:nvSpPr>
+        <p:spPr/>
+      </p:sp>
+      <p:sp>
+        <p:nvSpPr>
+          <p:cNvPr id="3" name="Notes Placeholder 2"/>
+          <p:cNvSpPr>
+            <a:spLocks noGrp="1"/>
+          </p:cNvSpPr>
+          <p:nvPr>
+            <p:ph type="body" idx="1"/>
+          </p:nvPr>
+        </p:nvSpPr>
+        <p:spPr/>
+        <p:txBody>
+          <a:bodyPr/>
+          <a:lstStyle/>
+          <a:p>
+            <a:r>
+              <a:rPr lang="en-US" dirty="0"/>
+              <a:t>History feature</a:t>
+            </a:r>
+          </a:p>
+        </p:txBody>
+      </p:sp>
+      <p:sp>
+        <p:nvSpPr>
+          <p:cNvPr id="4" name="Slide Number Placeholder 3"/>
+          <p:cNvSpPr>
+            <a:spLocks noGrp="1"/>
+          </p:cNvSpPr>
+          <p:nvPr>
+            <p:ph type="sldNum" sz="quarter" idx="5"/>
+          </p:nvPr>
+        </p:nvSpPr>
+        <p:spPr/>
+        <p:txBody>
+          <a:bodyPr/>
+          <a:lstStyle/>
+          <a:p>
+            <a:fld id="{A67E2EB4-AAAC-4D92-8F4B-6C8B3AB9BD3F}" type="slidenum">
+              <a:rPr lang="vi-VN" smtClean="0"/>
+              <a:t>25</a:t>
+            </a:fld>
+            <a:endParaRPr lang="vi-VN"/>
+          </a:p>
+        </p:txBody>
+      </p:sp>
+    </p:spTree>
+    <p:extLst>
+      <p:ext uri="{BB962C8B-B14F-4D97-AF65-F5344CB8AC3E}">
+        <p14:creationId xmlns:p14="http://schemas.microsoft.com/office/powerpoint/2010/main" val="2430927582"/>
+      </p:ext>
+    </p:extLst>
+  </p:cSld>
+  <p:clrMapOvr>
+    <a:masterClrMapping/>
+  </p:clrMapOvr>
+</p:notes>
+</file>
+
+<file path=ppt/notesSlides/notesSlide23.xml><?xml version="1.0" encoding="utf-8"?>
+<p:notes xmlns:a="http://schemas.openxmlformats.org/drawingml/2006/main" xmlns:r="http://schemas.openxmlformats.org/officeDocument/2006/relationships" xmlns:p="http://schemas.openxmlformats.org/presentationml/2006/main">
+  <p:cSld>
+    <p:spTree>
+      <p:nvGrpSpPr>
+        <p:cNvPr id="1" name=""/>
+        <p:cNvGrpSpPr/>
+        <p:nvPr/>
+      </p:nvGrpSpPr>
+      <p:grpSpPr>
+        <a:xfrm>
+          <a:off x="0" y="0"/>
+          <a:ext cx="0" cy="0"/>
+          <a:chOff x="0" y="0"/>
+          <a:chExt cx="0" cy="0"/>
+        </a:xfrm>
+      </p:grpSpPr>
+      <p:sp>
+        <p:nvSpPr>
+          <p:cNvPr id="2" name="Slide Image Placeholder 1"/>
+          <p:cNvSpPr>
+            <a:spLocks noGrp="1" noRot="1" noChangeAspect="1"/>
+          </p:cNvSpPr>
+          <p:nvPr>
+            <p:ph type="sldImg"/>
+          </p:nvPr>
+        </p:nvSpPr>
+        <p:spPr/>
+      </p:sp>
+      <p:sp>
+        <p:nvSpPr>
+          <p:cNvPr id="3" name="Notes Placeholder 2"/>
+          <p:cNvSpPr>
+            <a:spLocks noGrp="1"/>
+          </p:cNvSpPr>
+          <p:nvPr>
+            <p:ph type="body" idx="1"/>
+          </p:nvPr>
+        </p:nvSpPr>
+        <p:spPr/>
+        <p:txBody>
+          <a:bodyPr/>
+          <a:lstStyle/>
+          <a:p>
+            <a:r>
+              <a:rPr lang="en-US" dirty="0"/>
+              <a:t>Search feature</a:t>
+            </a:r>
+          </a:p>
+        </p:txBody>
+      </p:sp>
+      <p:sp>
+        <p:nvSpPr>
+          <p:cNvPr id="4" name="Slide Number Placeholder 3"/>
+          <p:cNvSpPr>
+            <a:spLocks noGrp="1"/>
+          </p:cNvSpPr>
+          <p:nvPr>
+            <p:ph type="sldNum" sz="quarter" idx="5"/>
+          </p:nvPr>
+        </p:nvSpPr>
+        <p:spPr/>
+        <p:txBody>
+          <a:bodyPr/>
+          <a:lstStyle/>
+          <a:p>
+            <a:fld id="{A67E2EB4-AAAC-4D92-8F4B-6C8B3AB9BD3F}" type="slidenum">
+              <a:rPr lang="vi-VN" smtClean="0"/>
+              <a:t>26</a:t>
+            </a:fld>
+            <a:endParaRPr lang="vi-VN"/>
+          </a:p>
+        </p:txBody>
+      </p:sp>
+    </p:spTree>
+    <p:extLst>
+      <p:ext uri="{BB962C8B-B14F-4D97-AF65-F5344CB8AC3E}">
+        <p14:creationId xmlns:p14="http://schemas.microsoft.com/office/powerpoint/2010/main" val="3207475728"/>
+      </p:ext>
+    </p:extLst>
+  </p:cSld>
+  <p:clrMapOvr>
+    <a:masterClrMapping/>
+  </p:clrMapOvr>
+</p:notes>
+</file>
+
+<file path=ppt/notesSlides/notesSlide24.xml><?xml version="1.0" encoding="utf-8"?>
+<p:notes xmlns:a="http://schemas.openxmlformats.org/drawingml/2006/main" xmlns:r="http://schemas.openxmlformats.org/officeDocument/2006/relationships" xmlns:p="http://schemas.openxmlformats.org/presentationml/2006/main">
+  <p:cSld>
+    <p:spTree>
+      <p:nvGrpSpPr>
+        <p:cNvPr id="1" name=""/>
+        <p:cNvGrpSpPr/>
+        <p:nvPr/>
+      </p:nvGrpSpPr>
+      <p:grpSpPr>
+        <a:xfrm>
+          <a:off x="0" y="0"/>
+          <a:ext cx="0" cy="0"/>
+          <a:chOff x="0" y="0"/>
+          <a:chExt cx="0" cy="0"/>
+        </a:xfrm>
+      </p:grpSpPr>
+      <p:sp>
+        <p:nvSpPr>
+          <p:cNvPr id="2" name="Slide Image Placeholder 1"/>
+          <p:cNvSpPr>
+            <a:spLocks noGrp="1" noRot="1" noChangeAspect="1"/>
+          </p:cNvSpPr>
+          <p:nvPr>
+            <p:ph type="sldImg"/>
+          </p:nvPr>
+        </p:nvSpPr>
+        <p:spPr/>
+      </p:sp>
+      <p:sp>
+        <p:nvSpPr>
+          <p:cNvPr id="3" name="Notes Placeholder 2"/>
+          <p:cNvSpPr>
+            <a:spLocks noGrp="1"/>
+          </p:cNvSpPr>
+          <p:nvPr>
+            <p:ph type="body" idx="1"/>
+          </p:nvPr>
+        </p:nvSpPr>
+        <p:spPr/>
+        <p:txBody>
+          <a:bodyPr/>
+          <a:lstStyle/>
+          <a:p>
+            <a:r>
+              <a:rPr lang="en-US" dirty="0"/>
+              <a:t>And finally the forage map feature</a:t>
+            </a:r>
+          </a:p>
+        </p:txBody>
+      </p:sp>
+      <p:sp>
+        <p:nvSpPr>
+          <p:cNvPr id="4" name="Slide Number Placeholder 3"/>
+          <p:cNvSpPr>
+            <a:spLocks noGrp="1"/>
+          </p:cNvSpPr>
+          <p:nvPr>
+            <p:ph type="sldNum" sz="quarter" idx="5"/>
+          </p:nvPr>
+        </p:nvSpPr>
+        <p:spPr/>
+        <p:txBody>
+          <a:bodyPr/>
+          <a:lstStyle/>
+          <a:p>
+            <a:fld id="{A67E2EB4-AAAC-4D92-8F4B-6C8B3AB9BD3F}" type="slidenum">
+              <a:rPr lang="vi-VN" smtClean="0"/>
+              <a:t>27</a:t>
+            </a:fld>
+            <a:endParaRPr lang="vi-VN"/>
+          </a:p>
+        </p:txBody>
+      </p:sp>
+    </p:spTree>
+    <p:extLst>
+      <p:ext uri="{BB962C8B-B14F-4D97-AF65-F5344CB8AC3E}">
+        <p14:creationId xmlns:p14="http://schemas.microsoft.com/office/powerpoint/2010/main" val="3416150422"/>
+      </p:ext>
+    </p:extLst>
+  </p:cSld>
+  <p:clrMapOvr>
+    <a:masterClrMapping/>
+  </p:clrMapOvr>
+</p:notes>
+</file>
+
+<file path=ppt/notesSlides/notesSlide25.xml><?xml version="1.0" encoding="utf-8"?>
+<p:notes xmlns:a="http://schemas.openxmlformats.org/drawingml/2006/main" xmlns:r="http://schemas.openxmlformats.org/officeDocument/2006/relationships" xmlns:p="http://schemas.openxmlformats.org/presentationml/2006/main">
+  <p:cSld>
+    <p:spTree>
+      <p:nvGrpSpPr>
+        <p:cNvPr id="1" name=""/>
+        <p:cNvGrpSpPr/>
+        <p:nvPr/>
+      </p:nvGrpSpPr>
+      <p:grpSpPr>
+        <a:xfrm>
+          <a:off x="0" y="0"/>
+          <a:ext cx="0" cy="0"/>
+          <a:chOff x="0" y="0"/>
+          <a:chExt cx="0" cy="0"/>
+        </a:xfrm>
+      </p:grpSpPr>
+      <p:sp>
+        <p:nvSpPr>
+          <p:cNvPr id="2" name="Slide Image Placeholder 1"/>
+          <p:cNvSpPr>
+            <a:spLocks noGrp="1" noRot="1" noChangeAspect="1"/>
+          </p:cNvSpPr>
+          <p:nvPr>
+            <p:ph type="sldImg"/>
+          </p:nvPr>
+        </p:nvSpPr>
+        <p:spPr/>
+        <p:txBody>
+          <a:bodyPr/>
+          <a:lstStyle/>
+          <a:p>
+            <a:endParaRPr lang="en-US"/>
+          </a:p>
+        </p:txBody>
+      </p:sp>
+      <p:sp>
+        <p:nvSpPr>
+          <p:cNvPr id="3" name="Notes Placeholder 2"/>
+          <p:cNvSpPr>
+            <a:spLocks noGrp="1"/>
+          </p:cNvSpPr>
+          <p:nvPr>
+            <p:ph type="body" idx="1"/>
+          </p:nvPr>
+        </p:nvSpPr>
+        <p:spPr/>
+        <p:txBody>
+          <a:bodyPr/>
+          <a:lstStyle/>
+          <a:p>
+            <a:pPr marL="0" marR="0" lvl="0" indent="0" algn="l" defTabSz="914400" rtl="0" eaLnBrk="1" fontAlgn="auto" latinLnBrk="0" hangingPunct="1">
+              <a:lnSpc>
+                <a:spcPct val="100000"/>
+              </a:lnSpc>
+              <a:spcBef>
+                <a:spcPts val="0"/>
+              </a:spcBef>
+              <a:spcAft>
+                <a:spcPts val="0"/>
+              </a:spcAft>
+              <a:buClrTx/>
+              <a:buSzTx/>
+              <a:buFontTx/>
+              <a:buNone/>
+              <a:tabLst/>
+              <a:defRPr/>
+            </a:pPr>
+            <a:r>
+              <a:rPr lang="en-US" dirty="0"/>
+              <a:t>ACHIVED:</a:t>
+            </a:r>
+          </a:p>
+          <a:p>
+            <a:pPr marL="0" marR="0" lvl="0" indent="0" algn="l" defTabSz="914400" rtl="0" eaLnBrk="1" fontAlgn="auto" latinLnBrk="0" hangingPunct="1">
+              <a:lnSpc>
+                <a:spcPct val="100000"/>
+              </a:lnSpc>
+              <a:spcBef>
+                <a:spcPts val="0"/>
+              </a:spcBef>
+              <a:spcAft>
+                <a:spcPts val="0"/>
+              </a:spcAft>
+              <a:buClrTx/>
+              <a:buSzTx/>
+              <a:buFontTx/>
+              <a:buNone/>
+              <a:tabLst/>
+              <a:defRPr/>
+            </a:pPr>
+            <a:r>
+              <a:rPr lang="en-US" dirty="0"/>
+              <a:t>In conclusion the app </a:t>
+            </a:r>
+            <a:r>
+              <a:rPr lang="en-US" dirty="0">
+                <a:effectLst/>
+              </a:rPr>
+              <a:t>successfully delivered a beginner-friendly Android application that feature:</a:t>
+            </a:r>
+            <a:br>
+              <a:rPr lang="en-US" dirty="0">
+                <a:effectLst/>
+              </a:rPr>
+            </a:br>
+            <a:r>
+              <a:rPr lang="en-US" dirty="0">
+                <a:effectLst/>
+              </a:rPr>
+              <a:t>1. real-time image recognition with local result storage, </a:t>
+            </a:r>
+          </a:p>
+          <a:p>
+            <a:pPr marL="0" marR="0" lvl="0" indent="0" algn="l" defTabSz="914400" rtl="0" eaLnBrk="1" fontAlgn="auto" latinLnBrk="0" hangingPunct="1">
+              <a:lnSpc>
+                <a:spcPct val="100000"/>
+              </a:lnSpc>
+              <a:spcBef>
+                <a:spcPts val="0"/>
+              </a:spcBef>
+              <a:spcAft>
+                <a:spcPts val="0"/>
+              </a:spcAft>
+              <a:buClrTx/>
+              <a:buSzTx/>
+              <a:buFontTx/>
+              <a:buNone/>
+              <a:tabLst/>
+              <a:defRPr/>
+            </a:pPr>
+            <a:r>
+              <a:rPr lang="en-US" dirty="0">
+                <a:effectLst/>
+              </a:rPr>
+              <a:t>2. keyword-searchable mushroom database</a:t>
+            </a:r>
+          </a:p>
+          <a:p>
+            <a:pPr marL="0" marR="0" lvl="0" indent="0" algn="l" defTabSz="914400" rtl="0" eaLnBrk="1" fontAlgn="auto" latinLnBrk="0" hangingPunct="1">
+              <a:lnSpc>
+                <a:spcPct val="100000"/>
+              </a:lnSpc>
+              <a:spcBef>
+                <a:spcPts val="0"/>
+              </a:spcBef>
+              <a:spcAft>
+                <a:spcPts val="0"/>
+              </a:spcAft>
+              <a:buClrTx/>
+              <a:buSzTx/>
+              <a:buFontTx/>
+              <a:buNone/>
+              <a:tabLst/>
+              <a:defRPr/>
+            </a:pPr>
+            <a:r>
+              <a:rPr lang="en-US" dirty="0">
+                <a:effectLst/>
+              </a:rPr>
+              <a:t>3. and an interactive map integrated with iNaturalist.</a:t>
+            </a:r>
+          </a:p>
+          <a:p>
+            <a:endParaRPr lang="en-US" dirty="0"/>
+          </a:p>
+          <a:p>
+            <a:pPr marL="0" marR="0" lvl="0" indent="0" algn="l" defTabSz="914400" rtl="0" eaLnBrk="1" fontAlgn="auto" latinLnBrk="0" hangingPunct="1">
+              <a:lnSpc>
+                <a:spcPct val="100000"/>
+              </a:lnSpc>
+              <a:spcBef>
+                <a:spcPts val="0"/>
+              </a:spcBef>
+              <a:spcAft>
+                <a:spcPts val="0"/>
+              </a:spcAft>
+              <a:buClrTx/>
+              <a:buSzTx/>
+              <a:buFontTx/>
+              <a:buNone/>
+              <a:tabLst/>
+              <a:defRPr/>
+            </a:pPr>
+            <a:r>
+              <a:rPr lang="en-US" dirty="0"/>
+              <a:t>LIMITATIONS:</a:t>
+            </a:r>
+            <a:br>
+              <a:rPr lang="en-US" dirty="0"/>
+            </a:br>
+            <a:r>
+              <a:rPr lang="en-US" dirty="0">
+                <a:effectLst/>
+              </a:rPr>
+              <a:t>Current limitations include:</a:t>
+            </a:r>
+          </a:p>
+          <a:p>
+            <a:pPr marL="228600" marR="0" lvl="0" indent="-228600" algn="l" defTabSz="914400" rtl="0" eaLnBrk="1" fontAlgn="auto" latinLnBrk="0" hangingPunct="1">
+              <a:lnSpc>
+                <a:spcPct val="100000"/>
+              </a:lnSpc>
+              <a:spcBef>
+                <a:spcPts val="0"/>
+              </a:spcBef>
+              <a:spcAft>
+                <a:spcPts val="0"/>
+              </a:spcAft>
+              <a:buClrTx/>
+              <a:buSzTx/>
+              <a:buFontTx/>
+              <a:buAutoNum type="arabicPeriod"/>
+              <a:tabLst/>
+              <a:defRPr/>
+            </a:pPr>
+            <a:r>
+              <a:rPr lang="en-US" dirty="0">
+                <a:effectLst/>
+              </a:rPr>
+              <a:t>a relatively constrained dataset, </a:t>
+            </a:r>
+          </a:p>
+          <a:p>
+            <a:pPr marL="228600" marR="0" lvl="0" indent="-228600" algn="l" defTabSz="914400" rtl="0" eaLnBrk="1" fontAlgn="auto" latinLnBrk="0" hangingPunct="1">
+              <a:lnSpc>
+                <a:spcPct val="100000"/>
+              </a:lnSpc>
+              <a:spcBef>
+                <a:spcPts val="0"/>
+              </a:spcBef>
+              <a:spcAft>
+                <a:spcPts val="0"/>
+              </a:spcAft>
+              <a:buClrTx/>
+              <a:buSzTx/>
+              <a:buFontTx/>
+              <a:buAutoNum type="arabicPeriod"/>
+              <a:tabLst/>
+              <a:defRPr/>
+            </a:pPr>
+            <a:r>
+              <a:rPr lang="en-US" dirty="0">
+                <a:effectLst/>
+              </a:rPr>
+              <a:t>incomplete mitigation of overfitting, </a:t>
+            </a:r>
+          </a:p>
+          <a:p>
+            <a:pPr marL="228600" marR="0" lvl="0" indent="-228600" algn="l" defTabSz="914400" rtl="0" eaLnBrk="1" fontAlgn="auto" latinLnBrk="0" hangingPunct="1">
+              <a:lnSpc>
+                <a:spcPct val="100000"/>
+              </a:lnSpc>
+              <a:spcBef>
+                <a:spcPts val="0"/>
+              </a:spcBef>
+              <a:spcAft>
+                <a:spcPts val="0"/>
+              </a:spcAft>
+              <a:buClrTx/>
+              <a:buSzTx/>
+              <a:buFontTx/>
+              <a:buAutoNum type="arabicPeriod"/>
+              <a:tabLst/>
+              <a:defRPr/>
+            </a:pPr>
+            <a:r>
+              <a:rPr lang="en-US" dirty="0">
+                <a:effectLst/>
+              </a:rPr>
+              <a:t>suboptimal accuracy on certain classes,</a:t>
+            </a:r>
+          </a:p>
+          <a:p>
+            <a:pPr marL="228600" marR="0" lvl="0" indent="-228600" algn="l" defTabSz="914400" rtl="0" eaLnBrk="1" fontAlgn="auto" latinLnBrk="0" hangingPunct="1">
+              <a:lnSpc>
+                <a:spcPct val="100000"/>
+              </a:lnSpc>
+              <a:spcBef>
+                <a:spcPts val="0"/>
+              </a:spcBef>
+              <a:spcAft>
+                <a:spcPts val="0"/>
+              </a:spcAft>
+              <a:buClrTx/>
+              <a:buSzTx/>
+              <a:buFontTx/>
+              <a:buAutoNum type="arabicPeriod"/>
+              <a:tabLst/>
+              <a:defRPr/>
+            </a:pPr>
+            <a:r>
+              <a:rPr lang="en-US" dirty="0">
+                <a:effectLst/>
+              </a:rPr>
+              <a:t>and some features—particularly advanced search and map functionality—remaining underdeveloped.</a:t>
+            </a:r>
+          </a:p>
+          <a:p>
+            <a:endParaRPr lang="vi-VN" dirty="0"/>
+          </a:p>
+        </p:txBody>
+      </p:sp>
+      <p:sp>
+        <p:nvSpPr>
+          <p:cNvPr id="4" name="Slide Number Placeholder 3"/>
+          <p:cNvSpPr>
+            <a:spLocks noGrp="1"/>
+          </p:cNvSpPr>
+          <p:nvPr>
+            <p:ph type="sldNum" sz="quarter" idx="5"/>
+          </p:nvPr>
+        </p:nvSpPr>
+        <p:spPr/>
+        <p:txBody>
+          <a:bodyPr/>
+          <a:lstStyle/>
+          <a:p>
+            <a:fld id="{A67E2EB4-AAAC-4D92-8F4B-6C8B3AB9BD3F}" type="slidenum">
+              <a:rPr lang="vi-VN" smtClean="0"/>
+              <a:t>29</a:t>
+            </a:fld>
+            <a:endParaRPr lang="vi-VN"/>
+          </a:p>
+        </p:txBody>
+      </p:sp>
+    </p:spTree>
+    <p:extLst>
+      <p:ext uri="{BB962C8B-B14F-4D97-AF65-F5344CB8AC3E}">
+        <p14:creationId xmlns:p14="http://schemas.microsoft.com/office/powerpoint/2010/main" val="2167281020"/>
+      </p:ext>
+    </p:extLst>
+  </p:cSld>
+  <p:clrMapOvr>
+    <a:masterClrMapping/>
+  </p:clrMapOvr>
+</p:notes>
+</file>
+
+<file path=ppt/notesSlides/notesSlide26.xml><?xml version="1.0" encoding="utf-8"?>
+<p:notes xmlns:a="http://schemas.openxmlformats.org/drawingml/2006/main" xmlns:r="http://schemas.openxmlformats.org/officeDocument/2006/relationships" xmlns:p="http://schemas.openxmlformats.org/presentationml/2006/main">
+  <p:cSld>
+    <p:spTree>
+      <p:nvGrpSpPr>
+        <p:cNvPr id="1" name=""/>
+        <p:cNvGrpSpPr/>
+        <p:nvPr/>
+      </p:nvGrpSpPr>
+      <p:grpSpPr>
+        <a:xfrm>
+          <a:off x="0" y="0"/>
+          <a:ext cx="0" cy="0"/>
+          <a:chOff x="0" y="0"/>
+          <a:chExt cx="0" cy="0"/>
+        </a:xfrm>
+      </p:grpSpPr>
+      <p:sp>
+        <p:nvSpPr>
+          <p:cNvPr id="2" name="Slide Image Placeholder 1"/>
+          <p:cNvSpPr>
+            <a:spLocks noGrp="1" noRot="1" noChangeAspect="1"/>
+          </p:cNvSpPr>
+          <p:nvPr>
+            <p:ph type="sldImg"/>
+          </p:nvPr>
+        </p:nvSpPr>
+        <p:spPr/>
+        <p:txBody>
+          <a:bodyPr/>
+          <a:lstStyle/>
+          <a:p>
+            <a:endParaRPr lang="en-US"/>
+          </a:p>
+        </p:txBody>
+      </p:sp>
+      <p:sp>
+        <p:nvSpPr>
+          <p:cNvPr id="3" name="Notes Placeholder 2"/>
+          <p:cNvSpPr>
+            <a:spLocks noGrp="1"/>
+          </p:cNvSpPr>
+          <p:nvPr>
+            <p:ph type="body" idx="1"/>
+          </p:nvPr>
+        </p:nvSpPr>
+        <p:spPr/>
+        <p:txBody>
+          <a:bodyPr/>
+          <a:lstStyle/>
+          <a:p>
+            <a:r>
+              <a:rPr lang="en-US" dirty="0">
+                <a:effectLst/>
+              </a:rPr>
+              <a:t>Future improvements may involve:</a:t>
+            </a:r>
+          </a:p>
+          <a:p>
+            <a:pPr marL="228600" indent="-228600">
+              <a:buAutoNum type="arabicPeriod"/>
+            </a:pPr>
+            <a:r>
+              <a:rPr lang="en-US" dirty="0">
+                <a:effectLst/>
+              </a:rPr>
+              <a:t>expanding recognition to additional wild edibles using multi-task or specialized models, </a:t>
+            </a:r>
+          </a:p>
+          <a:p>
+            <a:pPr marL="228600" indent="-228600">
+              <a:buAutoNum type="arabicPeriod"/>
+            </a:pPr>
+            <a:r>
+              <a:rPr lang="en-US" dirty="0">
+                <a:effectLst/>
+              </a:rPr>
+              <a:t>adopting larger ViT variants, enhancing the dataset and augmentation strategies, </a:t>
+            </a:r>
+          </a:p>
+          <a:p>
+            <a:pPr marL="228600" indent="-228600">
+              <a:buAutoNum type="arabicPeriod"/>
+            </a:pPr>
+            <a:r>
+              <a:rPr lang="en-US" dirty="0">
+                <a:effectLst/>
+              </a:rPr>
+              <a:t>upgrading the search function to a natural-language chatbot powered by a small LLM, </a:t>
+            </a:r>
+          </a:p>
+          <a:p>
+            <a:pPr marL="228600" indent="-228600">
+              <a:buAutoNum type="arabicPeriod"/>
+            </a:pPr>
+            <a:r>
+              <a:rPr lang="en-US" dirty="0">
+                <a:effectLst/>
+              </a:rPr>
+              <a:t>and further enriching the forage map with user-contributed observations.</a:t>
+            </a:r>
+          </a:p>
+          <a:p>
+            <a:pPr marL="228600" indent="-228600">
+              <a:buAutoNum type="arabicPeriod"/>
+            </a:pPr>
+            <a:endParaRPr lang="en-US" dirty="0"/>
+          </a:p>
+        </p:txBody>
+      </p:sp>
+      <p:sp>
+        <p:nvSpPr>
+          <p:cNvPr id="4" name="Slide Number Placeholder 3"/>
+          <p:cNvSpPr>
+            <a:spLocks noGrp="1"/>
+          </p:cNvSpPr>
+          <p:nvPr>
+            <p:ph type="sldNum" sz="quarter" idx="5"/>
+          </p:nvPr>
+        </p:nvSpPr>
+        <p:spPr/>
+        <p:txBody>
+          <a:bodyPr/>
+          <a:lstStyle/>
+          <a:p>
+            <a:fld id="{A67E2EB4-AAAC-4D92-8F4B-6C8B3AB9BD3F}" type="slidenum">
+              <a:rPr lang="vi-VN" smtClean="0"/>
+              <a:t>30</a:t>
             </a:fld>
             <a:endParaRPr lang="vi-VN"/>
           </a:p>
@@ -1269,7 +2746,105 @@
 </p:notes>
 </file>
 
-<file path=ppt/notesSlides/notesSlide2.xml><?xml version="1.0" encoding="utf-8"?>
+<file path=ppt/notesSlides/notesSlide27.xml><?xml version="1.0" encoding="utf-8"?>
+<p:notes xmlns:a="http://schemas.openxmlformats.org/drawingml/2006/main" xmlns:r="http://schemas.openxmlformats.org/officeDocument/2006/relationships" xmlns:p="http://schemas.openxmlformats.org/presentationml/2006/main">
+  <p:cSld>
+    <p:spTree>
+      <p:nvGrpSpPr>
+        <p:cNvPr id="1" name=""/>
+        <p:cNvGrpSpPr/>
+        <p:nvPr/>
+      </p:nvGrpSpPr>
+      <p:grpSpPr>
+        <a:xfrm>
+          <a:off x="0" y="0"/>
+          <a:ext cx="0" cy="0"/>
+          <a:chOff x="0" y="0"/>
+          <a:chExt cx="0" cy="0"/>
+        </a:xfrm>
+      </p:grpSpPr>
+      <p:sp>
+        <p:nvSpPr>
+          <p:cNvPr id="2" name="Slide Image Placeholder 1"/>
+          <p:cNvSpPr>
+            <a:spLocks noGrp="1" noRot="1" noChangeAspect="1"/>
+          </p:cNvSpPr>
+          <p:nvPr>
+            <p:ph type="sldImg"/>
+          </p:nvPr>
+        </p:nvSpPr>
+        <p:spPr/>
+      </p:sp>
+      <p:sp>
+        <p:nvSpPr>
+          <p:cNvPr id="3" name="Notes Placeholder 2"/>
+          <p:cNvSpPr>
+            <a:spLocks noGrp="1"/>
+          </p:cNvSpPr>
+          <p:nvPr>
+            <p:ph type="body" idx="1"/>
+          </p:nvPr>
+        </p:nvSpPr>
+        <p:spPr/>
+        <p:txBody>
+          <a:bodyPr/>
+          <a:lstStyle/>
+          <a:p>
+            <a:r>
+              <a:rPr lang="en-US" dirty="0">
+                <a:effectLst/>
+              </a:rPr>
+              <a:t>This concludes my presentation.</a:t>
+            </a:r>
+          </a:p>
+          <a:p>
+            <a:endParaRPr lang="en-US" dirty="0"/>
+          </a:p>
+          <a:p>
+            <a:r>
+              <a:rPr lang="en-US" dirty="0"/>
+              <a:t>Thank you for listening</a:t>
+            </a:r>
+          </a:p>
+        </p:txBody>
+      </p:sp>
+      <p:sp>
+        <p:nvSpPr>
+          <p:cNvPr id="4" name="Slide Number Placeholder 3"/>
+          <p:cNvSpPr>
+            <a:spLocks noGrp="1"/>
+          </p:cNvSpPr>
+          <p:nvPr>
+            <p:ph type="sldNum" sz="quarter" idx="5"/>
+          </p:nvPr>
+        </p:nvSpPr>
+        <p:spPr/>
+        <p:txBody>
+          <a:bodyPr/>
+          <a:lstStyle/>
+          <a:p>
+            <a:fld id="{A67E2EB4-AAAC-4D92-8F4B-6C8B3AB9BD3F}" type="slidenum">
+              <a:rPr lang="vi-VN" smtClean="0"/>
+              <a:t>31</a:t>
+            </a:fld>
+            <a:endParaRPr lang="vi-VN"/>
+          </a:p>
+        </p:txBody>
+      </p:sp>
+    </p:spTree>
+    <p:extLst>
+      <p:ext uri="{BB962C8B-B14F-4D97-AF65-F5344CB8AC3E}">
+        <p14:creationId xmlns:p14="http://schemas.microsoft.com/office/powerpoint/2010/main" val="1405651216"/>
+      </p:ext>
+    </p:extLst>
+  </p:cSld>
+  <p:clrMapOvr>
+    <a:masterClrMapping/>
+  </p:clrMapOvr>
+</p:notes>
+</file>
+
+<file path=ppt/notesSlides/notesSlide3.xml><?xml version="1.0" encoding="utf-8"?>
 <p:notes xmlns:a="http://schemas.openxmlformats.org/drawingml/2006/main" xmlns:r="http://schemas.openxmlformats.org/officeDocument/2006/relationships" xmlns:p="http://schemas.openxmlformats.org/presentationml/2006/main">
   <p:cSld>
     <p:spTree>
@@ -1338,7 +2913,40 @@
           <a:bodyPr/>
           <a:lstStyle/>
           <a:p>
+            <a:r>
+              <a:rPr lang="en-US" dirty="0"/>
+              <a:t>It is known that mushroom identification is a difficult task for most beginner due to how similar most mushroom species looks.</a:t>
+            </a:r>
+          </a:p>
+          <a:p>
             <a:endParaRPr lang="en-US" dirty="0"/>
+          </a:p>
+          <a:p>
+            <a:r>
+              <a:rPr lang="en-US" dirty="0"/>
+              <a:t>And errors still happen despite prior knowledge </a:t>
+            </a:r>
+          </a:p>
+          <a:p>
+            <a:endParaRPr lang="en-US" dirty="0"/>
+          </a:p>
+          <a:p>
+            <a:r>
+              <a:rPr lang="en-US" dirty="0"/>
+              <a:t>With the increase in interest for foraging, there has been demand a tool that is beginner friendly </a:t>
+            </a:r>
+          </a:p>
+          <a:p>
+            <a:r>
+              <a:rPr lang="en-US" dirty="0"/>
+              <a:t>| |</a:t>
+            </a:r>
+          </a:p>
+          <a:p>
+            <a:r>
+              <a:rPr lang="en-US" dirty="0"/>
+              <a:t>without having deal with an expensive subscription model or the ever-annoying freemium models</a:t>
+            </a:r>
           </a:p>
         </p:txBody>
       </p:sp>
@@ -1384,7 +2992,7 @@
 </p:notes>
 </file>
 
-<file path=ppt/notesSlides/notesSlide3.xml><?xml version="1.0" encoding="utf-8"?>
+<file path=ppt/notesSlides/notesSlide4.xml><?xml version="1.0" encoding="utf-8"?>
 <p:notes xmlns:a="http://schemas.openxmlformats.org/drawingml/2006/main" xmlns:r="http://schemas.openxmlformats.org/officeDocument/2006/relationships" xmlns:p="http://schemas.openxmlformats.org/presentationml/2006/main">
   <p:cSld>
     <p:spTree>
@@ -1453,6 +3061,81 @@
           <a:bodyPr/>
           <a:lstStyle/>
           <a:p>
+            <a:pPr marL="0" marR="0" lvl="0" indent="0" algn="l" defTabSz="914400" rtl="0" eaLnBrk="1" fontAlgn="auto" latinLnBrk="0" hangingPunct="1">
+              <a:lnSpc>
+                <a:spcPct val="100000"/>
+              </a:lnSpc>
+              <a:spcBef>
+                <a:spcPts val="0"/>
+              </a:spcBef>
+              <a:spcAft>
+                <a:spcPts val="0"/>
+              </a:spcAft>
+              <a:buClrTx/>
+              <a:buSzTx/>
+              <a:buFontTx/>
+              <a:buNone/>
+              <a:tabLst/>
+              <a:defRPr/>
+            </a:pPr>
+            <a:r>
+              <a:rPr lang="en-US" dirty="0">
+                <a:effectLst/>
+              </a:rPr>
+              <a:t>And thus spawn this thesis that aims to develop a beginner-friendly Android application </a:t>
+            </a:r>
+          </a:p>
+          <a:p>
+            <a:pPr marL="0" marR="0" lvl="0" indent="0" algn="l" defTabSz="914400" rtl="0" eaLnBrk="1" fontAlgn="auto" latinLnBrk="0" hangingPunct="1">
+              <a:lnSpc>
+                <a:spcPct val="100000"/>
+              </a:lnSpc>
+              <a:spcBef>
+                <a:spcPts val="0"/>
+              </a:spcBef>
+              <a:spcAft>
+                <a:spcPts val="0"/>
+              </a:spcAft>
+              <a:buClrTx/>
+              <a:buSzTx/>
+              <a:buFontTx/>
+              <a:buNone/>
+              <a:tabLst/>
+              <a:defRPr/>
+            </a:pPr>
+            <a:r>
+              <a:rPr lang="en-US" dirty="0">
+                <a:effectLst/>
+              </a:rPr>
+              <a:t>| |</a:t>
+            </a:r>
+          </a:p>
+          <a:p>
+            <a:pPr marL="0" marR="0" lvl="0" indent="0" algn="l" defTabSz="914400" rtl="0" eaLnBrk="1" fontAlgn="auto" latinLnBrk="0" hangingPunct="1">
+              <a:lnSpc>
+                <a:spcPct val="100000"/>
+              </a:lnSpc>
+              <a:spcBef>
+                <a:spcPts val="0"/>
+              </a:spcBef>
+              <a:spcAft>
+                <a:spcPts val="0"/>
+              </a:spcAft>
+              <a:buClrTx/>
+              <a:buSzTx/>
+              <a:buFontTx/>
+              <a:buNone/>
+              <a:tabLst/>
+              <a:defRPr/>
+            </a:pPr>
+            <a:r>
+              <a:rPr lang="en-US" dirty="0">
+                <a:effectLst/>
+              </a:rPr>
+              <a:t>that supports safe mushroom identification, promotes safe foraging practices, and self-learning for the hobby.</a:t>
+            </a:r>
+          </a:p>
+          <a:p>
             <a:endParaRPr lang="en-US" dirty="0"/>
           </a:p>
         </p:txBody>
@@ -1499,7 +3182,7 @@
 </p:notes>
 </file>
 
-<file path=ppt/notesSlides/notesSlide4.xml><?xml version="1.0" encoding="utf-8"?>
+<file path=ppt/notesSlides/notesSlide5.xml><?xml version="1.0" encoding="utf-8"?>
 <p:notes xmlns:a="http://schemas.openxmlformats.org/drawingml/2006/main" xmlns:r="http://schemas.openxmlformats.org/officeDocument/2006/relationships" xmlns:p="http://schemas.openxmlformats.org/presentationml/2006/main">
   <p:cSld>
     <p:spTree>
@@ -1568,6 +3251,67 @@
           <a:bodyPr/>
           <a:lstStyle/>
           <a:p>
+            <a:r>
+              <a:rPr lang="en-US" dirty="0"/>
+              <a:t>Objectives:</a:t>
+            </a:r>
+            <a:br>
+              <a:rPr lang="en-US" dirty="0"/>
+            </a:br>
+            <a:r>
+              <a:rPr lang="en-US" dirty="0"/>
+              <a:t>Build an app that combine AI-based image identification that stored inferred result locally with a search feature and interactable map delivered with a fast client-server architecture and intuitive UI/UX</a:t>
+            </a:r>
+          </a:p>
+          <a:p>
+            <a:endParaRPr lang="en-US" dirty="0"/>
+          </a:p>
+          <a:p>
+            <a:r>
+              <a:rPr lang="en-US" dirty="0"/>
+              <a:t>As for the scope:</a:t>
+            </a:r>
+          </a:p>
+          <a:p>
+            <a:pPr marL="0" marR="0" lvl="0" indent="0" algn="l" defTabSz="914400" rtl="0" eaLnBrk="1" fontAlgn="auto" latinLnBrk="0" hangingPunct="1">
+              <a:lnSpc>
+                <a:spcPct val="100000"/>
+              </a:lnSpc>
+              <a:spcBef>
+                <a:spcPts val="0"/>
+              </a:spcBef>
+              <a:spcAft>
+                <a:spcPts val="0"/>
+              </a:spcAft>
+              <a:buClrTx/>
+              <a:buSzTx/>
+              <a:buFontTx/>
+              <a:buNone/>
+              <a:tabLst/>
+              <a:defRPr/>
+            </a:pPr>
+            <a:r>
+              <a:rPr lang="en-US" dirty="0">
+                <a:effectLst/>
+              </a:rPr>
+              <a:t>1. The application is built with Flutter that  integration with the iNaturalist API.</a:t>
+            </a:r>
+          </a:p>
+          <a:p>
+            <a:r>
+              <a:rPr lang="en-US" dirty="0">
+                <a:effectLst/>
+              </a:rPr>
+              <a:t>2. While server-side inference used PyTorch on Lightning.ai,</a:t>
+            </a:r>
+          </a:p>
+          <a:p>
+            <a:r>
+              <a:rPr lang="en-US" dirty="0">
+                <a:effectLst/>
+              </a:rPr>
+              <a:t>3. Local SQLite and bunded JSON handle storage</a:t>
+            </a:r>
             <a:endParaRPr lang="en-US" dirty="0"/>
           </a:p>
         </p:txBody>
@@ -1614,7 +3358,7 @@
 </p:notes>
 </file>
 
-<file path=ppt/notesSlides/notesSlide5.xml><?xml version="1.0" encoding="utf-8"?>
+<file path=ppt/notesSlides/notesSlide6.xml><?xml version="1.0" encoding="utf-8"?>
 <p:notes xmlns:a="http://schemas.openxmlformats.org/drawingml/2006/main" xmlns:r="http://schemas.openxmlformats.org/officeDocument/2006/relationships" xmlns:p="http://schemas.openxmlformats.org/presentationml/2006/main">
   <p:cSld>
     <p:spTree>
@@ -1683,7 +3427,75 @@
           <a:bodyPr/>
           <a:lstStyle/>
           <a:p>
-            <a:endParaRPr lang="en-US" dirty="0"/>
+            <a:pPr marL="0" marR="0" lvl="0" indent="0" algn="l" defTabSz="914400" rtl="0" eaLnBrk="1" fontAlgn="auto" latinLnBrk="0" hangingPunct="1">
+              <a:lnSpc>
+                <a:spcPct val="100000"/>
+              </a:lnSpc>
+              <a:spcBef>
+                <a:spcPts val="0"/>
+              </a:spcBef>
+              <a:spcAft>
+                <a:spcPts val="0"/>
+              </a:spcAft>
+              <a:buClrTx/>
+              <a:buSzTx/>
+              <a:buFontTx/>
+              <a:buNone/>
+              <a:tabLst/>
+              <a:defRPr/>
+            </a:pPr>
+            <a:r>
+              <a:rPr lang="en-US" dirty="0">
+                <a:effectLst/>
+              </a:rPr>
+              <a:t>Key technologies employed include:</a:t>
+            </a:r>
+          </a:p>
+          <a:p>
+            <a:r>
+              <a:rPr lang="en-US" dirty="0"/>
+              <a:t>1. Flutter and Dart for the UI </a:t>
+            </a:r>
+          </a:p>
+          <a:p>
+            <a:r>
+              <a:rPr lang="en-US" dirty="0"/>
+              <a:t>2. SQLite and JSON for local storage </a:t>
+            </a:r>
+          </a:p>
+          <a:p>
+            <a:r>
+              <a:rPr lang="en-US" dirty="0"/>
+              <a:t>3. OpenStreetMap (via </a:t>
+            </a:r>
+            <a:r>
+              <a:rPr lang="af-ZA" sz="1200" kern="1200" dirty="0">
+                <a:solidFill>
+                  <a:schemeClr val="tx1"/>
+                </a:solidFill>
+                <a:effectLst/>
+                <a:latin typeface="+mn-lt"/>
+                <a:ea typeface="+mn-ea"/>
+                <a:cs typeface="+mn-cs"/>
+              </a:rPr>
+              <a:t>CARTO Basemap)</a:t>
+            </a:r>
+            <a:r>
+              <a:rPr lang="en-US" dirty="0"/>
+              <a:t> with the iNaturalist API for the interactive map feature</a:t>
+            </a:r>
+          </a:p>
+          <a:p>
+            <a:r>
+              <a:rPr lang="en-US" dirty="0"/>
+              <a:t>4. PyTorch and Kaggle for training and testing the model</a:t>
+            </a:r>
+          </a:p>
+          <a:p>
+            <a:r>
+              <a:rPr lang="en-US" dirty="0"/>
+              <a:t>5. FastAPI and LitServe on Lightning.ai for deploying the model</a:t>
+            </a:r>
           </a:p>
         </p:txBody>
       </p:sp>
@@ -1729,7 +3541,7 @@
 </p:notes>
 </file>
 
-<file path=ppt/notesSlides/notesSlide6.xml><?xml version="1.0" encoding="utf-8"?>
+<file path=ppt/notesSlides/notesSlide7.xml><?xml version="1.0" encoding="utf-8"?>
 <p:notes xmlns:a="http://schemas.openxmlformats.org/drawingml/2006/main" xmlns:r="http://schemas.openxmlformats.org/officeDocument/2006/relationships" xmlns:p="http://schemas.openxmlformats.org/presentationml/2006/main">
   <p:cSld>
     <p:spTree>
@@ -1798,7 +3610,22 @@
           <a:bodyPr/>
           <a:lstStyle/>
           <a:p>
-            <a:endParaRPr lang="en-US" dirty="0"/>
+            <a:r>
+              <a:rPr lang="en-US" dirty="0"/>
+              <a:t>The model used is &lt;&gt; Google – Vit base patch 16 224 pretrained on ImageNet 21k:</a:t>
+            </a:r>
+          </a:p>
+          <a:p>
+            <a:r>
+              <a:rPr lang="en-US" dirty="0"/>
+              <a:t>1. Good for identifying subtle details and complex textures</a:t>
+            </a:r>
+          </a:p>
+          <a:p>
+            <a:r>
+              <a:rPr lang="en-US" dirty="0"/>
+              <a:t>2. And It deliver higher accuracy than the 3 CNN models used for the baseline on the custom dataset</a:t>
+            </a:r>
           </a:p>
         </p:txBody>
       </p:sp>
@@ -1844,7 +3671,7 @@
 </p:notes>
 </file>
 
-<file path=ppt/notesSlides/notesSlide7.xml><?xml version="1.0" encoding="utf-8"?>
+<file path=ppt/notesSlides/notesSlide8.xml><?xml version="1.0" encoding="utf-8"?>
 <p:notes xmlns:a="http://schemas.openxmlformats.org/drawingml/2006/main" xmlns:r="http://schemas.openxmlformats.org/officeDocument/2006/relationships" xmlns:p="http://schemas.openxmlformats.org/presentationml/2006/main">
   <p:cSld>
     <p:spTree>
@@ -1913,6 +3740,52 @@
           <a:bodyPr/>
           <a:lstStyle/>
           <a:p>
+            <a:pPr marL="228600" indent="-228600">
+              <a:buAutoNum type="arabicPeriod"/>
+            </a:pPr>
+            <a:r>
+              <a:rPr lang="en-US" dirty="0"/>
+              <a:t>The dataset is 80 classes with 200 samples each result in exactly 16,000 samples total</a:t>
+            </a:r>
+          </a:p>
+          <a:p>
+            <a:pPr marL="228600" indent="-228600">
+              <a:buAutoNum type="arabicPeriod"/>
+            </a:pPr>
+            <a:r>
+              <a:rPr lang="en-US" dirty="0"/>
+              <a:t>Sourced mostly from iNaturalist with the rest coming from Kaggle, WildFoodUK site and various other personal blogs.</a:t>
+            </a:r>
+          </a:p>
+          <a:p>
+            <a:pPr marL="228600" indent="-228600">
+              <a:buAutoNum type="arabicPeriod"/>
+            </a:pPr>
+            <a:r>
+              <a:rPr lang="en-US" dirty="0"/>
+              <a:t>The Dataset is split with the ratio 8:1:1 for the training, validation and test set respectively</a:t>
+            </a:r>
+          </a:p>
+          <a:p>
+            <a:pPr marL="228600" indent="-228600">
+              <a:buAutoNum type="arabicPeriod"/>
+            </a:pPr>
+            <a:r>
+              <a:rPr lang="en-US" dirty="0"/>
+              <a:t>The train set is augmented with the usual suspect of flips, rotate, blur, noise, etc. to </a:t>
+            </a:r>
+            <a:r>
+              <a:rPr lang="en-US" sz="1200" kern="1200" dirty="0">
+                <a:solidFill>
+                  <a:schemeClr val="tx1"/>
+                </a:solidFill>
+                <a:effectLst/>
+                <a:latin typeface="+mn-lt"/>
+                <a:ea typeface="+mn-ea"/>
+                <a:cs typeface="+mn-cs"/>
+              </a:rPr>
+              <a:t>improve generalization</a:t>
+            </a:r>
             <a:endParaRPr lang="en-US" dirty="0"/>
           </a:p>
         </p:txBody>
@@ -1959,7 +3832,7 @@
 </p:notes>
 </file>
 
-<file path=ppt/notesSlides/notesSlide8.xml><?xml version="1.0" encoding="utf-8"?>
+<file path=ppt/notesSlides/notesSlide9.xml><?xml version="1.0" encoding="utf-8"?>
 <p:notes xmlns:a="http://schemas.openxmlformats.org/drawingml/2006/main" xmlns:r="http://schemas.openxmlformats.org/officeDocument/2006/relationships" xmlns:p="http://schemas.openxmlformats.org/presentationml/2006/main">
   <p:cSld>
     <p:spTree>
@@ -2028,7 +3901,10 @@
           <a:bodyPr/>
           <a:lstStyle/>
           <a:p>
-            <a:endParaRPr lang="en-US" dirty="0"/>
+            <a:r>
+              <a:rPr lang="en-US" dirty="0"/>
+              <a:t>These subsequence slides show the overview of the system architecture</a:t>
+            </a:r>
           </a:p>
         </p:txBody>
       </p:sp>
@@ -2065,121 +3941,6 @@
     <p:extLst>
       <p:ext uri="{BB962C8B-B14F-4D97-AF65-F5344CB8AC3E}">
         <p14:creationId xmlns:p14="http://schemas.microsoft.com/office/powerpoint/2010/main" val="123363835"/>
-      </p:ext>
-    </p:extLst>
-  </p:cSld>
-  <p:clrMapOvr>
-    <a:masterClrMapping/>
-  </p:clrMapOvr>
-</p:notes>
-</file>
-
-<file path=ppt/notesSlides/notesSlide9.xml><?xml version="1.0" encoding="utf-8"?>
-<p:notes xmlns:a="http://schemas.openxmlformats.org/drawingml/2006/main" xmlns:r="http://schemas.openxmlformats.org/officeDocument/2006/relationships" xmlns:p="http://schemas.openxmlformats.org/presentationml/2006/main">
-  <p:cSld>
-    <p:spTree>
-      <p:nvGrpSpPr>
-        <p:cNvPr id="1" name="">
-          <a:extLst>
-            <a:ext uri="{FF2B5EF4-FFF2-40B4-BE49-F238E27FC236}">
-              <a16:creationId xmlns:a16="http://schemas.microsoft.com/office/drawing/2014/main" id="{38D4E520-8007-473F-1EAD-F11A63BDDB6A}"/>
-            </a:ext>
-          </a:extLst>
-        </p:cNvPr>
-        <p:cNvGrpSpPr/>
-        <p:nvPr/>
-      </p:nvGrpSpPr>
-      <p:grpSpPr>
-        <a:xfrm>
-          <a:off x="0" y="0"/>
-          <a:ext cx="0" cy="0"/>
-          <a:chOff x="0" y="0"/>
-          <a:chExt cx="0" cy="0"/>
-        </a:xfrm>
-      </p:grpSpPr>
-      <p:sp>
-        <p:nvSpPr>
-          <p:cNvPr id="2" name="Slide Image Placeholder 1">
-            <a:extLst>
-              <a:ext uri="{FF2B5EF4-FFF2-40B4-BE49-F238E27FC236}">
-                <a16:creationId xmlns:a16="http://schemas.microsoft.com/office/drawing/2014/main" id="{85569434-C290-0358-EADD-2A95BF7707BA}"/>
-              </a:ext>
-            </a:extLst>
-          </p:cNvPr>
-          <p:cNvSpPr>
-            <a:spLocks noGrp="1" noRot="1" noChangeAspect="1"/>
-          </p:cNvSpPr>
-          <p:nvPr>
-            <p:ph type="sldImg"/>
-          </p:nvPr>
-        </p:nvSpPr>
-        <p:spPr/>
-        <p:txBody>
-          <a:bodyPr/>
-          <a:lstStyle/>
-          <a:p>
-            <a:endParaRPr lang="en-US"/>
-          </a:p>
-        </p:txBody>
-      </p:sp>
-      <p:sp>
-        <p:nvSpPr>
-          <p:cNvPr id="3" name="Notes Placeholder 2">
-            <a:extLst>
-              <a:ext uri="{FF2B5EF4-FFF2-40B4-BE49-F238E27FC236}">
-                <a16:creationId xmlns:a16="http://schemas.microsoft.com/office/drawing/2014/main" id="{82B74D49-C1CE-653B-4198-1DE2391C5539}"/>
-              </a:ext>
-            </a:extLst>
-          </p:cNvPr>
-          <p:cNvSpPr>
-            <a:spLocks noGrp="1"/>
-          </p:cNvSpPr>
-          <p:nvPr>
-            <p:ph type="body" idx="1"/>
-          </p:nvPr>
-        </p:nvSpPr>
-        <p:spPr/>
-        <p:txBody>
-          <a:bodyPr/>
-          <a:lstStyle/>
-          <a:p>
-            <a:endParaRPr lang="en-US" dirty="0"/>
-          </a:p>
-        </p:txBody>
-      </p:sp>
-      <p:sp>
-        <p:nvSpPr>
-          <p:cNvPr id="4" name="Slide Number Placeholder 3">
-            <a:extLst>
-              <a:ext uri="{FF2B5EF4-FFF2-40B4-BE49-F238E27FC236}">
-                <a16:creationId xmlns:a16="http://schemas.microsoft.com/office/drawing/2014/main" id="{958A0187-9FF7-9E37-C7E5-DCF651889753}"/>
-              </a:ext>
-            </a:extLst>
-          </p:cNvPr>
-          <p:cNvSpPr>
-            <a:spLocks noGrp="1"/>
-          </p:cNvSpPr>
-          <p:nvPr>
-            <p:ph type="sldNum" sz="quarter" idx="5"/>
-          </p:nvPr>
-        </p:nvSpPr>
-        <p:spPr/>
-        <p:txBody>
-          <a:bodyPr/>
-          <a:lstStyle/>
-          <a:p>
-            <a:fld id="{A67E2EB4-AAAC-4D92-8F4B-6C8B3AB9BD3F}" type="slidenum">
-              <a:rPr lang="vi-VN" smtClean="0"/>
-              <a:t>12</a:t>
-            </a:fld>
-            <a:endParaRPr lang="vi-VN"/>
-          </a:p>
-        </p:txBody>
-      </p:sp>
-    </p:spTree>
-    <p:extLst>
-      <p:ext uri="{BB962C8B-B14F-4D97-AF65-F5344CB8AC3E}">
-        <p14:creationId xmlns:p14="http://schemas.microsoft.com/office/powerpoint/2010/main" val="3213775446"/>
       </p:ext>
     </p:extLst>
   </p:cSld>
@@ -38632,7 +40393,7 @@
             </a:r>
             <a:r>
               <a:rPr lang="en-US" dirty="0"/>
-              <a:t>: flips, rotate, brightness/contrast, hue/saturation, blur, noise, dropout.</a:t>
+              <a:t>: flips, rotate, brightness/contrast, hue/saturation, blur, noise, dropout, etc.</a:t>
             </a:r>
           </a:p>
           <a:p>
@@ -39301,7 +41062,7 @@
         <p:cNvPr id="1" name="">
           <a:extLst>
             <a:ext uri="{FF2B5EF4-FFF2-40B4-BE49-F238E27FC236}">
-              <a16:creationId xmlns:a16="http://schemas.microsoft.com/office/drawing/2014/main" id="{DC0A3830-8E7C-D348-499E-411624CFAD31}"/>
+              <a16:creationId xmlns:a16="http://schemas.microsoft.com/office/drawing/2014/main" id="{7F075359-346D-3DD0-1733-095C883815AB}"/>
             </a:ext>
           </a:extLst>
         </p:cNvPr>
@@ -39321,7 +41082,7 @@
           <p:cNvPr id="2" name="Title 1">
             <a:extLst>
               <a:ext uri="{FF2B5EF4-FFF2-40B4-BE49-F238E27FC236}">
-                <a16:creationId xmlns:a16="http://schemas.microsoft.com/office/drawing/2014/main" id="{60B4D61C-15EB-BD3C-BA05-92C1D2606919}"/>
+                <a16:creationId xmlns:a16="http://schemas.microsoft.com/office/drawing/2014/main" id="{31663877-45FE-0949-5D12-36B2B3D8268C}"/>
               </a:ext>
             </a:extLst>
           </p:cNvPr>
@@ -39341,135 +41102,597 @@
           <a:p>
             <a:r>
               <a:rPr lang="en-US" sz="6000" dirty="0"/>
-              <a:t>3.1. UI Implementation</a:t>
+              <a:t>3.1. AI Model Implementation</a:t>
             </a:r>
           </a:p>
         </p:txBody>
       </p:sp>
-      <p:pic>
-        <p:nvPicPr>
-          <p:cNvPr id="5" name="Picture 4">
-            <a:extLst>
-              <a:ext uri="{FF2B5EF4-FFF2-40B4-BE49-F238E27FC236}">
-                <a16:creationId xmlns:a16="http://schemas.microsoft.com/office/drawing/2014/main" id="{F39B73E7-E328-EC9A-AFA5-63970123C6A6}"/>
-              </a:ext>
-            </a:extLst>
-          </p:cNvPr>
-          <p:cNvPicPr>
-            <a:picLocks noChangeAspect="1"/>
-          </p:cNvPicPr>
-          <p:nvPr/>
-        </p:nvPicPr>
-        <p:blipFill>
-          <a:blip r:embed="rId2"/>
-          <a:stretch>
-            <a:fillRect/>
-          </a:stretch>
-        </p:blipFill>
-        <p:spPr>
-          <a:xfrm>
-            <a:off x="512691" y="1253905"/>
-            <a:ext cx="2438740" cy="5010849"/>
-          </a:xfrm>
-          <a:prstGeom prst="rect">
-            <a:avLst/>
-          </a:prstGeom>
-        </p:spPr>
-      </p:pic>
-      <p:pic>
-        <p:nvPicPr>
-          <p:cNvPr id="10" name="Picture 9">
-            <a:extLst>
-              <a:ext uri="{FF2B5EF4-FFF2-40B4-BE49-F238E27FC236}">
-                <a16:creationId xmlns:a16="http://schemas.microsoft.com/office/drawing/2014/main" id="{013E5F31-9636-5700-8C62-BB8C34DA4FAB}"/>
-              </a:ext>
-            </a:extLst>
-          </p:cNvPr>
-          <p:cNvPicPr>
-            <a:picLocks noChangeAspect="1"/>
-          </p:cNvPicPr>
-          <p:nvPr/>
-        </p:nvPicPr>
-        <p:blipFill>
-          <a:blip r:embed="rId3"/>
-          <a:stretch>
-            <a:fillRect/>
-          </a:stretch>
-        </p:blipFill>
-        <p:spPr>
-          <a:xfrm>
-            <a:off x="3368380" y="1206274"/>
-            <a:ext cx="2514879" cy="5068007"/>
-          </a:xfrm>
-          <a:prstGeom prst="rect">
-            <a:avLst/>
-          </a:prstGeom>
-        </p:spPr>
-      </p:pic>
-      <p:pic>
-        <p:nvPicPr>
-          <p:cNvPr id="12" name="Picture 11">
-            <a:extLst>
-              <a:ext uri="{FF2B5EF4-FFF2-40B4-BE49-F238E27FC236}">
-                <a16:creationId xmlns:a16="http://schemas.microsoft.com/office/drawing/2014/main" id="{E44DAB63-94CC-519F-80FE-82A4CD5C9493}"/>
-              </a:ext>
-            </a:extLst>
-          </p:cNvPr>
-          <p:cNvPicPr>
-            <a:picLocks noChangeAspect="1"/>
-          </p:cNvPicPr>
-          <p:nvPr/>
-        </p:nvPicPr>
-        <p:blipFill>
-          <a:blip r:embed="rId4"/>
-          <a:stretch>
-            <a:fillRect/>
-          </a:stretch>
-        </p:blipFill>
-        <p:spPr>
-          <a:xfrm>
-            <a:off x="6300208" y="1196748"/>
-            <a:ext cx="2481699" cy="5068007"/>
-          </a:xfrm>
-          <a:prstGeom prst="rect">
-            <a:avLst/>
-          </a:prstGeom>
-        </p:spPr>
-      </p:pic>
-      <p:pic>
-        <p:nvPicPr>
-          <p:cNvPr id="14" name="Picture 13">
-            <a:extLst>
-              <a:ext uri="{FF2B5EF4-FFF2-40B4-BE49-F238E27FC236}">
-                <a16:creationId xmlns:a16="http://schemas.microsoft.com/office/drawing/2014/main" id="{99B822AB-8CAE-4A39-3E4F-539A52FE8B99}"/>
-              </a:ext>
-            </a:extLst>
-          </p:cNvPr>
-          <p:cNvPicPr>
-            <a:picLocks noChangeAspect="1"/>
-          </p:cNvPicPr>
-          <p:nvPr/>
-        </p:nvPicPr>
-        <p:blipFill>
-          <a:blip r:embed="rId5"/>
-          <a:stretch>
-            <a:fillRect/>
-          </a:stretch>
-        </p:blipFill>
-        <p:spPr>
-          <a:xfrm>
-            <a:off x="9198856" y="1196747"/>
-            <a:ext cx="2495898" cy="5068007"/>
-          </a:xfrm>
-          <a:prstGeom prst="rect">
-            <a:avLst/>
-          </a:prstGeom>
-        </p:spPr>
-      </p:pic>
+      <mc:AlternateContent xmlns:mc="http://schemas.openxmlformats.org/markup-compatibility/2006">
+        <mc:Choice xmlns:a14="http://schemas.microsoft.com/office/drawing/2010/main" Requires="a14">
+          <p:sp>
+            <p:nvSpPr>
+              <p:cNvPr id="8" name="Content Placeholder 2">
+                <a:extLst>
+                  <a:ext uri="{FF2B5EF4-FFF2-40B4-BE49-F238E27FC236}">
+                    <a16:creationId xmlns:a16="http://schemas.microsoft.com/office/drawing/2014/main" id="{64E3210F-AB6D-5806-58C3-EE7522CBE85F}"/>
+                  </a:ext>
+                </a:extLst>
+              </p:cNvPr>
+              <p:cNvSpPr>
+                <a:spLocks noGrp="1"/>
+              </p:cNvSpPr>
+              <p:nvPr>
+                <p:ph idx="1"/>
+              </p:nvPr>
+            </p:nvSpPr>
+            <p:spPr>
+              <a:xfrm>
+                <a:off x="838200" y="1825625"/>
+                <a:ext cx="10515600" cy="4351338"/>
+              </a:xfrm>
+            </p:spPr>
+            <p:txBody>
+              <a:bodyPr>
+                <a:normAutofit fontScale="85000" lnSpcReduction="20000"/>
+              </a:bodyPr>
+              <a:lstStyle/>
+              <a:p>
+                <a:pPr marL="342900" lvl="0" indent="-342900">
+                  <a:lnSpc>
+                    <a:spcPct val="120000"/>
+                  </a:lnSpc>
+                  <a:buFont typeface="Arial" panose="020B0604020202020204" pitchFamily="34" charset="0"/>
+                  <a:buChar char="•"/>
+                </a:pPr>
+                <a:r>
+                  <a:rPr lang="en-US" b="1" dirty="0"/>
+                  <a:t>Precision:</a:t>
+                </a:r>
+                <a:r>
+                  <a:rPr lang="en-US" dirty="0"/>
+                  <a:t> </a:t>
+                </a:r>
+                <a:r>
+                  <a:rPr lang="en-US" altLang="en-US" dirty="0">
+                    <a:latin typeface="Arial" panose="020B0604020202020204" pitchFamily="34" charset="0"/>
+                  </a:rPr>
+                  <a:t>Fraction of correct predictions among samples predicted as class i</a:t>
+                </a:r>
+                <a:r>
+                  <a:rPr lang="en-US" dirty="0"/>
+                  <a:t>:</a:t>
+                </a:r>
+              </a:p>
+              <a:p>
+                <a14:m>
+                  <m:oMathPara xmlns:m="http://schemas.openxmlformats.org/officeDocument/2006/math">
+                    <m:oMathParaPr>
+                      <m:jc m:val="centerGroup"/>
+                    </m:oMathParaPr>
+                    <m:oMath xmlns:m="http://schemas.openxmlformats.org/officeDocument/2006/math">
+                      <m:sSub>
+                        <m:sSubPr>
+                          <m:ctrlPr>
+                            <a:rPr lang="en-US" i="1"/>
+                          </m:ctrlPr>
+                        </m:sSubPr>
+                        <m:e>
+                          <m:r>
+                            <m:rPr>
+                              <m:nor/>
+                            </m:rPr>
+                            <a:rPr lang="en-US"/>
+                            <m:t>Precision</m:t>
+                          </m:r>
+                        </m:e>
+                        <m:sub>
+                          <m:r>
+                            <a:rPr lang="en-US" i="1"/>
+                            <m:t>𝑖</m:t>
+                          </m:r>
+                        </m:sub>
+                      </m:sSub>
+                      <m:r>
+                        <a:rPr lang="en-US" i="1"/>
+                        <m:t>=</m:t>
+                      </m:r>
+                      <m:f>
+                        <m:fPr>
+                          <m:ctrlPr>
+                            <a:rPr lang="en-US" i="1"/>
+                          </m:ctrlPr>
+                        </m:fPr>
+                        <m:num>
+                          <m:r>
+                            <a:rPr lang="en-US" i="1"/>
+                            <m:t>𝑇</m:t>
+                          </m:r>
+                          <m:sSub>
+                            <m:sSubPr>
+                              <m:ctrlPr>
+                                <a:rPr lang="en-US" i="1"/>
+                              </m:ctrlPr>
+                            </m:sSubPr>
+                            <m:e>
+                              <m:r>
+                                <a:rPr lang="en-US" i="1"/>
+                                <m:t>𝑃</m:t>
+                              </m:r>
+                            </m:e>
+                            <m:sub>
+                              <m:r>
+                                <a:rPr lang="en-US" i="1"/>
+                                <m:t>𝑖</m:t>
+                              </m:r>
+                            </m:sub>
+                          </m:sSub>
+                        </m:num>
+                        <m:den>
+                          <m:r>
+                            <a:rPr lang="en-US" i="1"/>
+                            <m:t>𝑇</m:t>
+                          </m:r>
+                          <m:sSub>
+                            <m:sSubPr>
+                              <m:ctrlPr>
+                                <a:rPr lang="en-US" i="1"/>
+                              </m:ctrlPr>
+                            </m:sSubPr>
+                            <m:e>
+                              <m:r>
+                                <a:rPr lang="en-US" i="1"/>
+                                <m:t>𝑃</m:t>
+                              </m:r>
+                            </m:e>
+                            <m:sub>
+                              <m:r>
+                                <a:rPr lang="en-US" i="1"/>
+                                <m:t>𝑖</m:t>
+                              </m:r>
+                            </m:sub>
+                          </m:sSub>
+                          <m:r>
+                            <a:rPr lang="en-US" i="1"/>
+                            <m:t>+</m:t>
+                          </m:r>
+                          <m:r>
+                            <a:rPr lang="en-US" i="1"/>
+                            <m:t>𝐹</m:t>
+                          </m:r>
+                          <m:sSub>
+                            <m:sSubPr>
+                              <m:ctrlPr>
+                                <a:rPr lang="en-US" i="1"/>
+                              </m:ctrlPr>
+                            </m:sSubPr>
+                            <m:e>
+                              <m:r>
+                                <a:rPr lang="en-US" i="1"/>
+                                <m:t>𝑃</m:t>
+                              </m:r>
+                            </m:e>
+                            <m:sub>
+                              <m:r>
+                                <a:rPr lang="en-US" i="1"/>
+                                <m:t>𝑖</m:t>
+                              </m:r>
+                            </m:sub>
+                          </m:sSub>
+                        </m:den>
+                      </m:f>
+                    </m:oMath>
+                  </m:oMathPara>
+                </a14:m>
+                <a:endParaRPr lang="en-US" dirty="0"/>
+              </a:p>
+              <a:p>
+                <a:endParaRPr lang="en-US" dirty="0"/>
+              </a:p>
+              <a:p>
+                <a:pPr marL="342900" lvl="0" indent="-342900" algn="l" eaLnBrk="0" fontAlgn="base" hangingPunct="0">
+                  <a:lnSpc>
+                    <a:spcPct val="120000"/>
+                  </a:lnSpc>
+                  <a:spcBef>
+                    <a:spcPct val="0"/>
+                  </a:spcBef>
+                  <a:spcAft>
+                    <a:spcPct val="0"/>
+                  </a:spcAft>
+                  <a:buFont typeface="Arial" panose="020B0604020202020204" pitchFamily="34" charset="0"/>
+                  <a:buChar char="•"/>
+                </a:pPr>
+                <a:r>
+                  <a:rPr lang="en-US" b="1" dirty="0"/>
+                  <a:t>Recall: </a:t>
+                </a:r>
+                <a:r>
+                  <a:rPr lang="en-US" altLang="en-US" dirty="0">
+                    <a:latin typeface="Arial" panose="020B0604020202020204" pitchFamily="34" charset="0"/>
+                  </a:rPr>
+                  <a:t>Fraction of class i samples correctly identified.</a:t>
+                </a:r>
+              </a:p>
+              <a:p>
+                <a14:m>
+                  <m:oMathPara xmlns:m="http://schemas.openxmlformats.org/officeDocument/2006/math">
+                    <m:oMathParaPr>
+                      <m:jc m:val="centerGroup"/>
+                    </m:oMathParaPr>
+                    <m:oMath xmlns:m="http://schemas.openxmlformats.org/officeDocument/2006/math">
+                      <m:sSub>
+                        <m:sSubPr>
+                          <m:ctrlPr>
+                            <a:rPr lang="en-US" i="1"/>
+                          </m:ctrlPr>
+                        </m:sSubPr>
+                        <m:e>
+                          <m:r>
+                            <m:rPr>
+                              <m:nor/>
+                            </m:rPr>
+                            <a:rPr lang="en-US"/>
+                            <m:t>Recall</m:t>
+                          </m:r>
+                        </m:e>
+                        <m:sub>
+                          <m:r>
+                            <a:rPr lang="en-US" i="1"/>
+                            <m:t>𝑖</m:t>
+                          </m:r>
+                        </m:sub>
+                      </m:sSub>
+                      <m:r>
+                        <a:rPr lang="en-US" i="1"/>
+                        <m:t>=</m:t>
+                      </m:r>
+                      <m:f>
+                        <m:fPr>
+                          <m:ctrlPr>
+                            <a:rPr lang="en-US" i="1"/>
+                          </m:ctrlPr>
+                        </m:fPr>
+                        <m:num>
+                          <m:r>
+                            <a:rPr lang="en-US" i="1"/>
+                            <m:t>𝑇</m:t>
+                          </m:r>
+                          <m:sSub>
+                            <m:sSubPr>
+                              <m:ctrlPr>
+                                <a:rPr lang="en-US" i="1"/>
+                              </m:ctrlPr>
+                            </m:sSubPr>
+                            <m:e>
+                              <m:r>
+                                <a:rPr lang="en-US" i="1"/>
+                                <m:t>𝑃</m:t>
+                              </m:r>
+                            </m:e>
+                            <m:sub>
+                              <m:r>
+                                <a:rPr lang="en-US" i="1"/>
+                                <m:t>𝑖</m:t>
+                              </m:r>
+                            </m:sub>
+                          </m:sSub>
+                        </m:num>
+                        <m:den>
+                          <m:r>
+                            <a:rPr lang="en-US" i="1"/>
+                            <m:t>𝑇</m:t>
+                          </m:r>
+                          <m:sSub>
+                            <m:sSubPr>
+                              <m:ctrlPr>
+                                <a:rPr lang="en-US" i="1"/>
+                              </m:ctrlPr>
+                            </m:sSubPr>
+                            <m:e>
+                              <m:r>
+                                <a:rPr lang="en-US" i="1"/>
+                                <m:t>𝑃</m:t>
+                              </m:r>
+                            </m:e>
+                            <m:sub>
+                              <m:r>
+                                <a:rPr lang="en-US" i="1"/>
+                                <m:t>𝑖</m:t>
+                              </m:r>
+                            </m:sub>
+                          </m:sSub>
+                          <m:r>
+                            <a:rPr lang="en-US" i="1"/>
+                            <m:t>+</m:t>
+                          </m:r>
+                          <m:r>
+                            <a:rPr lang="en-US" i="1"/>
+                            <m:t>𝐹</m:t>
+                          </m:r>
+                          <m:sSub>
+                            <m:sSubPr>
+                              <m:ctrlPr>
+                                <a:rPr lang="en-US" i="1"/>
+                              </m:ctrlPr>
+                            </m:sSubPr>
+                            <m:e>
+                              <m:r>
+                                <a:rPr lang="en-US" i="1"/>
+                                <m:t>𝑁</m:t>
+                              </m:r>
+                            </m:e>
+                            <m:sub>
+                              <m:r>
+                                <a:rPr lang="en-US" i="1"/>
+                                <m:t>𝑖</m:t>
+                              </m:r>
+                            </m:sub>
+                          </m:sSub>
+                        </m:den>
+                      </m:f>
+                    </m:oMath>
+                  </m:oMathPara>
+                </a14:m>
+                <a:endParaRPr lang="en-US" dirty="0"/>
+              </a:p>
+              <a:p>
+                <a:endParaRPr lang="en-US" dirty="0"/>
+              </a:p>
+              <a:p>
+                <a:pPr marL="342900" lvl="0" indent="-342900">
+                  <a:lnSpc>
+                    <a:spcPct val="120000"/>
+                  </a:lnSpc>
+                  <a:buFont typeface="Arial" panose="020B0604020202020204" pitchFamily="34" charset="0"/>
+                  <a:buChar char="•"/>
+                </a:pPr>
+                <a:r>
+                  <a:rPr lang="en-US" b="1" dirty="0"/>
+                  <a:t>F1 Score</a:t>
+                </a:r>
+                <a:r>
+                  <a:rPr lang="en-US" dirty="0"/>
+                  <a:t>: </a:t>
+                </a:r>
+                <a:r>
+                  <a:rPr lang="en-US" altLang="en-US" dirty="0">
+                    <a:latin typeface="Arial" panose="020B0604020202020204" pitchFamily="34" charset="0"/>
+                  </a:rPr>
+                  <a:t>Harmonic mean of precision and recall </a:t>
+                </a:r>
+                <a:r>
+                  <a:rPr lang="en-US" dirty="0"/>
+                  <a:t>:</a:t>
+                </a:r>
+              </a:p>
+              <a:p>
+                <a14:m>
+                  <m:oMathPara xmlns:m="http://schemas.openxmlformats.org/officeDocument/2006/math">
+                    <m:oMathParaPr>
+                      <m:jc m:val="centerGroup"/>
+                    </m:oMathParaPr>
+                    <m:oMath xmlns:m="http://schemas.openxmlformats.org/officeDocument/2006/math">
+                      <m:sSub>
+                        <m:sSubPr>
+                          <m:ctrlPr>
+                            <a:rPr lang="en-US" i="1"/>
+                          </m:ctrlPr>
+                        </m:sSubPr>
+                        <m:e>
+                          <m:r>
+                            <m:rPr>
+                              <m:nor/>
+                            </m:rPr>
+                            <a:rPr lang="en-US"/>
+                            <m:t>F</m:t>
+                          </m:r>
+                          <m:r>
+                            <m:rPr>
+                              <m:nor/>
+                            </m:rPr>
+                            <a:rPr lang="en-US"/>
+                            <m:t>1</m:t>
+                          </m:r>
+                        </m:e>
+                        <m:sub>
+                          <m:r>
+                            <a:rPr lang="en-US" i="1"/>
+                            <m:t>𝑖</m:t>
+                          </m:r>
+                        </m:sub>
+                      </m:sSub>
+                      <m:r>
+                        <a:rPr lang="en-US" i="1"/>
+                        <m:t>=</m:t>
+                      </m:r>
+                      <m:r>
+                        <a:rPr lang="en-US" i="1"/>
+                        <m:t>2</m:t>
+                      </m:r>
+                      <m:r>
+                        <a:rPr lang="en-US" i="1"/>
+                        <m:t>×</m:t>
+                      </m:r>
+                      <m:f>
+                        <m:fPr>
+                          <m:ctrlPr>
+                            <a:rPr lang="en-US" i="1"/>
+                          </m:ctrlPr>
+                        </m:fPr>
+                        <m:num>
+                          <m:sSub>
+                            <m:sSubPr>
+                              <m:ctrlPr>
+                                <a:rPr lang="en-US" i="1"/>
+                              </m:ctrlPr>
+                            </m:sSubPr>
+                            <m:e>
+                              <m:r>
+                                <m:rPr>
+                                  <m:nor/>
+                                </m:rPr>
+                                <a:rPr lang="en-US"/>
+                                <m:t>Precision</m:t>
+                              </m:r>
+                            </m:e>
+                            <m:sub>
+                              <m:r>
+                                <a:rPr lang="en-US" i="1"/>
+                                <m:t>𝑖</m:t>
+                              </m:r>
+                            </m:sub>
+                          </m:sSub>
+                          <m:r>
+                            <a:rPr lang="en-US" i="1"/>
+                            <m:t>×</m:t>
+                          </m:r>
+                          <m:sSub>
+                            <m:sSubPr>
+                              <m:ctrlPr>
+                                <a:rPr lang="en-US" i="1"/>
+                              </m:ctrlPr>
+                            </m:sSubPr>
+                            <m:e>
+                              <m:r>
+                                <m:rPr>
+                                  <m:nor/>
+                                </m:rPr>
+                                <a:rPr lang="en-US"/>
+                                <m:t>Recall</m:t>
+                              </m:r>
+                            </m:e>
+                            <m:sub>
+                              <m:r>
+                                <a:rPr lang="en-US" i="1"/>
+                                <m:t>𝑖</m:t>
+                              </m:r>
+                            </m:sub>
+                          </m:sSub>
+                        </m:num>
+                        <m:den>
+                          <m:sSub>
+                            <m:sSubPr>
+                              <m:ctrlPr>
+                                <a:rPr lang="en-US" i="1"/>
+                              </m:ctrlPr>
+                            </m:sSubPr>
+                            <m:e>
+                              <m:r>
+                                <m:rPr>
+                                  <m:nor/>
+                                </m:rPr>
+                                <a:rPr lang="en-US"/>
+                                <m:t>Precision</m:t>
+                              </m:r>
+                            </m:e>
+                            <m:sub>
+                              <m:r>
+                                <a:rPr lang="en-US" i="1"/>
+                                <m:t>𝑖</m:t>
+                              </m:r>
+                            </m:sub>
+                          </m:sSub>
+                          <m:r>
+                            <a:rPr lang="en-US" i="1"/>
+                            <m:t>+</m:t>
+                          </m:r>
+                          <m:sSub>
+                            <m:sSubPr>
+                              <m:ctrlPr>
+                                <a:rPr lang="en-US" i="1"/>
+                              </m:ctrlPr>
+                            </m:sSubPr>
+                            <m:e>
+                              <m:r>
+                                <m:rPr>
+                                  <m:nor/>
+                                </m:rPr>
+                                <a:rPr lang="en-US"/>
+                                <m:t>Recall</m:t>
+                              </m:r>
+                            </m:e>
+                            <m:sub>
+                              <m:r>
+                                <a:rPr lang="en-US" i="1"/>
+                                <m:t>𝑖</m:t>
+                              </m:r>
+                            </m:sub>
+                          </m:sSub>
+                        </m:den>
+                      </m:f>
+                    </m:oMath>
+                  </m:oMathPara>
+                </a14:m>
+                <a:endParaRPr lang="en-US" dirty="0"/>
+              </a:p>
+              <a:p>
+                <a:r>
+                  <a:rPr lang="en-US" dirty="0"/>
+                  <a:t> </a:t>
+                </a:r>
+              </a:p>
+              <a:p>
+                <a:pPr lvl="0"/>
+                <a:endParaRPr lang="en-US" dirty="0"/>
+              </a:p>
+              <a:p>
+                <a:pPr marL="342900" indent="-342900">
+                  <a:buFont typeface="Arial" panose="020B0604020202020204" pitchFamily="34" charset="0"/>
+                  <a:buChar char="•"/>
+                </a:pPr>
+                <a:endParaRPr lang="en-US" b="1" dirty="0"/>
+              </a:p>
+            </p:txBody>
+          </p:sp>
+        </mc:Choice>
+        <mc:Fallback>
+          <p:sp>
+            <p:nvSpPr>
+              <p:cNvPr id="8" name="Content Placeholder 2">
+                <a:extLst>
+                  <a:ext uri="{FF2B5EF4-FFF2-40B4-BE49-F238E27FC236}">
+                    <a16:creationId xmlns:a16="http://schemas.microsoft.com/office/drawing/2014/main" id="{64E3210F-AB6D-5806-58C3-EE7522CBE85F}"/>
+                  </a:ext>
+                </a:extLst>
+              </p:cNvPr>
+              <p:cNvSpPr>
+                <a:spLocks noGrp="1" noRot="1" noChangeAspect="1" noMove="1" noResize="1" noEditPoints="1" noAdjustHandles="1" noChangeArrowheads="1" noChangeShapeType="1" noTextEdit="1"/>
+              </p:cNvSpPr>
+              <p:nvPr>
+                <p:ph idx="1"/>
+              </p:nvPr>
+            </p:nvSpPr>
+            <p:spPr>
+              <a:xfrm>
+                <a:off x="838200" y="1825625"/>
+                <a:ext cx="10515600" cy="4351338"/>
+              </a:xfrm>
+              <a:blipFill>
+                <a:blip r:embed="rId3"/>
+                <a:stretch>
+                  <a:fillRect l="-522" t="-560"/>
+                </a:stretch>
+              </a:blipFill>
+            </p:spPr>
+            <p:txBody>
+              <a:bodyPr/>
+              <a:lstStyle/>
+              <a:p>
+                <a:r>
+                  <a:rPr lang="en-US">
+                    <a:noFill/>
+                  </a:rPr>
+                  <a:t> </a:t>
+                </a:r>
+              </a:p>
+            </p:txBody>
+          </p:sp>
+        </mc:Fallback>
+      </mc:AlternateContent>
     </p:spTree>
     <p:extLst>
       <p:ext uri="{BB962C8B-B14F-4D97-AF65-F5344CB8AC3E}">
-        <p14:creationId xmlns:p14="http://schemas.microsoft.com/office/powerpoint/2010/main" val="1206307982"/>
+        <p14:creationId xmlns:p14="http://schemas.microsoft.com/office/powerpoint/2010/main" val="2889026395"/>
       </p:ext>
     </p:extLst>
   </p:cSld>
@@ -39487,7 +41710,7 @@
         <p:cNvPr id="1" name="">
           <a:extLst>
             <a:ext uri="{FF2B5EF4-FFF2-40B4-BE49-F238E27FC236}">
-              <a16:creationId xmlns:a16="http://schemas.microsoft.com/office/drawing/2014/main" id="{2020A95D-7449-8411-C9CD-C0A4DD7FE60E}"/>
+              <a16:creationId xmlns:a16="http://schemas.microsoft.com/office/drawing/2014/main" id="{95FD2E6A-B928-B2FD-555C-485CD9CD3013}"/>
             </a:ext>
           </a:extLst>
         </p:cNvPr>
@@ -39507,7 +41730,7 @@
           <p:cNvPr id="2" name="Title 1">
             <a:extLst>
               <a:ext uri="{FF2B5EF4-FFF2-40B4-BE49-F238E27FC236}">
-                <a16:creationId xmlns:a16="http://schemas.microsoft.com/office/drawing/2014/main" id="{F5C3D1BA-C836-EE3B-694B-F0E37731DFC5}"/>
+                <a16:creationId xmlns:a16="http://schemas.microsoft.com/office/drawing/2014/main" id="{9C48BCC0-5FD0-12BC-2995-CE8A31E93D03}"/>
               </a:ext>
             </a:extLst>
           </p:cNvPr>
@@ -39527,105 +41750,557 @@
           <a:p>
             <a:r>
               <a:rPr lang="en-US" sz="6000" dirty="0"/>
-              <a:t>3.1. UI Implementation</a:t>
+              <a:t>3.1. AI Model Implementation</a:t>
             </a:r>
           </a:p>
         </p:txBody>
       </p:sp>
-      <p:pic>
-        <p:nvPicPr>
-          <p:cNvPr id="9" name="Picture 8">
-            <a:extLst>
-              <a:ext uri="{FF2B5EF4-FFF2-40B4-BE49-F238E27FC236}">
-                <a16:creationId xmlns:a16="http://schemas.microsoft.com/office/drawing/2014/main" id="{085E7065-CC08-1CD3-4AC6-05F0E499BA2E}"/>
-              </a:ext>
-            </a:extLst>
-          </p:cNvPr>
-          <p:cNvPicPr>
-            <a:picLocks noChangeAspect="1"/>
-          </p:cNvPicPr>
-          <p:nvPr/>
-        </p:nvPicPr>
-        <p:blipFill>
-          <a:blip r:embed="rId2"/>
-          <a:stretch>
-            <a:fillRect/>
-          </a:stretch>
-        </p:blipFill>
-        <p:spPr>
-          <a:xfrm>
-            <a:off x="4876630" y="1292011"/>
-            <a:ext cx="2438740" cy="4982270"/>
-          </a:xfrm>
-          <a:prstGeom prst="rect">
-            <a:avLst/>
-          </a:prstGeom>
-        </p:spPr>
-      </p:pic>
-      <p:pic>
-        <p:nvPicPr>
-          <p:cNvPr id="11" name="Picture 10">
-            <a:extLst>
-              <a:ext uri="{FF2B5EF4-FFF2-40B4-BE49-F238E27FC236}">
-                <a16:creationId xmlns:a16="http://schemas.microsoft.com/office/drawing/2014/main" id="{64E8DD7B-56C7-5953-4602-EC7D1E94C173}"/>
-              </a:ext>
-            </a:extLst>
-          </p:cNvPr>
-          <p:cNvPicPr>
-            <a:picLocks noChangeAspect="1"/>
-          </p:cNvPicPr>
-          <p:nvPr/>
-        </p:nvPicPr>
-        <p:blipFill>
-          <a:blip r:embed="rId3"/>
-          <a:stretch>
-            <a:fillRect/>
-          </a:stretch>
-        </p:blipFill>
-        <p:spPr>
-          <a:xfrm>
-            <a:off x="7735425" y="1258668"/>
-            <a:ext cx="2524477" cy="5020376"/>
-          </a:xfrm>
-          <a:prstGeom prst="rect">
-            <a:avLst/>
-          </a:prstGeom>
-        </p:spPr>
-      </p:pic>
-      <p:pic>
-        <p:nvPicPr>
-          <p:cNvPr id="16" name="Picture 15">
-            <a:extLst>
-              <a:ext uri="{FF2B5EF4-FFF2-40B4-BE49-F238E27FC236}">
-                <a16:creationId xmlns:a16="http://schemas.microsoft.com/office/drawing/2014/main" id="{EE1B147A-0C79-C5D3-6F1E-B3C48885F7D8}"/>
-              </a:ext>
-            </a:extLst>
-          </p:cNvPr>
-          <p:cNvPicPr>
-            <a:picLocks noChangeAspect="1"/>
-          </p:cNvPicPr>
-          <p:nvPr/>
-        </p:nvPicPr>
-        <p:blipFill>
-          <a:blip r:embed="rId4"/>
-          <a:stretch>
-            <a:fillRect/>
-          </a:stretch>
-        </p:blipFill>
-        <p:spPr>
-          <a:xfrm>
-            <a:off x="1961059" y="1263432"/>
-            <a:ext cx="2486372" cy="5010849"/>
-          </a:xfrm>
-          <a:prstGeom prst="rect">
-            <a:avLst/>
-          </a:prstGeom>
-        </p:spPr>
-      </p:pic>
+      <mc:AlternateContent xmlns:mc="http://schemas.openxmlformats.org/markup-compatibility/2006">
+        <mc:Choice xmlns:a14="http://schemas.microsoft.com/office/drawing/2010/main" Requires="a14">
+          <p:sp>
+            <p:nvSpPr>
+              <p:cNvPr id="8" name="Content Placeholder 2">
+                <a:extLst>
+                  <a:ext uri="{FF2B5EF4-FFF2-40B4-BE49-F238E27FC236}">
+                    <a16:creationId xmlns:a16="http://schemas.microsoft.com/office/drawing/2014/main" id="{E0922922-EC9C-7E02-C484-24D32E6ACE45}"/>
+                  </a:ext>
+                </a:extLst>
+              </p:cNvPr>
+              <p:cNvSpPr>
+                <a:spLocks noGrp="1"/>
+              </p:cNvSpPr>
+              <p:nvPr>
+                <p:ph idx="1"/>
+              </p:nvPr>
+            </p:nvSpPr>
+            <p:spPr>
+              <a:xfrm>
+                <a:off x="838200" y="1825625"/>
+                <a:ext cx="10515600" cy="4351338"/>
+              </a:xfrm>
+            </p:spPr>
+            <p:txBody>
+              <a:bodyPr>
+                <a:normAutofit lnSpcReduction="10000"/>
+              </a:bodyPr>
+              <a:lstStyle/>
+              <a:p>
+                <a:pPr marL="342900" lvl="0" indent="-342900">
+                  <a:buFont typeface="Arial" panose="020B0604020202020204" pitchFamily="34" charset="0"/>
+                  <a:buChar char="•"/>
+                </a:pPr>
+                <a:r>
+                  <a:rPr lang="en-US" b="1" dirty="0"/>
+                  <a:t>Macro-averaged metrics:</a:t>
+                </a:r>
+                <a:r>
+                  <a:rPr lang="en-US" dirty="0"/>
+                  <a:t> </a:t>
+                </a:r>
+                <a:r>
+                  <a:rPr lang="en-US" altLang="en-US" dirty="0">
+                    <a:latin typeface="Arial" panose="020B0604020202020204" pitchFamily="34" charset="0"/>
+                  </a:rPr>
+                  <a:t>Metrics are computed per class and averaged equally across all classes </a:t>
+                </a:r>
+                <a:r>
+                  <a:rPr lang="en-US" dirty="0"/>
+                  <a:t>:</a:t>
+                </a:r>
+              </a:p>
+              <a:p>
+                <a:pPr/>
+                <a14:m>
+                  <m:oMathPara xmlns:m="http://schemas.openxmlformats.org/officeDocument/2006/math">
+                    <m:oMathParaPr>
+                      <m:jc m:val="centerGroup"/>
+                    </m:oMathParaPr>
+                    <m:oMath xmlns:m="http://schemas.openxmlformats.org/officeDocument/2006/math">
+                      <m:r>
+                        <m:rPr>
+                          <m:nor/>
+                        </m:rPr>
+                        <a:rPr lang="en-US"/>
+                        <m:t>Macro</m:t>
+                      </m:r>
+                      <m:r>
+                        <m:rPr>
+                          <m:nor/>
+                        </m:rPr>
+                        <a:rPr lang="en-US" i="1"/>
+                        <m:t>−</m:t>
+                      </m:r>
+                      <m:r>
+                        <m:rPr>
+                          <m:nor/>
+                        </m:rPr>
+                        <a:rPr lang="en-US"/>
+                        <m:t>Precision</m:t>
+                      </m:r>
+                      <m:r>
+                        <a:rPr lang="en-US" i="1">
+                          <a:latin typeface="Cambria Math" panose="02040503050406030204" pitchFamily="18" charset="0"/>
+                        </a:rPr>
+                        <m:t>=</m:t>
+                      </m:r>
+                      <m:f>
+                        <m:fPr>
+                          <m:ctrlPr>
+                            <a:rPr lang="en-US" i="1">
+                              <a:latin typeface="Cambria Math" panose="02040503050406030204" pitchFamily="18" charset="0"/>
+                            </a:rPr>
+                          </m:ctrlPr>
+                        </m:fPr>
+                        <m:num>
+                          <m:r>
+                            <a:rPr lang="en-US" i="1">
+                              <a:latin typeface="Cambria Math" panose="02040503050406030204" pitchFamily="18" charset="0"/>
+                            </a:rPr>
+                            <m:t>1</m:t>
+                          </m:r>
+                        </m:num>
+                        <m:den>
+                          <m:r>
+                            <a:rPr lang="en-US" i="1">
+                              <a:latin typeface="Cambria Math" panose="02040503050406030204" pitchFamily="18" charset="0"/>
+                            </a:rPr>
+                            <m:t>𝑁</m:t>
+                          </m:r>
+                        </m:den>
+                      </m:f>
+                      <m:nary>
+                        <m:naryPr>
+                          <m:chr m:val="∑"/>
+                          <m:limLoc m:val="undOvr"/>
+                          <m:grow m:val="on"/>
+                          <m:ctrlPr>
+                            <a:rPr lang="en-US" i="1">
+                              <a:latin typeface="Cambria Math" panose="02040503050406030204" pitchFamily="18" charset="0"/>
+                            </a:rPr>
+                          </m:ctrlPr>
+                        </m:naryPr>
+                        <m:sub>
+                          <m:r>
+                            <a:rPr lang="en-US" i="1">
+                              <a:latin typeface="Cambria Math" panose="02040503050406030204" pitchFamily="18" charset="0"/>
+                            </a:rPr>
+                            <m:t>𝑖</m:t>
+                          </m:r>
+                          <m:r>
+                            <a:rPr lang="en-US" i="1">
+                              <a:latin typeface="Cambria Math" panose="02040503050406030204" pitchFamily="18" charset="0"/>
+                            </a:rPr>
+                            <m:t>=</m:t>
+                          </m:r>
+                          <m:r>
+                            <a:rPr lang="en-US" i="1">
+                              <a:latin typeface="Cambria Math" panose="02040503050406030204" pitchFamily="18" charset="0"/>
+                            </a:rPr>
+                            <m:t>1</m:t>
+                          </m:r>
+                        </m:sub>
+                        <m:sup>
+                          <m:r>
+                            <a:rPr lang="en-US" i="1">
+                              <a:latin typeface="Cambria Math" panose="02040503050406030204" pitchFamily="18" charset="0"/>
+                            </a:rPr>
+                            <m:t>𝑁</m:t>
+                          </m:r>
+                        </m:sup>
+                        <m:e>
+                          <m:sSub>
+                            <m:sSubPr>
+                              <m:ctrlPr>
+                                <a:rPr lang="en-US" i="1">
+                                  <a:latin typeface="Cambria Math" panose="02040503050406030204" pitchFamily="18" charset="0"/>
+                                </a:rPr>
+                              </m:ctrlPr>
+                            </m:sSubPr>
+                            <m:e>
+                              <m:r>
+                                <m:rPr>
+                                  <m:nor/>
+                                </m:rPr>
+                                <a:rPr lang="en-US"/>
+                                <m:t>Precision</m:t>
+                              </m:r>
+                            </m:e>
+                            <m:sub>
+                              <m:r>
+                                <a:rPr lang="en-US" i="1">
+                                  <a:latin typeface="Cambria Math" panose="02040503050406030204" pitchFamily="18" charset="0"/>
+                                </a:rPr>
+                                <m:t>𝑖</m:t>
+                              </m:r>
+                            </m:sub>
+                          </m:sSub>
+                        </m:e>
+                      </m:nary>
+                      <m:r>
+                        <a:rPr lang="en-US" i="1">
+                          <a:latin typeface="Cambria Math" panose="02040503050406030204" pitchFamily="18" charset="0"/>
+                        </a:rPr>
+                        <m:t>,</m:t>
+                      </m:r>
+                    </m:oMath>
+                  </m:oMathPara>
+                </a14:m>
+                <a:endParaRPr lang="en-US" dirty="0"/>
+              </a:p>
+              <a:p>
+                <a:pPr/>
+                <a14:m>
+                  <m:oMathPara xmlns:m="http://schemas.openxmlformats.org/officeDocument/2006/math">
+                    <m:oMathParaPr>
+                      <m:jc m:val="centerGroup"/>
+                    </m:oMathParaPr>
+                    <m:oMath xmlns:m="http://schemas.openxmlformats.org/officeDocument/2006/math">
+                      <m:r>
+                        <m:rPr>
+                          <m:nor/>
+                        </m:rPr>
+                        <a:rPr lang="en-US"/>
+                        <m:t>Macro</m:t>
+                      </m:r>
+                      <m:r>
+                        <m:rPr>
+                          <m:nor/>
+                        </m:rPr>
+                        <a:rPr lang="en-US" i="1"/>
+                        <m:t>−</m:t>
+                      </m:r>
+                      <m:r>
+                        <m:rPr>
+                          <m:nor/>
+                        </m:rPr>
+                        <a:rPr lang="en-US"/>
+                        <m:t>Recall</m:t>
+                      </m:r>
+                      <m:r>
+                        <a:rPr lang="en-US" i="1">
+                          <a:latin typeface="Cambria Math" panose="02040503050406030204" pitchFamily="18" charset="0"/>
+                        </a:rPr>
+                        <m:t>=</m:t>
+                      </m:r>
+                      <m:f>
+                        <m:fPr>
+                          <m:ctrlPr>
+                            <a:rPr lang="en-US" i="1">
+                              <a:latin typeface="Cambria Math" panose="02040503050406030204" pitchFamily="18" charset="0"/>
+                            </a:rPr>
+                          </m:ctrlPr>
+                        </m:fPr>
+                        <m:num>
+                          <m:r>
+                            <a:rPr lang="en-US" i="1">
+                              <a:latin typeface="Cambria Math" panose="02040503050406030204" pitchFamily="18" charset="0"/>
+                            </a:rPr>
+                            <m:t>1</m:t>
+                          </m:r>
+                        </m:num>
+                        <m:den>
+                          <m:r>
+                            <a:rPr lang="en-US" i="1">
+                              <a:latin typeface="Cambria Math" panose="02040503050406030204" pitchFamily="18" charset="0"/>
+                            </a:rPr>
+                            <m:t>𝑁</m:t>
+                          </m:r>
+                        </m:den>
+                      </m:f>
+                      <m:nary>
+                        <m:naryPr>
+                          <m:chr m:val="∑"/>
+                          <m:limLoc m:val="undOvr"/>
+                          <m:grow m:val="on"/>
+                          <m:ctrlPr>
+                            <a:rPr lang="en-US" i="1">
+                              <a:latin typeface="Cambria Math" panose="02040503050406030204" pitchFamily="18" charset="0"/>
+                            </a:rPr>
+                          </m:ctrlPr>
+                        </m:naryPr>
+                        <m:sub>
+                          <m:r>
+                            <a:rPr lang="en-US" i="1">
+                              <a:latin typeface="Cambria Math" panose="02040503050406030204" pitchFamily="18" charset="0"/>
+                            </a:rPr>
+                            <m:t>𝑖</m:t>
+                          </m:r>
+                          <m:r>
+                            <a:rPr lang="en-US" i="1">
+                              <a:latin typeface="Cambria Math" panose="02040503050406030204" pitchFamily="18" charset="0"/>
+                            </a:rPr>
+                            <m:t>=</m:t>
+                          </m:r>
+                          <m:r>
+                            <a:rPr lang="en-US" i="1">
+                              <a:latin typeface="Cambria Math" panose="02040503050406030204" pitchFamily="18" charset="0"/>
+                            </a:rPr>
+                            <m:t>1</m:t>
+                          </m:r>
+                        </m:sub>
+                        <m:sup>
+                          <m:r>
+                            <a:rPr lang="en-US" i="1">
+                              <a:latin typeface="Cambria Math" panose="02040503050406030204" pitchFamily="18" charset="0"/>
+                            </a:rPr>
+                            <m:t>𝑁</m:t>
+                          </m:r>
+                        </m:sup>
+                        <m:e>
+                          <m:sSub>
+                            <m:sSubPr>
+                              <m:ctrlPr>
+                                <a:rPr lang="en-US" i="1">
+                                  <a:latin typeface="Cambria Math" panose="02040503050406030204" pitchFamily="18" charset="0"/>
+                                </a:rPr>
+                              </m:ctrlPr>
+                            </m:sSubPr>
+                            <m:e>
+                              <m:r>
+                                <m:rPr>
+                                  <m:nor/>
+                                </m:rPr>
+                                <a:rPr lang="en-US"/>
+                                <m:t>Recall</m:t>
+                              </m:r>
+                            </m:e>
+                            <m:sub>
+                              <m:r>
+                                <a:rPr lang="en-US" i="1">
+                                  <a:latin typeface="Cambria Math" panose="02040503050406030204" pitchFamily="18" charset="0"/>
+                                </a:rPr>
+                                <m:t>𝑖</m:t>
+                              </m:r>
+                            </m:sub>
+                          </m:sSub>
+                        </m:e>
+                      </m:nary>
+                      <m:r>
+                        <a:rPr lang="en-US" i="1">
+                          <a:latin typeface="Cambria Math" panose="02040503050406030204" pitchFamily="18" charset="0"/>
+                        </a:rPr>
+                        <m:t>,</m:t>
+                      </m:r>
+                    </m:oMath>
+                  </m:oMathPara>
+                </a14:m>
+                <a:endParaRPr lang="en-US" dirty="0"/>
+              </a:p>
+              <a:p>
+                <a:pPr/>
+                <a14:m>
+                  <m:oMathPara xmlns:m="http://schemas.openxmlformats.org/officeDocument/2006/math">
+                    <m:oMathParaPr>
+                      <m:jc m:val="centerGroup"/>
+                    </m:oMathParaPr>
+                    <m:oMath xmlns:m="http://schemas.openxmlformats.org/officeDocument/2006/math">
+                      <m:r>
+                        <m:rPr>
+                          <m:nor/>
+                        </m:rPr>
+                        <a:rPr lang="en-US"/>
+                        <m:t>Macro</m:t>
+                      </m:r>
+                      <m:r>
+                        <m:rPr>
+                          <m:nor/>
+                        </m:rPr>
+                        <a:rPr lang="en-US" i="1"/>
+                        <m:t>−</m:t>
+                      </m:r>
+                      <m:r>
+                        <m:rPr>
+                          <m:nor/>
+                        </m:rPr>
+                        <a:rPr lang="en-US"/>
+                        <m:t>F</m:t>
+                      </m:r>
+                      <m:r>
+                        <m:rPr>
+                          <m:nor/>
+                        </m:rPr>
+                        <a:rPr lang="en-US"/>
+                        <m:t>1</m:t>
+                      </m:r>
+                      <m:r>
+                        <a:rPr lang="en-US" i="1">
+                          <a:latin typeface="Cambria Math" panose="02040503050406030204" pitchFamily="18" charset="0"/>
+                        </a:rPr>
+                        <m:t>=</m:t>
+                      </m:r>
+                      <m:f>
+                        <m:fPr>
+                          <m:ctrlPr>
+                            <a:rPr lang="en-US" i="1">
+                              <a:latin typeface="Cambria Math" panose="02040503050406030204" pitchFamily="18" charset="0"/>
+                            </a:rPr>
+                          </m:ctrlPr>
+                        </m:fPr>
+                        <m:num>
+                          <m:r>
+                            <a:rPr lang="en-US" i="1">
+                              <a:latin typeface="Cambria Math" panose="02040503050406030204" pitchFamily="18" charset="0"/>
+                            </a:rPr>
+                            <m:t>1</m:t>
+                          </m:r>
+                        </m:num>
+                        <m:den>
+                          <m:r>
+                            <a:rPr lang="en-US" i="1">
+                              <a:latin typeface="Cambria Math" panose="02040503050406030204" pitchFamily="18" charset="0"/>
+                            </a:rPr>
+                            <m:t>𝑁</m:t>
+                          </m:r>
+                        </m:den>
+                      </m:f>
+                      <m:nary>
+                        <m:naryPr>
+                          <m:chr m:val="∑"/>
+                          <m:limLoc m:val="undOvr"/>
+                          <m:grow m:val="on"/>
+                          <m:ctrlPr>
+                            <a:rPr lang="en-US" i="1">
+                              <a:latin typeface="Cambria Math" panose="02040503050406030204" pitchFamily="18" charset="0"/>
+                            </a:rPr>
+                          </m:ctrlPr>
+                        </m:naryPr>
+                        <m:sub>
+                          <m:r>
+                            <a:rPr lang="en-US" i="1">
+                              <a:latin typeface="Cambria Math" panose="02040503050406030204" pitchFamily="18" charset="0"/>
+                            </a:rPr>
+                            <m:t>𝑖</m:t>
+                          </m:r>
+                          <m:r>
+                            <a:rPr lang="en-US" i="1">
+                              <a:latin typeface="Cambria Math" panose="02040503050406030204" pitchFamily="18" charset="0"/>
+                            </a:rPr>
+                            <m:t>=</m:t>
+                          </m:r>
+                          <m:r>
+                            <a:rPr lang="en-US" i="1">
+                              <a:latin typeface="Cambria Math" panose="02040503050406030204" pitchFamily="18" charset="0"/>
+                            </a:rPr>
+                            <m:t>1</m:t>
+                          </m:r>
+                        </m:sub>
+                        <m:sup>
+                          <m:r>
+                            <a:rPr lang="en-US" i="1">
+                              <a:latin typeface="Cambria Math" panose="02040503050406030204" pitchFamily="18" charset="0"/>
+                            </a:rPr>
+                            <m:t>𝑁</m:t>
+                          </m:r>
+                        </m:sup>
+                        <m:e>
+                          <m:sSub>
+                            <m:sSubPr>
+                              <m:ctrlPr>
+                                <a:rPr lang="en-US" i="1">
+                                  <a:latin typeface="Cambria Math" panose="02040503050406030204" pitchFamily="18" charset="0"/>
+                                </a:rPr>
+                              </m:ctrlPr>
+                            </m:sSubPr>
+                            <m:e>
+                              <m:r>
+                                <m:rPr>
+                                  <m:nor/>
+                                </m:rPr>
+                                <a:rPr lang="en-US"/>
+                                <m:t>F</m:t>
+                              </m:r>
+                              <m:r>
+                                <m:rPr>
+                                  <m:nor/>
+                                </m:rPr>
+                                <a:rPr lang="en-US"/>
+                                <m:t>1</m:t>
+                              </m:r>
+                            </m:e>
+                            <m:sub>
+                              <m:r>
+                                <a:rPr lang="en-US" i="1">
+                                  <a:latin typeface="Cambria Math" panose="02040503050406030204" pitchFamily="18" charset="0"/>
+                                </a:rPr>
+                                <m:t>𝑖</m:t>
+                              </m:r>
+                            </m:sub>
+                          </m:sSub>
+                        </m:e>
+                      </m:nary>
+                    </m:oMath>
+                  </m:oMathPara>
+                </a14:m>
+                <a:endParaRPr lang="en-US" dirty="0"/>
+              </a:p>
+              <a:p>
+                <a:r>
+                  <a:rPr lang="en-US" dirty="0"/>
+                  <a:t> </a:t>
+                </a:r>
+              </a:p>
+              <a:p>
+                <a:pPr lvl="0"/>
+                <a:endParaRPr lang="en-US" dirty="0"/>
+              </a:p>
+              <a:p>
+                <a:pPr marL="342900" indent="-342900">
+                  <a:buFont typeface="Arial" panose="020B0604020202020204" pitchFamily="34" charset="0"/>
+                  <a:buChar char="•"/>
+                </a:pPr>
+                <a:endParaRPr lang="en-US" b="1" dirty="0"/>
+              </a:p>
+            </p:txBody>
+          </p:sp>
+        </mc:Choice>
+        <mc:Fallback>
+          <p:sp>
+            <p:nvSpPr>
+              <p:cNvPr id="8" name="Content Placeholder 2">
+                <a:extLst>
+                  <a:ext uri="{FF2B5EF4-FFF2-40B4-BE49-F238E27FC236}">
+                    <a16:creationId xmlns:a16="http://schemas.microsoft.com/office/drawing/2014/main" id="{E0922922-EC9C-7E02-C484-24D32E6ACE45}"/>
+                  </a:ext>
+                </a:extLst>
+              </p:cNvPr>
+              <p:cNvSpPr>
+                <a:spLocks noGrp="1" noRot="1" noChangeAspect="1" noMove="1" noResize="1" noEditPoints="1" noAdjustHandles="1" noChangeArrowheads="1" noChangeShapeType="1" noTextEdit="1"/>
+              </p:cNvSpPr>
+              <p:nvPr>
+                <p:ph idx="1"/>
+              </p:nvPr>
+            </p:nvSpPr>
+            <p:spPr>
+              <a:xfrm>
+                <a:off x="838200" y="1825625"/>
+                <a:ext cx="10515600" cy="4351338"/>
+              </a:xfrm>
+              <a:blipFill>
+                <a:blip r:embed="rId3"/>
+                <a:stretch>
+                  <a:fillRect l="-812" t="-1821" r="-870"/>
+                </a:stretch>
+              </a:blipFill>
+            </p:spPr>
+            <p:txBody>
+              <a:bodyPr/>
+              <a:lstStyle/>
+              <a:p>
+                <a:r>
+                  <a:rPr lang="en-US">
+                    <a:noFill/>
+                  </a:rPr>
+                  <a:t> </a:t>
+                </a:r>
+              </a:p>
+            </p:txBody>
+          </p:sp>
+        </mc:Fallback>
+      </mc:AlternateContent>
     </p:spTree>
     <p:extLst>
       <p:ext uri="{BB962C8B-B14F-4D97-AF65-F5344CB8AC3E}">
-        <p14:creationId xmlns:p14="http://schemas.microsoft.com/office/powerpoint/2010/main" val="761172681"/>
+        <p14:creationId xmlns:p14="http://schemas.microsoft.com/office/powerpoint/2010/main" val="3653601710"/>
       </p:ext>
     </p:extLst>
   </p:cSld>
@@ -39970,7 +42645,7 @@
         <p:cNvPr id="1" name="">
           <a:extLst>
             <a:ext uri="{FF2B5EF4-FFF2-40B4-BE49-F238E27FC236}">
-              <a16:creationId xmlns:a16="http://schemas.microsoft.com/office/drawing/2014/main" id="{DA2C9BD9-267C-DA7E-5C53-3523265BBE27}"/>
+              <a16:creationId xmlns:a16="http://schemas.microsoft.com/office/drawing/2014/main" id="{E821A057-A2D0-F604-E373-521794905EFA}"/>
             </a:ext>
           </a:extLst>
         </p:cNvPr>
@@ -39990,7 +42665,7 @@
           <p:cNvPr id="2" name="Title 1">
             <a:extLst>
               <a:ext uri="{FF2B5EF4-FFF2-40B4-BE49-F238E27FC236}">
-                <a16:creationId xmlns:a16="http://schemas.microsoft.com/office/drawing/2014/main" id="{BAA24890-0ED0-4E85-0564-8F1949F12DFD}"/>
+                <a16:creationId xmlns:a16="http://schemas.microsoft.com/office/drawing/2014/main" id="{C4D55D80-0C88-C2C7-358D-4C49F19E251A}"/>
               </a:ext>
             </a:extLst>
           </p:cNvPr>
@@ -40010,105 +42685,214 @@
           <a:p>
             <a:r>
               <a:rPr lang="en-US" sz="6000" dirty="0"/>
-              <a:t>3.1. UI Implementation</a:t>
+              <a:t>3.1. AI Model Implementation</a:t>
             </a:r>
           </a:p>
         </p:txBody>
       </p:sp>
-      <p:pic>
-        <p:nvPicPr>
-          <p:cNvPr id="11" name="Picture 10">
-            <a:extLst>
-              <a:ext uri="{FF2B5EF4-FFF2-40B4-BE49-F238E27FC236}">
-                <a16:creationId xmlns:a16="http://schemas.microsoft.com/office/drawing/2014/main" id="{F39772C4-FC63-794A-F104-90FF2F66BD60}"/>
-              </a:ext>
-            </a:extLst>
-          </p:cNvPr>
-          <p:cNvPicPr>
-            <a:picLocks noChangeAspect="1"/>
-          </p:cNvPicPr>
-          <p:nvPr/>
-        </p:nvPicPr>
-        <p:blipFill>
-          <a:blip r:embed="rId2"/>
-          <a:stretch>
-            <a:fillRect/>
-          </a:stretch>
-        </p:blipFill>
-        <p:spPr>
-          <a:xfrm>
-            <a:off x="7758859" y="1259432"/>
-            <a:ext cx="2429214" cy="5020376"/>
-          </a:xfrm>
-          <a:prstGeom prst="rect">
-            <a:avLst/>
-          </a:prstGeom>
-        </p:spPr>
-      </p:pic>
-      <p:pic>
-        <p:nvPicPr>
-          <p:cNvPr id="12" name="Picture 11">
-            <a:extLst>
-              <a:ext uri="{FF2B5EF4-FFF2-40B4-BE49-F238E27FC236}">
-                <a16:creationId xmlns:a16="http://schemas.microsoft.com/office/drawing/2014/main" id="{68FDF0AC-D880-3F08-9DAE-B9E97A785186}"/>
-              </a:ext>
-            </a:extLst>
-          </p:cNvPr>
-          <p:cNvPicPr>
-            <a:picLocks noChangeAspect="1"/>
-          </p:cNvPicPr>
-          <p:nvPr/>
-        </p:nvPicPr>
-        <p:blipFill>
-          <a:blip r:embed="rId3"/>
-          <a:stretch>
-            <a:fillRect/>
-          </a:stretch>
-        </p:blipFill>
-        <p:spPr>
-          <a:xfrm>
-            <a:off x="1975348" y="1225326"/>
-            <a:ext cx="2457793" cy="5048955"/>
-          </a:xfrm>
-          <a:prstGeom prst="rect">
-            <a:avLst/>
-          </a:prstGeom>
-        </p:spPr>
-      </p:pic>
-      <p:pic>
-        <p:nvPicPr>
-          <p:cNvPr id="13" name="Picture 12">
-            <a:extLst>
-              <a:ext uri="{FF2B5EF4-FFF2-40B4-BE49-F238E27FC236}">
-                <a16:creationId xmlns:a16="http://schemas.microsoft.com/office/drawing/2014/main" id="{A171769A-554D-0FD2-F5C2-BA4CBA2EE537}"/>
-              </a:ext>
-            </a:extLst>
-          </p:cNvPr>
-          <p:cNvPicPr>
-            <a:picLocks noChangeAspect="1"/>
-          </p:cNvPicPr>
-          <p:nvPr/>
-        </p:nvPicPr>
-        <p:blipFill>
-          <a:blip r:embed="rId4"/>
-          <a:stretch>
-            <a:fillRect/>
-          </a:stretch>
-        </p:blipFill>
-        <p:spPr>
-          <a:xfrm>
-            <a:off x="4848242" y="1258668"/>
-            <a:ext cx="2486372" cy="5039428"/>
-          </a:xfrm>
-          <a:prstGeom prst="rect">
-            <a:avLst/>
-          </a:prstGeom>
-        </p:spPr>
-      </p:pic>
+      <mc:AlternateContent xmlns:mc="http://schemas.openxmlformats.org/markup-compatibility/2006">
+        <mc:Choice xmlns:a14="http://schemas.microsoft.com/office/drawing/2010/main" Requires="a14">
+          <p:sp>
+            <p:nvSpPr>
+              <p:cNvPr id="8" name="Content Placeholder 2">
+                <a:extLst>
+                  <a:ext uri="{FF2B5EF4-FFF2-40B4-BE49-F238E27FC236}">
+                    <a16:creationId xmlns:a16="http://schemas.microsoft.com/office/drawing/2014/main" id="{21275CF9-FB40-198E-9565-2D033E9BCD84}"/>
+                  </a:ext>
+                </a:extLst>
+              </p:cNvPr>
+              <p:cNvSpPr>
+                <a:spLocks noGrp="1"/>
+              </p:cNvSpPr>
+              <p:nvPr>
+                <p:ph idx="1"/>
+              </p:nvPr>
+            </p:nvSpPr>
+            <p:spPr>
+              <a:xfrm>
+                <a:off x="838200" y="1825625"/>
+                <a:ext cx="10515600" cy="4351338"/>
+              </a:xfrm>
+            </p:spPr>
+            <p:txBody>
+              <a:bodyPr>
+                <a:normAutofit/>
+              </a:bodyPr>
+              <a:lstStyle/>
+              <a:p>
+                <a:pPr marL="342900" indent="-342900">
+                  <a:buFont typeface="Arial" panose="020B0604020202020204" pitchFamily="34" charset="0"/>
+                  <a:buChar char="•"/>
+                </a:pPr>
+                <a:r>
+                  <a:rPr lang="en-US" b="1" dirty="0"/>
+                  <a:t>Macro-Averaged AUC : </a:t>
+                </a:r>
+                <a:r>
+                  <a:rPr lang="en-US" dirty="0"/>
+                  <a:t>OC–AUC is computed independently for each class using a one-vs-rest strategy and then averaged equally across all classes. This ensures fair per-class evaluation in a balanced 80-class dataset.</a:t>
+                </a:r>
+              </a:p>
+              <a:p>
+                <a14:m>
+                  <m:oMathPara xmlns:m="http://schemas.openxmlformats.org/officeDocument/2006/math">
+                    <m:oMathParaPr>
+                      <m:jc m:val="centerGroup"/>
+                    </m:oMathParaPr>
+                    <m:oMath xmlns:m="http://schemas.openxmlformats.org/officeDocument/2006/math">
+                      <m:r>
+                        <m:rPr>
+                          <m:nor/>
+                        </m:rPr>
+                        <a:rPr lang="en-US"/>
+                        <m:t>Macro</m:t>
+                      </m:r>
+                      <m:r>
+                        <m:rPr>
+                          <m:nor/>
+                        </m:rPr>
+                        <a:rPr lang="en-US" b="0" i="0" smtClean="0"/>
+                        <m:t>-</m:t>
+                      </m:r>
+                      <m:r>
+                        <m:rPr>
+                          <m:nor/>
+                        </m:rPr>
+                        <a:rPr lang="en-US"/>
+                        <m:t>AUC</m:t>
+                      </m:r>
+                      <m:r>
+                        <a:rPr lang="en-US"/>
+                        <m:t>=</m:t>
+                      </m:r>
+                      <m:f>
+                        <m:fPr>
+                          <m:ctrlPr>
+                            <a:rPr lang="ar-AE" i="1"/>
+                          </m:ctrlPr>
+                        </m:fPr>
+                        <m:num>
+                          <m:r>
+                            <a:rPr lang="ar-AE"/>
+                            <m:t>1</m:t>
+                          </m:r>
+                        </m:num>
+                        <m:den>
+                          <m:r>
+                            <a:rPr lang="ar-AE" i="1"/>
+                            <m:t>𝑁</m:t>
+                          </m:r>
+                        </m:den>
+                      </m:f>
+                      <m:nary>
+                        <m:naryPr>
+                          <m:chr m:val="∑"/>
+                          <m:grow m:val="on"/>
+                          <m:ctrlPr>
+                            <a:rPr lang="ar-AE" i="1"/>
+                          </m:ctrlPr>
+                        </m:naryPr>
+                        <m:sub>
+                          <m:r>
+                            <a:rPr lang="ar-AE" i="1"/>
+                            <m:t>𝑖</m:t>
+                          </m:r>
+                          <m:r>
+                            <a:rPr lang="ar-AE"/>
+                            <m:t>=</m:t>
+                          </m:r>
+                          <m:r>
+                            <a:rPr lang="ar-AE"/>
+                            <m:t>1</m:t>
+                          </m:r>
+                        </m:sub>
+                        <m:sup>
+                          <m:r>
+                            <a:rPr lang="ar-AE" i="1"/>
+                            <m:t>𝑁</m:t>
+                          </m:r>
+                        </m:sup>
+                        <m:e>
+                          <m:sSub>
+                            <m:sSubPr>
+                              <m:ctrlPr>
+                                <a:rPr lang="ar-AE" i="1"/>
+                              </m:ctrlPr>
+                            </m:sSubPr>
+                            <m:e>
+                              <m:r>
+                                <m:rPr>
+                                  <m:nor/>
+                                </m:rPr>
+                                <a:rPr lang="en-US" i="1"/>
+                                <m:t>AUC</m:t>
+                              </m:r>
+                            </m:e>
+                            <m:sub>
+                              <m:r>
+                                <a:rPr lang="ar-AE" i="1"/>
+                                <m:t>𝑖</m:t>
+                              </m:r>
+                            </m:sub>
+                          </m:sSub>
+                        </m:e>
+                      </m:nary>
+                    </m:oMath>
+                  </m:oMathPara>
+                </a14:m>
+                <a:endParaRPr lang="ar-AE" dirty="0"/>
+              </a:p>
+            </p:txBody>
+          </p:sp>
+        </mc:Choice>
+        <mc:Fallback>
+          <p:sp>
+            <p:nvSpPr>
+              <p:cNvPr id="8" name="Content Placeholder 2">
+                <a:extLst>
+                  <a:ext uri="{FF2B5EF4-FFF2-40B4-BE49-F238E27FC236}">
+                    <a16:creationId xmlns:a16="http://schemas.microsoft.com/office/drawing/2014/main" id="{21275CF9-FB40-198E-9565-2D033E9BCD84}"/>
+                  </a:ext>
+                </a:extLst>
+              </p:cNvPr>
+              <p:cNvSpPr>
+                <a:spLocks noGrp="1" noRot="1" noChangeAspect="1" noMove="1" noResize="1" noEditPoints="1" noAdjustHandles="1" noChangeArrowheads="1" noChangeShapeType="1" noTextEdit="1"/>
+              </p:cNvSpPr>
+              <p:nvPr>
+                <p:ph idx="1"/>
+              </p:nvPr>
+            </p:nvSpPr>
+            <p:spPr>
+              <a:xfrm>
+                <a:off x="838200" y="1825625"/>
+                <a:ext cx="10515600" cy="4351338"/>
+              </a:xfrm>
+              <a:blipFill>
+                <a:blip r:embed="rId3"/>
+                <a:stretch>
+                  <a:fillRect l="-812" t="-980" r="-870"/>
+                </a:stretch>
+              </a:blipFill>
+            </p:spPr>
+            <p:txBody>
+              <a:bodyPr/>
+              <a:lstStyle/>
+              <a:p>
+                <a:r>
+                  <a:rPr lang="en-US">
+                    <a:noFill/>
+                  </a:rPr>
+                  <a:t> </a:t>
+                </a:r>
+              </a:p>
+            </p:txBody>
+          </p:sp>
+        </mc:Fallback>
+      </mc:AlternateContent>
     </p:spTree>
     <p:extLst>
       <p:ext uri="{BB962C8B-B14F-4D97-AF65-F5344CB8AC3E}">
-        <p14:creationId xmlns:p14="http://schemas.microsoft.com/office/powerpoint/2010/main" val="271574081"/>
+        <p14:creationId xmlns:p14="http://schemas.microsoft.com/office/powerpoint/2010/main" val="2503805929"/>
       </p:ext>
     </p:extLst>
   </p:cSld>
@@ -40119,267 +42903,6 @@
 </file>
 
 <file path=ppt/slides/slide21.xml><?xml version="1.0" encoding="utf-8"?>
-<p:sld xmlns:a="http://schemas.openxmlformats.org/drawingml/2006/main" xmlns:r="http://schemas.openxmlformats.org/officeDocument/2006/relationships" xmlns:p="http://schemas.openxmlformats.org/presentationml/2006/main">
-  <p:cSld>
-    <p:spTree>
-      <p:nvGrpSpPr>
-        <p:cNvPr id="1" name="">
-          <a:extLst>
-            <a:ext uri="{FF2B5EF4-FFF2-40B4-BE49-F238E27FC236}">
-              <a16:creationId xmlns:a16="http://schemas.microsoft.com/office/drawing/2014/main" id="{0D9C7BBF-041F-B164-21EC-805ED609C8E5}"/>
-            </a:ext>
-          </a:extLst>
-        </p:cNvPr>
-        <p:cNvGrpSpPr/>
-        <p:nvPr/>
-      </p:nvGrpSpPr>
-      <p:grpSpPr>
-        <a:xfrm>
-          <a:off x="0" y="0"/>
-          <a:ext cx="0" cy="0"/>
-          <a:chOff x="0" y="0"/>
-          <a:chExt cx="0" cy="0"/>
-        </a:xfrm>
-      </p:grpSpPr>
-      <p:sp>
-        <p:nvSpPr>
-          <p:cNvPr id="2" name="Title 1">
-            <a:extLst>
-              <a:ext uri="{FF2B5EF4-FFF2-40B4-BE49-F238E27FC236}">
-                <a16:creationId xmlns:a16="http://schemas.microsoft.com/office/drawing/2014/main" id="{5EA222E7-0D11-564D-7DD9-D6EECB72408C}"/>
-              </a:ext>
-            </a:extLst>
-          </p:cNvPr>
-          <p:cNvSpPr>
-            <a:spLocks noGrp="1"/>
-          </p:cNvSpPr>
-          <p:nvPr>
-            <p:ph type="title"/>
-          </p:nvPr>
-        </p:nvSpPr>
-        <p:spPr/>
-        <p:txBody>
-          <a:bodyPr>
-            <a:normAutofit/>
-          </a:bodyPr>
-          <a:lstStyle/>
-          <a:p>
-            <a:r>
-              <a:rPr lang="en-US" sz="6000" dirty="0"/>
-              <a:t>3.1. UI Implementation</a:t>
-            </a:r>
-          </a:p>
-        </p:txBody>
-      </p:sp>
-      <p:pic>
-        <p:nvPicPr>
-          <p:cNvPr id="15" name="Picture 14">
-            <a:extLst>
-              <a:ext uri="{FF2B5EF4-FFF2-40B4-BE49-F238E27FC236}">
-                <a16:creationId xmlns:a16="http://schemas.microsoft.com/office/drawing/2014/main" id="{B3F73263-F735-26F2-EAE5-569160DBAEB8}"/>
-              </a:ext>
-            </a:extLst>
-          </p:cNvPr>
-          <p:cNvPicPr>
-            <a:picLocks noChangeAspect="1"/>
-          </p:cNvPicPr>
-          <p:nvPr/>
-        </p:nvPicPr>
-        <p:blipFill>
-          <a:blip r:embed="rId2"/>
-          <a:stretch>
-            <a:fillRect/>
-          </a:stretch>
-        </p:blipFill>
-        <p:spPr>
-          <a:xfrm>
-            <a:off x="1965822" y="1244378"/>
-            <a:ext cx="2467319" cy="5010849"/>
-          </a:xfrm>
-          <a:prstGeom prst="rect">
-            <a:avLst/>
-          </a:prstGeom>
-        </p:spPr>
-      </p:pic>
-      <p:pic>
-        <p:nvPicPr>
-          <p:cNvPr id="19" name="Picture 18">
-            <a:extLst>
-              <a:ext uri="{FF2B5EF4-FFF2-40B4-BE49-F238E27FC236}">
-                <a16:creationId xmlns:a16="http://schemas.microsoft.com/office/drawing/2014/main" id="{5656FAC5-4E35-E7EF-7F38-C3D57A6555E9}"/>
-              </a:ext>
-            </a:extLst>
-          </p:cNvPr>
-          <p:cNvPicPr>
-            <a:picLocks noChangeAspect="1"/>
-          </p:cNvPicPr>
-          <p:nvPr/>
-        </p:nvPicPr>
-        <p:blipFill>
-          <a:blip r:embed="rId3"/>
-          <a:stretch>
-            <a:fillRect/>
-          </a:stretch>
-        </p:blipFill>
-        <p:spPr>
-          <a:xfrm>
-            <a:off x="4848242" y="1268194"/>
-            <a:ext cx="2514951" cy="5039428"/>
-          </a:xfrm>
-          <a:prstGeom prst="rect">
-            <a:avLst/>
-          </a:prstGeom>
-        </p:spPr>
-      </p:pic>
-      <p:pic>
-        <p:nvPicPr>
-          <p:cNvPr id="7" name="Picture 6">
-            <a:extLst>
-              <a:ext uri="{FF2B5EF4-FFF2-40B4-BE49-F238E27FC236}">
-                <a16:creationId xmlns:a16="http://schemas.microsoft.com/office/drawing/2014/main" id="{023F5F15-323A-9242-BF3A-0424041F7CF9}"/>
-              </a:ext>
-            </a:extLst>
-          </p:cNvPr>
-          <p:cNvPicPr>
-            <a:picLocks noChangeAspect="1"/>
-          </p:cNvPicPr>
-          <p:nvPr/>
-        </p:nvPicPr>
-        <p:blipFill>
-          <a:blip r:embed="rId4"/>
-          <a:stretch>
-            <a:fillRect/>
-          </a:stretch>
-        </p:blipFill>
-        <p:spPr>
-          <a:xfrm>
-            <a:off x="7778294" y="1234851"/>
-            <a:ext cx="2505425" cy="5020376"/>
-          </a:xfrm>
-          <a:prstGeom prst="rect">
-            <a:avLst/>
-          </a:prstGeom>
-        </p:spPr>
-      </p:pic>
-    </p:spTree>
-    <p:extLst>
-      <p:ext uri="{BB962C8B-B14F-4D97-AF65-F5344CB8AC3E}">
-        <p14:creationId xmlns:p14="http://schemas.microsoft.com/office/powerpoint/2010/main" val="3294740728"/>
-      </p:ext>
-    </p:extLst>
-  </p:cSld>
-  <p:clrMapOvr>
-    <a:masterClrMapping/>
-  </p:clrMapOvr>
-</p:sld>
-</file>
-
-<file path=ppt/slides/slide22.xml><?xml version="1.0" encoding="utf-8"?>
-<p:sld xmlns:a="http://schemas.openxmlformats.org/drawingml/2006/main" xmlns:r="http://schemas.openxmlformats.org/officeDocument/2006/relationships" xmlns:p="http://schemas.openxmlformats.org/presentationml/2006/main">
-  <p:cSld>
-    <p:spTree>
-      <p:nvGrpSpPr>
-        <p:cNvPr id="1" name="">
-          <a:extLst>
-            <a:ext uri="{FF2B5EF4-FFF2-40B4-BE49-F238E27FC236}">
-              <a16:creationId xmlns:a16="http://schemas.microsoft.com/office/drawing/2014/main" id="{7F075359-346D-3DD0-1733-095C883815AB}"/>
-            </a:ext>
-          </a:extLst>
-        </p:cNvPr>
-        <p:cNvGrpSpPr/>
-        <p:nvPr/>
-      </p:nvGrpSpPr>
-      <p:grpSpPr>
-        <a:xfrm>
-          <a:off x="0" y="0"/>
-          <a:ext cx="0" cy="0"/>
-          <a:chOff x="0" y="0"/>
-          <a:chExt cx="0" cy="0"/>
-        </a:xfrm>
-      </p:grpSpPr>
-      <p:sp>
-        <p:nvSpPr>
-          <p:cNvPr id="2" name="Title 1">
-            <a:extLst>
-              <a:ext uri="{FF2B5EF4-FFF2-40B4-BE49-F238E27FC236}">
-                <a16:creationId xmlns:a16="http://schemas.microsoft.com/office/drawing/2014/main" id="{31663877-45FE-0949-5D12-36B2B3D8268C}"/>
-              </a:ext>
-            </a:extLst>
-          </p:cNvPr>
-          <p:cNvSpPr>
-            <a:spLocks noGrp="1"/>
-          </p:cNvSpPr>
-          <p:nvPr>
-            <p:ph type="title"/>
-          </p:nvPr>
-        </p:nvSpPr>
-        <p:spPr/>
-        <p:txBody>
-          <a:bodyPr>
-            <a:normAutofit/>
-          </a:bodyPr>
-          <a:lstStyle/>
-          <a:p>
-            <a:r>
-              <a:rPr lang="en-US" sz="6000" dirty="0"/>
-              <a:t>3.2. AI Model Implementation</a:t>
-            </a:r>
-          </a:p>
-        </p:txBody>
-      </p:sp>
-      <p:sp>
-        <p:nvSpPr>
-          <p:cNvPr id="8" name="Content Placeholder 2">
-            <a:extLst>
-              <a:ext uri="{FF2B5EF4-FFF2-40B4-BE49-F238E27FC236}">
-                <a16:creationId xmlns:a16="http://schemas.microsoft.com/office/drawing/2014/main" id="{64E3210F-AB6D-5806-58C3-EE7522CBE85F}"/>
-              </a:ext>
-            </a:extLst>
-          </p:cNvPr>
-          <p:cNvSpPr>
-            <a:spLocks noGrp="1"/>
-          </p:cNvSpPr>
-          <p:nvPr>
-            <p:ph idx="1"/>
-          </p:nvPr>
-        </p:nvSpPr>
-        <p:spPr>
-          <a:xfrm>
-            <a:off x="838200" y="1825625"/>
-            <a:ext cx="10515600" cy="4351338"/>
-          </a:xfrm>
-        </p:spPr>
-        <p:txBody>
-          <a:bodyPr>
-            <a:normAutofit/>
-          </a:bodyPr>
-          <a:lstStyle/>
-          <a:p>
-            <a:pPr marL="342900" indent="-342900">
-              <a:buFont typeface="Arial" panose="020B0604020202020204" pitchFamily="34" charset="0"/>
-              <a:buChar char="•"/>
-            </a:pPr>
-            <a:r>
-              <a:rPr lang="en-US" b="1" dirty="0"/>
-              <a:t>FUCK I FORGOT TO ADD THE METRIC I FORGOT TO ADD THE METRIC TO MEASURE THIS FUCKING GARBAGE</a:t>
-            </a:r>
-          </a:p>
-        </p:txBody>
-      </p:sp>
-    </p:spTree>
-    <p:extLst>
-      <p:ext uri="{BB962C8B-B14F-4D97-AF65-F5344CB8AC3E}">
-        <p14:creationId xmlns:p14="http://schemas.microsoft.com/office/powerpoint/2010/main" val="2889026395"/>
-      </p:ext>
-    </p:extLst>
-  </p:cSld>
-  <p:clrMapOvr>
-    <a:masterClrMapping/>
-  </p:clrMapOvr>
-</p:sld>
-</file>
-
-<file path=ppt/slides/slide23.xml><?xml version="1.0" encoding="utf-8"?>
 <p:sld xmlns:a="http://schemas.openxmlformats.org/drawingml/2006/main" xmlns:r="http://schemas.openxmlformats.org/officeDocument/2006/relationships" xmlns:p="http://schemas.openxmlformats.org/presentationml/2006/main">
   <p:cSld>
     <p:spTree>
@@ -40427,7 +42950,7 @@
           <a:p>
             <a:r>
               <a:rPr lang="en-US" sz="6000" dirty="0"/>
-              <a:t>3.2. AI Model Implementation</a:t>
+              <a:t>3.1. AI Model Implementation</a:t>
             </a:r>
           </a:p>
         </p:txBody>
@@ -40447,7 +42970,7 @@
           <p:nvPr>
             <p:extLst>
               <p:ext uri="{D42A27DB-BD31-4B8C-83A1-F6EECF244321}">
-                <p14:modId xmlns:p14="http://schemas.microsoft.com/office/powerpoint/2010/main" val="753420185"/>
+                <p14:modId xmlns:p14="http://schemas.microsoft.com/office/powerpoint/2010/main" val="3358663287"/>
               </p:ext>
             </p:extLst>
           </p:nvPr>
@@ -40532,12 +43055,12 @@
                         <a:buNone/>
                       </a:pPr>
                       <a:r>
-                        <a:rPr lang="en-US" sz="1800">
+                        <a:rPr lang="en-US" sz="1800" dirty="0">
                           <a:effectLst/>
                         </a:rPr>
                         <a:t>Macro-Averaged Precision</a:t>
                       </a:r>
-                      <a:endParaRPr lang="en-US" sz="1800">
+                      <a:endParaRPr lang="en-US" sz="1800" dirty="0">
                         <a:effectLst/>
                         <a:latin typeface="Times New Roman" panose="02020603050405020304" pitchFamily="18" charset="0"/>
                         <a:ea typeface="Times New Roman" panose="02020603050405020304" pitchFamily="18" charset="0"/>
@@ -40656,11 +43179,17 @@
                       <a:r>
                         <a:rPr lang="en-US" sz="1800" dirty="0">
                           <a:effectLst/>
+                          <a:highlight>
+                            <a:srgbClr val="FFFF00"/>
+                          </a:highlight>
                         </a:rPr>
                         <a:t>0.89</a:t>
                       </a:r>
                       <a:endParaRPr lang="en-US" sz="1800" dirty="0">
                         <a:effectLst/>
+                        <a:highlight>
+                          <a:srgbClr val="FFFF00"/>
+                        </a:highlight>
                         <a:latin typeface="Times New Roman" panose="02020603050405020304" pitchFamily="18" charset="0"/>
                         <a:ea typeface="Times New Roman" panose="02020603050405020304" pitchFamily="18" charset="0"/>
                       </a:endParaRPr>
@@ -40677,13 +43206,19 @@
                         <a:buNone/>
                       </a:pPr>
                       <a:r>
-                        <a:rPr lang="en-US" sz="1800">
+                        <a:rPr lang="en-US" sz="1800" dirty="0">
                           <a:effectLst/>
+                          <a:highlight>
+                            <a:srgbClr val="FFFF00"/>
+                          </a:highlight>
                         </a:rPr>
                         <a:t>0.88</a:t>
                       </a:r>
-                      <a:endParaRPr lang="en-US" sz="1800">
+                      <a:endParaRPr lang="en-US" sz="1800" dirty="0">
                         <a:effectLst/>
+                        <a:highlight>
+                          <a:srgbClr val="FFFF00"/>
+                        </a:highlight>
                         <a:latin typeface="Times New Roman" panose="02020603050405020304" pitchFamily="18" charset="0"/>
                         <a:ea typeface="Times New Roman" panose="02020603050405020304" pitchFamily="18" charset="0"/>
                       </a:endParaRPr>
@@ -40700,13 +43235,19 @@
                         <a:buNone/>
                       </a:pPr>
                       <a:r>
-                        <a:rPr lang="en-US" sz="1800">
+                        <a:rPr lang="en-US" sz="1800" dirty="0">
                           <a:effectLst/>
+                          <a:highlight>
+                            <a:srgbClr val="FFFF00"/>
+                          </a:highlight>
                         </a:rPr>
                         <a:t>0.88</a:t>
                       </a:r>
-                      <a:endParaRPr lang="en-US" sz="1800">
+                      <a:endParaRPr lang="en-US" sz="1800" dirty="0">
                         <a:effectLst/>
+                        <a:highlight>
+                          <a:srgbClr val="FFFF00"/>
+                        </a:highlight>
                         <a:latin typeface="Times New Roman" panose="02020603050405020304" pitchFamily="18" charset="0"/>
                         <a:ea typeface="Times New Roman" panose="02020603050405020304" pitchFamily="18" charset="0"/>
                       </a:endParaRPr>
@@ -40723,13 +43264,19 @@
                         <a:buNone/>
                       </a:pPr>
                       <a:r>
-                        <a:rPr lang="en-US" sz="1800">
+                        <a:rPr lang="en-US" sz="1800" dirty="0">
                           <a:effectLst/>
+                          <a:highlight>
+                            <a:srgbClr val="FFFF00"/>
+                          </a:highlight>
                         </a:rPr>
                         <a:t>0.998</a:t>
                       </a:r>
-                      <a:endParaRPr lang="en-US" sz="1800">
+                      <a:endParaRPr lang="en-US" sz="1800" dirty="0">
                         <a:effectLst/>
+                        <a:highlight>
+                          <a:srgbClr val="FFFF00"/>
+                        </a:highlight>
                         <a:latin typeface="Times New Roman" panose="02020603050405020304" pitchFamily="18" charset="0"/>
                         <a:ea typeface="Times New Roman" panose="02020603050405020304" pitchFamily="18" charset="0"/>
                       </a:endParaRPr>
@@ -40776,12 +43323,12 @@
                         <a:buNone/>
                       </a:pPr>
                       <a:r>
-                        <a:rPr lang="en-US" sz="1800">
+                        <a:rPr lang="en-US" sz="1800" dirty="0">
                           <a:effectLst/>
                         </a:rPr>
                         <a:t>0.85</a:t>
                       </a:r>
-                      <a:endParaRPr lang="en-US" sz="1800">
+                      <a:endParaRPr lang="en-US" sz="1800" dirty="0">
                         <a:effectLst/>
                         <a:latin typeface="Times New Roman" panose="02020603050405020304" pitchFamily="18" charset="0"/>
                         <a:ea typeface="Times New Roman" panose="02020603050405020304" pitchFamily="18" charset="0"/>
@@ -40921,12 +43468,12 @@
                         <a:buNone/>
                       </a:pPr>
                       <a:r>
-                        <a:rPr lang="en-US" sz="1800">
+                        <a:rPr lang="en-US" sz="1800" dirty="0">
                           <a:effectLst/>
                         </a:rPr>
                         <a:t>0.83</a:t>
                       </a:r>
-                      <a:endParaRPr lang="en-US" sz="1800">
+                      <a:endParaRPr lang="en-US" sz="1800" dirty="0">
                         <a:effectLst/>
                         <a:latin typeface="Times New Roman" panose="02020603050405020304" pitchFamily="18" charset="0"/>
                         <a:ea typeface="Times New Roman" panose="02020603050405020304" pitchFamily="18" charset="0"/>
@@ -40997,12 +43544,12 @@
                         <a:buNone/>
                       </a:pPr>
                       <a:r>
-                        <a:rPr lang="en-US" sz="1800">
+                        <a:rPr lang="en-US" sz="1800" dirty="0">
                           <a:effectLst/>
                         </a:rPr>
                         <a:t>MobileNetV3</a:t>
                       </a:r>
-                      <a:endParaRPr lang="en-US" sz="1800">
+                      <a:endParaRPr lang="en-US" sz="1800" dirty="0">
                         <a:effectLst/>
                         <a:latin typeface="Times New Roman" panose="02020603050405020304" pitchFamily="18" charset="0"/>
                         <a:ea typeface="Times New Roman" panose="02020603050405020304" pitchFamily="18" charset="0"/>
@@ -41066,12 +43613,12 @@
                         <a:buNone/>
                       </a:pPr>
                       <a:r>
-                        <a:rPr lang="en-US" sz="1800">
+                        <a:rPr lang="en-US" sz="1800" dirty="0">
                           <a:effectLst/>
                         </a:rPr>
                         <a:t>0.82</a:t>
                       </a:r>
-                      <a:endParaRPr lang="en-US" sz="1800">
+                      <a:endParaRPr lang="en-US" sz="1800" dirty="0">
                         <a:effectLst/>
                         <a:latin typeface="Times New Roman" panose="02020603050405020304" pitchFamily="18" charset="0"/>
                         <a:ea typeface="Times New Roman" panose="02020603050405020304" pitchFamily="18" charset="0"/>
@@ -41126,7 +43673,7 @@
 </p:sld>
 </file>
 
-<file path=ppt/slides/slide24.xml><?xml version="1.0" encoding="utf-8"?>
+<file path=ppt/slides/slide22.xml><?xml version="1.0" encoding="utf-8"?>
 <p:sld xmlns:a="http://schemas.openxmlformats.org/drawingml/2006/main" xmlns:r="http://schemas.openxmlformats.org/officeDocument/2006/relationships" xmlns:p="http://schemas.openxmlformats.org/presentationml/2006/main">
   <p:cSld>
     <p:spTree>
@@ -41174,7 +43721,7 @@
           <a:p>
             <a:r>
               <a:rPr lang="en-US" sz="6000" dirty="0"/>
-              <a:t>3.2. AI Model Implementation</a:t>
+              <a:t>3.1. AI Model Implementation</a:t>
             </a:r>
           </a:p>
         </p:txBody>
@@ -41194,36 +43741,6 @@
           <p:nvPr/>
         </p:nvPicPr>
         <p:blipFill>
-          <a:blip r:embed="rId2"/>
-          <a:stretch>
-            <a:fillRect/>
-          </a:stretch>
-        </p:blipFill>
-        <p:spPr>
-          <a:xfrm>
-            <a:off x="6341313" y="1618932"/>
-            <a:ext cx="5249723" cy="4043070"/>
-          </a:xfrm>
-          <a:prstGeom prst="rect">
-            <a:avLst/>
-          </a:prstGeom>
-        </p:spPr>
-      </p:pic>
-      <p:pic>
-        <p:nvPicPr>
-          <p:cNvPr id="3" name="Picture 2">
-            <a:extLst>
-              <a:ext uri="{FF2B5EF4-FFF2-40B4-BE49-F238E27FC236}">
-                <a16:creationId xmlns:a16="http://schemas.microsoft.com/office/drawing/2014/main" id="{FDB71698-2F97-9ADC-8FA2-A833C9E8D7C2}"/>
-              </a:ext>
-            </a:extLst>
-          </p:cNvPr>
-          <p:cNvPicPr>
-            <a:picLocks noChangeAspect="1"/>
-          </p:cNvPicPr>
-          <p:nvPr/>
-        </p:nvPicPr>
-        <p:blipFill>
           <a:blip r:embed="rId3"/>
           <a:stretch>
             <a:fillRect/>
@@ -41231,8 +43748,8 @@
         </p:blipFill>
         <p:spPr>
           <a:xfrm>
-            <a:off x="600964" y="1618932"/>
-            <a:ext cx="5196206" cy="4043070"/>
+            <a:off x="2914842" y="1335903"/>
+            <a:ext cx="6362315" cy="4899932"/>
           </a:xfrm>
           <a:prstGeom prst="rect">
             <a:avLst/>
@@ -41252,7 +43769,7 @@
 </p:sld>
 </file>
 
-<file path=ppt/slides/slide25.xml><?xml version="1.0" encoding="utf-8"?>
+<file path=ppt/slides/slide23.xml><?xml version="1.0" encoding="utf-8"?>
 <p:sld xmlns:a="http://schemas.openxmlformats.org/drawingml/2006/main" xmlns:r="http://schemas.openxmlformats.org/officeDocument/2006/relationships" xmlns:p="http://schemas.openxmlformats.org/presentationml/2006/main">
   <p:cSld>
     <p:spTree>
@@ -41300,7 +43817,7 @@
           <a:p>
             <a:r>
               <a:rPr lang="en-US" sz="6000" dirty="0"/>
-              <a:t>3.2. AI Model Implementation</a:t>
+              <a:t>3.1. AI Model Implementation</a:t>
             </a:r>
           </a:p>
         </p:txBody>
@@ -41320,7 +43837,7 @@
           <p:nvPr/>
         </p:nvPicPr>
         <p:blipFill>
-          <a:blip r:embed="rId2"/>
+          <a:blip r:embed="rId3"/>
           <a:stretch>
             <a:fillRect/>
           </a:stretch>
@@ -41348,7 +43865,661 @@
 </p:sld>
 </file>
 
+<file path=ppt/slides/slide24.xml><?xml version="1.0" encoding="utf-8"?>
+<p:sld xmlns:a="http://schemas.openxmlformats.org/drawingml/2006/main" xmlns:r="http://schemas.openxmlformats.org/officeDocument/2006/relationships" xmlns:p="http://schemas.openxmlformats.org/presentationml/2006/main">
+  <p:cSld>
+    <p:spTree>
+      <p:nvGrpSpPr>
+        <p:cNvPr id="1" name="">
+          <a:extLst>
+            <a:ext uri="{FF2B5EF4-FFF2-40B4-BE49-F238E27FC236}">
+              <a16:creationId xmlns:a16="http://schemas.microsoft.com/office/drawing/2014/main" id="{DC0A3830-8E7C-D348-499E-411624CFAD31}"/>
+            </a:ext>
+          </a:extLst>
+        </p:cNvPr>
+        <p:cNvGrpSpPr/>
+        <p:nvPr/>
+      </p:nvGrpSpPr>
+      <p:grpSpPr>
+        <a:xfrm>
+          <a:off x="0" y="0"/>
+          <a:ext cx="0" cy="0"/>
+          <a:chOff x="0" y="0"/>
+          <a:chExt cx="0" cy="0"/>
+        </a:xfrm>
+      </p:grpSpPr>
+      <p:sp>
+        <p:nvSpPr>
+          <p:cNvPr id="2" name="Title 1">
+            <a:extLst>
+              <a:ext uri="{FF2B5EF4-FFF2-40B4-BE49-F238E27FC236}">
+                <a16:creationId xmlns:a16="http://schemas.microsoft.com/office/drawing/2014/main" id="{60B4D61C-15EB-BD3C-BA05-92C1D2606919}"/>
+              </a:ext>
+            </a:extLst>
+          </p:cNvPr>
+          <p:cNvSpPr>
+            <a:spLocks noGrp="1"/>
+          </p:cNvSpPr>
+          <p:nvPr>
+            <p:ph type="title"/>
+          </p:nvPr>
+        </p:nvSpPr>
+        <p:spPr/>
+        <p:txBody>
+          <a:bodyPr>
+            <a:normAutofit/>
+          </a:bodyPr>
+          <a:lstStyle/>
+          <a:p>
+            <a:r>
+              <a:rPr lang="en-US" sz="6000" dirty="0"/>
+              <a:t>3.2. UI Implementation</a:t>
+            </a:r>
+          </a:p>
+        </p:txBody>
+      </p:sp>
+      <p:pic>
+        <p:nvPicPr>
+          <p:cNvPr id="5" name="Picture 4">
+            <a:extLst>
+              <a:ext uri="{FF2B5EF4-FFF2-40B4-BE49-F238E27FC236}">
+                <a16:creationId xmlns:a16="http://schemas.microsoft.com/office/drawing/2014/main" id="{F39B73E7-E328-EC9A-AFA5-63970123C6A6}"/>
+              </a:ext>
+            </a:extLst>
+          </p:cNvPr>
+          <p:cNvPicPr>
+            <a:picLocks noChangeAspect="1"/>
+          </p:cNvPicPr>
+          <p:nvPr/>
+        </p:nvPicPr>
+        <p:blipFill>
+          <a:blip r:embed="rId3"/>
+          <a:stretch>
+            <a:fillRect/>
+          </a:stretch>
+        </p:blipFill>
+        <p:spPr>
+          <a:xfrm>
+            <a:off x="512691" y="1253905"/>
+            <a:ext cx="2438740" cy="5010849"/>
+          </a:xfrm>
+          <a:prstGeom prst="rect">
+            <a:avLst/>
+          </a:prstGeom>
+        </p:spPr>
+      </p:pic>
+      <p:pic>
+        <p:nvPicPr>
+          <p:cNvPr id="10" name="Picture 9">
+            <a:extLst>
+              <a:ext uri="{FF2B5EF4-FFF2-40B4-BE49-F238E27FC236}">
+                <a16:creationId xmlns:a16="http://schemas.microsoft.com/office/drawing/2014/main" id="{013E5F31-9636-5700-8C62-BB8C34DA4FAB}"/>
+              </a:ext>
+            </a:extLst>
+          </p:cNvPr>
+          <p:cNvPicPr>
+            <a:picLocks noChangeAspect="1"/>
+          </p:cNvPicPr>
+          <p:nvPr/>
+        </p:nvPicPr>
+        <p:blipFill>
+          <a:blip r:embed="rId4"/>
+          <a:stretch>
+            <a:fillRect/>
+          </a:stretch>
+        </p:blipFill>
+        <p:spPr>
+          <a:xfrm>
+            <a:off x="3368380" y="1206274"/>
+            <a:ext cx="2514879" cy="5068007"/>
+          </a:xfrm>
+          <a:prstGeom prst="rect">
+            <a:avLst/>
+          </a:prstGeom>
+        </p:spPr>
+      </p:pic>
+      <p:pic>
+        <p:nvPicPr>
+          <p:cNvPr id="12" name="Picture 11">
+            <a:extLst>
+              <a:ext uri="{FF2B5EF4-FFF2-40B4-BE49-F238E27FC236}">
+                <a16:creationId xmlns:a16="http://schemas.microsoft.com/office/drawing/2014/main" id="{E44DAB63-94CC-519F-80FE-82A4CD5C9493}"/>
+              </a:ext>
+            </a:extLst>
+          </p:cNvPr>
+          <p:cNvPicPr>
+            <a:picLocks noChangeAspect="1"/>
+          </p:cNvPicPr>
+          <p:nvPr/>
+        </p:nvPicPr>
+        <p:blipFill>
+          <a:blip r:embed="rId5"/>
+          <a:stretch>
+            <a:fillRect/>
+          </a:stretch>
+        </p:blipFill>
+        <p:spPr>
+          <a:xfrm>
+            <a:off x="6300208" y="1196748"/>
+            <a:ext cx="2481699" cy="5068007"/>
+          </a:xfrm>
+          <a:prstGeom prst="rect">
+            <a:avLst/>
+          </a:prstGeom>
+        </p:spPr>
+      </p:pic>
+      <p:pic>
+        <p:nvPicPr>
+          <p:cNvPr id="14" name="Picture 13">
+            <a:extLst>
+              <a:ext uri="{FF2B5EF4-FFF2-40B4-BE49-F238E27FC236}">
+                <a16:creationId xmlns:a16="http://schemas.microsoft.com/office/drawing/2014/main" id="{99B822AB-8CAE-4A39-3E4F-539A52FE8B99}"/>
+              </a:ext>
+            </a:extLst>
+          </p:cNvPr>
+          <p:cNvPicPr>
+            <a:picLocks noChangeAspect="1"/>
+          </p:cNvPicPr>
+          <p:nvPr/>
+        </p:nvPicPr>
+        <p:blipFill>
+          <a:blip r:embed="rId6"/>
+          <a:stretch>
+            <a:fillRect/>
+          </a:stretch>
+        </p:blipFill>
+        <p:spPr>
+          <a:xfrm>
+            <a:off x="9198856" y="1196747"/>
+            <a:ext cx="2495898" cy="5068007"/>
+          </a:xfrm>
+          <a:prstGeom prst="rect">
+            <a:avLst/>
+          </a:prstGeom>
+        </p:spPr>
+      </p:pic>
+    </p:spTree>
+    <p:extLst>
+      <p:ext uri="{BB962C8B-B14F-4D97-AF65-F5344CB8AC3E}">
+        <p14:creationId xmlns:p14="http://schemas.microsoft.com/office/powerpoint/2010/main" val="1206307982"/>
+      </p:ext>
+    </p:extLst>
+  </p:cSld>
+  <p:clrMapOvr>
+    <a:masterClrMapping/>
+  </p:clrMapOvr>
+</p:sld>
+</file>
+
+<file path=ppt/slides/slide25.xml><?xml version="1.0" encoding="utf-8"?>
+<p:sld xmlns:a="http://schemas.openxmlformats.org/drawingml/2006/main" xmlns:r="http://schemas.openxmlformats.org/officeDocument/2006/relationships" xmlns:p="http://schemas.openxmlformats.org/presentationml/2006/main">
+  <p:cSld>
+    <p:spTree>
+      <p:nvGrpSpPr>
+        <p:cNvPr id="1" name="">
+          <a:extLst>
+            <a:ext uri="{FF2B5EF4-FFF2-40B4-BE49-F238E27FC236}">
+              <a16:creationId xmlns:a16="http://schemas.microsoft.com/office/drawing/2014/main" id="{2020A95D-7449-8411-C9CD-C0A4DD7FE60E}"/>
+            </a:ext>
+          </a:extLst>
+        </p:cNvPr>
+        <p:cNvGrpSpPr/>
+        <p:nvPr/>
+      </p:nvGrpSpPr>
+      <p:grpSpPr>
+        <a:xfrm>
+          <a:off x="0" y="0"/>
+          <a:ext cx="0" cy="0"/>
+          <a:chOff x="0" y="0"/>
+          <a:chExt cx="0" cy="0"/>
+        </a:xfrm>
+      </p:grpSpPr>
+      <p:sp>
+        <p:nvSpPr>
+          <p:cNvPr id="2" name="Title 1">
+            <a:extLst>
+              <a:ext uri="{FF2B5EF4-FFF2-40B4-BE49-F238E27FC236}">
+                <a16:creationId xmlns:a16="http://schemas.microsoft.com/office/drawing/2014/main" id="{F5C3D1BA-C836-EE3B-694B-F0E37731DFC5}"/>
+              </a:ext>
+            </a:extLst>
+          </p:cNvPr>
+          <p:cNvSpPr>
+            <a:spLocks noGrp="1"/>
+          </p:cNvSpPr>
+          <p:nvPr>
+            <p:ph type="title"/>
+          </p:nvPr>
+        </p:nvSpPr>
+        <p:spPr/>
+        <p:txBody>
+          <a:bodyPr>
+            <a:normAutofit/>
+          </a:bodyPr>
+          <a:lstStyle/>
+          <a:p>
+            <a:r>
+              <a:rPr lang="en-US" sz="6000" dirty="0"/>
+              <a:t>3.2. UI Implementation</a:t>
+            </a:r>
+          </a:p>
+        </p:txBody>
+      </p:sp>
+      <p:pic>
+        <p:nvPicPr>
+          <p:cNvPr id="9" name="Picture 8">
+            <a:extLst>
+              <a:ext uri="{FF2B5EF4-FFF2-40B4-BE49-F238E27FC236}">
+                <a16:creationId xmlns:a16="http://schemas.microsoft.com/office/drawing/2014/main" id="{085E7065-CC08-1CD3-4AC6-05F0E499BA2E}"/>
+              </a:ext>
+            </a:extLst>
+          </p:cNvPr>
+          <p:cNvPicPr>
+            <a:picLocks noChangeAspect="1"/>
+          </p:cNvPicPr>
+          <p:nvPr/>
+        </p:nvPicPr>
+        <p:blipFill>
+          <a:blip r:embed="rId3"/>
+          <a:stretch>
+            <a:fillRect/>
+          </a:stretch>
+        </p:blipFill>
+        <p:spPr>
+          <a:xfrm>
+            <a:off x="4876630" y="1292011"/>
+            <a:ext cx="2438740" cy="4982270"/>
+          </a:xfrm>
+          <a:prstGeom prst="rect">
+            <a:avLst/>
+          </a:prstGeom>
+        </p:spPr>
+      </p:pic>
+      <p:pic>
+        <p:nvPicPr>
+          <p:cNvPr id="11" name="Picture 10">
+            <a:extLst>
+              <a:ext uri="{FF2B5EF4-FFF2-40B4-BE49-F238E27FC236}">
+                <a16:creationId xmlns:a16="http://schemas.microsoft.com/office/drawing/2014/main" id="{64E8DD7B-56C7-5953-4602-EC7D1E94C173}"/>
+              </a:ext>
+            </a:extLst>
+          </p:cNvPr>
+          <p:cNvPicPr>
+            <a:picLocks noChangeAspect="1"/>
+          </p:cNvPicPr>
+          <p:nvPr/>
+        </p:nvPicPr>
+        <p:blipFill>
+          <a:blip r:embed="rId4"/>
+          <a:stretch>
+            <a:fillRect/>
+          </a:stretch>
+        </p:blipFill>
+        <p:spPr>
+          <a:xfrm>
+            <a:off x="7735425" y="1258668"/>
+            <a:ext cx="2524477" cy="5020376"/>
+          </a:xfrm>
+          <a:prstGeom prst="rect">
+            <a:avLst/>
+          </a:prstGeom>
+        </p:spPr>
+      </p:pic>
+      <p:pic>
+        <p:nvPicPr>
+          <p:cNvPr id="16" name="Picture 15">
+            <a:extLst>
+              <a:ext uri="{FF2B5EF4-FFF2-40B4-BE49-F238E27FC236}">
+                <a16:creationId xmlns:a16="http://schemas.microsoft.com/office/drawing/2014/main" id="{EE1B147A-0C79-C5D3-6F1E-B3C48885F7D8}"/>
+              </a:ext>
+            </a:extLst>
+          </p:cNvPr>
+          <p:cNvPicPr>
+            <a:picLocks noChangeAspect="1"/>
+          </p:cNvPicPr>
+          <p:nvPr/>
+        </p:nvPicPr>
+        <p:blipFill>
+          <a:blip r:embed="rId5"/>
+          <a:stretch>
+            <a:fillRect/>
+          </a:stretch>
+        </p:blipFill>
+        <p:spPr>
+          <a:xfrm>
+            <a:off x="1961059" y="1263432"/>
+            <a:ext cx="2486372" cy="5010849"/>
+          </a:xfrm>
+          <a:prstGeom prst="rect">
+            <a:avLst/>
+          </a:prstGeom>
+        </p:spPr>
+      </p:pic>
+    </p:spTree>
+    <p:extLst>
+      <p:ext uri="{BB962C8B-B14F-4D97-AF65-F5344CB8AC3E}">
+        <p14:creationId xmlns:p14="http://schemas.microsoft.com/office/powerpoint/2010/main" val="761172681"/>
+      </p:ext>
+    </p:extLst>
+  </p:cSld>
+  <p:clrMapOvr>
+    <a:masterClrMapping/>
+  </p:clrMapOvr>
+</p:sld>
+</file>
+
 <file path=ppt/slides/slide26.xml><?xml version="1.0" encoding="utf-8"?>
+<p:sld xmlns:a="http://schemas.openxmlformats.org/drawingml/2006/main" xmlns:r="http://schemas.openxmlformats.org/officeDocument/2006/relationships" xmlns:p="http://schemas.openxmlformats.org/presentationml/2006/main">
+  <p:cSld>
+    <p:spTree>
+      <p:nvGrpSpPr>
+        <p:cNvPr id="1" name="">
+          <a:extLst>
+            <a:ext uri="{FF2B5EF4-FFF2-40B4-BE49-F238E27FC236}">
+              <a16:creationId xmlns:a16="http://schemas.microsoft.com/office/drawing/2014/main" id="{DA2C9BD9-267C-DA7E-5C53-3523265BBE27}"/>
+            </a:ext>
+          </a:extLst>
+        </p:cNvPr>
+        <p:cNvGrpSpPr/>
+        <p:nvPr/>
+      </p:nvGrpSpPr>
+      <p:grpSpPr>
+        <a:xfrm>
+          <a:off x="0" y="0"/>
+          <a:ext cx="0" cy="0"/>
+          <a:chOff x="0" y="0"/>
+          <a:chExt cx="0" cy="0"/>
+        </a:xfrm>
+      </p:grpSpPr>
+      <p:sp>
+        <p:nvSpPr>
+          <p:cNvPr id="2" name="Title 1">
+            <a:extLst>
+              <a:ext uri="{FF2B5EF4-FFF2-40B4-BE49-F238E27FC236}">
+                <a16:creationId xmlns:a16="http://schemas.microsoft.com/office/drawing/2014/main" id="{BAA24890-0ED0-4E85-0564-8F1949F12DFD}"/>
+              </a:ext>
+            </a:extLst>
+          </p:cNvPr>
+          <p:cNvSpPr>
+            <a:spLocks noGrp="1"/>
+          </p:cNvSpPr>
+          <p:nvPr>
+            <p:ph type="title"/>
+          </p:nvPr>
+        </p:nvSpPr>
+        <p:spPr/>
+        <p:txBody>
+          <a:bodyPr>
+            <a:normAutofit/>
+          </a:bodyPr>
+          <a:lstStyle/>
+          <a:p>
+            <a:r>
+              <a:rPr lang="en-US" sz="6000" dirty="0"/>
+              <a:t>3.2. UI Implementation</a:t>
+            </a:r>
+          </a:p>
+        </p:txBody>
+      </p:sp>
+      <p:pic>
+        <p:nvPicPr>
+          <p:cNvPr id="11" name="Picture 10">
+            <a:extLst>
+              <a:ext uri="{FF2B5EF4-FFF2-40B4-BE49-F238E27FC236}">
+                <a16:creationId xmlns:a16="http://schemas.microsoft.com/office/drawing/2014/main" id="{F39772C4-FC63-794A-F104-90FF2F66BD60}"/>
+              </a:ext>
+            </a:extLst>
+          </p:cNvPr>
+          <p:cNvPicPr>
+            <a:picLocks noChangeAspect="1"/>
+          </p:cNvPicPr>
+          <p:nvPr/>
+        </p:nvPicPr>
+        <p:blipFill>
+          <a:blip r:embed="rId3"/>
+          <a:stretch>
+            <a:fillRect/>
+          </a:stretch>
+        </p:blipFill>
+        <p:spPr>
+          <a:xfrm>
+            <a:off x="7758859" y="1259432"/>
+            <a:ext cx="2429214" cy="5020376"/>
+          </a:xfrm>
+          <a:prstGeom prst="rect">
+            <a:avLst/>
+          </a:prstGeom>
+        </p:spPr>
+      </p:pic>
+      <p:pic>
+        <p:nvPicPr>
+          <p:cNvPr id="12" name="Picture 11">
+            <a:extLst>
+              <a:ext uri="{FF2B5EF4-FFF2-40B4-BE49-F238E27FC236}">
+                <a16:creationId xmlns:a16="http://schemas.microsoft.com/office/drawing/2014/main" id="{68FDF0AC-D880-3F08-9DAE-B9E97A785186}"/>
+              </a:ext>
+            </a:extLst>
+          </p:cNvPr>
+          <p:cNvPicPr>
+            <a:picLocks noChangeAspect="1"/>
+          </p:cNvPicPr>
+          <p:nvPr/>
+        </p:nvPicPr>
+        <p:blipFill>
+          <a:blip r:embed="rId4"/>
+          <a:stretch>
+            <a:fillRect/>
+          </a:stretch>
+        </p:blipFill>
+        <p:spPr>
+          <a:xfrm>
+            <a:off x="1975348" y="1225326"/>
+            <a:ext cx="2457793" cy="5048955"/>
+          </a:xfrm>
+          <a:prstGeom prst="rect">
+            <a:avLst/>
+          </a:prstGeom>
+        </p:spPr>
+      </p:pic>
+      <p:pic>
+        <p:nvPicPr>
+          <p:cNvPr id="13" name="Picture 12">
+            <a:extLst>
+              <a:ext uri="{FF2B5EF4-FFF2-40B4-BE49-F238E27FC236}">
+                <a16:creationId xmlns:a16="http://schemas.microsoft.com/office/drawing/2014/main" id="{A171769A-554D-0FD2-F5C2-BA4CBA2EE537}"/>
+              </a:ext>
+            </a:extLst>
+          </p:cNvPr>
+          <p:cNvPicPr>
+            <a:picLocks noChangeAspect="1"/>
+          </p:cNvPicPr>
+          <p:nvPr/>
+        </p:nvPicPr>
+        <p:blipFill>
+          <a:blip r:embed="rId5"/>
+          <a:stretch>
+            <a:fillRect/>
+          </a:stretch>
+        </p:blipFill>
+        <p:spPr>
+          <a:xfrm>
+            <a:off x="4848242" y="1258668"/>
+            <a:ext cx="2486372" cy="5039428"/>
+          </a:xfrm>
+          <a:prstGeom prst="rect">
+            <a:avLst/>
+          </a:prstGeom>
+        </p:spPr>
+      </p:pic>
+    </p:spTree>
+    <p:extLst>
+      <p:ext uri="{BB962C8B-B14F-4D97-AF65-F5344CB8AC3E}">
+        <p14:creationId xmlns:p14="http://schemas.microsoft.com/office/powerpoint/2010/main" val="271574081"/>
+      </p:ext>
+    </p:extLst>
+  </p:cSld>
+  <p:clrMapOvr>
+    <a:masterClrMapping/>
+  </p:clrMapOvr>
+</p:sld>
+</file>
+
+<file path=ppt/slides/slide27.xml><?xml version="1.0" encoding="utf-8"?>
+<p:sld xmlns:a="http://schemas.openxmlformats.org/drawingml/2006/main" xmlns:r="http://schemas.openxmlformats.org/officeDocument/2006/relationships" xmlns:p="http://schemas.openxmlformats.org/presentationml/2006/main">
+  <p:cSld>
+    <p:spTree>
+      <p:nvGrpSpPr>
+        <p:cNvPr id="1" name="">
+          <a:extLst>
+            <a:ext uri="{FF2B5EF4-FFF2-40B4-BE49-F238E27FC236}">
+              <a16:creationId xmlns:a16="http://schemas.microsoft.com/office/drawing/2014/main" id="{0D9C7BBF-041F-B164-21EC-805ED609C8E5}"/>
+            </a:ext>
+          </a:extLst>
+        </p:cNvPr>
+        <p:cNvGrpSpPr/>
+        <p:nvPr/>
+      </p:nvGrpSpPr>
+      <p:grpSpPr>
+        <a:xfrm>
+          <a:off x="0" y="0"/>
+          <a:ext cx="0" cy="0"/>
+          <a:chOff x="0" y="0"/>
+          <a:chExt cx="0" cy="0"/>
+        </a:xfrm>
+      </p:grpSpPr>
+      <p:sp>
+        <p:nvSpPr>
+          <p:cNvPr id="2" name="Title 1">
+            <a:extLst>
+              <a:ext uri="{FF2B5EF4-FFF2-40B4-BE49-F238E27FC236}">
+                <a16:creationId xmlns:a16="http://schemas.microsoft.com/office/drawing/2014/main" id="{5EA222E7-0D11-564D-7DD9-D6EECB72408C}"/>
+              </a:ext>
+            </a:extLst>
+          </p:cNvPr>
+          <p:cNvSpPr>
+            <a:spLocks noGrp="1"/>
+          </p:cNvSpPr>
+          <p:nvPr>
+            <p:ph type="title"/>
+          </p:nvPr>
+        </p:nvSpPr>
+        <p:spPr/>
+        <p:txBody>
+          <a:bodyPr>
+            <a:normAutofit/>
+          </a:bodyPr>
+          <a:lstStyle/>
+          <a:p>
+            <a:r>
+              <a:rPr lang="en-US" sz="6000" dirty="0"/>
+              <a:t>3.2. UI Implementation</a:t>
+            </a:r>
+          </a:p>
+        </p:txBody>
+      </p:sp>
+      <p:pic>
+        <p:nvPicPr>
+          <p:cNvPr id="15" name="Picture 14">
+            <a:extLst>
+              <a:ext uri="{FF2B5EF4-FFF2-40B4-BE49-F238E27FC236}">
+                <a16:creationId xmlns:a16="http://schemas.microsoft.com/office/drawing/2014/main" id="{B3F73263-F735-26F2-EAE5-569160DBAEB8}"/>
+              </a:ext>
+            </a:extLst>
+          </p:cNvPr>
+          <p:cNvPicPr>
+            <a:picLocks noChangeAspect="1"/>
+          </p:cNvPicPr>
+          <p:nvPr/>
+        </p:nvPicPr>
+        <p:blipFill>
+          <a:blip r:embed="rId3"/>
+          <a:stretch>
+            <a:fillRect/>
+          </a:stretch>
+        </p:blipFill>
+        <p:spPr>
+          <a:xfrm>
+            <a:off x="1965822" y="1244378"/>
+            <a:ext cx="2467319" cy="5010849"/>
+          </a:xfrm>
+          <a:prstGeom prst="rect">
+            <a:avLst/>
+          </a:prstGeom>
+        </p:spPr>
+      </p:pic>
+      <p:pic>
+        <p:nvPicPr>
+          <p:cNvPr id="19" name="Picture 18">
+            <a:extLst>
+              <a:ext uri="{FF2B5EF4-FFF2-40B4-BE49-F238E27FC236}">
+                <a16:creationId xmlns:a16="http://schemas.microsoft.com/office/drawing/2014/main" id="{5656FAC5-4E35-E7EF-7F38-C3D57A6555E9}"/>
+              </a:ext>
+            </a:extLst>
+          </p:cNvPr>
+          <p:cNvPicPr>
+            <a:picLocks noChangeAspect="1"/>
+          </p:cNvPicPr>
+          <p:nvPr/>
+        </p:nvPicPr>
+        <p:blipFill>
+          <a:blip r:embed="rId4"/>
+          <a:stretch>
+            <a:fillRect/>
+          </a:stretch>
+        </p:blipFill>
+        <p:spPr>
+          <a:xfrm>
+            <a:off x="4848242" y="1268194"/>
+            <a:ext cx="2514951" cy="5039428"/>
+          </a:xfrm>
+          <a:prstGeom prst="rect">
+            <a:avLst/>
+          </a:prstGeom>
+        </p:spPr>
+      </p:pic>
+      <p:pic>
+        <p:nvPicPr>
+          <p:cNvPr id="7" name="Picture 6">
+            <a:extLst>
+              <a:ext uri="{FF2B5EF4-FFF2-40B4-BE49-F238E27FC236}">
+                <a16:creationId xmlns:a16="http://schemas.microsoft.com/office/drawing/2014/main" id="{023F5F15-323A-9242-BF3A-0424041F7CF9}"/>
+              </a:ext>
+            </a:extLst>
+          </p:cNvPr>
+          <p:cNvPicPr>
+            <a:picLocks noChangeAspect="1"/>
+          </p:cNvPicPr>
+          <p:nvPr/>
+        </p:nvPicPr>
+        <p:blipFill>
+          <a:blip r:embed="rId5"/>
+          <a:stretch>
+            <a:fillRect/>
+          </a:stretch>
+        </p:blipFill>
+        <p:spPr>
+          <a:xfrm>
+            <a:off x="7778294" y="1234851"/>
+            <a:ext cx="2505425" cy="5020376"/>
+          </a:xfrm>
+          <a:prstGeom prst="rect">
+            <a:avLst/>
+          </a:prstGeom>
+        </p:spPr>
+      </p:pic>
+    </p:spTree>
+    <p:extLst>
+      <p:ext uri="{BB962C8B-B14F-4D97-AF65-F5344CB8AC3E}">
+        <p14:creationId xmlns:p14="http://schemas.microsoft.com/office/powerpoint/2010/main" val="3294740728"/>
+      </p:ext>
+    </p:extLst>
+  </p:cSld>
+  <p:clrMapOvr>
+    <a:masterClrMapping/>
+  </p:clrMapOvr>
+</p:sld>
+</file>
+
+<file path=ppt/slides/slide28.xml><?xml version="1.0" encoding="utf-8"?>
 <p:sld xmlns:a="http://schemas.openxmlformats.org/drawingml/2006/main" xmlns:r="http://schemas.openxmlformats.org/officeDocument/2006/relationships" xmlns:p="http://schemas.openxmlformats.org/presentationml/2006/main">
   <p:cSld>
     <p:spTree>
@@ -41412,7 +44583,7 @@
 </p:sld>
 </file>
 
-<file path=ppt/slides/slide27.xml><?xml version="1.0" encoding="utf-8"?>
+<file path=ppt/slides/slide29.xml><?xml version="1.0" encoding="utf-8"?>
 <p:sld xmlns:a="http://schemas.openxmlformats.org/drawingml/2006/main" xmlns:r="http://schemas.openxmlformats.org/officeDocument/2006/relationships" xmlns:p="http://schemas.openxmlformats.org/presentationml/2006/main">
   <p:cSld>
     <p:spTree>
@@ -41596,240 +44767,6 @@
     <p:extLst>
       <p:ext uri="{BB962C8B-B14F-4D97-AF65-F5344CB8AC3E}">
         <p14:creationId xmlns:p14="http://schemas.microsoft.com/office/powerpoint/2010/main" val="4141350988"/>
-      </p:ext>
-    </p:extLst>
-  </p:cSld>
-  <p:clrMapOvr>
-    <a:masterClrMapping/>
-  </p:clrMapOvr>
-</p:sld>
-</file>
-
-<file path=ppt/slides/slide28.xml><?xml version="1.0" encoding="utf-8"?>
-<p:sld xmlns:a="http://schemas.openxmlformats.org/drawingml/2006/main" xmlns:r="http://schemas.openxmlformats.org/officeDocument/2006/relationships" xmlns:p="http://schemas.openxmlformats.org/presentationml/2006/main">
-  <p:cSld>
-    <p:spTree>
-      <p:nvGrpSpPr>
-        <p:cNvPr id="1" name="">
-          <a:extLst>
-            <a:ext uri="{FF2B5EF4-FFF2-40B4-BE49-F238E27FC236}">
-              <a16:creationId xmlns:a16="http://schemas.microsoft.com/office/drawing/2014/main" id="{3A1B4DBD-D3A4-447B-30DD-2B40A65AFA5D}"/>
-            </a:ext>
-          </a:extLst>
-        </p:cNvPr>
-        <p:cNvGrpSpPr/>
-        <p:nvPr/>
-      </p:nvGrpSpPr>
-      <p:grpSpPr>
-        <a:xfrm>
-          <a:off x="0" y="0"/>
-          <a:ext cx="0" cy="0"/>
-          <a:chOff x="0" y="0"/>
-          <a:chExt cx="0" cy="0"/>
-        </a:xfrm>
-      </p:grpSpPr>
-      <p:sp>
-        <p:nvSpPr>
-          <p:cNvPr id="2" name="Title 1">
-            <a:extLst>
-              <a:ext uri="{FF2B5EF4-FFF2-40B4-BE49-F238E27FC236}">
-                <a16:creationId xmlns:a16="http://schemas.microsoft.com/office/drawing/2014/main" id="{C04B1CDB-ABEF-CC2D-41A1-248B0337AAAA}"/>
-              </a:ext>
-            </a:extLst>
-          </p:cNvPr>
-          <p:cNvSpPr>
-            <a:spLocks noGrp="1"/>
-          </p:cNvSpPr>
-          <p:nvPr>
-            <p:ph type="title"/>
-          </p:nvPr>
-        </p:nvSpPr>
-        <p:spPr/>
-        <p:txBody>
-          <a:bodyPr>
-            <a:normAutofit/>
-          </a:bodyPr>
-          <a:lstStyle/>
-          <a:p>
-            <a:r>
-              <a:rPr lang="en-US" sz="6000" dirty="0"/>
-              <a:t>4.2. Development Direction	</a:t>
-            </a:r>
-          </a:p>
-        </p:txBody>
-      </p:sp>
-      <p:sp>
-        <p:nvSpPr>
-          <p:cNvPr id="3" name="Content Placeholder 2">
-            <a:extLst>
-              <a:ext uri="{FF2B5EF4-FFF2-40B4-BE49-F238E27FC236}">
-                <a16:creationId xmlns:a16="http://schemas.microsoft.com/office/drawing/2014/main" id="{B90E5643-BF72-C87F-968B-05148AC424AF}"/>
-              </a:ext>
-            </a:extLst>
-          </p:cNvPr>
-          <p:cNvSpPr>
-            <a:spLocks noGrp="1"/>
-          </p:cNvSpPr>
-          <p:nvPr>
-            <p:ph idx="1"/>
-          </p:nvPr>
-        </p:nvSpPr>
-        <p:spPr/>
-        <p:txBody>
-          <a:bodyPr>
-            <a:normAutofit/>
-          </a:bodyPr>
-          <a:lstStyle/>
-          <a:p>
-            <a:r>
-              <a:rPr lang="en-US" b="1" dirty="0"/>
-              <a:t>DEVELOPMENT DIRECTION:</a:t>
-            </a:r>
-          </a:p>
-          <a:p>
-            <a:pPr marL="342900" indent="-342900">
-              <a:buFont typeface="Arial" panose="020B0604020202020204" pitchFamily="34" charset="0"/>
-              <a:buChar char="•"/>
-            </a:pPr>
-            <a:r>
-              <a:rPr lang="en-US" sz="2200" noProof="0" dirty="0"/>
-              <a:t>Expand recognition to more wild edibles using multi-task or speciated models.</a:t>
-            </a:r>
-          </a:p>
-          <a:p>
-            <a:pPr marL="342900" indent="-342900">
-              <a:buFont typeface="Arial" panose="020B0604020202020204" pitchFamily="34" charset="0"/>
-              <a:buChar char="•"/>
-            </a:pPr>
-            <a:r>
-              <a:rPr lang="en-US" sz="2200" dirty="0"/>
-              <a:t>Use larger ViT variants for higher reliability.</a:t>
-            </a:r>
-          </a:p>
-          <a:p>
-            <a:pPr marL="342900" indent="-342900">
-              <a:buFont typeface="Arial" panose="020B0604020202020204" pitchFamily="34" charset="0"/>
-              <a:buChar char="•"/>
-            </a:pPr>
-            <a:r>
-              <a:rPr lang="en-US" sz="2200" dirty="0"/>
-              <a:t>Increase and improve the dataset and augmentation to reduce overfitting.</a:t>
-            </a:r>
-          </a:p>
-          <a:p>
-            <a:pPr marL="342900" indent="-342900">
-              <a:buFont typeface="Arial" panose="020B0604020202020204" pitchFamily="34" charset="0"/>
-              <a:buChar char="•"/>
-            </a:pPr>
-            <a:r>
-              <a:rPr lang="en-US" sz="2200" dirty="0"/>
-              <a:t>Upgrade keyword search to a natural-language chatbot with a small LLM.</a:t>
-            </a:r>
-          </a:p>
-          <a:p>
-            <a:pPr marL="342900" indent="-342900">
-              <a:buFont typeface="Arial" panose="020B0604020202020204" pitchFamily="34" charset="0"/>
-              <a:buChar char="•"/>
-            </a:pPr>
-            <a:r>
-              <a:rPr lang="en-US" sz="2200" dirty="0"/>
-              <a:t>Add iNaturalist user-contributed observations to enrich the forage map.</a:t>
-            </a:r>
-          </a:p>
-        </p:txBody>
-      </p:sp>
-    </p:spTree>
-    <p:extLst>
-      <p:ext uri="{BB962C8B-B14F-4D97-AF65-F5344CB8AC3E}">
-        <p14:creationId xmlns:p14="http://schemas.microsoft.com/office/powerpoint/2010/main" val="2685069269"/>
-      </p:ext>
-    </p:extLst>
-  </p:cSld>
-  <p:clrMapOvr>
-    <a:masterClrMapping/>
-  </p:clrMapOvr>
-</p:sld>
-</file>
-
-<file path=ppt/slides/slide29.xml><?xml version="1.0" encoding="utf-8"?>
-<p:sld xmlns:a="http://schemas.openxmlformats.org/drawingml/2006/main" xmlns:r="http://schemas.openxmlformats.org/officeDocument/2006/relationships" xmlns:p="http://schemas.openxmlformats.org/presentationml/2006/main">
-  <p:cSld>
-    <p:spTree>
-      <p:nvGrpSpPr>
-        <p:cNvPr id="1" name=""/>
-        <p:cNvGrpSpPr/>
-        <p:nvPr/>
-      </p:nvGrpSpPr>
-      <p:grpSpPr>
-        <a:xfrm>
-          <a:off x="0" y="0"/>
-          <a:ext cx="0" cy="0"/>
-          <a:chOff x="0" y="0"/>
-          <a:chExt cx="0" cy="0"/>
-        </a:xfrm>
-      </p:grpSpPr>
-      <p:sp>
-        <p:nvSpPr>
-          <p:cNvPr id="2" name="Title 1">
-            <a:extLst>
-              <a:ext uri="{FF2B5EF4-FFF2-40B4-BE49-F238E27FC236}">
-                <a16:creationId xmlns:a16="http://schemas.microsoft.com/office/drawing/2014/main" id="{6727981F-8DDB-4942-9095-1A301A93096A}"/>
-              </a:ext>
-            </a:extLst>
-          </p:cNvPr>
-          <p:cNvSpPr>
-            <a:spLocks noGrp="1"/>
-          </p:cNvSpPr>
-          <p:nvPr>
-            <p:ph type="ctrTitle"/>
-          </p:nvPr>
-        </p:nvSpPr>
-        <p:spPr/>
-        <p:txBody>
-          <a:bodyPr/>
-          <a:lstStyle/>
-          <a:p>
-            <a:r>
-              <a:rPr lang="vi-VN" dirty="0"/>
-              <a:t>THANK YOU VERY MUCH</a:t>
-            </a:r>
-            <a:endParaRPr lang="en-US" dirty="0"/>
-          </a:p>
-        </p:txBody>
-      </p:sp>
-      <p:sp>
-        <p:nvSpPr>
-          <p:cNvPr id="3" name="Subtitle 2">
-            <a:extLst>
-              <a:ext uri="{FF2B5EF4-FFF2-40B4-BE49-F238E27FC236}">
-                <a16:creationId xmlns:a16="http://schemas.microsoft.com/office/drawing/2014/main" id="{E3DE8CBC-CC0F-41DD-9762-03FD26D3B012}"/>
-              </a:ext>
-            </a:extLst>
-          </p:cNvPr>
-          <p:cNvSpPr>
-            <a:spLocks noGrp="1"/>
-          </p:cNvSpPr>
-          <p:nvPr>
-            <p:ph type="subTitle" idx="1"/>
-          </p:nvPr>
-        </p:nvSpPr>
-        <p:spPr/>
-        <p:txBody>
-          <a:bodyPr/>
-          <a:lstStyle/>
-          <a:p>
-            <a:r>
-              <a:rPr lang="vi-VN" dirty="0"/>
-              <a:t>Can Tho University</a:t>
-            </a:r>
-            <a:endParaRPr lang="en-US" dirty="0"/>
-          </a:p>
-        </p:txBody>
-      </p:sp>
-    </p:spTree>
-    <p:extLst>
-      <p:ext uri="{BB962C8B-B14F-4D97-AF65-F5344CB8AC3E}">
-        <p14:creationId xmlns:p14="http://schemas.microsoft.com/office/powerpoint/2010/main" val="131648227"/>
       </p:ext>
     </p:extLst>
   </p:cSld>
@@ -41894,6 +44831,240 @@
     <p:extLst>
       <p:ext uri="{BB962C8B-B14F-4D97-AF65-F5344CB8AC3E}">
         <p14:creationId xmlns:p14="http://schemas.microsoft.com/office/powerpoint/2010/main" val="4232657731"/>
+      </p:ext>
+    </p:extLst>
+  </p:cSld>
+  <p:clrMapOvr>
+    <a:masterClrMapping/>
+  </p:clrMapOvr>
+</p:sld>
+</file>
+
+<file path=ppt/slides/slide30.xml><?xml version="1.0" encoding="utf-8"?>
+<p:sld xmlns:a="http://schemas.openxmlformats.org/drawingml/2006/main" xmlns:r="http://schemas.openxmlformats.org/officeDocument/2006/relationships" xmlns:p="http://schemas.openxmlformats.org/presentationml/2006/main">
+  <p:cSld>
+    <p:spTree>
+      <p:nvGrpSpPr>
+        <p:cNvPr id="1" name="">
+          <a:extLst>
+            <a:ext uri="{FF2B5EF4-FFF2-40B4-BE49-F238E27FC236}">
+              <a16:creationId xmlns:a16="http://schemas.microsoft.com/office/drawing/2014/main" id="{3A1B4DBD-D3A4-447B-30DD-2B40A65AFA5D}"/>
+            </a:ext>
+          </a:extLst>
+        </p:cNvPr>
+        <p:cNvGrpSpPr/>
+        <p:nvPr/>
+      </p:nvGrpSpPr>
+      <p:grpSpPr>
+        <a:xfrm>
+          <a:off x="0" y="0"/>
+          <a:ext cx="0" cy="0"/>
+          <a:chOff x="0" y="0"/>
+          <a:chExt cx="0" cy="0"/>
+        </a:xfrm>
+      </p:grpSpPr>
+      <p:sp>
+        <p:nvSpPr>
+          <p:cNvPr id="2" name="Title 1">
+            <a:extLst>
+              <a:ext uri="{FF2B5EF4-FFF2-40B4-BE49-F238E27FC236}">
+                <a16:creationId xmlns:a16="http://schemas.microsoft.com/office/drawing/2014/main" id="{C04B1CDB-ABEF-CC2D-41A1-248B0337AAAA}"/>
+              </a:ext>
+            </a:extLst>
+          </p:cNvPr>
+          <p:cNvSpPr>
+            <a:spLocks noGrp="1"/>
+          </p:cNvSpPr>
+          <p:nvPr>
+            <p:ph type="title"/>
+          </p:nvPr>
+        </p:nvSpPr>
+        <p:spPr/>
+        <p:txBody>
+          <a:bodyPr>
+            <a:normAutofit/>
+          </a:bodyPr>
+          <a:lstStyle/>
+          <a:p>
+            <a:r>
+              <a:rPr lang="en-US" sz="6000" dirty="0"/>
+              <a:t>4.2. Development Direction	</a:t>
+            </a:r>
+          </a:p>
+        </p:txBody>
+      </p:sp>
+      <p:sp>
+        <p:nvSpPr>
+          <p:cNvPr id="3" name="Content Placeholder 2">
+            <a:extLst>
+              <a:ext uri="{FF2B5EF4-FFF2-40B4-BE49-F238E27FC236}">
+                <a16:creationId xmlns:a16="http://schemas.microsoft.com/office/drawing/2014/main" id="{B90E5643-BF72-C87F-968B-05148AC424AF}"/>
+              </a:ext>
+            </a:extLst>
+          </p:cNvPr>
+          <p:cNvSpPr>
+            <a:spLocks noGrp="1"/>
+          </p:cNvSpPr>
+          <p:nvPr>
+            <p:ph idx="1"/>
+          </p:nvPr>
+        </p:nvSpPr>
+        <p:spPr/>
+        <p:txBody>
+          <a:bodyPr>
+            <a:normAutofit/>
+          </a:bodyPr>
+          <a:lstStyle/>
+          <a:p>
+            <a:r>
+              <a:rPr lang="en-US" b="1" dirty="0"/>
+              <a:t>DEVELOPMENT DIRECTION:</a:t>
+            </a:r>
+          </a:p>
+          <a:p>
+            <a:pPr marL="342900" indent="-342900">
+              <a:buFont typeface="Arial" panose="020B0604020202020204" pitchFamily="34" charset="0"/>
+              <a:buChar char="•"/>
+            </a:pPr>
+            <a:r>
+              <a:rPr lang="en-US" sz="2200" noProof="0" dirty="0"/>
+              <a:t>Expand recognition to more wild edibles using multi-task or speciated models.</a:t>
+            </a:r>
+          </a:p>
+          <a:p>
+            <a:pPr marL="342900" indent="-342900">
+              <a:buFont typeface="Arial" panose="020B0604020202020204" pitchFamily="34" charset="0"/>
+              <a:buChar char="•"/>
+            </a:pPr>
+            <a:r>
+              <a:rPr lang="en-US" sz="2200" dirty="0"/>
+              <a:t>Use larger ViT variants for higher reliability.</a:t>
+            </a:r>
+          </a:p>
+          <a:p>
+            <a:pPr marL="342900" indent="-342900">
+              <a:buFont typeface="Arial" panose="020B0604020202020204" pitchFamily="34" charset="0"/>
+              <a:buChar char="•"/>
+            </a:pPr>
+            <a:r>
+              <a:rPr lang="en-US" sz="2200" dirty="0"/>
+              <a:t>Increase and improve the dataset and augmentation to reduce overfitting.</a:t>
+            </a:r>
+          </a:p>
+          <a:p>
+            <a:pPr marL="342900" indent="-342900">
+              <a:buFont typeface="Arial" panose="020B0604020202020204" pitchFamily="34" charset="0"/>
+              <a:buChar char="•"/>
+            </a:pPr>
+            <a:r>
+              <a:rPr lang="en-US" sz="2200" dirty="0"/>
+              <a:t>Upgrade keyword search to a natural-language chatbot with a small LLM.</a:t>
+            </a:r>
+          </a:p>
+          <a:p>
+            <a:pPr marL="342900" indent="-342900">
+              <a:buFont typeface="Arial" panose="020B0604020202020204" pitchFamily="34" charset="0"/>
+              <a:buChar char="•"/>
+            </a:pPr>
+            <a:r>
+              <a:rPr lang="en-US" sz="2200" dirty="0"/>
+              <a:t>Add iNaturalist user-contributed observations to enrich the forage map.</a:t>
+            </a:r>
+          </a:p>
+        </p:txBody>
+      </p:sp>
+    </p:spTree>
+    <p:extLst>
+      <p:ext uri="{BB962C8B-B14F-4D97-AF65-F5344CB8AC3E}">
+        <p14:creationId xmlns:p14="http://schemas.microsoft.com/office/powerpoint/2010/main" val="2685069269"/>
+      </p:ext>
+    </p:extLst>
+  </p:cSld>
+  <p:clrMapOvr>
+    <a:masterClrMapping/>
+  </p:clrMapOvr>
+</p:sld>
+</file>
+
+<file path=ppt/slides/slide31.xml><?xml version="1.0" encoding="utf-8"?>
+<p:sld xmlns:a="http://schemas.openxmlformats.org/drawingml/2006/main" xmlns:r="http://schemas.openxmlformats.org/officeDocument/2006/relationships" xmlns:p="http://schemas.openxmlformats.org/presentationml/2006/main">
+  <p:cSld>
+    <p:spTree>
+      <p:nvGrpSpPr>
+        <p:cNvPr id="1" name=""/>
+        <p:cNvGrpSpPr/>
+        <p:nvPr/>
+      </p:nvGrpSpPr>
+      <p:grpSpPr>
+        <a:xfrm>
+          <a:off x="0" y="0"/>
+          <a:ext cx="0" cy="0"/>
+          <a:chOff x="0" y="0"/>
+          <a:chExt cx="0" cy="0"/>
+        </a:xfrm>
+      </p:grpSpPr>
+      <p:sp>
+        <p:nvSpPr>
+          <p:cNvPr id="2" name="Title 1">
+            <a:extLst>
+              <a:ext uri="{FF2B5EF4-FFF2-40B4-BE49-F238E27FC236}">
+                <a16:creationId xmlns:a16="http://schemas.microsoft.com/office/drawing/2014/main" id="{6727981F-8DDB-4942-9095-1A301A93096A}"/>
+              </a:ext>
+            </a:extLst>
+          </p:cNvPr>
+          <p:cNvSpPr>
+            <a:spLocks noGrp="1"/>
+          </p:cNvSpPr>
+          <p:nvPr>
+            <p:ph type="ctrTitle"/>
+          </p:nvPr>
+        </p:nvSpPr>
+        <p:spPr/>
+        <p:txBody>
+          <a:bodyPr/>
+          <a:lstStyle/>
+          <a:p>
+            <a:r>
+              <a:rPr lang="vi-VN" dirty="0"/>
+              <a:t>THANK YOU VERY MUCH</a:t>
+            </a:r>
+            <a:endParaRPr lang="en-US" dirty="0"/>
+          </a:p>
+        </p:txBody>
+      </p:sp>
+      <p:sp>
+        <p:nvSpPr>
+          <p:cNvPr id="3" name="Subtitle 2">
+            <a:extLst>
+              <a:ext uri="{FF2B5EF4-FFF2-40B4-BE49-F238E27FC236}">
+                <a16:creationId xmlns:a16="http://schemas.microsoft.com/office/drawing/2014/main" id="{E3DE8CBC-CC0F-41DD-9762-03FD26D3B012}"/>
+              </a:ext>
+            </a:extLst>
+          </p:cNvPr>
+          <p:cNvSpPr>
+            <a:spLocks noGrp="1"/>
+          </p:cNvSpPr>
+          <p:nvPr>
+            <p:ph type="subTitle" idx="1"/>
+          </p:nvPr>
+        </p:nvSpPr>
+        <p:spPr/>
+        <p:txBody>
+          <a:bodyPr/>
+          <a:lstStyle/>
+          <a:p>
+            <a:r>
+              <a:rPr lang="vi-VN" dirty="0"/>
+              <a:t>Can Tho University</a:t>
+            </a:r>
+            <a:endParaRPr lang="en-US" dirty="0"/>
+          </a:p>
+        </p:txBody>
+      </p:sp>
+    </p:spTree>
+    <p:extLst>
+      <p:ext uri="{BB962C8B-B14F-4D97-AF65-F5344CB8AC3E}">
+        <p14:creationId xmlns:p14="http://schemas.microsoft.com/office/powerpoint/2010/main" val="131648227"/>
       </p:ext>
     </p:extLst>
   </p:cSld>
@@ -42119,43 +45290,17 @@
           </a:bodyPr>
           <a:lstStyle/>
           <a:p>
-            <a:pPr marL="342900" indent="-342900">
+            <a:pPr marL="342900" lvl="0" indent="-342900" algn="l">
+              <a:spcBef>
+                <a:spcPts val="0"/>
+              </a:spcBef>
               <a:buFont typeface="Arial" panose="020B0604020202020204" pitchFamily="34" charset="0"/>
               <a:buChar char="•"/>
+              <a:defRPr/>
             </a:pPr>
             <a:r>
               <a:rPr lang="en-US" dirty="0"/>
-              <a:t>Develop a beginner friendly Android app for safe mushroom identification that support safe foraging practices and self-learning.</a:t>
-            </a:r>
-          </a:p>
-          <a:p>
-            <a:pPr marL="342900" indent="-342900">
-              <a:buFont typeface="Arial" panose="020B0604020202020204" pitchFamily="34" charset="0"/>
-              <a:buChar char="•"/>
-            </a:pPr>
-            <a:r>
-              <a:rPr lang="en-US" dirty="0"/>
-              <a:t>Provide real time image recognition using a server-side model with local result storage.</a:t>
-            </a:r>
-          </a:p>
-          <a:p>
-            <a:pPr marL="342900" indent="-342900">
-              <a:buFont typeface="Arial" panose="020B0604020202020204" pitchFamily="34" charset="0"/>
-              <a:buChar char="•"/>
-            </a:pPr>
-            <a:r>
-              <a:rPr lang="en-US" dirty="0"/>
-              <a:t>Include a keyword-searchable mushroom database.</a:t>
-            </a:r>
-          </a:p>
-          <a:p>
-            <a:pPr marL="342900" indent="-342900">
-              <a:buFont typeface="Arial" panose="020B0604020202020204" pitchFamily="34" charset="0"/>
-              <a:buChar char="•"/>
-            </a:pPr>
-            <a:r>
-              <a:rPr lang="en-US" dirty="0"/>
-              <a:t>Integrate an interactive forage map using iNaturalist community observations.</a:t>
+              <a:t>The primary purpose of this study is to develop a beginner-friendly Android application that supports safe mushroom identification, promotes responsible foraging practices, and facilitates self-learning.</a:t>
             </a:r>
           </a:p>
           <a:p>
@@ -42274,7 +45419,7 @@
             </a:pPr>
             <a:r>
               <a:rPr lang="en-US" dirty="0"/>
-              <a:t>Design a fast client server architecture with intuitive UI/UX.</a:t>
+              <a:t>Combine image inference, search, history, and map features.</a:t>
             </a:r>
           </a:p>
           <a:p>
@@ -42284,7 +45429,7 @@
             </a:pPr>
             <a:r>
               <a:rPr lang="en-US" dirty="0"/>
-              <a:t>Combine image inference, search, history, and map features.</a:t>
+              <a:t>Design a fast client-server architecture with intuitive UI/UX.</a:t>
             </a:r>
           </a:p>
           <a:p>
@@ -42483,7 +45628,7 @@
         <p:spPr/>
         <p:txBody>
           <a:bodyPr>
-            <a:normAutofit lnSpcReduction="10000"/>
+            <a:normAutofit/>
           </a:bodyPr>
           <a:lstStyle/>
           <a:p>
@@ -42536,11 +45681,11 @@
             </a:pPr>
             <a:r>
               <a:rPr lang="en-US" b="1" dirty="0"/>
-              <a:t>PyTorch + Transformers</a:t>
+              <a:t>PyTorch + Kaggle</a:t>
             </a:r>
             <a:r>
               <a:rPr lang="en-US" dirty="0"/>
-              <a:t>: Training, deploying, and serving the ViT model.</a:t>
+              <a:t>: Training and testing the ViT model.</a:t>
             </a:r>
           </a:p>
           <a:p>
@@ -42554,7 +45699,7 @@
             </a:r>
             <a:r>
               <a:rPr lang="en-US" dirty="0"/>
-              <a:t>: High-performance API layer for inference.</a:t>
+              <a:t>: Deploying and serving the model.</a:t>
             </a:r>
           </a:p>
           <a:p>
@@ -42674,7 +45819,7 @@
             </a:pPr>
             <a:r>
               <a:rPr lang="en-US" dirty="0"/>
-              <a:t>Higher accuracy than ResNet-50, EfficientNet, and MobileNet on our mushroom dataset</a:t>
+              <a:t>Good for subtle details and complex textures</a:t>
             </a:r>
           </a:p>
           <a:p>
@@ -42684,7 +45829,7 @@
             </a:pPr>
             <a:r>
               <a:rPr lang="en-US" dirty="0"/>
-              <a:t>Perfect for subtle details and complex textures</a:t>
+              <a:t>Higher accuracy than ResNet-50, EfficientNet, and MobileNet on the custom dataset</a:t>
             </a:r>
           </a:p>
           <a:p>

--- a/Báo cáo/ThesisReport.pptx
+++ b/Báo cáo/ThesisReport.pptx
@@ -227,7 +227,7 @@
           <a:p>
             <a:fld id="{36BB93D1-677A-4727-ACB1-B4ED1776CBF7}" type="datetimeFigureOut">
               <a:rPr lang="vi-VN" smtClean="0"/>
-              <a:t>15/12/2025</a:t>
+              <a:t>16/12/2025</a:t>
             </a:fld>
             <a:endParaRPr lang="vi-VN"/>
           </a:p>
@@ -560,7 +560,7 @@
               <a:rPr lang="en-US" dirty="0">
                 <a:effectLst/>
               </a:rPr>
-              <a:t>Hello, I am Quang Vinh, thanks for coming to my thesis defense presentation titled: “Developing a Mushroom Identification Application. Advised by Dr. BVQB</a:t>
+              <a:t>Hello, I am Quang Vinh, thanks for coming to my thesis defense presentation today, which is titled: “Developing a Mushroom Identification Application. Advised by Dr. BVQB</a:t>
             </a:r>
             <a:endParaRPr lang="en-US" dirty="0"/>
           </a:p>
@@ -1736,25 +1736,25 @@
           <a:p>
             <a:r>
               <a:rPr lang="en-US" dirty="0"/>
-              <a:t>1. Introduction,</a:t>
+              <a:t>1. The Introduction</a:t>
             </a:r>
           </a:p>
           <a:p>
             <a:r>
               <a:rPr lang="en-US" dirty="0"/>
-              <a:t>2. Theoretical basis and systems analysis,</a:t>
+              <a:t>2. Then Theoretical basis and systems analysis</a:t>
             </a:r>
           </a:p>
           <a:p>
             <a:r>
               <a:rPr lang="en-US" dirty="0"/>
-              <a:t>3. Implementation, </a:t>
+              <a:t>3. Then Implementation</a:t>
             </a:r>
           </a:p>
           <a:p>
             <a:r>
               <a:rPr lang="en-US" dirty="0"/>
-              <a:t>4. Conclusion.</a:t>
+              <a:t>4. And the Conclusion</a:t>
             </a:r>
           </a:p>
           <a:p>
@@ -2924,7 +2924,7 @@
           <a:p>
             <a:r>
               <a:rPr lang="en-US" dirty="0"/>
-              <a:t>And errors still happen despite prior knowledge </a:t>
+              <a:t>Which spawn errors despite prior knowledge </a:t>
             </a:r>
           </a:p>
           <a:p>
@@ -2933,7 +2933,7 @@
           <a:p>
             <a:r>
               <a:rPr lang="en-US" dirty="0"/>
-              <a:t>With the increase in interest for foraging, there has been demand a tool that is beginner friendly </a:t>
+              <a:t>And With the increase in interest for foraging, there has been demand a tool that is beginner friendly </a:t>
             </a:r>
           </a:p>
           <a:p>
@@ -4738,7 +4738,7 @@
             <a:fld id="{D86B3AB3-BDCC-41BF-8781-963E853753C3}" type="datetime1">
               <a:rPr lang="en-US" smtClean="0"/>
               <a:pPr/>
-              <a:t>15-Dec-25</a:t>
+              <a:t>16-Dec-25</a:t>
             </a:fld>
             <a:endParaRPr lang="en-US"/>
           </a:p>
@@ -6011,7 +6011,7 @@
             <a:fld id="{D86B3AB3-BDCC-41BF-8781-963E853753C3}" type="datetime1">
               <a:rPr lang="en-US" smtClean="0"/>
               <a:pPr/>
-              <a:t>15-Dec-25</a:t>
+              <a:t>16-Dec-25</a:t>
             </a:fld>
             <a:endParaRPr lang="en-US"/>
           </a:p>
@@ -7108,7 +7108,7 @@
             <a:fld id="{D86B3AB3-BDCC-41BF-8781-963E853753C3}" type="datetime1">
               <a:rPr lang="en-US" smtClean="0"/>
               <a:pPr/>
-              <a:t>15-Dec-25</a:t>
+              <a:t>16-Dec-25</a:t>
             </a:fld>
             <a:endParaRPr lang="en-US"/>
           </a:p>
@@ -8233,7 +8233,7 @@
             <a:fld id="{D86B3AB3-BDCC-41BF-8781-963E853753C3}" type="datetime1">
               <a:rPr lang="en-US" smtClean="0"/>
               <a:pPr/>
-              <a:t>15-Dec-25</a:t>
+              <a:t>16-Dec-25</a:t>
             </a:fld>
             <a:endParaRPr lang="en-US"/>
           </a:p>
@@ -9216,7 +9216,7 @@
             <a:fld id="{D86B3AB3-BDCC-41BF-8781-963E853753C3}" type="datetime1">
               <a:rPr lang="en-US" smtClean="0"/>
               <a:pPr/>
-              <a:t>15-Dec-25</a:t>
+              <a:t>16-Dec-25</a:t>
             </a:fld>
             <a:endParaRPr lang="en-US"/>
           </a:p>
@@ -10199,7 +10199,7 @@
             <a:fld id="{D86B3AB3-BDCC-41BF-8781-963E853753C3}" type="datetime1">
               <a:rPr lang="en-US" smtClean="0"/>
               <a:pPr/>
-              <a:t>15-Dec-25</a:t>
+              <a:t>16-Dec-25</a:t>
             </a:fld>
             <a:endParaRPr lang="en-US"/>
           </a:p>
@@ -11203,7 +11203,7 @@
             <a:fld id="{D86B3AB3-BDCC-41BF-8781-963E853753C3}" type="datetime1">
               <a:rPr lang="en-US" smtClean="0"/>
               <a:pPr/>
-              <a:t>15-Dec-25</a:t>
+              <a:t>16-Dec-25</a:t>
             </a:fld>
             <a:endParaRPr lang="en-US"/>
           </a:p>
@@ -12292,7 +12292,7 @@
             <a:fld id="{D86B3AB3-BDCC-41BF-8781-963E853753C3}" type="datetime1">
               <a:rPr lang="en-US" smtClean="0"/>
               <a:pPr/>
-              <a:t>15-Dec-25</a:t>
+              <a:t>16-Dec-25</a:t>
             </a:fld>
             <a:endParaRPr lang="en-US"/>
           </a:p>
@@ -13202,7 +13202,7 @@
             <a:fld id="{D86B3AB3-BDCC-41BF-8781-963E853753C3}" type="datetime1">
               <a:rPr lang="en-US" smtClean="0"/>
               <a:pPr/>
-              <a:t>15-Dec-25</a:t>
+              <a:t>16-Dec-25</a:t>
             </a:fld>
             <a:endParaRPr lang="en-US"/>
           </a:p>
@@ -14649,7 +14649,7 @@
             <a:fld id="{D86B3AB3-BDCC-41BF-8781-963E853753C3}" type="datetime1">
               <a:rPr lang="en-US" smtClean="0"/>
               <a:pPr/>
-              <a:t>15-Dec-25</a:t>
+              <a:t>16-Dec-25</a:t>
             </a:fld>
             <a:endParaRPr lang="en-US"/>
           </a:p>
@@ -15868,7 +15868,7 @@
             <a:fld id="{D86B3AB3-BDCC-41BF-8781-963E853753C3}" type="datetime1">
               <a:rPr lang="en-US" smtClean="0"/>
               <a:pPr/>
-              <a:t>15-Dec-25</a:t>
+              <a:t>16-Dec-25</a:t>
             </a:fld>
             <a:endParaRPr lang="en-US"/>
           </a:p>
@@ -16689,7 +16689,7 @@
             <a:fld id="{D86B3AB3-BDCC-41BF-8781-963E853753C3}" type="datetime1">
               <a:rPr lang="en-US" smtClean="0"/>
               <a:pPr/>
-              <a:t>15-Dec-25</a:t>
+              <a:t>16-Dec-25</a:t>
             </a:fld>
             <a:endParaRPr lang="en-US"/>
           </a:p>
@@ -17899,7 +17899,7 @@
             <a:fld id="{D86B3AB3-BDCC-41BF-8781-963E853753C3}" type="datetime1">
               <a:rPr lang="en-US" smtClean="0"/>
               <a:pPr/>
-              <a:t>15-Dec-25</a:t>
+              <a:t>16-Dec-25</a:t>
             </a:fld>
             <a:endParaRPr lang="en-US"/>
           </a:p>
@@ -18743,7 +18743,7 @@
             <a:fld id="{D86B3AB3-BDCC-41BF-8781-963E853753C3}" type="datetime1">
               <a:rPr lang="en-US" smtClean="0"/>
               <a:pPr/>
-              <a:t>15-Dec-25</a:t>
+              <a:t>16-Dec-25</a:t>
             </a:fld>
             <a:endParaRPr lang="en-US"/>
           </a:p>
@@ -19448,7 +19448,7 @@
             <a:fld id="{D86B3AB3-BDCC-41BF-8781-963E853753C3}" type="datetime1">
               <a:rPr lang="en-US" smtClean="0"/>
               <a:pPr/>
-              <a:t>15-Dec-25</a:t>
+              <a:t>16-Dec-25</a:t>
             </a:fld>
             <a:endParaRPr lang="en-US"/>
           </a:p>
@@ -20174,7 +20174,7 @@
             <a:fld id="{D86B3AB3-BDCC-41BF-8781-963E853753C3}" type="datetime1">
               <a:rPr lang="en-US" smtClean="0"/>
               <a:pPr/>
-              <a:t>15-Dec-25</a:t>
+              <a:t>16-Dec-25</a:t>
             </a:fld>
             <a:endParaRPr lang="en-US"/>
           </a:p>
@@ -20974,7 +20974,7 @@
             <a:fld id="{D86B3AB3-BDCC-41BF-8781-963E853753C3}" type="datetime1">
               <a:rPr lang="en-US" smtClean="0"/>
               <a:pPr/>
-              <a:t>15-Dec-25</a:t>
+              <a:t>16-Dec-25</a:t>
             </a:fld>
             <a:endParaRPr lang="en-US"/>
           </a:p>
@@ -21777,7 +21777,7 @@
             <a:fld id="{D86B3AB3-BDCC-41BF-8781-963E853753C3}" type="datetime1">
               <a:rPr lang="en-US" smtClean="0"/>
               <a:pPr/>
-              <a:t>15-Dec-25</a:t>
+              <a:t>16-Dec-25</a:t>
             </a:fld>
             <a:endParaRPr lang="en-US"/>
           </a:p>
@@ -24751,7 +24751,7 @@
             <a:fld id="{D86B3AB3-BDCC-41BF-8781-963E853753C3}" type="datetime1">
               <a:rPr lang="en-US" smtClean="0"/>
               <a:pPr/>
-              <a:t>15-Dec-25</a:t>
+              <a:t>16-Dec-25</a:t>
             </a:fld>
             <a:endParaRPr lang="en-US"/>
           </a:p>
@@ -27881,7 +27881,7 @@
             <a:fld id="{D86B3AB3-BDCC-41BF-8781-963E853753C3}" type="datetime1">
               <a:rPr lang="en-US" smtClean="0"/>
               <a:pPr/>
-              <a:t>15-Dec-25</a:t>
+              <a:t>16-Dec-25</a:t>
             </a:fld>
             <a:endParaRPr lang="en-US"/>
           </a:p>
@@ -28897,7 +28897,7 @@
             <a:fld id="{D86B3AB3-BDCC-41BF-8781-963E853753C3}" type="datetime1">
               <a:rPr lang="en-US" smtClean="0"/>
               <a:pPr/>
-              <a:t>15-Dec-25</a:t>
+              <a:t>16-Dec-25</a:t>
             </a:fld>
             <a:endParaRPr lang="en-US"/>
           </a:p>
@@ -30999,7 +30999,7 @@
             <a:fld id="{D86B3AB3-BDCC-41BF-8781-963E853753C3}" type="datetime1">
               <a:rPr lang="en-US" smtClean="0"/>
               <a:pPr/>
-              <a:t>15-Dec-25</a:t>
+              <a:t>16-Dec-25</a:t>
             </a:fld>
             <a:endParaRPr lang="en-US"/>
           </a:p>
@@ -33194,7 +33194,7 @@
             <a:fld id="{D86B3AB3-BDCC-41BF-8781-963E853753C3}" type="datetime1">
               <a:rPr lang="en-US" smtClean="0"/>
               <a:pPr/>
-              <a:t>15-Dec-25</a:t>
+              <a:t>16-Dec-25</a:t>
             </a:fld>
             <a:endParaRPr lang="en-US"/>
           </a:p>
@@ -34381,7 +34381,7 @@
             <a:fld id="{D86B3AB3-BDCC-41BF-8781-963E853753C3}" type="datetime1">
               <a:rPr lang="en-US" smtClean="0"/>
               <a:pPr/>
-              <a:t>15-Dec-25</a:t>
+              <a:t>16-Dec-25</a:t>
             </a:fld>
             <a:endParaRPr lang="en-US"/>
           </a:p>
@@ -35461,7 +35461,7 @@
             <a:fld id="{D86B3AB3-BDCC-41BF-8781-963E853753C3}" type="datetime1">
               <a:rPr lang="en-US" smtClean="0"/>
               <a:pPr/>
-              <a:t>15-Dec-25</a:t>
+              <a:t>16-Dec-25</a:t>
             </a:fld>
             <a:endParaRPr lang="en-US"/>
           </a:p>
@@ -36418,7 +36418,7 @@
             <a:fld id="{D86B3AB3-BDCC-41BF-8781-963E853753C3}" type="datetime1">
               <a:rPr lang="en-US" smtClean="0"/>
               <a:pPr/>
-              <a:t>15-Dec-25</a:t>
+              <a:t>16-Dec-25</a:t>
             </a:fld>
             <a:endParaRPr lang="en-US"/>
           </a:p>
@@ -37321,7 +37321,7 @@
             <a:fld id="{D86B3AB3-BDCC-41BF-8781-963E853753C3}" type="datetime1">
               <a:rPr lang="en-US" smtClean="0"/>
               <a:pPr/>
-              <a:t>15-Dec-25</a:t>
+              <a:t>16-Dec-25</a:t>
             </a:fld>
             <a:endParaRPr lang="en-US"/>
           </a:p>
@@ -38256,7 +38256,7 @@
             <a:fld id="{D86B3AB3-BDCC-41BF-8781-963E853753C3}" type="datetime1">
               <a:rPr lang="en-US" smtClean="0"/>
               <a:pPr/>
-              <a:t>15-Dec-25</a:t>
+              <a:t>16-Dec-25</a:t>
             </a:fld>
             <a:endParaRPr lang="en-US"/>
           </a:p>
@@ -39285,7 +39285,7 @@
             <a:fld id="{D86B3AB3-BDCC-41BF-8781-963E853753C3}" type="datetime1">
               <a:rPr lang="en-US" smtClean="0"/>
               <a:pPr/>
-              <a:t>15-Dec-25</a:t>
+              <a:t>16-Dec-25</a:t>
             </a:fld>
             <a:endParaRPr lang="en-US"/>
           </a:p>
@@ -39676,7 +39676,7 @@
             <a:fld id="{00D1CE85-AA59-46D7-98F4-301D80B40614}" type="datetimeFigureOut">
               <a:rPr lang="en-US" smtClean="0"/>
               <a:pPr/>
-              <a:t>15-Dec-25</a:t>
+              <a:t>16-Dec-25</a:t>
             </a:fld>
             <a:endParaRPr lang="en-US"/>
           </a:p>
@@ -40411,6 +40411,226 @@
   <p:clrMapOvr>
     <a:masterClrMapping/>
   </p:clrMapOvr>
+  <p:timing>
+    <p:tnLst>
+      <p:par>
+        <p:cTn id="1" dur="indefinite" restart="never" nodeType="tmRoot">
+          <p:childTnLst>
+            <p:seq concurrent="1" nextAc="seek">
+              <p:cTn id="2" dur="indefinite" nodeType="mainSeq">
+                <p:childTnLst>
+                  <p:par>
+                    <p:cTn id="3" fill="hold">
+                      <p:stCondLst>
+                        <p:cond delay="indefinite"/>
+                      </p:stCondLst>
+                      <p:childTnLst>
+                        <p:par>
+                          <p:cTn id="4" fill="hold">
+                            <p:stCondLst>
+                              <p:cond delay="0"/>
+                            </p:stCondLst>
+                            <p:childTnLst>
+                              <p:par>
+                                <p:cTn id="5" presetID="10" presetClass="entr" presetSubtype="0" fill="hold" nodeType="clickEffect">
+                                  <p:stCondLst>
+                                    <p:cond delay="0"/>
+                                  </p:stCondLst>
+                                  <p:childTnLst>
+                                    <p:set>
+                                      <p:cBhvr>
+                                        <p:cTn id="6" dur="1" fill="hold">
+                                          <p:stCondLst>
+                                            <p:cond delay="0"/>
+                                          </p:stCondLst>
+                                        </p:cTn>
+                                        <p:tgtEl>
+                                          <p:spTgt spid="3">
+                                            <p:txEl>
+                                              <p:pRg st="0" end="0"/>
+                                            </p:txEl>
+                                          </p:spTgt>
+                                        </p:tgtEl>
+                                        <p:attrNameLst>
+                                          <p:attrName>style.visibility</p:attrName>
+                                        </p:attrNameLst>
+                                      </p:cBhvr>
+                                      <p:to>
+                                        <p:strVal val="visible"/>
+                                      </p:to>
+                                    </p:set>
+                                    <p:animEffect transition="in" filter="fade">
+                                      <p:cBhvr>
+                                        <p:cTn id="7" dur="250"/>
+                                        <p:tgtEl>
+                                          <p:spTgt spid="3">
+                                            <p:txEl>
+                                              <p:pRg st="0" end="0"/>
+                                            </p:txEl>
+                                          </p:spTgt>
+                                        </p:tgtEl>
+                                      </p:cBhvr>
+                                    </p:animEffect>
+                                  </p:childTnLst>
+                                </p:cTn>
+                              </p:par>
+                              <p:par>
+                                <p:cTn id="8" presetID="10" presetClass="entr" presetSubtype="0" fill="hold" nodeType="withEffect">
+                                  <p:stCondLst>
+                                    <p:cond delay="0"/>
+                                  </p:stCondLst>
+                                  <p:childTnLst>
+                                    <p:set>
+                                      <p:cBhvr>
+                                        <p:cTn id="9" dur="1" fill="hold">
+                                          <p:stCondLst>
+                                            <p:cond delay="0"/>
+                                          </p:stCondLst>
+                                        </p:cTn>
+                                        <p:tgtEl>
+                                          <p:spTgt spid="3">
+                                            <p:txEl>
+                                              <p:pRg st="1" end="1"/>
+                                            </p:txEl>
+                                          </p:spTgt>
+                                        </p:tgtEl>
+                                        <p:attrNameLst>
+                                          <p:attrName>style.visibility</p:attrName>
+                                        </p:attrNameLst>
+                                      </p:cBhvr>
+                                      <p:to>
+                                        <p:strVal val="visible"/>
+                                      </p:to>
+                                    </p:set>
+                                    <p:animEffect transition="in" filter="fade">
+                                      <p:cBhvr>
+                                        <p:cTn id="10" dur="250"/>
+                                        <p:tgtEl>
+                                          <p:spTgt spid="3">
+                                            <p:txEl>
+                                              <p:pRg st="1" end="1"/>
+                                            </p:txEl>
+                                          </p:spTgt>
+                                        </p:tgtEl>
+                                      </p:cBhvr>
+                                    </p:animEffect>
+                                  </p:childTnLst>
+                                </p:cTn>
+                              </p:par>
+                              <p:par>
+                                <p:cTn id="11" presetID="10" presetClass="entr" presetSubtype="0" fill="hold" nodeType="withEffect">
+                                  <p:stCondLst>
+                                    <p:cond delay="0"/>
+                                  </p:stCondLst>
+                                  <p:childTnLst>
+                                    <p:set>
+                                      <p:cBhvr>
+                                        <p:cTn id="12" dur="1" fill="hold">
+                                          <p:stCondLst>
+                                            <p:cond delay="0"/>
+                                          </p:stCondLst>
+                                        </p:cTn>
+                                        <p:tgtEl>
+                                          <p:spTgt spid="3">
+                                            <p:txEl>
+                                              <p:pRg st="2" end="2"/>
+                                            </p:txEl>
+                                          </p:spTgt>
+                                        </p:tgtEl>
+                                        <p:attrNameLst>
+                                          <p:attrName>style.visibility</p:attrName>
+                                        </p:attrNameLst>
+                                      </p:cBhvr>
+                                      <p:to>
+                                        <p:strVal val="visible"/>
+                                      </p:to>
+                                    </p:set>
+                                    <p:animEffect transition="in" filter="fade">
+                                      <p:cBhvr>
+                                        <p:cTn id="13" dur="250"/>
+                                        <p:tgtEl>
+                                          <p:spTgt spid="3">
+                                            <p:txEl>
+                                              <p:pRg st="2" end="2"/>
+                                            </p:txEl>
+                                          </p:spTgt>
+                                        </p:tgtEl>
+                                      </p:cBhvr>
+                                    </p:animEffect>
+                                  </p:childTnLst>
+                                </p:cTn>
+                              </p:par>
+                              <p:par>
+                                <p:cTn id="14" presetID="10" presetClass="entr" presetSubtype="0" fill="hold" nodeType="withEffect">
+                                  <p:stCondLst>
+                                    <p:cond delay="0"/>
+                                  </p:stCondLst>
+                                  <p:childTnLst>
+                                    <p:set>
+                                      <p:cBhvr>
+                                        <p:cTn id="15" dur="1" fill="hold">
+                                          <p:stCondLst>
+                                            <p:cond delay="0"/>
+                                          </p:stCondLst>
+                                        </p:cTn>
+                                        <p:tgtEl>
+                                          <p:spTgt spid="3">
+                                            <p:txEl>
+                                              <p:pRg st="3" end="3"/>
+                                            </p:txEl>
+                                          </p:spTgt>
+                                        </p:tgtEl>
+                                        <p:attrNameLst>
+                                          <p:attrName>style.visibility</p:attrName>
+                                        </p:attrNameLst>
+                                      </p:cBhvr>
+                                      <p:to>
+                                        <p:strVal val="visible"/>
+                                      </p:to>
+                                    </p:set>
+                                    <p:animEffect transition="in" filter="fade">
+                                      <p:cBhvr>
+                                        <p:cTn id="16" dur="250"/>
+                                        <p:tgtEl>
+                                          <p:spTgt spid="3">
+                                            <p:txEl>
+                                              <p:pRg st="3" end="3"/>
+                                            </p:txEl>
+                                          </p:spTgt>
+                                        </p:tgtEl>
+                                      </p:cBhvr>
+                                    </p:animEffect>
+                                  </p:childTnLst>
+                                </p:cTn>
+                              </p:par>
+                            </p:childTnLst>
+                          </p:cTn>
+                        </p:par>
+                      </p:childTnLst>
+                    </p:cTn>
+                  </p:par>
+                </p:childTnLst>
+              </p:cTn>
+              <p:prevCondLst>
+                <p:cond evt="onPrev" delay="0">
+                  <p:tgtEl>
+                    <p:sldTgt/>
+                  </p:tgtEl>
+                </p:cond>
+              </p:prevCondLst>
+              <p:nextCondLst>
+                <p:cond evt="onNext" delay="0">
+                  <p:tgtEl>
+                    <p:sldTgt/>
+                  </p:tgtEl>
+                </p:cond>
+              </p:nextCondLst>
+            </p:seq>
+          </p:childTnLst>
+        </p:cTn>
+      </p:par>
+    </p:tnLst>
+  </p:timing>
 </p:sld>
 </file>
 
@@ -40507,6 +40727,89 @@
   <p:clrMapOvr>
     <a:masterClrMapping/>
   </p:clrMapOvr>
+  <p:timing>
+    <p:tnLst>
+      <p:par>
+        <p:cTn id="1" dur="indefinite" restart="never" nodeType="tmRoot">
+          <p:childTnLst>
+            <p:seq concurrent="1" nextAc="seek">
+              <p:cTn id="2" dur="indefinite" nodeType="mainSeq">
+                <p:childTnLst>
+                  <p:par>
+                    <p:cTn id="3" fill="hold">
+                      <p:stCondLst>
+                        <p:cond delay="indefinite"/>
+                      </p:stCondLst>
+                      <p:childTnLst>
+                        <p:par>
+                          <p:cTn id="4" fill="hold">
+                            <p:stCondLst>
+                              <p:cond delay="0"/>
+                            </p:stCondLst>
+                            <p:childTnLst>
+                              <p:par>
+                                <p:cTn id="5" presetID="10" presetClass="entr" presetSubtype="0" fill="hold" nodeType="clickEffect">
+                                  <p:stCondLst>
+                                    <p:cond delay="0"/>
+                                  </p:stCondLst>
+                                  <p:childTnLst>
+                                    <p:set>
+                                      <p:cBhvr>
+                                        <p:cTn id="6" dur="1" fill="hold">
+                                          <p:stCondLst>
+                                            <p:cond delay="0"/>
+                                          </p:stCondLst>
+                                        </p:cTn>
+                                        <p:tgtEl>
+                                          <p:spTgt spid="5"/>
+                                        </p:tgtEl>
+                                        <p:attrNameLst>
+                                          <p:attrName>style.visibility</p:attrName>
+                                        </p:attrNameLst>
+                                      </p:cBhvr>
+                                      <p:to>
+                                        <p:strVal val="visible"/>
+                                      </p:to>
+                                    </p:set>
+                                    <p:animEffect transition="in" filter="fade">
+                                      <p:cBhvr>
+                                        <p:cTn id="7" dur="250"/>
+                                        <p:tgtEl>
+                                          <p:spTgt spid="5"/>
+                                        </p:tgtEl>
+                                      </p:cBhvr>
+                                    </p:animEffect>
+                                  </p:childTnLst>
+                                </p:cTn>
+                              </p:par>
+                            </p:childTnLst>
+                          </p:cTn>
+                        </p:par>
+                      </p:childTnLst>
+                    </p:cTn>
+                  </p:par>
+                </p:childTnLst>
+              </p:cTn>
+              <p:prevCondLst>
+                <p:cond evt="onPrev" delay="0">
+                  <p:tgtEl>
+                    <p:sldTgt/>
+                  </p:tgtEl>
+                </p:cond>
+              </p:prevCondLst>
+              <p:nextCondLst>
+                <p:cond evt="onNext" delay="0">
+                  <p:tgtEl>
+                    <p:sldTgt/>
+                  </p:tgtEl>
+                </p:cond>
+              </p:nextCondLst>
+            </p:seq>
+          </p:childTnLst>
+        </p:cTn>
+      </p:par>
+    </p:tnLst>
+  </p:timing>
 </p:sld>
 </file>
 
@@ -40603,6 +40906,89 @@
   <p:clrMapOvr>
     <a:masterClrMapping/>
   </p:clrMapOvr>
+  <p:timing>
+    <p:tnLst>
+      <p:par>
+        <p:cTn id="1" dur="indefinite" restart="never" nodeType="tmRoot">
+          <p:childTnLst>
+            <p:seq concurrent="1" nextAc="seek">
+              <p:cTn id="2" dur="indefinite" nodeType="mainSeq">
+                <p:childTnLst>
+                  <p:par>
+                    <p:cTn id="3" fill="hold">
+                      <p:stCondLst>
+                        <p:cond delay="indefinite"/>
+                      </p:stCondLst>
+                      <p:childTnLst>
+                        <p:par>
+                          <p:cTn id="4" fill="hold">
+                            <p:stCondLst>
+                              <p:cond delay="0"/>
+                            </p:stCondLst>
+                            <p:childTnLst>
+                              <p:par>
+                                <p:cTn id="5" presetID="10" presetClass="entr" presetSubtype="0" fill="hold" nodeType="clickEffect">
+                                  <p:stCondLst>
+                                    <p:cond delay="0"/>
+                                  </p:stCondLst>
+                                  <p:childTnLst>
+                                    <p:set>
+                                      <p:cBhvr>
+                                        <p:cTn id="6" dur="1" fill="hold">
+                                          <p:stCondLst>
+                                            <p:cond delay="0"/>
+                                          </p:stCondLst>
+                                        </p:cTn>
+                                        <p:tgtEl>
+                                          <p:spTgt spid="5"/>
+                                        </p:tgtEl>
+                                        <p:attrNameLst>
+                                          <p:attrName>style.visibility</p:attrName>
+                                        </p:attrNameLst>
+                                      </p:cBhvr>
+                                      <p:to>
+                                        <p:strVal val="visible"/>
+                                      </p:to>
+                                    </p:set>
+                                    <p:animEffect transition="in" filter="fade">
+                                      <p:cBhvr>
+                                        <p:cTn id="7" dur="250"/>
+                                        <p:tgtEl>
+                                          <p:spTgt spid="5"/>
+                                        </p:tgtEl>
+                                      </p:cBhvr>
+                                    </p:animEffect>
+                                  </p:childTnLst>
+                                </p:cTn>
+                              </p:par>
+                            </p:childTnLst>
+                          </p:cTn>
+                        </p:par>
+                      </p:childTnLst>
+                    </p:cTn>
+                  </p:par>
+                </p:childTnLst>
+              </p:cTn>
+              <p:prevCondLst>
+                <p:cond evt="onPrev" delay="0">
+                  <p:tgtEl>
+                    <p:sldTgt/>
+                  </p:tgtEl>
+                </p:cond>
+              </p:prevCondLst>
+              <p:nextCondLst>
+                <p:cond evt="onNext" delay="0">
+                  <p:tgtEl>
+                    <p:sldTgt/>
+                  </p:tgtEl>
+                </p:cond>
+              </p:nextCondLst>
+            </p:seq>
+          </p:childTnLst>
+        </p:cTn>
+      </p:par>
+    </p:tnLst>
+  </p:timing>
 </p:sld>
 </file>
 
@@ -40699,6 +41085,89 @@
   <p:clrMapOvr>
     <a:masterClrMapping/>
   </p:clrMapOvr>
+  <p:timing>
+    <p:tnLst>
+      <p:par>
+        <p:cTn id="1" dur="indefinite" restart="never" nodeType="tmRoot">
+          <p:childTnLst>
+            <p:seq concurrent="1" nextAc="seek">
+              <p:cTn id="2" dur="indefinite" nodeType="mainSeq">
+                <p:childTnLst>
+                  <p:par>
+                    <p:cTn id="3" fill="hold">
+                      <p:stCondLst>
+                        <p:cond delay="indefinite"/>
+                      </p:stCondLst>
+                      <p:childTnLst>
+                        <p:par>
+                          <p:cTn id="4" fill="hold">
+                            <p:stCondLst>
+                              <p:cond delay="0"/>
+                            </p:stCondLst>
+                            <p:childTnLst>
+                              <p:par>
+                                <p:cTn id="5" presetID="10" presetClass="entr" presetSubtype="0" fill="hold" nodeType="clickEffect">
+                                  <p:stCondLst>
+                                    <p:cond delay="0"/>
+                                  </p:stCondLst>
+                                  <p:childTnLst>
+                                    <p:set>
+                                      <p:cBhvr>
+                                        <p:cTn id="6" dur="1" fill="hold">
+                                          <p:stCondLst>
+                                            <p:cond delay="0"/>
+                                          </p:stCondLst>
+                                        </p:cTn>
+                                        <p:tgtEl>
+                                          <p:spTgt spid="4"/>
+                                        </p:tgtEl>
+                                        <p:attrNameLst>
+                                          <p:attrName>style.visibility</p:attrName>
+                                        </p:attrNameLst>
+                                      </p:cBhvr>
+                                      <p:to>
+                                        <p:strVal val="visible"/>
+                                      </p:to>
+                                    </p:set>
+                                    <p:animEffect transition="in" filter="fade">
+                                      <p:cBhvr>
+                                        <p:cTn id="7" dur="250"/>
+                                        <p:tgtEl>
+                                          <p:spTgt spid="4"/>
+                                        </p:tgtEl>
+                                      </p:cBhvr>
+                                    </p:animEffect>
+                                  </p:childTnLst>
+                                </p:cTn>
+                              </p:par>
+                            </p:childTnLst>
+                          </p:cTn>
+                        </p:par>
+                      </p:childTnLst>
+                    </p:cTn>
+                  </p:par>
+                </p:childTnLst>
+              </p:cTn>
+              <p:prevCondLst>
+                <p:cond evt="onPrev" delay="0">
+                  <p:tgtEl>
+                    <p:sldTgt/>
+                  </p:tgtEl>
+                </p:cond>
+              </p:prevCondLst>
+              <p:nextCondLst>
+                <p:cond evt="onNext" delay="0">
+                  <p:tgtEl>
+                    <p:sldTgt/>
+                  </p:tgtEl>
+                </p:cond>
+              </p:nextCondLst>
+            </p:seq>
+          </p:childTnLst>
+        </p:cTn>
+      </p:par>
+    </p:tnLst>
+  </p:timing>
 </p:sld>
 </file>
 
@@ -40777,7 +41246,7 @@
         </p:blipFill>
         <p:spPr>
           <a:xfrm>
-            <a:off x="2407729" y="1387340"/>
+            <a:off x="2426779" y="1387340"/>
             <a:ext cx="7056311" cy="4762738"/>
           </a:xfrm>
           <a:prstGeom prst="rect">
@@ -40795,6 +41264,89 @@
   <p:clrMapOvr>
     <a:masterClrMapping/>
   </p:clrMapOvr>
+  <p:timing>
+    <p:tnLst>
+      <p:par>
+        <p:cTn id="1" dur="indefinite" restart="never" nodeType="tmRoot">
+          <p:childTnLst>
+            <p:seq concurrent="1" nextAc="seek">
+              <p:cTn id="2" dur="indefinite" nodeType="mainSeq">
+                <p:childTnLst>
+                  <p:par>
+                    <p:cTn id="3" fill="hold">
+                      <p:stCondLst>
+                        <p:cond delay="indefinite"/>
+                      </p:stCondLst>
+                      <p:childTnLst>
+                        <p:par>
+                          <p:cTn id="4" fill="hold">
+                            <p:stCondLst>
+                              <p:cond delay="0"/>
+                            </p:stCondLst>
+                            <p:childTnLst>
+                              <p:par>
+                                <p:cTn id="5" presetID="10" presetClass="entr" presetSubtype="0" fill="hold" nodeType="clickEffect">
+                                  <p:stCondLst>
+                                    <p:cond delay="0"/>
+                                  </p:stCondLst>
+                                  <p:childTnLst>
+                                    <p:set>
+                                      <p:cBhvr>
+                                        <p:cTn id="6" dur="1" fill="hold">
+                                          <p:stCondLst>
+                                            <p:cond delay="0"/>
+                                          </p:stCondLst>
+                                        </p:cTn>
+                                        <p:tgtEl>
+                                          <p:spTgt spid="5"/>
+                                        </p:tgtEl>
+                                        <p:attrNameLst>
+                                          <p:attrName>style.visibility</p:attrName>
+                                        </p:attrNameLst>
+                                      </p:cBhvr>
+                                      <p:to>
+                                        <p:strVal val="visible"/>
+                                      </p:to>
+                                    </p:set>
+                                    <p:animEffect transition="in" filter="fade">
+                                      <p:cBhvr>
+                                        <p:cTn id="7" dur="250"/>
+                                        <p:tgtEl>
+                                          <p:spTgt spid="5"/>
+                                        </p:tgtEl>
+                                      </p:cBhvr>
+                                    </p:animEffect>
+                                  </p:childTnLst>
+                                </p:cTn>
+                              </p:par>
+                            </p:childTnLst>
+                          </p:cTn>
+                        </p:par>
+                      </p:childTnLst>
+                    </p:cTn>
+                  </p:par>
+                </p:childTnLst>
+              </p:cTn>
+              <p:prevCondLst>
+                <p:cond evt="onPrev" delay="0">
+                  <p:tgtEl>
+                    <p:sldTgt/>
+                  </p:tgtEl>
+                </p:cond>
+              </p:prevCondLst>
+              <p:nextCondLst>
+                <p:cond evt="onNext" delay="0">
+                  <p:tgtEl>
+                    <p:sldTgt/>
+                  </p:tgtEl>
+                </p:cond>
+              </p:nextCondLst>
+            </p:seq>
+          </p:childTnLst>
+        </p:cTn>
+      </p:par>
+    </p:tnLst>
+  </p:timing>
 </p:sld>
 </file>
 
@@ -40891,6 +41443,89 @@
   <p:clrMapOvr>
     <a:masterClrMapping/>
   </p:clrMapOvr>
+  <p:timing>
+    <p:tnLst>
+      <p:par>
+        <p:cTn id="1" dur="indefinite" restart="never" nodeType="tmRoot">
+          <p:childTnLst>
+            <p:seq concurrent="1" nextAc="seek">
+              <p:cTn id="2" dur="indefinite" nodeType="mainSeq">
+                <p:childTnLst>
+                  <p:par>
+                    <p:cTn id="3" fill="hold">
+                      <p:stCondLst>
+                        <p:cond delay="indefinite"/>
+                      </p:stCondLst>
+                      <p:childTnLst>
+                        <p:par>
+                          <p:cTn id="4" fill="hold">
+                            <p:stCondLst>
+                              <p:cond delay="0"/>
+                            </p:stCondLst>
+                            <p:childTnLst>
+                              <p:par>
+                                <p:cTn id="5" presetID="10" presetClass="entr" presetSubtype="0" fill="hold" nodeType="clickEffect">
+                                  <p:stCondLst>
+                                    <p:cond delay="0"/>
+                                  </p:stCondLst>
+                                  <p:childTnLst>
+                                    <p:set>
+                                      <p:cBhvr>
+                                        <p:cTn id="6" dur="1" fill="hold">
+                                          <p:stCondLst>
+                                            <p:cond delay="0"/>
+                                          </p:stCondLst>
+                                        </p:cTn>
+                                        <p:tgtEl>
+                                          <p:spTgt spid="4"/>
+                                        </p:tgtEl>
+                                        <p:attrNameLst>
+                                          <p:attrName>style.visibility</p:attrName>
+                                        </p:attrNameLst>
+                                      </p:cBhvr>
+                                      <p:to>
+                                        <p:strVal val="visible"/>
+                                      </p:to>
+                                    </p:set>
+                                    <p:animEffect transition="in" filter="fade">
+                                      <p:cBhvr>
+                                        <p:cTn id="7" dur="250"/>
+                                        <p:tgtEl>
+                                          <p:spTgt spid="4"/>
+                                        </p:tgtEl>
+                                      </p:cBhvr>
+                                    </p:animEffect>
+                                  </p:childTnLst>
+                                </p:cTn>
+                              </p:par>
+                            </p:childTnLst>
+                          </p:cTn>
+                        </p:par>
+                      </p:childTnLst>
+                    </p:cTn>
+                  </p:par>
+                </p:childTnLst>
+              </p:cTn>
+              <p:prevCondLst>
+                <p:cond evt="onPrev" delay="0">
+                  <p:tgtEl>
+                    <p:sldTgt/>
+                  </p:tgtEl>
+                </p:cond>
+              </p:prevCondLst>
+              <p:nextCondLst>
+                <p:cond evt="onNext" delay="0">
+                  <p:tgtEl>
+                    <p:sldTgt/>
+                  </p:tgtEl>
+                </p:cond>
+              </p:nextCondLst>
+            </p:seq>
+          </p:childTnLst>
+        </p:cTn>
+      </p:par>
+    </p:tnLst>
+  </p:timing>
 </p:sld>
 </file>
 
@@ -40987,6 +41622,89 @@
   <p:clrMapOvr>
     <a:masterClrMapping/>
   </p:clrMapOvr>
+  <p:timing>
+    <p:tnLst>
+      <p:par>
+        <p:cTn id="1" dur="indefinite" restart="never" nodeType="tmRoot">
+          <p:childTnLst>
+            <p:seq concurrent="1" nextAc="seek">
+              <p:cTn id="2" dur="indefinite" nodeType="mainSeq">
+                <p:childTnLst>
+                  <p:par>
+                    <p:cTn id="3" fill="hold">
+                      <p:stCondLst>
+                        <p:cond delay="indefinite"/>
+                      </p:stCondLst>
+                      <p:childTnLst>
+                        <p:par>
+                          <p:cTn id="4" fill="hold">
+                            <p:stCondLst>
+                              <p:cond delay="0"/>
+                            </p:stCondLst>
+                            <p:childTnLst>
+                              <p:par>
+                                <p:cTn id="5" presetID="10" presetClass="entr" presetSubtype="0" fill="hold" nodeType="clickEffect">
+                                  <p:stCondLst>
+                                    <p:cond delay="0"/>
+                                  </p:stCondLst>
+                                  <p:childTnLst>
+                                    <p:set>
+                                      <p:cBhvr>
+                                        <p:cTn id="6" dur="1" fill="hold">
+                                          <p:stCondLst>
+                                            <p:cond delay="0"/>
+                                          </p:stCondLst>
+                                        </p:cTn>
+                                        <p:tgtEl>
+                                          <p:spTgt spid="6"/>
+                                        </p:tgtEl>
+                                        <p:attrNameLst>
+                                          <p:attrName>style.visibility</p:attrName>
+                                        </p:attrNameLst>
+                                      </p:cBhvr>
+                                      <p:to>
+                                        <p:strVal val="visible"/>
+                                      </p:to>
+                                    </p:set>
+                                    <p:animEffect transition="in" filter="fade">
+                                      <p:cBhvr>
+                                        <p:cTn id="7" dur="250"/>
+                                        <p:tgtEl>
+                                          <p:spTgt spid="6"/>
+                                        </p:tgtEl>
+                                      </p:cBhvr>
+                                    </p:animEffect>
+                                  </p:childTnLst>
+                                </p:cTn>
+                              </p:par>
+                            </p:childTnLst>
+                          </p:cTn>
+                        </p:par>
+                      </p:childTnLst>
+                    </p:cTn>
+                  </p:par>
+                </p:childTnLst>
+              </p:cTn>
+              <p:prevCondLst>
+                <p:cond evt="onPrev" delay="0">
+                  <p:tgtEl>
+                    <p:sldTgt/>
+                  </p:tgtEl>
+                </p:cond>
+              </p:prevCondLst>
+              <p:nextCondLst>
+                <p:cond evt="onNext" delay="0">
+                  <p:tgtEl>
+                    <p:sldTgt/>
+                  </p:tgtEl>
+                </p:cond>
+              </p:nextCondLst>
+            </p:seq>
+          </p:childTnLst>
+        </p:cTn>
+      </p:par>
+    </p:tnLst>
+  </p:timing>
 </p:sld>
 </file>
 
@@ -41133,7 +41851,7 @@
             </p:spPr>
             <p:txBody>
               <a:bodyPr>
-                <a:normAutofit fontScale="85000" lnSpcReduction="20000"/>
+                <a:normAutofit fontScale="92500" lnSpcReduction="20000"/>
               </a:bodyPr>
               <a:lstStyle/>
               <a:p>
@@ -41164,6 +41882,7 @@
                 </a:r>
               </a:p>
               <a:p>
+                <a:pPr/>
                 <a14:m>
                   <m:oMathPara xmlns:m="http://schemas.openxmlformats.org/officeDocument/2006/math">
                     <m:oMathParaPr>
@@ -41173,7 +41892,10 @@
                       <m:sSub>
                         <m:sSubPr>
                           <m:ctrlPr>
-                            <a:rPr lang="en-US" i="1"/>
+                            <a:rPr lang="en-US" i="1">
+                              <a:latin typeface="Cambria Math" panose="02040503050406030204" pitchFamily="18" charset="0"/>
+                              <a:ea typeface="Cambria Math" panose="02040503050406030204" pitchFamily="18" charset="0"/>
+                            </a:rPr>
                           </m:ctrlPr>
                         </m:sSubPr>
                         <m:e>
@@ -41181,47 +41903,71 @@
                             <m:rPr>
                               <m:nor/>
                             </m:rPr>
-                            <a:rPr lang="en-US"/>
+                            <a:rPr lang="en-US">
+                              <a:latin typeface="Cambria Math" panose="02040503050406030204" pitchFamily="18" charset="0"/>
+                              <a:ea typeface="Cambria Math" panose="02040503050406030204" pitchFamily="18" charset="0"/>
+                            </a:rPr>
                             <m:t>Precision</m:t>
                           </m:r>
                         </m:e>
                         <m:sub>
                           <m:r>
-                            <a:rPr lang="en-US" i="1"/>
+                            <a:rPr lang="en-US" i="1">
+                              <a:latin typeface="Cambria Math" panose="02040503050406030204" pitchFamily="18" charset="0"/>
+                              <a:ea typeface="Cambria Math" panose="02040503050406030204" pitchFamily="18" charset="0"/>
+                            </a:rPr>
                             <m:t>𝑖</m:t>
                           </m:r>
                         </m:sub>
                       </m:sSub>
                       <m:r>
-                        <a:rPr lang="en-US" i="1"/>
+                        <a:rPr lang="en-US" i="1">
+                          <a:latin typeface="Cambria Math" panose="02040503050406030204" pitchFamily="18" charset="0"/>
+                          <a:ea typeface="Cambria Math" panose="02040503050406030204" pitchFamily="18" charset="0"/>
+                        </a:rPr>
                         <m:t>=</m:t>
                       </m:r>
                       <m:f>
                         <m:fPr>
                           <m:ctrlPr>
-                            <a:rPr lang="en-US" i="1"/>
+                            <a:rPr lang="en-US" i="1">
+                              <a:latin typeface="Cambria Math" panose="02040503050406030204" pitchFamily="18" charset="0"/>
+                              <a:ea typeface="Cambria Math" panose="02040503050406030204" pitchFamily="18" charset="0"/>
+                            </a:rPr>
                           </m:ctrlPr>
                         </m:fPr>
                         <m:num>
                           <m:r>
-                            <a:rPr lang="en-US" i="1"/>
+                            <a:rPr lang="en-US" i="1">
+                              <a:latin typeface="Cambria Math" panose="02040503050406030204" pitchFamily="18" charset="0"/>
+                              <a:ea typeface="Cambria Math" panose="02040503050406030204" pitchFamily="18" charset="0"/>
+                            </a:rPr>
                             <m:t>𝑇</m:t>
                           </m:r>
                           <m:sSub>
                             <m:sSubPr>
                               <m:ctrlPr>
-                                <a:rPr lang="en-US" i="1"/>
+                                <a:rPr lang="en-US" i="1">
+                                  <a:latin typeface="Cambria Math" panose="02040503050406030204" pitchFamily="18" charset="0"/>
+                                  <a:ea typeface="Cambria Math" panose="02040503050406030204" pitchFamily="18" charset="0"/>
+                                </a:rPr>
                               </m:ctrlPr>
                             </m:sSubPr>
                             <m:e>
                               <m:r>
-                                <a:rPr lang="en-US" i="1"/>
+                                <a:rPr lang="en-US" i="1">
+                                  <a:latin typeface="Cambria Math" panose="02040503050406030204" pitchFamily="18" charset="0"/>
+                                  <a:ea typeface="Cambria Math" panose="02040503050406030204" pitchFamily="18" charset="0"/>
+                                </a:rPr>
                                 <m:t>𝑃</m:t>
                               </m:r>
                             </m:e>
                             <m:sub>
                               <m:r>
-                                <a:rPr lang="en-US" i="1"/>
+                                <a:rPr lang="en-US" i="1">
+                                  <a:latin typeface="Cambria Math" panose="02040503050406030204" pitchFamily="18" charset="0"/>
+                                  <a:ea typeface="Cambria Math" panose="02040503050406030204" pitchFamily="18" charset="0"/>
+                                </a:rPr>
                                 <m:t>𝑖</m:t>
                               </m:r>
                             </m:sub>
@@ -41229,51 +41975,78 @@
                         </m:num>
                         <m:den>
                           <m:r>
-                            <a:rPr lang="en-US" i="1"/>
+                            <a:rPr lang="en-US" i="1">
+                              <a:latin typeface="Cambria Math" panose="02040503050406030204" pitchFamily="18" charset="0"/>
+                              <a:ea typeface="Cambria Math" panose="02040503050406030204" pitchFamily="18" charset="0"/>
+                            </a:rPr>
                             <m:t>𝑇</m:t>
                           </m:r>
                           <m:sSub>
                             <m:sSubPr>
                               <m:ctrlPr>
-                                <a:rPr lang="en-US" i="1"/>
+                                <a:rPr lang="en-US" i="1">
+                                  <a:latin typeface="Cambria Math" panose="02040503050406030204" pitchFamily="18" charset="0"/>
+                                  <a:ea typeface="Cambria Math" panose="02040503050406030204" pitchFamily="18" charset="0"/>
+                                </a:rPr>
                               </m:ctrlPr>
                             </m:sSubPr>
                             <m:e>
                               <m:r>
-                                <a:rPr lang="en-US" i="1"/>
+                                <a:rPr lang="en-US" i="1">
+                                  <a:latin typeface="Cambria Math" panose="02040503050406030204" pitchFamily="18" charset="0"/>
+                                  <a:ea typeface="Cambria Math" panose="02040503050406030204" pitchFamily="18" charset="0"/>
+                                </a:rPr>
                                 <m:t>𝑃</m:t>
                               </m:r>
                             </m:e>
                             <m:sub>
                               <m:r>
-                                <a:rPr lang="en-US" i="1"/>
+                                <a:rPr lang="en-US" i="1">
+                                  <a:latin typeface="Cambria Math" panose="02040503050406030204" pitchFamily="18" charset="0"/>
+                                  <a:ea typeface="Cambria Math" panose="02040503050406030204" pitchFamily="18" charset="0"/>
+                                </a:rPr>
                                 <m:t>𝑖</m:t>
                               </m:r>
                             </m:sub>
                           </m:sSub>
                           <m:r>
-                            <a:rPr lang="en-US" i="1"/>
+                            <a:rPr lang="en-US" i="1">
+                              <a:latin typeface="Cambria Math" panose="02040503050406030204" pitchFamily="18" charset="0"/>
+                              <a:ea typeface="Cambria Math" panose="02040503050406030204" pitchFamily="18" charset="0"/>
+                            </a:rPr>
                             <m:t>+</m:t>
                           </m:r>
                           <m:r>
-                            <a:rPr lang="en-US" i="1"/>
+                            <a:rPr lang="en-US" i="1">
+                              <a:latin typeface="Cambria Math" panose="02040503050406030204" pitchFamily="18" charset="0"/>
+                              <a:ea typeface="Cambria Math" panose="02040503050406030204" pitchFamily="18" charset="0"/>
+                            </a:rPr>
                             <m:t>𝐹</m:t>
                           </m:r>
                           <m:sSub>
                             <m:sSubPr>
                               <m:ctrlPr>
-                                <a:rPr lang="en-US" i="1"/>
+                                <a:rPr lang="en-US" i="1">
+                                  <a:latin typeface="Cambria Math" panose="02040503050406030204" pitchFamily="18" charset="0"/>
+                                  <a:ea typeface="Cambria Math" panose="02040503050406030204" pitchFamily="18" charset="0"/>
+                                </a:rPr>
                               </m:ctrlPr>
                             </m:sSubPr>
                             <m:e>
                               <m:r>
-                                <a:rPr lang="en-US" i="1"/>
+                                <a:rPr lang="en-US" i="1">
+                                  <a:latin typeface="Cambria Math" panose="02040503050406030204" pitchFamily="18" charset="0"/>
+                                  <a:ea typeface="Cambria Math" panose="02040503050406030204" pitchFamily="18" charset="0"/>
+                                </a:rPr>
                                 <m:t>𝑃</m:t>
                               </m:r>
                             </m:e>
                             <m:sub>
                               <m:r>
-                                <a:rPr lang="en-US" i="1"/>
+                                <a:rPr lang="en-US" i="1">
+                                  <a:latin typeface="Cambria Math" panose="02040503050406030204" pitchFamily="18" charset="0"/>
+                                  <a:ea typeface="Cambria Math" panose="02040503050406030204" pitchFamily="18" charset="0"/>
+                                </a:rPr>
                                 <m:t>𝑖</m:t>
                               </m:r>
                             </m:sub>
@@ -41283,10 +42056,13 @@
                     </m:oMath>
                   </m:oMathPara>
                 </a14:m>
-                <a:endParaRPr lang="en-US" dirty="0"/>
+                <a:endParaRPr lang="en-US" dirty="0">
+                  <a:latin typeface="Cambria Math" panose="02040503050406030204" pitchFamily="18" charset="0"/>
+                  <a:ea typeface="Cambria Math" panose="02040503050406030204" pitchFamily="18" charset="0"/>
+                </a:endParaRPr>
               </a:p>
               <a:p>
-                <a:endParaRPr lang="en-US" dirty="0"/>
+                <a:endParaRPr lang="en-US" sz="900" dirty="0"/>
               </a:p>
               <a:p>
                 <a:pPr marL="342900" lvl="0" indent="-342900" algn="l" eaLnBrk="0" fontAlgn="base" hangingPunct="0">
@@ -41314,6 +42090,7 @@
                 </a:r>
               </a:p>
               <a:p>
+                <a:pPr/>
                 <a14:m>
                   <m:oMathPara xmlns:m="http://schemas.openxmlformats.org/officeDocument/2006/math">
                     <m:oMathParaPr>
@@ -41323,7 +42100,10 @@
                       <m:sSub>
                         <m:sSubPr>
                           <m:ctrlPr>
-                            <a:rPr lang="en-US" i="1"/>
+                            <a:rPr lang="en-US" i="1">
+                              <a:latin typeface="Cambria Math" panose="02040503050406030204" pitchFamily="18" charset="0"/>
+                              <a:ea typeface="Cambria Math" panose="02040503050406030204" pitchFamily="18" charset="0"/>
+                            </a:rPr>
                           </m:ctrlPr>
                         </m:sSubPr>
                         <m:e>
@@ -41331,47 +42111,71 @@
                             <m:rPr>
                               <m:nor/>
                             </m:rPr>
-                            <a:rPr lang="en-US"/>
+                            <a:rPr lang="en-US">
+                              <a:latin typeface="Cambria Math" panose="02040503050406030204" pitchFamily="18" charset="0"/>
+                              <a:ea typeface="Cambria Math" panose="02040503050406030204" pitchFamily="18" charset="0"/>
+                            </a:rPr>
                             <m:t>Recall</m:t>
                           </m:r>
                         </m:e>
                         <m:sub>
                           <m:r>
-                            <a:rPr lang="en-US" i="1"/>
+                            <a:rPr lang="en-US" i="1">
+                              <a:latin typeface="Cambria Math" panose="02040503050406030204" pitchFamily="18" charset="0"/>
+                              <a:ea typeface="Cambria Math" panose="02040503050406030204" pitchFamily="18" charset="0"/>
+                            </a:rPr>
                             <m:t>𝑖</m:t>
                           </m:r>
                         </m:sub>
                       </m:sSub>
                       <m:r>
-                        <a:rPr lang="en-US" i="1"/>
+                        <a:rPr lang="en-US" i="1">
+                          <a:latin typeface="Cambria Math" panose="02040503050406030204" pitchFamily="18" charset="0"/>
+                          <a:ea typeface="Cambria Math" panose="02040503050406030204" pitchFamily="18" charset="0"/>
+                        </a:rPr>
                         <m:t>=</m:t>
                       </m:r>
                       <m:f>
                         <m:fPr>
                           <m:ctrlPr>
-                            <a:rPr lang="en-US" i="1"/>
+                            <a:rPr lang="en-US" i="1">
+                              <a:latin typeface="Cambria Math" panose="02040503050406030204" pitchFamily="18" charset="0"/>
+                              <a:ea typeface="Cambria Math" panose="02040503050406030204" pitchFamily="18" charset="0"/>
+                            </a:rPr>
                           </m:ctrlPr>
                         </m:fPr>
                         <m:num>
                           <m:r>
-                            <a:rPr lang="en-US" i="1"/>
+                            <a:rPr lang="en-US" i="1">
+                              <a:latin typeface="Cambria Math" panose="02040503050406030204" pitchFamily="18" charset="0"/>
+                              <a:ea typeface="Cambria Math" panose="02040503050406030204" pitchFamily="18" charset="0"/>
+                            </a:rPr>
                             <m:t>𝑇</m:t>
                           </m:r>
                           <m:sSub>
                             <m:sSubPr>
                               <m:ctrlPr>
-                                <a:rPr lang="en-US" i="1"/>
+                                <a:rPr lang="en-US" i="1">
+                                  <a:latin typeface="Cambria Math" panose="02040503050406030204" pitchFamily="18" charset="0"/>
+                                  <a:ea typeface="Cambria Math" panose="02040503050406030204" pitchFamily="18" charset="0"/>
+                                </a:rPr>
                               </m:ctrlPr>
                             </m:sSubPr>
                             <m:e>
                               <m:r>
-                                <a:rPr lang="en-US" i="1"/>
+                                <a:rPr lang="en-US" i="1">
+                                  <a:latin typeface="Cambria Math" panose="02040503050406030204" pitchFamily="18" charset="0"/>
+                                  <a:ea typeface="Cambria Math" panose="02040503050406030204" pitchFamily="18" charset="0"/>
+                                </a:rPr>
                                 <m:t>𝑃</m:t>
                               </m:r>
                             </m:e>
                             <m:sub>
                               <m:r>
-                                <a:rPr lang="en-US" i="1"/>
+                                <a:rPr lang="en-US" i="1">
+                                  <a:latin typeface="Cambria Math" panose="02040503050406030204" pitchFamily="18" charset="0"/>
+                                  <a:ea typeface="Cambria Math" panose="02040503050406030204" pitchFamily="18" charset="0"/>
+                                </a:rPr>
                                 <m:t>𝑖</m:t>
                               </m:r>
                             </m:sub>
@@ -41379,51 +42183,78 @@
                         </m:num>
                         <m:den>
                           <m:r>
-                            <a:rPr lang="en-US" i="1"/>
+                            <a:rPr lang="en-US" i="1">
+                              <a:latin typeface="Cambria Math" panose="02040503050406030204" pitchFamily="18" charset="0"/>
+                              <a:ea typeface="Cambria Math" panose="02040503050406030204" pitchFamily="18" charset="0"/>
+                            </a:rPr>
                             <m:t>𝑇</m:t>
                           </m:r>
                           <m:sSub>
                             <m:sSubPr>
                               <m:ctrlPr>
-                                <a:rPr lang="en-US" i="1"/>
+                                <a:rPr lang="en-US" i="1">
+                                  <a:latin typeface="Cambria Math" panose="02040503050406030204" pitchFamily="18" charset="0"/>
+                                  <a:ea typeface="Cambria Math" panose="02040503050406030204" pitchFamily="18" charset="0"/>
+                                </a:rPr>
                               </m:ctrlPr>
                             </m:sSubPr>
                             <m:e>
                               <m:r>
-                                <a:rPr lang="en-US" i="1"/>
+                                <a:rPr lang="en-US" i="1">
+                                  <a:latin typeface="Cambria Math" panose="02040503050406030204" pitchFamily="18" charset="0"/>
+                                  <a:ea typeface="Cambria Math" panose="02040503050406030204" pitchFamily="18" charset="0"/>
+                                </a:rPr>
                                 <m:t>𝑃</m:t>
                               </m:r>
                             </m:e>
                             <m:sub>
                               <m:r>
-                                <a:rPr lang="en-US" i="1"/>
+                                <a:rPr lang="en-US" i="1">
+                                  <a:latin typeface="Cambria Math" panose="02040503050406030204" pitchFamily="18" charset="0"/>
+                                  <a:ea typeface="Cambria Math" panose="02040503050406030204" pitchFamily="18" charset="0"/>
+                                </a:rPr>
                                 <m:t>𝑖</m:t>
                               </m:r>
                             </m:sub>
                           </m:sSub>
                           <m:r>
-                            <a:rPr lang="en-US" i="1"/>
+                            <a:rPr lang="en-US" i="1">
+                              <a:latin typeface="Cambria Math" panose="02040503050406030204" pitchFamily="18" charset="0"/>
+                              <a:ea typeface="Cambria Math" panose="02040503050406030204" pitchFamily="18" charset="0"/>
+                            </a:rPr>
                             <m:t>+</m:t>
                           </m:r>
                           <m:r>
-                            <a:rPr lang="en-US" i="1"/>
+                            <a:rPr lang="en-US" i="1">
+                              <a:latin typeface="Cambria Math" panose="02040503050406030204" pitchFamily="18" charset="0"/>
+                              <a:ea typeface="Cambria Math" panose="02040503050406030204" pitchFamily="18" charset="0"/>
+                            </a:rPr>
                             <m:t>𝐹</m:t>
                           </m:r>
                           <m:sSub>
                             <m:sSubPr>
                               <m:ctrlPr>
-                                <a:rPr lang="en-US" i="1"/>
+                                <a:rPr lang="en-US" i="1">
+                                  <a:latin typeface="Cambria Math" panose="02040503050406030204" pitchFamily="18" charset="0"/>
+                                  <a:ea typeface="Cambria Math" panose="02040503050406030204" pitchFamily="18" charset="0"/>
+                                </a:rPr>
                               </m:ctrlPr>
                             </m:sSubPr>
                             <m:e>
                               <m:r>
-                                <a:rPr lang="en-US" i="1"/>
+                                <a:rPr lang="en-US" i="1">
+                                  <a:latin typeface="Cambria Math" panose="02040503050406030204" pitchFamily="18" charset="0"/>
+                                  <a:ea typeface="Cambria Math" panose="02040503050406030204" pitchFamily="18" charset="0"/>
+                                </a:rPr>
                                 <m:t>𝑁</m:t>
                               </m:r>
                             </m:e>
                             <m:sub>
                               <m:r>
-                                <a:rPr lang="en-US" i="1"/>
+                                <a:rPr lang="en-US" i="1">
+                                  <a:latin typeface="Cambria Math" panose="02040503050406030204" pitchFamily="18" charset="0"/>
+                                  <a:ea typeface="Cambria Math" panose="02040503050406030204" pitchFamily="18" charset="0"/>
+                                </a:rPr>
                                 <m:t>𝑖</m:t>
                               </m:r>
                             </m:sub>
@@ -41433,10 +42264,13 @@
                     </m:oMath>
                   </m:oMathPara>
                 </a14:m>
-                <a:endParaRPr lang="en-US" dirty="0"/>
+                <a:endParaRPr lang="en-US" dirty="0">
+                  <a:latin typeface="Cambria Math" panose="02040503050406030204" pitchFamily="18" charset="0"/>
+                  <a:ea typeface="Cambria Math" panose="02040503050406030204" pitchFamily="18" charset="0"/>
+                </a:endParaRPr>
               </a:p>
               <a:p>
-                <a:endParaRPr lang="en-US" dirty="0"/>
+                <a:endParaRPr lang="en-US" sz="900" dirty="0"/>
               </a:p>
               <a:p>
                 <a:pPr marL="342900" lvl="0" indent="-342900">
@@ -41466,6 +42300,7 @@
                 </a:r>
               </a:p>
               <a:p>
+                <a:pPr/>
                 <a14:m>
                   <m:oMathPara xmlns:m="http://schemas.openxmlformats.org/officeDocument/2006/math">
                     <m:oMathParaPr>
@@ -41475,7 +42310,10 @@
                       <m:sSub>
                         <m:sSubPr>
                           <m:ctrlPr>
-                            <a:rPr lang="en-US" i="1"/>
+                            <a:rPr lang="en-US" i="1">
+                              <a:latin typeface="Cambria Math" panose="02040503050406030204" pitchFamily="18" charset="0"/>
+                              <a:ea typeface="Cambria Math" panose="02040503050406030204" pitchFamily="18" charset="0"/>
+                            </a:rPr>
                           </m:ctrlPr>
                         </m:sSubPr>
                         <m:e>
@@ -41483,47 +42321,71 @@
                             <m:rPr>
                               <m:nor/>
                             </m:rPr>
-                            <a:rPr lang="en-US"/>
+                            <a:rPr lang="en-US">
+                              <a:latin typeface="Cambria Math" panose="02040503050406030204" pitchFamily="18" charset="0"/>
+                              <a:ea typeface="Cambria Math" panose="02040503050406030204" pitchFamily="18" charset="0"/>
+                            </a:rPr>
                             <m:t>F</m:t>
                           </m:r>
                           <m:r>
                             <m:rPr>
                               <m:nor/>
                             </m:rPr>
-                            <a:rPr lang="en-US"/>
+                            <a:rPr lang="en-US">
+                              <a:latin typeface="Cambria Math" panose="02040503050406030204" pitchFamily="18" charset="0"/>
+                              <a:ea typeface="Cambria Math" panose="02040503050406030204" pitchFamily="18" charset="0"/>
+                            </a:rPr>
                             <m:t>1</m:t>
                           </m:r>
                         </m:e>
                         <m:sub>
                           <m:r>
-                            <a:rPr lang="en-US" i="1"/>
+                            <a:rPr lang="en-US" i="1">
+                              <a:latin typeface="Cambria Math" panose="02040503050406030204" pitchFamily="18" charset="0"/>
+                              <a:ea typeface="Cambria Math" panose="02040503050406030204" pitchFamily="18" charset="0"/>
+                            </a:rPr>
                             <m:t>𝑖</m:t>
                           </m:r>
                         </m:sub>
                       </m:sSub>
                       <m:r>
-                        <a:rPr lang="en-US" i="1"/>
+                        <a:rPr lang="en-US" i="1">
+                          <a:latin typeface="Cambria Math" panose="02040503050406030204" pitchFamily="18" charset="0"/>
+                          <a:ea typeface="Cambria Math" panose="02040503050406030204" pitchFamily="18" charset="0"/>
+                        </a:rPr>
                         <m:t>=</m:t>
                       </m:r>
                       <m:r>
-                        <a:rPr lang="en-US" i="1"/>
+                        <a:rPr lang="en-US" i="1">
+                          <a:latin typeface="Cambria Math" panose="02040503050406030204" pitchFamily="18" charset="0"/>
+                          <a:ea typeface="Cambria Math" panose="02040503050406030204" pitchFamily="18" charset="0"/>
+                        </a:rPr>
                         <m:t>2</m:t>
                       </m:r>
                       <m:r>
-                        <a:rPr lang="en-US" i="1"/>
+                        <a:rPr lang="en-US" i="1">
+                          <a:latin typeface="Cambria Math" panose="02040503050406030204" pitchFamily="18" charset="0"/>
+                          <a:ea typeface="Cambria Math" panose="02040503050406030204" pitchFamily="18" charset="0"/>
+                        </a:rPr>
                         <m:t>×</m:t>
                       </m:r>
                       <m:f>
                         <m:fPr>
                           <m:ctrlPr>
-                            <a:rPr lang="en-US" i="1"/>
+                            <a:rPr lang="en-US" i="1">
+                              <a:latin typeface="Cambria Math" panose="02040503050406030204" pitchFamily="18" charset="0"/>
+                              <a:ea typeface="Cambria Math" panose="02040503050406030204" pitchFamily="18" charset="0"/>
+                            </a:rPr>
                           </m:ctrlPr>
                         </m:fPr>
                         <m:num>
                           <m:sSub>
                             <m:sSubPr>
                               <m:ctrlPr>
-                                <a:rPr lang="en-US" i="1"/>
+                                <a:rPr lang="en-US" i="1">
+                                  <a:latin typeface="Cambria Math" panose="02040503050406030204" pitchFamily="18" charset="0"/>
+                                  <a:ea typeface="Cambria Math" panose="02040503050406030204" pitchFamily="18" charset="0"/>
+                                </a:rPr>
                               </m:ctrlPr>
                             </m:sSubPr>
                             <m:e>
@@ -41531,25 +42393,37 @@
                                 <m:rPr>
                                   <m:nor/>
                                 </m:rPr>
-                                <a:rPr lang="en-US"/>
+                                <a:rPr lang="en-US">
+                                  <a:latin typeface="Cambria Math" panose="02040503050406030204" pitchFamily="18" charset="0"/>
+                                  <a:ea typeface="Cambria Math" panose="02040503050406030204" pitchFamily="18" charset="0"/>
+                                </a:rPr>
                                 <m:t>Precision</m:t>
                               </m:r>
                             </m:e>
                             <m:sub>
                               <m:r>
-                                <a:rPr lang="en-US" i="1"/>
+                                <a:rPr lang="en-US" i="1">
+                                  <a:latin typeface="Cambria Math" panose="02040503050406030204" pitchFamily="18" charset="0"/>
+                                  <a:ea typeface="Cambria Math" panose="02040503050406030204" pitchFamily="18" charset="0"/>
+                                </a:rPr>
                                 <m:t>𝑖</m:t>
                               </m:r>
                             </m:sub>
                           </m:sSub>
                           <m:r>
-                            <a:rPr lang="en-US" i="1"/>
+                            <a:rPr lang="en-US" i="1">
+                              <a:latin typeface="Cambria Math" panose="02040503050406030204" pitchFamily="18" charset="0"/>
+                              <a:ea typeface="Cambria Math" panose="02040503050406030204" pitchFamily="18" charset="0"/>
+                            </a:rPr>
                             <m:t>×</m:t>
                           </m:r>
                           <m:sSub>
                             <m:sSubPr>
                               <m:ctrlPr>
-                                <a:rPr lang="en-US" i="1"/>
+                                <a:rPr lang="en-US" i="1">
+                                  <a:latin typeface="Cambria Math" panose="02040503050406030204" pitchFamily="18" charset="0"/>
+                                  <a:ea typeface="Cambria Math" panose="02040503050406030204" pitchFamily="18" charset="0"/>
+                                </a:rPr>
                               </m:ctrlPr>
                             </m:sSubPr>
                             <m:e>
@@ -41557,13 +42431,19 @@
                                 <m:rPr>
                                   <m:nor/>
                                 </m:rPr>
-                                <a:rPr lang="en-US"/>
+                                <a:rPr lang="en-US">
+                                  <a:latin typeface="Cambria Math" panose="02040503050406030204" pitchFamily="18" charset="0"/>
+                                  <a:ea typeface="Cambria Math" panose="02040503050406030204" pitchFamily="18" charset="0"/>
+                                </a:rPr>
                                 <m:t>Recall</m:t>
                               </m:r>
                             </m:e>
                             <m:sub>
                               <m:r>
-                                <a:rPr lang="en-US" i="1"/>
+                                <a:rPr lang="en-US" i="1">
+                                  <a:latin typeface="Cambria Math" panose="02040503050406030204" pitchFamily="18" charset="0"/>
+                                  <a:ea typeface="Cambria Math" panose="02040503050406030204" pitchFamily="18" charset="0"/>
+                                </a:rPr>
                                 <m:t>𝑖</m:t>
                               </m:r>
                             </m:sub>
@@ -41573,7 +42453,10 @@
                           <m:sSub>
                             <m:sSubPr>
                               <m:ctrlPr>
-                                <a:rPr lang="en-US" i="1"/>
+                                <a:rPr lang="en-US" i="1">
+                                  <a:latin typeface="Cambria Math" panose="02040503050406030204" pitchFamily="18" charset="0"/>
+                                  <a:ea typeface="Cambria Math" panose="02040503050406030204" pitchFamily="18" charset="0"/>
+                                </a:rPr>
                               </m:ctrlPr>
                             </m:sSubPr>
                             <m:e>
@@ -41581,25 +42464,37 @@
                                 <m:rPr>
                                   <m:nor/>
                                 </m:rPr>
-                                <a:rPr lang="en-US"/>
+                                <a:rPr lang="en-US">
+                                  <a:latin typeface="Cambria Math" panose="02040503050406030204" pitchFamily="18" charset="0"/>
+                                  <a:ea typeface="Cambria Math" panose="02040503050406030204" pitchFamily="18" charset="0"/>
+                                </a:rPr>
                                 <m:t>Precision</m:t>
                               </m:r>
                             </m:e>
                             <m:sub>
                               <m:r>
-                                <a:rPr lang="en-US" i="1"/>
+                                <a:rPr lang="en-US" i="1">
+                                  <a:latin typeface="Cambria Math" panose="02040503050406030204" pitchFamily="18" charset="0"/>
+                                  <a:ea typeface="Cambria Math" panose="02040503050406030204" pitchFamily="18" charset="0"/>
+                                </a:rPr>
                                 <m:t>𝑖</m:t>
                               </m:r>
                             </m:sub>
                           </m:sSub>
                           <m:r>
-                            <a:rPr lang="en-US" i="1"/>
+                            <a:rPr lang="en-US" i="1">
+                              <a:latin typeface="Cambria Math" panose="02040503050406030204" pitchFamily="18" charset="0"/>
+                              <a:ea typeface="Cambria Math" panose="02040503050406030204" pitchFamily="18" charset="0"/>
+                            </a:rPr>
                             <m:t>+</m:t>
                           </m:r>
                           <m:sSub>
                             <m:sSubPr>
                               <m:ctrlPr>
-                                <a:rPr lang="en-US" i="1"/>
+                                <a:rPr lang="en-US" i="1">
+                                  <a:latin typeface="Cambria Math" panose="02040503050406030204" pitchFamily="18" charset="0"/>
+                                  <a:ea typeface="Cambria Math" panose="02040503050406030204" pitchFamily="18" charset="0"/>
+                                </a:rPr>
                               </m:ctrlPr>
                             </m:sSubPr>
                             <m:e>
@@ -41607,13 +42502,19 @@
                                 <m:rPr>
                                   <m:nor/>
                                 </m:rPr>
-                                <a:rPr lang="en-US"/>
+                                <a:rPr lang="en-US">
+                                  <a:latin typeface="Cambria Math" panose="02040503050406030204" pitchFamily="18" charset="0"/>
+                                  <a:ea typeface="Cambria Math" panose="02040503050406030204" pitchFamily="18" charset="0"/>
+                                </a:rPr>
                                 <m:t>Recall</m:t>
                               </m:r>
                             </m:e>
                             <m:sub>
                               <m:r>
-                                <a:rPr lang="en-US" i="1"/>
+                                <a:rPr lang="en-US" i="1">
+                                  <a:latin typeface="Cambria Math" panose="02040503050406030204" pitchFamily="18" charset="0"/>
+                                  <a:ea typeface="Cambria Math" panose="02040503050406030204" pitchFamily="18" charset="0"/>
+                                </a:rPr>
                                 <m:t>𝑖</m:t>
                               </m:r>
                             </m:sub>
@@ -41623,7 +42524,10 @@
                     </m:oMath>
                   </m:oMathPara>
                 </a14:m>
-                <a:endParaRPr lang="en-US" dirty="0"/>
+                <a:endParaRPr lang="en-US" dirty="0">
+                  <a:latin typeface="Cambria Math" panose="02040503050406030204" pitchFamily="18" charset="0"/>
+                  <a:ea typeface="Cambria Math" panose="02040503050406030204" pitchFamily="18" charset="0"/>
+                </a:endParaRPr>
               </a:p>
               <a:p>
                 <a:r>
@@ -41670,7 +42574,7 @@
               <a:blipFill>
                 <a:blip r:embed="rId3"/>
                 <a:stretch>
-                  <a:fillRect l="-522" t="-560"/>
+                  <a:fillRect l="-696" t="-700"/>
                 </a:stretch>
               </a:blipFill>
             </p:spPr>
@@ -41699,6 +42603,348 @@
   <p:clrMapOvr>
     <a:masterClrMapping/>
   </p:clrMapOvr>
+  <p:timing>
+    <p:tnLst>
+      <p:par>
+        <p:cTn id="1" dur="indefinite" restart="never" nodeType="tmRoot">
+          <p:childTnLst>
+            <p:seq concurrent="1" nextAc="seek">
+              <p:cTn id="2" dur="indefinite" nodeType="mainSeq">
+                <p:childTnLst>
+                  <p:par>
+                    <p:cTn id="3" fill="hold">
+                      <p:stCondLst>
+                        <p:cond delay="indefinite"/>
+                      </p:stCondLst>
+                      <p:childTnLst>
+                        <p:par>
+                          <p:cTn id="4" fill="hold">
+                            <p:stCondLst>
+                              <p:cond delay="0"/>
+                            </p:stCondLst>
+                            <p:childTnLst>
+                              <p:par>
+                                <p:cTn id="5" presetID="10" presetClass="entr" presetSubtype="0" fill="hold" nodeType="clickEffect">
+                                  <p:stCondLst>
+                                    <p:cond delay="0"/>
+                                  </p:stCondLst>
+                                  <p:childTnLst>
+                                    <p:set>
+                                      <p:cBhvr>
+                                        <p:cTn id="6" dur="1" fill="hold">
+                                          <p:stCondLst>
+                                            <p:cond delay="0"/>
+                                          </p:stCondLst>
+                                        </p:cTn>
+                                        <p:tgtEl>
+                                          <p:spTgt spid="8">
+                                            <p:txEl>
+                                              <p:pRg st="0" end="0"/>
+                                            </p:txEl>
+                                          </p:spTgt>
+                                        </p:tgtEl>
+                                        <p:attrNameLst>
+                                          <p:attrName>style.visibility</p:attrName>
+                                        </p:attrNameLst>
+                                      </p:cBhvr>
+                                      <p:to>
+                                        <p:strVal val="visible"/>
+                                      </p:to>
+                                    </p:set>
+                                    <p:animEffect transition="in" filter="fade">
+                                      <p:cBhvr>
+                                        <p:cTn id="7" dur="250"/>
+                                        <p:tgtEl>
+                                          <p:spTgt spid="8">
+                                            <p:txEl>
+                                              <p:pRg st="0" end="0"/>
+                                            </p:txEl>
+                                          </p:spTgt>
+                                        </p:tgtEl>
+                                      </p:cBhvr>
+                                    </p:animEffect>
+                                  </p:childTnLst>
+                                </p:cTn>
+                              </p:par>
+                              <p:par>
+                                <p:cTn id="8" presetID="10" presetClass="entr" presetSubtype="0" fill="hold" nodeType="withEffect">
+                                  <p:stCondLst>
+                                    <p:cond delay="0"/>
+                                  </p:stCondLst>
+                                  <p:childTnLst>
+                                    <p:set>
+                                      <p:cBhvr>
+                                        <p:cTn id="9" dur="1" fill="hold">
+                                          <p:stCondLst>
+                                            <p:cond delay="0"/>
+                                          </p:stCondLst>
+                                        </p:cTn>
+                                        <p:tgtEl>
+                                          <p:spTgt spid="8">
+                                            <p:txEl>
+                                              <p:pRg st="1" end="1"/>
+                                            </p:txEl>
+                                          </p:spTgt>
+                                        </p:tgtEl>
+                                        <p:attrNameLst>
+                                          <p:attrName>style.visibility</p:attrName>
+                                        </p:attrNameLst>
+                                      </p:cBhvr>
+                                      <p:to>
+                                        <p:strVal val="visible"/>
+                                      </p:to>
+                                    </p:set>
+                                    <p:animEffect transition="in" filter="fade">
+                                      <p:cBhvr>
+                                        <p:cTn id="10" dur="250"/>
+                                        <p:tgtEl>
+                                          <p:spTgt spid="8">
+                                            <p:txEl>
+                                              <p:pRg st="1" end="1"/>
+                                            </p:txEl>
+                                          </p:spTgt>
+                                        </p:tgtEl>
+                                      </p:cBhvr>
+                                    </p:animEffect>
+                                  </p:childTnLst>
+                                </p:cTn>
+                              </p:par>
+                            </p:childTnLst>
+                          </p:cTn>
+                        </p:par>
+                      </p:childTnLst>
+                    </p:cTn>
+                  </p:par>
+                  <p:par>
+                    <p:cTn id="11" fill="hold">
+                      <p:stCondLst>
+                        <p:cond delay="indefinite"/>
+                      </p:stCondLst>
+                      <p:childTnLst>
+                        <p:par>
+                          <p:cTn id="12" fill="hold">
+                            <p:stCondLst>
+                              <p:cond delay="0"/>
+                            </p:stCondLst>
+                            <p:childTnLst>
+                              <p:par>
+                                <p:cTn id="13" presetID="10" presetClass="entr" presetSubtype="0" fill="hold" nodeType="clickEffect">
+                                  <p:stCondLst>
+                                    <p:cond delay="0"/>
+                                  </p:stCondLst>
+                                  <p:childTnLst>
+                                    <p:set>
+                                      <p:cBhvr>
+                                        <p:cTn id="14" dur="1" fill="hold">
+                                          <p:stCondLst>
+                                            <p:cond delay="0"/>
+                                          </p:stCondLst>
+                                        </p:cTn>
+                                        <p:tgtEl>
+                                          <p:spTgt spid="8">
+                                            <p:txEl>
+                                              <p:pRg st="3" end="3"/>
+                                            </p:txEl>
+                                          </p:spTgt>
+                                        </p:tgtEl>
+                                        <p:attrNameLst>
+                                          <p:attrName>style.visibility</p:attrName>
+                                        </p:attrNameLst>
+                                      </p:cBhvr>
+                                      <p:to>
+                                        <p:strVal val="visible"/>
+                                      </p:to>
+                                    </p:set>
+                                    <p:animEffect transition="in" filter="fade">
+                                      <p:cBhvr>
+                                        <p:cTn id="15" dur="250"/>
+                                        <p:tgtEl>
+                                          <p:spTgt spid="8">
+                                            <p:txEl>
+                                              <p:pRg st="3" end="3"/>
+                                            </p:txEl>
+                                          </p:spTgt>
+                                        </p:tgtEl>
+                                      </p:cBhvr>
+                                    </p:animEffect>
+                                  </p:childTnLst>
+                                </p:cTn>
+                              </p:par>
+                              <p:par>
+                                <p:cTn id="16" presetID="10" presetClass="entr" presetSubtype="0" fill="hold" nodeType="withEffect">
+                                  <p:stCondLst>
+                                    <p:cond delay="0"/>
+                                  </p:stCondLst>
+                                  <p:childTnLst>
+                                    <p:set>
+                                      <p:cBhvr>
+                                        <p:cTn id="17" dur="1" fill="hold">
+                                          <p:stCondLst>
+                                            <p:cond delay="0"/>
+                                          </p:stCondLst>
+                                        </p:cTn>
+                                        <p:tgtEl>
+                                          <p:spTgt spid="8">
+                                            <p:txEl>
+                                              <p:pRg st="4" end="4"/>
+                                            </p:txEl>
+                                          </p:spTgt>
+                                        </p:tgtEl>
+                                        <p:attrNameLst>
+                                          <p:attrName>style.visibility</p:attrName>
+                                        </p:attrNameLst>
+                                      </p:cBhvr>
+                                      <p:to>
+                                        <p:strVal val="visible"/>
+                                      </p:to>
+                                    </p:set>
+                                    <p:animEffect transition="in" filter="fade">
+                                      <p:cBhvr>
+                                        <p:cTn id="18" dur="250"/>
+                                        <p:tgtEl>
+                                          <p:spTgt spid="8">
+                                            <p:txEl>
+                                              <p:pRg st="4" end="4"/>
+                                            </p:txEl>
+                                          </p:spTgt>
+                                        </p:tgtEl>
+                                      </p:cBhvr>
+                                    </p:animEffect>
+                                  </p:childTnLst>
+                                </p:cTn>
+                              </p:par>
+                            </p:childTnLst>
+                          </p:cTn>
+                        </p:par>
+                      </p:childTnLst>
+                    </p:cTn>
+                  </p:par>
+                  <p:par>
+                    <p:cTn id="19" fill="hold">
+                      <p:stCondLst>
+                        <p:cond delay="indefinite"/>
+                      </p:stCondLst>
+                      <p:childTnLst>
+                        <p:par>
+                          <p:cTn id="20" fill="hold">
+                            <p:stCondLst>
+                              <p:cond delay="0"/>
+                            </p:stCondLst>
+                            <p:childTnLst>
+                              <p:par>
+                                <p:cTn id="21" presetID="10" presetClass="entr" presetSubtype="0" fill="hold" nodeType="clickEffect">
+                                  <p:stCondLst>
+                                    <p:cond delay="0"/>
+                                  </p:stCondLst>
+                                  <p:childTnLst>
+                                    <p:set>
+                                      <p:cBhvr>
+                                        <p:cTn id="22" dur="1" fill="hold">
+                                          <p:stCondLst>
+                                            <p:cond delay="0"/>
+                                          </p:stCondLst>
+                                        </p:cTn>
+                                        <p:tgtEl>
+                                          <p:spTgt spid="8">
+                                            <p:txEl>
+                                              <p:pRg st="6" end="6"/>
+                                            </p:txEl>
+                                          </p:spTgt>
+                                        </p:tgtEl>
+                                        <p:attrNameLst>
+                                          <p:attrName>style.visibility</p:attrName>
+                                        </p:attrNameLst>
+                                      </p:cBhvr>
+                                      <p:to>
+                                        <p:strVal val="visible"/>
+                                      </p:to>
+                                    </p:set>
+                                    <p:animEffect transition="in" filter="fade">
+                                      <p:cBhvr>
+                                        <p:cTn id="23" dur="250"/>
+                                        <p:tgtEl>
+                                          <p:spTgt spid="8">
+                                            <p:txEl>
+                                              <p:pRg st="6" end="6"/>
+                                            </p:txEl>
+                                          </p:spTgt>
+                                        </p:tgtEl>
+                                      </p:cBhvr>
+                                    </p:animEffect>
+                                  </p:childTnLst>
+                                </p:cTn>
+                              </p:par>
+                              <p:par>
+                                <p:cTn id="24" presetID="10" presetClass="entr" presetSubtype="0" fill="hold" nodeType="withEffect">
+                                  <p:stCondLst>
+                                    <p:cond delay="0"/>
+                                  </p:stCondLst>
+                                  <p:childTnLst>
+                                    <p:set>
+                                      <p:cBhvr>
+                                        <p:cTn id="25" dur="1" fill="hold">
+                                          <p:stCondLst>
+                                            <p:cond delay="0"/>
+                                          </p:stCondLst>
+                                        </p:cTn>
+                                        <p:tgtEl>
+                                          <p:spTgt spid="8">
+                                            <p:txEl>
+                                              <p:pRg st="7" end="7"/>
+                                            </p:txEl>
+                                          </p:spTgt>
+                                        </p:tgtEl>
+                                        <p:attrNameLst>
+                                          <p:attrName>style.visibility</p:attrName>
+                                        </p:attrNameLst>
+                                      </p:cBhvr>
+                                      <p:to>
+                                        <p:strVal val="visible"/>
+                                      </p:to>
+                                    </p:set>
+                                    <p:animEffect transition="in" filter="fade">
+                                      <p:cBhvr>
+                                        <p:cTn id="26" dur="250"/>
+                                        <p:tgtEl>
+                                          <p:spTgt spid="8">
+                                            <p:txEl>
+                                              <p:pRg st="7" end="7"/>
+                                            </p:txEl>
+                                          </p:spTgt>
+                                        </p:tgtEl>
+                                      </p:cBhvr>
+                                    </p:animEffect>
+                                  </p:childTnLst>
+                                </p:cTn>
+                              </p:par>
+                            </p:childTnLst>
+                          </p:cTn>
+                        </p:par>
+                      </p:childTnLst>
+                    </p:cTn>
+                  </p:par>
+                </p:childTnLst>
+              </p:cTn>
+              <p:prevCondLst>
+                <p:cond evt="onPrev" delay="0">
+                  <p:tgtEl>
+                    <p:sldTgt/>
+                  </p:tgtEl>
+                </p:cond>
+              </p:prevCondLst>
+              <p:nextCondLst>
+                <p:cond evt="onNext" delay="0">
+                  <p:tgtEl>
+                    <p:sldTgt/>
+                  </p:tgtEl>
+                </p:cond>
+              </p:nextCondLst>
+            </p:seq>
+          </p:childTnLst>
+        </p:cTn>
+      </p:par>
+    </p:tnLst>
+  </p:timing>
 </p:sld>
 </file>
 
@@ -41820,26 +43066,36 @@
                         <m:rPr>
                           <m:nor/>
                         </m:rPr>
-                        <a:rPr lang="en-US"/>
+                        <a:rPr lang="en-US">
+                          <a:latin typeface="Cambria Math" panose="02040503050406030204" pitchFamily="18" charset="0"/>
+                          <a:ea typeface="Cambria Math" panose="02040503050406030204" pitchFamily="18" charset="0"/>
+                        </a:rPr>
                         <m:t>Macro</m:t>
                       </m:r>
                       <m:r>
                         <m:rPr>
                           <m:nor/>
                         </m:rPr>
-                        <a:rPr lang="en-US" i="1"/>
+                        <a:rPr lang="en-US" i="1">
+                          <a:latin typeface="Cambria Math" panose="02040503050406030204" pitchFamily="18" charset="0"/>
+                          <a:ea typeface="Cambria Math" panose="02040503050406030204" pitchFamily="18" charset="0"/>
+                        </a:rPr>
                         <m:t>−</m:t>
                       </m:r>
                       <m:r>
                         <m:rPr>
                           <m:nor/>
                         </m:rPr>
-                        <a:rPr lang="en-US"/>
+                        <a:rPr lang="en-US">
+                          <a:latin typeface="Cambria Math" panose="02040503050406030204" pitchFamily="18" charset="0"/>
+                          <a:ea typeface="Cambria Math" panose="02040503050406030204" pitchFamily="18" charset="0"/>
+                        </a:rPr>
                         <m:t>Precision</m:t>
                       </m:r>
                       <m:r>
                         <a:rPr lang="en-US" i="1">
                           <a:latin typeface="Cambria Math" panose="02040503050406030204" pitchFamily="18" charset="0"/>
+                          <a:ea typeface="Cambria Math" panose="02040503050406030204" pitchFamily="18" charset="0"/>
                         </a:rPr>
                         <m:t>=</m:t>
                       </m:r>
@@ -41848,6 +43104,7 @@
                           <m:ctrlPr>
                             <a:rPr lang="en-US" i="1">
                               <a:latin typeface="Cambria Math" panose="02040503050406030204" pitchFamily="18" charset="0"/>
+                              <a:ea typeface="Cambria Math" panose="02040503050406030204" pitchFamily="18" charset="0"/>
                             </a:rPr>
                           </m:ctrlPr>
                         </m:fPr>
@@ -41855,6 +43112,7 @@
                           <m:r>
                             <a:rPr lang="en-US" i="1">
                               <a:latin typeface="Cambria Math" panose="02040503050406030204" pitchFamily="18" charset="0"/>
+                              <a:ea typeface="Cambria Math" panose="02040503050406030204" pitchFamily="18" charset="0"/>
                             </a:rPr>
                             <m:t>1</m:t>
                           </m:r>
@@ -41863,6 +43121,7 @@
                           <m:r>
                             <a:rPr lang="en-US" i="1">
                               <a:latin typeface="Cambria Math" panose="02040503050406030204" pitchFamily="18" charset="0"/>
+                              <a:ea typeface="Cambria Math" panose="02040503050406030204" pitchFamily="18" charset="0"/>
                             </a:rPr>
                             <m:t>𝑁</m:t>
                           </m:r>
@@ -41876,6 +43135,7 @@
                           <m:ctrlPr>
                             <a:rPr lang="en-US" i="1">
                               <a:latin typeface="Cambria Math" panose="02040503050406030204" pitchFamily="18" charset="0"/>
+                              <a:ea typeface="Cambria Math" panose="02040503050406030204" pitchFamily="18" charset="0"/>
                             </a:rPr>
                           </m:ctrlPr>
                         </m:naryPr>
@@ -41883,18 +43143,21 @@
                           <m:r>
                             <a:rPr lang="en-US" i="1">
                               <a:latin typeface="Cambria Math" panose="02040503050406030204" pitchFamily="18" charset="0"/>
+                              <a:ea typeface="Cambria Math" panose="02040503050406030204" pitchFamily="18" charset="0"/>
                             </a:rPr>
                             <m:t>𝑖</m:t>
                           </m:r>
                           <m:r>
                             <a:rPr lang="en-US" i="1">
                               <a:latin typeface="Cambria Math" panose="02040503050406030204" pitchFamily="18" charset="0"/>
+                              <a:ea typeface="Cambria Math" panose="02040503050406030204" pitchFamily="18" charset="0"/>
                             </a:rPr>
                             <m:t>=</m:t>
                           </m:r>
                           <m:r>
                             <a:rPr lang="en-US" i="1">
                               <a:latin typeface="Cambria Math" panose="02040503050406030204" pitchFamily="18" charset="0"/>
+                              <a:ea typeface="Cambria Math" panose="02040503050406030204" pitchFamily="18" charset="0"/>
                             </a:rPr>
                             <m:t>1</m:t>
                           </m:r>
@@ -41903,6 +43166,7 @@
                           <m:r>
                             <a:rPr lang="en-US" i="1">
                               <a:latin typeface="Cambria Math" panose="02040503050406030204" pitchFamily="18" charset="0"/>
+                              <a:ea typeface="Cambria Math" panose="02040503050406030204" pitchFamily="18" charset="0"/>
                             </a:rPr>
                             <m:t>𝑁</m:t>
                           </m:r>
@@ -41913,6 +43177,7 @@
                               <m:ctrlPr>
                                 <a:rPr lang="en-US" i="1">
                                   <a:latin typeface="Cambria Math" panose="02040503050406030204" pitchFamily="18" charset="0"/>
+                                  <a:ea typeface="Cambria Math" panose="02040503050406030204" pitchFamily="18" charset="0"/>
                                 </a:rPr>
                               </m:ctrlPr>
                             </m:sSubPr>
@@ -41921,7 +43186,10 @@
                                 <m:rPr>
                                   <m:nor/>
                                 </m:rPr>
-                                <a:rPr lang="en-US"/>
+                                <a:rPr lang="en-US">
+                                  <a:latin typeface="Cambria Math" panose="02040503050406030204" pitchFamily="18" charset="0"/>
+                                  <a:ea typeface="Cambria Math" panose="02040503050406030204" pitchFamily="18" charset="0"/>
+                                </a:rPr>
                                 <m:t>Precision</m:t>
                               </m:r>
                             </m:e>
@@ -41929,6 +43197,7 @@
                               <m:r>
                                 <a:rPr lang="en-US" i="1">
                                   <a:latin typeface="Cambria Math" panose="02040503050406030204" pitchFamily="18" charset="0"/>
+                                  <a:ea typeface="Cambria Math" panose="02040503050406030204" pitchFamily="18" charset="0"/>
                                 </a:rPr>
                                 <m:t>𝑖</m:t>
                               </m:r>
@@ -41939,13 +43208,17 @@
                       <m:r>
                         <a:rPr lang="en-US" i="1">
                           <a:latin typeface="Cambria Math" panose="02040503050406030204" pitchFamily="18" charset="0"/>
+                          <a:ea typeface="Cambria Math" panose="02040503050406030204" pitchFamily="18" charset="0"/>
                         </a:rPr>
                         <m:t>,</m:t>
                       </m:r>
                     </m:oMath>
                   </m:oMathPara>
                 </a14:m>
-                <a:endParaRPr lang="en-US" dirty="0"/>
+                <a:endParaRPr lang="en-US" dirty="0">
+                  <a:latin typeface="Cambria Math" panose="02040503050406030204" pitchFamily="18" charset="0"/>
+                  <a:ea typeface="Cambria Math" panose="02040503050406030204" pitchFamily="18" charset="0"/>
+                </a:endParaRPr>
               </a:p>
               <a:p>
                 <a:pPr/>
@@ -41959,26 +43232,36 @@
                         <m:rPr>
                           <m:nor/>
                         </m:rPr>
-                        <a:rPr lang="en-US"/>
+                        <a:rPr lang="en-US">
+                          <a:latin typeface="Cambria Math" panose="02040503050406030204" pitchFamily="18" charset="0"/>
+                          <a:ea typeface="Cambria Math" panose="02040503050406030204" pitchFamily="18" charset="0"/>
+                        </a:rPr>
                         <m:t>Macro</m:t>
                       </m:r>
                       <m:r>
                         <m:rPr>
                           <m:nor/>
                         </m:rPr>
-                        <a:rPr lang="en-US" i="1"/>
+                        <a:rPr lang="en-US" i="1">
+                          <a:latin typeface="Cambria Math" panose="02040503050406030204" pitchFamily="18" charset="0"/>
+                          <a:ea typeface="Cambria Math" panose="02040503050406030204" pitchFamily="18" charset="0"/>
+                        </a:rPr>
                         <m:t>−</m:t>
                       </m:r>
                       <m:r>
                         <m:rPr>
                           <m:nor/>
                         </m:rPr>
-                        <a:rPr lang="en-US"/>
+                        <a:rPr lang="en-US">
+                          <a:latin typeface="Cambria Math" panose="02040503050406030204" pitchFamily="18" charset="0"/>
+                          <a:ea typeface="Cambria Math" panose="02040503050406030204" pitchFamily="18" charset="0"/>
+                        </a:rPr>
                         <m:t>Recall</m:t>
                       </m:r>
                       <m:r>
                         <a:rPr lang="en-US" i="1">
                           <a:latin typeface="Cambria Math" panose="02040503050406030204" pitchFamily="18" charset="0"/>
+                          <a:ea typeface="Cambria Math" panose="02040503050406030204" pitchFamily="18" charset="0"/>
                         </a:rPr>
                         <m:t>=</m:t>
                       </m:r>
@@ -41987,6 +43270,7 @@
                           <m:ctrlPr>
                             <a:rPr lang="en-US" i="1">
                               <a:latin typeface="Cambria Math" panose="02040503050406030204" pitchFamily="18" charset="0"/>
+                              <a:ea typeface="Cambria Math" panose="02040503050406030204" pitchFamily="18" charset="0"/>
                             </a:rPr>
                           </m:ctrlPr>
                         </m:fPr>
@@ -41994,6 +43278,7 @@
                           <m:r>
                             <a:rPr lang="en-US" i="1">
                               <a:latin typeface="Cambria Math" panose="02040503050406030204" pitchFamily="18" charset="0"/>
+                              <a:ea typeface="Cambria Math" panose="02040503050406030204" pitchFamily="18" charset="0"/>
                             </a:rPr>
                             <m:t>1</m:t>
                           </m:r>
@@ -42002,6 +43287,7 @@
                           <m:r>
                             <a:rPr lang="en-US" i="1">
                               <a:latin typeface="Cambria Math" panose="02040503050406030204" pitchFamily="18" charset="0"/>
+                              <a:ea typeface="Cambria Math" panose="02040503050406030204" pitchFamily="18" charset="0"/>
                             </a:rPr>
                             <m:t>𝑁</m:t>
                           </m:r>
@@ -42015,6 +43301,7 @@
                           <m:ctrlPr>
                             <a:rPr lang="en-US" i="1">
                               <a:latin typeface="Cambria Math" panose="02040503050406030204" pitchFamily="18" charset="0"/>
+                              <a:ea typeface="Cambria Math" panose="02040503050406030204" pitchFamily="18" charset="0"/>
                             </a:rPr>
                           </m:ctrlPr>
                         </m:naryPr>
@@ -42022,18 +43309,21 @@
                           <m:r>
                             <a:rPr lang="en-US" i="1">
                               <a:latin typeface="Cambria Math" panose="02040503050406030204" pitchFamily="18" charset="0"/>
+                              <a:ea typeface="Cambria Math" panose="02040503050406030204" pitchFamily="18" charset="0"/>
                             </a:rPr>
                             <m:t>𝑖</m:t>
                           </m:r>
                           <m:r>
                             <a:rPr lang="en-US" i="1">
                               <a:latin typeface="Cambria Math" panose="02040503050406030204" pitchFamily="18" charset="0"/>
+                              <a:ea typeface="Cambria Math" panose="02040503050406030204" pitchFamily="18" charset="0"/>
                             </a:rPr>
                             <m:t>=</m:t>
                           </m:r>
                           <m:r>
                             <a:rPr lang="en-US" i="1">
                               <a:latin typeface="Cambria Math" panose="02040503050406030204" pitchFamily="18" charset="0"/>
+                              <a:ea typeface="Cambria Math" panose="02040503050406030204" pitchFamily="18" charset="0"/>
                             </a:rPr>
                             <m:t>1</m:t>
                           </m:r>
@@ -42042,6 +43332,7 @@
                           <m:r>
                             <a:rPr lang="en-US" i="1">
                               <a:latin typeface="Cambria Math" panose="02040503050406030204" pitchFamily="18" charset="0"/>
+                              <a:ea typeface="Cambria Math" panose="02040503050406030204" pitchFamily="18" charset="0"/>
                             </a:rPr>
                             <m:t>𝑁</m:t>
                           </m:r>
@@ -42052,6 +43343,7 @@
                               <m:ctrlPr>
                                 <a:rPr lang="en-US" i="1">
                                   <a:latin typeface="Cambria Math" panose="02040503050406030204" pitchFamily="18" charset="0"/>
+                                  <a:ea typeface="Cambria Math" panose="02040503050406030204" pitchFamily="18" charset="0"/>
                                 </a:rPr>
                               </m:ctrlPr>
                             </m:sSubPr>
@@ -42060,7 +43352,10 @@
                                 <m:rPr>
                                   <m:nor/>
                                 </m:rPr>
-                                <a:rPr lang="en-US"/>
+                                <a:rPr lang="en-US">
+                                  <a:latin typeface="Cambria Math" panose="02040503050406030204" pitchFamily="18" charset="0"/>
+                                  <a:ea typeface="Cambria Math" panose="02040503050406030204" pitchFamily="18" charset="0"/>
+                                </a:rPr>
                                 <m:t>Recall</m:t>
                               </m:r>
                             </m:e>
@@ -42068,6 +43363,7 @@
                               <m:r>
                                 <a:rPr lang="en-US" i="1">
                                   <a:latin typeface="Cambria Math" panose="02040503050406030204" pitchFamily="18" charset="0"/>
+                                  <a:ea typeface="Cambria Math" panose="02040503050406030204" pitchFamily="18" charset="0"/>
                                 </a:rPr>
                                 <m:t>𝑖</m:t>
                               </m:r>
@@ -42078,13 +43374,17 @@
                       <m:r>
                         <a:rPr lang="en-US" i="1">
                           <a:latin typeface="Cambria Math" panose="02040503050406030204" pitchFamily="18" charset="0"/>
+                          <a:ea typeface="Cambria Math" panose="02040503050406030204" pitchFamily="18" charset="0"/>
                         </a:rPr>
                         <m:t>,</m:t>
                       </m:r>
                     </m:oMath>
                   </m:oMathPara>
                 </a14:m>
-                <a:endParaRPr lang="en-US" dirty="0"/>
+                <a:endParaRPr lang="en-US" dirty="0">
+                  <a:latin typeface="Cambria Math" panose="02040503050406030204" pitchFamily="18" charset="0"/>
+                  <a:ea typeface="Cambria Math" panose="02040503050406030204" pitchFamily="18" charset="0"/>
+                </a:endParaRPr>
               </a:p>
               <a:p>
                 <a:pPr/>
@@ -42098,33 +43398,46 @@
                         <m:rPr>
                           <m:nor/>
                         </m:rPr>
-                        <a:rPr lang="en-US"/>
+                        <a:rPr lang="en-US">
+                          <a:latin typeface="Cambria Math" panose="02040503050406030204" pitchFamily="18" charset="0"/>
+                          <a:ea typeface="Cambria Math" panose="02040503050406030204" pitchFamily="18" charset="0"/>
+                        </a:rPr>
                         <m:t>Macro</m:t>
                       </m:r>
                       <m:r>
                         <m:rPr>
                           <m:nor/>
                         </m:rPr>
-                        <a:rPr lang="en-US" i="1"/>
+                        <a:rPr lang="en-US" i="1">
+                          <a:latin typeface="Cambria Math" panose="02040503050406030204" pitchFamily="18" charset="0"/>
+                          <a:ea typeface="Cambria Math" panose="02040503050406030204" pitchFamily="18" charset="0"/>
+                        </a:rPr>
                         <m:t>−</m:t>
                       </m:r>
                       <m:r>
                         <m:rPr>
                           <m:nor/>
                         </m:rPr>
-                        <a:rPr lang="en-US"/>
+                        <a:rPr lang="en-US">
+                          <a:latin typeface="Cambria Math" panose="02040503050406030204" pitchFamily="18" charset="0"/>
+                          <a:ea typeface="Cambria Math" panose="02040503050406030204" pitchFamily="18" charset="0"/>
+                        </a:rPr>
                         <m:t>F</m:t>
                       </m:r>
                       <m:r>
                         <m:rPr>
                           <m:nor/>
                         </m:rPr>
-                        <a:rPr lang="en-US"/>
+                        <a:rPr lang="en-US">
+                          <a:latin typeface="Cambria Math" panose="02040503050406030204" pitchFamily="18" charset="0"/>
+                          <a:ea typeface="Cambria Math" panose="02040503050406030204" pitchFamily="18" charset="0"/>
+                        </a:rPr>
                         <m:t>1</m:t>
                       </m:r>
                       <m:r>
                         <a:rPr lang="en-US" i="1">
                           <a:latin typeface="Cambria Math" panose="02040503050406030204" pitchFamily="18" charset="0"/>
+                          <a:ea typeface="Cambria Math" panose="02040503050406030204" pitchFamily="18" charset="0"/>
                         </a:rPr>
                         <m:t>=</m:t>
                       </m:r>
@@ -42133,6 +43446,7 @@
                           <m:ctrlPr>
                             <a:rPr lang="en-US" i="1">
                               <a:latin typeface="Cambria Math" panose="02040503050406030204" pitchFamily="18" charset="0"/>
+                              <a:ea typeface="Cambria Math" panose="02040503050406030204" pitchFamily="18" charset="0"/>
                             </a:rPr>
                           </m:ctrlPr>
                         </m:fPr>
@@ -42140,6 +43454,7 @@
                           <m:r>
                             <a:rPr lang="en-US" i="1">
                               <a:latin typeface="Cambria Math" panose="02040503050406030204" pitchFamily="18" charset="0"/>
+                              <a:ea typeface="Cambria Math" panose="02040503050406030204" pitchFamily="18" charset="0"/>
                             </a:rPr>
                             <m:t>1</m:t>
                           </m:r>
@@ -42148,6 +43463,7 @@
                           <m:r>
                             <a:rPr lang="en-US" i="1">
                               <a:latin typeface="Cambria Math" panose="02040503050406030204" pitchFamily="18" charset="0"/>
+                              <a:ea typeface="Cambria Math" panose="02040503050406030204" pitchFamily="18" charset="0"/>
                             </a:rPr>
                             <m:t>𝑁</m:t>
                           </m:r>
@@ -42161,6 +43477,7 @@
                           <m:ctrlPr>
                             <a:rPr lang="en-US" i="1">
                               <a:latin typeface="Cambria Math" panose="02040503050406030204" pitchFamily="18" charset="0"/>
+                              <a:ea typeface="Cambria Math" panose="02040503050406030204" pitchFamily="18" charset="0"/>
                             </a:rPr>
                           </m:ctrlPr>
                         </m:naryPr>
@@ -42168,18 +43485,21 @@
                           <m:r>
                             <a:rPr lang="en-US" i="1">
                               <a:latin typeface="Cambria Math" panose="02040503050406030204" pitchFamily="18" charset="0"/>
+                              <a:ea typeface="Cambria Math" panose="02040503050406030204" pitchFamily="18" charset="0"/>
                             </a:rPr>
                             <m:t>𝑖</m:t>
                           </m:r>
                           <m:r>
                             <a:rPr lang="en-US" i="1">
                               <a:latin typeface="Cambria Math" panose="02040503050406030204" pitchFamily="18" charset="0"/>
+                              <a:ea typeface="Cambria Math" panose="02040503050406030204" pitchFamily="18" charset="0"/>
                             </a:rPr>
                             <m:t>=</m:t>
                           </m:r>
                           <m:r>
                             <a:rPr lang="en-US" i="1">
                               <a:latin typeface="Cambria Math" panose="02040503050406030204" pitchFamily="18" charset="0"/>
+                              <a:ea typeface="Cambria Math" panose="02040503050406030204" pitchFamily="18" charset="0"/>
                             </a:rPr>
                             <m:t>1</m:t>
                           </m:r>
@@ -42188,6 +43508,7 @@
                           <m:r>
                             <a:rPr lang="en-US" i="1">
                               <a:latin typeface="Cambria Math" panose="02040503050406030204" pitchFamily="18" charset="0"/>
+                              <a:ea typeface="Cambria Math" panose="02040503050406030204" pitchFamily="18" charset="0"/>
                             </a:rPr>
                             <m:t>𝑁</m:t>
                           </m:r>
@@ -42198,6 +43519,7 @@
                               <m:ctrlPr>
                                 <a:rPr lang="en-US" i="1">
                                   <a:latin typeface="Cambria Math" panose="02040503050406030204" pitchFamily="18" charset="0"/>
+                                  <a:ea typeface="Cambria Math" panose="02040503050406030204" pitchFamily="18" charset="0"/>
                                 </a:rPr>
                               </m:ctrlPr>
                             </m:sSubPr>
@@ -42206,14 +43528,20 @@
                                 <m:rPr>
                                   <m:nor/>
                                 </m:rPr>
-                                <a:rPr lang="en-US"/>
+                                <a:rPr lang="en-US">
+                                  <a:latin typeface="Cambria Math" panose="02040503050406030204" pitchFamily="18" charset="0"/>
+                                  <a:ea typeface="Cambria Math" panose="02040503050406030204" pitchFamily="18" charset="0"/>
+                                </a:rPr>
                                 <m:t>F</m:t>
                               </m:r>
                               <m:r>
                                 <m:rPr>
                                   <m:nor/>
                                 </m:rPr>
-                                <a:rPr lang="en-US"/>
+                                <a:rPr lang="en-US">
+                                  <a:latin typeface="Cambria Math" panose="02040503050406030204" pitchFamily="18" charset="0"/>
+                                  <a:ea typeface="Cambria Math" panose="02040503050406030204" pitchFamily="18" charset="0"/>
+                                </a:rPr>
                                 <m:t>1</m:t>
                               </m:r>
                             </m:e>
@@ -42221,6 +43549,7 @@
                               <m:r>
                                 <a:rPr lang="en-US" i="1">
                                   <a:latin typeface="Cambria Math" panose="02040503050406030204" pitchFamily="18" charset="0"/>
+                                  <a:ea typeface="Cambria Math" panose="02040503050406030204" pitchFamily="18" charset="0"/>
                                 </a:rPr>
                                 <m:t>𝑖</m:t>
                               </m:r>
@@ -42231,7 +43560,10 @@
                     </m:oMath>
                   </m:oMathPara>
                 </a14:m>
-                <a:endParaRPr lang="en-US" dirty="0"/>
+                <a:endParaRPr lang="en-US" dirty="0">
+                  <a:latin typeface="Cambria Math" panose="02040503050406030204" pitchFamily="18" charset="0"/>
+                  <a:ea typeface="Cambria Math" panose="02040503050406030204" pitchFamily="18" charset="0"/>
+                </a:endParaRPr>
               </a:p>
               <a:p>
                 <a:r>
@@ -42307,6 +43639,226 @@
   <p:clrMapOvr>
     <a:masterClrMapping/>
   </p:clrMapOvr>
+  <p:timing>
+    <p:tnLst>
+      <p:par>
+        <p:cTn id="1" dur="indefinite" restart="never" nodeType="tmRoot">
+          <p:childTnLst>
+            <p:seq concurrent="1" nextAc="seek">
+              <p:cTn id="2" dur="indefinite" nodeType="mainSeq">
+                <p:childTnLst>
+                  <p:par>
+                    <p:cTn id="3" fill="hold">
+                      <p:stCondLst>
+                        <p:cond delay="indefinite"/>
+                      </p:stCondLst>
+                      <p:childTnLst>
+                        <p:par>
+                          <p:cTn id="4" fill="hold">
+                            <p:stCondLst>
+                              <p:cond delay="0"/>
+                            </p:stCondLst>
+                            <p:childTnLst>
+                              <p:par>
+                                <p:cTn id="5" presetID="10" presetClass="entr" presetSubtype="0" fill="hold" nodeType="clickEffect">
+                                  <p:stCondLst>
+                                    <p:cond delay="0"/>
+                                  </p:stCondLst>
+                                  <p:childTnLst>
+                                    <p:set>
+                                      <p:cBhvr>
+                                        <p:cTn id="6" dur="1" fill="hold">
+                                          <p:stCondLst>
+                                            <p:cond delay="0"/>
+                                          </p:stCondLst>
+                                        </p:cTn>
+                                        <p:tgtEl>
+                                          <p:spTgt spid="8">
+                                            <p:txEl>
+                                              <p:pRg st="0" end="0"/>
+                                            </p:txEl>
+                                          </p:spTgt>
+                                        </p:tgtEl>
+                                        <p:attrNameLst>
+                                          <p:attrName>style.visibility</p:attrName>
+                                        </p:attrNameLst>
+                                      </p:cBhvr>
+                                      <p:to>
+                                        <p:strVal val="visible"/>
+                                      </p:to>
+                                    </p:set>
+                                    <p:animEffect transition="in" filter="fade">
+                                      <p:cBhvr>
+                                        <p:cTn id="7" dur="250"/>
+                                        <p:tgtEl>
+                                          <p:spTgt spid="8">
+                                            <p:txEl>
+                                              <p:pRg st="0" end="0"/>
+                                            </p:txEl>
+                                          </p:spTgt>
+                                        </p:tgtEl>
+                                      </p:cBhvr>
+                                    </p:animEffect>
+                                  </p:childTnLst>
+                                </p:cTn>
+                              </p:par>
+                              <p:par>
+                                <p:cTn id="8" presetID="10" presetClass="entr" presetSubtype="0" fill="hold" nodeType="withEffect">
+                                  <p:stCondLst>
+                                    <p:cond delay="0"/>
+                                  </p:stCondLst>
+                                  <p:childTnLst>
+                                    <p:set>
+                                      <p:cBhvr>
+                                        <p:cTn id="9" dur="1" fill="hold">
+                                          <p:stCondLst>
+                                            <p:cond delay="0"/>
+                                          </p:stCondLst>
+                                        </p:cTn>
+                                        <p:tgtEl>
+                                          <p:spTgt spid="8">
+                                            <p:txEl>
+                                              <p:pRg st="1" end="1"/>
+                                            </p:txEl>
+                                          </p:spTgt>
+                                        </p:tgtEl>
+                                        <p:attrNameLst>
+                                          <p:attrName>style.visibility</p:attrName>
+                                        </p:attrNameLst>
+                                      </p:cBhvr>
+                                      <p:to>
+                                        <p:strVal val="visible"/>
+                                      </p:to>
+                                    </p:set>
+                                    <p:animEffect transition="in" filter="fade">
+                                      <p:cBhvr>
+                                        <p:cTn id="10" dur="250"/>
+                                        <p:tgtEl>
+                                          <p:spTgt spid="8">
+                                            <p:txEl>
+                                              <p:pRg st="1" end="1"/>
+                                            </p:txEl>
+                                          </p:spTgt>
+                                        </p:tgtEl>
+                                      </p:cBhvr>
+                                    </p:animEffect>
+                                  </p:childTnLst>
+                                </p:cTn>
+                              </p:par>
+                              <p:par>
+                                <p:cTn id="11" presetID="10" presetClass="entr" presetSubtype="0" fill="hold" nodeType="withEffect">
+                                  <p:stCondLst>
+                                    <p:cond delay="0"/>
+                                  </p:stCondLst>
+                                  <p:childTnLst>
+                                    <p:set>
+                                      <p:cBhvr>
+                                        <p:cTn id="12" dur="1" fill="hold">
+                                          <p:stCondLst>
+                                            <p:cond delay="0"/>
+                                          </p:stCondLst>
+                                        </p:cTn>
+                                        <p:tgtEl>
+                                          <p:spTgt spid="8">
+                                            <p:txEl>
+                                              <p:pRg st="2" end="2"/>
+                                            </p:txEl>
+                                          </p:spTgt>
+                                        </p:tgtEl>
+                                        <p:attrNameLst>
+                                          <p:attrName>style.visibility</p:attrName>
+                                        </p:attrNameLst>
+                                      </p:cBhvr>
+                                      <p:to>
+                                        <p:strVal val="visible"/>
+                                      </p:to>
+                                    </p:set>
+                                    <p:animEffect transition="in" filter="fade">
+                                      <p:cBhvr>
+                                        <p:cTn id="13" dur="250"/>
+                                        <p:tgtEl>
+                                          <p:spTgt spid="8">
+                                            <p:txEl>
+                                              <p:pRg st="2" end="2"/>
+                                            </p:txEl>
+                                          </p:spTgt>
+                                        </p:tgtEl>
+                                      </p:cBhvr>
+                                    </p:animEffect>
+                                  </p:childTnLst>
+                                </p:cTn>
+                              </p:par>
+                              <p:par>
+                                <p:cTn id="14" presetID="10" presetClass="entr" presetSubtype="0" fill="hold" nodeType="withEffect">
+                                  <p:stCondLst>
+                                    <p:cond delay="0"/>
+                                  </p:stCondLst>
+                                  <p:childTnLst>
+                                    <p:set>
+                                      <p:cBhvr>
+                                        <p:cTn id="15" dur="1" fill="hold">
+                                          <p:stCondLst>
+                                            <p:cond delay="0"/>
+                                          </p:stCondLst>
+                                        </p:cTn>
+                                        <p:tgtEl>
+                                          <p:spTgt spid="8">
+                                            <p:txEl>
+                                              <p:pRg st="3" end="3"/>
+                                            </p:txEl>
+                                          </p:spTgt>
+                                        </p:tgtEl>
+                                        <p:attrNameLst>
+                                          <p:attrName>style.visibility</p:attrName>
+                                        </p:attrNameLst>
+                                      </p:cBhvr>
+                                      <p:to>
+                                        <p:strVal val="visible"/>
+                                      </p:to>
+                                    </p:set>
+                                    <p:animEffect transition="in" filter="fade">
+                                      <p:cBhvr>
+                                        <p:cTn id="16" dur="250"/>
+                                        <p:tgtEl>
+                                          <p:spTgt spid="8">
+                                            <p:txEl>
+                                              <p:pRg st="3" end="3"/>
+                                            </p:txEl>
+                                          </p:spTgt>
+                                        </p:tgtEl>
+                                      </p:cBhvr>
+                                    </p:animEffect>
+                                  </p:childTnLst>
+                                </p:cTn>
+                              </p:par>
+                            </p:childTnLst>
+                          </p:cTn>
+                        </p:par>
+                      </p:childTnLst>
+                    </p:cTn>
+                  </p:par>
+                </p:childTnLst>
+              </p:cTn>
+              <p:prevCondLst>
+                <p:cond evt="onPrev" delay="0">
+                  <p:tgtEl>
+                    <p:sldTgt/>
+                  </p:tgtEl>
+                </p:cond>
+              </p:prevCondLst>
+              <p:nextCondLst>
+                <p:cond evt="onNext" delay="0">
+                  <p:tgtEl>
+                    <p:sldTgt/>
+                  </p:tgtEl>
+                </p:cond>
+              </p:nextCondLst>
+            </p:seq>
+          </p:childTnLst>
+        </p:cTn>
+      </p:par>
+    </p:tnLst>
+  </p:timing>
 </p:sld>
 </file>
 
@@ -42726,14 +44278,171 @@
                 </a:pPr>
                 <a:r>
                   <a:rPr lang="en-US" b="1" dirty="0"/>
-                  <a:t>Macro-Averaged AUC : </a:t>
+                  <a:t>Macro-Averaged AUC: </a:t>
                 </a:r>
                 <a:r>
                   <a:rPr lang="en-US" dirty="0"/>
-                  <a:t>OC–AUC is computed independently for each class using a one-vs-rest strategy and then averaged equally across all classes. This ensures fair per-class evaluation in a balanced 80-class dataset.</a:t>
+                  <a:t>The ROC–AUC is computed independently for each class using a one-vs-rest strategy and then averaged equally across all classes. This ensures fair per-class evaluation in a balanced 80-class dataset.</a:t>
                 </a:r>
               </a:p>
               <a:p>
+                <a:endParaRPr lang="en-US" sz="800" dirty="0"/>
+              </a:p>
+              <a:p>
+                <a:pPr/>
+                <a14:m>
+                  <m:oMathPara xmlns:m="http://schemas.openxmlformats.org/officeDocument/2006/math">
+                    <m:oMathParaPr>
+                      <m:jc m:val="centerGroup"/>
+                    </m:oMathParaPr>
+                    <m:oMath xmlns:m="http://schemas.openxmlformats.org/officeDocument/2006/math">
+                      <m:sSub>
+                        <m:sSubPr>
+                          <m:ctrlPr>
+                            <a:rPr lang="en-US" i="1">
+                              <a:latin typeface="Cambria Math" panose="02040503050406030204" pitchFamily="18" charset="0"/>
+                              <a:ea typeface="Cambria Math" panose="02040503050406030204" pitchFamily="18" charset="0"/>
+                            </a:rPr>
+                          </m:ctrlPr>
+                        </m:sSubPr>
+                        <m:e>
+                          <m:r>
+                            <m:rPr>
+                              <m:nor/>
+                            </m:rPr>
+                            <a:rPr lang="en-US" b="0" i="0" smtClean="0">
+                              <a:latin typeface="Cambria Math" panose="02040503050406030204" pitchFamily="18" charset="0"/>
+                              <a:ea typeface="Cambria Math" panose="02040503050406030204" pitchFamily="18" charset="0"/>
+                            </a:rPr>
+                            <m:t>AUC</m:t>
+                          </m:r>
+                        </m:e>
+                        <m:sub>
+                          <m:r>
+                            <a:rPr lang="en-US" i="1">
+                              <a:latin typeface="Cambria Math" panose="02040503050406030204" pitchFamily="18" charset="0"/>
+                              <a:ea typeface="Cambria Math" panose="02040503050406030204" pitchFamily="18" charset="0"/>
+                            </a:rPr>
+                            <m:t>𝑖</m:t>
+                          </m:r>
+                        </m:sub>
+                      </m:sSub>
+                      <m:r>
+                        <a:rPr lang="en-US" i="1">
+                          <a:latin typeface="Cambria Math" panose="02040503050406030204" pitchFamily="18" charset="0"/>
+                          <a:ea typeface="Cambria Math" panose="02040503050406030204" pitchFamily="18" charset="0"/>
+                        </a:rPr>
+                        <m:t>=</m:t>
+                      </m:r>
+                      <m:nary>
+                        <m:naryPr>
+                          <m:ctrlPr>
+                            <a:rPr lang="en-US" i="1" smtClean="0">
+                              <a:latin typeface="Cambria Math" panose="02040503050406030204" pitchFamily="18" charset="0"/>
+                              <a:ea typeface="Cambria Math" panose="02040503050406030204" pitchFamily="18" charset="0"/>
+                            </a:rPr>
+                          </m:ctrlPr>
+                        </m:naryPr>
+                        <m:sub>
+                          <m:r>
+                            <m:rPr>
+                              <m:brk m:alnAt="23"/>
+                            </m:rPr>
+                            <a:rPr lang="en-US" b="0" i="1" smtClean="0">
+                              <a:latin typeface="Cambria Math" panose="02040503050406030204" pitchFamily="18" charset="0"/>
+                              <a:ea typeface="Cambria Math" panose="02040503050406030204" pitchFamily="18" charset="0"/>
+                            </a:rPr>
+                            <m:t>0</m:t>
+                          </m:r>
+                        </m:sub>
+                        <m:sup>
+                          <m:r>
+                            <a:rPr lang="en-US" b="0" i="1" smtClean="0">
+                              <a:latin typeface="Cambria Math" panose="02040503050406030204" pitchFamily="18" charset="0"/>
+                              <a:ea typeface="Cambria Math" panose="02040503050406030204" pitchFamily="18" charset="0"/>
+                            </a:rPr>
+                            <m:t>1</m:t>
+                          </m:r>
+                        </m:sup>
+                        <m:e>
+                          <m:r>
+                            <a:rPr lang="en-US" b="0" i="1" smtClean="0">
+                              <a:latin typeface="Cambria Math" panose="02040503050406030204" pitchFamily="18" charset="0"/>
+                              <a:ea typeface="Cambria Math" panose="02040503050406030204" pitchFamily="18" charset="0"/>
+                            </a:rPr>
+                            <m:t>𝑇𝑃𝑅</m:t>
+                          </m:r>
+                          <m:d>
+                            <m:dPr>
+                              <m:ctrlPr>
+                                <a:rPr lang="en-US" b="0" i="1" smtClean="0">
+                                  <a:latin typeface="Cambria Math" panose="02040503050406030204" pitchFamily="18" charset="0"/>
+                                  <a:ea typeface="Cambria Math" panose="02040503050406030204" pitchFamily="18" charset="0"/>
+                                </a:rPr>
+                              </m:ctrlPr>
+                            </m:dPr>
+                            <m:e>
+                              <m:r>
+                                <a:rPr lang="en-US" b="0" i="1" smtClean="0">
+                                  <a:latin typeface="Cambria Math" panose="02040503050406030204" pitchFamily="18" charset="0"/>
+                                  <a:ea typeface="Cambria Math" panose="02040503050406030204" pitchFamily="18" charset="0"/>
+                                </a:rPr>
+                                <m:t>𝐹𝑃𝑅</m:t>
+                              </m:r>
+                            </m:e>
+                          </m:d>
+                          <m:r>
+                            <a:rPr lang="en-US" b="0" i="1" smtClean="0">
+                              <a:latin typeface="Cambria Math" panose="02040503050406030204" pitchFamily="18" charset="0"/>
+                              <a:ea typeface="Cambria Math" panose="02040503050406030204" pitchFamily="18" charset="0"/>
+                            </a:rPr>
+                            <m:t> </m:t>
+                          </m:r>
+                          <m:r>
+                            <a:rPr lang="en-US" b="0" i="1" smtClean="0">
+                              <a:latin typeface="Cambria Math" panose="02040503050406030204" pitchFamily="18" charset="0"/>
+                              <a:ea typeface="Cambria Math" panose="02040503050406030204" pitchFamily="18" charset="0"/>
+                            </a:rPr>
+                            <m:t>𝑑</m:t>
+                          </m:r>
+                          <m:d>
+                            <m:dPr>
+                              <m:ctrlPr>
+                                <a:rPr lang="en-US" i="1">
+                                  <a:latin typeface="Cambria Math" panose="02040503050406030204" pitchFamily="18" charset="0"/>
+                                  <a:ea typeface="Cambria Math" panose="02040503050406030204" pitchFamily="18" charset="0"/>
+                                </a:rPr>
+                              </m:ctrlPr>
+                            </m:dPr>
+                            <m:e>
+                              <m:r>
+                                <a:rPr lang="en-US" b="0" i="1" smtClean="0">
+                                  <a:latin typeface="Cambria Math" panose="02040503050406030204" pitchFamily="18" charset="0"/>
+                                  <a:ea typeface="Cambria Math" panose="02040503050406030204" pitchFamily="18" charset="0"/>
+                                </a:rPr>
+                                <m:t>𝐹𝑃</m:t>
+                              </m:r>
+                            </m:e>
+                          </m:d>
+                        </m:e>
+                      </m:nary>
+                    </m:oMath>
+                  </m:oMathPara>
+                </a14:m>
+                <a:endParaRPr lang="en-US" dirty="0">
+                  <a:latin typeface="Cambria Math" panose="02040503050406030204" pitchFamily="18" charset="0"/>
+                  <a:ea typeface="Cambria Math" panose="02040503050406030204" pitchFamily="18" charset="0"/>
+                </a:endParaRPr>
+              </a:p>
+              <a:p>
+                <a:pPr/>
+                <a:endParaRPr lang="en-US" sz="800" dirty="0">
+                  <a:latin typeface="Cambria Math" panose="02040503050406030204" pitchFamily="18" charset="0"/>
+                  <a:ea typeface="Cambria Math" panose="02040503050406030204" pitchFamily="18" charset="0"/>
+                </a:endParaRPr>
+              </a:p>
+              <a:p>
+                <a:pPr/>
                 <a14:m>
                   <m:oMathPara xmlns:m="http://schemas.openxmlformats.org/officeDocument/2006/math">
                     <m:oMathParaPr>
@@ -42744,42 +44453,63 @@
                         <m:rPr>
                           <m:nor/>
                         </m:rPr>
-                        <a:rPr lang="en-US"/>
+                        <a:rPr lang="en-US" smtClean="0">
+                          <a:latin typeface="Cambria Math" panose="02040503050406030204" pitchFamily="18" charset="0"/>
+                          <a:ea typeface="Cambria Math" panose="02040503050406030204" pitchFamily="18" charset="0"/>
+                        </a:rPr>
                         <m:t>Macro</m:t>
                       </m:r>
                       <m:r>
                         <m:rPr>
                           <m:nor/>
                         </m:rPr>
-                        <a:rPr lang="en-US" b="0" i="0" smtClean="0"/>
-                        <m:t>-</m:t>
+                        <a:rPr lang="en-US" smtClean="0">
+                          <a:latin typeface="Cambria Math" panose="02040503050406030204" pitchFamily="18" charset="0"/>
+                          <a:ea typeface="Cambria Math" panose="02040503050406030204" pitchFamily="18" charset="0"/>
+                        </a:rPr>
+                        <m:t>−</m:t>
                       </m:r>
                       <m:r>
                         <m:rPr>
                           <m:nor/>
                         </m:rPr>
-                        <a:rPr lang="en-US"/>
+                        <a:rPr lang="en-US" smtClean="0">
+                          <a:latin typeface="Cambria Math" panose="02040503050406030204" pitchFamily="18" charset="0"/>
+                          <a:ea typeface="Cambria Math" panose="02040503050406030204" pitchFamily="18" charset="0"/>
+                        </a:rPr>
                         <m:t>AUC</m:t>
                       </m:r>
                       <m:r>
-                        <a:rPr lang="en-US"/>
+                        <a:rPr lang="en-US">
+                          <a:latin typeface="Cambria Math" panose="02040503050406030204" pitchFamily="18" charset="0"/>
+                          <a:ea typeface="Cambria Math" panose="02040503050406030204" pitchFamily="18" charset="0"/>
+                        </a:rPr>
                         <m:t>=</m:t>
                       </m:r>
                       <m:f>
                         <m:fPr>
                           <m:ctrlPr>
-                            <a:rPr lang="ar-AE" i="1"/>
+                            <a:rPr lang="ar-AE" i="1">
+                              <a:latin typeface="Cambria Math" panose="02040503050406030204" pitchFamily="18" charset="0"/>
+                              <a:ea typeface="Cambria Math" panose="02040503050406030204" pitchFamily="18" charset="0"/>
+                            </a:rPr>
                           </m:ctrlPr>
                         </m:fPr>
                         <m:num>
                           <m:r>
-                            <a:rPr lang="ar-AE"/>
+                            <a:rPr lang="ar-AE">
+                              <a:latin typeface="Cambria Math" panose="02040503050406030204" pitchFamily="18" charset="0"/>
+                              <a:ea typeface="Cambria Math" panose="02040503050406030204" pitchFamily="18" charset="0"/>
+                            </a:rPr>
                             <m:t>1</m:t>
                           </m:r>
                         </m:num>
                         <m:den>
                           <m:r>
-                            <a:rPr lang="ar-AE" i="1"/>
+                            <a:rPr lang="ar-AE" i="1">
+                              <a:latin typeface="Cambria Math" panose="02040503050406030204" pitchFamily="18" charset="0"/>
+                              <a:ea typeface="Cambria Math" panose="02040503050406030204" pitchFamily="18" charset="0"/>
+                            </a:rPr>
                             <m:t>𝑁</m:t>
                           </m:r>
                         </m:den>
@@ -42789,26 +44519,41 @@
                           <m:chr m:val="∑"/>
                           <m:grow m:val="on"/>
                           <m:ctrlPr>
-                            <a:rPr lang="ar-AE" i="1"/>
+                            <a:rPr lang="ar-AE" i="1">
+                              <a:latin typeface="Cambria Math" panose="02040503050406030204" pitchFamily="18" charset="0"/>
+                              <a:ea typeface="Cambria Math" panose="02040503050406030204" pitchFamily="18" charset="0"/>
+                            </a:rPr>
                           </m:ctrlPr>
                         </m:naryPr>
                         <m:sub>
                           <m:r>
-                            <a:rPr lang="ar-AE" i="1"/>
+                            <a:rPr lang="ar-AE" i="1">
+                              <a:latin typeface="Cambria Math" panose="02040503050406030204" pitchFamily="18" charset="0"/>
+                              <a:ea typeface="Cambria Math" panose="02040503050406030204" pitchFamily="18" charset="0"/>
+                            </a:rPr>
                             <m:t>𝑖</m:t>
                           </m:r>
                           <m:r>
-                            <a:rPr lang="ar-AE"/>
+                            <a:rPr lang="ar-AE">
+                              <a:latin typeface="Cambria Math" panose="02040503050406030204" pitchFamily="18" charset="0"/>
+                              <a:ea typeface="Cambria Math" panose="02040503050406030204" pitchFamily="18" charset="0"/>
+                            </a:rPr>
                             <m:t>=</m:t>
                           </m:r>
                           <m:r>
-                            <a:rPr lang="ar-AE"/>
+                            <a:rPr lang="ar-AE">
+                              <a:latin typeface="Cambria Math" panose="02040503050406030204" pitchFamily="18" charset="0"/>
+                              <a:ea typeface="Cambria Math" panose="02040503050406030204" pitchFamily="18" charset="0"/>
+                            </a:rPr>
                             <m:t>1</m:t>
                           </m:r>
                         </m:sub>
                         <m:sup>
                           <m:r>
-                            <a:rPr lang="ar-AE" i="1"/>
+                            <a:rPr lang="ar-AE" i="1">
+                              <a:latin typeface="Cambria Math" panose="02040503050406030204" pitchFamily="18" charset="0"/>
+                              <a:ea typeface="Cambria Math" panose="02040503050406030204" pitchFamily="18" charset="0"/>
+                            </a:rPr>
                             <m:t>𝑁</m:t>
                           </m:r>
                         </m:sup>
@@ -42816,7 +44561,10 @@
                           <m:sSub>
                             <m:sSubPr>
                               <m:ctrlPr>
-                                <a:rPr lang="ar-AE" i="1"/>
+                                <a:rPr lang="ar-AE" i="1">
+                                  <a:latin typeface="Cambria Math" panose="02040503050406030204" pitchFamily="18" charset="0"/>
+                                  <a:ea typeface="Cambria Math" panose="02040503050406030204" pitchFamily="18" charset="0"/>
+                                </a:rPr>
                               </m:ctrlPr>
                             </m:sSubPr>
                             <m:e>
@@ -42824,13 +44572,19 @@
                                 <m:rPr>
                                   <m:nor/>
                                 </m:rPr>
-                                <a:rPr lang="en-US" i="1"/>
+                                <a:rPr lang="en-US" i="1">
+                                  <a:latin typeface="Cambria Math" panose="02040503050406030204" pitchFamily="18" charset="0"/>
+                                  <a:ea typeface="Cambria Math" panose="02040503050406030204" pitchFamily="18" charset="0"/>
+                                </a:rPr>
                                 <m:t>AUC</m:t>
                               </m:r>
                             </m:e>
                             <m:sub>
                               <m:r>
-                                <a:rPr lang="ar-AE" i="1"/>
+                                <a:rPr lang="ar-AE" i="1">
+                                  <a:latin typeface="Cambria Math" panose="02040503050406030204" pitchFamily="18" charset="0"/>
+                                  <a:ea typeface="Cambria Math" panose="02040503050406030204" pitchFamily="18" charset="0"/>
+                                </a:rPr>
                                 <m:t>𝑖</m:t>
                               </m:r>
                             </m:sub>
@@ -42840,7 +44594,10 @@
                     </m:oMath>
                   </m:oMathPara>
                 </a14:m>
-                <a:endParaRPr lang="ar-AE" dirty="0"/>
+                <a:endParaRPr lang="ar-AE" dirty="0">
+                  <a:latin typeface="Cambria Math" panose="02040503050406030204" pitchFamily="18" charset="0"/>
+                  <a:ea typeface="Cambria Math" panose="02040503050406030204" pitchFamily="18" charset="0"/>
+                </a:endParaRPr>
               </a:p>
             </p:txBody>
           </p:sp>
@@ -42899,6 +44656,183 @@
   <p:clrMapOvr>
     <a:masterClrMapping/>
   </p:clrMapOvr>
+  <p:timing>
+    <p:tnLst>
+      <p:par>
+        <p:cTn id="1" dur="indefinite" restart="never" nodeType="tmRoot">
+          <p:childTnLst>
+            <p:seq concurrent="1" nextAc="seek">
+              <p:cTn id="2" dur="indefinite" nodeType="mainSeq">
+                <p:childTnLst>
+                  <p:par>
+                    <p:cTn id="3" fill="hold">
+                      <p:stCondLst>
+                        <p:cond delay="indefinite"/>
+                      </p:stCondLst>
+                      <p:childTnLst>
+                        <p:par>
+                          <p:cTn id="4" fill="hold">
+                            <p:stCondLst>
+                              <p:cond delay="0"/>
+                            </p:stCondLst>
+                            <p:childTnLst>
+                              <p:par>
+                                <p:cTn id="5" presetID="10" presetClass="entr" presetSubtype="0" fill="hold" nodeType="clickEffect">
+                                  <p:stCondLst>
+                                    <p:cond delay="0"/>
+                                  </p:stCondLst>
+                                  <p:childTnLst>
+                                    <p:set>
+                                      <p:cBhvr>
+                                        <p:cTn id="6" dur="1" fill="hold">
+                                          <p:stCondLst>
+                                            <p:cond delay="0"/>
+                                          </p:stCondLst>
+                                        </p:cTn>
+                                        <p:tgtEl>
+                                          <p:spTgt spid="8">
+                                            <p:txEl>
+                                              <p:pRg st="0" end="0"/>
+                                            </p:txEl>
+                                          </p:spTgt>
+                                        </p:tgtEl>
+                                        <p:attrNameLst>
+                                          <p:attrName>style.visibility</p:attrName>
+                                        </p:attrNameLst>
+                                      </p:cBhvr>
+                                      <p:to>
+                                        <p:strVal val="visible"/>
+                                      </p:to>
+                                    </p:set>
+                                    <p:animEffect transition="in" filter="fade">
+                                      <p:cBhvr>
+                                        <p:cTn id="7" dur="250"/>
+                                        <p:tgtEl>
+                                          <p:spTgt spid="8">
+                                            <p:txEl>
+                                              <p:pRg st="0" end="0"/>
+                                            </p:txEl>
+                                          </p:spTgt>
+                                        </p:tgtEl>
+                                      </p:cBhvr>
+                                    </p:animEffect>
+                                  </p:childTnLst>
+                                </p:cTn>
+                              </p:par>
+                              <p:par>
+                                <p:cTn id="8" presetID="10" presetClass="entr" presetSubtype="0" fill="hold" nodeType="withEffect">
+                                  <p:stCondLst>
+                                    <p:cond delay="0"/>
+                                  </p:stCondLst>
+                                  <p:childTnLst>
+                                    <p:set>
+                                      <p:cBhvr>
+                                        <p:cTn id="9" dur="1" fill="hold">
+                                          <p:stCondLst>
+                                            <p:cond delay="0"/>
+                                          </p:stCondLst>
+                                        </p:cTn>
+                                        <p:tgtEl>
+                                          <p:spTgt spid="8">
+                                            <p:txEl>
+                                              <p:pRg st="2" end="2"/>
+                                            </p:txEl>
+                                          </p:spTgt>
+                                        </p:tgtEl>
+                                        <p:attrNameLst>
+                                          <p:attrName>style.visibility</p:attrName>
+                                        </p:attrNameLst>
+                                      </p:cBhvr>
+                                      <p:to>
+                                        <p:strVal val="visible"/>
+                                      </p:to>
+                                    </p:set>
+                                    <p:animEffect transition="in" filter="fade">
+                                      <p:cBhvr>
+                                        <p:cTn id="10" dur="250"/>
+                                        <p:tgtEl>
+                                          <p:spTgt spid="8">
+                                            <p:txEl>
+                                              <p:pRg st="2" end="2"/>
+                                            </p:txEl>
+                                          </p:spTgt>
+                                        </p:tgtEl>
+                                      </p:cBhvr>
+                                    </p:animEffect>
+                                  </p:childTnLst>
+                                </p:cTn>
+                              </p:par>
+                              <p:par>
+                                <p:cTn id="11" presetID="10" presetClass="entr" presetSubtype="0" fill="hold" nodeType="withEffect">
+                                  <p:stCondLst>
+                                    <p:cond delay="0"/>
+                                  </p:stCondLst>
+                                  <p:childTnLst>
+                                    <p:set>
+                                      <p:cBhvr>
+                                        <p:cTn id="12" dur="1" fill="hold">
+                                          <p:stCondLst>
+                                            <p:cond delay="0"/>
+                                          </p:stCondLst>
+                                        </p:cTn>
+                                        <p:tgtEl>
+                                          <p:spTgt spid="8">
+                                            <p:txEl>
+                                              <p:pRg st="4" end="4"/>
+                                            </p:txEl>
+                                          </p:spTgt>
+                                        </p:tgtEl>
+                                        <p:attrNameLst>
+                                          <p:attrName>style.visibility</p:attrName>
+                                        </p:attrNameLst>
+                                      </p:cBhvr>
+                                      <p:to>
+                                        <p:strVal val="visible"/>
+                                      </p:to>
+                                    </p:set>
+                                    <p:animEffect transition="in" filter="fade">
+                                      <p:cBhvr>
+                                        <p:cTn id="13" dur="250"/>
+                                        <p:tgtEl>
+                                          <p:spTgt spid="8">
+                                            <p:txEl>
+                                              <p:pRg st="4" end="4"/>
+                                            </p:txEl>
+                                          </p:spTgt>
+                                        </p:tgtEl>
+                                      </p:cBhvr>
+                                    </p:animEffect>
+                                  </p:childTnLst>
+                                </p:cTn>
+                              </p:par>
+                            </p:childTnLst>
+                          </p:cTn>
+                        </p:par>
+                      </p:childTnLst>
+                    </p:cTn>
+                  </p:par>
+                </p:childTnLst>
+              </p:cTn>
+              <p:prevCondLst>
+                <p:cond evt="onPrev" delay="0">
+                  <p:tgtEl>
+                    <p:sldTgt/>
+                  </p:tgtEl>
+                </p:cond>
+              </p:prevCondLst>
+              <p:nextCondLst>
+                <p:cond evt="onNext" delay="0">
+                  <p:tgtEl>
+                    <p:sldTgt/>
+                  </p:tgtEl>
+                </p:cond>
+              </p:nextCondLst>
+            </p:seq>
+          </p:childTnLst>
+        </p:cTn>
+      </p:par>
+    </p:tnLst>
+  </p:timing>
 </p:sld>
 </file>
 
@@ -43670,6 +45604,89 @@
   <p:clrMapOvr>
     <a:masterClrMapping/>
   </p:clrMapOvr>
+  <p:timing>
+    <p:tnLst>
+      <p:par>
+        <p:cTn id="1" dur="indefinite" restart="never" nodeType="tmRoot">
+          <p:childTnLst>
+            <p:seq concurrent="1" nextAc="seek">
+              <p:cTn id="2" dur="indefinite" nodeType="mainSeq">
+                <p:childTnLst>
+                  <p:par>
+                    <p:cTn id="3" fill="hold">
+                      <p:stCondLst>
+                        <p:cond delay="indefinite"/>
+                      </p:stCondLst>
+                      <p:childTnLst>
+                        <p:par>
+                          <p:cTn id="4" fill="hold">
+                            <p:stCondLst>
+                              <p:cond delay="0"/>
+                            </p:stCondLst>
+                            <p:childTnLst>
+                              <p:par>
+                                <p:cTn id="5" presetID="10" presetClass="entr" presetSubtype="0" fill="hold" nodeType="clickEffect">
+                                  <p:stCondLst>
+                                    <p:cond delay="0"/>
+                                  </p:stCondLst>
+                                  <p:childTnLst>
+                                    <p:set>
+                                      <p:cBhvr>
+                                        <p:cTn id="6" dur="1" fill="hold">
+                                          <p:stCondLst>
+                                            <p:cond delay="0"/>
+                                          </p:stCondLst>
+                                        </p:cTn>
+                                        <p:tgtEl>
+                                          <p:spTgt spid="4"/>
+                                        </p:tgtEl>
+                                        <p:attrNameLst>
+                                          <p:attrName>style.visibility</p:attrName>
+                                        </p:attrNameLst>
+                                      </p:cBhvr>
+                                      <p:to>
+                                        <p:strVal val="visible"/>
+                                      </p:to>
+                                    </p:set>
+                                    <p:animEffect transition="in" filter="fade">
+                                      <p:cBhvr>
+                                        <p:cTn id="7" dur="250"/>
+                                        <p:tgtEl>
+                                          <p:spTgt spid="4"/>
+                                        </p:tgtEl>
+                                      </p:cBhvr>
+                                    </p:animEffect>
+                                  </p:childTnLst>
+                                </p:cTn>
+                              </p:par>
+                            </p:childTnLst>
+                          </p:cTn>
+                        </p:par>
+                      </p:childTnLst>
+                    </p:cTn>
+                  </p:par>
+                </p:childTnLst>
+              </p:cTn>
+              <p:prevCondLst>
+                <p:cond evt="onPrev" delay="0">
+                  <p:tgtEl>
+                    <p:sldTgt/>
+                  </p:tgtEl>
+                </p:cond>
+              </p:prevCondLst>
+              <p:nextCondLst>
+                <p:cond evt="onNext" delay="0">
+                  <p:tgtEl>
+                    <p:sldTgt/>
+                  </p:tgtEl>
+                </p:cond>
+              </p:nextCondLst>
+            </p:seq>
+          </p:childTnLst>
+        </p:cTn>
+      </p:par>
+    </p:tnLst>
+  </p:timing>
 </p:sld>
 </file>
 
@@ -43766,6 +45783,89 @@
   <p:clrMapOvr>
     <a:masterClrMapping/>
   </p:clrMapOvr>
+  <p:timing>
+    <p:tnLst>
+      <p:par>
+        <p:cTn id="1" dur="indefinite" restart="never" nodeType="tmRoot">
+          <p:childTnLst>
+            <p:seq concurrent="1" nextAc="seek">
+              <p:cTn id="2" dur="indefinite" nodeType="mainSeq">
+                <p:childTnLst>
+                  <p:par>
+                    <p:cTn id="3" fill="hold">
+                      <p:stCondLst>
+                        <p:cond delay="indefinite"/>
+                      </p:stCondLst>
+                      <p:childTnLst>
+                        <p:par>
+                          <p:cTn id="4" fill="hold">
+                            <p:stCondLst>
+                              <p:cond delay="0"/>
+                            </p:stCondLst>
+                            <p:childTnLst>
+                              <p:par>
+                                <p:cTn id="5" presetID="10" presetClass="entr" presetSubtype="0" fill="hold" nodeType="clickEffect">
+                                  <p:stCondLst>
+                                    <p:cond delay="0"/>
+                                  </p:stCondLst>
+                                  <p:childTnLst>
+                                    <p:set>
+                                      <p:cBhvr>
+                                        <p:cTn id="6" dur="1" fill="hold">
+                                          <p:stCondLst>
+                                            <p:cond delay="0"/>
+                                          </p:stCondLst>
+                                        </p:cTn>
+                                        <p:tgtEl>
+                                          <p:spTgt spid="5"/>
+                                        </p:tgtEl>
+                                        <p:attrNameLst>
+                                          <p:attrName>style.visibility</p:attrName>
+                                        </p:attrNameLst>
+                                      </p:cBhvr>
+                                      <p:to>
+                                        <p:strVal val="visible"/>
+                                      </p:to>
+                                    </p:set>
+                                    <p:animEffect transition="in" filter="fade">
+                                      <p:cBhvr>
+                                        <p:cTn id="7" dur="250"/>
+                                        <p:tgtEl>
+                                          <p:spTgt spid="5"/>
+                                        </p:tgtEl>
+                                      </p:cBhvr>
+                                    </p:animEffect>
+                                  </p:childTnLst>
+                                </p:cTn>
+                              </p:par>
+                            </p:childTnLst>
+                          </p:cTn>
+                        </p:par>
+                      </p:childTnLst>
+                    </p:cTn>
+                  </p:par>
+                </p:childTnLst>
+              </p:cTn>
+              <p:prevCondLst>
+                <p:cond evt="onPrev" delay="0">
+                  <p:tgtEl>
+                    <p:sldTgt/>
+                  </p:tgtEl>
+                </p:cond>
+              </p:prevCondLst>
+              <p:nextCondLst>
+                <p:cond evt="onNext" delay="0">
+                  <p:tgtEl>
+                    <p:sldTgt/>
+                  </p:tgtEl>
+                </p:cond>
+              </p:nextCondLst>
+            </p:seq>
+          </p:childTnLst>
+        </p:cTn>
+      </p:par>
+    </p:tnLst>
+  </p:timing>
 </p:sld>
 </file>
 
@@ -43862,6 +45962,89 @@
   <p:clrMapOvr>
     <a:masterClrMapping/>
   </p:clrMapOvr>
+  <p:timing>
+    <p:tnLst>
+      <p:par>
+        <p:cTn id="1" dur="indefinite" restart="never" nodeType="tmRoot">
+          <p:childTnLst>
+            <p:seq concurrent="1" nextAc="seek">
+              <p:cTn id="2" dur="indefinite" nodeType="mainSeq">
+                <p:childTnLst>
+                  <p:par>
+                    <p:cTn id="3" fill="hold">
+                      <p:stCondLst>
+                        <p:cond delay="indefinite"/>
+                      </p:stCondLst>
+                      <p:childTnLst>
+                        <p:par>
+                          <p:cTn id="4" fill="hold">
+                            <p:stCondLst>
+                              <p:cond delay="0"/>
+                            </p:stCondLst>
+                            <p:childTnLst>
+                              <p:par>
+                                <p:cTn id="5" presetID="10" presetClass="entr" presetSubtype="0" fill="hold" nodeType="clickEffect">
+                                  <p:stCondLst>
+                                    <p:cond delay="0"/>
+                                  </p:stCondLst>
+                                  <p:childTnLst>
+                                    <p:set>
+                                      <p:cBhvr>
+                                        <p:cTn id="6" dur="1" fill="hold">
+                                          <p:stCondLst>
+                                            <p:cond delay="0"/>
+                                          </p:stCondLst>
+                                        </p:cTn>
+                                        <p:tgtEl>
+                                          <p:spTgt spid="6"/>
+                                        </p:tgtEl>
+                                        <p:attrNameLst>
+                                          <p:attrName>style.visibility</p:attrName>
+                                        </p:attrNameLst>
+                                      </p:cBhvr>
+                                      <p:to>
+                                        <p:strVal val="visible"/>
+                                      </p:to>
+                                    </p:set>
+                                    <p:animEffect transition="in" filter="fade">
+                                      <p:cBhvr>
+                                        <p:cTn id="7" dur="250"/>
+                                        <p:tgtEl>
+                                          <p:spTgt spid="6"/>
+                                        </p:tgtEl>
+                                      </p:cBhvr>
+                                    </p:animEffect>
+                                  </p:childTnLst>
+                                </p:cTn>
+                              </p:par>
+                            </p:childTnLst>
+                          </p:cTn>
+                        </p:par>
+                      </p:childTnLst>
+                    </p:cTn>
+                  </p:par>
+                </p:childTnLst>
+              </p:cTn>
+              <p:prevCondLst>
+                <p:cond evt="onPrev" delay="0">
+                  <p:tgtEl>
+                    <p:sldTgt/>
+                  </p:tgtEl>
+                </p:cond>
+              </p:prevCondLst>
+              <p:nextCondLst>
+                <p:cond evt="onNext" delay="0">
+                  <p:tgtEl>
+                    <p:sldTgt/>
+                  </p:tgtEl>
+                </p:cond>
+              </p:nextCondLst>
+            </p:seq>
+          </p:childTnLst>
+        </p:cTn>
+      </p:par>
+    </p:tnLst>
+  </p:timing>
 </p:sld>
 </file>
 
@@ -44048,6 +46231,194 @@
   <p:clrMapOvr>
     <a:masterClrMapping/>
   </p:clrMapOvr>
+  <p:timing>
+    <p:tnLst>
+      <p:par>
+        <p:cTn id="1" dur="indefinite" restart="never" nodeType="tmRoot">
+          <p:childTnLst>
+            <p:seq concurrent="1" nextAc="seek">
+              <p:cTn id="2" dur="indefinite" nodeType="mainSeq">
+                <p:childTnLst>
+                  <p:par>
+                    <p:cTn id="3" fill="hold">
+                      <p:stCondLst>
+                        <p:cond delay="indefinite"/>
+                      </p:stCondLst>
+                      <p:childTnLst>
+                        <p:par>
+                          <p:cTn id="4" fill="hold">
+                            <p:stCondLst>
+                              <p:cond delay="0"/>
+                            </p:stCondLst>
+                            <p:childTnLst>
+                              <p:par>
+                                <p:cTn id="5" presetID="10" presetClass="entr" presetSubtype="0" fill="hold" nodeType="clickEffect">
+                                  <p:stCondLst>
+                                    <p:cond delay="0"/>
+                                  </p:stCondLst>
+                                  <p:childTnLst>
+                                    <p:set>
+                                      <p:cBhvr>
+                                        <p:cTn id="6" dur="1" fill="hold">
+                                          <p:stCondLst>
+                                            <p:cond delay="0"/>
+                                          </p:stCondLst>
+                                        </p:cTn>
+                                        <p:tgtEl>
+                                          <p:spTgt spid="5"/>
+                                        </p:tgtEl>
+                                        <p:attrNameLst>
+                                          <p:attrName>style.visibility</p:attrName>
+                                        </p:attrNameLst>
+                                      </p:cBhvr>
+                                      <p:to>
+                                        <p:strVal val="visible"/>
+                                      </p:to>
+                                    </p:set>
+                                    <p:animEffect transition="in" filter="fade">
+                                      <p:cBhvr>
+                                        <p:cTn id="7" dur="250"/>
+                                        <p:tgtEl>
+                                          <p:spTgt spid="5"/>
+                                        </p:tgtEl>
+                                      </p:cBhvr>
+                                    </p:animEffect>
+                                  </p:childTnLst>
+                                </p:cTn>
+                              </p:par>
+                              <p:par>
+                                <p:cTn id="8" presetID="10" presetClass="entr" presetSubtype="0" fill="hold" nodeType="withEffect">
+                                  <p:stCondLst>
+                                    <p:cond delay="0"/>
+                                  </p:stCondLst>
+                                  <p:childTnLst>
+                                    <p:set>
+                                      <p:cBhvr>
+                                        <p:cTn id="9" dur="1" fill="hold">
+                                          <p:stCondLst>
+                                            <p:cond delay="0"/>
+                                          </p:stCondLst>
+                                        </p:cTn>
+                                        <p:tgtEl>
+                                          <p:spTgt spid="10"/>
+                                        </p:tgtEl>
+                                        <p:attrNameLst>
+                                          <p:attrName>style.visibility</p:attrName>
+                                        </p:attrNameLst>
+                                      </p:cBhvr>
+                                      <p:to>
+                                        <p:strVal val="visible"/>
+                                      </p:to>
+                                    </p:set>
+                                    <p:animEffect transition="in" filter="fade">
+                                      <p:cBhvr>
+                                        <p:cTn id="10" dur="250"/>
+                                        <p:tgtEl>
+                                          <p:spTgt spid="10"/>
+                                        </p:tgtEl>
+                                      </p:cBhvr>
+                                    </p:animEffect>
+                                  </p:childTnLst>
+                                </p:cTn>
+                              </p:par>
+                              <p:par>
+                                <p:cTn id="11" presetID="10" presetClass="entr" presetSubtype="0" fill="hold" nodeType="withEffect">
+                                  <p:stCondLst>
+                                    <p:cond delay="0"/>
+                                  </p:stCondLst>
+                                  <p:childTnLst>
+                                    <p:set>
+                                      <p:cBhvr>
+                                        <p:cTn id="12" dur="1" fill="hold">
+                                          <p:stCondLst>
+                                            <p:cond delay="0"/>
+                                          </p:stCondLst>
+                                        </p:cTn>
+                                        <p:tgtEl>
+                                          <p:spTgt spid="12"/>
+                                        </p:tgtEl>
+                                        <p:attrNameLst>
+                                          <p:attrName>style.visibility</p:attrName>
+                                        </p:attrNameLst>
+                                      </p:cBhvr>
+                                      <p:to>
+                                        <p:strVal val="visible"/>
+                                      </p:to>
+                                    </p:set>
+                                    <p:animEffect transition="in" filter="fade">
+                                      <p:cBhvr>
+                                        <p:cTn id="13" dur="250"/>
+                                        <p:tgtEl>
+                                          <p:spTgt spid="12"/>
+                                        </p:tgtEl>
+                                      </p:cBhvr>
+                                    </p:animEffect>
+                                  </p:childTnLst>
+                                </p:cTn>
+                              </p:par>
+                              <p:par>
+                                <p:cTn id="14" presetID="10" presetClass="entr" presetSubtype="0" fill="hold" nodeType="withEffect">
+                                  <p:stCondLst>
+                                    <p:cond delay="0"/>
+                                  </p:stCondLst>
+                                  <p:childTnLst>
+                                    <p:set>
+                                      <p:cBhvr>
+                                        <p:cTn id="15" dur="1" fill="hold">
+                                          <p:stCondLst>
+                                            <p:cond delay="0"/>
+                                          </p:stCondLst>
+                                        </p:cTn>
+                                        <p:tgtEl>
+                                          <p:spTgt spid="14"/>
+                                        </p:tgtEl>
+                                        <p:attrNameLst>
+                                          <p:attrName>style.visibility</p:attrName>
+                                        </p:attrNameLst>
+                                      </p:cBhvr>
+                                      <p:to>
+                                        <p:strVal val="visible"/>
+                                      </p:to>
+                                    </p:set>
+                                    <p:animEffect transition="in" filter="fade">
+                                      <p:cBhvr>
+                                        <p:cTn id="16" dur="250"/>
+                                        <p:tgtEl>
+                                          <p:spTgt spid="14"/>
+                                        </p:tgtEl>
+                                      </p:cBhvr>
+                                    </p:animEffect>
+                                  </p:childTnLst>
+                                </p:cTn>
+                              </p:par>
+                            </p:childTnLst>
+                          </p:cTn>
+                        </p:par>
+                      </p:childTnLst>
+                    </p:cTn>
+                  </p:par>
+                </p:childTnLst>
+              </p:cTn>
+              <p:prevCondLst>
+                <p:cond evt="onPrev" delay="0">
+                  <p:tgtEl>
+                    <p:sldTgt/>
+                  </p:tgtEl>
+                </p:cond>
+              </p:prevCondLst>
+              <p:nextCondLst>
+                <p:cond evt="onNext" delay="0">
+                  <p:tgtEl>
+                    <p:sldTgt/>
+                  </p:tgtEl>
+                </p:cond>
+              </p:nextCondLst>
+            </p:seq>
+          </p:childTnLst>
+        </p:cTn>
+      </p:par>
+    </p:tnLst>
+  </p:timing>
 </p:sld>
 </file>
 
@@ -44204,6 +46575,159 @@
   <p:clrMapOvr>
     <a:masterClrMapping/>
   </p:clrMapOvr>
+  <p:timing>
+    <p:tnLst>
+      <p:par>
+        <p:cTn id="1" dur="indefinite" restart="never" nodeType="tmRoot">
+          <p:childTnLst>
+            <p:seq concurrent="1" nextAc="seek">
+              <p:cTn id="2" dur="indefinite" nodeType="mainSeq">
+                <p:childTnLst>
+                  <p:par>
+                    <p:cTn id="3" fill="hold">
+                      <p:stCondLst>
+                        <p:cond delay="indefinite"/>
+                      </p:stCondLst>
+                      <p:childTnLst>
+                        <p:par>
+                          <p:cTn id="4" fill="hold">
+                            <p:stCondLst>
+                              <p:cond delay="0"/>
+                            </p:stCondLst>
+                            <p:childTnLst>
+                              <p:par>
+                                <p:cTn id="5" presetID="10" presetClass="entr" presetSubtype="0" fill="hold" nodeType="clickEffect">
+                                  <p:stCondLst>
+                                    <p:cond delay="0"/>
+                                  </p:stCondLst>
+                                  <p:childTnLst>
+                                    <p:set>
+                                      <p:cBhvr>
+                                        <p:cTn id="6" dur="1" fill="hold">
+                                          <p:stCondLst>
+                                            <p:cond delay="0"/>
+                                          </p:stCondLst>
+                                        </p:cTn>
+                                        <p:tgtEl>
+                                          <p:spTgt spid="16"/>
+                                        </p:tgtEl>
+                                        <p:attrNameLst>
+                                          <p:attrName>style.visibility</p:attrName>
+                                        </p:attrNameLst>
+                                      </p:cBhvr>
+                                      <p:to>
+                                        <p:strVal val="visible"/>
+                                      </p:to>
+                                    </p:set>
+                                    <p:animEffect transition="in" filter="fade">
+                                      <p:cBhvr>
+                                        <p:cTn id="7" dur="250"/>
+                                        <p:tgtEl>
+                                          <p:spTgt spid="16"/>
+                                        </p:tgtEl>
+                                      </p:cBhvr>
+                                    </p:animEffect>
+                                  </p:childTnLst>
+                                </p:cTn>
+                              </p:par>
+                              <p:par>
+                                <p:cTn id="8" presetID="10" presetClass="entr" presetSubtype="0" fill="hold" nodeType="withEffect">
+                                  <p:stCondLst>
+                                    <p:cond delay="0"/>
+                                  </p:stCondLst>
+                                  <p:childTnLst>
+                                    <p:set>
+                                      <p:cBhvr>
+                                        <p:cTn id="9" dur="1" fill="hold">
+                                          <p:stCondLst>
+                                            <p:cond delay="0"/>
+                                          </p:stCondLst>
+                                        </p:cTn>
+                                        <p:tgtEl>
+                                          <p:spTgt spid="9"/>
+                                        </p:tgtEl>
+                                        <p:attrNameLst>
+                                          <p:attrName>style.visibility</p:attrName>
+                                        </p:attrNameLst>
+                                      </p:cBhvr>
+                                      <p:to>
+                                        <p:strVal val="visible"/>
+                                      </p:to>
+                                    </p:set>
+                                    <p:animEffect transition="in" filter="fade">
+                                      <p:cBhvr>
+                                        <p:cTn id="10" dur="250"/>
+                                        <p:tgtEl>
+                                          <p:spTgt spid="9"/>
+                                        </p:tgtEl>
+                                      </p:cBhvr>
+                                    </p:animEffect>
+                                  </p:childTnLst>
+                                </p:cTn>
+                              </p:par>
+                              <p:par>
+                                <p:cTn id="11" presetID="10" presetClass="entr" presetSubtype="0" fill="hold" nodeType="withEffect">
+                                  <p:stCondLst>
+                                    <p:cond delay="0"/>
+                                  </p:stCondLst>
+                                  <p:childTnLst>
+                                    <p:set>
+                                      <p:cBhvr>
+                                        <p:cTn id="12" dur="1" fill="hold">
+                                          <p:stCondLst>
+                                            <p:cond delay="0"/>
+                                          </p:stCondLst>
+                                        </p:cTn>
+                                        <p:tgtEl>
+                                          <p:spTgt spid="11"/>
+                                        </p:tgtEl>
+                                        <p:attrNameLst>
+                                          <p:attrName>style.visibility</p:attrName>
+                                        </p:attrNameLst>
+                                      </p:cBhvr>
+                                      <p:to>
+                                        <p:strVal val="visible"/>
+                                      </p:to>
+                                    </p:set>
+                                    <p:animEffect transition="in" filter="fade">
+                                      <p:cBhvr>
+                                        <p:cTn id="13" dur="250"/>
+                                        <p:tgtEl>
+                                          <p:spTgt spid="11"/>
+                                        </p:tgtEl>
+                                      </p:cBhvr>
+                                    </p:animEffect>
+                                  </p:childTnLst>
+                                </p:cTn>
+                              </p:par>
+                            </p:childTnLst>
+                          </p:cTn>
+                        </p:par>
+                      </p:childTnLst>
+                    </p:cTn>
+                  </p:par>
+                </p:childTnLst>
+              </p:cTn>
+              <p:prevCondLst>
+                <p:cond evt="onPrev" delay="0">
+                  <p:tgtEl>
+                    <p:sldTgt/>
+                  </p:tgtEl>
+                </p:cond>
+              </p:prevCondLst>
+              <p:nextCondLst>
+                <p:cond evt="onNext" delay="0">
+                  <p:tgtEl>
+                    <p:sldTgt/>
+                  </p:tgtEl>
+                </p:cond>
+              </p:nextCondLst>
+            </p:seq>
+          </p:childTnLst>
+        </p:cTn>
+      </p:par>
+    </p:tnLst>
+  </p:timing>
 </p:sld>
 </file>
 
@@ -44360,6 +46884,159 @@
   <p:clrMapOvr>
     <a:masterClrMapping/>
   </p:clrMapOvr>
+  <p:timing>
+    <p:tnLst>
+      <p:par>
+        <p:cTn id="1" dur="indefinite" restart="never" nodeType="tmRoot">
+          <p:childTnLst>
+            <p:seq concurrent="1" nextAc="seek">
+              <p:cTn id="2" dur="indefinite" nodeType="mainSeq">
+                <p:childTnLst>
+                  <p:par>
+                    <p:cTn id="3" fill="hold">
+                      <p:stCondLst>
+                        <p:cond delay="indefinite"/>
+                      </p:stCondLst>
+                      <p:childTnLst>
+                        <p:par>
+                          <p:cTn id="4" fill="hold">
+                            <p:stCondLst>
+                              <p:cond delay="0"/>
+                            </p:stCondLst>
+                            <p:childTnLst>
+                              <p:par>
+                                <p:cTn id="5" presetID="10" presetClass="entr" presetSubtype="0" fill="hold" nodeType="clickEffect">
+                                  <p:stCondLst>
+                                    <p:cond delay="0"/>
+                                  </p:stCondLst>
+                                  <p:childTnLst>
+                                    <p:set>
+                                      <p:cBhvr>
+                                        <p:cTn id="6" dur="1" fill="hold">
+                                          <p:stCondLst>
+                                            <p:cond delay="0"/>
+                                          </p:stCondLst>
+                                        </p:cTn>
+                                        <p:tgtEl>
+                                          <p:spTgt spid="12"/>
+                                        </p:tgtEl>
+                                        <p:attrNameLst>
+                                          <p:attrName>style.visibility</p:attrName>
+                                        </p:attrNameLst>
+                                      </p:cBhvr>
+                                      <p:to>
+                                        <p:strVal val="visible"/>
+                                      </p:to>
+                                    </p:set>
+                                    <p:animEffect transition="in" filter="fade">
+                                      <p:cBhvr>
+                                        <p:cTn id="7" dur="250"/>
+                                        <p:tgtEl>
+                                          <p:spTgt spid="12"/>
+                                        </p:tgtEl>
+                                      </p:cBhvr>
+                                    </p:animEffect>
+                                  </p:childTnLst>
+                                </p:cTn>
+                              </p:par>
+                              <p:par>
+                                <p:cTn id="8" presetID="10" presetClass="entr" presetSubtype="0" fill="hold" nodeType="withEffect">
+                                  <p:stCondLst>
+                                    <p:cond delay="0"/>
+                                  </p:stCondLst>
+                                  <p:childTnLst>
+                                    <p:set>
+                                      <p:cBhvr>
+                                        <p:cTn id="9" dur="1" fill="hold">
+                                          <p:stCondLst>
+                                            <p:cond delay="0"/>
+                                          </p:stCondLst>
+                                        </p:cTn>
+                                        <p:tgtEl>
+                                          <p:spTgt spid="13"/>
+                                        </p:tgtEl>
+                                        <p:attrNameLst>
+                                          <p:attrName>style.visibility</p:attrName>
+                                        </p:attrNameLst>
+                                      </p:cBhvr>
+                                      <p:to>
+                                        <p:strVal val="visible"/>
+                                      </p:to>
+                                    </p:set>
+                                    <p:animEffect transition="in" filter="fade">
+                                      <p:cBhvr>
+                                        <p:cTn id="10" dur="250"/>
+                                        <p:tgtEl>
+                                          <p:spTgt spid="13"/>
+                                        </p:tgtEl>
+                                      </p:cBhvr>
+                                    </p:animEffect>
+                                  </p:childTnLst>
+                                </p:cTn>
+                              </p:par>
+                              <p:par>
+                                <p:cTn id="11" presetID="10" presetClass="entr" presetSubtype="0" fill="hold" nodeType="withEffect">
+                                  <p:stCondLst>
+                                    <p:cond delay="0"/>
+                                  </p:stCondLst>
+                                  <p:childTnLst>
+                                    <p:set>
+                                      <p:cBhvr>
+                                        <p:cTn id="12" dur="1" fill="hold">
+                                          <p:stCondLst>
+                                            <p:cond delay="0"/>
+                                          </p:stCondLst>
+                                        </p:cTn>
+                                        <p:tgtEl>
+                                          <p:spTgt spid="11"/>
+                                        </p:tgtEl>
+                                        <p:attrNameLst>
+                                          <p:attrName>style.visibility</p:attrName>
+                                        </p:attrNameLst>
+                                      </p:cBhvr>
+                                      <p:to>
+                                        <p:strVal val="visible"/>
+                                      </p:to>
+                                    </p:set>
+                                    <p:animEffect transition="in" filter="fade">
+                                      <p:cBhvr>
+                                        <p:cTn id="13" dur="250"/>
+                                        <p:tgtEl>
+                                          <p:spTgt spid="11"/>
+                                        </p:tgtEl>
+                                      </p:cBhvr>
+                                    </p:animEffect>
+                                  </p:childTnLst>
+                                </p:cTn>
+                              </p:par>
+                            </p:childTnLst>
+                          </p:cTn>
+                        </p:par>
+                      </p:childTnLst>
+                    </p:cTn>
+                  </p:par>
+                </p:childTnLst>
+              </p:cTn>
+              <p:prevCondLst>
+                <p:cond evt="onPrev" delay="0">
+                  <p:tgtEl>
+                    <p:sldTgt/>
+                  </p:tgtEl>
+                </p:cond>
+              </p:prevCondLst>
+              <p:nextCondLst>
+                <p:cond evt="onNext" delay="0">
+                  <p:tgtEl>
+                    <p:sldTgt/>
+                  </p:tgtEl>
+                </p:cond>
+              </p:nextCondLst>
+            </p:seq>
+          </p:childTnLst>
+        </p:cTn>
+      </p:par>
+    </p:tnLst>
+  </p:timing>
 </p:sld>
 </file>
 
@@ -44516,6 +47193,159 @@
   <p:clrMapOvr>
     <a:masterClrMapping/>
   </p:clrMapOvr>
+  <p:timing>
+    <p:tnLst>
+      <p:par>
+        <p:cTn id="1" dur="indefinite" restart="never" nodeType="tmRoot">
+          <p:childTnLst>
+            <p:seq concurrent="1" nextAc="seek">
+              <p:cTn id="2" dur="indefinite" nodeType="mainSeq">
+                <p:childTnLst>
+                  <p:par>
+                    <p:cTn id="3" fill="hold">
+                      <p:stCondLst>
+                        <p:cond delay="indefinite"/>
+                      </p:stCondLst>
+                      <p:childTnLst>
+                        <p:par>
+                          <p:cTn id="4" fill="hold">
+                            <p:stCondLst>
+                              <p:cond delay="0"/>
+                            </p:stCondLst>
+                            <p:childTnLst>
+                              <p:par>
+                                <p:cTn id="5" presetID="10" presetClass="entr" presetSubtype="0" fill="hold" nodeType="clickEffect">
+                                  <p:stCondLst>
+                                    <p:cond delay="0"/>
+                                  </p:stCondLst>
+                                  <p:childTnLst>
+                                    <p:set>
+                                      <p:cBhvr>
+                                        <p:cTn id="6" dur="1" fill="hold">
+                                          <p:stCondLst>
+                                            <p:cond delay="0"/>
+                                          </p:stCondLst>
+                                        </p:cTn>
+                                        <p:tgtEl>
+                                          <p:spTgt spid="15"/>
+                                        </p:tgtEl>
+                                        <p:attrNameLst>
+                                          <p:attrName>style.visibility</p:attrName>
+                                        </p:attrNameLst>
+                                      </p:cBhvr>
+                                      <p:to>
+                                        <p:strVal val="visible"/>
+                                      </p:to>
+                                    </p:set>
+                                    <p:animEffect transition="in" filter="fade">
+                                      <p:cBhvr>
+                                        <p:cTn id="7" dur="250"/>
+                                        <p:tgtEl>
+                                          <p:spTgt spid="15"/>
+                                        </p:tgtEl>
+                                      </p:cBhvr>
+                                    </p:animEffect>
+                                  </p:childTnLst>
+                                </p:cTn>
+                              </p:par>
+                              <p:par>
+                                <p:cTn id="8" presetID="10" presetClass="entr" presetSubtype="0" fill="hold" nodeType="withEffect">
+                                  <p:stCondLst>
+                                    <p:cond delay="0"/>
+                                  </p:stCondLst>
+                                  <p:childTnLst>
+                                    <p:set>
+                                      <p:cBhvr>
+                                        <p:cTn id="9" dur="1" fill="hold">
+                                          <p:stCondLst>
+                                            <p:cond delay="0"/>
+                                          </p:stCondLst>
+                                        </p:cTn>
+                                        <p:tgtEl>
+                                          <p:spTgt spid="19"/>
+                                        </p:tgtEl>
+                                        <p:attrNameLst>
+                                          <p:attrName>style.visibility</p:attrName>
+                                        </p:attrNameLst>
+                                      </p:cBhvr>
+                                      <p:to>
+                                        <p:strVal val="visible"/>
+                                      </p:to>
+                                    </p:set>
+                                    <p:animEffect transition="in" filter="fade">
+                                      <p:cBhvr>
+                                        <p:cTn id="10" dur="250"/>
+                                        <p:tgtEl>
+                                          <p:spTgt spid="19"/>
+                                        </p:tgtEl>
+                                      </p:cBhvr>
+                                    </p:animEffect>
+                                  </p:childTnLst>
+                                </p:cTn>
+                              </p:par>
+                              <p:par>
+                                <p:cTn id="11" presetID="10" presetClass="entr" presetSubtype="0" fill="hold" nodeType="withEffect">
+                                  <p:stCondLst>
+                                    <p:cond delay="0"/>
+                                  </p:stCondLst>
+                                  <p:childTnLst>
+                                    <p:set>
+                                      <p:cBhvr>
+                                        <p:cTn id="12" dur="1" fill="hold">
+                                          <p:stCondLst>
+                                            <p:cond delay="0"/>
+                                          </p:stCondLst>
+                                        </p:cTn>
+                                        <p:tgtEl>
+                                          <p:spTgt spid="7"/>
+                                        </p:tgtEl>
+                                        <p:attrNameLst>
+                                          <p:attrName>style.visibility</p:attrName>
+                                        </p:attrNameLst>
+                                      </p:cBhvr>
+                                      <p:to>
+                                        <p:strVal val="visible"/>
+                                      </p:to>
+                                    </p:set>
+                                    <p:animEffect transition="in" filter="fade">
+                                      <p:cBhvr>
+                                        <p:cTn id="13" dur="250"/>
+                                        <p:tgtEl>
+                                          <p:spTgt spid="7"/>
+                                        </p:tgtEl>
+                                      </p:cBhvr>
+                                    </p:animEffect>
+                                  </p:childTnLst>
+                                </p:cTn>
+                              </p:par>
+                            </p:childTnLst>
+                          </p:cTn>
+                        </p:par>
+                      </p:childTnLst>
+                    </p:cTn>
+                  </p:par>
+                </p:childTnLst>
+              </p:cTn>
+              <p:prevCondLst>
+                <p:cond evt="onPrev" delay="0">
+                  <p:tgtEl>
+                    <p:sldTgt/>
+                  </p:tgtEl>
+                </p:cond>
+              </p:prevCondLst>
+              <p:nextCondLst>
+                <p:cond evt="onNext" delay="0">
+                  <p:tgtEl>
+                    <p:sldTgt/>
+                  </p:tgtEl>
+                </p:cond>
+              </p:nextCondLst>
+            </p:seq>
+          </p:childTnLst>
+        </p:cTn>
+      </p:par>
+    </p:tnLst>
+  </p:timing>
 </p:sld>
 </file>
 
@@ -44773,6 +47603,459 @@
   <p:clrMapOvr>
     <a:masterClrMapping/>
   </p:clrMapOvr>
+  <p:timing>
+    <p:tnLst>
+      <p:par>
+        <p:cTn id="1" dur="indefinite" restart="never" nodeType="tmRoot">
+          <p:childTnLst>
+            <p:seq concurrent="1" nextAc="seek">
+              <p:cTn id="2" dur="indefinite" nodeType="mainSeq">
+                <p:childTnLst>
+                  <p:par>
+                    <p:cTn id="3" fill="hold">
+                      <p:stCondLst>
+                        <p:cond delay="indefinite"/>
+                      </p:stCondLst>
+                      <p:childTnLst>
+                        <p:par>
+                          <p:cTn id="4" fill="hold">
+                            <p:stCondLst>
+                              <p:cond delay="0"/>
+                            </p:stCondLst>
+                            <p:childTnLst>
+                              <p:par>
+                                <p:cTn id="5" presetID="10" presetClass="entr" presetSubtype="0" fill="hold" nodeType="clickEffect">
+                                  <p:stCondLst>
+                                    <p:cond delay="0"/>
+                                  </p:stCondLst>
+                                  <p:childTnLst>
+                                    <p:set>
+                                      <p:cBhvr>
+                                        <p:cTn id="6" dur="1" fill="hold">
+                                          <p:stCondLst>
+                                            <p:cond delay="0"/>
+                                          </p:stCondLst>
+                                        </p:cTn>
+                                        <p:tgtEl>
+                                          <p:spTgt spid="3">
+                                            <p:txEl>
+                                              <p:pRg st="0" end="0"/>
+                                            </p:txEl>
+                                          </p:spTgt>
+                                        </p:tgtEl>
+                                        <p:attrNameLst>
+                                          <p:attrName>style.visibility</p:attrName>
+                                        </p:attrNameLst>
+                                      </p:cBhvr>
+                                      <p:to>
+                                        <p:strVal val="visible"/>
+                                      </p:to>
+                                    </p:set>
+                                    <p:animEffect transition="in" filter="fade">
+                                      <p:cBhvr>
+                                        <p:cTn id="7" dur="250"/>
+                                        <p:tgtEl>
+                                          <p:spTgt spid="3">
+                                            <p:txEl>
+                                              <p:pRg st="0" end="0"/>
+                                            </p:txEl>
+                                          </p:spTgt>
+                                        </p:tgtEl>
+                                      </p:cBhvr>
+                                    </p:animEffect>
+                                  </p:childTnLst>
+                                </p:cTn>
+                              </p:par>
+                              <p:par>
+                                <p:cTn id="8" presetID="10" presetClass="entr" presetSubtype="0" fill="hold" nodeType="withEffect">
+                                  <p:stCondLst>
+                                    <p:cond delay="0"/>
+                                  </p:stCondLst>
+                                  <p:childTnLst>
+                                    <p:set>
+                                      <p:cBhvr>
+                                        <p:cTn id="9" dur="1" fill="hold">
+                                          <p:stCondLst>
+                                            <p:cond delay="0"/>
+                                          </p:stCondLst>
+                                        </p:cTn>
+                                        <p:tgtEl>
+                                          <p:spTgt spid="3">
+                                            <p:txEl>
+                                              <p:pRg st="1" end="1"/>
+                                            </p:txEl>
+                                          </p:spTgt>
+                                        </p:tgtEl>
+                                        <p:attrNameLst>
+                                          <p:attrName>style.visibility</p:attrName>
+                                        </p:attrNameLst>
+                                      </p:cBhvr>
+                                      <p:to>
+                                        <p:strVal val="visible"/>
+                                      </p:to>
+                                    </p:set>
+                                    <p:animEffect transition="in" filter="fade">
+                                      <p:cBhvr>
+                                        <p:cTn id="10" dur="250"/>
+                                        <p:tgtEl>
+                                          <p:spTgt spid="3">
+                                            <p:txEl>
+                                              <p:pRg st="1" end="1"/>
+                                            </p:txEl>
+                                          </p:spTgt>
+                                        </p:tgtEl>
+                                      </p:cBhvr>
+                                    </p:animEffect>
+                                  </p:childTnLst>
+                                </p:cTn>
+                              </p:par>
+                              <p:par>
+                                <p:cTn id="11" presetID="10" presetClass="entr" presetSubtype="0" fill="hold" nodeType="withEffect">
+                                  <p:stCondLst>
+                                    <p:cond delay="0"/>
+                                  </p:stCondLst>
+                                  <p:childTnLst>
+                                    <p:set>
+                                      <p:cBhvr>
+                                        <p:cTn id="12" dur="1" fill="hold">
+                                          <p:stCondLst>
+                                            <p:cond delay="0"/>
+                                          </p:stCondLst>
+                                        </p:cTn>
+                                        <p:tgtEl>
+                                          <p:spTgt spid="3">
+                                            <p:txEl>
+                                              <p:pRg st="2" end="2"/>
+                                            </p:txEl>
+                                          </p:spTgt>
+                                        </p:tgtEl>
+                                        <p:attrNameLst>
+                                          <p:attrName>style.visibility</p:attrName>
+                                        </p:attrNameLst>
+                                      </p:cBhvr>
+                                      <p:to>
+                                        <p:strVal val="visible"/>
+                                      </p:to>
+                                    </p:set>
+                                    <p:animEffect transition="in" filter="fade">
+                                      <p:cBhvr>
+                                        <p:cTn id="13" dur="250"/>
+                                        <p:tgtEl>
+                                          <p:spTgt spid="3">
+                                            <p:txEl>
+                                              <p:pRg st="2" end="2"/>
+                                            </p:txEl>
+                                          </p:spTgt>
+                                        </p:tgtEl>
+                                      </p:cBhvr>
+                                    </p:animEffect>
+                                  </p:childTnLst>
+                                </p:cTn>
+                              </p:par>
+                              <p:par>
+                                <p:cTn id="14" presetID="10" presetClass="entr" presetSubtype="0" fill="hold" nodeType="withEffect">
+                                  <p:stCondLst>
+                                    <p:cond delay="0"/>
+                                  </p:stCondLst>
+                                  <p:childTnLst>
+                                    <p:set>
+                                      <p:cBhvr>
+                                        <p:cTn id="15" dur="1" fill="hold">
+                                          <p:stCondLst>
+                                            <p:cond delay="0"/>
+                                          </p:stCondLst>
+                                        </p:cTn>
+                                        <p:tgtEl>
+                                          <p:spTgt spid="3">
+                                            <p:txEl>
+                                              <p:pRg st="3" end="3"/>
+                                            </p:txEl>
+                                          </p:spTgt>
+                                        </p:tgtEl>
+                                        <p:attrNameLst>
+                                          <p:attrName>style.visibility</p:attrName>
+                                        </p:attrNameLst>
+                                      </p:cBhvr>
+                                      <p:to>
+                                        <p:strVal val="visible"/>
+                                      </p:to>
+                                    </p:set>
+                                    <p:animEffect transition="in" filter="fade">
+                                      <p:cBhvr>
+                                        <p:cTn id="16" dur="250"/>
+                                        <p:tgtEl>
+                                          <p:spTgt spid="3">
+                                            <p:txEl>
+                                              <p:pRg st="3" end="3"/>
+                                            </p:txEl>
+                                          </p:spTgt>
+                                        </p:tgtEl>
+                                      </p:cBhvr>
+                                    </p:animEffect>
+                                  </p:childTnLst>
+                                </p:cTn>
+                              </p:par>
+                              <p:par>
+                                <p:cTn id="17" presetID="10" presetClass="entr" presetSubtype="0" fill="hold" nodeType="withEffect">
+                                  <p:stCondLst>
+                                    <p:cond delay="0"/>
+                                  </p:stCondLst>
+                                  <p:childTnLst>
+                                    <p:set>
+                                      <p:cBhvr>
+                                        <p:cTn id="18" dur="1" fill="hold">
+                                          <p:stCondLst>
+                                            <p:cond delay="0"/>
+                                          </p:stCondLst>
+                                        </p:cTn>
+                                        <p:tgtEl>
+                                          <p:spTgt spid="3">
+                                            <p:txEl>
+                                              <p:pRg st="4" end="4"/>
+                                            </p:txEl>
+                                          </p:spTgt>
+                                        </p:tgtEl>
+                                        <p:attrNameLst>
+                                          <p:attrName>style.visibility</p:attrName>
+                                        </p:attrNameLst>
+                                      </p:cBhvr>
+                                      <p:to>
+                                        <p:strVal val="visible"/>
+                                      </p:to>
+                                    </p:set>
+                                    <p:animEffect transition="in" filter="fade">
+                                      <p:cBhvr>
+                                        <p:cTn id="19" dur="250"/>
+                                        <p:tgtEl>
+                                          <p:spTgt spid="3">
+                                            <p:txEl>
+                                              <p:pRg st="4" end="4"/>
+                                            </p:txEl>
+                                          </p:spTgt>
+                                        </p:tgtEl>
+                                      </p:cBhvr>
+                                    </p:animEffect>
+                                  </p:childTnLst>
+                                </p:cTn>
+                              </p:par>
+                            </p:childTnLst>
+                          </p:cTn>
+                        </p:par>
+                      </p:childTnLst>
+                    </p:cTn>
+                  </p:par>
+                  <p:par>
+                    <p:cTn id="20" fill="hold">
+                      <p:stCondLst>
+                        <p:cond delay="indefinite"/>
+                      </p:stCondLst>
+                      <p:childTnLst>
+                        <p:par>
+                          <p:cTn id="21" fill="hold">
+                            <p:stCondLst>
+                              <p:cond delay="0"/>
+                            </p:stCondLst>
+                            <p:childTnLst>
+                              <p:par>
+                                <p:cTn id="22" presetID="10" presetClass="entr" presetSubtype="0" fill="hold" nodeType="clickEffect">
+                                  <p:stCondLst>
+                                    <p:cond delay="0"/>
+                                  </p:stCondLst>
+                                  <p:childTnLst>
+                                    <p:set>
+                                      <p:cBhvr>
+                                        <p:cTn id="23" dur="1" fill="hold">
+                                          <p:stCondLst>
+                                            <p:cond delay="0"/>
+                                          </p:stCondLst>
+                                        </p:cTn>
+                                        <p:tgtEl>
+                                          <p:spTgt spid="3">
+                                            <p:txEl>
+                                              <p:pRg st="5" end="5"/>
+                                            </p:txEl>
+                                          </p:spTgt>
+                                        </p:tgtEl>
+                                        <p:attrNameLst>
+                                          <p:attrName>style.visibility</p:attrName>
+                                        </p:attrNameLst>
+                                      </p:cBhvr>
+                                      <p:to>
+                                        <p:strVal val="visible"/>
+                                      </p:to>
+                                    </p:set>
+                                    <p:animEffect transition="in" filter="fade">
+                                      <p:cBhvr>
+                                        <p:cTn id="24" dur="250"/>
+                                        <p:tgtEl>
+                                          <p:spTgt spid="3">
+                                            <p:txEl>
+                                              <p:pRg st="5" end="5"/>
+                                            </p:txEl>
+                                          </p:spTgt>
+                                        </p:tgtEl>
+                                      </p:cBhvr>
+                                    </p:animEffect>
+                                  </p:childTnLst>
+                                </p:cTn>
+                              </p:par>
+                              <p:par>
+                                <p:cTn id="25" presetID="10" presetClass="entr" presetSubtype="0" fill="hold" nodeType="withEffect">
+                                  <p:stCondLst>
+                                    <p:cond delay="0"/>
+                                  </p:stCondLst>
+                                  <p:childTnLst>
+                                    <p:set>
+                                      <p:cBhvr>
+                                        <p:cTn id="26" dur="1" fill="hold">
+                                          <p:stCondLst>
+                                            <p:cond delay="0"/>
+                                          </p:stCondLst>
+                                        </p:cTn>
+                                        <p:tgtEl>
+                                          <p:spTgt spid="3">
+                                            <p:txEl>
+                                              <p:pRg st="6" end="6"/>
+                                            </p:txEl>
+                                          </p:spTgt>
+                                        </p:tgtEl>
+                                        <p:attrNameLst>
+                                          <p:attrName>style.visibility</p:attrName>
+                                        </p:attrNameLst>
+                                      </p:cBhvr>
+                                      <p:to>
+                                        <p:strVal val="visible"/>
+                                      </p:to>
+                                    </p:set>
+                                    <p:animEffect transition="in" filter="fade">
+                                      <p:cBhvr>
+                                        <p:cTn id="27" dur="250"/>
+                                        <p:tgtEl>
+                                          <p:spTgt spid="3">
+                                            <p:txEl>
+                                              <p:pRg st="6" end="6"/>
+                                            </p:txEl>
+                                          </p:spTgt>
+                                        </p:tgtEl>
+                                      </p:cBhvr>
+                                    </p:animEffect>
+                                  </p:childTnLst>
+                                </p:cTn>
+                              </p:par>
+                              <p:par>
+                                <p:cTn id="28" presetID="10" presetClass="entr" presetSubtype="0" fill="hold" nodeType="withEffect">
+                                  <p:stCondLst>
+                                    <p:cond delay="0"/>
+                                  </p:stCondLst>
+                                  <p:childTnLst>
+                                    <p:set>
+                                      <p:cBhvr>
+                                        <p:cTn id="29" dur="1" fill="hold">
+                                          <p:stCondLst>
+                                            <p:cond delay="0"/>
+                                          </p:stCondLst>
+                                        </p:cTn>
+                                        <p:tgtEl>
+                                          <p:spTgt spid="3">
+                                            <p:txEl>
+                                              <p:pRg st="7" end="7"/>
+                                            </p:txEl>
+                                          </p:spTgt>
+                                        </p:tgtEl>
+                                        <p:attrNameLst>
+                                          <p:attrName>style.visibility</p:attrName>
+                                        </p:attrNameLst>
+                                      </p:cBhvr>
+                                      <p:to>
+                                        <p:strVal val="visible"/>
+                                      </p:to>
+                                    </p:set>
+                                    <p:animEffect transition="in" filter="fade">
+                                      <p:cBhvr>
+                                        <p:cTn id="30" dur="250"/>
+                                        <p:tgtEl>
+                                          <p:spTgt spid="3">
+                                            <p:txEl>
+                                              <p:pRg st="7" end="7"/>
+                                            </p:txEl>
+                                          </p:spTgt>
+                                        </p:tgtEl>
+                                      </p:cBhvr>
+                                    </p:animEffect>
+                                  </p:childTnLst>
+                                </p:cTn>
+                              </p:par>
+                              <p:par>
+                                <p:cTn id="31" presetID="10" presetClass="entr" presetSubtype="0" fill="hold" nodeType="withEffect">
+                                  <p:stCondLst>
+                                    <p:cond delay="0"/>
+                                  </p:stCondLst>
+                                  <p:childTnLst>
+                                    <p:set>
+                                      <p:cBhvr>
+                                        <p:cTn id="32" dur="1" fill="hold">
+                                          <p:stCondLst>
+                                            <p:cond delay="0"/>
+                                          </p:stCondLst>
+                                        </p:cTn>
+                                        <p:tgtEl>
+                                          <p:spTgt spid="3">
+                                            <p:txEl>
+                                              <p:pRg st="8" end="8"/>
+                                            </p:txEl>
+                                          </p:spTgt>
+                                        </p:tgtEl>
+                                        <p:attrNameLst>
+                                          <p:attrName>style.visibility</p:attrName>
+                                        </p:attrNameLst>
+                                      </p:cBhvr>
+                                      <p:to>
+                                        <p:strVal val="visible"/>
+                                      </p:to>
+                                    </p:set>
+                                    <p:animEffect transition="in" filter="fade">
+                                      <p:cBhvr>
+                                        <p:cTn id="33" dur="250"/>
+                                        <p:tgtEl>
+                                          <p:spTgt spid="3">
+                                            <p:txEl>
+                                              <p:pRg st="8" end="8"/>
+                                            </p:txEl>
+                                          </p:spTgt>
+                                        </p:tgtEl>
+                                      </p:cBhvr>
+                                    </p:animEffect>
+                                  </p:childTnLst>
+                                </p:cTn>
+                              </p:par>
+                            </p:childTnLst>
+                          </p:cTn>
+                        </p:par>
+                      </p:childTnLst>
+                    </p:cTn>
+                  </p:par>
+                </p:childTnLst>
+              </p:cTn>
+              <p:prevCondLst>
+                <p:cond evt="onPrev" delay="0">
+                  <p:tgtEl>
+                    <p:sldTgt/>
+                  </p:tgtEl>
+                </p:cond>
+              </p:prevCondLst>
+              <p:nextCondLst>
+                <p:cond evt="onNext" delay="0">
+                  <p:tgtEl>
+                    <p:sldTgt/>
+                  </p:tgtEl>
+                </p:cond>
+              </p:nextCondLst>
+            </p:seq>
+          </p:childTnLst>
+        </p:cTn>
+      </p:par>
+    </p:tnLst>
+  </p:timing>
 </p:sld>
 </file>
 
@@ -44916,12 +48199,6 @@
           </a:bodyPr>
           <a:lstStyle/>
           <a:p>
-            <a:r>
-              <a:rPr lang="en-US" b="1" dirty="0"/>
-              <a:t>DEVELOPMENT DIRECTION:</a:t>
-            </a:r>
-          </a:p>
-          <a:p>
             <a:pPr marL="342900" indent="-342900">
               <a:buFont typeface="Arial" panose="020B0604020202020204" pitchFamily="34" charset="0"/>
               <a:buChar char="•"/>
@@ -44983,6 +48260,269 @@
   <p:clrMapOvr>
     <a:masterClrMapping/>
   </p:clrMapOvr>
+  <p:timing>
+    <p:tnLst>
+      <p:par>
+        <p:cTn id="1" dur="indefinite" restart="never" nodeType="tmRoot">
+          <p:childTnLst>
+            <p:seq concurrent="1" nextAc="seek">
+              <p:cTn id="2" dur="indefinite" nodeType="mainSeq">
+                <p:childTnLst>
+                  <p:par>
+                    <p:cTn id="3" fill="hold">
+                      <p:stCondLst>
+                        <p:cond delay="indefinite"/>
+                      </p:stCondLst>
+                      <p:childTnLst>
+                        <p:par>
+                          <p:cTn id="4" fill="hold">
+                            <p:stCondLst>
+                              <p:cond delay="0"/>
+                            </p:stCondLst>
+                            <p:childTnLst>
+                              <p:par>
+                                <p:cTn id="5" presetID="10" presetClass="entr" presetSubtype="0" fill="hold" nodeType="clickEffect">
+                                  <p:stCondLst>
+                                    <p:cond delay="0"/>
+                                  </p:stCondLst>
+                                  <p:childTnLst>
+                                    <p:set>
+                                      <p:cBhvr>
+                                        <p:cTn id="6" dur="1" fill="hold">
+                                          <p:stCondLst>
+                                            <p:cond delay="0"/>
+                                          </p:stCondLst>
+                                        </p:cTn>
+                                        <p:tgtEl>
+                                          <p:spTgt spid="3">
+                                            <p:txEl>
+                                              <p:pRg st="0" end="0"/>
+                                            </p:txEl>
+                                          </p:spTgt>
+                                        </p:tgtEl>
+                                        <p:attrNameLst>
+                                          <p:attrName>style.visibility</p:attrName>
+                                        </p:attrNameLst>
+                                      </p:cBhvr>
+                                      <p:to>
+                                        <p:strVal val="visible"/>
+                                      </p:to>
+                                    </p:set>
+                                    <p:animEffect transition="in" filter="fade">
+                                      <p:cBhvr>
+                                        <p:cTn id="7" dur="250"/>
+                                        <p:tgtEl>
+                                          <p:spTgt spid="3">
+                                            <p:txEl>
+                                              <p:pRg st="0" end="0"/>
+                                            </p:txEl>
+                                          </p:spTgt>
+                                        </p:tgtEl>
+                                      </p:cBhvr>
+                                    </p:animEffect>
+                                  </p:childTnLst>
+                                </p:cTn>
+                              </p:par>
+                              <p:par>
+                                <p:cTn id="8" presetID="10" presetClass="entr" presetSubtype="0" fill="hold" nodeType="withEffect">
+                                  <p:stCondLst>
+                                    <p:cond delay="0"/>
+                                  </p:stCondLst>
+                                  <p:childTnLst>
+                                    <p:set>
+                                      <p:cBhvr>
+                                        <p:cTn id="9" dur="1" fill="hold">
+                                          <p:stCondLst>
+                                            <p:cond delay="0"/>
+                                          </p:stCondLst>
+                                        </p:cTn>
+                                        <p:tgtEl>
+                                          <p:spTgt spid="3">
+                                            <p:txEl>
+                                              <p:pRg st="1" end="1"/>
+                                            </p:txEl>
+                                          </p:spTgt>
+                                        </p:tgtEl>
+                                        <p:attrNameLst>
+                                          <p:attrName>style.visibility</p:attrName>
+                                        </p:attrNameLst>
+                                      </p:cBhvr>
+                                      <p:to>
+                                        <p:strVal val="visible"/>
+                                      </p:to>
+                                    </p:set>
+                                    <p:animEffect transition="in" filter="fade">
+                                      <p:cBhvr>
+                                        <p:cTn id="10" dur="250"/>
+                                        <p:tgtEl>
+                                          <p:spTgt spid="3">
+                                            <p:txEl>
+                                              <p:pRg st="1" end="1"/>
+                                            </p:txEl>
+                                          </p:spTgt>
+                                        </p:tgtEl>
+                                      </p:cBhvr>
+                                    </p:animEffect>
+                                  </p:childTnLst>
+                                </p:cTn>
+                              </p:par>
+                              <p:par>
+                                <p:cTn id="11" presetID="10" presetClass="entr" presetSubtype="0" fill="hold" nodeType="withEffect">
+                                  <p:stCondLst>
+                                    <p:cond delay="0"/>
+                                  </p:stCondLst>
+                                  <p:childTnLst>
+                                    <p:set>
+                                      <p:cBhvr>
+                                        <p:cTn id="12" dur="1" fill="hold">
+                                          <p:stCondLst>
+                                            <p:cond delay="0"/>
+                                          </p:stCondLst>
+                                        </p:cTn>
+                                        <p:tgtEl>
+                                          <p:spTgt spid="3">
+                                            <p:txEl>
+                                              <p:pRg st="2" end="2"/>
+                                            </p:txEl>
+                                          </p:spTgt>
+                                        </p:tgtEl>
+                                        <p:attrNameLst>
+                                          <p:attrName>style.visibility</p:attrName>
+                                        </p:attrNameLst>
+                                      </p:cBhvr>
+                                      <p:to>
+                                        <p:strVal val="visible"/>
+                                      </p:to>
+                                    </p:set>
+                                    <p:animEffect transition="in" filter="fade">
+                                      <p:cBhvr>
+                                        <p:cTn id="13" dur="250"/>
+                                        <p:tgtEl>
+                                          <p:spTgt spid="3">
+                                            <p:txEl>
+                                              <p:pRg st="2" end="2"/>
+                                            </p:txEl>
+                                          </p:spTgt>
+                                        </p:tgtEl>
+                                      </p:cBhvr>
+                                    </p:animEffect>
+                                  </p:childTnLst>
+                                </p:cTn>
+                              </p:par>
+                              <p:par>
+                                <p:cTn id="14" presetID="10" presetClass="entr" presetSubtype="0" fill="hold" nodeType="withEffect">
+                                  <p:stCondLst>
+                                    <p:cond delay="0"/>
+                                  </p:stCondLst>
+                                  <p:childTnLst>
+                                    <p:set>
+                                      <p:cBhvr>
+                                        <p:cTn id="15" dur="1" fill="hold">
+                                          <p:stCondLst>
+                                            <p:cond delay="0"/>
+                                          </p:stCondLst>
+                                        </p:cTn>
+                                        <p:tgtEl>
+                                          <p:spTgt spid="3">
+                                            <p:txEl>
+                                              <p:pRg st="3" end="3"/>
+                                            </p:txEl>
+                                          </p:spTgt>
+                                        </p:tgtEl>
+                                        <p:attrNameLst>
+                                          <p:attrName>style.visibility</p:attrName>
+                                        </p:attrNameLst>
+                                      </p:cBhvr>
+                                      <p:to>
+                                        <p:strVal val="visible"/>
+                                      </p:to>
+                                    </p:set>
+                                    <p:animEffect transition="in" filter="fade">
+                                      <p:cBhvr>
+                                        <p:cTn id="16" dur="250"/>
+                                        <p:tgtEl>
+                                          <p:spTgt spid="3">
+                                            <p:txEl>
+                                              <p:pRg st="3" end="3"/>
+                                            </p:txEl>
+                                          </p:spTgt>
+                                        </p:tgtEl>
+                                      </p:cBhvr>
+                                    </p:animEffect>
+                                  </p:childTnLst>
+                                </p:cTn>
+                              </p:par>
+                              <p:par>
+                                <p:cTn id="17" presetID="10" presetClass="entr" presetSubtype="0" fill="hold" nodeType="withEffect">
+                                  <p:stCondLst>
+                                    <p:cond delay="0"/>
+                                  </p:stCondLst>
+                                  <p:childTnLst>
+                                    <p:set>
+                                      <p:cBhvr>
+                                        <p:cTn id="18" dur="1" fill="hold">
+                                          <p:stCondLst>
+                                            <p:cond delay="0"/>
+                                          </p:stCondLst>
+                                        </p:cTn>
+                                        <p:tgtEl>
+                                          <p:spTgt spid="3">
+                                            <p:txEl>
+                                              <p:pRg st="4" end="4"/>
+                                            </p:txEl>
+                                          </p:spTgt>
+                                        </p:tgtEl>
+                                        <p:attrNameLst>
+                                          <p:attrName>style.visibility</p:attrName>
+                                        </p:attrNameLst>
+                                      </p:cBhvr>
+                                      <p:to>
+                                        <p:strVal val="visible"/>
+                                      </p:to>
+                                    </p:set>
+                                    <p:animEffect transition="in" filter="fade">
+                                      <p:cBhvr>
+                                        <p:cTn id="19" dur="250"/>
+                                        <p:tgtEl>
+                                          <p:spTgt spid="3">
+                                            <p:txEl>
+                                              <p:pRg st="4" end="4"/>
+                                            </p:txEl>
+                                          </p:spTgt>
+                                        </p:tgtEl>
+                                      </p:cBhvr>
+                                    </p:animEffect>
+                                  </p:childTnLst>
+                                </p:cTn>
+                              </p:par>
+                            </p:childTnLst>
+                          </p:cTn>
+                        </p:par>
+                      </p:childTnLst>
+                    </p:cTn>
+                  </p:par>
+                </p:childTnLst>
+              </p:cTn>
+              <p:prevCondLst>
+                <p:cond evt="onPrev" delay="0">
+                  <p:tgtEl>
+                    <p:sldTgt/>
+                  </p:tgtEl>
+                </p:cond>
+              </p:prevCondLst>
+              <p:nextCondLst>
+                <p:cond evt="onNext" delay="0">
+                  <p:tgtEl>
+                    <p:sldTgt/>
+                  </p:tgtEl>
+                </p:cond>
+              </p:nextCondLst>
+            </p:seq>
+          </p:childTnLst>
+        </p:cTn>
+      </p:par>
+    </p:tnLst>
+  </p:timing>
 </p:sld>
 </file>
 
@@ -45211,6 +48751,272 @@
   <p:clrMapOvr>
     <a:masterClrMapping/>
   </p:clrMapOvr>
+  <p:timing>
+    <p:tnLst>
+      <p:par>
+        <p:cTn id="1" dur="indefinite" restart="never" nodeType="tmRoot">
+          <p:childTnLst>
+            <p:seq concurrent="1" nextAc="seek">
+              <p:cTn id="2" dur="indefinite" nodeType="mainSeq">
+                <p:childTnLst>
+                  <p:par>
+                    <p:cTn id="3" fill="hold">
+                      <p:stCondLst>
+                        <p:cond delay="indefinite"/>
+                      </p:stCondLst>
+                      <p:childTnLst>
+                        <p:par>
+                          <p:cTn id="4" fill="hold">
+                            <p:stCondLst>
+                              <p:cond delay="0"/>
+                            </p:stCondLst>
+                            <p:childTnLst>
+                              <p:par>
+                                <p:cTn id="5" presetID="10" presetClass="entr" presetSubtype="0" fill="hold" grpId="0" nodeType="clickEffect">
+                                  <p:stCondLst>
+                                    <p:cond delay="0"/>
+                                  </p:stCondLst>
+                                  <p:childTnLst>
+                                    <p:set>
+                                      <p:cBhvr>
+                                        <p:cTn id="6" dur="1" fill="hold">
+                                          <p:stCondLst>
+                                            <p:cond delay="0"/>
+                                          </p:stCondLst>
+                                        </p:cTn>
+                                        <p:tgtEl>
+                                          <p:spTgt spid="3">
+                                            <p:txEl>
+                                              <p:pRg st="0" end="0"/>
+                                            </p:txEl>
+                                          </p:spTgt>
+                                        </p:tgtEl>
+                                        <p:attrNameLst>
+                                          <p:attrName>style.visibility</p:attrName>
+                                        </p:attrNameLst>
+                                      </p:cBhvr>
+                                      <p:to>
+                                        <p:strVal val="visible"/>
+                                      </p:to>
+                                    </p:set>
+                                    <p:animEffect transition="in" filter="fade">
+                                      <p:cBhvr>
+                                        <p:cTn id="7" dur="250"/>
+                                        <p:tgtEl>
+                                          <p:spTgt spid="3">
+                                            <p:txEl>
+                                              <p:pRg st="0" end="0"/>
+                                            </p:txEl>
+                                          </p:spTgt>
+                                        </p:tgtEl>
+                                      </p:cBhvr>
+                                    </p:animEffect>
+                                  </p:childTnLst>
+                                </p:cTn>
+                              </p:par>
+                              <p:par>
+                                <p:cTn id="8" presetID="10" presetClass="entr" presetSubtype="0" fill="hold" grpId="0" nodeType="withEffect">
+                                  <p:stCondLst>
+                                    <p:cond delay="0"/>
+                                  </p:stCondLst>
+                                  <p:childTnLst>
+                                    <p:set>
+                                      <p:cBhvr>
+                                        <p:cTn id="9" dur="1" fill="hold">
+                                          <p:stCondLst>
+                                            <p:cond delay="0"/>
+                                          </p:stCondLst>
+                                        </p:cTn>
+                                        <p:tgtEl>
+                                          <p:spTgt spid="3">
+                                            <p:txEl>
+                                              <p:pRg st="1" end="1"/>
+                                            </p:txEl>
+                                          </p:spTgt>
+                                        </p:tgtEl>
+                                        <p:attrNameLst>
+                                          <p:attrName>style.visibility</p:attrName>
+                                        </p:attrNameLst>
+                                      </p:cBhvr>
+                                      <p:to>
+                                        <p:strVal val="visible"/>
+                                      </p:to>
+                                    </p:set>
+                                    <p:animEffect transition="in" filter="fade">
+                                      <p:cBhvr>
+                                        <p:cTn id="10" dur="250"/>
+                                        <p:tgtEl>
+                                          <p:spTgt spid="3">
+                                            <p:txEl>
+                                              <p:pRg st="1" end="1"/>
+                                            </p:txEl>
+                                          </p:spTgt>
+                                        </p:tgtEl>
+                                      </p:cBhvr>
+                                    </p:animEffect>
+                                  </p:childTnLst>
+                                </p:cTn>
+                              </p:par>
+                              <p:par>
+                                <p:cTn id="11" presetID="10" presetClass="entr" presetSubtype="0" fill="hold" grpId="0" nodeType="withEffect">
+                                  <p:stCondLst>
+                                    <p:cond delay="0"/>
+                                  </p:stCondLst>
+                                  <p:childTnLst>
+                                    <p:set>
+                                      <p:cBhvr>
+                                        <p:cTn id="12" dur="1" fill="hold">
+                                          <p:stCondLst>
+                                            <p:cond delay="0"/>
+                                          </p:stCondLst>
+                                        </p:cTn>
+                                        <p:tgtEl>
+                                          <p:spTgt spid="3">
+                                            <p:txEl>
+                                              <p:pRg st="2" end="2"/>
+                                            </p:txEl>
+                                          </p:spTgt>
+                                        </p:tgtEl>
+                                        <p:attrNameLst>
+                                          <p:attrName>style.visibility</p:attrName>
+                                        </p:attrNameLst>
+                                      </p:cBhvr>
+                                      <p:to>
+                                        <p:strVal val="visible"/>
+                                      </p:to>
+                                    </p:set>
+                                    <p:animEffect transition="in" filter="fade">
+                                      <p:cBhvr>
+                                        <p:cTn id="13" dur="250"/>
+                                        <p:tgtEl>
+                                          <p:spTgt spid="3">
+                                            <p:txEl>
+                                              <p:pRg st="2" end="2"/>
+                                            </p:txEl>
+                                          </p:spTgt>
+                                        </p:tgtEl>
+                                      </p:cBhvr>
+                                    </p:animEffect>
+                                  </p:childTnLst>
+                                </p:cTn>
+                              </p:par>
+                              <p:par>
+                                <p:cTn id="14" presetID="10" presetClass="entr" presetSubtype="0" fill="hold" grpId="0" nodeType="withEffect">
+                                  <p:stCondLst>
+                                    <p:cond delay="0"/>
+                                  </p:stCondLst>
+                                  <p:childTnLst>
+                                    <p:set>
+                                      <p:cBhvr>
+                                        <p:cTn id="15" dur="1" fill="hold">
+                                          <p:stCondLst>
+                                            <p:cond delay="0"/>
+                                          </p:stCondLst>
+                                        </p:cTn>
+                                        <p:tgtEl>
+                                          <p:spTgt spid="3">
+                                            <p:txEl>
+                                              <p:pRg st="3" end="3"/>
+                                            </p:txEl>
+                                          </p:spTgt>
+                                        </p:tgtEl>
+                                        <p:attrNameLst>
+                                          <p:attrName>style.visibility</p:attrName>
+                                        </p:attrNameLst>
+                                      </p:cBhvr>
+                                      <p:to>
+                                        <p:strVal val="visible"/>
+                                      </p:to>
+                                    </p:set>
+                                    <p:animEffect transition="in" filter="fade">
+                                      <p:cBhvr>
+                                        <p:cTn id="16" dur="250"/>
+                                        <p:tgtEl>
+                                          <p:spTgt spid="3">
+                                            <p:txEl>
+                                              <p:pRg st="3" end="3"/>
+                                            </p:txEl>
+                                          </p:spTgt>
+                                        </p:tgtEl>
+                                      </p:cBhvr>
+                                    </p:animEffect>
+                                  </p:childTnLst>
+                                </p:cTn>
+                              </p:par>
+                              <p:par>
+                                <p:cTn id="17" presetID="10" presetClass="entr" presetSubtype="0" fill="hold" grpId="0" nodeType="withEffect">
+                                  <p:stCondLst>
+                                    <p:cond delay="0"/>
+                                  </p:stCondLst>
+                                  <p:childTnLst>
+                                    <p:set>
+                                      <p:cBhvr>
+                                        <p:cTn id="18" dur="1" fill="hold">
+                                          <p:stCondLst>
+                                            <p:cond delay="0"/>
+                                          </p:stCondLst>
+                                        </p:cTn>
+                                        <p:tgtEl>
+                                          <p:spTgt spid="3">
+                                            <p:txEl>
+                                              <p:pRg st="4" end="4"/>
+                                            </p:txEl>
+                                          </p:spTgt>
+                                        </p:tgtEl>
+                                        <p:attrNameLst>
+                                          <p:attrName>style.visibility</p:attrName>
+                                        </p:attrNameLst>
+                                      </p:cBhvr>
+                                      <p:to>
+                                        <p:strVal val="visible"/>
+                                      </p:to>
+                                    </p:set>
+                                    <p:animEffect transition="in" filter="fade">
+                                      <p:cBhvr>
+                                        <p:cTn id="19" dur="250"/>
+                                        <p:tgtEl>
+                                          <p:spTgt spid="3">
+                                            <p:txEl>
+                                              <p:pRg st="4" end="4"/>
+                                            </p:txEl>
+                                          </p:spTgt>
+                                        </p:tgtEl>
+                                      </p:cBhvr>
+                                    </p:animEffect>
+                                  </p:childTnLst>
+                                </p:cTn>
+                              </p:par>
+                            </p:childTnLst>
+                          </p:cTn>
+                        </p:par>
+                      </p:childTnLst>
+                    </p:cTn>
+                  </p:par>
+                </p:childTnLst>
+              </p:cTn>
+              <p:prevCondLst>
+                <p:cond evt="onPrev" delay="0">
+                  <p:tgtEl>
+                    <p:sldTgt/>
+                  </p:tgtEl>
+                </p:cond>
+              </p:prevCondLst>
+              <p:nextCondLst>
+                <p:cond evt="onNext" delay="0">
+                  <p:tgtEl>
+                    <p:sldTgt/>
+                  </p:tgtEl>
+                </p:cond>
+              </p:nextCondLst>
+            </p:seq>
+          </p:childTnLst>
+        </p:cTn>
+      </p:par>
+    </p:tnLst>
+    <p:bldLst>
+      <p:bldP spid="3" grpId="0" uiExpand="1" build="p"/>
+    </p:bldLst>
+  </p:timing>
 </p:sld>
 </file>
 
@@ -45290,7 +49096,7 @@
           </a:bodyPr>
           <a:lstStyle/>
           <a:p>
-            <a:pPr marL="342900" lvl="0" indent="-342900" algn="l">
+            <a:pPr marL="342900" lvl="0" indent="-342900">
               <a:spcBef>
                 <a:spcPts val="0"/>
               </a:spcBef>
@@ -45300,7 +49106,7 @@
             </a:pPr>
             <a:r>
               <a:rPr lang="en-US" dirty="0"/>
-              <a:t>The primary purpose of this study is to develop a beginner-friendly Android application that supports safe mushroom identification, promotes responsible foraging practices, and facilitates self-learning.</a:t>
+              <a:t>The primary purpose of this study is to develop a beginner-friendly Android application that supports safe mushroom identification, promotes safe foraging practices and self-learning.</a:t>
             </a:r>
           </a:p>
           <a:p>
@@ -45318,6 +49124,100 @@
   <p:clrMapOvr>
     <a:masterClrMapping/>
   </p:clrMapOvr>
+  <p:timing>
+    <p:tnLst>
+      <p:par>
+        <p:cTn id="1" dur="indefinite" restart="never" nodeType="tmRoot">
+          <p:childTnLst>
+            <p:seq concurrent="1" nextAc="seek">
+              <p:cTn id="2" dur="indefinite" nodeType="mainSeq">
+                <p:childTnLst>
+                  <p:par>
+                    <p:cTn id="3" fill="hold">
+                      <p:stCondLst>
+                        <p:cond delay="indefinite"/>
+                      </p:stCondLst>
+                      <p:childTnLst>
+                        <p:par>
+                          <p:cTn id="4" fill="hold">
+                            <p:stCondLst>
+                              <p:cond delay="0"/>
+                            </p:stCondLst>
+                            <p:childTnLst>
+                              <p:par>
+                                <p:cTn id="5" presetID="10" presetClass="entr" presetSubtype="0" fill="hold" grpId="0" nodeType="clickEffect">
+                                  <p:stCondLst>
+                                    <p:cond delay="0"/>
+                                  </p:stCondLst>
+                                  <p:childTnLst>
+                                    <p:set>
+                                      <p:cBhvr>
+                                        <p:cTn id="6" dur="1" fill="hold">
+                                          <p:stCondLst>
+                                            <p:cond delay="0"/>
+                                          </p:stCondLst>
+                                        </p:cTn>
+                                        <p:tgtEl>
+                                          <p:spTgt spid="3">
+                                            <p:txEl>
+                                              <p:pRg st="0" end="0"/>
+                                            </p:txEl>
+                                          </p:spTgt>
+                                        </p:tgtEl>
+                                        <p:attrNameLst>
+                                          <p:attrName>style.visibility</p:attrName>
+                                        </p:attrNameLst>
+                                      </p:cBhvr>
+                                      <p:to>
+                                        <p:strVal val="visible"/>
+                                      </p:to>
+                                    </p:set>
+                                    <p:animEffect transition="in" filter="fade">
+                                      <p:cBhvr>
+                                        <p:cTn id="7" dur="250"/>
+                                        <p:tgtEl>
+                                          <p:spTgt spid="3">
+                                            <p:txEl>
+                                              <p:pRg st="0" end="0"/>
+                                            </p:txEl>
+                                          </p:spTgt>
+                                        </p:tgtEl>
+                                      </p:cBhvr>
+                                    </p:animEffect>
+                                  </p:childTnLst>
+                                </p:cTn>
+                              </p:par>
+                            </p:childTnLst>
+                          </p:cTn>
+                        </p:par>
+                      </p:childTnLst>
+                    </p:cTn>
+                  </p:par>
+                </p:childTnLst>
+              </p:cTn>
+              <p:prevCondLst>
+                <p:cond evt="onPrev" delay="0">
+                  <p:tgtEl>
+                    <p:sldTgt/>
+                  </p:tgtEl>
+                </p:cond>
+              </p:prevCondLst>
+              <p:nextCondLst>
+                <p:cond evt="onNext" delay="0">
+                  <p:tgtEl>
+                    <p:sldTgt/>
+                  </p:tgtEl>
+                </p:cond>
+              </p:nextCondLst>
+            </p:seq>
+          </p:childTnLst>
+        </p:cTn>
+      </p:par>
+    </p:tnLst>
+    <p:bldLst>
+      <p:bldP spid="3" grpId="0" build="p"/>
+    </p:bldLst>
+  </p:timing>
 </p:sld>
 </file>
 
@@ -45484,6 +49384,416 @@
   <p:clrMapOvr>
     <a:masterClrMapping/>
   </p:clrMapOvr>
+  <p:timing>
+    <p:tnLst>
+      <p:par>
+        <p:cTn id="1" dur="indefinite" restart="never" nodeType="tmRoot">
+          <p:childTnLst>
+            <p:seq concurrent="1" nextAc="seek">
+              <p:cTn id="2" dur="indefinite" nodeType="mainSeq">
+                <p:childTnLst>
+                  <p:par>
+                    <p:cTn id="3" fill="hold">
+                      <p:stCondLst>
+                        <p:cond delay="indefinite"/>
+                      </p:stCondLst>
+                      <p:childTnLst>
+                        <p:par>
+                          <p:cTn id="4" fill="hold">
+                            <p:stCondLst>
+                              <p:cond delay="0"/>
+                            </p:stCondLst>
+                            <p:childTnLst>
+                              <p:par>
+                                <p:cTn id="5" presetID="10" presetClass="entr" presetSubtype="0" fill="hold" nodeType="clickEffect">
+                                  <p:stCondLst>
+                                    <p:cond delay="0"/>
+                                  </p:stCondLst>
+                                  <p:childTnLst>
+                                    <p:set>
+                                      <p:cBhvr>
+                                        <p:cTn id="6" dur="1" fill="hold">
+                                          <p:stCondLst>
+                                            <p:cond delay="0"/>
+                                          </p:stCondLst>
+                                        </p:cTn>
+                                        <p:tgtEl>
+                                          <p:spTgt spid="3">
+                                            <p:txEl>
+                                              <p:pRg st="0" end="0"/>
+                                            </p:txEl>
+                                          </p:spTgt>
+                                        </p:tgtEl>
+                                        <p:attrNameLst>
+                                          <p:attrName>style.visibility</p:attrName>
+                                        </p:attrNameLst>
+                                      </p:cBhvr>
+                                      <p:to>
+                                        <p:strVal val="visible"/>
+                                      </p:to>
+                                    </p:set>
+                                    <p:animEffect transition="in" filter="fade">
+                                      <p:cBhvr>
+                                        <p:cTn id="7" dur="250"/>
+                                        <p:tgtEl>
+                                          <p:spTgt spid="3">
+                                            <p:txEl>
+                                              <p:pRg st="0" end="0"/>
+                                            </p:txEl>
+                                          </p:spTgt>
+                                        </p:tgtEl>
+                                      </p:cBhvr>
+                                    </p:animEffect>
+                                  </p:childTnLst>
+                                </p:cTn>
+                              </p:par>
+                              <p:par>
+                                <p:cTn id="8" presetID="10" presetClass="entr" presetSubtype="0" fill="hold" nodeType="withEffect">
+                                  <p:stCondLst>
+                                    <p:cond delay="0"/>
+                                  </p:stCondLst>
+                                  <p:childTnLst>
+                                    <p:set>
+                                      <p:cBhvr>
+                                        <p:cTn id="9" dur="1" fill="hold">
+                                          <p:stCondLst>
+                                            <p:cond delay="0"/>
+                                          </p:stCondLst>
+                                        </p:cTn>
+                                        <p:tgtEl>
+                                          <p:spTgt spid="3">
+                                            <p:txEl>
+                                              <p:pRg st="1" end="1"/>
+                                            </p:txEl>
+                                          </p:spTgt>
+                                        </p:tgtEl>
+                                        <p:attrNameLst>
+                                          <p:attrName>style.visibility</p:attrName>
+                                        </p:attrNameLst>
+                                      </p:cBhvr>
+                                      <p:to>
+                                        <p:strVal val="visible"/>
+                                      </p:to>
+                                    </p:set>
+                                    <p:animEffect transition="in" filter="fade">
+                                      <p:cBhvr>
+                                        <p:cTn id="10" dur="250"/>
+                                        <p:tgtEl>
+                                          <p:spTgt spid="3">
+                                            <p:txEl>
+                                              <p:pRg st="1" end="1"/>
+                                            </p:txEl>
+                                          </p:spTgt>
+                                        </p:tgtEl>
+                                      </p:cBhvr>
+                                    </p:animEffect>
+                                  </p:childTnLst>
+                                </p:cTn>
+                              </p:par>
+                              <p:par>
+                                <p:cTn id="11" presetID="10" presetClass="entr" presetSubtype="0" fill="hold" nodeType="withEffect">
+                                  <p:stCondLst>
+                                    <p:cond delay="0"/>
+                                  </p:stCondLst>
+                                  <p:childTnLst>
+                                    <p:set>
+                                      <p:cBhvr>
+                                        <p:cTn id="12" dur="1" fill="hold">
+                                          <p:stCondLst>
+                                            <p:cond delay="0"/>
+                                          </p:stCondLst>
+                                        </p:cTn>
+                                        <p:tgtEl>
+                                          <p:spTgt spid="3">
+                                            <p:txEl>
+                                              <p:pRg st="2" end="2"/>
+                                            </p:txEl>
+                                          </p:spTgt>
+                                        </p:tgtEl>
+                                        <p:attrNameLst>
+                                          <p:attrName>style.visibility</p:attrName>
+                                        </p:attrNameLst>
+                                      </p:cBhvr>
+                                      <p:to>
+                                        <p:strVal val="visible"/>
+                                      </p:to>
+                                    </p:set>
+                                    <p:animEffect transition="in" filter="fade">
+                                      <p:cBhvr>
+                                        <p:cTn id="13" dur="250"/>
+                                        <p:tgtEl>
+                                          <p:spTgt spid="3">
+                                            <p:txEl>
+                                              <p:pRg st="2" end="2"/>
+                                            </p:txEl>
+                                          </p:spTgt>
+                                        </p:tgtEl>
+                                      </p:cBhvr>
+                                    </p:animEffect>
+                                  </p:childTnLst>
+                                </p:cTn>
+                              </p:par>
+                              <p:par>
+                                <p:cTn id="14" presetID="10" presetClass="entr" presetSubtype="0" fill="hold" nodeType="withEffect">
+                                  <p:stCondLst>
+                                    <p:cond delay="0"/>
+                                  </p:stCondLst>
+                                  <p:childTnLst>
+                                    <p:set>
+                                      <p:cBhvr>
+                                        <p:cTn id="15" dur="1" fill="hold">
+                                          <p:stCondLst>
+                                            <p:cond delay="0"/>
+                                          </p:stCondLst>
+                                        </p:cTn>
+                                        <p:tgtEl>
+                                          <p:spTgt spid="3">
+                                            <p:txEl>
+                                              <p:pRg st="3" end="3"/>
+                                            </p:txEl>
+                                          </p:spTgt>
+                                        </p:tgtEl>
+                                        <p:attrNameLst>
+                                          <p:attrName>style.visibility</p:attrName>
+                                        </p:attrNameLst>
+                                      </p:cBhvr>
+                                      <p:to>
+                                        <p:strVal val="visible"/>
+                                      </p:to>
+                                    </p:set>
+                                    <p:animEffect transition="in" filter="fade">
+                                      <p:cBhvr>
+                                        <p:cTn id="16" dur="250"/>
+                                        <p:tgtEl>
+                                          <p:spTgt spid="3">
+                                            <p:txEl>
+                                              <p:pRg st="3" end="3"/>
+                                            </p:txEl>
+                                          </p:spTgt>
+                                        </p:tgtEl>
+                                      </p:cBhvr>
+                                    </p:animEffect>
+                                  </p:childTnLst>
+                                </p:cTn>
+                              </p:par>
+                            </p:childTnLst>
+                          </p:cTn>
+                        </p:par>
+                      </p:childTnLst>
+                    </p:cTn>
+                  </p:par>
+                  <p:par>
+                    <p:cTn id="17" fill="hold">
+                      <p:stCondLst>
+                        <p:cond delay="indefinite"/>
+                      </p:stCondLst>
+                      <p:childTnLst>
+                        <p:par>
+                          <p:cTn id="18" fill="hold">
+                            <p:stCondLst>
+                              <p:cond delay="0"/>
+                            </p:stCondLst>
+                            <p:childTnLst>
+                              <p:par>
+                                <p:cTn id="19" presetID="10" presetClass="entr" presetSubtype="0" fill="hold" nodeType="clickEffect">
+                                  <p:stCondLst>
+                                    <p:cond delay="0"/>
+                                  </p:stCondLst>
+                                  <p:childTnLst>
+                                    <p:set>
+                                      <p:cBhvr>
+                                        <p:cTn id="20" dur="1" fill="hold">
+                                          <p:stCondLst>
+                                            <p:cond delay="0"/>
+                                          </p:stCondLst>
+                                        </p:cTn>
+                                        <p:tgtEl>
+                                          <p:spTgt spid="3">
+                                            <p:txEl>
+                                              <p:pRg st="4" end="4"/>
+                                            </p:txEl>
+                                          </p:spTgt>
+                                        </p:tgtEl>
+                                        <p:attrNameLst>
+                                          <p:attrName>style.visibility</p:attrName>
+                                        </p:attrNameLst>
+                                      </p:cBhvr>
+                                      <p:to>
+                                        <p:strVal val="visible"/>
+                                      </p:to>
+                                    </p:set>
+                                    <p:animEffect transition="in" filter="fade">
+                                      <p:cBhvr>
+                                        <p:cTn id="21" dur="250"/>
+                                        <p:tgtEl>
+                                          <p:spTgt spid="3">
+                                            <p:txEl>
+                                              <p:pRg st="4" end="4"/>
+                                            </p:txEl>
+                                          </p:spTgt>
+                                        </p:tgtEl>
+                                      </p:cBhvr>
+                                    </p:animEffect>
+                                  </p:childTnLst>
+                                </p:cTn>
+                              </p:par>
+                              <p:par>
+                                <p:cTn id="22" presetID="10" presetClass="entr" presetSubtype="0" fill="hold" nodeType="withEffect">
+                                  <p:stCondLst>
+                                    <p:cond delay="0"/>
+                                  </p:stCondLst>
+                                  <p:childTnLst>
+                                    <p:set>
+                                      <p:cBhvr>
+                                        <p:cTn id="23" dur="1" fill="hold">
+                                          <p:stCondLst>
+                                            <p:cond delay="0"/>
+                                          </p:stCondLst>
+                                        </p:cTn>
+                                        <p:tgtEl>
+                                          <p:spTgt spid="3">
+                                            <p:txEl>
+                                              <p:pRg st="5" end="5"/>
+                                            </p:txEl>
+                                          </p:spTgt>
+                                        </p:tgtEl>
+                                        <p:attrNameLst>
+                                          <p:attrName>style.visibility</p:attrName>
+                                        </p:attrNameLst>
+                                      </p:cBhvr>
+                                      <p:to>
+                                        <p:strVal val="visible"/>
+                                      </p:to>
+                                    </p:set>
+                                    <p:animEffect transition="in" filter="fade">
+                                      <p:cBhvr>
+                                        <p:cTn id="24" dur="250"/>
+                                        <p:tgtEl>
+                                          <p:spTgt spid="3">
+                                            <p:txEl>
+                                              <p:pRg st="5" end="5"/>
+                                            </p:txEl>
+                                          </p:spTgt>
+                                        </p:tgtEl>
+                                      </p:cBhvr>
+                                    </p:animEffect>
+                                  </p:childTnLst>
+                                </p:cTn>
+                              </p:par>
+                              <p:par>
+                                <p:cTn id="25" presetID="10" presetClass="entr" presetSubtype="0" fill="hold" nodeType="withEffect">
+                                  <p:stCondLst>
+                                    <p:cond delay="0"/>
+                                  </p:stCondLst>
+                                  <p:childTnLst>
+                                    <p:set>
+                                      <p:cBhvr>
+                                        <p:cTn id="26" dur="1" fill="hold">
+                                          <p:stCondLst>
+                                            <p:cond delay="0"/>
+                                          </p:stCondLst>
+                                        </p:cTn>
+                                        <p:tgtEl>
+                                          <p:spTgt spid="3">
+                                            <p:txEl>
+                                              <p:pRg st="6" end="6"/>
+                                            </p:txEl>
+                                          </p:spTgt>
+                                        </p:tgtEl>
+                                        <p:attrNameLst>
+                                          <p:attrName>style.visibility</p:attrName>
+                                        </p:attrNameLst>
+                                      </p:cBhvr>
+                                      <p:to>
+                                        <p:strVal val="visible"/>
+                                      </p:to>
+                                    </p:set>
+                                    <p:animEffect transition="in" filter="fade">
+                                      <p:cBhvr>
+                                        <p:cTn id="27" dur="250"/>
+                                        <p:tgtEl>
+                                          <p:spTgt spid="3">
+                                            <p:txEl>
+                                              <p:pRg st="6" end="6"/>
+                                            </p:txEl>
+                                          </p:spTgt>
+                                        </p:tgtEl>
+                                      </p:cBhvr>
+                                    </p:animEffect>
+                                  </p:childTnLst>
+                                </p:cTn>
+                              </p:par>
+                              <p:par>
+                                <p:cTn id="28" presetID="10" presetClass="entr" presetSubtype="0" fill="hold" nodeType="withEffect">
+                                  <p:stCondLst>
+                                    <p:cond delay="0"/>
+                                  </p:stCondLst>
+                                  <p:childTnLst>
+                                    <p:set>
+                                      <p:cBhvr>
+                                        <p:cTn id="29" dur="1" fill="hold">
+                                          <p:stCondLst>
+                                            <p:cond delay="0"/>
+                                          </p:stCondLst>
+                                        </p:cTn>
+                                        <p:tgtEl>
+                                          <p:spTgt spid="3">
+                                            <p:txEl>
+                                              <p:pRg st="7" end="7"/>
+                                            </p:txEl>
+                                          </p:spTgt>
+                                        </p:tgtEl>
+                                        <p:attrNameLst>
+                                          <p:attrName>style.visibility</p:attrName>
+                                        </p:attrNameLst>
+                                      </p:cBhvr>
+                                      <p:to>
+                                        <p:strVal val="visible"/>
+                                      </p:to>
+                                    </p:set>
+                                    <p:animEffect transition="in" filter="fade">
+                                      <p:cBhvr>
+                                        <p:cTn id="30" dur="250"/>
+                                        <p:tgtEl>
+                                          <p:spTgt spid="3">
+                                            <p:txEl>
+                                              <p:pRg st="7" end="7"/>
+                                            </p:txEl>
+                                          </p:spTgt>
+                                        </p:tgtEl>
+                                      </p:cBhvr>
+                                    </p:animEffect>
+                                  </p:childTnLst>
+                                </p:cTn>
+                              </p:par>
+                            </p:childTnLst>
+                          </p:cTn>
+                        </p:par>
+                      </p:childTnLst>
+                    </p:cTn>
+                  </p:par>
+                </p:childTnLst>
+              </p:cTn>
+              <p:prevCondLst>
+                <p:cond evt="onPrev" delay="0">
+                  <p:tgtEl>
+                    <p:sldTgt/>
+                  </p:tgtEl>
+                </p:cond>
+              </p:prevCondLst>
+              <p:nextCondLst>
+                <p:cond evt="onNext" delay="0">
+                  <p:tgtEl>
+                    <p:sldTgt/>
+                  </p:tgtEl>
+                </p:cond>
+              </p:nextCondLst>
+            </p:seq>
+          </p:childTnLst>
+        </p:cTn>
+      </p:par>
+    </p:tnLst>
+  </p:timing>
 </p:sld>
 </file>
 
@@ -45720,6 +50030,269 @@
   <p:clrMapOvr>
     <a:masterClrMapping/>
   </p:clrMapOvr>
+  <p:timing>
+    <p:tnLst>
+      <p:par>
+        <p:cTn id="1" dur="indefinite" restart="never" nodeType="tmRoot">
+          <p:childTnLst>
+            <p:seq concurrent="1" nextAc="seek">
+              <p:cTn id="2" dur="indefinite" nodeType="mainSeq">
+                <p:childTnLst>
+                  <p:par>
+                    <p:cTn id="3" fill="hold">
+                      <p:stCondLst>
+                        <p:cond delay="indefinite"/>
+                      </p:stCondLst>
+                      <p:childTnLst>
+                        <p:par>
+                          <p:cTn id="4" fill="hold">
+                            <p:stCondLst>
+                              <p:cond delay="0"/>
+                            </p:stCondLst>
+                            <p:childTnLst>
+                              <p:par>
+                                <p:cTn id="5" presetID="10" presetClass="entr" presetSubtype="0" fill="hold" nodeType="clickEffect">
+                                  <p:stCondLst>
+                                    <p:cond delay="0"/>
+                                  </p:stCondLst>
+                                  <p:childTnLst>
+                                    <p:set>
+                                      <p:cBhvr>
+                                        <p:cTn id="6" dur="1" fill="hold">
+                                          <p:stCondLst>
+                                            <p:cond delay="0"/>
+                                          </p:stCondLst>
+                                        </p:cTn>
+                                        <p:tgtEl>
+                                          <p:spTgt spid="3">
+                                            <p:txEl>
+                                              <p:pRg st="0" end="0"/>
+                                            </p:txEl>
+                                          </p:spTgt>
+                                        </p:tgtEl>
+                                        <p:attrNameLst>
+                                          <p:attrName>style.visibility</p:attrName>
+                                        </p:attrNameLst>
+                                      </p:cBhvr>
+                                      <p:to>
+                                        <p:strVal val="visible"/>
+                                      </p:to>
+                                    </p:set>
+                                    <p:animEffect transition="in" filter="fade">
+                                      <p:cBhvr>
+                                        <p:cTn id="7" dur="250"/>
+                                        <p:tgtEl>
+                                          <p:spTgt spid="3">
+                                            <p:txEl>
+                                              <p:pRg st="0" end="0"/>
+                                            </p:txEl>
+                                          </p:spTgt>
+                                        </p:tgtEl>
+                                      </p:cBhvr>
+                                    </p:animEffect>
+                                  </p:childTnLst>
+                                </p:cTn>
+                              </p:par>
+                              <p:par>
+                                <p:cTn id="8" presetID="10" presetClass="entr" presetSubtype="0" fill="hold" nodeType="withEffect">
+                                  <p:stCondLst>
+                                    <p:cond delay="0"/>
+                                  </p:stCondLst>
+                                  <p:childTnLst>
+                                    <p:set>
+                                      <p:cBhvr>
+                                        <p:cTn id="9" dur="1" fill="hold">
+                                          <p:stCondLst>
+                                            <p:cond delay="0"/>
+                                          </p:stCondLst>
+                                        </p:cTn>
+                                        <p:tgtEl>
+                                          <p:spTgt spid="3">
+                                            <p:txEl>
+                                              <p:pRg st="1" end="1"/>
+                                            </p:txEl>
+                                          </p:spTgt>
+                                        </p:tgtEl>
+                                        <p:attrNameLst>
+                                          <p:attrName>style.visibility</p:attrName>
+                                        </p:attrNameLst>
+                                      </p:cBhvr>
+                                      <p:to>
+                                        <p:strVal val="visible"/>
+                                      </p:to>
+                                    </p:set>
+                                    <p:animEffect transition="in" filter="fade">
+                                      <p:cBhvr>
+                                        <p:cTn id="10" dur="250"/>
+                                        <p:tgtEl>
+                                          <p:spTgt spid="3">
+                                            <p:txEl>
+                                              <p:pRg st="1" end="1"/>
+                                            </p:txEl>
+                                          </p:spTgt>
+                                        </p:tgtEl>
+                                      </p:cBhvr>
+                                    </p:animEffect>
+                                  </p:childTnLst>
+                                </p:cTn>
+                              </p:par>
+                              <p:par>
+                                <p:cTn id="11" presetID="10" presetClass="entr" presetSubtype="0" fill="hold" nodeType="withEffect">
+                                  <p:stCondLst>
+                                    <p:cond delay="0"/>
+                                  </p:stCondLst>
+                                  <p:childTnLst>
+                                    <p:set>
+                                      <p:cBhvr>
+                                        <p:cTn id="12" dur="1" fill="hold">
+                                          <p:stCondLst>
+                                            <p:cond delay="0"/>
+                                          </p:stCondLst>
+                                        </p:cTn>
+                                        <p:tgtEl>
+                                          <p:spTgt spid="3">
+                                            <p:txEl>
+                                              <p:pRg st="2" end="2"/>
+                                            </p:txEl>
+                                          </p:spTgt>
+                                        </p:tgtEl>
+                                        <p:attrNameLst>
+                                          <p:attrName>style.visibility</p:attrName>
+                                        </p:attrNameLst>
+                                      </p:cBhvr>
+                                      <p:to>
+                                        <p:strVal val="visible"/>
+                                      </p:to>
+                                    </p:set>
+                                    <p:animEffect transition="in" filter="fade">
+                                      <p:cBhvr>
+                                        <p:cTn id="13" dur="250"/>
+                                        <p:tgtEl>
+                                          <p:spTgt spid="3">
+                                            <p:txEl>
+                                              <p:pRg st="2" end="2"/>
+                                            </p:txEl>
+                                          </p:spTgt>
+                                        </p:tgtEl>
+                                      </p:cBhvr>
+                                    </p:animEffect>
+                                  </p:childTnLst>
+                                </p:cTn>
+                              </p:par>
+                              <p:par>
+                                <p:cTn id="14" presetID="10" presetClass="entr" presetSubtype="0" fill="hold" nodeType="withEffect">
+                                  <p:stCondLst>
+                                    <p:cond delay="0"/>
+                                  </p:stCondLst>
+                                  <p:childTnLst>
+                                    <p:set>
+                                      <p:cBhvr>
+                                        <p:cTn id="15" dur="1" fill="hold">
+                                          <p:stCondLst>
+                                            <p:cond delay="0"/>
+                                          </p:stCondLst>
+                                        </p:cTn>
+                                        <p:tgtEl>
+                                          <p:spTgt spid="3">
+                                            <p:txEl>
+                                              <p:pRg st="3" end="3"/>
+                                            </p:txEl>
+                                          </p:spTgt>
+                                        </p:tgtEl>
+                                        <p:attrNameLst>
+                                          <p:attrName>style.visibility</p:attrName>
+                                        </p:attrNameLst>
+                                      </p:cBhvr>
+                                      <p:to>
+                                        <p:strVal val="visible"/>
+                                      </p:to>
+                                    </p:set>
+                                    <p:animEffect transition="in" filter="fade">
+                                      <p:cBhvr>
+                                        <p:cTn id="16" dur="250"/>
+                                        <p:tgtEl>
+                                          <p:spTgt spid="3">
+                                            <p:txEl>
+                                              <p:pRg st="3" end="3"/>
+                                            </p:txEl>
+                                          </p:spTgt>
+                                        </p:tgtEl>
+                                      </p:cBhvr>
+                                    </p:animEffect>
+                                  </p:childTnLst>
+                                </p:cTn>
+                              </p:par>
+                              <p:par>
+                                <p:cTn id="17" presetID="10" presetClass="entr" presetSubtype="0" fill="hold" nodeType="withEffect">
+                                  <p:stCondLst>
+                                    <p:cond delay="0"/>
+                                  </p:stCondLst>
+                                  <p:childTnLst>
+                                    <p:set>
+                                      <p:cBhvr>
+                                        <p:cTn id="18" dur="1" fill="hold">
+                                          <p:stCondLst>
+                                            <p:cond delay="0"/>
+                                          </p:stCondLst>
+                                        </p:cTn>
+                                        <p:tgtEl>
+                                          <p:spTgt spid="3">
+                                            <p:txEl>
+                                              <p:pRg st="4" end="4"/>
+                                            </p:txEl>
+                                          </p:spTgt>
+                                        </p:tgtEl>
+                                        <p:attrNameLst>
+                                          <p:attrName>style.visibility</p:attrName>
+                                        </p:attrNameLst>
+                                      </p:cBhvr>
+                                      <p:to>
+                                        <p:strVal val="visible"/>
+                                      </p:to>
+                                    </p:set>
+                                    <p:animEffect transition="in" filter="fade">
+                                      <p:cBhvr>
+                                        <p:cTn id="19" dur="250"/>
+                                        <p:tgtEl>
+                                          <p:spTgt spid="3">
+                                            <p:txEl>
+                                              <p:pRg st="4" end="4"/>
+                                            </p:txEl>
+                                          </p:spTgt>
+                                        </p:tgtEl>
+                                      </p:cBhvr>
+                                    </p:animEffect>
+                                  </p:childTnLst>
+                                </p:cTn>
+                              </p:par>
+                            </p:childTnLst>
+                          </p:cTn>
+                        </p:par>
+                      </p:childTnLst>
+                    </p:cTn>
+                  </p:par>
+                </p:childTnLst>
+              </p:cTn>
+              <p:prevCondLst>
+                <p:cond evt="onPrev" delay="0">
+                  <p:tgtEl>
+                    <p:sldTgt/>
+                  </p:tgtEl>
+                </p:cond>
+              </p:prevCondLst>
+              <p:nextCondLst>
+                <p:cond evt="onNext" delay="0">
+                  <p:tgtEl>
+                    <p:sldTgt/>
+                  </p:tgtEl>
+                </p:cond>
+              </p:nextCondLst>
+            </p:seq>
+          </p:childTnLst>
+        </p:cTn>
+      </p:par>
+    </p:tnLst>
+  </p:timing>
 </p:sld>
 </file>
 
@@ -45851,6 +50424,183 @@
   <p:clrMapOvr>
     <a:masterClrMapping/>
   </p:clrMapOvr>
+  <p:timing>
+    <p:tnLst>
+      <p:par>
+        <p:cTn id="1" dur="indefinite" restart="never" nodeType="tmRoot">
+          <p:childTnLst>
+            <p:seq concurrent="1" nextAc="seek">
+              <p:cTn id="2" dur="indefinite" nodeType="mainSeq">
+                <p:childTnLst>
+                  <p:par>
+                    <p:cTn id="3" fill="hold">
+                      <p:stCondLst>
+                        <p:cond delay="indefinite"/>
+                      </p:stCondLst>
+                      <p:childTnLst>
+                        <p:par>
+                          <p:cTn id="4" fill="hold">
+                            <p:stCondLst>
+                              <p:cond delay="0"/>
+                            </p:stCondLst>
+                            <p:childTnLst>
+                              <p:par>
+                                <p:cTn id="5" presetID="10" presetClass="entr" presetSubtype="0" fill="hold" nodeType="clickEffect">
+                                  <p:stCondLst>
+                                    <p:cond delay="0"/>
+                                  </p:stCondLst>
+                                  <p:childTnLst>
+                                    <p:set>
+                                      <p:cBhvr>
+                                        <p:cTn id="6" dur="1" fill="hold">
+                                          <p:stCondLst>
+                                            <p:cond delay="0"/>
+                                          </p:stCondLst>
+                                        </p:cTn>
+                                        <p:tgtEl>
+                                          <p:spTgt spid="3">
+                                            <p:txEl>
+                                              <p:pRg st="0" end="0"/>
+                                            </p:txEl>
+                                          </p:spTgt>
+                                        </p:tgtEl>
+                                        <p:attrNameLst>
+                                          <p:attrName>style.visibility</p:attrName>
+                                        </p:attrNameLst>
+                                      </p:cBhvr>
+                                      <p:to>
+                                        <p:strVal val="visible"/>
+                                      </p:to>
+                                    </p:set>
+                                    <p:animEffect transition="in" filter="fade">
+                                      <p:cBhvr>
+                                        <p:cTn id="7" dur="250"/>
+                                        <p:tgtEl>
+                                          <p:spTgt spid="3">
+                                            <p:txEl>
+                                              <p:pRg st="0" end="0"/>
+                                            </p:txEl>
+                                          </p:spTgt>
+                                        </p:tgtEl>
+                                      </p:cBhvr>
+                                    </p:animEffect>
+                                  </p:childTnLst>
+                                </p:cTn>
+                              </p:par>
+                              <p:par>
+                                <p:cTn id="8" presetID="10" presetClass="entr" presetSubtype="0" fill="hold" nodeType="withEffect">
+                                  <p:stCondLst>
+                                    <p:cond delay="0"/>
+                                  </p:stCondLst>
+                                  <p:childTnLst>
+                                    <p:set>
+                                      <p:cBhvr>
+                                        <p:cTn id="9" dur="1" fill="hold">
+                                          <p:stCondLst>
+                                            <p:cond delay="0"/>
+                                          </p:stCondLst>
+                                        </p:cTn>
+                                        <p:tgtEl>
+                                          <p:spTgt spid="3">
+                                            <p:txEl>
+                                              <p:pRg st="1" end="1"/>
+                                            </p:txEl>
+                                          </p:spTgt>
+                                        </p:tgtEl>
+                                        <p:attrNameLst>
+                                          <p:attrName>style.visibility</p:attrName>
+                                        </p:attrNameLst>
+                                      </p:cBhvr>
+                                      <p:to>
+                                        <p:strVal val="visible"/>
+                                      </p:to>
+                                    </p:set>
+                                    <p:animEffect transition="in" filter="fade">
+                                      <p:cBhvr>
+                                        <p:cTn id="10" dur="250"/>
+                                        <p:tgtEl>
+                                          <p:spTgt spid="3">
+                                            <p:txEl>
+                                              <p:pRg st="1" end="1"/>
+                                            </p:txEl>
+                                          </p:spTgt>
+                                        </p:tgtEl>
+                                      </p:cBhvr>
+                                    </p:animEffect>
+                                  </p:childTnLst>
+                                </p:cTn>
+                              </p:par>
+                              <p:par>
+                                <p:cTn id="11" presetID="10" presetClass="entr" presetSubtype="0" fill="hold" nodeType="withEffect">
+                                  <p:stCondLst>
+                                    <p:cond delay="0"/>
+                                  </p:stCondLst>
+                                  <p:childTnLst>
+                                    <p:set>
+                                      <p:cBhvr>
+                                        <p:cTn id="12" dur="1" fill="hold">
+                                          <p:stCondLst>
+                                            <p:cond delay="0"/>
+                                          </p:stCondLst>
+                                        </p:cTn>
+                                        <p:tgtEl>
+                                          <p:spTgt spid="3">
+                                            <p:txEl>
+                                              <p:pRg st="2" end="2"/>
+                                            </p:txEl>
+                                          </p:spTgt>
+                                        </p:tgtEl>
+                                        <p:attrNameLst>
+                                          <p:attrName>style.visibility</p:attrName>
+                                        </p:attrNameLst>
+                                      </p:cBhvr>
+                                      <p:to>
+                                        <p:strVal val="visible"/>
+                                      </p:to>
+                                    </p:set>
+                                    <p:animEffect transition="in" filter="fade">
+                                      <p:cBhvr>
+                                        <p:cTn id="13" dur="250"/>
+                                        <p:tgtEl>
+                                          <p:spTgt spid="3">
+                                            <p:txEl>
+                                              <p:pRg st="2" end="2"/>
+                                            </p:txEl>
+                                          </p:spTgt>
+                                        </p:tgtEl>
+                                      </p:cBhvr>
+                                    </p:animEffect>
+                                  </p:childTnLst>
+                                </p:cTn>
+                              </p:par>
+                            </p:childTnLst>
+                          </p:cTn>
+                        </p:par>
+                      </p:childTnLst>
+                    </p:cTn>
+                  </p:par>
+                </p:childTnLst>
+              </p:cTn>
+              <p:prevCondLst>
+                <p:cond evt="onPrev" delay="0">
+                  <p:tgtEl>
+                    <p:sldTgt/>
+                  </p:tgtEl>
+                </p:cond>
+              </p:prevCondLst>
+              <p:nextCondLst>
+                <p:cond evt="onNext" delay="0">
+                  <p:tgtEl>
+                    <p:sldTgt/>
+                  </p:tgtEl>
+                </p:cond>
+              </p:nextCondLst>
+            </p:seq>
+          </p:childTnLst>
+        </p:cTn>
+      </p:par>
+    </p:tnLst>
+  </p:timing>
 </p:sld>
 </file>
 

--- a/Báo cáo/ThesisReport.pptx
+++ b/Báo cáo/ThesisReport.pptx
@@ -227,7 +227,7 @@
           <a:p>
             <a:fld id="{36BB93D1-677A-4727-ACB1-B4ED1776CBF7}" type="datetimeFigureOut">
               <a:rPr lang="vi-VN" smtClean="0"/>
-              <a:t>16/12/2025</a:t>
+              <a:t>17/12/2025</a:t>
             </a:fld>
             <a:endParaRPr lang="vi-VN"/>
           </a:p>
@@ -4738,7 +4738,7 @@
             <a:fld id="{D86B3AB3-BDCC-41BF-8781-963E853753C3}" type="datetime1">
               <a:rPr lang="en-US" smtClean="0"/>
               <a:pPr/>
-              <a:t>16-Dec-25</a:t>
+              <a:t>17-Dec-25</a:t>
             </a:fld>
             <a:endParaRPr lang="en-US"/>
           </a:p>
@@ -6011,7 +6011,7 @@
             <a:fld id="{D86B3AB3-BDCC-41BF-8781-963E853753C3}" type="datetime1">
               <a:rPr lang="en-US" smtClean="0"/>
               <a:pPr/>
-              <a:t>16-Dec-25</a:t>
+              <a:t>17-Dec-25</a:t>
             </a:fld>
             <a:endParaRPr lang="en-US"/>
           </a:p>
@@ -7108,7 +7108,7 @@
             <a:fld id="{D86B3AB3-BDCC-41BF-8781-963E853753C3}" type="datetime1">
               <a:rPr lang="en-US" smtClean="0"/>
               <a:pPr/>
-              <a:t>16-Dec-25</a:t>
+              <a:t>17-Dec-25</a:t>
             </a:fld>
             <a:endParaRPr lang="en-US"/>
           </a:p>
@@ -8233,7 +8233,7 @@
             <a:fld id="{D86B3AB3-BDCC-41BF-8781-963E853753C3}" type="datetime1">
               <a:rPr lang="en-US" smtClean="0"/>
               <a:pPr/>
-              <a:t>16-Dec-25</a:t>
+              <a:t>17-Dec-25</a:t>
             </a:fld>
             <a:endParaRPr lang="en-US"/>
           </a:p>
@@ -9216,7 +9216,7 @@
             <a:fld id="{D86B3AB3-BDCC-41BF-8781-963E853753C3}" type="datetime1">
               <a:rPr lang="en-US" smtClean="0"/>
               <a:pPr/>
-              <a:t>16-Dec-25</a:t>
+              <a:t>17-Dec-25</a:t>
             </a:fld>
             <a:endParaRPr lang="en-US"/>
           </a:p>
@@ -10199,7 +10199,7 @@
             <a:fld id="{D86B3AB3-BDCC-41BF-8781-963E853753C3}" type="datetime1">
               <a:rPr lang="en-US" smtClean="0"/>
               <a:pPr/>
-              <a:t>16-Dec-25</a:t>
+              <a:t>17-Dec-25</a:t>
             </a:fld>
             <a:endParaRPr lang="en-US"/>
           </a:p>
@@ -11203,7 +11203,7 @@
             <a:fld id="{D86B3AB3-BDCC-41BF-8781-963E853753C3}" type="datetime1">
               <a:rPr lang="en-US" smtClean="0"/>
               <a:pPr/>
-              <a:t>16-Dec-25</a:t>
+              <a:t>17-Dec-25</a:t>
             </a:fld>
             <a:endParaRPr lang="en-US"/>
           </a:p>
@@ -12292,7 +12292,7 @@
             <a:fld id="{D86B3AB3-BDCC-41BF-8781-963E853753C3}" type="datetime1">
               <a:rPr lang="en-US" smtClean="0"/>
               <a:pPr/>
-              <a:t>16-Dec-25</a:t>
+              <a:t>17-Dec-25</a:t>
             </a:fld>
             <a:endParaRPr lang="en-US"/>
           </a:p>
@@ -13202,7 +13202,7 @@
             <a:fld id="{D86B3AB3-BDCC-41BF-8781-963E853753C3}" type="datetime1">
               <a:rPr lang="en-US" smtClean="0"/>
               <a:pPr/>
-              <a:t>16-Dec-25</a:t>
+              <a:t>17-Dec-25</a:t>
             </a:fld>
             <a:endParaRPr lang="en-US"/>
           </a:p>
@@ -14649,7 +14649,7 @@
             <a:fld id="{D86B3AB3-BDCC-41BF-8781-963E853753C3}" type="datetime1">
               <a:rPr lang="en-US" smtClean="0"/>
               <a:pPr/>
-              <a:t>16-Dec-25</a:t>
+              <a:t>17-Dec-25</a:t>
             </a:fld>
             <a:endParaRPr lang="en-US"/>
           </a:p>
@@ -15868,7 +15868,7 @@
             <a:fld id="{D86B3AB3-BDCC-41BF-8781-963E853753C3}" type="datetime1">
               <a:rPr lang="en-US" smtClean="0"/>
               <a:pPr/>
-              <a:t>16-Dec-25</a:t>
+              <a:t>17-Dec-25</a:t>
             </a:fld>
             <a:endParaRPr lang="en-US"/>
           </a:p>
@@ -16689,7 +16689,7 @@
             <a:fld id="{D86B3AB3-BDCC-41BF-8781-963E853753C3}" type="datetime1">
               <a:rPr lang="en-US" smtClean="0"/>
               <a:pPr/>
-              <a:t>16-Dec-25</a:t>
+              <a:t>17-Dec-25</a:t>
             </a:fld>
             <a:endParaRPr lang="en-US"/>
           </a:p>
@@ -17899,7 +17899,7 @@
             <a:fld id="{D86B3AB3-BDCC-41BF-8781-963E853753C3}" type="datetime1">
               <a:rPr lang="en-US" smtClean="0"/>
               <a:pPr/>
-              <a:t>16-Dec-25</a:t>
+              <a:t>17-Dec-25</a:t>
             </a:fld>
             <a:endParaRPr lang="en-US"/>
           </a:p>
@@ -18743,7 +18743,7 @@
             <a:fld id="{D86B3AB3-BDCC-41BF-8781-963E853753C3}" type="datetime1">
               <a:rPr lang="en-US" smtClean="0"/>
               <a:pPr/>
-              <a:t>16-Dec-25</a:t>
+              <a:t>17-Dec-25</a:t>
             </a:fld>
             <a:endParaRPr lang="en-US"/>
           </a:p>
@@ -19448,7 +19448,7 @@
             <a:fld id="{D86B3AB3-BDCC-41BF-8781-963E853753C3}" type="datetime1">
               <a:rPr lang="en-US" smtClean="0"/>
               <a:pPr/>
-              <a:t>16-Dec-25</a:t>
+              <a:t>17-Dec-25</a:t>
             </a:fld>
             <a:endParaRPr lang="en-US"/>
           </a:p>
@@ -20174,7 +20174,7 @@
             <a:fld id="{D86B3AB3-BDCC-41BF-8781-963E853753C3}" type="datetime1">
               <a:rPr lang="en-US" smtClean="0"/>
               <a:pPr/>
-              <a:t>16-Dec-25</a:t>
+              <a:t>17-Dec-25</a:t>
             </a:fld>
             <a:endParaRPr lang="en-US"/>
           </a:p>
@@ -20974,7 +20974,7 @@
             <a:fld id="{D86B3AB3-BDCC-41BF-8781-963E853753C3}" type="datetime1">
               <a:rPr lang="en-US" smtClean="0"/>
               <a:pPr/>
-              <a:t>16-Dec-25</a:t>
+              <a:t>17-Dec-25</a:t>
             </a:fld>
             <a:endParaRPr lang="en-US"/>
           </a:p>
@@ -21777,7 +21777,7 @@
             <a:fld id="{D86B3AB3-BDCC-41BF-8781-963E853753C3}" type="datetime1">
               <a:rPr lang="en-US" smtClean="0"/>
               <a:pPr/>
-              <a:t>16-Dec-25</a:t>
+              <a:t>17-Dec-25</a:t>
             </a:fld>
             <a:endParaRPr lang="en-US"/>
           </a:p>
@@ -24751,7 +24751,7 @@
             <a:fld id="{D86B3AB3-BDCC-41BF-8781-963E853753C3}" type="datetime1">
               <a:rPr lang="en-US" smtClean="0"/>
               <a:pPr/>
-              <a:t>16-Dec-25</a:t>
+              <a:t>17-Dec-25</a:t>
             </a:fld>
             <a:endParaRPr lang="en-US"/>
           </a:p>
@@ -27881,7 +27881,7 @@
             <a:fld id="{D86B3AB3-BDCC-41BF-8781-963E853753C3}" type="datetime1">
               <a:rPr lang="en-US" smtClean="0"/>
               <a:pPr/>
-              <a:t>16-Dec-25</a:t>
+              <a:t>17-Dec-25</a:t>
             </a:fld>
             <a:endParaRPr lang="en-US"/>
           </a:p>
@@ -28897,7 +28897,7 @@
             <a:fld id="{D86B3AB3-BDCC-41BF-8781-963E853753C3}" type="datetime1">
               <a:rPr lang="en-US" smtClean="0"/>
               <a:pPr/>
-              <a:t>16-Dec-25</a:t>
+              <a:t>17-Dec-25</a:t>
             </a:fld>
             <a:endParaRPr lang="en-US"/>
           </a:p>
@@ -30999,7 +30999,7 @@
             <a:fld id="{D86B3AB3-BDCC-41BF-8781-963E853753C3}" type="datetime1">
               <a:rPr lang="en-US" smtClean="0"/>
               <a:pPr/>
-              <a:t>16-Dec-25</a:t>
+              <a:t>17-Dec-25</a:t>
             </a:fld>
             <a:endParaRPr lang="en-US"/>
           </a:p>
@@ -33194,7 +33194,7 @@
             <a:fld id="{D86B3AB3-BDCC-41BF-8781-963E853753C3}" type="datetime1">
               <a:rPr lang="en-US" smtClean="0"/>
               <a:pPr/>
-              <a:t>16-Dec-25</a:t>
+              <a:t>17-Dec-25</a:t>
             </a:fld>
             <a:endParaRPr lang="en-US"/>
           </a:p>
@@ -34381,7 +34381,7 @@
             <a:fld id="{D86B3AB3-BDCC-41BF-8781-963E853753C3}" type="datetime1">
               <a:rPr lang="en-US" smtClean="0"/>
               <a:pPr/>
-              <a:t>16-Dec-25</a:t>
+              <a:t>17-Dec-25</a:t>
             </a:fld>
             <a:endParaRPr lang="en-US"/>
           </a:p>
@@ -35461,7 +35461,7 @@
             <a:fld id="{D86B3AB3-BDCC-41BF-8781-963E853753C3}" type="datetime1">
               <a:rPr lang="en-US" smtClean="0"/>
               <a:pPr/>
-              <a:t>16-Dec-25</a:t>
+              <a:t>17-Dec-25</a:t>
             </a:fld>
             <a:endParaRPr lang="en-US"/>
           </a:p>
@@ -36418,7 +36418,7 @@
             <a:fld id="{D86B3AB3-BDCC-41BF-8781-963E853753C3}" type="datetime1">
               <a:rPr lang="en-US" smtClean="0"/>
               <a:pPr/>
-              <a:t>16-Dec-25</a:t>
+              <a:t>17-Dec-25</a:t>
             </a:fld>
             <a:endParaRPr lang="en-US"/>
           </a:p>
@@ -37321,7 +37321,7 @@
             <a:fld id="{D86B3AB3-BDCC-41BF-8781-963E853753C3}" type="datetime1">
               <a:rPr lang="en-US" smtClean="0"/>
               <a:pPr/>
-              <a:t>16-Dec-25</a:t>
+              <a:t>17-Dec-25</a:t>
             </a:fld>
             <a:endParaRPr lang="en-US"/>
           </a:p>
@@ -38256,7 +38256,7 @@
             <a:fld id="{D86B3AB3-BDCC-41BF-8781-963E853753C3}" type="datetime1">
               <a:rPr lang="en-US" smtClean="0"/>
               <a:pPr/>
-              <a:t>16-Dec-25</a:t>
+              <a:t>17-Dec-25</a:t>
             </a:fld>
             <a:endParaRPr lang="en-US"/>
           </a:p>
@@ -39285,7 +39285,7 @@
             <a:fld id="{D86B3AB3-BDCC-41BF-8781-963E853753C3}" type="datetime1">
               <a:rPr lang="en-US" smtClean="0"/>
               <a:pPr/>
-              <a:t>16-Dec-25</a:t>
+              <a:t>17-Dec-25</a:t>
             </a:fld>
             <a:endParaRPr lang="en-US"/>
           </a:p>
@@ -39676,7 +39676,7 @@
             <a:fld id="{00D1CE85-AA59-46D7-98F4-301D80B40614}" type="datetimeFigureOut">
               <a:rPr lang="en-US" smtClean="0"/>
               <a:pPr/>
-              <a:t>16-Dec-25</a:t>
+              <a:t>17-Dec-25</a:t>
             </a:fld>
             <a:endParaRPr lang="en-US"/>
           </a:p>
@@ -41040,8 +41040,13 @@
           <a:p>
             <a:r>
               <a:rPr lang="en-US" sz="6000" dirty="0"/>
-              <a:t>2.6. Main System Workflows</a:t>
+              <a:t>2.6. Main </a:t>
             </a:r>
+            <a:r>
+              <a:rPr lang="en-US" sz="6000"/>
+              <a:t>System Workflows</a:t>
+            </a:r>
+            <a:endParaRPr lang="en-US" sz="6000" dirty="0"/>
           </a:p>
         </p:txBody>
       </p:sp>
@@ -41825,8 +41830,8 @@
           </a:p>
         </p:txBody>
       </p:sp>
-      <mc:AlternateContent xmlns:mc="http://schemas.openxmlformats.org/markup-compatibility/2006">
-        <mc:Choice xmlns:a14="http://schemas.microsoft.com/office/drawing/2010/main" Requires="a14">
+      <mc:AlternateContent xmlns:mc="http://schemas.openxmlformats.org/markup-compatibility/2006" xmlns:a14="http://schemas.microsoft.com/office/drawing/2010/main">
+        <mc:Choice Requires="a14">
           <p:sp>
             <p:nvSpPr>
               <p:cNvPr id="8" name="Content Placeholder 2">
@@ -42549,7 +42554,7 @@
             </p:txBody>
           </p:sp>
         </mc:Choice>
-        <mc:Fallback>
+        <mc:Fallback xmlns="">
           <p:sp>
             <p:nvSpPr>
               <p:cNvPr id="8" name="Content Placeholder 2">
@@ -43001,8 +43006,8 @@
           </a:p>
         </p:txBody>
       </p:sp>
-      <mc:AlternateContent xmlns:mc="http://schemas.openxmlformats.org/markup-compatibility/2006">
-        <mc:Choice xmlns:a14="http://schemas.microsoft.com/office/drawing/2010/main" Requires="a14">
+      <mc:AlternateContent xmlns:mc="http://schemas.openxmlformats.org/markup-compatibility/2006" xmlns:a14="http://schemas.microsoft.com/office/drawing/2010/main">
+        <mc:Choice Requires="a14">
           <p:sp>
             <p:nvSpPr>
               <p:cNvPr id="8" name="Content Placeholder 2">
@@ -43585,7 +43590,7 @@
             </p:txBody>
           </p:sp>
         </mc:Choice>
-        <mc:Fallback>
+        <mc:Fallback xmlns="">
           <p:sp>
             <p:nvSpPr>
               <p:cNvPr id="8" name="Content Placeholder 2">
@@ -44242,8 +44247,8 @@
           </a:p>
         </p:txBody>
       </p:sp>
-      <mc:AlternateContent xmlns:mc="http://schemas.openxmlformats.org/markup-compatibility/2006">
-        <mc:Choice xmlns:a14="http://schemas.microsoft.com/office/drawing/2010/main" Requires="a14">
+      <mc:AlternateContent xmlns:mc="http://schemas.openxmlformats.org/markup-compatibility/2006" xmlns:a14="http://schemas.microsoft.com/office/drawing/2010/main">
+        <mc:Choice Requires="a14">
           <p:sp>
             <p:nvSpPr>
               <p:cNvPr id="8" name="Content Placeholder 2">
@@ -44435,7 +44440,6 @@
                 </a:endParaRPr>
               </a:p>
               <a:p>
-                <a:pPr/>
                 <a:endParaRPr lang="en-US" sz="800" dirty="0">
                   <a:latin typeface="Cambria Math" panose="02040503050406030204" pitchFamily="18" charset="0"/>
                   <a:ea typeface="Cambria Math" panose="02040503050406030204" pitchFamily="18" charset="0"/>
@@ -44602,7 +44606,7 @@
             </p:txBody>
           </p:sp>
         </mc:Choice>
-        <mc:Fallback>
+        <mc:Fallback xmlns="">
           <p:sp>
             <p:nvSpPr>
               <p:cNvPr id="8" name="Content Placeholder 2">
